--- a/산출물/Team3 화면 설계 발표 ppt.pptx
+++ b/산출물/Team3 화면 설계 발표 ppt.pptx
@@ -5,7 +5,7 @@
     <p:sldMasterId id="2147483648" r:id="rId1"/>
   </p:sldMasterIdLst>
   <p:notesMasterIdLst>
-    <p:notesMasterId r:id="rId18"/>
+    <p:notesMasterId r:id="rId19"/>
   </p:notesMasterIdLst>
   <p:sldIdLst>
     <p:sldId id="256" r:id="rId2"/>
@@ -16,14 +16,15 @@
     <p:sldId id="286" r:id="rId7"/>
     <p:sldId id="270" r:id="rId8"/>
     <p:sldId id="279" r:id="rId9"/>
-    <p:sldId id="285" r:id="rId10"/>
-    <p:sldId id="273" r:id="rId11"/>
-    <p:sldId id="274" r:id="rId12"/>
-    <p:sldId id="276" r:id="rId13"/>
-    <p:sldId id="277" r:id="rId14"/>
-    <p:sldId id="278" r:id="rId15"/>
-    <p:sldId id="268" r:id="rId16"/>
-    <p:sldId id="283" r:id="rId17"/>
+    <p:sldId id="287" r:id="rId10"/>
+    <p:sldId id="285" r:id="rId11"/>
+    <p:sldId id="273" r:id="rId12"/>
+    <p:sldId id="274" r:id="rId13"/>
+    <p:sldId id="276" r:id="rId14"/>
+    <p:sldId id="277" r:id="rId15"/>
+    <p:sldId id="278" r:id="rId16"/>
+    <p:sldId id="268" r:id="rId17"/>
+    <p:sldId id="283" r:id="rId18"/>
   </p:sldIdLst>
   <p:sldSz cx="12190413" cy="6858000"/>
   <p:notesSz cx="6858000" cy="9144000"/>
@@ -841,6 +842,261 @@
       </p:grpSpPr>
       <p:sp>
         <p:nvSpPr>
+          <p:cNvPr id="20482" name="슬라이드 이미지 개체 틀 1"/>
+          <p:cNvSpPr>
+            <a:spLocks noGrp="1" noRot="1" noChangeAspect="1" noTextEdit="1"/>
+          </p:cNvSpPr>
+          <p:nvPr>
+            <p:ph type="sldImg"/>
+          </p:nvPr>
+        </p:nvSpPr>
+        <p:spPr bwMode="auto">
+          <a:noFill/>
+          <a:ln>
+            <a:solidFill>
+              <a:srgbClr val="000000"/>
+            </a:solidFill>
+            <a:miter lim="800000"/>
+            <a:headEnd/>
+            <a:tailEnd/>
+          </a:ln>
+          <a:extLst>
+            <a:ext uri="{909E8E84-426E-40DD-AFC4-6F175D3DCCD1}">
+              <a14:hiddenFill xmlns:a14="http://schemas.microsoft.com/office/drawing/2010/main">
+                <a:solidFill>
+                  <a:srgbClr val="FFFFFF"/>
+                </a:solidFill>
+              </a14:hiddenFill>
+            </a:ext>
+          </a:extLst>
+        </p:spPr>
+      </p:sp>
+      <p:sp>
+        <p:nvSpPr>
+          <p:cNvPr id="20483" name="슬라이드 노트 개체 틀 2"/>
+          <p:cNvSpPr>
+            <a:spLocks noGrp="1"/>
+          </p:cNvSpPr>
+          <p:nvPr>
+            <p:ph type="body" idx="1"/>
+          </p:nvPr>
+        </p:nvSpPr>
+        <p:spPr bwMode="auto">
+          <a:noFill/>
+          <a:extLst>
+            <a:ext uri="{909E8E84-426E-40DD-AFC4-6F175D3DCCD1}">
+              <a14:hiddenFill xmlns:a14="http://schemas.microsoft.com/office/drawing/2010/main">
+                <a:solidFill>
+                  <a:srgbClr val="FFFFFF"/>
+                </a:solidFill>
+              </a14:hiddenFill>
+            </a:ext>
+            <a:ext uri="{91240B29-F687-4F45-9708-019B960494DF}">
+              <a14:hiddenLine xmlns:a14="http://schemas.microsoft.com/office/drawing/2010/main" w="9525">
+                <a:solidFill>
+                  <a:srgbClr val="000000"/>
+                </a:solidFill>
+                <a:miter lim="800000"/>
+                <a:headEnd/>
+                <a:tailEnd/>
+              </a14:hiddenLine>
+            </a:ext>
+          </a:extLst>
+        </p:spPr>
+        <p:txBody>
+          <a:bodyPr wrap="square" numCol="1" anchor="t" anchorCtr="0" compatLnSpc="1">
+            <a:prstTxWarp prst="textNoShape">
+              <a:avLst/>
+            </a:prstTxWarp>
+          </a:bodyPr>
+          <a:lstStyle/>
+          <a:p>
+            <a:endParaRPr lang="ko-KR" altLang="en-US"/>
+          </a:p>
+        </p:txBody>
+      </p:sp>
+      <p:sp>
+        <p:nvSpPr>
+          <p:cNvPr id="20484" name="슬라이드 번호 개체 틀 3"/>
+          <p:cNvSpPr>
+            <a:spLocks noGrp="1"/>
+          </p:cNvSpPr>
+          <p:nvPr>
+            <p:ph type="sldNum" sz="quarter" idx="5"/>
+          </p:nvPr>
+        </p:nvSpPr>
+        <p:spPr bwMode="auto">
+          <a:noFill/>
+          <a:extLst>
+            <a:ext uri="{909E8E84-426E-40DD-AFC4-6F175D3DCCD1}">
+              <a14:hiddenFill xmlns:a14="http://schemas.microsoft.com/office/drawing/2010/main">
+                <a:solidFill>
+                  <a:srgbClr val="FFFFFF"/>
+                </a:solidFill>
+              </a14:hiddenFill>
+            </a:ext>
+            <a:ext uri="{91240B29-F687-4F45-9708-019B960494DF}">
+              <a14:hiddenLine xmlns:a14="http://schemas.microsoft.com/office/drawing/2010/main" w="9525">
+                <a:solidFill>
+                  <a:srgbClr val="000000"/>
+                </a:solidFill>
+                <a:miter lim="800000"/>
+                <a:headEnd/>
+                <a:tailEnd/>
+              </a14:hiddenLine>
+            </a:ext>
+          </a:extLst>
+        </p:spPr>
+        <p:txBody>
+          <a:bodyPr wrap="square" numCol="1" anchorCtr="0" compatLnSpc="1">
+            <a:prstTxWarp prst="textNoShape">
+              <a:avLst/>
+            </a:prstTxWarp>
+          </a:bodyPr>
+          <a:lstStyle>
+            <a:lvl1pPr>
+              <a:defRPr kumimoji="1">
+                <a:solidFill>
+                  <a:schemeClr val="tx1"/>
+                </a:solidFill>
+                <a:latin typeface="맑은 고딕" panose="020B0503020000020004" pitchFamily="50" charset="-127"/>
+                <a:ea typeface="굴림" panose="020B0600000101010101" pitchFamily="50" charset="-127"/>
+              </a:defRPr>
+            </a:lvl1pPr>
+            <a:lvl2pPr marL="742950" indent="-285750">
+              <a:defRPr kumimoji="1">
+                <a:solidFill>
+                  <a:schemeClr val="tx1"/>
+                </a:solidFill>
+                <a:latin typeface="맑은 고딕" panose="020B0503020000020004" pitchFamily="50" charset="-127"/>
+                <a:ea typeface="굴림" panose="020B0600000101010101" pitchFamily="50" charset="-127"/>
+              </a:defRPr>
+            </a:lvl2pPr>
+            <a:lvl3pPr marL="1143000" indent="-228600">
+              <a:defRPr kumimoji="1">
+                <a:solidFill>
+                  <a:schemeClr val="tx1"/>
+                </a:solidFill>
+                <a:latin typeface="맑은 고딕" panose="020B0503020000020004" pitchFamily="50" charset="-127"/>
+                <a:ea typeface="굴림" panose="020B0600000101010101" pitchFamily="50" charset="-127"/>
+              </a:defRPr>
+            </a:lvl3pPr>
+            <a:lvl4pPr marL="1600200" indent="-228600">
+              <a:defRPr kumimoji="1">
+                <a:solidFill>
+                  <a:schemeClr val="tx1"/>
+                </a:solidFill>
+                <a:latin typeface="맑은 고딕" panose="020B0503020000020004" pitchFamily="50" charset="-127"/>
+                <a:ea typeface="굴림" panose="020B0600000101010101" pitchFamily="50" charset="-127"/>
+              </a:defRPr>
+            </a:lvl4pPr>
+            <a:lvl5pPr marL="2057400" indent="-228600">
+              <a:defRPr kumimoji="1">
+                <a:solidFill>
+                  <a:schemeClr val="tx1"/>
+                </a:solidFill>
+                <a:latin typeface="맑은 고딕" panose="020B0503020000020004" pitchFamily="50" charset="-127"/>
+                <a:ea typeface="굴림" panose="020B0600000101010101" pitchFamily="50" charset="-127"/>
+              </a:defRPr>
+            </a:lvl5pPr>
+            <a:lvl6pPr marL="2514600" indent="-228600" eaLnBrk="0" fontAlgn="base" hangingPunct="0">
+              <a:spcBef>
+                <a:spcPct val="0"/>
+              </a:spcBef>
+              <a:spcAft>
+                <a:spcPct val="0"/>
+              </a:spcAft>
+              <a:defRPr kumimoji="1">
+                <a:solidFill>
+                  <a:schemeClr val="tx1"/>
+                </a:solidFill>
+                <a:latin typeface="맑은 고딕" panose="020B0503020000020004" pitchFamily="50" charset="-127"/>
+                <a:ea typeface="굴림" panose="020B0600000101010101" pitchFamily="50" charset="-127"/>
+              </a:defRPr>
+            </a:lvl6pPr>
+            <a:lvl7pPr marL="2971800" indent="-228600" eaLnBrk="0" fontAlgn="base" hangingPunct="0">
+              <a:spcBef>
+                <a:spcPct val="0"/>
+              </a:spcBef>
+              <a:spcAft>
+                <a:spcPct val="0"/>
+              </a:spcAft>
+              <a:defRPr kumimoji="1">
+                <a:solidFill>
+                  <a:schemeClr val="tx1"/>
+                </a:solidFill>
+                <a:latin typeface="맑은 고딕" panose="020B0503020000020004" pitchFamily="50" charset="-127"/>
+                <a:ea typeface="굴림" panose="020B0600000101010101" pitchFamily="50" charset="-127"/>
+              </a:defRPr>
+            </a:lvl7pPr>
+            <a:lvl8pPr marL="3429000" indent="-228600" eaLnBrk="0" fontAlgn="base" hangingPunct="0">
+              <a:spcBef>
+                <a:spcPct val="0"/>
+              </a:spcBef>
+              <a:spcAft>
+                <a:spcPct val="0"/>
+              </a:spcAft>
+              <a:defRPr kumimoji="1">
+                <a:solidFill>
+                  <a:schemeClr val="tx1"/>
+                </a:solidFill>
+                <a:latin typeface="맑은 고딕" panose="020B0503020000020004" pitchFamily="50" charset="-127"/>
+                <a:ea typeface="굴림" panose="020B0600000101010101" pitchFamily="50" charset="-127"/>
+              </a:defRPr>
+            </a:lvl8pPr>
+            <a:lvl9pPr marL="3886200" indent="-228600" eaLnBrk="0" fontAlgn="base" hangingPunct="0">
+              <a:spcBef>
+                <a:spcPct val="0"/>
+              </a:spcBef>
+              <a:spcAft>
+                <a:spcPct val="0"/>
+              </a:spcAft>
+              <a:defRPr kumimoji="1">
+                <a:solidFill>
+                  <a:schemeClr val="tx1"/>
+                </a:solidFill>
+                <a:latin typeface="맑은 고딕" panose="020B0503020000020004" pitchFamily="50" charset="-127"/>
+                <a:ea typeface="굴림" panose="020B0600000101010101" pitchFamily="50" charset="-127"/>
+              </a:defRPr>
+            </a:lvl9pPr>
+          </a:lstStyle>
+          <a:p>
+            <a:fld id="{3B536548-60B9-46DD-A4BE-0B939DAEDF09}" type="slidenum">
+              <a:rPr lang="ko-KR" altLang="en-US" smtClean="0"/>
+              <a:pPr/>
+              <a:t>13</a:t>
+            </a:fld>
+            <a:endParaRPr lang="ko-KR" altLang="en-US"/>
+          </a:p>
+        </p:txBody>
+      </p:sp>
+    </p:spTree>
+  </p:cSld>
+  <p:clrMapOvr>
+    <a:masterClrMapping/>
+  </p:clrMapOvr>
+</p:notes>
+</file>
+
+<file path=ppt/notesSlides/notesSlide11.xml><?xml version="1.0" encoding="utf-8"?>
+<p:notes xmlns:a="http://schemas.openxmlformats.org/drawingml/2006/main" xmlns:r="http://schemas.openxmlformats.org/officeDocument/2006/relationships" xmlns:p="http://schemas.openxmlformats.org/presentationml/2006/main">
+  <p:cSld>
+    <p:spTree>
+      <p:nvGrpSpPr>
+        <p:cNvPr id="1" name=""/>
+        <p:cNvGrpSpPr/>
+        <p:nvPr/>
+      </p:nvGrpSpPr>
+      <p:grpSpPr>
+        <a:xfrm>
+          <a:off x="0" y="0"/>
+          <a:ext cx="0" cy="0"/>
+          <a:chOff x="0" y="0"/>
+          <a:chExt cx="0" cy="0"/>
+        </a:xfrm>
+      </p:grpSpPr>
+      <p:sp>
+        <p:nvSpPr>
           <p:cNvPr id="22530" name="슬라이드 이미지 개체 틀 1"/>
           <p:cNvSpPr>
             <a:spLocks noGrp="1" noRot="1" noChangeAspect="1" noTextEdit="1"/>
@@ -1063,7 +1319,7 @@
             <a:fld id="{F6195EAA-698F-412A-9A12-58B96CA6FBBE}" type="slidenum">
               <a:rPr lang="ko-KR" altLang="en-US" smtClean="0"/>
               <a:pPr/>
-              <a:t>13</a:t>
+              <a:t>14</a:t>
             </a:fld>
             <a:endParaRPr lang="ko-KR" altLang="en-US"/>
           </a:p>
@@ -1077,7 +1333,7 @@
 </p:notes>
 </file>
 
-<file path=ppt/notesSlides/notesSlide11.xml><?xml version="1.0" encoding="utf-8"?>
+<file path=ppt/notesSlides/notesSlide12.xml><?xml version="1.0" encoding="utf-8"?>
 <p:notes xmlns:a="http://schemas.openxmlformats.org/drawingml/2006/main" xmlns:r="http://schemas.openxmlformats.org/officeDocument/2006/relationships" xmlns:p="http://schemas.openxmlformats.org/presentationml/2006/main">
   <p:cSld>
     <p:spTree>
@@ -1318,7 +1574,7 @@
             <a:fld id="{4120A9E4-F467-41CA-BCA1-48B487B91609}" type="slidenum">
               <a:rPr lang="ko-KR" altLang="en-US" smtClean="0"/>
               <a:pPr/>
-              <a:t>14</a:t>
+              <a:t>15</a:t>
             </a:fld>
             <a:endParaRPr lang="ko-KR" altLang="en-US"/>
           </a:p>
@@ -1332,7 +1588,7 @@
 </p:notes>
 </file>
 
-<file path=ppt/notesSlides/notesSlide12.xml><?xml version="1.0" encoding="utf-8"?>
+<file path=ppt/notesSlides/notesSlide13.xml><?xml version="1.0" encoding="utf-8"?>
 <p:notes xmlns:a="http://schemas.openxmlformats.org/drawingml/2006/main" xmlns:r="http://schemas.openxmlformats.org/officeDocument/2006/relationships" xmlns:p="http://schemas.openxmlformats.org/presentationml/2006/main">
   <p:cSld>
     <p:spTree>
@@ -1573,7 +1829,7 @@
             <a:fld id="{A8D29645-7411-4A39-97A0-E308831378B2}" type="slidenum">
               <a:rPr lang="ko-KR" altLang="en-US" smtClean="0"/>
               <a:pPr/>
-              <a:t>15</a:t>
+              <a:t>16</a:t>
             </a:fld>
             <a:endParaRPr lang="ko-KR" altLang="en-US"/>
           </a:p>
@@ -1587,7 +1843,7 @@
 </p:notes>
 </file>
 
-<file path=ppt/notesSlides/notesSlide13.xml><?xml version="1.0" encoding="utf-8"?>
+<file path=ppt/notesSlides/notesSlide14.xml><?xml version="1.0" encoding="utf-8"?>
 <p:notes xmlns:a="http://schemas.openxmlformats.org/drawingml/2006/main" xmlns:r="http://schemas.openxmlformats.org/officeDocument/2006/relationships" xmlns:p="http://schemas.openxmlformats.org/presentationml/2006/main">
   <p:cSld>
     <p:spTree>
@@ -1828,7 +2084,7 @@
             <a:fld id="{34EF311D-E29B-45FD-B4EB-97AE3D58A47B}" type="slidenum">
               <a:rPr lang="ko-KR" altLang="en-US" smtClean="0"/>
               <a:pPr/>
-              <a:t>16</a:t>
+              <a:t>17</a:t>
             </a:fld>
             <a:endParaRPr lang="ko-KR" altLang="en-US"/>
           </a:p>
@@ -2980,6 +3236,266 @@
     </p:spTree>
     <p:extLst>
       <p:ext uri="{BB962C8B-B14F-4D97-AF65-F5344CB8AC3E}">
+        <p14:creationId xmlns:p14="http://schemas.microsoft.com/office/powerpoint/2010/main" val="2525400394"/>
+      </p:ext>
+    </p:extLst>
+  </p:cSld>
+  <p:clrMapOvr>
+    <a:masterClrMapping/>
+  </p:clrMapOvr>
+</p:notes>
+</file>
+
+<file path=ppt/notesSlides/notesSlide7.xml><?xml version="1.0" encoding="utf-8"?>
+<p:notes xmlns:a="http://schemas.openxmlformats.org/drawingml/2006/main" xmlns:r="http://schemas.openxmlformats.org/officeDocument/2006/relationships" xmlns:p="http://schemas.openxmlformats.org/presentationml/2006/main">
+  <p:cSld>
+    <p:spTree>
+      <p:nvGrpSpPr>
+        <p:cNvPr id="1" name=""/>
+        <p:cNvGrpSpPr/>
+        <p:nvPr/>
+      </p:nvGrpSpPr>
+      <p:grpSpPr>
+        <a:xfrm>
+          <a:off x="0" y="0"/>
+          <a:ext cx="0" cy="0"/>
+          <a:chOff x="0" y="0"/>
+          <a:chExt cx="0" cy="0"/>
+        </a:xfrm>
+      </p:grpSpPr>
+      <p:sp>
+        <p:nvSpPr>
+          <p:cNvPr id="26626" name="슬라이드 이미지 개체 틀 1"/>
+          <p:cNvSpPr>
+            <a:spLocks noGrp="1" noRot="1" noChangeAspect="1" noTextEdit="1"/>
+          </p:cNvSpPr>
+          <p:nvPr>
+            <p:ph type="sldImg"/>
+          </p:nvPr>
+        </p:nvSpPr>
+        <p:spPr bwMode="auto">
+          <a:noFill/>
+          <a:ln>
+            <a:solidFill>
+              <a:srgbClr val="000000"/>
+            </a:solidFill>
+            <a:miter lim="800000"/>
+            <a:headEnd/>
+            <a:tailEnd/>
+          </a:ln>
+          <a:extLst>
+            <a:ext uri="{909E8E84-426E-40DD-AFC4-6F175D3DCCD1}">
+              <a14:hiddenFill xmlns:a14="http://schemas.microsoft.com/office/drawing/2010/main">
+                <a:solidFill>
+                  <a:srgbClr val="FFFFFF"/>
+                </a:solidFill>
+              </a14:hiddenFill>
+            </a:ext>
+          </a:extLst>
+        </p:spPr>
+      </p:sp>
+      <p:sp>
+        <p:nvSpPr>
+          <p:cNvPr id="26627" name="슬라이드 노트 개체 틀 2"/>
+          <p:cNvSpPr>
+            <a:spLocks noGrp="1"/>
+          </p:cNvSpPr>
+          <p:nvPr>
+            <p:ph type="body" idx="1"/>
+          </p:nvPr>
+        </p:nvSpPr>
+        <p:spPr bwMode="auto">
+          <a:noFill/>
+          <a:extLst>
+            <a:ext uri="{909E8E84-426E-40DD-AFC4-6F175D3DCCD1}">
+              <a14:hiddenFill xmlns:a14="http://schemas.microsoft.com/office/drawing/2010/main">
+                <a:solidFill>
+                  <a:srgbClr val="FFFFFF"/>
+                </a:solidFill>
+              </a14:hiddenFill>
+            </a:ext>
+            <a:ext uri="{91240B29-F687-4F45-9708-019B960494DF}">
+              <a14:hiddenLine xmlns:a14="http://schemas.microsoft.com/office/drawing/2010/main" w="9525">
+                <a:solidFill>
+                  <a:srgbClr val="000000"/>
+                </a:solidFill>
+                <a:miter lim="800000"/>
+                <a:headEnd/>
+                <a:tailEnd/>
+              </a14:hiddenLine>
+            </a:ext>
+          </a:extLst>
+        </p:spPr>
+        <p:txBody>
+          <a:bodyPr wrap="square" numCol="1" anchor="t" anchorCtr="0" compatLnSpc="1">
+            <a:prstTxWarp prst="textNoShape">
+              <a:avLst/>
+            </a:prstTxWarp>
+          </a:bodyPr>
+          <a:lstStyle/>
+          <a:p>
+            <a:endParaRPr lang="ko-KR" altLang="en-US"/>
+          </a:p>
+        </p:txBody>
+      </p:sp>
+      <p:sp>
+        <p:nvSpPr>
+          <p:cNvPr id="26628" name="슬라이드 번호 개체 틀 3"/>
+          <p:cNvSpPr>
+            <a:spLocks noGrp="1"/>
+          </p:cNvSpPr>
+          <p:nvPr>
+            <p:ph type="sldNum" sz="quarter" idx="5"/>
+          </p:nvPr>
+        </p:nvSpPr>
+        <p:spPr bwMode="auto">
+          <a:noFill/>
+          <a:extLst>
+            <a:ext uri="{909E8E84-426E-40DD-AFC4-6F175D3DCCD1}">
+              <a14:hiddenFill xmlns:a14="http://schemas.microsoft.com/office/drawing/2010/main">
+                <a:solidFill>
+                  <a:srgbClr val="FFFFFF"/>
+                </a:solidFill>
+              </a14:hiddenFill>
+            </a:ext>
+            <a:ext uri="{91240B29-F687-4F45-9708-019B960494DF}">
+              <a14:hiddenLine xmlns:a14="http://schemas.microsoft.com/office/drawing/2010/main" w="9525">
+                <a:solidFill>
+                  <a:srgbClr val="000000"/>
+                </a:solidFill>
+                <a:miter lim="800000"/>
+                <a:headEnd/>
+                <a:tailEnd/>
+              </a14:hiddenLine>
+            </a:ext>
+          </a:extLst>
+        </p:spPr>
+        <p:txBody>
+          <a:bodyPr wrap="square" numCol="1" anchorCtr="0" compatLnSpc="1">
+            <a:prstTxWarp prst="textNoShape">
+              <a:avLst/>
+            </a:prstTxWarp>
+          </a:bodyPr>
+          <a:lstStyle>
+            <a:lvl1pPr>
+              <a:defRPr kumimoji="1">
+                <a:solidFill>
+                  <a:schemeClr val="tx1"/>
+                </a:solidFill>
+                <a:latin typeface="맑은 고딕" panose="020B0503020000020004" pitchFamily="50" charset="-127"/>
+                <a:ea typeface="굴림" panose="020B0600000101010101" pitchFamily="50" charset="-127"/>
+              </a:defRPr>
+            </a:lvl1pPr>
+            <a:lvl2pPr marL="742950" indent="-285750">
+              <a:defRPr kumimoji="1">
+                <a:solidFill>
+                  <a:schemeClr val="tx1"/>
+                </a:solidFill>
+                <a:latin typeface="맑은 고딕" panose="020B0503020000020004" pitchFamily="50" charset="-127"/>
+                <a:ea typeface="굴림" panose="020B0600000101010101" pitchFamily="50" charset="-127"/>
+              </a:defRPr>
+            </a:lvl2pPr>
+            <a:lvl3pPr marL="1143000" indent="-228600">
+              <a:defRPr kumimoji="1">
+                <a:solidFill>
+                  <a:schemeClr val="tx1"/>
+                </a:solidFill>
+                <a:latin typeface="맑은 고딕" panose="020B0503020000020004" pitchFamily="50" charset="-127"/>
+                <a:ea typeface="굴림" panose="020B0600000101010101" pitchFamily="50" charset="-127"/>
+              </a:defRPr>
+            </a:lvl3pPr>
+            <a:lvl4pPr marL="1600200" indent="-228600">
+              <a:defRPr kumimoji="1">
+                <a:solidFill>
+                  <a:schemeClr val="tx1"/>
+                </a:solidFill>
+                <a:latin typeface="맑은 고딕" panose="020B0503020000020004" pitchFamily="50" charset="-127"/>
+                <a:ea typeface="굴림" panose="020B0600000101010101" pitchFamily="50" charset="-127"/>
+              </a:defRPr>
+            </a:lvl4pPr>
+            <a:lvl5pPr marL="2057400" indent="-228600">
+              <a:defRPr kumimoji="1">
+                <a:solidFill>
+                  <a:schemeClr val="tx1"/>
+                </a:solidFill>
+                <a:latin typeface="맑은 고딕" panose="020B0503020000020004" pitchFamily="50" charset="-127"/>
+                <a:ea typeface="굴림" panose="020B0600000101010101" pitchFamily="50" charset="-127"/>
+              </a:defRPr>
+            </a:lvl5pPr>
+            <a:lvl6pPr marL="2514600" indent="-228600" eaLnBrk="0" fontAlgn="base" hangingPunct="0">
+              <a:spcBef>
+                <a:spcPct val="0"/>
+              </a:spcBef>
+              <a:spcAft>
+                <a:spcPct val="0"/>
+              </a:spcAft>
+              <a:defRPr kumimoji="1">
+                <a:solidFill>
+                  <a:schemeClr val="tx1"/>
+                </a:solidFill>
+                <a:latin typeface="맑은 고딕" panose="020B0503020000020004" pitchFamily="50" charset="-127"/>
+                <a:ea typeface="굴림" panose="020B0600000101010101" pitchFamily="50" charset="-127"/>
+              </a:defRPr>
+            </a:lvl6pPr>
+            <a:lvl7pPr marL="2971800" indent="-228600" eaLnBrk="0" fontAlgn="base" hangingPunct="0">
+              <a:spcBef>
+                <a:spcPct val="0"/>
+              </a:spcBef>
+              <a:spcAft>
+                <a:spcPct val="0"/>
+              </a:spcAft>
+              <a:defRPr kumimoji="1">
+                <a:solidFill>
+                  <a:schemeClr val="tx1"/>
+                </a:solidFill>
+                <a:latin typeface="맑은 고딕" panose="020B0503020000020004" pitchFamily="50" charset="-127"/>
+                <a:ea typeface="굴림" panose="020B0600000101010101" pitchFamily="50" charset="-127"/>
+              </a:defRPr>
+            </a:lvl7pPr>
+            <a:lvl8pPr marL="3429000" indent="-228600" eaLnBrk="0" fontAlgn="base" hangingPunct="0">
+              <a:spcBef>
+                <a:spcPct val="0"/>
+              </a:spcBef>
+              <a:spcAft>
+                <a:spcPct val="0"/>
+              </a:spcAft>
+              <a:defRPr kumimoji="1">
+                <a:solidFill>
+                  <a:schemeClr val="tx1"/>
+                </a:solidFill>
+                <a:latin typeface="맑은 고딕" panose="020B0503020000020004" pitchFamily="50" charset="-127"/>
+                <a:ea typeface="굴림" panose="020B0600000101010101" pitchFamily="50" charset="-127"/>
+              </a:defRPr>
+            </a:lvl8pPr>
+            <a:lvl9pPr marL="3886200" indent="-228600" eaLnBrk="0" fontAlgn="base" hangingPunct="0">
+              <a:spcBef>
+                <a:spcPct val="0"/>
+              </a:spcBef>
+              <a:spcAft>
+                <a:spcPct val="0"/>
+              </a:spcAft>
+              <a:defRPr kumimoji="1">
+                <a:solidFill>
+                  <a:schemeClr val="tx1"/>
+                </a:solidFill>
+                <a:latin typeface="맑은 고딕" panose="020B0503020000020004" pitchFamily="50" charset="-127"/>
+                <a:ea typeface="굴림" panose="020B0600000101010101" pitchFamily="50" charset="-127"/>
+              </a:defRPr>
+            </a:lvl9pPr>
+          </a:lstStyle>
+          <a:p>
+            <a:fld id="{A5D0E04E-C966-4F17-B578-FC771CCA691D}" type="slidenum">
+              <a:rPr lang="ko-KR" altLang="en-US" smtClean="0"/>
+              <a:pPr/>
+              <a:t>10</a:t>
+            </a:fld>
+            <a:endParaRPr lang="ko-KR" altLang="en-US"/>
+          </a:p>
+        </p:txBody>
+      </p:sp>
+    </p:spTree>
+    <p:extLst>
+      <p:ext uri="{BB962C8B-B14F-4D97-AF65-F5344CB8AC3E}">
         <p14:creationId xmlns:p14="http://schemas.microsoft.com/office/powerpoint/2010/main" val="238835315"/>
       </p:ext>
     </p:extLst>
@@ -2990,7 +3506,7 @@
 </p:notes>
 </file>
 
-<file path=ppt/notesSlides/notesSlide7.xml><?xml version="1.0" encoding="utf-8"?>
+<file path=ppt/notesSlides/notesSlide8.xml><?xml version="1.0" encoding="utf-8"?>
 <p:notes xmlns:a="http://schemas.openxmlformats.org/drawingml/2006/main" xmlns:r="http://schemas.openxmlformats.org/officeDocument/2006/relationships" xmlns:p="http://schemas.openxmlformats.org/presentationml/2006/main">
   <p:cSld>
     <p:spTree>
@@ -3231,7 +3747,7 @@
             <a:fld id="{96C0474F-7BB8-4703-BBA7-ABCA87108594}" type="slidenum">
               <a:rPr lang="ko-KR" altLang="en-US" smtClean="0"/>
               <a:pPr/>
-              <a:t>10</a:t>
+              <a:t>11</a:t>
             </a:fld>
             <a:endParaRPr lang="ko-KR" altLang="en-US"/>
           </a:p>
@@ -3245,7 +3761,7 @@
 </p:notes>
 </file>
 
-<file path=ppt/notesSlides/notesSlide8.xml><?xml version="1.0" encoding="utf-8"?>
+<file path=ppt/notesSlides/notesSlide9.xml><?xml version="1.0" encoding="utf-8"?>
 <p:notes xmlns:a="http://schemas.openxmlformats.org/drawingml/2006/main" xmlns:r="http://schemas.openxmlformats.org/officeDocument/2006/relationships" xmlns:p="http://schemas.openxmlformats.org/presentationml/2006/main">
   <p:cSld>
     <p:spTree>
@@ -3484,261 +4000,6 @@
           </a:lstStyle>
           <a:p>
             <a:fld id="{F87D9AC1-BC93-4CF6-9ADB-031E2966E5A0}" type="slidenum">
-              <a:rPr lang="ko-KR" altLang="en-US" smtClean="0"/>
-              <a:pPr/>
-              <a:t>11</a:t>
-            </a:fld>
-            <a:endParaRPr lang="ko-KR" altLang="en-US"/>
-          </a:p>
-        </p:txBody>
-      </p:sp>
-    </p:spTree>
-  </p:cSld>
-  <p:clrMapOvr>
-    <a:masterClrMapping/>
-  </p:clrMapOvr>
-</p:notes>
-</file>
-
-<file path=ppt/notesSlides/notesSlide9.xml><?xml version="1.0" encoding="utf-8"?>
-<p:notes xmlns:a="http://schemas.openxmlformats.org/drawingml/2006/main" xmlns:r="http://schemas.openxmlformats.org/officeDocument/2006/relationships" xmlns:p="http://schemas.openxmlformats.org/presentationml/2006/main">
-  <p:cSld>
-    <p:spTree>
-      <p:nvGrpSpPr>
-        <p:cNvPr id="1" name=""/>
-        <p:cNvGrpSpPr/>
-        <p:nvPr/>
-      </p:nvGrpSpPr>
-      <p:grpSpPr>
-        <a:xfrm>
-          <a:off x="0" y="0"/>
-          <a:ext cx="0" cy="0"/>
-          <a:chOff x="0" y="0"/>
-          <a:chExt cx="0" cy="0"/>
-        </a:xfrm>
-      </p:grpSpPr>
-      <p:sp>
-        <p:nvSpPr>
-          <p:cNvPr id="20482" name="슬라이드 이미지 개체 틀 1"/>
-          <p:cNvSpPr>
-            <a:spLocks noGrp="1" noRot="1" noChangeAspect="1" noTextEdit="1"/>
-          </p:cNvSpPr>
-          <p:nvPr>
-            <p:ph type="sldImg"/>
-          </p:nvPr>
-        </p:nvSpPr>
-        <p:spPr bwMode="auto">
-          <a:noFill/>
-          <a:ln>
-            <a:solidFill>
-              <a:srgbClr val="000000"/>
-            </a:solidFill>
-            <a:miter lim="800000"/>
-            <a:headEnd/>
-            <a:tailEnd/>
-          </a:ln>
-          <a:extLst>
-            <a:ext uri="{909E8E84-426E-40DD-AFC4-6F175D3DCCD1}">
-              <a14:hiddenFill xmlns:a14="http://schemas.microsoft.com/office/drawing/2010/main">
-                <a:solidFill>
-                  <a:srgbClr val="FFFFFF"/>
-                </a:solidFill>
-              </a14:hiddenFill>
-            </a:ext>
-          </a:extLst>
-        </p:spPr>
-      </p:sp>
-      <p:sp>
-        <p:nvSpPr>
-          <p:cNvPr id="20483" name="슬라이드 노트 개체 틀 2"/>
-          <p:cNvSpPr>
-            <a:spLocks noGrp="1"/>
-          </p:cNvSpPr>
-          <p:nvPr>
-            <p:ph type="body" idx="1"/>
-          </p:nvPr>
-        </p:nvSpPr>
-        <p:spPr bwMode="auto">
-          <a:noFill/>
-          <a:extLst>
-            <a:ext uri="{909E8E84-426E-40DD-AFC4-6F175D3DCCD1}">
-              <a14:hiddenFill xmlns:a14="http://schemas.microsoft.com/office/drawing/2010/main">
-                <a:solidFill>
-                  <a:srgbClr val="FFFFFF"/>
-                </a:solidFill>
-              </a14:hiddenFill>
-            </a:ext>
-            <a:ext uri="{91240B29-F687-4F45-9708-019B960494DF}">
-              <a14:hiddenLine xmlns:a14="http://schemas.microsoft.com/office/drawing/2010/main" w="9525">
-                <a:solidFill>
-                  <a:srgbClr val="000000"/>
-                </a:solidFill>
-                <a:miter lim="800000"/>
-                <a:headEnd/>
-                <a:tailEnd/>
-              </a14:hiddenLine>
-            </a:ext>
-          </a:extLst>
-        </p:spPr>
-        <p:txBody>
-          <a:bodyPr wrap="square" numCol="1" anchor="t" anchorCtr="0" compatLnSpc="1">
-            <a:prstTxWarp prst="textNoShape">
-              <a:avLst/>
-            </a:prstTxWarp>
-          </a:bodyPr>
-          <a:lstStyle/>
-          <a:p>
-            <a:endParaRPr lang="ko-KR" altLang="en-US"/>
-          </a:p>
-        </p:txBody>
-      </p:sp>
-      <p:sp>
-        <p:nvSpPr>
-          <p:cNvPr id="20484" name="슬라이드 번호 개체 틀 3"/>
-          <p:cNvSpPr>
-            <a:spLocks noGrp="1"/>
-          </p:cNvSpPr>
-          <p:nvPr>
-            <p:ph type="sldNum" sz="quarter" idx="5"/>
-          </p:nvPr>
-        </p:nvSpPr>
-        <p:spPr bwMode="auto">
-          <a:noFill/>
-          <a:extLst>
-            <a:ext uri="{909E8E84-426E-40DD-AFC4-6F175D3DCCD1}">
-              <a14:hiddenFill xmlns:a14="http://schemas.microsoft.com/office/drawing/2010/main">
-                <a:solidFill>
-                  <a:srgbClr val="FFFFFF"/>
-                </a:solidFill>
-              </a14:hiddenFill>
-            </a:ext>
-            <a:ext uri="{91240B29-F687-4F45-9708-019B960494DF}">
-              <a14:hiddenLine xmlns:a14="http://schemas.microsoft.com/office/drawing/2010/main" w="9525">
-                <a:solidFill>
-                  <a:srgbClr val="000000"/>
-                </a:solidFill>
-                <a:miter lim="800000"/>
-                <a:headEnd/>
-                <a:tailEnd/>
-              </a14:hiddenLine>
-            </a:ext>
-          </a:extLst>
-        </p:spPr>
-        <p:txBody>
-          <a:bodyPr wrap="square" numCol="1" anchorCtr="0" compatLnSpc="1">
-            <a:prstTxWarp prst="textNoShape">
-              <a:avLst/>
-            </a:prstTxWarp>
-          </a:bodyPr>
-          <a:lstStyle>
-            <a:lvl1pPr>
-              <a:defRPr kumimoji="1">
-                <a:solidFill>
-                  <a:schemeClr val="tx1"/>
-                </a:solidFill>
-                <a:latin typeface="맑은 고딕" panose="020B0503020000020004" pitchFamily="50" charset="-127"/>
-                <a:ea typeface="굴림" panose="020B0600000101010101" pitchFamily="50" charset="-127"/>
-              </a:defRPr>
-            </a:lvl1pPr>
-            <a:lvl2pPr marL="742950" indent="-285750">
-              <a:defRPr kumimoji="1">
-                <a:solidFill>
-                  <a:schemeClr val="tx1"/>
-                </a:solidFill>
-                <a:latin typeface="맑은 고딕" panose="020B0503020000020004" pitchFamily="50" charset="-127"/>
-                <a:ea typeface="굴림" panose="020B0600000101010101" pitchFamily="50" charset="-127"/>
-              </a:defRPr>
-            </a:lvl2pPr>
-            <a:lvl3pPr marL="1143000" indent="-228600">
-              <a:defRPr kumimoji="1">
-                <a:solidFill>
-                  <a:schemeClr val="tx1"/>
-                </a:solidFill>
-                <a:latin typeface="맑은 고딕" panose="020B0503020000020004" pitchFamily="50" charset="-127"/>
-                <a:ea typeface="굴림" panose="020B0600000101010101" pitchFamily="50" charset="-127"/>
-              </a:defRPr>
-            </a:lvl3pPr>
-            <a:lvl4pPr marL="1600200" indent="-228600">
-              <a:defRPr kumimoji="1">
-                <a:solidFill>
-                  <a:schemeClr val="tx1"/>
-                </a:solidFill>
-                <a:latin typeface="맑은 고딕" panose="020B0503020000020004" pitchFamily="50" charset="-127"/>
-                <a:ea typeface="굴림" panose="020B0600000101010101" pitchFamily="50" charset="-127"/>
-              </a:defRPr>
-            </a:lvl4pPr>
-            <a:lvl5pPr marL="2057400" indent="-228600">
-              <a:defRPr kumimoji="1">
-                <a:solidFill>
-                  <a:schemeClr val="tx1"/>
-                </a:solidFill>
-                <a:latin typeface="맑은 고딕" panose="020B0503020000020004" pitchFamily="50" charset="-127"/>
-                <a:ea typeface="굴림" panose="020B0600000101010101" pitchFamily="50" charset="-127"/>
-              </a:defRPr>
-            </a:lvl5pPr>
-            <a:lvl6pPr marL="2514600" indent="-228600" eaLnBrk="0" fontAlgn="base" hangingPunct="0">
-              <a:spcBef>
-                <a:spcPct val="0"/>
-              </a:spcBef>
-              <a:spcAft>
-                <a:spcPct val="0"/>
-              </a:spcAft>
-              <a:defRPr kumimoji="1">
-                <a:solidFill>
-                  <a:schemeClr val="tx1"/>
-                </a:solidFill>
-                <a:latin typeface="맑은 고딕" panose="020B0503020000020004" pitchFamily="50" charset="-127"/>
-                <a:ea typeface="굴림" panose="020B0600000101010101" pitchFamily="50" charset="-127"/>
-              </a:defRPr>
-            </a:lvl6pPr>
-            <a:lvl7pPr marL="2971800" indent="-228600" eaLnBrk="0" fontAlgn="base" hangingPunct="0">
-              <a:spcBef>
-                <a:spcPct val="0"/>
-              </a:spcBef>
-              <a:spcAft>
-                <a:spcPct val="0"/>
-              </a:spcAft>
-              <a:defRPr kumimoji="1">
-                <a:solidFill>
-                  <a:schemeClr val="tx1"/>
-                </a:solidFill>
-                <a:latin typeface="맑은 고딕" panose="020B0503020000020004" pitchFamily="50" charset="-127"/>
-                <a:ea typeface="굴림" panose="020B0600000101010101" pitchFamily="50" charset="-127"/>
-              </a:defRPr>
-            </a:lvl7pPr>
-            <a:lvl8pPr marL="3429000" indent="-228600" eaLnBrk="0" fontAlgn="base" hangingPunct="0">
-              <a:spcBef>
-                <a:spcPct val="0"/>
-              </a:spcBef>
-              <a:spcAft>
-                <a:spcPct val="0"/>
-              </a:spcAft>
-              <a:defRPr kumimoji="1">
-                <a:solidFill>
-                  <a:schemeClr val="tx1"/>
-                </a:solidFill>
-                <a:latin typeface="맑은 고딕" panose="020B0503020000020004" pitchFamily="50" charset="-127"/>
-                <a:ea typeface="굴림" panose="020B0600000101010101" pitchFamily="50" charset="-127"/>
-              </a:defRPr>
-            </a:lvl8pPr>
-            <a:lvl9pPr marL="3886200" indent="-228600" eaLnBrk="0" fontAlgn="base" hangingPunct="0">
-              <a:spcBef>
-                <a:spcPct val="0"/>
-              </a:spcBef>
-              <a:spcAft>
-                <a:spcPct val="0"/>
-              </a:spcAft>
-              <a:defRPr kumimoji="1">
-                <a:solidFill>
-                  <a:schemeClr val="tx1"/>
-                </a:solidFill>
-                <a:latin typeface="맑은 고딕" panose="020B0503020000020004" pitchFamily="50" charset="-127"/>
-                <a:ea typeface="굴림" panose="020B0600000101010101" pitchFamily="50" charset="-127"/>
-              </a:defRPr>
-            </a:lvl9pPr>
-          </a:lstStyle>
-          <a:p>
-            <a:fld id="{3B536548-60B9-46DD-A4BE-0B939DAEDF09}" type="slidenum">
               <a:rPr lang="ko-KR" altLang="en-US" smtClean="0"/>
               <a:pPr/>
               <a:t>12</a:t>
@@ -7925,6 +8186,1286 @@
       </p:sp>
       <p:sp>
         <p:nvSpPr>
+          <p:cNvPr id="25604" name="Text Placeholder 2"/>
+          <p:cNvSpPr txBox="1">
+            <a:spLocks/>
+          </p:cNvSpPr>
+          <p:nvPr/>
+        </p:nvSpPr>
+        <p:spPr bwMode="auto">
+          <a:xfrm>
+            <a:off x="509588" y="1651000"/>
+            <a:ext cx="7739062" cy="304800"/>
+          </a:xfrm>
+          <a:prstGeom prst="rect">
+            <a:avLst/>
+          </a:prstGeom>
+          <a:noFill/>
+          <a:ln>
+            <a:noFill/>
+          </a:ln>
+          <a:extLst>
+            <a:ext uri="{909E8E84-426E-40DD-AFC4-6F175D3DCCD1}">
+              <a14:hiddenFill xmlns:a14="http://schemas.microsoft.com/office/drawing/2010/main">
+                <a:solidFill>
+                  <a:srgbClr val="FFFFFF"/>
+                </a:solidFill>
+              </a14:hiddenFill>
+            </a:ext>
+            <a:ext uri="{91240B29-F687-4F45-9708-019B960494DF}">
+              <a14:hiddenLine xmlns:a14="http://schemas.microsoft.com/office/drawing/2010/main" w="9525">
+                <a:solidFill>
+                  <a:srgbClr val="000000"/>
+                </a:solidFill>
+                <a:miter lim="800000"/>
+                <a:headEnd/>
+                <a:tailEnd/>
+              </a14:hiddenLine>
+            </a:ext>
+          </a:extLst>
+        </p:spPr>
+        <p:txBody>
+          <a:bodyPr anchor="ctr"/>
+          <a:lstStyle>
+            <a:lvl1pPr latinLnBrk="1">
+              <a:spcBef>
+                <a:spcPct val="20000"/>
+              </a:spcBef>
+              <a:buFont typeface="Arial" panose="020B0604020202020204" pitchFamily="34" charset="0"/>
+              <a:buChar char="•"/>
+              <a:defRPr sz="3200">
+                <a:solidFill>
+                  <a:schemeClr val="tx1"/>
+                </a:solidFill>
+                <a:latin typeface="맑은 고딕" panose="020B0503020000020004" pitchFamily="50" charset="-127"/>
+                <a:ea typeface="맑은 고딕" panose="020B0503020000020004" pitchFamily="50" charset="-127"/>
+              </a:defRPr>
+            </a:lvl1pPr>
+            <a:lvl2pPr marL="742950" indent="-285750" latinLnBrk="1">
+              <a:spcBef>
+                <a:spcPct val="20000"/>
+              </a:spcBef>
+              <a:buFont typeface="Arial" panose="020B0604020202020204" pitchFamily="34" charset="0"/>
+              <a:buChar char="–"/>
+              <a:defRPr sz="2800">
+                <a:solidFill>
+                  <a:schemeClr val="tx1"/>
+                </a:solidFill>
+                <a:latin typeface="맑은 고딕" panose="020B0503020000020004" pitchFamily="50" charset="-127"/>
+                <a:ea typeface="맑은 고딕" panose="020B0503020000020004" pitchFamily="50" charset="-127"/>
+              </a:defRPr>
+            </a:lvl2pPr>
+            <a:lvl3pPr marL="1143000" indent="-228600" latinLnBrk="1">
+              <a:spcBef>
+                <a:spcPct val="20000"/>
+              </a:spcBef>
+              <a:buFont typeface="Arial" panose="020B0604020202020204" pitchFamily="34" charset="0"/>
+              <a:buChar char="•"/>
+              <a:defRPr sz="2400">
+                <a:solidFill>
+                  <a:schemeClr val="tx1"/>
+                </a:solidFill>
+                <a:latin typeface="맑은 고딕" panose="020B0503020000020004" pitchFamily="50" charset="-127"/>
+                <a:ea typeface="맑은 고딕" panose="020B0503020000020004" pitchFamily="50" charset="-127"/>
+              </a:defRPr>
+            </a:lvl3pPr>
+            <a:lvl4pPr marL="1600200" indent="-228600" latinLnBrk="1">
+              <a:spcBef>
+                <a:spcPct val="20000"/>
+              </a:spcBef>
+              <a:buFont typeface="Arial" panose="020B0604020202020204" pitchFamily="34" charset="0"/>
+              <a:buChar char="–"/>
+              <a:defRPr sz="2000">
+                <a:solidFill>
+                  <a:schemeClr val="tx1"/>
+                </a:solidFill>
+                <a:latin typeface="맑은 고딕" panose="020B0503020000020004" pitchFamily="50" charset="-127"/>
+                <a:ea typeface="맑은 고딕" panose="020B0503020000020004" pitchFamily="50" charset="-127"/>
+              </a:defRPr>
+            </a:lvl4pPr>
+            <a:lvl5pPr marL="2057400" indent="-228600" latinLnBrk="1">
+              <a:spcBef>
+                <a:spcPct val="20000"/>
+              </a:spcBef>
+              <a:buFont typeface="Arial" panose="020B0604020202020204" pitchFamily="34" charset="0"/>
+              <a:buChar char="»"/>
+              <a:defRPr sz="2000">
+                <a:solidFill>
+                  <a:schemeClr val="tx1"/>
+                </a:solidFill>
+                <a:latin typeface="맑은 고딕" panose="020B0503020000020004" pitchFamily="50" charset="-127"/>
+                <a:ea typeface="맑은 고딕" panose="020B0503020000020004" pitchFamily="50" charset="-127"/>
+              </a:defRPr>
+            </a:lvl5pPr>
+            <a:lvl6pPr marL="2514600" indent="-228600" eaLnBrk="0" fontAlgn="base" hangingPunct="0">
+              <a:spcBef>
+                <a:spcPct val="20000"/>
+              </a:spcBef>
+              <a:spcAft>
+                <a:spcPct val="0"/>
+              </a:spcAft>
+              <a:buFont typeface="Arial" panose="020B0604020202020204" pitchFamily="34" charset="0"/>
+              <a:buChar char="»"/>
+              <a:defRPr sz="2000">
+                <a:solidFill>
+                  <a:schemeClr val="tx1"/>
+                </a:solidFill>
+                <a:latin typeface="맑은 고딕" panose="020B0503020000020004" pitchFamily="50" charset="-127"/>
+                <a:ea typeface="맑은 고딕" panose="020B0503020000020004" pitchFamily="50" charset="-127"/>
+              </a:defRPr>
+            </a:lvl6pPr>
+            <a:lvl7pPr marL="2971800" indent="-228600" eaLnBrk="0" fontAlgn="base" hangingPunct="0">
+              <a:spcBef>
+                <a:spcPct val="20000"/>
+              </a:spcBef>
+              <a:spcAft>
+                <a:spcPct val="0"/>
+              </a:spcAft>
+              <a:buFont typeface="Arial" panose="020B0604020202020204" pitchFamily="34" charset="0"/>
+              <a:buChar char="»"/>
+              <a:defRPr sz="2000">
+                <a:solidFill>
+                  <a:schemeClr val="tx1"/>
+                </a:solidFill>
+                <a:latin typeface="맑은 고딕" panose="020B0503020000020004" pitchFamily="50" charset="-127"/>
+                <a:ea typeface="맑은 고딕" panose="020B0503020000020004" pitchFamily="50" charset="-127"/>
+              </a:defRPr>
+            </a:lvl7pPr>
+            <a:lvl8pPr marL="3429000" indent="-228600" eaLnBrk="0" fontAlgn="base" hangingPunct="0">
+              <a:spcBef>
+                <a:spcPct val="20000"/>
+              </a:spcBef>
+              <a:spcAft>
+                <a:spcPct val="0"/>
+              </a:spcAft>
+              <a:buFont typeface="Arial" panose="020B0604020202020204" pitchFamily="34" charset="0"/>
+              <a:buChar char="»"/>
+              <a:defRPr sz="2000">
+                <a:solidFill>
+                  <a:schemeClr val="tx1"/>
+                </a:solidFill>
+                <a:latin typeface="맑은 고딕" panose="020B0503020000020004" pitchFamily="50" charset="-127"/>
+                <a:ea typeface="맑은 고딕" panose="020B0503020000020004" pitchFamily="50" charset="-127"/>
+              </a:defRPr>
+            </a:lvl8pPr>
+            <a:lvl9pPr marL="3886200" indent="-228600" eaLnBrk="0" fontAlgn="base" hangingPunct="0">
+              <a:spcBef>
+                <a:spcPct val="20000"/>
+              </a:spcBef>
+              <a:spcAft>
+                <a:spcPct val="0"/>
+              </a:spcAft>
+              <a:buFont typeface="Arial" panose="020B0604020202020204" pitchFamily="34" charset="0"/>
+              <a:buChar char="»"/>
+              <a:defRPr sz="2000">
+                <a:solidFill>
+                  <a:schemeClr val="tx1"/>
+                </a:solidFill>
+                <a:latin typeface="맑은 고딕" panose="020B0503020000020004" pitchFamily="50" charset="-127"/>
+                <a:ea typeface="맑은 고딕" panose="020B0503020000020004" pitchFamily="50" charset="-127"/>
+              </a:defRPr>
+            </a:lvl9pPr>
+          </a:lstStyle>
+          <a:p>
+            <a:pPr eaLnBrk="1" hangingPunct="1">
+              <a:spcBef>
+                <a:spcPct val="0"/>
+              </a:spcBef>
+              <a:buFontTx/>
+              <a:buNone/>
+            </a:pPr>
+            <a:r>
+              <a:rPr kumimoji="0" lang="ko-KR" altLang="en-US" sz="2400">
+                <a:solidFill>
+                  <a:schemeClr val="tx2"/>
+                </a:solidFill>
+                <a:latin typeface="나눔스퀘어OTF Bold" panose="020B0600000101010101" pitchFamily="34" charset="-127"/>
+                <a:ea typeface="나눔스퀘어OTF Bold" panose="020B0600000101010101" pitchFamily="34" charset="-127"/>
+              </a:rPr>
+              <a:t>개발 </a:t>
+            </a:r>
+            <a:r>
+              <a:rPr kumimoji="0" lang="en-US" altLang="ko-KR" sz="2400">
+                <a:solidFill>
+                  <a:schemeClr val="tx2"/>
+                </a:solidFill>
+                <a:latin typeface="나눔스퀘어OTF Bold" panose="020B0600000101010101" pitchFamily="34" charset="-127"/>
+                <a:ea typeface="나눔스퀘어OTF Bold" panose="020B0600000101010101" pitchFamily="34" charset="-127"/>
+              </a:rPr>
+              <a:t>: </a:t>
+            </a:r>
+            <a:r>
+              <a:rPr kumimoji="0" lang="ko-KR" altLang="en-US" sz="2400">
+                <a:solidFill>
+                  <a:schemeClr val="tx2"/>
+                </a:solidFill>
+                <a:latin typeface="나눔스퀘어OTF Bold" panose="020B0600000101010101" pitchFamily="34" charset="-127"/>
+                <a:ea typeface="나눔스퀘어OTF Bold" panose="020B0600000101010101" pitchFamily="34" charset="-127"/>
+              </a:rPr>
+              <a:t>시스템 구성도</a:t>
+            </a:r>
+          </a:p>
+        </p:txBody>
+      </p:sp>
+      <p:grpSp>
+        <p:nvGrpSpPr>
+          <p:cNvPr id="25606" name="그룹 1"/>
+          <p:cNvGrpSpPr>
+            <a:grpSpLocks/>
+          </p:cNvGrpSpPr>
+          <p:nvPr/>
+        </p:nvGrpSpPr>
+        <p:grpSpPr bwMode="auto">
+          <a:xfrm>
+            <a:off x="782638" y="2320925"/>
+            <a:ext cx="11072812" cy="4164013"/>
+            <a:chOff x="782518" y="2321359"/>
+            <a:chExt cx="11073328" cy="4163033"/>
+          </a:xfrm>
+        </p:grpSpPr>
+        <p:sp>
+          <p:nvSpPr>
+            <p:cNvPr id="44" name="Text Box 44"/>
+            <p:cNvSpPr txBox="1">
+              <a:spLocks noChangeArrowheads="1"/>
+            </p:cNvSpPr>
+            <p:nvPr/>
+          </p:nvSpPr>
+          <p:spPr bwMode="auto">
+            <a:xfrm>
+              <a:off x="782518" y="2321359"/>
+              <a:ext cx="5508635" cy="3652189"/>
+            </a:xfrm>
+            <a:prstGeom prst="rect">
+              <a:avLst/>
+            </a:prstGeom>
+            <a:solidFill>
+              <a:schemeClr val="bg1"/>
+            </a:solidFill>
+            <a:ln w="12700" cap="flat" cmpd="sng" algn="ctr">
+              <a:gradFill>
+                <a:gsLst>
+                  <a:gs pos="0">
+                    <a:sysClr val="window" lastClr="FFFFFF">
+                      <a:lumMod val="85000"/>
+                    </a:sysClr>
+                  </a:gs>
+                  <a:gs pos="50000">
+                    <a:sysClr val="window" lastClr="FFFFFF"/>
+                  </a:gs>
+                  <a:gs pos="100000">
+                    <a:sysClr val="window" lastClr="FFFFFF">
+                      <a:lumMod val="85000"/>
+                    </a:sysClr>
+                  </a:gs>
+                </a:gsLst>
+                <a:lin ang="5400000" scaled="0"/>
+              </a:gradFill>
+              <a:prstDash val="solid"/>
+              <a:miter lim="800000"/>
+              <a:headEnd/>
+              <a:tailEnd/>
+            </a:ln>
+            <a:effectLst>
+              <a:outerShdw blurRad="50800" dist="38100" dir="2700000" algn="tl" rotWithShape="0">
+                <a:prstClr val="black">
+                  <a:alpha val="40000"/>
+                </a:prstClr>
+              </a:outerShdw>
+            </a:effectLst>
+          </p:spPr>
+          <p:txBody>
+            <a:bodyPr lIns="70650" tIns="70650" rIns="70650" bIns="44853"/>
+            <a:lstStyle/>
+            <a:p>
+              <a:pPr marL="84095" indent="-84095" defTabSz="897033" eaLnBrk="1" fontAlgn="auto" latinLnBrk="1" hangingPunct="1">
+                <a:spcBef>
+                  <a:spcPts val="0"/>
+                </a:spcBef>
+                <a:spcAft>
+                  <a:spcPts val="294"/>
+                </a:spcAft>
+                <a:buClr>
+                  <a:srgbClr val="A1A1A1"/>
+                </a:buClr>
+                <a:buSzPct val="100000"/>
+                <a:buFont typeface="Arial" pitchFamily="34" charset="0"/>
+                <a:buChar char="•"/>
+                <a:defRPr/>
+              </a:pPr>
+              <a:endParaRPr kumimoji="0" lang="ko-KR" altLang="en-US" sz="883" kern="0" dirty="0">
+                <a:solidFill>
+                  <a:srgbClr val="FF0000"/>
+                </a:solidFill>
+                <a:latin typeface="나눔고딕" panose="020D0304000000000000" pitchFamily="50" charset="-127"/>
+                <a:ea typeface="나눔스퀘어"/>
+                <a:sym typeface="Wingdings" pitchFamily="2" charset="2"/>
+              </a:endParaRPr>
+            </a:p>
+          </p:txBody>
+        </p:sp>
+        <p:sp>
+          <p:nvSpPr>
+            <p:cNvPr id="49" name="모서리가 둥근 직사각형 48"/>
+            <p:cNvSpPr/>
+            <p:nvPr/>
+          </p:nvSpPr>
+          <p:spPr bwMode="auto">
+            <a:xfrm>
+              <a:off x="2311351" y="6165379"/>
+              <a:ext cx="2268644" cy="319013"/>
+            </a:xfrm>
+            <a:prstGeom prst="roundRect">
+              <a:avLst>
+                <a:gd name="adj" fmla="val 50000"/>
+              </a:avLst>
+            </a:prstGeom>
+            <a:gradFill flip="none" rotWithShape="1">
+              <a:gsLst>
+                <a:gs pos="100000">
+                  <a:schemeClr val="bg1">
+                    <a:lumMod val="50000"/>
+                  </a:schemeClr>
+                </a:gs>
+                <a:gs pos="50000">
+                  <a:schemeClr val="tx1"/>
+                </a:gs>
+                <a:gs pos="0">
+                  <a:schemeClr val="bg1">
+                    <a:lumMod val="65000"/>
+                  </a:schemeClr>
+                </a:gs>
+              </a:gsLst>
+              <a:lin ang="0" scaled="1"/>
+              <a:tileRect/>
+            </a:gradFill>
+            <a:ln w="12700">
+              <a:noFill/>
+            </a:ln>
+          </p:spPr>
+          <p:style>
+            <a:lnRef idx="2">
+              <a:schemeClr val="accent1">
+                <a:shade val="50000"/>
+              </a:schemeClr>
+            </a:lnRef>
+            <a:fillRef idx="1">
+              <a:schemeClr val="accent1"/>
+            </a:fillRef>
+            <a:effectRef idx="0">
+              <a:schemeClr val="accent1"/>
+            </a:effectRef>
+            <a:fontRef idx="minor">
+              <a:schemeClr val="lt1"/>
+            </a:fontRef>
+          </p:style>
+          <p:txBody>
+            <a:bodyPr anchor="ctr"/>
+            <a:lstStyle/>
+            <a:p>
+              <a:pPr algn="ctr" eaLnBrk="1" fontAlgn="auto" latinLnBrk="1" hangingPunct="1">
+                <a:spcBef>
+                  <a:spcPts val="0"/>
+                </a:spcBef>
+                <a:spcAft>
+                  <a:spcPts val="0"/>
+                </a:spcAft>
+                <a:defRPr/>
+              </a:pPr>
+              <a:r>
+                <a:rPr kumimoji="0" lang="ko-KR" altLang="en-US" sz="1600">
+                  <a:solidFill>
+                    <a:schemeClr val="bg1"/>
+                  </a:solidFill>
+                  <a:latin typeface="나눔스퀘어OTF ExtraBold" pitchFamily="34" charset="-127"/>
+                  <a:ea typeface="나눔스퀘어OTF ExtraBold" pitchFamily="34" charset="-127"/>
+                </a:rPr>
+                <a:t>시스템 구성도</a:t>
+              </a:r>
+              <a:endParaRPr kumimoji="0" lang="ko-KR" altLang="en-US" sz="1600" dirty="0">
+                <a:solidFill>
+                  <a:schemeClr val="bg1"/>
+                </a:solidFill>
+                <a:latin typeface="나눔스퀘어OTF ExtraBold" pitchFamily="34" charset="-127"/>
+                <a:ea typeface="나눔스퀘어OTF ExtraBold" pitchFamily="34" charset="-127"/>
+              </a:endParaRPr>
+            </a:p>
+          </p:txBody>
+        </p:sp>
+        <p:sp>
+          <p:nvSpPr>
+            <p:cNvPr id="25612" name="직사각형 10"/>
+            <p:cNvSpPr>
+              <a:spLocks noChangeArrowheads="1"/>
+            </p:cNvSpPr>
+            <p:nvPr/>
+          </p:nvSpPr>
+          <p:spPr bwMode="auto">
+            <a:xfrm>
+              <a:off x="6529732" y="2477814"/>
+              <a:ext cx="5326114" cy="400016"/>
+            </a:xfrm>
+            <a:prstGeom prst="rect">
+              <a:avLst/>
+            </a:prstGeom>
+            <a:noFill/>
+            <a:ln>
+              <a:noFill/>
+            </a:ln>
+            <a:extLst>
+              <a:ext uri="{909E8E84-426E-40DD-AFC4-6F175D3DCCD1}">
+                <a14:hiddenFill xmlns:a14="http://schemas.microsoft.com/office/drawing/2010/main">
+                  <a:solidFill>
+                    <a:srgbClr val="FFFFFF"/>
+                  </a:solidFill>
+                </a14:hiddenFill>
+              </a:ext>
+              <a:ext uri="{91240B29-F687-4F45-9708-019B960494DF}">
+                <a14:hiddenLine xmlns:a14="http://schemas.microsoft.com/office/drawing/2010/main" w="9525">
+                  <a:solidFill>
+                    <a:srgbClr val="000000"/>
+                  </a:solidFill>
+                  <a:miter lim="800000"/>
+                  <a:headEnd/>
+                  <a:tailEnd/>
+                </a14:hiddenLine>
+              </a:ext>
+            </a:extLst>
+          </p:spPr>
+          <p:txBody>
+            <a:bodyPr>
+              <a:spAutoFit/>
+            </a:bodyPr>
+            <a:lstStyle>
+              <a:lvl1pPr marL="285750" indent="-285750" latinLnBrk="1">
+                <a:spcBef>
+                  <a:spcPct val="20000"/>
+                </a:spcBef>
+                <a:buFont typeface="Arial" panose="020B0604020202020204" pitchFamily="34" charset="0"/>
+                <a:buChar char="•"/>
+                <a:defRPr sz="3200">
+                  <a:solidFill>
+                    <a:schemeClr val="tx1"/>
+                  </a:solidFill>
+                  <a:latin typeface="맑은 고딕" panose="020B0503020000020004" pitchFamily="50" charset="-127"/>
+                  <a:ea typeface="맑은 고딕" panose="020B0503020000020004" pitchFamily="50" charset="-127"/>
+                </a:defRPr>
+              </a:lvl1pPr>
+              <a:lvl2pPr marL="742950" indent="-285750" latinLnBrk="1">
+                <a:spcBef>
+                  <a:spcPct val="20000"/>
+                </a:spcBef>
+                <a:buFont typeface="Arial" panose="020B0604020202020204" pitchFamily="34" charset="0"/>
+                <a:buChar char="–"/>
+                <a:defRPr sz="2800">
+                  <a:solidFill>
+                    <a:schemeClr val="tx1"/>
+                  </a:solidFill>
+                  <a:latin typeface="맑은 고딕" panose="020B0503020000020004" pitchFamily="50" charset="-127"/>
+                  <a:ea typeface="맑은 고딕" panose="020B0503020000020004" pitchFamily="50" charset="-127"/>
+                </a:defRPr>
+              </a:lvl2pPr>
+              <a:lvl3pPr marL="1143000" indent="-228600" latinLnBrk="1">
+                <a:spcBef>
+                  <a:spcPct val="20000"/>
+                </a:spcBef>
+                <a:buFont typeface="Arial" panose="020B0604020202020204" pitchFamily="34" charset="0"/>
+                <a:buChar char="•"/>
+                <a:defRPr sz="2400">
+                  <a:solidFill>
+                    <a:schemeClr val="tx1"/>
+                  </a:solidFill>
+                  <a:latin typeface="맑은 고딕" panose="020B0503020000020004" pitchFamily="50" charset="-127"/>
+                  <a:ea typeface="맑은 고딕" panose="020B0503020000020004" pitchFamily="50" charset="-127"/>
+                </a:defRPr>
+              </a:lvl3pPr>
+              <a:lvl4pPr marL="1600200" indent="-228600" latinLnBrk="1">
+                <a:spcBef>
+                  <a:spcPct val="20000"/>
+                </a:spcBef>
+                <a:buFont typeface="Arial" panose="020B0604020202020204" pitchFamily="34" charset="0"/>
+                <a:buChar char="–"/>
+                <a:defRPr sz="2000">
+                  <a:solidFill>
+                    <a:schemeClr val="tx1"/>
+                  </a:solidFill>
+                  <a:latin typeface="맑은 고딕" panose="020B0503020000020004" pitchFamily="50" charset="-127"/>
+                  <a:ea typeface="맑은 고딕" panose="020B0503020000020004" pitchFamily="50" charset="-127"/>
+                </a:defRPr>
+              </a:lvl4pPr>
+              <a:lvl5pPr marL="2057400" indent="-228600" latinLnBrk="1">
+                <a:spcBef>
+                  <a:spcPct val="20000"/>
+                </a:spcBef>
+                <a:buFont typeface="Arial" panose="020B0604020202020204" pitchFamily="34" charset="0"/>
+                <a:buChar char="»"/>
+                <a:defRPr sz="2000">
+                  <a:solidFill>
+                    <a:schemeClr val="tx1"/>
+                  </a:solidFill>
+                  <a:latin typeface="맑은 고딕" panose="020B0503020000020004" pitchFamily="50" charset="-127"/>
+                  <a:ea typeface="맑은 고딕" panose="020B0503020000020004" pitchFamily="50" charset="-127"/>
+                </a:defRPr>
+              </a:lvl5pPr>
+              <a:lvl6pPr marL="2514600" indent="-228600" eaLnBrk="0" fontAlgn="base" hangingPunct="0">
+                <a:spcBef>
+                  <a:spcPct val="20000"/>
+                </a:spcBef>
+                <a:spcAft>
+                  <a:spcPct val="0"/>
+                </a:spcAft>
+                <a:buFont typeface="Arial" panose="020B0604020202020204" pitchFamily="34" charset="0"/>
+                <a:buChar char="»"/>
+                <a:defRPr sz="2000">
+                  <a:solidFill>
+                    <a:schemeClr val="tx1"/>
+                  </a:solidFill>
+                  <a:latin typeface="맑은 고딕" panose="020B0503020000020004" pitchFamily="50" charset="-127"/>
+                  <a:ea typeface="맑은 고딕" panose="020B0503020000020004" pitchFamily="50" charset="-127"/>
+                </a:defRPr>
+              </a:lvl6pPr>
+              <a:lvl7pPr marL="2971800" indent="-228600" eaLnBrk="0" fontAlgn="base" hangingPunct="0">
+                <a:spcBef>
+                  <a:spcPct val="20000"/>
+                </a:spcBef>
+                <a:spcAft>
+                  <a:spcPct val="0"/>
+                </a:spcAft>
+                <a:buFont typeface="Arial" panose="020B0604020202020204" pitchFamily="34" charset="0"/>
+                <a:buChar char="»"/>
+                <a:defRPr sz="2000">
+                  <a:solidFill>
+                    <a:schemeClr val="tx1"/>
+                  </a:solidFill>
+                  <a:latin typeface="맑은 고딕" panose="020B0503020000020004" pitchFamily="50" charset="-127"/>
+                  <a:ea typeface="맑은 고딕" panose="020B0503020000020004" pitchFamily="50" charset="-127"/>
+                </a:defRPr>
+              </a:lvl7pPr>
+              <a:lvl8pPr marL="3429000" indent="-228600" eaLnBrk="0" fontAlgn="base" hangingPunct="0">
+                <a:spcBef>
+                  <a:spcPct val="20000"/>
+                </a:spcBef>
+                <a:spcAft>
+                  <a:spcPct val="0"/>
+                </a:spcAft>
+                <a:buFont typeface="Arial" panose="020B0604020202020204" pitchFamily="34" charset="0"/>
+                <a:buChar char="»"/>
+                <a:defRPr sz="2000">
+                  <a:solidFill>
+                    <a:schemeClr val="tx1"/>
+                  </a:solidFill>
+                  <a:latin typeface="맑은 고딕" panose="020B0503020000020004" pitchFamily="50" charset="-127"/>
+                  <a:ea typeface="맑은 고딕" panose="020B0503020000020004" pitchFamily="50" charset="-127"/>
+                </a:defRPr>
+              </a:lvl8pPr>
+              <a:lvl9pPr marL="3886200" indent="-228600" eaLnBrk="0" fontAlgn="base" hangingPunct="0">
+                <a:spcBef>
+                  <a:spcPct val="20000"/>
+                </a:spcBef>
+                <a:spcAft>
+                  <a:spcPct val="0"/>
+                </a:spcAft>
+                <a:buFont typeface="Arial" panose="020B0604020202020204" pitchFamily="34" charset="0"/>
+                <a:buChar char="»"/>
+                <a:defRPr sz="2000">
+                  <a:solidFill>
+                    <a:schemeClr val="tx1"/>
+                  </a:solidFill>
+                  <a:latin typeface="맑은 고딕" panose="020B0503020000020004" pitchFamily="50" charset="-127"/>
+                  <a:ea typeface="맑은 고딕" panose="020B0503020000020004" pitchFamily="50" charset="-127"/>
+                </a:defRPr>
+              </a:lvl9pPr>
+            </a:lstStyle>
+            <a:p>
+              <a:pPr algn="just" eaLnBrk="1" hangingPunct="1">
+                <a:spcBef>
+                  <a:spcPct val="0"/>
+                </a:spcBef>
+                <a:buFontTx/>
+                <a:buChar char="-"/>
+              </a:pPr>
+              <a:endParaRPr kumimoji="0" lang="ko-KR" altLang="en-US" sz="2000" b="1">
+                <a:latin typeface="나눔스퀘어OTF" panose="020B0600000101010101" pitchFamily="34" charset="-127"/>
+                <a:ea typeface="나눔스퀘어OTF" panose="020B0600000101010101" pitchFamily="34" charset="-127"/>
+              </a:endParaRPr>
+            </a:p>
+          </p:txBody>
+        </p:sp>
+      </p:grpSp>
+      <p:grpSp>
+        <p:nvGrpSpPr>
+          <p:cNvPr id="18" name="그룹 13">
+            <a:extLst>
+              <a:ext uri="{FF2B5EF4-FFF2-40B4-BE49-F238E27FC236}">
+                <a16:creationId xmlns:a16="http://schemas.microsoft.com/office/drawing/2014/main" id="{CEDC1F82-6178-43A9-950D-20D683336E91}"/>
+              </a:ext>
+            </a:extLst>
+          </p:cNvPr>
+          <p:cNvGrpSpPr>
+            <a:grpSpLocks/>
+          </p:cNvGrpSpPr>
+          <p:nvPr/>
+        </p:nvGrpSpPr>
+        <p:grpSpPr bwMode="auto">
+          <a:xfrm rot="5400000">
+            <a:off x="8534474" y="-2980530"/>
+            <a:ext cx="369889" cy="6832600"/>
+            <a:chOff x="11783835" y="1420022"/>
+            <a:chExt cx="370109" cy="4457250"/>
+          </a:xfrm>
+        </p:grpSpPr>
+        <p:sp>
+          <p:nvSpPr>
+            <p:cNvPr id="19" name="양쪽 모서리가 둥근 사각형 21">
+              <a:extLst>
+                <a:ext uri="{FF2B5EF4-FFF2-40B4-BE49-F238E27FC236}">
+                  <a16:creationId xmlns:a16="http://schemas.microsoft.com/office/drawing/2014/main" id="{D9131C69-C67C-4FEF-9D59-6E0557EA5CC7}"/>
+                </a:ext>
+              </a:extLst>
+            </p:cNvPr>
+            <p:cNvSpPr/>
+            <p:nvPr/>
+          </p:nvSpPr>
+          <p:spPr>
+            <a:xfrm rot="16200000" flipH="1">
+              <a:off x="11537041" y="5260370"/>
+              <a:ext cx="863696" cy="370108"/>
+            </a:xfrm>
+            <a:prstGeom prst="round2SameRect">
+              <a:avLst>
+                <a:gd name="adj1" fmla="val 50000"/>
+                <a:gd name="adj2" fmla="val 0"/>
+              </a:avLst>
+            </a:prstGeom>
+            <a:solidFill>
+              <a:schemeClr val="bg1">
+                <a:lumMod val="85000"/>
+              </a:schemeClr>
+            </a:solidFill>
+            <a:ln>
+              <a:solidFill>
+                <a:schemeClr val="bg1"/>
+              </a:solidFill>
+            </a:ln>
+          </p:spPr>
+          <p:style>
+            <a:lnRef idx="2">
+              <a:schemeClr val="accent1">
+                <a:shade val="50000"/>
+              </a:schemeClr>
+            </a:lnRef>
+            <a:fillRef idx="1">
+              <a:schemeClr val="accent1"/>
+            </a:fillRef>
+            <a:effectRef idx="0">
+              <a:schemeClr val="accent1"/>
+            </a:effectRef>
+            <a:fontRef idx="minor">
+              <a:schemeClr val="lt1"/>
+            </a:fontRef>
+          </p:style>
+          <p:txBody>
+            <a:bodyPr anchor="ctr"/>
+            <a:lstStyle/>
+            <a:p>
+              <a:pPr algn="ctr" eaLnBrk="1" fontAlgn="auto" latinLnBrk="1" hangingPunct="1">
+                <a:spcBef>
+                  <a:spcPts val="0"/>
+                </a:spcBef>
+                <a:spcAft>
+                  <a:spcPts val="0"/>
+                </a:spcAft>
+                <a:defRPr/>
+              </a:pPr>
+              <a:r>
+                <a:rPr kumimoji="0" lang="ko-KR" altLang="en-US" sz="1500" dirty="0">
+                  <a:solidFill>
+                    <a:schemeClr val="tx1"/>
+                  </a:solidFill>
+                  <a:latin typeface="여기어때 잘난체 OTF" pitchFamily="34" charset="-127"/>
+                  <a:ea typeface="여기어때 잘난체 OTF" pitchFamily="34" charset="-127"/>
+                </a:rPr>
+                <a:t>개요</a:t>
+              </a:r>
+            </a:p>
+          </p:txBody>
+        </p:sp>
+        <p:sp>
+          <p:nvSpPr>
+            <p:cNvPr id="20" name="양쪽 모서리가 둥근 사각형 23">
+              <a:extLst>
+                <a:ext uri="{FF2B5EF4-FFF2-40B4-BE49-F238E27FC236}">
+                  <a16:creationId xmlns:a16="http://schemas.microsoft.com/office/drawing/2014/main" id="{63538C9F-CA25-4171-BFBF-D77CEE9CA346}"/>
+                </a:ext>
+              </a:extLst>
+            </p:cNvPr>
+            <p:cNvSpPr/>
+            <p:nvPr/>
+          </p:nvSpPr>
+          <p:spPr>
+            <a:xfrm rot="16200000" flipH="1">
+              <a:off x="11536006" y="4541659"/>
+              <a:ext cx="865767" cy="370108"/>
+            </a:xfrm>
+            <a:prstGeom prst="round2SameRect">
+              <a:avLst>
+                <a:gd name="adj1" fmla="val 50000"/>
+                <a:gd name="adj2" fmla="val 0"/>
+              </a:avLst>
+            </a:prstGeom>
+            <a:solidFill>
+              <a:schemeClr val="bg1">
+                <a:lumMod val="85000"/>
+              </a:schemeClr>
+            </a:solidFill>
+            <a:ln>
+              <a:solidFill>
+                <a:schemeClr val="bg1"/>
+              </a:solidFill>
+            </a:ln>
+          </p:spPr>
+          <p:style>
+            <a:lnRef idx="2">
+              <a:schemeClr val="accent1">
+                <a:shade val="50000"/>
+              </a:schemeClr>
+            </a:lnRef>
+            <a:fillRef idx="1">
+              <a:schemeClr val="accent1"/>
+            </a:fillRef>
+            <a:effectRef idx="0">
+              <a:schemeClr val="accent1"/>
+            </a:effectRef>
+            <a:fontRef idx="minor">
+              <a:schemeClr val="lt1"/>
+            </a:fontRef>
+          </p:style>
+          <p:txBody>
+            <a:bodyPr anchor="ctr"/>
+            <a:lstStyle/>
+            <a:p>
+              <a:pPr algn="ctr" eaLnBrk="1" fontAlgn="auto" latinLnBrk="1" hangingPunct="1">
+                <a:spcBef>
+                  <a:spcPts val="0"/>
+                </a:spcBef>
+                <a:spcAft>
+                  <a:spcPts val="0"/>
+                </a:spcAft>
+                <a:defRPr/>
+              </a:pPr>
+              <a:r>
+                <a:rPr kumimoji="0" lang="ko-KR" altLang="en-US" sz="1500" dirty="0">
+                  <a:solidFill>
+                    <a:schemeClr val="tx1"/>
+                  </a:solidFill>
+                  <a:latin typeface="여기어때 잘난체 OTF" pitchFamily="34" charset="-127"/>
+                  <a:ea typeface="여기어때 잘난체 OTF" pitchFamily="34" charset="-127"/>
+                </a:rPr>
+                <a:t>참여인원</a:t>
+              </a:r>
+            </a:p>
+          </p:txBody>
+        </p:sp>
+        <p:sp>
+          <p:nvSpPr>
+            <p:cNvPr id="21" name="양쪽 모서리가 둥근 사각형 24">
+              <a:extLst>
+                <a:ext uri="{FF2B5EF4-FFF2-40B4-BE49-F238E27FC236}">
+                  <a16:creationId xmlns:a16="http://schemas.microsoft.com/office/drawing/2014/main" id="{B5ED6ED9-7B41-4D24-A07D-4B337FCB4BAD}"/>
+                </a:ext>
+              </a:extLst>
+            </p:cNvPr>
+            <p:cNvSpPr/>
+            <p:nvPr/>
+          </p:nvSpPr>
+          <p:spPr>
+            <a:xfrm rot="16200000" flipH="1">
+              <a:off x="11537041" y="3822948"/>
+              <a:ext cx="863696" cy="370108"/>
+            </a:xfrm>
+            <a:prstGeom prst="round2SameRect">
+              <a:avLst>
+                <a:gd name="adj1" fmla="val 50000"/>
+                <a:gd name="adj2" fmla="val 0"/>
+              </a:avLst>
+            </a:prstGeom>
+            <a:solidFill>
+              <a:schemeClr val="bg1">
+                <a:lumMod val="85000"/>
+              </a:schemeClr>
+            </a:solidFill>
+            <a:ln>
+              <a:solidFill>
+                <a:schemeClr val="bg1"/>
+              </a:solidFill>
+            </a:ln>
+          </p:spPr>
+          <p:style>
+            <a:lnRef idx="2">
+              <a:schemeClr val="accent1">
+                <a:shade val="50000"/>
+              </a:schemeClr>
+            </a:lnRef>
+            <a:fillRef idx="1">
+              <a:schemeClr val="accent1"/>
+            </a:fillRef>
+            <a:effectRef idx="0">
+              <a:schemeClr val="accent1"/>
+            </a:effectRef>
+            <a:fontRef idx="minor">
+              <a:schemeClr val="lt1"/>
+            </a:fontRef>
+          </p:style>
+          <p:txBody>
+            <a:bodyPr anchor="ctr"/>
+            <a:lstStyle/>
+            <a:p>
+              <a:pPr algn="ctr" eaLnBrk="1" fontAlgn="auto" latinLnBrk="1" hangingPunct="1">
+                <a:spcBef>
+                  <a:spcPts val="0"/>
+                </a:spcBef>
+                <a:spcAft>
+                  <a:spcPts val="0"/>
+                </a:spcAft>
+                <a:defRPr/>
+              </a:pPr>
+              <a:r>
+                <a:rPr kumimoji="0" lang="ko-KR" altLang="en-US" sz="1500" dirty="0">
+                  <a:solidFill>
+                    <a:schemeClr val="tx1"/>
+                  </a:solidFill>
+                  <a:latin typeface="여기어때 잘난체 OTF" pitchFamily="34" charset="-127"/>
+                  <a:ea typeface="여기어때 잘난체 OTF" pitchFamily="34" charset="-127"/>
+                </a:rPr>
+                <a:t>일정</a:t>
+              </a:r>
+            </a:p>
+          </p:txBody>
+        </p:sp>
+        <p:sp>
+          <p:nvSpPr>
+            <p:cNvPr id="23" name="양쪽 모서리가 둥근 사각형 25">
+              <a:extLst>
+                <a:ext uri="{FF2B5EF4-FFF2-40B4-BE49-F238E27FC236}">
+                  <a16:creationId xmlns:a16="http://schemas.microsoft.com/office/drawing/2014/main" id="{D9E49526-F06C-4AE6-95B5-E7F6ADE3A611}"/>
+                </a:ext>
+              </a:extLst>
+            </p:cNvPr>
+            <p:cNvSpPr/>
+            <p:nvPr/>
+          </p:nvSpPr>
+          <p:spPr>
+            <a:xfrm rot="16200000" flipH="1">
+              <a:off x="11537041" y="3120807"/>
+              <a:ext cx="863696" cy="370108"/>
+            </a:xfrm>
+            <a:prstGeom prst="round2SameRect">
+              <a:avLst>
+                <a:gd name="adj1" fmla="val 50000"/>
+                <a:gd name="adj2" fmla="val 0"/>
+              </a:avLst>
+            </a:prstGeom>
+            <a:solidFill>
+              <a:schemeClr val="bg1">
+                <a:lumMod val="85000"/>
+              </a:schemeClr>
+            </a:solidFill>
+            <a:ln>
+              <a:solidFill>
+                <a:schemeClr val="bg1"/>
+              </a:solidFill>
+            </a:ln>
+          </p:spPr>
+          <p:style>
+            <a:lnRef idx="2">
+              <a:schemeClr val="accent1">
+                <a:shade val="50000"/>
+              </a:schemeClr>
+            </a:lnRef>
+            <a:fillRef idx="1">
+              <a:schemeClr val="accent1"/>
+            </a:fillRef>
+            <a:effectRef idx="0">
+              <a:schemeClr val="accent1"/>
+            </a:effectRef>
+            <a:fontRef idx="minor">
+              <a:schemeClr val="lt1"/>
+            </a:fontRef>
+          </p:style>
+          <p:txBody>
+            <a:bodyPr anchor="ctr"/>
+            <a:lstStyle/>
+            <a:p>
+              <a:pPr algn="ctr" eaLnBrk="1" fontAlgn="auto" latinLnBrk="1" hangingPunct="1">
+                <a:spcBef>
+                  <a:spcPts val="0"/>
+                </a:spcBef>
+                <a:spcAft>
+                  <a:spcPts val="0"/>
+                </a:spcAft>
+                <a:defRPr/>
+              </a:pPr>
+              <a:r>
+                <a:rPr kumimoji="0" lang="ko-KR" altLang="en-US" sz="1500" dirty="0">
+                  <a:solidFill>
+                    <a:schemeClr val="tx1"/>
+                  </a:solidFill>
+                  <a:latin typeface="여기어때 잘난체 OTF" pitchFamily="34" charset="-127"/>
+                  <a:ea typeface="여기어때 잘난체 OTF" pitchFamily="34" charset="-127"/>
+                </a:rPr>
+                <a:t>구성</a:t>
+              </a:r>
+            </a:p>
+          </p:txBody>
+        </p:sp>
+        <p:sp>
+          <p:nvSpPr>
+            <p:cNvPr id="30" name="양쪽 모서리가 둥근 사각형 26">
+              <a:extLst>
+                <a:ext uri="{FF2B5EF4-FFF2-40B4-BE49-F238E27FC236}">
+                  <a16:creationId xmlns:a16="http://schemas.microsoft.com/office/drawing/2014/main" id="{C9D71E2D-8B35-4A96-B8C5-ADD4D13184C3}"/>
+                </a:ext>
+              </a:extLst>
+            </p:cNvPr>
+            <p:cNvSpPr/>
+            <p:nvPr/>
+          </p:nvSpPr>
+          <p:spPr>
+            <a:xfrm rot="16200000" flipH="1">
+              <a:off x="11535488" y="2433682"/>
+              <a:ext cx="866803" cy="370108"/>
+            </a:xfrm>
+            <a:prstGeom prst="round2SameRect">
+              <a:avLst>
+                <a:gd name="adj1" fmla="val 50000"/>
+                <a:gd name="adj2" fmla="val 0"/>
+              </a:avLst>
+            </a:prstGeom>
+            <a:gradFill>
+              <a:gsLst>
+                <a:gs pos="0">
+                  <a:schemeClr val="tx1"/>
+                </a:gs>
+                <a:gs pos="100000">
+                  <a:schemeClr val="tx1"/>
+                </a:gs>
+                <a:gs pos="51000">
+                  <a:schemeClr val="bg1">
+                    <a:lumMod val="50000"/>
+                  </a:schemeClr>
+                </a:gs>
+              </a:gsLst>
+              <a:lin ang="0" scaled="1"/>
+            </a:gradFill>
+            <a:ln>
+              <a:solidFill>
+                <a:schemeClr val="bg1"/>
+              </a:solidFill>
+            </a:ln>
+          </p:spPr>
+          <p:style>
+            <a:lnRef idx="2">
+              <a:schemeClr val="accent1">
+                <a:shade val="50000"/>
+              </a:schemeClr>
+            </a:lnRef>
+            <a:fillRef idx="1">
+              <a:schemeClr val="accent1"/>
+            </a:fillRef>
+            <a:effectRef idx="0">
+              <a:schemeClr val="accent1"/>
+            </a:effectRef>
+            <a:fontRef idx="minor">
+              <a:schemeClr val="lt1"/>
+            </a:fontRef>
+          </p:style>
+          <p:txBody>
+            <a:bodyPr anchor="ctr"/>
+            <a:lstStyle/>
+            <a:p>
+              <a:pPr algn="ctr" eaLnBrk="1" fontAlgn="auto" latinLnBrk="1" hangingPunct="1">
+                <a:spcBef>
+                  <a:spcPts val="0"/>
+                </a:spcBef>
+                <a:spcAft>
+                  <a:spcPts val="0"/>
+                </a:spcAft>
+                <a:defRPr/>
+              </a:pPr>
+              <a:r>
+                <a:rPr kumimoji="0" lang="ko-KR" altLang="en-US" sz="1500" dirty="0">
+                  <a:solidFill>
+                    <a:schemeClr val="bg1"/>
+                  </a:solidFill>
+                  <a:latin typeface="여기어때 잘난체 OTF" panose="020B0600000101010101" pitchFamily="34" charset="-127"/>
+                  <a:ea typeface="여기어때 잘난체 OTF" panose="020B0600000101010101" pitchFamily="34" charset="-127"/>
+                </a:rPr>
+                <a:t>제안</a:t>
+              </a:r>
+              <a:r>
+                <a:rPr kumimoji="0" lang="en-US" altLang="ko-KR" sz="1500" dirty="0">
+                  <a:solidFill>
+                    <a:schemeClr val="bg1"/>
+                  </a:solidFill>
+                  <a:latin typeface="여기어때 잘난체 OTF" panose="020B0600000101010101" pitchFamily="34" charset="-127"/>
+                  <a:ea typeface="여기어때 잘난체 OTF" panose="020B0600000101010101" pitchFamily="34" charset="-127"/>
+                </a:rPr>
+                <a:t>/</a:t>
+              </a:r>
+              <a:r>
+                <a:rPr kumimoji="0" lang="ko-KR" altLang="en-US" sz="1500" dirty="0">
+                  <a:solidFill>
+                    <a:schemeClr val="bg1"/>
+                  </a:solidFill>
+                  <a:latin typeface="여기어때 잘난체 OTF" panose="020B0600000101010101" pitchFamily="34" charset="-127"/>
+                  <a:ea typeface="여기어때 잘난체 OTF" panose="020B0600000101010101" pitchFamily="34" charset="-127"/>
+                </a:rPr>
+                <a:t>내용</a:t>
+              </a:r>
+            </a:p>
+          </p:txBody>
+        </p:sp>
+        <p:sp>
+          <p:nvSpPr>
+            <p:cNvPr id="31" name="양쪽 모서리가 둥근 사각형 27">
+              <a:extLst>
+                <a:ext uri="{FF2B5EF4-FFF2-40B4-BE49-F238E27FC236}">
+                  <a16:creationId xmlns:a16="http://schemas.microsoft.com/office/drawing/2014/main" id="{4CFBB92F-548E-430F-96DF-DEDA7AE057BA}"/>
+                </a:ext>
+              </a:extLst>
+            </p:cNvPr>
+            <p:cNvSpPr/>
+            <p:nvPr/>
+          </p:nvSpPr>
+          <p:spPr>
+            <a:xfrm rot="16200000" flipH="1">
+              <a:off x="11537041" y="1666816"/>
+              <a:ext cx="863696" cy="370108"/>
+            </a:xfrm>
+            <a:prstGeom prst="round2SameRect">
+              <a:avLst>
+                <a:gd name="adj1" fmla="val 50000"/>
+                <a:gd name="adj2" fmla="val 0"/>
+              </a:avLst>
+            </a:prstGeom>
+            <a:solidFill>
+              <a:schemeClr val="bg1">
+                <a:lumMod val="85000"/>
+              </a:schemeClr>
+            </a:solidFill>
+            <a:ln>
+              <a:solidFill>
+                <a:schemeClr val="bg1"/>
+              </a:solidFill>
+            </a:ln>
+          </p:spPr>
+          <p:style>
+            <a:lnRef idx="2">
+              <a:schemeClr val="accent1">
+                <a:shade val="50000"/>
+              </a:schemeClr>
+            </a:lnRef>
+            <a:fillRef idx="1">
+              <a:schemeClr val="accent1"/>
+            </a:fillRef>
+            <a:effectRef idx="0">
+              <a:schemeClr val="accent1"/>
+            </a:effectRef>
+            <a:fontRef idx="minor">
+              <a:schemeClr val="lt1"/>
+            </a:fontRef>
+          </p:style>
+          <p:txBody>
+            <a:bodyPr anchor="ctr"/>
+            <a:lstStyle/>
+            <a:p>
+              <a:pPr algn="ctr" eaLnBrk="1" fontAlgn="auto" latinLnBrk="1" hangingPunct="1">
+                <a:spcBef>
+                  <a:spcPts val="0"/>
+                </a:spcBef>
+                <a:spcAft>
+                  <a:spcPts val="0"/>
+                </a:spcAft>
+                <a:defRPr/>
+              </a:pPr>
+              <a:r>
+                <a:rPr kumimoji="0" lang="ko-KR" altLang="en-US" sz="1500" dirty="0" err="1">
+                  <a:solidFill>
+                    <a:schemeClr val="tx1">
+                      <a:lumMod val="85000"/>
+                      <a:lumOff val="15000"/>
+                    </a:schemeClr>
+                  </a:solidFill>
+                  <a:latin typeface="여기어때 잘난체 OTF" pitchFamily="34" charset="-127"/>
+                  <a:ea typeface="여기어때 잘난체 OTF" pitchFamily="34" charset="-127"/>
+                </a:rPr>
+                <a:t>구현화면</a:t>
+              </a:r>
+              <a:endParaRPr kumimoji="0" lang="ko-KR" altLang="en-US" sz="1500" dirty="0">
+                <a:solidFill>
+                  <a:schemeClr val="tx1">
+                    <a:lumMod val="85000"/>
+                    <a:lumOff val="15000"/>
+                  </a:schemeClr>
+                </a:solidFill>
+                <a:latin typeface="여기어때 잘난체 OTF" pitchFamily="34" charset="-127"/>
+                <a:ea typeface="여기어때 잘난체 OTF" pitchFamily="34" charset="-127"/>
+              </a:endParaRPr>
+            </a:p>
+          </p:txBody>
+        </p:sp>
+      </p:grpSp>
+    </p:spTree>
+    <p:extLst>
+      <p:ext uri="{BB962C8B-B14F-4D97-AF65-F5344CB8AC3E}">
+        <p14:creationId xmlns:p14="http://schemas.microsoft.com/office/powerpoint/2010/main" val="3058418728"/>
+      </p:ext>
+    </p:extLst>
+  </p:cSld>
+  <p:clrMapOvr>
+    <a:masterClrMapping/>
+  </p:clrMapOvr>
+</p:sld>
+</file>
+
+<file path=ppt/slides/slide11.xml><?xml version="1.0" encoding="utf-8"?>
+<p:sld xmlns:a="http://schemas.openxmlformats.org/drawingml/2006/main" xmlns:r="http://schemas.openxmlformats.org/officeDocument/2006/relationships" xmlns:p="http://schemas.openxmlformats.org/presentationml/2006/main">
+  <p:cSld>
+    <p:spTree>
+      <p:nvGrpSpPr>
+        <p:cNvPr id="1" name=""/>
+        <p:cNvGrpSpPr/>
+        <p:nvPr/>
+      </p:nvGrpSpPr>
+      <p:grpSpPr>
+        <a:xfrm>
+          <a:off x="0" y="0"/>
+          <a:ext cx="0" cy="0"/>
+          <a:chOff x="0" y="0"/>
+          <a:chExt cx="0" cy="0"/>
+        </a:xfrm>
+      </p:grpSpPr>
+      <p:sp>
+        <p:nvSpPr>
+          <p:cNvPr id="13" name="직사각형 12"/>
+          <p:cNvSpPr/>
+          <p:nvPr/>
+        </p:nvSpPr>
+        <p:spPr>
+          <a:xfrm>
+            <a:off x="0" y="-4763"/>
+            <a:ext cx="12192000" cy="620713"/>
+          </a:xfrm>
+          <a:prstGeom prst="rect">
+            <a:avLst/>
+          </a:prstGeom>
+          <a:gradFill>
+            <a:gsLst>
+              <a:gs pos="0">
+                <a:schemeClr val="tx1">
+                  <a:lumMod val="65000"/>
+                  <a:lumOff val="35000"/>
+                </a:schemeClr>
+              </a:gs>
+              <a:gs pos="100000">
+                <a:schemeClr val="bg1">
+                  <a:lumMod val="95000"/>
+                </a:schemeClr>
+              </a:gs>
+              <a:gs pos="40000">
+                <a:schemeClr val="bg1">
+                  <a:lumMod val="75000"/>
+                </a:schemeClr>
+              </a:gs>
+            </a:gsLst>
+            <a:lin ang="0" scaled="1"/>
+          </a:gradFill>
+          <a:ln>
+            <a:noFill/>
+          </a:ln>
+        </p:spPr>
+        <p:style>
+          <a:lnRef idx="2">
+            <a:schemeClr val="accent1">
+              <a:shade val="50000"/>
+            </a:schemeClr>
+          </a:lnRef>
+          <a:fillRef idx="1">
+            <a:schemeClr val="accent1"/>
+          </a:fillRef>
+          <a:effectRef idx="0">
+            <a:schemeClr val="accent1"/>
+          </a:effectRef>
+          <a:fontRef idx="minor">
+            <a:schemeClr val="lt1"/>
+          </a:fontRef>
+        </p:style>
+        <p:txBody>
+          <a:bodyPr anchor="ctr"/>
+          <a:lstStyle/>
+          <a:p>
+            <a:pPr algn="ctr" eaLnBrk="1" fontAlgn="auto" latinLnBrk="1" hangingPunct="1">
+              <a:spcBef>
+                <a:spcPts val="0"/>
+              </a:spcBef>
+              <a:spcAft>
+                <a:spcPts val="0"/>
+              </a:spcAft>
+              <a:defRPr/>
+            </a:pPr>
+            <a:endParaRPr kumimoji="0" lang="ko-KR" altLang="en-US" dirty="0"/>
+          </a:p>
+        </p:txBody>
+      </p:sp>
+      <p:sp>
+        <p:nvSpPr>
+          <p:cNvPr id="16" name="TextBox 15"/>
+          <p:cNvSpPr txBox="1"/>
+          <p:nvPr/>
+        </p:nvSpPr>
+        <p:spPr bwMode="auto">
+          <a:xfrm>
+            <a:off x="488950" y="765175"/>
+            <a:ext cx="2814638" cy="646113"/>
+          </a:xfrm>
+          <a:prstGeom prst="rect">
+            <a:avLst/>
+          </a:prstGeom>
+          <a:noFill/>
+        </p:spPr>
+        <p:txBody>
+          <a:bodyPr wrap="none">
+            <a:spAutoFit/>
+          </a:bodyPr>
+          <a:lstStyle/>
+          <a:p>
+            <a:pPr eaLnBrk="1" fontAlgn="auto" latinLnBrk="1" hangingPunct="1">
+              <a:spcBef>
+                <a:spcPts val="0"/>
+              </a:spcBef>
+              <a:spcAft>
+                <a:spcPts val="0"/>
+              </a:spcAft>
+              <a:defRPr/>
+            </a:pPr>
+            <a:r>
+              <a:rPr kumimoji="0" lang="ko-KR" altLang="en-US" sz="3600" spc="-300" dirty="0">
+                <a:solidFill>
+                  <a:schemeClr val="tx1">
+                    <a:lumMod val="75000"/>
+                    <a:lumOff val="25000"/>
+                  </a:schemeClr>
+                </a:solidFill>
+                <a:latin typeface="여기어때 잘난체 OTF" pitchFamily="34" charset="-127"/>
+                <a:ea typeface="여기어때 잘난체 OTF" pitchFamily="34" charset="-127"/>
+              </a:rPr>
+              <a:t>프로젝트 내용</a:t>
+            </a:r>
+          </a:p>
+        </p:txBody>
+      </p:sp>
+      <p:sp>
+        <p:nvSpPr>
           <p:cNvPr id="13316" name="Text Placeholder 2"/>
           <p:cNvSpPr txBox="1">
             <a:spLocks/>
@@ -9125,7 +10666,7 @@
 </p:sld>
 </file>
 
-<file path=ppt/slides/slide11.xml><?xml version="1.0" encoding="utf-8"?>
+<file path=ppt/slides/slide12.xml><?xml version="1.0" encoding="utf-8"?>
 <p:sld xmlns:a="http://schemas.openxmlformats.org/drawingml/2006/main" xmlns:r="http://schemas.openxmlformats.org/officeDocument/2006/relationships" xmlns:p="http://schemas.openxmlformats.org/presentationml/2006/main">
   <p:cSld>
     <p:spTree>
@@ -10518,7 +12059,7 @@
 </p:sld>
 </file>
 
-<file path=ppt/slides/slide12.xml><?xml version="1.0" encoding="utf-8"?>
+<file path=ppt/slides/slide13.xml><?xml version="1.0" encoding="utf-8"?>
 <p:sld xmlns:a="http://schemas.openxmlformats.org/drawingml/2006/main" xmlns:r="http://schemas.openxmlformats.org/officeDocument/2006/relationships" xmlns:p="http://schemas.openxmlformats.org/presentationml/2006/main">
   <p:cSld>
     <p:spTree>
@@ -11869,7 +13410,7 @@
 </p:sld>
 </file>
 
-<file path=ppt/slides/slide13.xml><?xml version="1.0" encoding="utf-8"?>
+<file path=ppt/slides/slide14.xml><?xml version="1.0" encoding="utf-8"?>
 <p:sld xmlns:a="http://schemas.openxmlformats.org/drawingml/2006/main" xmlns:r="http://schemas.openxmlformats.org/officeDocument/2006/relationships" xmlns:p="http://schemas.openxmlformats.org/presentationml/2006/main">
   <p:cSld>
     <p:spTree>
@@ -13272,7 +14813,7 @@
 </p:sld>
 </file>
 
-<file path=ppt/slides/slide14.xml><?xml version="1.0" encoding="utf-8"?>
+<file path=ppt/slides/slide15.xml><?xml version="1.0" encoding="utf-8"?>
 <p:sld xmlns:a="http://schemas.openxmlformats.org/drawingml/2006/main" xmlns:r="http://schemas.openxmlformats.org/officeDocument/2006/relationships" xmlns:p="http://schemas.openxmlformats.org/presentationml/2006/main">
   <p:cSld>
     <p:spTree>
@@ -14631,7 +16172,7 @@
 </p:sld>
 </file>
 
-<file path=ppt/slides/slide15.xml><?xml version="1.0" encoding="utf-8"?>
+<file path=ppt/slides/slide16.xml><?xml version="1.0" encoding="utf-8"?>
 <p:sld xmlns:a="http://schemas.openxmlformats.org/drawingml/2006/main" xmlns:r="http://schemas.openxmlformats.org/officeDocument/2006/relationships" xmlns:p="http://schemas.openxmlformats.org/presentationml/2006/main">
   <p:cSld>
     <p:spTree>
@@ -16052,7 +17593,7 @@
 </p:sld>
 </file>
 
-<file path=ppt/slides/slide16.xml><?xml version="1.0" encoding="utf-8"?>
+<file path=ppt/slides/slide17.xml><?xml version="1.0" encoding="utf-8"?>
 <p:sld xmlns:a="http://schemas.openxmlformats.org/drawingml/2006/main" xmlns:r="http://schemas.openxmlformats.org/officeDocument/2006/relationships" xmlns:p="http://schemas.openxmlformats.org/presentationml/2006/main">
   <p:cSld>
     <p:spTree>
@@ -32399,7 +33940,7 @@
           <p:nvPr>
             <p:extLst>
               <p:ext uri="{D42A27DB-BD31-4B8C-83A1-F6EECF244321}">
-                <p14:modId xmlns:p14="http://schemas.microsoft.com/office/powerpoint/2010/main" val="1423364369"/>
+                <p14:modId xmlns:p14="http://schemas.microsoft.com/office/powerpoint/2010/main" val="2253790025"/>
               </p:ext>
             </p:extLst>
           </p:nvPr>
@@ -33009,6 +34550,20 @@
                           <a:ea typeface="나눔스퀘어OTF" panose="020B0600000101010101" pitchFamily="34" charset="-127"/>
                         </a:rPr>
                         <a:t>테이블 정의서</a:t>
+                      </a:r>
+                      <a:r>
+                        <a:rPr lang="en-US" altLang="ko-KR" sz="1200">
+                          <a:latin typeface="나눔스퀘어OTF" panose="020B0600000101010101" pitchFamily="34" charset="-127"/>
+                          <a:ea typeface="나눔스퀘어OTF" panose="020B0600000101010101" pitchFamily="34" charset="-127"/>
+                        </a:rPr>
+                        <a:t>,</a:t>
+                      </a:r>
+                      <a:r>
+                        <a:rPr lang="ko-KR" altLang="en-US" sz="1200">
+                          <a:latin typeface="나눔스퀘어OTF" panose="020B0600000101010101" pitchFamily="34" charset="-127"/>
+                          <a:ea typeface="나눔스퀘어OTF" panose="020B0600000101010101" pitchFamily="34" charset="-127"/>
+                        </a:rPr>
+                        <a:t>일정표</a:t>
                       </a:r>
                     </a:p>
                   </a:txBody>
@@ -36876,18 +38431,15 @@
                 <a:latin typeface="나눔스퀘어OTF Bold" panose="020B0600000101010101" pitchFamily="34" charset="-127"/>
                 <a:ea typeface="나눔스퀘어OTF Bold" panose="020B0600000101010101" pitchFamily="34" charset="-127"/>
               </a:rPr>
-              <a:t>: </a:t>
+              <a:t>: SW Architecture</a:t>
             </a:r>
-            <a:r>
-              <a:rPr kumimoji="0" lang="ko-KR" altLang="en-US" sz="2400">
-                <a:solidFill>
-                  <a:schemeClr val="tx2"/>
-                </a:solidFill>
-                <a:latin typeface="나눔스퀘어OTF Bold" panose="020B0600000101010101" pitchFamily="34" charset="-127"/>
-                <a:ea typeface="나눔스퀘어OTF Bold" panose="020B0600000101010101" pitchFamily="34" charset="-127"/>
-              </a:rPr>
-              <a:t>시스템 구성도</a:t>
-            </a:r>
+            <a:endParaRPr kumimoji="0" lang="ko-KR" altLang="en-US" sz="2400">
+              <a:solidFill>
+                <a:schemeClr val="tx2"/>
+              </a:solidFill>
+              <a:latin typeface="나눔스퀘어OTF Bold" panose="020B0600000101010101" pitchFamily="34" charset="-127"/>
+              <a:ea typeface="나눔스퀘어OTF Bold" panose="020B0600000101010101" pitchFamily="34" charset="-127"/>
+            </a:endParaRPr>
           </a:p>
         </p:txBody>
       </p:sp>
@@ -37057,14 +38609,14 @@
                 <a:defRPr/>
               </a:pPr>
               <a:r>
-                <a:rPr kumimoji="0" lang="ko-KR" altLang="en-US" sz="1600">
+                <a:rPr kumimoji="0" lang="en-US" altLang="ko-KR" sz="1600">
                   <a:solidFill>
                     <a:schemeClr val="bg1"/>
                   </a:solidFill>
                   <a:latin typeface="나눔스퀘어OTF ExtraBold" pitchFamily="34" charset="-127"/>
                   <a:ea typeface="나눔스퀘어OTF ExtraBold" pitchFamily="34" charset="-127"/>
                 </a:rPr>
-                <a:t>시스템 구성도</a:t>
+                <a:t>SW Architecture</a:t>
               </a:r>
               <a:endParaRPr kumimoji="0" lang="ko-KR" altLang="en-US" sz="1600" dirty="0">
                 <a:solidFill>
@@ -37802,7 +39354,7 @@
     </p:spTree>
     <p:extLst>
       <p:ext uri="{BB962C8B-B14F-4D97-AF65-F5344CB8AC3E}">
-        <p14:creationId xmlns:p14="http://schemas.microsoft.com/office/powerpoint/2010/main" val="3058418728"/>
+        <p14:creationId xmlns:p14="http://schemas.microsoft.com/office/powerpoint/2010/main" val="2626524641"/>
       </p:ext>
     </p:extLst>
   </p:cSld>

--- a/산출물/Team3 화면 설계 발표 ppt.pptx
+++ b/산출물/Team3 화면 설계 발표 ppt.pptx
@@ -11248,7 +11248,7 @@
           <p:spPr bwMode="auto">
             <a:xfrm>
               <a:off x="6529732" y="2477814"/>
-              <a:ext cx="4894066" cy="707719"/>
+              <a:ext cx="4894066" cy="1015424"/>
             </a:xfrm>
             <a:prstGeom prst="rect">
               <a:avLst/>
@@ -11436,6 +11436,18 @@
                 </a:rPr>
                 <a:t>고객의 요구 사항 정의</a:t>
               </a:r>
+              <a:endParaRPr kumimoji="0" lang="en-US" altLang="ko-KR" sz="2000" b="1">
+                <a:latin typeface="나눔스퀘어OTF" panose="020B0600000101010101" pitchFamily="34" charset="-127"/>
+                <a:ea typeface="나눔스퀘어OTF" panose="020B0600000101010101" pitchFamily="34" charset="-127"/>
+              </a:endParaRPr>
+            </a:p>
+            <a:p>
+              <a:pPr marL="0" indent="0" algn="just" eaLnBrk="1" hangingPunct="1">
+                <a:spcBef>
+                  <a:spcPct val="0"/>
+                </a:spcBef>
+                <a:buNone/>
+              </a:pPr>
               <a:endParaRPr kumimoji="0" lang="en-US" altLang="ko-KR" sz="2000" b="1">
                 <a:latin typeface="나눔스퀘어OTF" panose="020B0600000101010101" pitchFamily="34" charset="-127"/>
                 <a:ea typeface="나눔스퀘어OTF" panose="020B0600000101010101" pitchFamily="34" charset="-127"/>

--- a/산출물/Team3 화면 설계 발표 ppt.pptx
+++ b/산출물/Team3 화면 설계 발표 ppt.pptx
@@ -266,7 +266,7 @@
               <a:pPr>
                 <a:defRPr/>
               </a:pPr>
-              <a:t>2021-12-22</a:t>
+              <a:t>2021-12-23</a:t>
             </a:fld>
             <a:endParaRPr lang="ko-KR" altLang="en-US"/>
           </a:p>
@@ -4205,7 +4205,7 @@
               <a:pPr>
                 <a:defRPr/>
               </a:pPr>
-              <a:t>2021-12-22</a:t>
+              <a:t>2021-12-23</a:t>
             </a:fld>
             <a:endParaRPr lang="ko-KR" altLang="en-US"/>
           </a:p>
@@ -4400,7 +4400,7 @@
               <a:pPr>
                 <a:defRPr/>
               </a:pPr>
-              <a:t>2021-12-22</a:t>
+              <a:t>2021-12-23</a:t>
             </a:fld>
             <a:endParaRPr lang="ko-KR" altLang="en-US"/>
           </a:p>
@@ -4605,7 +4605,7 @@
               <a:pPr>
                 <a:defRPr/>
               </a:pPr>
-              <a:t>2021-12-22</a:t>
+              <a:t>2021-12-23</a:t>
             </a:fld>
             <a:endParaRPr lang="ko-KR" altLang="en-US"/>
           </a:p>
@@ -4800,7 +4800,7 @@
               <a:pPr>
                 <a:defRPr/>
               </a:pPr>
-              <a:t>2021-12-22</a:t>
+              <a:t>2021-12-23</a:t>
             </a:fld>
             <a:endParaRPr lang="ko-KR" altLang="en-US"/>
           </a:p>
@@ -5072,7 +5072,7 @@
               <a:pPr>
                 <a:defRPr/>
               </a:pPr>
-              <a:t>2021-12-22</a:t>
+              <a:t>2021-12-23</a:t>
             </a:fld>
             <a:endParaRPr lang="ko-KR" altLang="en-US"/>
           </a:p>
@@ -5384,7 +5384,7 @@
               <a:pPr>
                 <a:defRPr/>
               </a:pPr>
-              <a:t>2021-12-22</a:t>
+              <a:t>2021-12-23</a:t>
             </a:fld>
             <a:endParaRPr lang="ko-KR" altLang="en-US"/>
           </a:p>
@@ -5835,7 +5835,7 @@
               <a:pPr>
                 <a:defRPr/>
               </a:pPr>
-              <a:t>2021-12-22</a:t>
+              <a:t>2021-12-23</a:t>
             </a:fld>
             <a:endParaRPr lang="ko-KR" altLang="en-US"/>
           </a:p>
@@ -5979,7 +5979,7 @@
               <a:pPr>
                 <a:defRPr/>
               </a:pPr>
-              <a:t>2021-12-22</a:t>
+              <a:t>2021-12-23</a:t>
             </a:fld>
             <a:endParaRPr lang="ko-KR" altLang="en-US"/>
           </a:p>
@@ -6101,7 +6101,7 @@
               <a:pPr>
                 <a:defRPr/>
               </a:pPr>
-              <a:t>2021-12-22</a:t>
+              <a:t>2021-12-23</a:t>
             </a:fld>
             <a:endParaRPr lang="ko-KR" altLang="en-US"/>
           </a:p>
@@ -6403,7 +6403,7 @@
               <a:pPr>
                 <a:defRPr/>
               </a:pPr>
-              <a:t>2021-12-22</a:t>
+              <a:t>2021-12-23</a:t>
             </a:fld>
             <a:endParaRPr lang="ko-KR" altLang="en-US"/>
           </a:p>
@@ -6685,7 +6685,7 @@
               <a:pPr>
                 <a:defRPr/>
               </a:pPr>
-              <a:t>2021-12-22</a:t>
+              <a:t>2021-12-23</a:t>
             </a:fld>
             <a:endParaRPr lang="ko-KR" altLang="en-US"/>
           </a:p>
@@ -6981,7 +6981,7 @@
               <a:pPr>
                 <a:defRPr/>
               </a:pPr>
-              <a:t>2021-12-22</a:t>
+              <a:t>2021-12-23</a:t>
             </a:fld>
             <a:endParaRPr lang="ko-KR" altLang="en-US"/>
           </a:p>
@@ -35984,7 +35984,7 @@
                   <a:latin typeface="나눔스퀘어OTF" panose="020B0600000101010101" pitchFamily="34" charset="-127"/>
                   <a:ea typeface="나눔스퀘어OTF" panose="020B0600000101010101" pitchFamily="34" charset="-127"/>
                 </a:rPr>
-                <a:t>Github, Azure</a:t>
+                <a:t>Github</a:t>
               </a:r>
               <a:endParaRPr kumimoji="0" lang="en-US" altLang="ko-KR" sz="1400" b="1" dirty="0">
                 <a:solidFill>

--- a/산출물/Team3 화면 설계 발표 ppt.pptx
+++ b/산출물/Team3 화면 설계 발표 ppt.pptx
@@ -36627,7 +36627,7 @@
           <p:nvPr>
             <p:extLst>
               <p:ext uri="{D42A27DB-BD31-4B8C-83A1-F6EECF244321}">
-                <p14:modId xmlns:p14="http://schemas.microsoft.com/office/powerpoint/2010/main" val="1337512436"/>
+                <p14:modId xmlns:p14="http://schemas.microsoft.com/office/powerpoint/2010/main" val="1342673649"/>
               </p:ext>
             </p:extLst>
           </p:nvPr>
@@ -36860,6 +36860,20 @@
                           <a:latin typeface="나눔스퀘어OTF" panose="020B0600000101010101" pitchFamily="34" charset="-127"/>
                           <a:ea typeface="나눔스퀘어OTF" panose="020B0600000101010101" pitchFamily="34" charset="-127"/>
                         </a:rPr>
+                        <a:t>요구사항 분석</a:t>
+                      </a:r>
+                      <a:r>
+                        <a:rPr lang="en-US" altLang="ko-KR" sz="1200">
+                          <a:latin typeface="나눔스퀘어OTF" panose="020B0600000101010101" pitchFamily="34" charset="-127"/>
+                          <a:ea typeface="나눔스퀘어OTF" panose="020B0600000101010101" pitchFamily="34" charset="-127"/>
+                        </a:rPr>
+                        <a:t>,</a:t>
+                      </a:r>
+                      <a:r>
+                        <a:rPr lang="ko-KR" altLang="en-US" sz="1200">
+                          <a:latin typeface="나눔스퀘어OTF" panose="020B0600000101010101" pitchFamily="34" charset="-127"/>
+                          <a:ea typeface="나눔스퀘어OTF" panose="020B0600000101010101" pitchFamily="34" charset="-127"/>
+                        </a:rPr>
                         <a:t>일정표 작성</a:t>
                       </a:r>
                       <a:endParaRPr lang="en-US" altLang="ko-KR" sz="1200">
@@ -36906,6 +36920,20 @@
                         </a:rPr>
                         <a:t>요구사항 정의서 작성</a:t>
                       </a:r>
+                      <a:r>
+                        <a:rPr lang="en-US" altLang="ko-KR" sz="1200">
+                          <a:latin typeface="나눔스퀘어OTF" panose="020B0600000101010101" pitchFamily="34" charset="-127"/>
+                          <a:ea typeface="나눔스퀘어OTF" panose="020B0600000101010101" pitchFamily="34" charset="-127"/>
+                        </a:rPr>
+                        <a:t>,</a:t>
+                      </a:r>
+                      <a:r>
+                        <a:rPr lang="ko-KR" altLang="en-US" sz="1200">
+                          <a:latin typeface="나눔스퀘어OTF" panose="020B0600000101010101" pitchFamily="34" charset="-127"/>
+                          <a:ea typeface="나눔스퀘어OTF" panose="020B0600000101010101" pitchFamily="34" charset="-127"/>
+                        </a:rPr>
+                        <a:t> 요구사항 분석</a:t>
+                      </a:r>
                       <a:endParaRPr lang="en-US" altLang="ko-KR" sz="1200">
                         <a:latin typeface="나눔스퀘어OTF" panose="020B0600000101010101" pitchFamily="34" charset="-127"/>
                         <a:ea typeface="나눔스퀘어OTF" panose="020B0600000101010101" pitchFamily="34" charset="-127"/>
@@ -36950,6 +36978,20 @@
                         </a:rPr>
                         <a:t>요구사항 정의서 작성</a:t>
                       </a:r>
+                      <a:r>
+                        <a:rPr lang="en-US" altLang="ko-KR" sz="1200">
+                          <a:latin typeface="나눔스퀘어OTF" panose="020B0600000101010101" pitchFamily="34" charset="-127"/>
+                          <a:ea typeface="나눔스퀘어OTF" panose="020B0600000101010101" pitchFamily="34" charset="-127"/>
+                        </a:rPr>
+                        <a:t>,</a:t>
+                      </a:r>
+                      <a:r>
+                        <a:rPr lang="ko-KR" altLang="en-US" sz="1200">
+                          <a:latin typeface="나눔스퀘어OTF" panose="020B0600000101010101" pitchFamily="34" charset="-127"/>
+                          <a:ea typeface="나눔스퀘어OTF" panose="020B0600000101010101" pitchFamily="34" charset="-127"/>
+                        </a:rPr>
+                        <a:t> 요구사항 분석</a:t>
+                      </a:r>
                       <a:endParaRPr lang="en-US" altLang="ko-KR" sz="1200">
                         <a:latin typeface="나눔스퀘어OTF" panose="020B0600000101010101" pitchFamily="34" charset="-127"/>
                         <a:ea typeface="나눔스퀘어OTF" panose="020B0600000101010101" pitchFamily="34" charset="-127"/>
@@ -36993,6 +37035,20 @@
                           <a:ea typeface="나눔스퀘어OTF" panose="020B0600000101010101" pitchFamily="34" charset="-127"/>
                         </a:rPr>
                         <a:t>요구사항 정의서 작성</a:t>
+                      </a:r>
+                      <a:r>
+                        <a:rPr lang="en-US" altLang="ko-KR" sz="1200">
+                          <a:latin typeface="나눔스퀘어OTF" panose="020B0600000101010101" pitchFamily="34" charset="-127"/>
+                          <a:ea typeface="나눔스퀘어OTF" panose="020B0600000101010101" pitchFamily="34" charset="-127"/>
+                        </a:rPr>
+                        <a:t>, </a:t>
+                      </a:r>
+                      <a:r>
+                        <a:rPr lang="ko-KR" altLang="en-US" sz="1200">
+                          <a:latin typeface="나눔스퀘어OTF" panose="020B0600000101010101" pitchFamily="34" charset="-127"/>
+                          <a:ea typeface="나눔스퀘어OTF" panose="020B0600000101010101" pitchFamily="34" charset="-127"/>
+                        </a:rPr>
+                        <a:t>요구사항 분석</a:t>
                       </a:r>
                       <a:endParaRPr lang="en-US" altLang="ko-KR" sz="1200">
                         <a:latin typeface="나눔스퀘어OTF" panose="020B0600000101010101" pitchFamily="34" charset="-127"/>
@@ -37170,7 +37226,7 @@
                           <a:latin typeface="나눔스퀘어OTF" panose="020B0600000101010101" pitchFamily="34" charset="-127"/>
                           <a:ea typeface="나눔스퀘어OTF" panose="020B0600000101010101" pitchFamily="34" charset="-127"/>
                         </a:rPr>
-                        <a:t>시스템 구성 구상</a:t>
+                        <a:t>시스템 구성</a:t>
                       </a:r>
                       <a:r>
                         <a:rPr lang="en-US" altLang="ko-KR" sz="1200">
@@ -37228,7 +37284,7 @@
                           <a:latin typeface="나눔스퀘어OTF" panose="020B0600000101010101" pitchFamily="34" charset="-127"/>
                           <a:ea typeface="나눔스퀘어OTF" panose="020B0600000101010101" pitchFamily="34" charset="-127"/>
                         </a:rPr>
-                        <a:t>시스템 구성 구상</a:t>
+                        <a:t>시스템 구성</a:t>
                       </a:r>
                       <a:endParaRPr lang="en-US" altLang="ko-KR" sz="1200">
                         <a:latin typeface="나눔스퀘어OTF" panose="020B0600000101010101" pitchFamily="34" charset="-127"/>
@@ -37272,7 +37328,7 @@
                           <a:latin typeface="나눔스퀘어OTF" panose="020B0600000101010101" pitchFamily="34" charset="-127"/>
                           <a:ea typeface="나눔스퀘어OTF" panose="020B0600000101010101" pitchFamily="34" charset="-127"/>
                         </a:rPr>
-                        <a:t>시스템 구성 구상</a:t>
+                        <a:t>시스템 구성</a:t>
                       </a:r>
                       <a:r>
                         <a:rPr lang="en-US" altLang="ko-KR" sz="1200">
@@ -37286,7 +37342,7 @@
                           <a:latin typeface="나눔스퀘어OTF" panose="020B0600000101010101" pitchFamily="34" charset="-127"/>
                           <a:ea typeface="나눔스퀘어OTF" panose="020B0600000101010101" pitchFamily="34" charset="-127"/>
                         </a:rPr>
-                        <a:t>프로그램 흐름도 수정</a:t>
+                        <a:t>프로그램 흐름도</a:t>
                       </a:r>
                       <a:r>
                         <a:rPr lang="en-US" altLang="ko-KR" sz="1200">
@@ -37333,14 +37389,14 @@
                           <a:latin typeface="나눔스퀘어OTF" panose="020B0600000101010101" pitchFamily="34" charset="-127"/>
                           <a:ea typeface="나눔스퀘어OTF" panose="020B0600000101010101" pitchFamily="34" charset="-127"/>
                         </a:rPr>
-                        <a:t>시스템 구성 구상</a:t>
+                        <a:t>시스템 구성</a:t>
                       </a:r>
                       <a:r>
                         <a:rPr lang="en-US" altLang="ko-KR" sz="1200">
                           <a:latin typeface="나눔스퀘어OTF" panose="020B0600000101010101" pitchFamily="34" charset="-127"/>
                           <a:ea typeface="나눔스퀘어OTF" panose="020B0600000101010101" pitchFamily="34" charset="-127"/>
                         </a:rPr>
-                        <a:t>, </a:t>
+                        <a:t>,</a:t>
                       </a:r>
                       <a:r>
                         <a:rPr lang="ko-KR" altLang="en-US" sz="1200">
@@ -37368,19 +37424,8 @@
                           <a:latin typeface="나눔스퀘어OTF" panose="020B0600000101010101" pitchFamily="34" charset="-127"/>
                           <a:ea typeface="나눔스퀘어OTF" panose="020B0600000101010101" pitchFamily="34" charset="-127"/>
                         </a:rPr>
-                        <a:t>, ERD </a:t>
+                        <a:t>, ERD</a:t>
                       </a:r>
-                      <a:r>
-                        <a:rPr lang="ko-KR" altLang="en-US" sz="1200">
-                          <a:latin typeface="나눔스퀘어OTF" panose="020B0600000101010101" pitchFamily="34" charset="-127"/>
-                          <a:ea typeface="나눔스퀘어OTF" panose="020B0600000101010101" pitchFamily="34" charset="-127"/>
-                        </a:rPr>
-                        <a:t>작성</a:t>
-                      </a:r>
-                      <a:endParaRPr lang="en-US" altLang="ko-KR" sz="1200">
-                        <a:latin typeface="나눔스퀘어OTF" panose="020B0600000101010101" pitchFamily="34" charset="-127"/>
-                        <a:ea typeface="나눔스퀘어OTF" panose="020B0600000101010101" pitchFamily="34" charset="-127"/>
-                      </a:endParaRPr>
                     </a:p>
                   </a:txBody>
                   <a:tcPr/>

--- a/산출물/Team3 화면 설계 발표 ppt.pptx
+++ b/산출물/Team3 화면 설계 발표 ppt.pptx
@@ -5,7 +5,7 @@
     <p:sldMasterId id="2147483648" r:id="rId1"/>
   </p:sldMasterIdLst>
   <p:notesMasterIdLst>
-    <p:notesMasterId r:id="rId21"/>
+    <p:notesMasterId r:id="rId19"/>
   </p:notesMasterIdLst>
   <p:sldIdLst>
     <p:sldId id="256" r:id="rId2"/>
@@ -15,18 +15,16 @@
     <p:sldId id="267" r:id="rId6"/>
     <p:sldId id="286" r:id="rId7"/>
     <p:sldId id="270" r:id="rId8"/>
-    <p:sldId id="288" r:id="rId9"/>
-    <p:sldId id="290" r:id="rId10"/>
-    <p:sldId id="274" r:id="rId11"/>
-    <p:sldId id="285" r:id="rId12"/>
-    <p:sldId id="291" r:id="rId13"/>
-    <p:sldId id="279" r:id="rId14"/>
-    <p:sldId id="273" r:id="rId15"/>
-    <p:sldId id="276" r:id="rId16"/>
-    <p:sldId id="277" r:id="rId17"/>
-    <p:sldId id="278" r:id="rId18"/>
-    <p:sldId id="268" r:id="rId19"/>
-    <p:sldId id="283" r:id="rId20"/>
+    <p:sldId id="274" r:id="rId9"/>
+    <p:sldId id="285" r:id="rId10"/>
+    <p:sldId id="291" r:id="rId11"/>
+    <p:sldId id="279" r:id="rId12"/>
+    <p:sldId id="273" r:id="rId13"/>
+    <p:sldId id="276" r:id="rId14"/>
+    <p:sldId id="277" r:id="rId15"/>
+    <p:sldId id="278" r:id="rId16"/>
+    <p:sldId id="268" r:id="rId17"/>
+    <p:sldId id="283" r:id="rId18"/>
   </p:sldIdLst>
   <p:sldSz cx="12190413" cy="6858000"/>
   <p:notesSz cx="6858000" cy="9144000"/>
@@ -268,7 +266,7 @@
               <a:pPr>
                 <a:defRPr/>
               </a:pPr>
-              <a:t>2021-12-23</a:t>
+              <a:t>2021-12-24</a:t>
             </a:fld>
             <a:endParaRPr lang="ko-KR" altLang="en-US"/>
           </a:p>
@@ -1066,7 +1064,7 @@
             <a:fld id="{96C0474F-7BB8-4703-BBA7-ABCA87108594}" type="slidenum">
               <a:rPr lang="ko-KR" altLang="en-US" smtClean="0"/>
               <a:pPr/>
-              <a:t>14</a:t>
+              <a:t>12</a:t>
             </a:fld>
             <a:endParaRPr lang="ko-KR" altLang="en-US"/>
           </a:p>
@@ -1321,7 +1319,7 @@
             <a:fld id="{3B536548-60B9-46DD-A4BE-0B939DAEDF09}" type="slidenum">
               <a:rPr lang="ko-KR" altLang="en-US" smtClean="0"/>
               <a:pPr/>
-              <a:t>15</a:t>
+              <a:t>13</a:t>
             </a:fld>
             <a:endParaRPr lang="ko-KR" altLang="en-US"/>
           </a:p>
@@ -1576,7 +1574,7 @@
             <a:fld id="{F6195EAA-698F-412A-9A12-58B96CA6FBBE}" type="slidenum">
               <a:rPr lang="ko-KR" altLang="en-US" smtClean="0"/>
               <a:pPr/>
-              <a:t>16</a:t>
+              <a:t>14</a:t>
             </a:fld>
             <a:endParaRPr lang="ko-KR" altLang="en-US"/>
           </a:p>
@@ -1831,7 +1829,7 @@
             <a:fld id="{4120A9E4-F467-41CA-BCA1-48B487B91609}" type="slidenum">
               <a:rPr lang="ko-KR" altLang="en-US" smtClean="0"/>
               <a:pPr/>
-              <a:t>17</a:t>
+              <a:t>15</a:t>
             </a:fld>
             <a:endParaRPr lang="ko-KR" altLang="en-US"/>
           </a:p>
@@ -2086,7 +2084,7 @@
             <a:fld id="{A8D29645-7411-4A39-97A0-E308831378B2}" type="slidenum">
               <a:rPr lang="ko-KR" altLang="en-US" smtClean="0"/>
               <a:pPr/>
-              <a:t>18</a:t>
+              <a:t>16</a:t>
             </a:fld>
             <a:endParaRPr lang="ko-KR" altLang="en-US"/>
           </a:p>
@@ -2341,7 +2339,7 @@
             <a:fld id="{34EF311D-E29B-45FD-B4EB-97AE3D58A47B}" type="slidenum">
               <a:rPr lang="ko-KR" altLang="en-US" smtClean="0"/>
               <a:pPr/>
-              <a:t>19</a:t>
+              <a:t>17</a:t>
             </a:fld>
             <a:endParaRPr lang="ko-KR" altLang="en-US"/>
           </a:p>
@@ -3319,7 +3317,7 @@
             <a:fld id="{F87D9AC1-BC93-4CF6-9ADB-031E2966E5A0}" type="slidenum">
               <a:rPr lang="ko-KR" altLang="en-US" smtClean="0"/>
               <a:pPr/>
-              <a:t>10</a:t>
+              <a:t>8</a:t>
             </a:fld>
             <a:endParaRPr lang="ko-KR" altLang="en-US"/>
           </a:p>
@@ -3574,7 +3572,7 @@
             <a:fld id="{A5D0E04E-C966-4F17-B578-FC771CCA691D}" type="slidenum">
               <a:rPr lang="ko-KR" altLang="en-US" smtClean="0"/>
               <a:pPr/>
-              <a:t>11</a:t>
+              <a:t>9</a:t>
             </a:fld>
             <a:endParaRPr lang="ko-KR" altLang="en-US"/>
           </a:p>
@@ -3834,7 +3832,7 @@
             <a:fld id="{A5D0E04E-C966-4F17-B578-FC771CCA691D}" type="slidenum">
               <a:rPr lang="ko-KR" altLang="en-US" smtClean="0"/>
               <a:pPr/>
-              <a:t>12</a:t>
+              <a:t>10</a:t>
             </a:fld>
             <a:endParaRPr lang="ko-KR" altLang="en-US"/>
           </a:p>
@@ -4094,7 +4092,7 @@
             <a:fld id="{A5D0E04E-C966-4F17-B578-FC771CCA691D}" type="slidenum">
               <a:rPr lang="ko-KR" altLang="en-US" smtClean="0"/>
               <a:pPr/>
-              <a:t>13</a:t>
+              <a:t>11</a:t>
             </a:fld>
             <a:endParaRPr lang="ko-KR" altLang="en-US"/>
           </a:p>
@@ -4297,7 +4295,7 @@
               <a:pPr>
                 <a:defRPr/>
               </a:pPr>
-              <a:t>2021-12-23</a:t>
+              <a:t>2021-12-24</a:t>
             </a:fld>
             <a:endParaRPr lang="ko-KR" altLang="en-US"/>
           </a:p>
@@ -4492,7 +4490,7 @@
               <a:pPr>
                 <a:defRPr/>
               </a:pPr>
-              <a:t>2021-12-23</a:t>
+              <a:t>2021-12-24</a:t>
             </a:fld>
             <a:endParaRPr lang="ko-KR" altLang="en-US"/>
           </a:p>
@@ -4697,7 +4695,7 @@
               <a:pPr>
                 <a:defRPr/>
               </a:pPr>
-              <a:t>2021-12-23</a:t>
+              <a:t>2021-12-24</a:t>
             </a:fld>
             <a:endParaRPr lang="ko-KR" altLang="en-US"/>
           </a:p>
@@ -4892,7 +4890,7 @@
               <a:pPr>
                 <a:defRPr/>
               </a:pPr>
-              <a:t>2021-12-23</a:t>
+              <a:t>2021-12-24</a:t>
             </a:fld>
             <a:endParaRPr lang="ko-KR" altLang="en-US"/>
           </a:p>
@@ -5164,7 +5162,7 @@
               <a:pPr>
                 <a:defRPr/>
               </a:pPr>
-              <a:t>2021-12-23</a:t>
+              <a:t>2021-12-24</a:t>
             </a:fld>
             <a:endParaRPr lang="ko-KR" altLang="en-US"/>
           </a:p>
@@ -5476,7 +5474,7 @@
               <a:pPr>
                 <a:defRPr/>
               </a:pPr>
-              <a:t>2021-12-23</a:t>
+              <a:t>2021-12-24</a:t>
             </a:fld>
             <a:endParaRPr lang="ko-KR" altLang="en-US"/>
           </a:p>
@@ -5927,7 +5925,7 @@
               <a:pPr>
                 <a:defRPr/>
               </a:pPr>
-              <a:t>2021-12-23</a:t>
+              <a:t>2021-12-24</a:t>
             </a:fld>
             <a:endParaRPr lang="ko-KR" altLang="en-US"/>
           </a:p>
@@ -6071,7 +6069,7 @@
               <a:pPr>
                 <a:defRPr/>
               </a:pPr>
-              <a:t>2021-12-23</a:t>
+              <a:t>2021-12-24</a:t>
             </a:fld>
             <a:endParaRPr lang="ko-KR" altLang="en-US"/>
           </a:p>
@@ -6193,7 +6191,7 @@
               <a:pPr>
                 <a:defRPr/>
               </a:pPr>
-              <a:t>2021-12-23</a:t>
+              <a:t>2021-12-24</a:t>
             </a:fld>
             <a:endParaRPr lang="ko-KR" altLang="en-US"/>
           </a:p>
@@ -6495,7 +6493,7 @@
               <a:pPr>
                 <a:defRPr/>
               </a:pPr>
-              <a:t>2021-12-23</a:t>
+              <a:t>2021-12-24</a:t>
             </a:fld>
             <a:endParaRPr lang="ko-KR" altLang="en-US"/>
           </a:p>
@@ -6777,7 +6775,7 @@
               <a:pPr>
                 <a:defRPr/>
               </a:pPr>
-              <a:t>2021-12-23</a:t>
+              <a:t>2021-12-24</a:t>
             </a:fld>
             <a:endParaRPr lang="ko-KR" altLang="en-US"/>
           </a:p>
@@ -7073,7 +7071,7 @@
               <a:pPr>
                 <a:defRPr/>
               </a:pPr>
-              <a:t>2021-12-23</a:t>
+              <a:t>2021-12-24</a:t>
             </a:fld>
             <a:endParaRPr lang="ko-KR" altLang="en-US"/>
           </a:p>
@@ -8278,7 +8276,7 @@
       </p:sp>
       <p:sp>
         <p:nvSpPr>
-          <p:cNvPr id="15364" name="Text Placeholder 2"/>
+          <p:cNvPr id="25604" name="Text Placeholder 2"/>
           <p:cNvSpPr txBox="1">
             <a:spLocks/>
           </p:cNvSpPr>
@@ -8474,7 +8472,7 @@
                 <a:latin typeface="나눔스퀘어OTF Bold" panose="020B0600000101010101" pitchFamily="34" charset="-127"/>
                 <a:ea typeface="나눔스퀘어OTF Bold" panose="020B0600000101010101" pitchFamily="34" charset="-127"/>
               </a:rPr>
-              <a:t>분석</a:t>
+              <a:t>개발 </a:t>
             </a:r>
             <a:r>
               <a:rPr kumimoji="0" lang="en-US" altLang="ko-KR" sz="2400">
@@ -8484,7 +8482,7 @@
                 <a:latin typeface="나눔스퀘어OTF Bold" panose="020B0600000101010101" pitchFamily="34" charset="-127"/>
                 <a:ea typeface="나눔스퀘어OTF Bold" panose="020B0600000101010101" pitchFamily="34" charset="-127"/>
               </a:rPr>
-              <a:t>/</a:t>
+              <a:t>:3 Tier </a:t>
             </a:r>
             <a:r>
               <a:rPr kumimoji="0" lang="ko-KR" altLang="en-US" sz="2400">
@@ -8494,35 +8492,8 @@
                 <a:latin typeface="나눔스퀘어OTF Bold" panose="020B0600000101010101" pitchFamily="34" charset="-127"/>
                 <a:ea typeface="나눔스퀘어OTF Bold" panose="020B0600000101010101" pitchFamily="34" charset="-127"/>
               </a:rPr>
-              <a:t>설계 </a:t>
+              <a:t>구조</a:t>
             </a:r>
-            <a:r>
-              <a:rPr kumimoji="0" lang="en-US" altLang="ko-KR" sz="2400">
-                <a:solidFill>
-                  <a:schemeClr val="tx2"/>
-                </a:solidFill>
-                <a:latin typeface="나눔스퀘어OTF Bold" panose="020B0600000101010101" pitchFamily="34" charset="-127"/>
-                <a:ea typeface="나눔스퀘어OTF Bold" panose="020B0600000101010101" pitchFamily="34" charset="-127"/>
-              </a:rPr>
-              <a:t>: </a:t>
-            </a:r>
-            <a:r>
-              <a:rPr kumimoji="0" lang="ko-KR" altLang="en-US" sz="2400">
-                <a:solidFill>
-                  <a:schemeClr val="tx2"/>
-                </a:solidFill>
-                <a:latin typeface="나눔스퀘어OTF Bold" panose="020B0600000101010101" pitchFamily="34" charset="-127"/>
-                <a:ea typeface="나눔스퀘어OTF Bold" panose="020B0600000101010101" pitchFamily="34" charset="-127"/>
-              </a:rPr>
-              <a:t>요구사항 정의서</a:t>
-            </a:r>
-            <a:endParaRPr kumimoji="0" lang="ar-SA" altLang="ko-KR" sz="2400">
-              <a:solidFill>
-                <a:schemeClr val="tx2"/>
-              </a:solidFill>
-              <a:latin typeface="나눔스퀘어OTF Bold" panose="020B0600000101010101" pitchFamily="34" charset="-127"/>
-              <a:ea typeface="나눔스퀘어OTF Bold" panose="020B0600000101010101" pitchFamily="34" charset="-127"/>
-            </a:endParaRPr>
           </a:p>
         </p:txBody>
       </p:sp>
@@ -8537,13 +8508,13 @@
         <p:spPr bwMode="auto">
           <a:xfrm>
             <a:off x="782638" y="2320925"/>
-            <a:ext cx="5508496" cy="3653049"/>
+            <a:ext cx="6608712" cy="3653049"/>
           </a:xfrm>
           <a:prstGeom prst="rect">
             <a:avLst/>
           </a:prstGeom>
           <a:blipFill dpi="0" rotWithShape="1">
-            <a:blip r:embed="rId3">
+            <a:blip r:embed="rId3" cstate="print">
               <a:extLst>
                 <a:ext uri="{28A0092B-C50C-407E-A947-70E740481C1C}">
                   <a14:useLocalDpi xmlns:a14="http://schemas.microsoft.com/office/drawing/2010/main" val="0"/>
@@ -8686,1322 +8657,15 @@
               <a:defRPr/>
             </a:pPr>
             <a:r>
-              <a:rPr kumimoji="0" lang="ko-KR" altLang="en-US" sz="1600">
+              <a:rPr kumimoji="0" lang="en-US" altLang="ko-KR" sz="1600">
                 <a:solidFill>
                   <a:schemeClr val="bg1"/>
                 </a:solidFill>
                 <a:latin typeface="나눔스퀘어OTF ExtraBold" pitchFamily="34" charset="-127"/>
                 <a:ea typeface="나눔스퀘어OTF ExtraBold" pitchFamily="34" charset="-127"/>
               </a:rPr>
-              <a:t>요구사항 정의서</a:t>
+              <a:t>3 Tier </a:t>
             </a:r>
-            <a:endParaRPr kumimoji="0" lang="ko-KR" altLang="en-US" sz="1600" dirty="0">
-              <a:solidFill>
-                <a:schemeClr val="bg1"/>
-              </a:solidFill>
-              <a:latin typeface="나눔스퀘어OTF ExtraBold" pitchFamily="34" charset="-127"/>
-              <a:ea typeface="나눔스퀘어OTF ExtraBold" pitchFamily="34" charset="-127"/>
-            </a:endParaRPr>
-          </a:p>
-        </p:txBody>
-      </p:sp>
-      <p:sp>
-        <p:nvSpPr>
-          <p:cNvPr id="15372" name="직사각형 10"/>
-          <p:cNvSpPr>
-            <a:spLocks noChangeArrowheads="1"/>
-          </p:cNvSpPr>
-          <p:nvPr/>
-        </p:nvSpPr>
-        <p:spPr bwMode="auto">
-          <a:xfrm>
-            <a:off x="6529707" y="2477417"/>
-            <a:ext cx="4893943" cy="1015663"/>
-          </a:xfrm>
-          <a:prstGeom prst="rect">
-            <a:avLst/>
-          </a:prstGeom>
-          <a:noFill/>
-          <a:ln>
-            <a:noFill/>
-          </a:ln>
-          <a:extLst>
-            <a:ext uri="{909E8E84-426E-40DD-AFC4-6F175D3DCCD1}">
-              <a14:hiddenFill xmlns:a14="http://schemas.microsoft.com/office/drawing/2010/main">
-                <a:solidFill>
-                  <a:srgbClr val="FFFFFF"/>
-                </a:solidFill>
-              </a14:hiddenFill>
-            </a:ext>
-            <a:ext uri="{91240B29-F687-4F45-9708-019B960494DF}">
-              <a14:hiddenLine xmlns:a14="http://schemas.microsoft.com/office/drawing/2010/main" w="9525">
-                <a:solidFill>
-                  <a:srgbClr val="000000"/>
-                </a:solidFill>
-                <a:miter lim="800000"/>
-                <a:headEnd/>
-                <a:tailEnd/>
-              </a14:hiddenLine>
-            </a:ext>
-          </a:extLst>
-        </p:spPr>
-        <p:txBody>
-          <a:bodyPr>
-            <a:spAutoFit/>
-          </a:bodyPr>
-          <a:lstStyle>
-            <a:lvl1pPr marL="285750" indent="-285750" latinLnBrk="1">
-              <a:spcBef>
-                <a:spcPct val="20000"/>
-              </a:spcBef>
-              <a:buFont typeface="Arial" panose="020B0604020202020204" pitchFamily="34" charset="0"/>
-              <a:buChar char="•"/>
-              <a:defRPr sz="3200">
-                <a:solidFill>
-                  <a:schemeClr val="tx1"/>
-                </a:solidFill>
-                <a:latin typeface="맑은 고딕" panose="020B0503020000020004" pitchFamily="50" charset="-127"/>
-                <a:ea typeface="맑은 고딕" panose="020B0503020000020004" pitchFamily="50" charset="-127"/>
-              </a:defRPr>
-            </a:lvl1pPr>
-            <a:lvl2pPr marL="742950" indent="-285750" latinLnBrk="1">
-              <a:spcBef>
-                <a:spcPct val="20000"/>
-              </a:spcBef>
-              <a:buFont typeface="Arial" panose="020B0604020202020204" pitchFamily="34" charset="0"/>
-              <a:buChar char="–"/>
-              <a:defRPr sz="2800">
-                <a:solidFill>
-                  <a:schemeClr val="tx1"/>
-                </a:solidFill>
-                <a:latin typeface="맑은 고딕" panose="020B0503020000020004" pitchFamily="50" charset="-127"/>
-                <a:ea typeface="맑은 고딕" panose="020B0503020000020004" pitchFamily="50" charset="-127"/>
-              </a:defRPr>
-            </a:lvl2pPr>
-            <a:lvl3pPr marL="1143000" indent="-228600" latinLnBrk="1">
-              <a:spcBef>
-                <a:spcPct val="20000"/>
-              </a:spcBef>
-              <a:buFont typeface="Arial" panose="020B0604020202020204" pitchFamily="34" charset="0"/>
-              <a:buChar char="•"/>
-              <a:defRPr sz="2400">
-                <a:solidFill>
-                  <a:schemeClr val="tx1"/>
-                </a:solidFill>
-                <a:latin typeface="맑은 고딕" panose="020B0503020000020004" pitchFamily="50" charset="-127"/>
-                <a:ea typeface="맑은 고딕" panose="020B0503020000020004" pitchFamily="50" charset="-127"/>
-              </a:defRPr>
-            </a:lvl3pPr>
-            <a:lvl4pPr marL="1600200" indent="-228600" latinLnBrk="1">
-              <a:spcBef>
-                <a:spcPct val="20000"/>
-              </a:spcBef>
-              <a:buFont typeface="Arial" panose="020B0604020202020204" pitchFamily="34" charset="0"/>
-              <a:buChar char="–"/>
-              <a:defRPr sz="2000">
-                <a:solidFill>
-                  <a:schemeClr val="tx1"/>
-                </a:solidFill>
-                <a:latin typeface="맑은 고딕" panose="020B0503020000020004" pitchFamily="50" charset="-127"/>
-                <a:ea typeface="맑은 고딕" panose="020B0503020000020004" pitchFamily="50" charset="-127"/>
-              </a:defRPr>
-            </a:lvl4pPr>
-            <a:lvl5pPr marL="2057400" indent="-228600" latinLnBrk="1">
-              <a:spcBef>
-                <a:spcPct val="20000"/>
-              </a:spcBef>
-              <a:buFont typeface="Arial" panose="020B0604020202020204" pitchFamily="34" charset="0"/>
-              <a:buChar char="»"/>
-              <a:defRPr sz="2000">
-                <a:solidFill>
-                  <a:schemeClr val="tx1"/>
-                </a:solidFill>
-                <a:latin typeface="맑은 고딕" panose="020B0503020000020004" pitchFamily="50" charset="-127"/>
-                <a:ea typeface="맑은 고딕" panose="020B0503020000020004" pitchFamily="50" charset="-127"/>
-              </a:defRPr>
-            </a:lvl5pPr>
-            <a:lvl6pPr marL="2514600" indent="-228600" eaLnBrk="0" fontAlgn="base" hangingPunct="0">
-              <a:spcBef>
-                <a:spcPct val="20000"/>
-              </a:spcBef>
-              <a:spcAft>
-                <a:spcPct val="0"/>
-              </a:spcAft>
-              <a:buFont typeface="Arial" panose="020B0604020202020204" pitchFamily="34" charset="0"/>
-              <a:buChar char="»"/>
-              <a:defRPr sz="2000">
-                <a:solidFill>
-                  <a:schemeClr val="tx1"/>
-                </a:solidFill>
-                <a:latin typeface="맑은 고딕" panose="020B0503020000020004" pitchFamily="50" charset="-127"/>
-                <a:ea typeface="맑은 고딕" panose="020B0503020000020004" pitchFamily="50" charset="-127"/>
-              </a:defRPr>
-            </a:lvl6pPr>
-            <a:lvl7pPr marL="2971800" indent="-228600" eaLnBrk="0" fontAlgn="base" hangingPunct="0">
-              <a:spcBef>
-                <a:spcPct val="20000"/>
-              </a:spcBef>
-              <a:spcAft>
-                <a:spcPct val="0"/>
-              </a:spcAft>
-              <a:buFont typeface="Arial" panose="020B0604020202020204" pitchFamily="34" charset="0"/>
-              <a:buChar char="»"/>
-              <a:defRPr sz="2000">
-                <a:solidFill>
-                  <a:schemeClr val="tx1"/>
-                </a:solidFill>
-                <a:latin typeface="맑은 고딕" panose="020B0503020000020004" pitchFamily="50" charset="-127"/>
-                <a:ea typeface="맑은 고딕" panose="020B0503020000020004" pitchFamily="50" charset="-127"/>
-              </a:defRPr>
-            </a:lvl7pPr>
-            <a:lvl8pPr marL="3429000" indent="-228600" eaLnBrk="0" fontAlgn="base" hangingPunct="0">
-              <a:spcBef>
-                <a:spcPct val="20000"/>
-              </a:spcBef>
-              <a:spcAft>
-                <a:spcPct val="0"/>
-              </a:spcAft>
-              <a:buFont typeface="Arial" panose="020B0604020202020204" pitchFamily="34" charset="0"/>
-              <a:buChar char="»"/>
-              <a:defRPr sz="2000">
-                <a:solidFill>
-                  <a:schemeClr val="tx1"/>
-                </a:solidFill>
-                <a:latin typeface="맑은 고딕" panose="020B0503020000020004" pitchFamily="50" charset="-127"/>
-                <a:ea typeface="맑은 고딕" panose="020B0503020000020004" pitchFamily="50" charset="-127"/>
-              </a:defRPr>
-            </a:lvl8pPr>
-            <a:lvl9pPr marL="3886200" indent="-228600" eaLnBrk="0" fontAlgn="base" hangingPunct="0">
-              <a:spcBef>
-                <a:spcPct val="20000"/>
-              </a:spcBef>
-              <a:spcAft>
-                <a:spcPct val="0"/>
-              </a:spcAft>
-              <a:buFont typeface="Arial" panose="020B0604020202020204" pitchFamily="34" charset="0"/>
-              <a:buChar char="»"/>
-              <a:defRPr sz="2000">
-                <a:solidFill>
-                  <a:schemeClr val="tx1"/>
-                </a:solidFill>
-                <a:latin typeface="맑은 고딕" panose="020B0503020000020004" pitchFamily="50" charset="-127"/>
-                <a:ea typeface="맑은 고딕" panose="020B0503020000020004" pitchFamily="50" charset="-127"/>
-              </a:defRPr>
-            </a:lvl9pPr>
-          </a:lstStyle>
-          <a:p>
-            <a:pPr algn="just" eaLnBrk="1" hangingPunct="1">
-              <a:spcBef>
-                <a:spcPct val="0"/>
-              </a:spcBef>
-              <a:buFontTx/>
-              <a:buChar char="-"/>
-            </a:pPr>
-            <a:r>
-              <a:rPr kumimoji="0" lang="ko-KR" altLang="en-US" sz="2000" b="1">
-                <a:latin typeface="나눔스퀘어OTF" panose="020B0600000101010101" pitchFamily="34" charset="-127"/>
-                <a:ea typeface="나눔스퀘어OTF" panose="020B0600000101010101" pitchFamily="34" charset="-127"/>
-              </a:rPr>
-              <a:t>고객의 요구 사항 정의</a:t>
-            </a:r>
-            <a:endParaRPr kumimoji="0" lang="en-US" altLang="ko-KR" sz="2000" b="1">
-              <a:latin typeface="나눔스퀘어OTF" panose="020B0600000101010101" pitchFamily="34" charset="-127"/>
-              <a:ea typeface="나눔스퀘어OTF" panose="020B0600000101010101" pitchFamily="34" charset="-127"/>
-            </a:endParaRPr>
-          </a:p>
-          <a:p>
-            <a:pPr marL="0" indent="0" algn="just" eaLnBrk="1" hangingPunct="1">
-              <a:spcBef>
-                <a:spcPct val="0"/>
-              </a:spcBef>
-              <a:buNone/>
-            </a:pPr>
-            <a:endParaRPr kumimoji="0" lang="en-US" altLang="ko-KR" sz="2000" b="1">
-              <a:latin typeface="나눔스퀘어OTF" panose="020B0600000101010101" pitchFamily="34" charset="-127"/>
-              <a:ea typeface="나눔스퀘어OTF" panose="020B0600000101010101" pitchFamily="34" charset="-127"/>
-            </a:endParaRPr>
-          </a:p>
-          <a:p>
-            <a:pPr algn="just" eaLnBrk="1" hangingPunct="1">
-              <a:spcBef>
-                <a:spcPct val="0"/>
-              </a:spcBef>
-              <a:buFontTx/>
-              <a:buChar char="-"/>
-            </a:pPr>
-            <a:r>
-              <a:rPr kumimoji="0" lang="ko-KR" altLang="en-US" sz="2000" b="1">
-                <a:latin typeface="나눔스퀘어OTF" panose="020B0600000101010101" pitchFamily="34" charset="-127"/>
-                <a:ea typeface="나눔스퀘어OTF" panose="020B0600000101010101" pitchFamily="34" charset="-127"/>
-              </a:rPr>
-              <a:t>중요도</a:t>
-            </a:r>
-            <a:r>
-              <a:rPr kumimoji="0" lang="en-US" altLang="ko-KR" sz="2000" b="1">
-                <a:latin typeface="나눔스퀘어OTF" panose="020B0600000101010101" pitchFamily="34" charset="-127"/>
-                <a:ea typeface="나눔스퀘어OTF" panose="020B0600000101010101" pitchFamily="34" charset="-127"/>
-              </a:rPr>
-              <a:t>, </a:t>
-            </a:r>
-            <a:r>
-              <a:rPr kumimoji="0" lang="ko-KR" altLang="en-US" sz="2000" b="1">
-                <a:latin typeface="나눔스퀘어OTF" panose="020B0600000101010101" pitchFamily="34" charset="-127"/>
-                <a:ea typeface="나눔스퀘어OTF" panose="020B0600000101010101" pitchFamily="34" charset="-127"/>
-              </a:rPr>
-              <a:t>반영 여부</a:t>
-            </a:r>
-          </a:p>
-        </p:txBody>
-      </p:sp>
-      <p:grpSp>
-        <p:nvGrpSpPr>
-          <p:cNvPr id="18" name="그룹 13">
-            <a:extLst>
-              <a:ext uri="{FF2B5EF4-FFF2-40B4-BE49-F238E27FC236}">
-                <a16:creationId xmlns:a16="http://schemas.microsoft.com/office/drawing/2014/main" id="{F080EEA6-4E71-4754-BFE8-FDCE2ABDDC42}"/>
-              </a:ext>
-            </a:extLst>
-          </p:cNvPr>
-          <p:cNvGrpSpPr>
-            <a:grpSpLocks/>
-          </p:cNvGrpSpPr>
-          <p:nvPr/>
-        </p:nvGrpSpPr>
-        <p:grpSpPr bwMode="auto">
-          <a:xfrm rot="5400000">
-            <a:off x="8534474" y="-2980530"/>
-            <a:ext cx="369889" cy="6832600"/>
-            <a:chOff x="11783835" y="1420022"/>
-            <a:chExt cx="370109" cy="4457250"/>
-          </a:xfrm>
-        </p:grpSpPr>
-        <p:sp>
-          <p:nvSpPr>
-            <p:cNvPr id="19" name="양쪽 모서리가 둥근 사각형 21">
-              <a:extLst>
-                <a:ext uri="{FF2B5EF4-FFF2-40B4-BE49-F238E27FC236}">
-                  <a16:creationId xmlns:a16="http://schemas.microsoft.com/office/drawing/2014/main" id="{B8D29D92-EC9C-4BD7-8640-6DCA775C036E}"/>
-                </a:ext>
-              </a:extLst>
-            </p:cNvPr>
-            <p:cNvSpPr/>
-            <p:nvPr/>
-          </p:nvSpPr>
-          <p:spPr>
-            <a:xfrm rot="16200000" flipH="1">
-              <a:off x="11537041" y="5260370"/>
-              <a:ext cx="863696" cy="370108"/>
-            </a:xfrm>
-            <a:prstGeom prst="round2SameRect">
-              <a:avLst>
-                <a:gd name="adj1" fmla="val 50000"/>
-                <a:gd name="adj2" fmla="val 0"/>
-              </a:avLst>
-            </a:prstGeom>
-            <a:solidFill>
-              <a:schemeClr val="bg1">
-                <a:lumMod val="85000"/>
-              </a:schemeClr>
-            </a:solidFill>
-            <a:ln>
-              <a:solidFill>
-                <a:schemeClr val="bg1"/>
-              </a:solidFill>
-            </a:ln>
-          </p:spPr>
-          <p:style>
-            <a:lnRef idx="2">
-              <a:schemeClr val="accent1">
-                <a:shade val="50000"/>
-              </a:schemeClr>
-            </a:lnRef>
-            <a:fillRef idx="1">
-              <a:schemeClr val="accent1"/>
-            </a:fillRef>
-            <a:effectRef idx="0">
-              <a:schemeClr val="accent1"/>
-            </a:effectRef>
-            <a:fontRef idx="minor">
-              <a:schemeClr val="lt1"/>
-            </a:fontRef>
-          </p:style>
-          <p:txBody>
-            <a:bodyPr anchor="ctr"/>
-            <a:lstStyle/>
-            <a:p>
-              <a:pPr algn="ctr" eaLnBrk="1" fontAlgn="auto" latinLnBrk="1" hangingPunct="1">
-                <a:spcBef>
-                  <a:spcPts val="0"/>
-                </a:spcBef>
-                <a:spcAft>
-                  <a:spcPts val="0"/>
-                </a:spcAft>
-                <a:defRPr/>
-              </a:pPr>
-              <a:r>
-                <a:rPr kumimoji="0" lang="ko-KR" altLang="en-US" sz="1500" dirty="0">
-                  <a:solidFill>
-                    <a:schemeClr val="tx1"/>
-                  </a:solidFill>
-                  <a:latin typeface="여기어때 잘난체 OTF" pitchFamily="34" charset="-127"/>
-                  <a:ea typeface="여기어때 잘난체 OTF" pitchFamily="34" charset="-127"/>
-                </a:rPr>
-                <a:t>개요</a:t>
-              </a:r>
-            </a:p>
-          </p:txBody>
-        </p:sp>
-        <p:sp>
-          <p:nvSpPr>
-            <p:cNvPr id="20" name="양쪽 모서리가 둥근 사각형 23">
-              <a:extLst>
-                <a:ext uri="{FF2B5EF4-FFF2-40B4-BE49-F238E27FC236}">
-                  <a16:creationId xmlns:a16="http://schemas.microsoft.com/office/drawing/2014/main" id="{39B366AD-5D03-432F-93D8-1A95FE3F0AD3}"/>
-                </a:ext>
-              </a:extLst>
-            </p:cNvPr>
-            <p:cNvSpPr/>
-            <p:nvPr/>
-          </p:nvSpPr>
-          <p:spPr>
-            <a:xfrm rot="16200000" flipH="1">
-              <a:off x="11536006" y="4541659"/>
-              <a:ext cx="865767" cy="370108"/>
-            </a:xfrm>
-            <a:prstGeom prst="round2SameRect">
-              <a:avLst>
-                <a:gd name="adj1" fmla="val 50000"/>
-                <a:gd name="adj2" fmla="val 0"/>
-              </a:avLst>
-            </a:prstGeom>
-            <a:solidFill>
-              <a:schemeClr val="bg1">
-                <a:lumMod val="85000"/>
-              </a:schemeClr>
-            </a:solidFill>
-            <a:ln>
-              <a:solidFill>
-                <a:schemeClr val="bg1"/>
-              </a:solidFill>
-            </a:ln>
-          </p:spPr>
-          <p:style>
-            <a:lnRef idx="2">
-              <a:schemeClr val="accent1">
-                <a:shade val="50000"/>
-              </a:schemeClr>
-            </a:lnRef>
-            <a:fillRef idx="1">
-              <a:schemeClr val="accent1"/>
-            </a:fillRef>
-            <a:effectRef idx="0">
-              <a:schemeClr val="accent1"/>
-            </a:effectRef>
-            <a:fontRef idx="minor">
-              <a:schemeClr val="lt1"/>
-            </a:fontRef>
-          </p:style>
-          <p:txBody>
-            <a:bodyPr anchor="ctr"/>
-            <a:lstStyle/>
-            <a:p>
-              <a:pPr algn="ctr" eaLnBrk="1" fontAlgn="auto" latinLnBrk="1" hangingPunct="1">
-                <a:spcBef>
-                  <a:spcPts val="0"/>
-                </a:spcBef>
-                <a:spcAft>
-                  <a:spcPts val="0"/>
-                </a:spcAft>
-                <a:defRPr/>
-              </a:pPr>
-              <a:r>
-                <a:rPr kumimoji="0" lang="ko-KR" altLang="en-US" sz="1500" dirty="0">
-                  <a:solidFill>
-                    <a:schemeClr val="tx1"/>
-                  </a:solidFill>
-                  <a:latin typeface="여기어때 잘난체 OTF" pitchFamily="34" charset="-127"/>
-                  <a:ea typeface="여기어때 잘난체 OTF" pitchFamily="34" charset="-127"/>
-                </a:rPr>
-                <a:t>참여인원</a:t>
-              </a:r>
-            </a:p>
-          </p:txBody>
-        </p:sp>
-        <p:sp>
-          <p:nvSpPr>
-            <p:cNvPr id="21" name="양쪽 모서리가 둥근 사각형 24">
-              <a:extLst>
-                <a:ext uri="{FF2B5EF4-FFF2-40B4-BE49-F238E27FC236}">
-                  <a16:creationId xmlns:a16="http://schemas.microsoft.com/office/drawing/2014/main" id="{AFD03600-794D-4194-B3EE-406541529C04}"/>
-                </a:ext>
-              </a:extLst>
-            </p:cNvPr>
-            <p:cNvSpPr/>
-            <p:nvPr/>
-          </p:nvSpPr>
-          <p:spPr>
-            <a:xfrm rot="16200000" flipH="1">
-              <a:off x="11537041" y="3822948"/>
-              <a:ext cx="863696" cy="370108"/>
-            </a:xfrm>
-            <a:prstGeom prst="round2SameRect">
-              <a:avLst>
-                <a:gd name="adj1" fmla="val 50000"/>
-                <a:gd name="adj2" fmla="val 0"/>
-              </a:avLst>
-            </a:prstGeom>
-            <a:solidFill>
-              <a:schemeClr val="bg1">
-                <a:lumMod val="85000"/>
-              </a:schemeClr>
-            </a:solidFill>
-            <a:ln>
-              <a:solidFill>
-                <a:schemeClr val="bg1"/>
-              </a:solidFill>
-            </a:ln>
-          </p:spPr>
-          <p:style>
-            <a:lnRef idx="2">
-              <a:schemeClr val="accent1">
-                <a:shade val="50000"/>
-              </a:schemeClr>
-            </a:lnRef>
-            <a:fillRef idx="1">
-              <a:schemeClr val="accent1"/>
-            </a:fillRef>
-            <a:effectRef idx="0">
-              <a:schemeClr val="accent1"/>
-            </a:effectRef>
-            <a:fontRef idx="minor">
-              <a:schemeClr val="lt1"/>
-            </a:fontRef>
-          </p:style>
-          <p:txBody>
-            <a:bodyPr anchor="ctr"/>
-            <a:lstStyle/>
-            <a:p>
-              <a:pPr algn="ctr" eaLnBrk="1" fontAlgn="auto" latinLnBrk="1" hangingPunct="1">
-                <a:spcBef>
-                  <a:spcPts val="0"/>
-                </a:spcBef>
-                <a:spcAft>
-                  <a:spcPts val="0"/>
-                </a:spcAft>
-                <a:defRPr/>
-              </a:pPr>
-              <a:r>
-                <a:rPr kumimoji="0" lang="ko-KR" altLang="en-US" sz="1500" dirty="0">
-                  <a:solidFill>
-                    <a:schemeClr val="tx1"/>
-                  </a:solidFill>
-                  <a:latin typeface="여기어때 잘난체 OTF" pitchFamily="34" charset="-127"/>
-                  <a:ea typeface="여기어때 잘난체 OTF" pitchFamily="34" charset="-127"/>
-                </a:rPr>
-                <a:t>일정</a:t>
-              </a:r>
-            </a:p>
-          </p:txBody>
-        </p:sp>
-        <p:sp>
-          <p:nvSpPr>
-            <p:cNvPr id="23" name="양쪽 모서리가 둥근 사각형 25">
-              <a:extLst>
-                <a:ext uri="{FF2B5EF4-FFF2-40B4-BE49-F238E27FC236}">
-                  <a16:creationId xmlns:a16="http://schemas.microsoft.com/office/drawing/2014/main" id="{8EC7B28F-3F6C-4E5C-95F4-A14D2C51ED14}"/>
-                </a:ext>
-              </a:extLst>
-            </p:cNvPr>
-            <p:cNvSpPr/>
-            <p:nvPr/>
-          </p:nvSpPr>
-          <p:spPr>
-            <a:xfrm rot="16200000" flipH="1">
-              <a:off x="11537041" y="3120807"/>
-              <a:ext cx="863696" cy="370108"/>
-            </a:xfrm>
-            <a:prstGeom prst="round2SameRect">
-              <a:avLst>
-                <a:gd name="adj1" fmla="val 50000"/>
-                <a:gd name="adj2" fmla="val 0"/>
-              </a:avLst>
-            </a:prstGeom>
-            <a:solidFill>
-              <a:schemeClr val="bg1">
-                <a:lumMod val="85000"/>
-              </a:schemeClr>
-            </a:solidFill>
-            <a:ln>
-              <a:solidFill>
-                <a:schemeClr val="bg1"/>
-              </a:solidFill>
-            </a:ln>
-          </p:spPr>
-          <p:style>
-            <a:lnRef idx="2">
-              <a:schemeClr val="accent1">
-                <a:shade val="50000"/>
-              </a:schemeClr>
-            </a:lnRef>
-            <a:fillRef idx="1">
-              <a:schemeClr val="accent1"/>
-            </a:fillRef>
-            <a:effectRef idx="0">
-              <a:schemeClr val="accent1"/>
-            </a:effectRef>
-            <a:fontRef idx="minor">
-              <a:schemeClr val="lt1"/>
-            </a:fontRef>
-          </p:style>
-          <p:txBody>
-            <a:bodyPr anchor="ctr"/>
-            <a:lstStyle/>
-            <a:p>
-              <a:pPr algn="ctr" eaLnBrk="1" fontAlgn="auto" latinLnBrk="1" hangingPunct="1">
-                <a:spcBef>
-                  <a:spcPts val="0"/>
-                </a:spcBef>
-                <a:spcAft>
-                  <a:spcPts val="0"/>
-                </a:spcAft>
-                <a:defRPr/>
-              </a:pPr>
-              <a:r>
-                <a:rPr kumimoji="0" lang="ko-KR" altLang="en-US" sz="1500" dirty="0">
-                  <a:solidFill>
-                    <a:schemeClr val="tx1"/>
-                  </a:solidFill>
-                  <a:latin typeface="여기어때 잘난체 OTF" pitchFamily="34" charset="-127"/>
-                  <a:ea typeface="여기어때 잘난체 OTF" pitchFamily="34" charset="-127"/>
-                </a:rPr>
-                <a:t>구성</a:t>
-              </a:r>
-            </a:p>
-          </p:txBody>
-        </p:sp>
-        <p:sp>
-          <p:nvSpPr>
-            <p:cNvPr id="30" name="양쪽 모서리가 둥근 사각형 26">
-              <a:extLst>
-                <a:ext uri="{FF2B5EF4-FFF2-40B4-BE49-F238E27FC236}">
-                  <a16:creationId xmlns:a16="http://schemas.microsoft.com/office/drawing/2014/main" id="{A7500BE3-90BA-4719-8B60-411FF50B7719}"/>
-                </a:ext>
-              </a:extLst>
-            </p:cNvPr>
-            <p:cNvSpPr/>
-            <p:nvPr/>
-          </p:nvSpPr>
-          <p:spPr>
-            <a:xfrm rot="16200000" flipH="1">
-              <a:off x="11535488" y="2433682"/>
-              <a:ext cx="866803" cy="370108"/>
-            </a:xfrm>
-            <a:prstGeom prst="round2SameRect">
-              <a:avLst>
-                <a:gd name="adj1" fmla="val 50000"/>
-                <a:gd name="adj2" fmla="val 0"/>
-              </a:avLst>
-            </a:prstGeom>
-            <a:gradFill>
-              <a:gsLst>
-                <a:gs pos="0">
-                  <a:schemeClr val="tx1"/>
-                </a:gs>
-                <a:gs pos="100000">
-                  <a:schemeClr val="tx1"/>
-                </a:gs>
-                <a:gs pos="51000">
-                  <a:schemeClr val="bg1">
-                    <a:lumMod val="50000"/>
-                  </a:schemeClr>
-                </a:gs>
-              </a:gsLst>
-              <a:lin ang="0" scaled="1"/>
-            </a:gradFill>
-            <a:ln>
-              <a:solidFill>
-                <a:schemeClr val="bg1"/>
-              </a:solidFill>
-            </a:ln>
-          </p:spPr>
-          <p:style>
-            <a:lnRef idx="2">
-              <a:schemeClr val="accent1">
-                <a:shade val="50000"/>
-              </a:schemeClr>
-            </a:lnRef>
-            <a:fillRef idx="1">
-              <a:schemeClr val="accent1"/>
-            </a:fillRef>
-            <a:effectRef idx="0">
-              <a:schemeClr val="accent1"/>
-            </a:effectRef>
-            <a:fontRef idx="minor">
-              <a:schemeClr val="lt1"/>
-            </a:fontRef>
-          </p:style>
-          <p:txBody>
-            <a:bodyPr anchor="ctr"/>
-            <a:lstStyle/>
-            <a:p>
-              <a:pPr algn="ctr" eaLnBrk="1" fontAlgn="auto" latinLnBrk="1" hangingPunct="1">
-                <a:spcBef>
-                  <a:spcPts val="0"/>
-                </a:spcBef>
-                <a:spcAft>
-                  <a:spcPts val="0"/>
-                </a:spcAft>
-                <a:defRPr/>
-              </a:pPr>
-              <a:r>
-                <a:rPr kumimoji="0" lang="ko-KR" altLang="en-US" sz="1500" dirty="0">
-                  <a:solidFill>
-                    <a:schemeClr val="bg1"/>
-                  </a:solidFill>
-                  <a:latin typeface="여기어때 잘난체 OTF" panose="020B0600000101010101" pitchFamily="34" charset="-127"/>
-                  <a:ea typeface="여기어때 잘난체 OTF" panose="020B0600000101010101" pitchFamily="34" charset="-127"/>
-                </a:rPr>
-                <a:t>제안</a:t>
-              </a:r>
-              <a:r>
-                <a:rPr kumimoji="0" lang="en-US" altLang="ko-KR" sz="1500" dirty="0">
-                  <a:solidFill>
-                    <a:schemeClr val="bg1"/>
-                  </a:solidFill>
-                  <a:latin typeface="여기어때 잘난체 OTF" panose="020B0600000101010101" pitchFamily="34" charset="-127"/>
-                  <a:ea typeface="여기어때 잘난체 OTF" panose="020B0600000101010101" pitchFamily="34" charset="-127"/>
-                </a:rPr>
-                <a:t>/</a:t>
-              </a:r>
-              <a:r>
-                <a:rPr kumimoji="0" lang="ko-KR" altLang="en-US" sz="1500" dirty="0">
-                  <a:solidFill>
-                    <a:schemeClr val="bg1"/>
-                  </a:solidFill>
-                  <a:latin typeface="여기어때 잘난체 OTF" panose="020B0600000101010101" pitchFamily="34" charset="-127"/>
-                  <a:ea typeface="여기어때 잘난체 OTF" panose="020B0600000101010101" pitchFamily="34" charset="-127"/>
-                </a:rPr>
-                <a:t>내용</a:t>
-              </a:r>
-            </a:p>
-          </p:txBody>
-        </p:sp>
-        <p:sp>
-          <p:nvSpPr>
-            <p:cNvPr id="31" name="양쪽 모서리가 둥근 사각형 27">
-              <a:extLst>
-                <a:ext uri="{FF2B5EF4-FFF2-40B4-BE49-F238E27FC236}">
-                  <a16:creationId xmlns:a16="http://schemas.microsoft.com/office/drawing/2014/main" id="{6E4C51D2-BD74-4B31-B402-20B3733A91E0}"/>
-                </a:ext>
-              </a:extLst>
-            </p:cNvPr>
-            <p:cNvSpPr/>
-            <p:nvPr/>
-          </p:nvSpPr>
-          <p:spPr>
-            <a:xfrm rot="16200000" flipH="1">
-              <a:off x="11537041" y="1666816"/>
-              <a:ext cx="863696" cy="370108"/>
-            </a:xfrm>
-            <a:prstGeom prst="round2SameRect">
-              <a:avLst>
-                <a:gd name="adj1" fmla="val 50000"/>
-                <a:gd name="adj2" fmla="val 0"/>
-              </a:avLst>
-            </a:prstGeom>
-            <a:solidFill>
-              <a:schemeClr val="bg1">
-                <a:lumMod val="85000"/>
-              </a:schemeClr>
-            </a:solidFill>
-            <a:ln>
-              <a:solidFill>
-                <a:schemeClr val="bg1"/>
-              </a:solidFill>
-            </a:ln>
-          </p:spPr>
-          <p:style>
-            <a:lnRef idx="2">
-              <a:schemeClr val="accent1">
-                <a:shade val="50000"/>
-              </a:schemeClr>
-            </a:lnRef>
-            <a:fillRef idx="1">
-              <a:schemeClr val="accent1"/>
-            </a:fillRef>
-            <a:effectRef idx="0">
-              <a:schemeClr val="accent1"/>
-            </a:effectRef>
-            <a:fontRef idx="minor">
-              <a:schemeClr val="lt1"/>
-            </a:fontRef>
-          </p:style>
-          <p:txBody>
-            <a:bodyPr anchor="ctr"/>
-            <a:lstStyle/>
-            <a:p>
-              <a:pPr algn="ctr" eaLnBrk="1" fontAlgn="auto" latinLnBrk="1" hangingPunct="1">
-                <a:spcBef>
-                  <a:spcPts val="0"/>
-                </a:spcBef>
-                <a:spcAft>
-                  <a:spcPts val="0"/>
-                </a:spcAft>
-                <a:defRPr/>
-              </a:pPr>
-              <a:r>
-                <a:rPr kumimoji="0" lang="ko-KR" altLang="en-US" sz="1500" dirty="0" err="1">
-                  <a:solidFill>
-                    <a:schemeClr val="tx1">
-                      <a:lumMod val="85000"/>
-                      <a:lumOff val="15000"/>
-                    </a:schemeClr>
-                  </a:solidFill>
-                  <a:latin typeface="여기어때 잘난체 OTF" pitchFamily="34" charset="-127"/>
-                  <a:ea typeface="여기어때 잘난체 OTF" pitchFamily="34" charset="-127"/>
-                </a:rPr>
-                <a:t>구현화면</a:t>
-              </a:r>
-              <a:endParaRPr kumimoji="0" lang="ko-KR" altLang="en-US" sz="1500" dirty="0">
-                <a:solidFill>
-                  <a:schemeClr val="tx1">
-                    <a:lumMod val="85000"/>
-                    <a:lumOff val="15000"/>
-                  </a:schemeClr>
-                </a:solidFill>
-                <a:latin typeface="여기어때 잘난체 OTF" pitchFamily="34" charset="-127"/>
-                <a:ea typeface="여기어때 잘난체 OTF" pitchFamily="34" charset="-127"/>
-              </a:endParaRPr>
-            </a:p>
-          </p:txBody>
-        </p:sp>
-      </p:grpSp>
-    </p:spTree>
-  </p:cSld>
-  <p:clrMapOvr>
-    <a:masterClrMapping/>
-  </p:clrMapOvr>
-</p:sld>
-</file>
-
-<file path=ppt/slides/slide11.xml><?xml version="1.0" encoding="utf-8"?>
-<p:sld xmlns:a="http://schemas.openxmlformats.org/drawingml/2006/main" xmlns:r="http://schemas.openxmlformats.org/officeDocument/2006/relationships" xmlns:p="http://schemas.openxmlformats.org/presentationml/2006/main">
-  <p:cSld>
-    <p:spTree>
-      <p:nvGrpSpPr>
-        <p:cNvPr id="1" name=""/>
-        <p:cNvGrpSpPr/>
-        <p:nvPr/>
-      </p:nvGrpSpPr>
-      <p:grpSpPr>
-        <a:xfrm>
-          <a:off x="0" y="0"/>
-          <a:ext cx="0" cy="0"/>
-          <a:chOff x="0" y="0"/>
-          <a:chExt cx="0" cy="0"/>
-        </a:xfrm>
-      </p:grpSpPr>
-      <p:sp>
-        <p:nvSpPr>
-          <p:cNvPr id="13" name="직사각형 12"/>
-          <p:cNvSpPr/>
-          <p:nvPr/>
-        </p:nvSpPr>
-        <p:spPr>
-          <a:xfrm>
-            <a:off x="0" y="-4763"/>
-            <a:ext cx="12192000" cy="620713"/>
-          </a:xfrm>
-          <a:prstGeom prst="rect">
-            <a:avLst/>
-          </a:prstGeom>
-          <a:gradFill>
-            <a:gsLst>
-              <a:gs pos="0">
-                <a:schemeClr val="tx1">
-                  <a:lumMod val="65000"/>
-                  <a:lumOff val="35000"/>
-                </a:schemeClr>
-              </a:gs>
-              <a:gs pos="100000">
-                <a:schemeClr val="bg1">
-                  <a:lumMod val="95000"/>
-                </a:schemeClr>
-              </a:gs>
-              <a:gs pos="40000">
-                <a:schemeClr val="bg1">
-                  <a:lumMod val="75000"/>
-                </a:schemeClr>
-              </a:gs>
-            </a:gsLst>
-            <a:lin ang="0" scaled="1"/>
-          </a:gradFill>
-          <a:ln>
-            <a:noFill/>
-          </a:ln>
-        </p:spPr>
-        <p:style>
-          <a:lnRef idx="2">
-            <a:schemeClr val="accent1">
-              <a:shade val="50000"/>
-            </a:schemeClr>
-          </a:lnRef>
-          <a:fillRef idx="1">
-            <a:schemeClr val="accent1"/>
-          </a:fillRef>
-          <a:effectRef idx="0">
-            <a:schemeClr val="accent1"/>
-          </a:effectRef>
-          <a:fontRef idx="minor">
-            <a:schemeClr val="lt1"/>
-          </a:fontRef>
-        </p:style>
-        <p:txBody>
-          <a:bodyPr anchor="ctr"/>
-          <a:lstStyle/>
-          <a:p>
-            <a:pPr algn="ctr" eaLnBrk="1" fontAlgn="auto" latinLnBrk="1" hangingPunct="1">
-              <a:spcBef>
-                <a:spcPts val="0"/>
-              </a:spcBef>
-              <a:spcAft>
-                <a:spcPts val="0"/>
-              </a:spcAft>
-              <a:defRPr/>
-            </a:pPr>
-            <a:endParaRPr kumimoji="0" lang="ko-KR" altLang="en-US" dirty="0"/>
-          </a:p>
-        </p:txBody>
-      </p:sp>
-      <p:sp>
-        <p:nvSpPr>
-          <p:cNvPr id="16" name="TextBox 15"/>
-          <p:cNvSpPr txBox="1"/>
-          <p:nvPr/>
-        </p:nvSpPr>
-        <p:spPr bwMode="auto">
-          <a:xfrm>
-            <a:off x="488950" y="765175"/>
-            <a:ext cx="2814638" cy="646113"/>
-          </a:xfrm>
-          <a:prstGeom prst="rect">
-            <a:avLst/>
-          </a:prstGeom>
-          <a:noFill/>
-        </p:spPr>
-        <p:txBody>
-          <a:bodyPr wrap="none">
-            <a:spAutoFit/>
-          </a:bodyPr>
-          <a:lstStyle/>
-          <a:p>
-            <a:pPr eaLnBrk="1" fontAlgn="auto" latinLnBrk="1" hangingPunct="1">
-              <a:spcBef>
-                <a:spcPts val="0"/>
-              </a:spcBef>
-              <a:spcAft>
-                <a:spcPts val="0"/>
-              </a:spcAft>
-              <a:defRPr/>
-            </a:pPr>
-            <a:r>
-              <a:rPr kumimoji="0" lang="ko-KR" altLang="en-US" sz="3600" spc="-300" dirty="0">
-                <a:solidFill>
-                  <a:schemeClr val="tx1">
-                    <a:lumMod val="75000"/>
-                    <a:lumOff val="25000"/>
-                  </a:schemeClr>
-                </a:solidFill>
-                <a:latin typeface="여기어때 잘난체 OTF" pitchFamily="34" charset="-127"/>
-                <a:ea typeface="여기어때 잘난체 OTF" pitchFamily="34" charset="-127"/>
-              </a:rPr>
-              <a:t>프로젝트 내용</a:t>
-            </a:r>
-          </a:p>
-        </p:txBody>
-      </p:sp>
-      <p:sp>
-        <p:nvSpPr>
-          <p:cNvPr id="25604" name="Text Placeholder 2"/>
-          <p:cNvSpPr txBox="1">
-            <a:spLocks/>
-          </p:cNvSpPr>
-          <p:nvPr/>
-        </p:nvSpPr>
-        <p:spPr bwMode="auto">
-          <a:xfrm>
-            <a:off x="509588" y="1651000"/>
-            <a:ext cx="7739062" cy="304800"/>
-          </a:xfrm>
-          <a:prstGeom prst="rect">
-            <a:avLst/>
-          </a:prstGeom>
-          <a:noFill/>
-          <a:ln>
-            <a:noFill/>
-          </a:ln>
-          <a:extLst>
-            <a:ext uri="{909E8E84-426E-40DD-AFC4-6F175D3DCCD1}">
-              <a14:hiddenFill xmlns:a14="http://schemas.microsoft.com/office/drawing/2010/main">
-                <a:solidFill>
-                  <a:srgbClr val="FFFFFF"/>
-                </a:solidFill>
-              </a14:hiddenFill>
-            </a:ext>
-            <a:ext uri="{91240B29-F687-4F45-9708-019B960494DF}">
-              <a14:hiddenLine xmlns:a14="http://schemas.microsoft.com/office/drawing/2010/main" w="9525">
-                <a:solidFill>
-                  <a:srgbClr val="000000"/>
-                </a:solidFill>
-                <a:miter lim="800000"/>
-                <a:headEnd/>
-                <a:tailEnd/>
-              </a14:hiddenLine>
-            </a:ext>
-          </a:extLst>
-        </p:spPr>
-        <p:txBody>
-          <a:bodyPr anchor="ctr"/>
-          <a:lstStyle>
-            <a:lvl1pPr latinLnBrk="1">
-              <a:spcBef>
-                <a:spcPct val="20000"/>
-              </a:spcBef>
-              <a:buFont typeface="Arial" panose="020B0604020202020204" pitchFamily="34" charset="0"/>
-              <a:buChar char="•"/>
-              <a:defRPr sz="3200">
-                <a:solidFill>
-                  <a:schemeClr val="tx1"/>
-                </a:solidFill>
-                <a:latin typeface="맑은 고딕" panose="020B0503020000020004" pitchFamily="50" charset="-127"/>
-                <a:ea typeface="맑은 고딕" panose="020B0503020000020004" pitchFamily="50" charset="-127"/>
-              </a:defRPr>
-            </a:lvl1pPr>
-            <a:lvl2pPr marL="742950" indent="-285750" latinLnBrk="1">
-              <a:spcBef>
-                <a:spcPct val="20000"/>
-              </a:spcBef>
-              <a:buFont typeface="Arial" panose="020B0604020202020204" pitchFamily="34" charset="0"/>
-              <a:buChar char="–"/>
-              <a:defRPr sz="2800">
-                <a:solidFill>
-                  <a:schemeClr val="tx1"/>
-                </a:solidFill>
-                <a:latin typeface="맑은 고딕" panose="020B0503020000020004" pitchFamily="50" charset="-127"/>
-                <a:ea typeface="맑은 고딕" panose="020B0503020000020004" pitchFamily="50" charset="-127"/>
-              </a:defRPr>
-            </a:lvl2pPr>
-            <a:lvl3pPr marL="1143000" indent="-228600" latinLnBrk="1">
-              <a:spcBef>
-                <a:spcPct val="20000"/>
-              </a:spcBef>
-              <a:buFont typeface="Arial" panose="020B0604020202020204" pitchFamily="34" charset="0"/>
-              <a:buChar char="•"/>
-              <a:defRPr sz="2400">
-                <a:solidFill>
-                  <a:schemeClr val="tx1"/>
-                </a:solidFill>
-                <a:latin typeface="맑은 고딕" panose="020B0503020000020004" pitchFamily="50" charset="-127"/>
-                <a:ea typeface="맑은 고딕" panose="020B0503020000020004" pitchFamily="50" charset="-127"/>
-              </a:defRPr>
-            </a:lvl3pPr>
-            <a:lvl4pPr marL="1600200" indent="-228600" latinLnBrk="1">
-              <a:spcBef>
-                <a:spcPct val="20000"/>
-              </a:spcBef>
-              <a:buFont typeface="Arial" panose="020B0604020202020204" pitchFamily="34" charset="0"/>
-              <a:buChar char="–"/>
-              <a:defRPr sz="2000">
-                <a:solidFill>
-                  <a:schemeClr val="tx1"/>
-                </a:solidFill>
-                <a:latin typeface="맑은 고딕" panose="020B0503020000020004" pitchFamily="50" charset="-127"/>
-                <a:ea typeface="맑은 고딕" panose="020B0503020000020004" pitchFamily="50" charset="-127"/>
-              </a:defRPr>
-            </a:lvl4pPr>
-            <a:lvl5pPr marL="2057400" indent="-228600" latinLnBrk="1">
-              <a:spcBef>
-                <a:spcPct val="20000"/>
-              </a:spcBef>
-              <a:buFont typeface="Arial" panose="020B0604020202020204" pitchFamily="34" charset="0"/>
-              <a:buChar char="»"/>
-              <a:defRPr sz="2000">
-                <a:solidFill>
-                  <a:schemeClr val="tx1"/>
-                </a:solidFill>
-                <a:latin typeface="맑은 고딕" panose="020B0503020000020004" pitchFamily="50" charset="-127"/>
-                <a:ea typeface="맑은 고딕" panose="020B0503020000020004" pitchFamily="50" charset="-127"/>
-              </a:defRPr>
-            </a:lvl5pPr>
-            <a:lvl6pPr marL="2514600" indent="-228600" eaLnBrk="0" fontAlgn="base" hangingPunct="0">
-              <a:spcBef>
-                <a:spcPct val="20000"/>
-              </a:spcBef>
-              <a:spcAft>
-                <a:spcPct val="0"/>
-              </a:spcAft>
-              <a:buFont typeface="Arial" panose="020B0604020202020204" pitchFamily="34" charset="0"/>
-              <a:buChar char="»"/>
-              <a:defRPr sz="2000">
-                <a:solidFill>
-                  <a:schemeClr val="tx1"/>
-                </a:solidFill>
-                <a:latin typeface="맑은 고딕" panose="020B0503020000020004" pitchFamily="50" charset="-127"/>
-                <a:ea typeface="맑은 고딕" panose="020B0503020000020004" pitchFamily="50" charset="-127"/>
-              </a:defRPr>
-            </a:lvl6pPr>
-            <a:lvl7pPr marL="2971800" indent="-228600" eaLnBrk="0" fontAlgn="base" hangingPunct="0">
-              <a:spcBef>
-                <a:spcPct val="20000"/>
-              </a:spcBef>
-              <a:spcAft>
-                <a:spcPct val="0"/>
-              </a:spcAft>
-              <a:buFont typeface="Arial" panose="020B0604020202020204" pitchFamily="34" charset="0"/>
-              <a:buChar char="»"/>
-              <a:defRPr sz="2000">
-                <a:solidFill>
-                  <a:schemeClr val="tx1"/>
-                </a:solidFill>
-                <a:latin typeface="맑은 고딕" panose="020B0503020000020004" pitchFamily="50" charset="-127"/>
-                <a:ea typeface="맑은 고딕" panose="020B0503020000020004" pitchFamily="50" charset="-127"/>
-              </a:defRPr>
-            </a:lvl7pPr>
-            <a:lvl8pPr marL="3429000" indent="-228600" eaLnBrk="0" fontAlgn="base" hangingPunct="0">
-              <a:spcBef>
-                <a:spcPct val="20000"/>
-              </a:spcBef>
-              <a:spcAft>
-                <a:spcPct val="0"/>
-              </a:spcAft>
-              <a:buFont typeface="Arial" panose="020B0604020202020204" pitchFamily="34" charset="0"/>
-              <a:buChar char="»"/>
-              <a:defRPr sz="2000">
-                <a:solidFill>
-                  <a:schemeClr val="tx1"/>
-                </a:solidFill>
-                <a:latin typeface="맑은 고딕" panose="020B0503020000020004" pitchFamily="50" charset="-127"/>
-                <a:ea typeface="맑은 고딕" panose="020B0503020000020004" pitchFamily="50" charset="-127"/>
-              </a:defRPr>
-            </a:lvl8pPr>
-            <a:lvl9pPr marL="3886200" indent="-228600" eaLnBrk="0" fontAlgn="base" hangingPunct="0">
-              <a:spcBef>
-                <a:spcPct val="20000"/>
-              </a:spcBef>
-              <a:spcAft>
-                <a:spcPct val="0"/>
-              </a:spcAft>
-              <a:buFont typeface="Arial" panose="020B0604020202020204" pitchFamily="34" charset="0"/>
-              <a:buChar char="»"/>
-              <a:defRPr sz="2000">
-                <a:solidFill>
-                  <a:schemeClr val="tx1"/>
-                </a:solidFill>
-                <a:latin typeface="맑은 고딕" panose="020B0503020000020004" pitchFamily="50" charset="-127"/>
-                <a:ea typeface="맑은 고딕" panose="020B0503020000020004" pitchFamily="50" charset="-127"/>
-              </a:defRPr>
-            </a:lvl9pPr>
-          </a:lstStyle>
-          <a:p>
-            <a:pPr eaLnBrk="1" hangingPunct="1">
-              <a:spcBef>
-                <a:spcPct val="0"/>
-              </a:spcBef>
-              <a:buFontTx/>
-              <a:buNone/>
-            </a:pPr>
-            <a:r>
-              <a:rPr kumimoji="0" lang="ko-KR" altLang="en-US" sz="2400">
-                <a:solidFill>
-                  <a:schemeClr val="tx2"/>
-                </a:solidFill>
-                <a:latin typeface="나눔스퀘어OTF Bold" panose="020B0600000101010101" pitchFamily="34" charset="-127"/>
-                <a:ea typeface="나눔스퀘어OTF Bold" panose="020B0600000101010101" pitchFamily="34" charset="-127"/>
-              </a:rPr>
-              <a:t>개발 </a:t>
-            </a:r>
-            <a:r>
-              <a:rPr kumimoji="0" lang="en-US" altLang="ko-KR" sz="2400">
-                <a:solidFill>
-                  <a:schemeClr val="tx2"/>
-                </a:solidFill>
-                <a:latin typeface="나눔스퀘어OTF Bold" panose="020B0600000101010101" pitchFamily="34" charset="-127"/>
-                <a:ea typeface="나눔스퀘어OTF Bold" panose="020B0600000101010101" pitchFamily="34" charset="-127"/>
-              </a:rPr>
-              <a:t>: </a:t>
-            </a:r>
-            <a:r>
-              <a:rPr kumimoji="0" lang="ko-KR" altLang="en-US" sz="2400">
-                <a:solidFill>
-                  <a:schemeClr val="tx2"/>
-                </a:solidFill>
-                <a:latin typeface="나눔스퀘어OTF Bold" panose="020B0600000101010101" pitchFamily="34" charset="-127"/>
-                <a:ea typeface="나눔스퀘어OTF Bold" panose="020B0600000101010101" pitchFamily="34" charset="-127"/>
-              </a:rPr>
-              <a:t>시스템 구성도</a:t>
-            </a:r>
-          </a:p>
-        </p:txBody>
-      </p:sp>
-      <p:sp>
-        <p:nvSpPr>
-          <p:cNvPr id="44" name="Text Box 44"/>
-          <p:cNvSpPr txBox="1">
-            <a:spLocks noChangeArrowheads="1"/>
-          </p:cNvSpPr>
-          <p:nvPr/>
-        </p:nvSpPr>
-        <p:spPr bwMode="auto">
-          <a:xfrm>
-            <a:off x="782638" y="2320925"/>
-            <a:ext cx="6947768" cy="3653049"/>
-          </a:xfrm>
-          <a:prstGeom prst="rect">
-            <a:avLst/>
-          </a:prstGeom>
-          <a:blipFill dpi="0" rotWithShape="1">
-            <a:blip r:embed="rId3">
-              <a:extLst>
-                <a:ext uri="{28A0092B-C50C-407E-A947-70E740481C1C}">
-                  <a14:useLocalDpi xmlns:a14="http://schemas.microsoft.com/office/drawing/2010/main" val="0"/>
-                </a:ext>
-              </a:extLst>
-            </a:blip>
-            <a:srcRect/>
-            <a:stretch>
-              <a:fillRect/>
-            </a:stretch>
-          </a:blipFill>
-          <a:ln w="12700" cap="flat" cmpd="sng" algn="ctr">
-            <a:gradFill>
-              <a:gsLst>
-                <a:gs pos="0">
-                  <a:sysClr val="window" lastClr="FFFFFF">
-                    <a:lumMod val="85000"/>
-                  </a:sysClr>
-                </a:gs>
-                <a:gs pos="50000">
-                  <a:sysClr val="window" lastClr="FFFFFF"/>
-                </a:gs>
-                <a:gs pos="100000">
-                  <a:sysClr val="window" lastClr="FFFFFF">
-                    <a:lumMod val="85000"/>
-                  </a:sysClr>
-                </a:gs>
-              </a:gsLst>
-              <a:lin ang="5400000" scaled="0"/>
-            </a:gradFill>
-            <a:prstDash val="solid"/>
-            <a:miter lim="800000"/>
-            <a:headEnd/>
-            <a:tailEnd/>
-          </a:ln>
-          <a:effectLst>
-            <a:outerShdw blurRad="50800" dist="38100" dir="2700000" algn="tl" rotWithShape="0">
-              <a:prstClr val="black">
-                <a:alpha val="40000"/>
-              </a:prstClr>
-            </a:outerShdw>
-          </a:effectLst>
-        </p:spPr>
-        <p:txBody>
-          <a:bodyPr lIns="70650" tIns="70650" rIns="70650" bIns="44853"/>
-          <a:lstStyle/>
-          <a:p>
-            <a:pPr marL="84095" indent="-84095" defTabSz="897033" eaLnBrk="1" fontAlgn="auto" latinLnBrk="1" hangingPunct="1">
-              <a:spcBef>
-                <a:spcPts val="0"/>
-              </a:spcBef>
-              <a:spcAft>
-                <a:spcPts val="294"/>
-              </a:spcAft>
-              <a:buClr>
-                <a:srgbClr val="A1A1A1"/>
-              </a:buClr>
-              <a:buSzPct val="100000"/>
-              <a:buFont typeface="Arial" pitchFamily="34" charset="0"/>
-              <a:buChar char="•"/>
-              <a:defRPr/>
-            </a:pPr>
-            <a:endParaRPr kumimoji="0" lang="ko-KR" altLang="en-US" sz="883" kern="0" dirty="0">
-              <a:solidFill>
-                <a:srgbClr val="FF0000"/>
-              </a:solidFill>
-              <a:latin typeface="나눔고딕" panose="020D0304000000000000" pitchFamily="50" charset="-127"/>
-              <a:ea typeface="나눔스퀘어"/>
-              <a:sym typeface="Wingdings" pitchFamily="2" charset="2"/>
-            </a:endParaRPr>
-          </a:p>
-        </p:txBody>
-      </p:sp>
-      <p:sp>
-        <p:nvSpPr>
-          <p:cNvPr id="49" name="모서리가 둥근 직사각형 48"/>
-          <p:cNvSpPr/>
-          <p:nvPr/>
-        </p:nvSpPr>
-        <p:spPr bwMode="auto">
-          <a:xfrm>
-            <a:off x="2311400" y="6165850"/>
-            <a:ext cx="2268538" cy="319088"/>
-          </a:xfrm>
-          <a:prstGeom prst="roundRect">
-            <a:avLst>
-              <a:gd name="adj" fmla="val 50000"/>
-            </a:avLst>
-          </a:prstGeom>
-          <a:gradFill flip="none" rotWithShape="1">
-            <a:gsLst>
-              <a:gs pos="100000">
-                <a:schemeClr val="bg1">
-                  <a:lumMod val="50000"/>
-                </a:schemeClr>
-              </a:gs>
-              <a:gs pos="50000">
-                <a:schemeClr val="tx1"/>
-              </a:gs>
-              <a:gs pos="0">
-                <a:schemeClr val="bg1">
-                  <a:lumMod val="65000"/>
-                </a:schemeClr>
-              </a:gs>
-            </a:gsLst>
-            <a:lin ang="0" scaled="1"/>
-            <a:tileRect/>
-          </a:gradFill>
-          <a:ln w="12700">
-            <a:noFill/>
-          </a:ln>
-        </p:spPr>
-        <p:style>
-          <a:lnRef idx="2">
-            <a:schemeClr val="accent1">
-              <a:shade val="50000"/>
-            </a:schemeClr>
-          </a:lnRef>
-          <a:fillRef idx="1">
-            <a:schemeClr val="accent1"/>
-          </a:fillRef>
-          <a:effectRef idx="0">
-            <a:schemeClr val="accent1"/>
-          </a:effectRef>
-          <a:fontRef idx="minor">
-            <a:schemeClr val="lt1"/>
-          </a:fontRef>
-        </p:style>
-        <p:txBody>
-          <a:bodyPr anchor="ctr"/>
-          <a:lstStyle/>
-          <a:p>
-            <a:pPr algn="ctr" eaLnBrk="1" fontAlgn="auto" latinLnBrk="1" hangingPunct="1">
-              <a:spcBef>
-                <a:spcPts val="0"/>
-              </a:spcBef>
-              <a:spcAft>
-                <a:spcPts val="0"/>
-              </a:spcAft>
-              <a:defRPr/>
-            </a:pPr>
             <a:r>
               <a:rPr kumimoji="0" lang="ko-KR" altLang="en-US" sz="1600">
                 <a:solidFill>
@@ -10010,7 +8674,7 @@
                 <a:latin typeface="나눔스퀘어OTF ExtraBold" pitchFamily="34" charset="-127"/>
                 <a:ea typeface="나눔스퀘어OTF ExtraBold" pitchFamily="34" charset="-127"/>
               </a:rPr>
-              <a:t>시스템 구성도</a:t>
+              <a:t>구조</a:t>
             </a:r>
             <a:endParaRPr kumimoji="0" lang="ko-KR" altLang="en-US" sz="1600" dirty="0">
               <a:solidFill>
@@ -10032,8 +8696,8 @@
         </p:nvSpPr>
         <p:spPr bwMode="auto">
           <a:xfrm>
-            <a:off x="6529584" y="2477417"/>
-            <a:ext cx="5325866" cy="400110"/>
+            <a:off x="7895406" y="2477417"/>
+            <a:ext cx="3960044" cy="400110"/>
           </a:xfrm>
           <a:prstGeom prst="rect">
             <a:avLst/>
@@ -10063,7 +8727,7 @@
           </a:extLst>
         </p:spPr>
         <p:txBody>
-          <a:bodyPr>
+          <a:bodyPr wrap="square">
             <a:spAutoFit/>
           </a:bodyPr>
           <a:lstStyle>
@@ -10747,7 +9411,7 @@
     </p:spTree>
     <p:extLst>
       <p:ext uri="{BB962C8B-B14F-4D97-AF65-F5344CB8AC3E}">
-        <p14:creationId xmlns:p14="http://schemas.microsoft.com/office/powerpoint/2010/main" val="3058418728"/>
+        <p14:creationId xmlns:p14="http://schemas.microsoft.com/office/powerpoint/2010/main" val="2926256096"/>
       </p:ext>
     </p:extLst>
   </p:cSld>
@@ -10757,7 +9421,7 @@
 </p:sld>
 </file>
 
-<file path=ppt/slides/slide12.xml><?xml version="1.0" encoding="utf-8"?>
+<file path=ppt/slides/slide11.xml><?xml version="1.0" encoding="utf-8"?>
 <p:sld xmlns:a="http://schemas.openxmlformats.org/drawingml/2006/main" xmlns:r="http://schemas.openxmlformats.org/officeDocument/2006/relationships" xmlns:p="http://schemas.openxmlformats.org/presentationml/2006/main">
   <p:cSld>
     <p:spTree>
@@ -11101,7 +9765,7 @@
                 <a:latin typeface="나눔스퀘어OTF Bold" panose="020B0600000101010101" pitchFamily="34" charset="-127"/>
                 <a:ea typeface="나눔스퀘어OTF Bold" panose="020B0600000101010101" pitchFamily="34" charset="-127"/>
               </a:rPr>
-              <a:t>:3 Tier </a:t>
+              <a:t>: </a:t>
             </a:r>
             <a:r>
               <a:rPr kumimoji="0" lang="ko-KR" altLang="en-US" sz="2400">
@@ -11111,7 +9775,7 @@
                 <a:latin typeface="나눔스퀘어OTF Bold" panose="020B0600000101010101" pitchFamily="34" charset="-127"/>
                 <a:ea typeface="나눔스퀘어OTF Bold" panose="020B0600000101010101" pitchFamily="34" charset="-127"/>
               </a:rPr>
-              <a:t>구조</a:t>
+              <a:t>프로세스 흐름도</a:t>
             </a:r>
           </a:p>
         </p:txBody>
@@ -11127,13 +9791,13 @@
         <p:spPr bwMode="auto">
           <a:xfrm>
             <a:off x="782638" y="2320925"/>
-            <a:ext cx="6608712" cy="3653049"/>
+            <a:ext cx="5508378" cy="3653049"/>
           </a:xfrm>
           <a:prstGeom prst="rect">
             <a:avLst/>
           </a:prstGeom>
           <a:blipFill dpi="0" rotWithShape="1">
-            <a:blip r:embed="rId3">
+            <a:blip r:embed="rId3" cstate="print">
               <a:extLst>
                 <a:ext uri="{28A0092B-C50C-407E-A947-70E740481C1C}">
                   <a14:useLocalDpi xmlns:a14="http://schemas.microsoft.com/office/drawing/2010/main" val="0"/>
@@ -11276,26 +9940,16 @@
               <a:defRPr/>
             </a:pPr>
             <a:r>
-              <a:rPr kumimoji="0" lang="en-US" altLang="ko-KR" sz="1600">
+              <a:rPr kumimoji="0" lang="ko-KR" altLang="en-US" sz="1600">
                 <a:solidFill>
                   <a:schemeClr val="bg1"/>
                 </a:solidFill>
                 <a:latin typeface="나눔스퀘어OTF ExtraBold" pitchFamily="34" charset="-127"/>
                 <a:ea typeface="나눔스퀘어OTF ExtraBold" pitchFamily="34" charset="-127"/>
               </a:rPr>
-              <a:t>3 Tier </a:t>
+              <a:t>프로세스 흐름도</a:t>
             </a:r>
-            <a:r>
-              <a:rPr kumimoji="0" lang="ko-KR" altLang="en-US" sz="1600">
-                <a:solidFill>
-                  <a:schemeClr val="bg1"/>
-                </a:solidFill>
-                <a:latin typeface="나눔스퀘어OTF ExtraBold" pitchFamily="34" charset="-127"/>
-                <a:ea typeface="나눔스퀘어OTF ExtraBold" pitchFamily="34" charset="-127"/>
-              </a:rPr>
-              <a:t>구조</a:t>
-            </a:r>
-            <a:endParaRPr kumimoji="0" lang="ko-KR" altLang="en-US" sz="1600" dirty="0">
+            <a:endParaRPr kumimoji="0" lang="en-US" altLang="ko-KR" sz="1600">
               <a:solidFill>
                 <a:schemeClr val="bg1"/>
               </a:solidFill>
@@ -11315,8 +9969,8 @@
         </p:nvSpPr>
         <p:spPr bwMode="auto">
           <a:xfrm>
-            <a:off x="7895406" y="2477417"/>
-            <a:ext cx="3960044" cy="400110"/>
+            <a:off x="6529584" y="2477417"/>
+            <a:ext cx="5325866" cy="707886"/>
           </a:xfrm>
           <a:prstGeom prst="rect">
             <a:avLst/>
@@ -11346,7 +10000,7 @@
           </a:extLst>
         </p:spPr>
         <p:txBody>
-          <a:bodyPr wrap="square">
+          <a:bodyPr>
             <a:spAutoFit/>
           </a:bodyPr>
           <a:lstStyle>
@@ -11497,1376 +10151,44 @@
               <a:buFontTx/>
               <a:buChar char="-"/>
             </a:pPr>
-            <a:endParaRPr kumimoji="0" lang="ko-KR" altLang="en-US" sz="2000" b="1">
-              <a:latin typeface="나눔스퀘어OTF" panose="020B0600000101010101" pitchFamily="34" charset="-127"/>
-              <a:ea typeface="나눔스퀘어OTF" panose="020B0600000101010101" pitchFamily="34" charset="-127"/>
-            </a:endParaRPr>
-          </a:p>
-        </p:txBody>
-      </p:sp>
-      <p:grpSp>
-        <p:nvGrpSpPr>
-          <p:cNvPr id="18" name="그룹 13">
-            <a:extLst>
-              <a:ext uri="{FF2B5EF4-FFF2-40B4-BE49-F238E27FC236}">
-                <a16:creationId xmlns:a16="http://schemas.microsoft.com/office/drawing/2014/main" id="{CEDC1F82-6178-43A9-950D-20D683336E91}"/>
-              </a:ext>
-            </a:extLst>
-          </p:cNvPr>
-          <p:cNvGrpSpPr>
-            <a:grpSpLocks/>
-          </p:cNvGrpSpPr>
-          <p:nvPr/>
-        </p:nvGrpSpPr>
-        <p:grpSpPr bwMode="auto">
-          <a:xfrm rot="5400000">
-            <a:off x="8534474" y="-2980530"/>
-            <a:ext cx="369889" cy="6832600"/>
-            <a:chOff x="11783835" y="1420022"/>
-            <a:chExt cx="370109" cy="4457250"/>
-          </a:xfrm>
-        </p:grpSpPr>
-        <p:sp>
-          <p:nvSpPr>
-            <p:cNvPr id="19" name="양쪽 모서리가 둥근 사각형 21">
-              <a:extLst>
-                <a:ext uri="{FF2B5EF4-FFF2-40B4-BE49-F238E27FC236}">
-                  <a16:creationId xmlns:a16="http://schemas.microsoft.com/office/drawing/2014/main" id="{D9131C69-C67C-4FEF-9D59-6E0557EA5CC7}"/>
-                </a:ext>
-              </a:extLst>
-            </p:cNvPr>
-            <p:cNvSpPr/>
-            <p:nvPr/>
-          </p:nvSpPr>
-          <p:spPr>
-            <a:xfrm rot="16200000" flipH="1">
-              <a:off x="11537041" y="5260370"/>
-              <a:ext cx="863696" cy="370108"/>
-            </a:xfrm>
-            <a:prstGeom prst="round2SameRect">
-              <a:avLst>
-                <a:gd name="adj1" fmla="val 50000"/>
-                <a:gd name="adj2" fmla="val 0"/>
-              </a:avLst>
-            </a:prstGeom>
-            <a:solidFill>
-              <a:schemeClr val="bg1">
-                <a:lumMod val="85000"/>
-              </a:schemeClr>
-            </a:solidFill>
-            <a:ln>
-              <a:solidFill>
-                <a:schemeClr val="bg1"/>
-              </a:solidFill>
-            </a:ln>
-          </p:spPr>
-          <p:style>
-            <a:lnRef idx="2">
-              <a:schemeClr val="accent1">
-                <a:shade val="50000"/>
-              </a:schemeClr>
-            </a:lnRef>
-            <a:fillRef idx="1">
-              <a:schemeClr val="accent1"/>
-            </a:fillRef>
-            <a:effectRef idx="0">
-              <a:schemeClr val="accent1"/>
-            </a:effectRef>
-            <a:fontRef idx="minor">
-              <a:schemeClr val="lt1"/>
-            </a:fontRef>
-          </p:style>
-          <p:txBody>
-            <a:bodyPr anchor="ctr"/>
-            <a:lstStyle/>
-            <a:p>
-              <a:pPr algn="ctr" eaLnBrk="1" fontAlgn="auto" latinLnBrk="1" hangingPunct="1">
-                <a:spcBef>
-                  <a:spcPts val="0"/>
-                </a:spcBef>
-                <a:spcAft>
-                  <a:spcPts val="0"/>
-                </a:spcAft>
-                <a:defRPr/>
-              </a:pPr>
-              <a:r>
-                <a:rPr kumimoji="0" lang="ko-KR" altLang="en-US" sz="1500" dirty="0">
-                  <a:solidFill>
-                    <a:schemeClr val="tx1"/>
-                  </a:solidFill>
-                  <a:latin typeface="여기어때 잘난체 OTF" pitchFamily="34" charset="-127"/>
-                  <a:ea typeface="여기어때 잘난체 OTF" pitchFamily="34" charset="-127"/>
-                </a:rPr>
-                <a:t>개요</a:t>
-              </a:r>
-            </a:p>
-          </p:txBody>
-        </p:sp>
-        <p:sp>
-          <p:nvSpPr>
-            <p:cNvPr id="20" name="양쪽 모서리가 둥근 사각형 23">
-              <a:extLst>
-                <a:ext uri="{FF2B5EF4-FFF2-40B4-BE49-F238E27FC236}">
-                  <a16:creationId xmlns:a16="http://schemas.microsoft.com/office/drawing/2014/main" id="{63538C9F-CA25-4171-BFBF-D77CEE9CA346}"/>
-                </a:ext>
-              </a:extLst>
-            </p:cNvPr>
-            <p:cNvSpPr/>
-            <p:nvPr/>
-          </p:nvSpPr>
-          <p:spPr>
-            <a:xfrm rot="16200000" flipH="1">
-              <a:off x="11536006" y="4541659"/>
-              <a:ext cx="865767" cy="370108"/>
-            </a:xfrm>
-            <a:prstGeom prst="round2SameRect">
-              <a:avLst>
-                <a:gd name="adj1" fmla="val 50000"/>
-                <a:gd name="adj2" fmla="val 0"/>
-              </a:avLst>
-            </a:prstGeom>
-            <a:solidFill>
-              <a:schemeClr val="bg1">
-                <a:lumMod val="85000"/>
-              </a:schemeClr>
-            </a:solidFill>
-            <a:ln>
-              <a:solidFill>
-                <a:schemeClr val="bg1"/>
-              </a:solidFill>
-            </a:ln>
-          </p:spPr>
-          <p:style>
-            <a:lnRef idx="2">
-              <a:schemeClr val="accent1">
-                <a:shade val="50000"/>
-              </a:schemeClr>
-            </a:lnRef>
-            <a:fillRef idx="1">
-              <a:schemeClr val="accent1"/>
-            </a:fillRef>
-            <a:effectRef idx="0">
-              <a:schemeClr val="accent1"/>
-            </a:effectRef>
-            <a:fontRef idx="minor">
-              <a:schemeClr val="lt1"/>
-            </a:fontRef>
-          </p:style>
-          <p:txBody>
-            <a:bodyPr anchor="ctr"/>
-            <a:lstStyle/>
-            <a:p>
-              <a:pPr algn="ctr" eaLnBrk="1" fontAlgn="auto" latinLnBrk="1" hangingPunct="1">
-                <a:spcBef>
-                  <a:spcPts val="0"/>
-                </a:spcBef>
-                <a:spcAft>
-                  <a:spcPts val="0"/>
-                </a:spcAft>
-                <a:defRPr/>
-              </a:pPr>
-              <a:r>
-                <a:rPr kumimoji="0" lang="ko-KR" altLang="en-US" sz="1500" dirty="0">
-                  <a:solidFill>
-                    <a:schemeClr val="tx1"/>
-                  </a:solidFill>
-                  <a:latin typeface="여기어때 잘난체 OTF" pitchFamily="34" charset="-127"/>
-                  <a:ea typeface="여기어때 잘난체 OTF" pitchFamily="34" charset="-127"/>
-                </a:rPr>
-                <a:t>참여인원</a:t>
-              </a:r>
-            </a:p>
-          </p:txBody>
-        </p:sp>
-        <p:sp>
-          <p:nvSpPr>
-            <p:cNvPr id="21" name="양쪽 모서리가 둥근 사각형 24">
-              <a:extLst>
-                <a:ext uri="{FF2B5EF4-FFF2-40B4-BE49-F238E27FC236}">
-                  <a16:creationId xmlns:a16="http://schemas.microsoft.com/office/drawing/2014/main" id="{B5ED6ED9-7B41-4D24-A07D-4B337FCB4BAD}"/>
-                </a:ext>
-              </a:extLst>
-            </p:cNvPr>
-            <p:cNvSpPr/>
-            <p:nvPr/>
-          </p:nvSpPr>
-          <p:spPr>
-            <a:xfrm rot="16200000" flipH="1">
-              <a:off x="11537041" y="3822948"/>
-              <a:ext cx="863696" cy="370108"/>
-            </a:xfrm>
-            <a:prstGeom prst="round2SameRect">
-              <a:avLst>
-                <a:gd name="adj1" fmla="val 50000"/>
-                <a:gd name="adj2" fmla="val 0"/>
-              </a:avLst>
-            </a:prstGeom>
-            <a:solidFill>
-              <a:schemeClr val="bg1">
-                <a:lumMod val="85000"/>
-              </a:schemeClr>
-            </a:solidFill>
-            <a:ln>
-              <a:solidFill>
-                <a:schemeClr val="bg1"/>
-              </a:solidFill>
-            </a:ln>
-          </p:spPr>
-          <p:style>
-            <a:lnRef idx="2">
-              <a:schemeClr val="accent1">
-                <a:shade val="50000"/>
-              </a:schemeClr>
-            </a:lnRef>
-            <a:fillRef idx="1">
-              <a:schemeClr val="accent1"/>
-            </a:fillRef>
-            <a:effectRef idx="0">
-              <a:schemeClr val="accent1"/>
-            </a:effectRef>
-            <a:fontRef idx="minor">
-              <a:schemeClr val="lt1"/>
-            </a:fontRef>
-          </p:style>
-          <p:txBody>
-            <a:bodyPr anchor="ctr"/>
-            <a:lstStyle/>
-            <a:p>
-              <a:pPr algn="ctr" eaLnBrk="1" fontAlgn="auto" latinLnBrk="1" hangingPunct="1">
-                <a:spcBef>
-                  <a:spcPts val="0"/>
-                </a:spcBef>
-                <a:spcAft>
-                  <a:spcPts val="0"/>
-                </a:spcAft>
-                <a:defRPr/>
-              </a:pPr>
-              <a:r>
-                <a:rPr kumimoji="0" lang="ko-KR" altLang="en-US" sz="1500" dirty="0">
-                  <a:solidFill>
-                    <a:schemeClr val="tx1"/>
-                  </a:solidFill>
-                  <a:latin typeface="여기어때 잘난체 OTF" pitchFamily="34" charset="-127"/>
-                  <a:ea typeface="여기어때 잘난체 OTF" pitchFamily="34" charset="-127"/>
-                </a:rPr>
-                <a:t>일정</a:t>
-              </a:r>
-            </a:p>
-          </p:txBody>
-        </p:sp>
-        <p:sp>
-          <p:nvSpPr>
-            <p:cNvPr id="23" name="양쪽 모서리가 둥근 사각형 25">
-              <a:extLst>
-                <a:ext uri="{FF2B5EF4-FFF2-40B4-BE49-F238E27FC236}">
-                  <a16:creationId xmlns:a16="http://schemas.microsoft.com/office/drawing/2014/main" id="{D9E49526-F06C-4AE6-95B5-E7F6ADE3A611}"/>
-                </a:ext>
-              </a:extLst>
-            </p:cNvPr>
-            <p:cNvSpPr/>
-            <p:nvPr/>
-          </p:nvSpPr>
-          <p:spPr>
-            <a:xfrm rot="16200000" flipH="1">
-              <a:off x="11537041" y="3120807"/>
-              <a:ext cx="863696" cy="370108"/>
-            </a:xfrm>
-            <a:prstGeom prst="round2SameRect">
-              <a:avLst>
-                <a:gd name="adj1" fmla="val 50000"/>
-                <a:gd name="adj2" fmla="val 0"/>
-              </a:avLst>
-            </a:prstGeom>
-            <a:solidFill>
-              <a:schemeClr val="bg1">
-                <a:lumMod val="85000"/>
-              </a:schemeClr>
-            </a:solidFill>
-            <a:ln>
-              <a:solidFill>
-                <a:schemeClr val="bg1"/>
-              </a:solidFill>
-            </a:ln>
-          </p:spPr>
-          <p:style>
-            <a:lnRef idx="2">
-              <a:schemeClr val="accent1">
-                <a:shade val="50000"/>
-              </a:schemeClr>
-            </a:lnRef>
-            <a:fillRef idx="1">
-              <a:schemeClr val="accent1"/>
-            </a:fillRef>
-            <a:effectRef idx="0">
-              <a:schemeClr val="accent1"/>
-            </a:effectRef>
-            <a:fontRef idx="minor">
-              <a:schemeClr val="lt1"/>
-            </a:fontRef>
-          </p:style>
-          <p:txBody>
-            <a:bodyPr anchor="ctr"/>
-            <a:lstStyle/>
-            <a:p>
-              <a:pPr algn="ctr" eaLnBrk="1" fontAlgn="auto" latinLnBrk="1" hangingPunct="1">
-                <a:spcBef>
-                  <a:spcPts val="0"/>
-                </a:spcBef>
-                <a:spcAft>
-                  <a:spcPts val="0"/>
-                </a:spcAft>
-                <a:defRPr/>
-              </a:pPr>
-              <a:r>
-                <a:rPr kumimoji="0" lang="ko-KR" altLang="en-US" sz="1500" dirty="0">
-                  <a:solidFill>
-                    <a:schemeClr val="tx1"/>
-                  </a:solidFill>
-                  <a:latin typeface="여기어때 잘난체 OTF" pitchFamily="34" charset="-127"/>
-                  <a:ea typeface="여기어때 잘난체 OTF" pitchFamily="34" charset="-127"/>
-                </a:rPr>
-                <a:t>구성</a:t>
-              </a:r>
-            </a:p>
-          </p:txBody>
-        </p:sp>
-        <p:sp>
-          <p:nvSpPr>
-            <p:cNvPr id="30" name="양쪽 모서리가 둥근 사각형 26">
-              <a:extLst>
-                <a:ext uri="{FF2B5EF4-FFF2-40B4-BE49-F238E27FC236}">
-                  <a16:creationId xmlns:a16="http://schemas.microsoft.com/office/drawing/2014/main" id="{C9D71E2D-8B35-4A96-B8C5-ADD4D13184C3}"/>
-                </a:ext>
-              </a:extLst>
-            </p:cNvPr>
-            <p:cNvSpPr/>
-            <p:nvPr/>
-          </p:nvSpPr>
-          <p:spPr>
-            <a:xfrm rot="16200000" flipH="1">
-              <a:off x="11535488" y="2433682"/>
-              <a:ext cx="866803" cy="370108"/>
-            </a:xfrm>
-            <a:prstGeom prst="round2SameRect">
-              <a:avLst>
-                <a:gd name="adj1" fmla="val 50000"/>
-                <a:gd name="adj2" fmla="val 0"/>
-              </a:avLst>
-            </a:prstGeom>
-            <a:gradFill>
-              <a:gsLst>
-                <a:gs pos="0">
-                  <a:schemeClr val="tx1"/>
-                </a:gs>
-                <a:gs pos="100000">
-                  <a:schemeClr val="tx1"/>
-                </a:gs>
-                <a:gs pos="51000">
-                  <a:schemeClr val="bg1">
-                    <a:lumMod val="50000"/>
-                  </a:schemeClr>
-                </a:gs>
-              </a:gsLst>
-              <a:lin ang="0" scaled="1"/>
-            </a:gradFill>
-            <a:ln>
-              <a:solidFill>
-                <a:schemeClr val="bg1"/>
-              </a:solidFill>
-            </a:ln>
-          </p:spPr>
-          <p:style>
-            <a:lnRef idx="2">
-              <a:schemeClr val="accent1">
-                <a:shade val="50000"/>
-              </a:schemeClr>
-            </a:lnRef>
-            <a:fillRef idx="1">
-              <a:schemeClr val="accent1"/>
-            </a:fillRef>
-            <a:effectRef idx="0">
-              <a:schemeClr val="accent1"/>
-            </a:effectRef>
-            <a:fontRef idx="minor">
-              <a:schemeClr val="lt1"/>
-            </a:fontRef>
-          </p:style>
-          <p:txBody>
-            <a:bodyPr anchor="ctr"/>
-            <a:lstStyle/>
-            <a:p>
-              <a:pPr algn="ctr" eaLnBrk="1" fontAlgn="auto" latinLnBrk="1" hangingPunct="1">
-                <a:spcBef>
-                  <a:spcPts val="0"/>
-                </a:spcBef>
-                <a:spcAft>
-                  <a:spcPts val="0"/>
-                </a:spcAft>
-                <a:defRPr/>
-              </a:pPr>
-              <a:r>
-                <a:rPr kumimoji="0" lang="ko-KR" altLang="en-US" sz="1500" dirty="0">
-                  <a:solidFill>
-                    <a:schemeClr val="bg1"/>
-                  </a:solidFill>
-                  <a:latin typeface="여기어때 잘난체 OTF" panose="020B0600000101010101" pitchFamily="34" charset="-127"/>
-                  <a:ea typeface="여기어때 잘난체 OTF" panose="020B0600000101010101" pitchFamily="34" charset="-127"/>
-                </a:rPr>
-                <a:t>제안</a:t>
-              </a:r>
-              <a:r>
-                <a:rPr kumimoji="0" lang="en-US" altLang="ko-KR" sz="1500" dirty="0">
-                  <a:solidFill>
-                    <a:schemeClr val="bg1"/>
-                  </a:solidFill>
-                  <a:latin typeface="여기어때 잘난체 OTF" panose="020B0600000101010101" pitchFamily="34" charset="-127"/>
-                  <a:ea typeface="여기어때 잘난체 OTF" panose="020B0600000101010101" pitchFamily="34" charset="-127"/>
-                </a:rPr>
-                <a:t>/</a:t>
-              </a:r>
-              <a:r>
-                <a:rPr kumimoji="0" lang="ko-KR" altLang="en-US" sz="1500" dirty="0">
-                  <a:solidFill>
-                    <a:schemeClr val="bg1"/>
-                  </a:solidFill>
-                  <a:latin typeface="여기어때 잘난체 OTF" panose="020B0600000101010101" pitchFamily="34" charset="-127"/>
-                  <a:ea typeface="여기어때 잘난체 OTF" panose="020B0600000101010101" pitchFamily="34" charset="-127"/>
-                </a:rPr>
-                <a:t>내용</a:t>
-              </a:r>
-            </a:p>
-          </p:txBody>
-        </p:sp>
-        <p:sp>
-          <p:nvSpPr>
-            <p:cNvPr id="31" name="양쪽 모서리가 둥근 사각형 27">
-              <a:extLst>
-                <a:ext uri="{FF2B5EF4-FFF2-40B4-BE49-F238E27FC236}">
-                  <a16:creationId xmlns:a16="http://schemas.microsoft.com/office/drawing/2014/main" id="{4CFBB92F-548E-430F-96DF-DEDA7AE057BA}"/>
-                </a:ext>
-              </a:extLst>
-            </p:cNvPr>
-            <p:cNvSpPr/>
-            <p:nvPr/>
-          </p:nvSpPr>
-          <p:spPr>
-            <a:xfrm rot="16200000" flipH="1">
-              <a:off x="11537041" y="1666816"/>
-              <a:ext cx="863696" cy="370108"/>
-            </a:xfrm>
-            <a:prstGeom prst="round2SameRect">
-              <a:avLst>
-                <a:gd name="adj1" fmla="val 50000"/>
-                <a:gd name="adj2" fmla="val 0"/>
-              </a:avLst>
-            </a:prstGeom>
-            <a:solidFill>
-              <a:schemeClr val="bg1">
-                <a:lumMod val="85000"/>
-              </a:schemeClr>
-            </a:solidFill>
-            <a:ln>
-              <a:solidFill>
-                <a:schemeClr val="bg1"/>
-              </a:solidFill>
-            </a:ln>
-          </p:spPr>
-          <p:style>
-            <a:lnRef idx="2">
-              <a:schemeClr val="accent1">
-                <a:shade val="50000"/>
-              </a:schemeClr>
-            </a:lnRef>
-            <a:fillRef idx="1">
-              <a:schemeClr val="accent1"/>
-            </a:fillRef>
-            <a:effectRef idx="0">
-              <a:schemeClr val="accent1"/>
-            </a:effectRef>
-            <a:fontRef idx="minor">
-              <a:schemeClr val="lt1"/>
-            </a:fontRef>
-          </p:style>
-          <p:txBody>
-            <a:bodyPr anchor="ctr"/>
-            <a:lstStyle/>
-            <a:p>
-              <a:pPr algn="ctr" eaLnBrk="1" fontAlgn="auto" latinLnBrk="1" hangingPunct="1">
-                <a:spcBef>
-                  <a:spcPts val="0"/>
-                </a:spcBef>
-                <a:spcAft>
-                  <a:spcPts val="0"/>
-                </a:spcAft>
-                <a:defRPr/>
-              </a:pPr>
-              <a:r>
-                <a:rPr kumimoji="0" lang="ko-KR" altLang="en-US" sz="1500" dirty="0" err="1">
-                  <a:solidFill>
-                    <a:schemeClr val="tx1">
-                      <a:lumMod val="85000"/>
-                      <a:lumOff val="15000"/>
-                    </a:schemeClr>
-                  </a:solidFill>
-                  <a:latin typeface="여기어때 잘난체 OTF" pitchFamily="34" charset="-127"/>
-                  <a:ea typeface="여기어때 잘난체 OTF" pitchFamily="34" charset="-127"/>
-                </a:rPr>
-                <a:t>구현화면</a:t>
-              </a:r>
-              <a:endParaRPr kumimoji="0" lang="ko-KR" altLang="en-US" sz="1500" dirty="0">
-                <a:solidFill>
-                  <a:schemeClr val="tx1">
-                    <a:lumMod val="85000"/>
-                    <a:lumOff val="15000"/>
-                  </a:schemeClr>
-                </a:solidFill>
-                <a:latin typeface="여기어때 잘난체 OTF" pitchFamily="34" charset="-127"/>
-                <a:ea typeface="여기어때 잘난체 OTF" pitchFamily="34" charset="-127"/>
-              </a:endParaRPr>
-            </a:p>
-          </p:txBody>
-        </p:sp>
-      </p:grpSp>
-    </p:spTree>
-    <p:extLst>
-      <p:ext uri="{BB962C8B-B14F-4D97-AF65-F5344CB8AC3E}">
-        <p14:creationId xmlns:p14="http://schemas.microsoft.com/office/powerpoint/2010/main" val="2926256096"/>
-      </p:ext>
-    </p:extLst>
-  </p:cSld>
-  <p:clrMapOvr>
-    <a:masterClrMapping/>
-  </p:clrMapOvr>
-</p:sld>
-</file>
-
-<file path=ppt/slides/slide13.xml><?xml version="1.0" encoding="utf-8"?>
-<p:sld xmlns:a="http://schemas.openxmlformats.org/drawingml/2006/main" xmlns:r="http://schemas.openxmlformats.org/officeDocument/2006/relationships" xmlns:p="http://schemas.openxmlformats.org/presentationml/2006/main">
-  <p:cSld>
-    <p:spTree>
-      <p:nvGrpSpPr>
-        <p:cNvPr id="1" name=""/>
-        <p:cNvGrpSpPr/>
-        <p:nvPr/>
-      </p:nvGrpSpPr>
-      <p:grpSpPr>
-        <a:xfrm>
-          <a:off x="0" y="0"/>
-          <a:ext cx="0" cy="0"/>
-          <a:chOff x="0" y="0"/>
-          <a:chExt cx="0" cy="0"/>
-        </a:xfrm>
-      </p:grpSpPr>
-      <p:sp>
-        <p:nvSpPr>
-          <p:cNvPr id="13" name="직사각형 12"/>
-          <p:cNvSpPr/>
-          <p:nvPr/>
-        </p:nvSpPr>
-        <p:spPr>
-          <a:xfrm>
-            <a:off x="0" y="-4763"/>
-            <a:ext cx="12192000" cy="620713"/>
-          </a:xfrm>
-          <a:prstGeom prst="rect">
-            <a:avLst/>
-          </a:prstGeom>
-          <a:gradFill>
-            <a:gsLst>
-              <a:gs pos="0">
-                <a:schemeClr val="tx1">
-                  <a:lumMod val="65000"/>
-                  <a:lumOff val="35000"/>
-                </a:schemeClr>
-              </a:gs>
-              <a:gs pos="100000">
-                <a:schemeClr val="bg1">
-                  <a:lumMod val="95000"/>
-                </a:schemeClr>
-              </a:gs>
-              <a:gs pos="40000">
-                <a:schemeClr val="bg1">
-                  <a:lumMod val="75000"/>
-                </a:schemeClr>
-              </a:gs>
-            </a:gsLst>
-            <a:lin ang="0" scaled="1"/>
-          </a:gradFill>
-          <a:ln>
-            <a:noFill/>
-          </a:ln>
-        </p:spPr>
-        <p:style>
-          <a:lnRef idx="2">
-            <a:schemeClr val="accent1">
-              <a:shade val="50000"/>
-            </a:schemeClr>
-          </a:lnRef>
-          <a:fillRef idx="1">
-            <a:schemeClr val="accent1"/>
-          </a:fillRef>
-          <a:effectRef idx="0">
-            <a:schemeClr val="accent1"/>
-          </a:effectRef>
-          <a:fontRef idx="minor">
-            <a:schemeClr val="lt1"/>
-          </a:fontRef>
-        </p:style>
-        <p:txBody>
-          <a:bodyPr anchor="ctr"/>
-          <a:lstStyle/>
-          <a:p>
-            <a:pPr algn="ctr" eaLnBrk="1" fontAlgn="auto" latinLnBrk="1" hangingPunct="1">
-              <a:spcBef>
-                <a:spcPts val="0"/>
-              </a:spcBef>
-              <a:spcAft>
-                <a:spcPts val="0"/>
-              </a:spcAft>
-              <a:defRPr/>
-            </a:pPr>
-            <a:endParaRPr kumimoji="0" lang="ko-KR" altLang="en-US" dirty="0"/>
-          </a:p>
-        </p:txBody>
-      </p:sp>
-      <p:sp>
-        <p:nvSpPr>
-          <p:cNvPr id="16" name="TextBox 15"/>
-          <p:cNvSpPr txBox="1"/>
-          <p:nvPr/>
-        </p:nvSpPr>
-        <p:spPr bwMode="auto">
-          <a:xfrm>
-            <a:off x="488950" y="765175"/>
-            <a:ext cx="2814638" cy="646113"/>
-          </a:xfrm>
-          <a:prstGeom prst="rect">
-            <a:avLst/>
-          </a:prstGeom>
-          <a:noFill/>
-        </p:spPr>
-        <p:txBody>
-          <a:bodyPr wrap="none">
-            <a:spAutoFit/>
-          </a:bodyPr>
-          <a:lstStyle/>
-          <a:p>
-            <a:pPr eaLnBrk="1" fontAlgn="auto" latinLnBrk="1" hangingPunct="1">
-              <a:spcBef>
-                <a:spcPts val="0"/>
-              </a:spcBef>
-              <a:spcAft>
-                <a:spcPts val="0"/>
-              </a:spcAft>
-              <a:defRPr/>
-            </a:pPr>
             <a:r>
-              <a:rPr kumimoji="0" lang="ko-KR" altLang="en-US" sz="3600" spc="-300" dirty="0">
-                <a:solidFill>
-                  <a:schemeClr val="tx1">
-                    <a:lumMod val="75000"/>
-                    <a:lumOff val="25000"/>
-                  </a:schemeClr>
-                </a:solidFill>
-                <a:latin typeface="여기어때 잘난체 OTF" pitchFamily="34" charset="-127"/>
-                <a:ea typeface="여기어때 잘난체 OTF" pitchFamily="34" charset="-127"/>
+              <a:rPr kumimoji="0" lang="ko-KR" altLang="en-US" sz="2000" b="1">
+                <a:latin typeface="나눔스퀘어OTF" panose="020B0600000101010101" pitchFamily="34" charset="-127"/>
+                <a:ea typeface="나눔스퀘어OTF" panose="020B0600000101010101" pitchFamily="34" charset="-127"/>
               </a:rPr>
-              <a:t>프로젝트 내용</a:t>
+              <a:t>영업</a:t>
+            </a:r>
+            <a:r>
+              <a:rPr kumimoji="0" lang="en-US" altLang="ko-KR" sz="2000" b="1">
+                <a:latin typeface="나눔스퀘어OTF" panose="020B0600000101010101" pitchFamily="34" charset="-127"/>
+                <a:ea typeface="나눔스퀘어OTF" panose="020B0600000101010101" pitchFamily="34" charset="-127"/>
+              </a:rPr>
+              <a:t>, </a:t>
+            </a:r>
+            <a:r>
+              <a:rPr kumimoji="0" lang="ko-KR" altLang="en-US" sz="2000" b="1">
+                <a:latin typeface="나눔스퀘어OTF" panose="020B0600000101010101" pitchFamily="34" charset="-127"/>
+                <a:ea typeface="나눔스퀘어OTF" panose="020B0600000101010101" pitchFamily="34" charset="-127"/>
+              </a:rPr>
+              <a:t>구매</a:t>
+            </a:r>
+            <a:r>
+              <a:rPr kumimoji="0" lang="en-US" altLang="ko-KR" sz="2000" b="1">
+                <a:latin typeface="나눔스퀘어OTF" panose="020B0600000101010101" pitchFamily="34" charset="-127"/>
+                <a:ea typeface="나눔스퀘어OTF" panose="020B0600000101010101" pitchFamily="34" charset="-127"/>
+              </a:rPr>
+              <a:t>, </a:t>
+            </a:r>
+            <a:r>
+              <a:rPr kumimoji="0" lang="ko-KR" altLang="en-US" sz="2000" b="1">
+                <a:latin typeface="나눔스퀘어OTF" panose="020B0600000101010101" pitchFamily="34" charset="-127"/>
+                <a:ea typeface="나눔스퀘어OTF" panose="020B0600000101010101" pitchFamily="34" charset="-127"/>
+              </a:rPr>
+              <a:t>생산 과정 등의 흐름을 전체적으로 나타냄 </a:t>
             </a:r>
           </a:p>
         </p:txBody>
       </p:sp>
-      <p:sp>
-        <p:nvSpPr>
-          <p:cNvPr id="25604" name="Text Placeholder 2"/>
-          <p:cNvSpPr txBox="1">
-            <a:spLocks/>
-          </p:cNvSpPr>
-          <p:nvPr/>
-        </p:nvSpPr>
-        <p:spPr bwMode="auto">
-          <a:xfrm>
-            <a:off x="509588" y="1651000"/>
-            <a:ext cx="7739062" cy="304800"/>
-          </a:xfrm>
-          <a:prstGeom prst="rect">
-            <a:avLst/>
-          </a:prstGeom>
-          <a:noFill/>
-          <a:ln>
-            <a:noFill/>
-          </a:ln>
-          <a:extLst>
-            <a:ext uri="{909E8E84-426E-40DD-AFC4-6F175D3DCCD1}">
-              <a14:hiddenFill xmlns:a14="http://schemas.microsoft.com/office/drawing/2010/main">
-                <a:solidFill>
-                  <a:srgbClr val="FFFFFF"/>
-                </a:solidFill>
-              </a14:hiddenFill>
-            </a:ext>
-            <a:ext uri="{91240B29-F687-4F45-9708-019B960494DF}">
-              <a14:hiddenLine xmlns:a14="http://schemas.microsoft.com/office/drawing/2010/main" w="9525">
-                <a:solidFill>
-                  <a:srgbClr val="000000"/>
-                </a:solidFill>
-                <a:miter lim="800000"/>
-                <a:headEnd/>
-                <a:tailEnd/>
-              </a14:hiddenLine>
-            </a:ext>
-          </a:extLst>
-        </p:spPr>
-        <p:txBody>
-          <a:bodyPr anchor="ctr"/>
-          <a:lstStyle>
-            <a:lvl1pPr latinLnBrk="1">
-              <a:spcBef>
-                <a:spcPct val="20000"/>
-              </a:spcBef>
-              <a:buFont typeface="Arial" panose="020B0604020202020204" pitchFamily="34" charset="0"/>
-              <a:buChar char="•"/>
-              <a:defRPr sz="3200">
-                <a:solidFill>
-                  <a:schemeClr val="tx1"/>
-                </a:solidFill>
-                <a:latin typeface="맑은 고딕" panose="020B0503020000020004" pitchFamily="50" charset="-127"/>
-                <a:ea typeface="맑은 고딕" panose="020B0503020000020004" pitchFamily="50" charset="-127"/>
-              </a:defRPr>
-            </a:lvl1pPr>
-            <a:lvl2pPr marL="742950" indent="-285750" latinLnBrk="1">
-              <a:spcBef>
-                <a:spcPct val="20000"/>
-              </a:spcBef>
-              <a:buFont typeface="Arial" panose="020B0604020202020204" pitchFamily="34" charset="0"/>
-              <a:buChar char="–"/>
-              <a:defRPr sz="2800">
-                <a:solidFill>
-                  <a:schemeClr val="tx1"/>
-                </a:solidFill>
-                <a:latin typeface="맑은 고딕" panose="020B0503020000020004" pitchFamily="50" charset="-127"/>
-                <a:ea typeface="맑은 고딕" panose="020B0503020000020004" pitchFamily="50" charset="-127"/>
-              </a:defRPr>
-            </a:lvl2pPr>
-            <a:lvl3pPr marL="1143000" indent="-228600" latinLnBrk="1">
-              <a:spcBef>
-                <a:spcPct val="20000"/>
-              </a:spcBef>
-              <a:buFont typeface="Arial" panose="020B0604020202020204" pitchFamily="34" charset="0"/>
-              <a:buChar char="•"/>
-              <a:defRPr sz="2400">
-                <a:solidFill>
-                  <a:schemeClr val="tx1"/>
-                </a:solidFill>
-                <a:latin typeface="맑은 고딕" panose="020B0503020000020004" pitchFamily="50" charset="-127"/>
-                <a:ea typeface="맑은 고딕" panose="020B0503020000020004" pitchFamily="50" charset="-127"/>
-              </a:defRPr>
-            </a:lvl3pPr>
-            <a:lvl4pPr marL="1600200" indent="-228600" latinLnBrk="1">
-              <a:spcBef>
-                <a:spcPct val="20000"/>
-              </a:spcBef>
-              <a:buFont typeface="Arial" panose="020B0604020202020204" pitchFamily="34" charset="0"/>
-              <a:buChar char="–"/>
-              <a:defRPr sz="2000">
-                <a:solidFill>
-                  <a:schemeClr val="tx1"/>
-                </a:solidFill>
-                <a:latin typeface="맑은 고딕" panose="020B0503020000020004" pitchFamily="50" charset="-127"/>
-                <a:ea typeface="맑은 고딕" panose="020B0503020000020004" pitchFamily="50" charset="-127"/>
-              </a:defRPr>
-            </a:lvl4pPr>
-            <a:lvl5pPr marL="2057400" indent="-228600" latinLnBrk="1">
-              <a:spcBef>
-                <a:spcPct val="20000"/>
-              </a:spcBef>
-              <a:buFont typeface="Arial" panose="020B0604020202020204" pitchFamily="34" charset="0"/>
-              <a:buChar char="»"/>
-              <a:defRPr sz="2000">
-                <a:solidFill>
-                  <a:schemeClr val="tx1"/>
-                </a:solidFill>
-                <a:latin typeface="맑은 고딕" panose="020B0503020000020004" pitchFamily="50" charset="-127"/>
-                <a:ea typeface="맑은 고딕" panose="020B0503020000020004" pitchFamily="50" charset="-127"/>
-              </a:defRPr>
-            </a:lvl5pPr>
-            <a:lvl6pPr marL="2514600" indent="-228600" eaLnBrk="0" fontAlgn="base" hangingPunct="0">
-              <a:spcBef>
-                <a:spcPct val="20000"/>
-              </a:spcBef>
-              <a:spcAft>
-                <a:spcPct val="0"/>
-              </a:spcAft>
-              <a:buFont typeface="Arial" panose="020B0604020202020204" pitchFamily="34" charset="0"/>
-              <a:buChar char="»"/>
-              <a:defRPr sz="2000">
-                <a:solidFill>
-                  <a:schemeClr val="tx1"/>
-                </a:solidFill>
-                <a:latin typeface="맑은 고딕" panose="020B0503020000020004" pitchFamily="50" charset="-127"/>
-                <a:ea typeface="맑은 고딕" panose="020B0503020000020004" pitchFamily="50" charset="-127"/>
-              </a:defRPr>
-            </a:lvl6pPr>
-            <a:lvl7pPr marL="2971800" indent="-228600" eaLnBrk="0" fontAlgn="base" hangingPunct="0">
-              <a:spcBef>
-                <a:spcPct val="20000"/>
-              </a:spcBef>
-              <a:spcAft>
-                <a:spcPct val="0"/>
-              </a:spcAft>
-              <a:buFont typeface="Arial" panose="020B0604020202020204" pitchFamily="34" charset="0"/>
-              <a:buChar char="»"/>
-              <a:defRPr sz="2000">
-                <a:solidFill>
-                  <a:schemeClr val="tx1"/>
-                </a:solidFill>
-                <a:latin typeface="맑은 고딕" panose="020B0503020000020004" pitchFamily="50" charset="-127"/>
-                <a:ea typeface="맑은 고딕" panose="020B0503020000020004" pitchFamily="50" charset="-127"/>
-              </a:defRPr>
-            </a:lvl7pPr>
-            <a:lvl8pPr marL="3429000" indent="-228600" eaLnBrk="0" fontAlgn="base" hangingPunct="0">
-              <a:spcBef>
-                <a:spcPct val="20000"/>
-              </a:spcBef>
-              <a:spcAft>
-                <a:spcPct val="0"/>
-              </a:spcAft>
-              <a:buFont typeface="Arial" panose="020B0604020202020204" pitchFamily="34" charset="0"/>
-              <a:buChar char="»"/>
-              <a:defRPr sz="2000">
-                <a:solidFill>
-                  <a:schemeClr val="tx1"/>
-                </a:solidFill>
-                <a:latin typeface="맑은 고딕" panose="020B0503020000020004" pitchFamily="50" charset="-127"/>
-                <a:ea typeface="맑은 고딕" panose="020B0503020000020004" pitchFamily="50" charset="-127"/>
-              </a:defRPr>
-            </a:lvl8pPr>
-            <a:lvl9pPr marL="3886200" indent="-228600" eaLnBrk="0" fontAlgn="base" hangingPunct="0">
-              <a:spcBef>
-                <a:spcPct val="20000"/>
-              </a:spcBef>
-              <a:spcAft>
-                <a:spcPct val="0"/>
-              </a:spcAft>
-              <a:buFont typeface="Arial" panose="020B0604020202020204" pitchFamily="34" charset="0"/>
-              <a:buChar char="»"/>
-              <a:defRPr sz="2000">
-                <a:solidFill>
-                  <a:schemeClr val="tx1"/>
-                </a:solidFill>
-                <a:latin typeface="맑은 고딕" panose="020B0503020000020004" pitchFamily="50" charset="-127"/>
-                <a:ea typeface="맑은 고딕" panose="020B0503020000020004" pitchFamily="50" charset="-127"/>
-              </a:defRPr>
-            </a:lvl9pPr>
-          </a:lstStyle>
-          <a:p>
-            <a:pPr eaLnBrk="1" hangingPunct="1">
-              <a:spcBef>
-                <a:spcPct val="0"/>
-              </a:spcBef>
-              <a:buFontTx/>
-              <a:buNone/>
-            </a:pPr>
-            <a:r>
-              <a:rPr kumimoji="0" lang="ko-KR" altLang="en-US" sz="2400">
-                <a:solidFill>
-                  <a:schemeClr val="tx2"/>
-                </a:solidFill>
-                <a:latin typeface="나눔스퀘어OTF Bold" panose="020B0600000101010101" pitchFamily="34" charset="-127"/>
-                <a:ea typeface="나눔스퀘어OTF Bold" panose="020B0600000101010101" pitchFamily="34" charset="-127"/>
-              </a:rPr>
-              <a:t>개발 </a:t>
-            </a:r>
-            <a:r>
-              <a:rPr kumimoji="0" lang="en-US" altLang="ko-KR" sz="2400">
-                <a:solidFill>
-                  <a:schemeClr val="tx2"/>
-                </a:solidFill>
-                <a:latin typeface="나눔스퀘어OTF Bold" panose="020B0600000101010101" pitchFamily="34" charset="-127"/>
-                <a:ea typeface="나눔스퀘어OTF Bold" panose="020B0600000101010101" pitchFamily="34" charset="-127"/>
-              </a:rPr>
-              <a:t>: </a:t>
-            </a:r>
-            <a:r>
-              <a:rPr kumimoji="0" lang="ko-KR" altLang="en-US" sz="2400">
-                <a:solidFill>
-                  <a:schemeClr val="tx2"/>
-                </a:solidFill>
-                <a:latin typeface="나눔스퀘어OTF Bold" panose="020B0600000101010101" pitchFamily="34" charset="-127"/>
-                <a:ea typeface="나눔스퀘어OTF Bold" panose="020B0600000101010101" pitchFamily="34" charset="-127"/>
-              </a:rPr>
-              <a:t>프로세스 흐름도</a:t>
-            </a:r>
-          </a:p>
-        </p:txBody>
-      </p:sp>
-      <p:grpSp>
-        <p:nvGrpSpPr>
-          <p:cNvPr id="25606" name="그룹 1"/>
-          <p:cNvGrpSpPr>
-            <a:grpSpLocks/>
-          </p:cNvGrpSpPr>
-          <p:nvPr/>
-        </p:nvGrpSpPr>
-        <p:grpSpPr bwMode="auto">
-          <a:xfrm>
-            <a:off x="782638" y="2320925"/>
-            <a:ext cx="11072812" cy="4164013"/>
-            <a:chOff x="782518" y="2321359"/>
-            <a:chExt cx="11073328" cy="4163033"/>
-          </a:xfrm>
-        </p:grpSpPr>
-        <p:sp>
-          <p:nvSpPr>
-            <p:cNvPr id="44" name="Text Box 44"/>
-            <p:cNvSpPr txBox="1">
-              <a:spLocks noChangeArrowheads="1"/>
-            </p:cNvSpPr>
-            <p:nvPr/>
-          </p:nvSpPr>
-          <p:spPr bwMode="auto">
-            <a:xfrm>
-              <a:off x="782518" y="2321359"/>
-              <a:ext cx="5508635" cy="3652189"/>
-            </a:xfrm>
-            <a:prstGeom prst="rect">
-              <a:avLst/>
-            </a:prstGeom>
-            <a:solidFill>
-              <a:schemeClr val="bg1"/>
-            </a:solidFill>
-            <a:ln w="12700" cap="flat" cmpd="sng" algn="ctr">
-              <a:gradFill>
-                <a:gsLst>
-                  <a:gs pos="0">
-                    <a:sysClr val="window" lastClr="FFFFFF">
-                      <a:lumMod val="85000"/>
-                    </a:sysClr>
-                  </a:gs>
-                  <a:gs pos="50000">
-                    <a:sysClr val="window" lastClr="FFFFFF"/>
-                  </a:gs>
-                  <a:gs pos="100000">
-                    <a:sysClr val="window" lastClr="FFFFFF">
-                      <a:lumMod val="85000"/>
-                    </a:sysClr>
-                  </a:gs>
-                </a:gsLst>
-                <a:lin ang="5400000" scaled="0"/>
-              </a:gradFill>
-              <a:prstDash val="solid"/>
-              <a:miter lim="800000"/>
-              <a:headEnd/>
-              <a:tailEnd/>
-            </a:ln>
-            <a:effectLst>
-              <a:outerShdw blurRad="50800" dist="38100" dir="2700000" algn="tl" rotWithShape="0">
-                <a:prstClr val="black">
-                  <a:alpha val="40000"/>
-                </a:prstClr>
-              </a:outerShdw>
-            </a:effectLst>
-          </p:spPr>
-          <p:txBody>
-            <a:bodyPr lIns="70650" tIns="70650" rIns="70650" bIns="44853"/>
-            <a:lstStyle/>
-            <a:p>
-              <a:pPr marL="84095" indent="-84095" defTabSz="897033" eaLnBrk="1" fontAlgn="auto" latinLnBrk="1" hangingPunct="1">
-                <a:spcBef>
-                  <a:spcPts val="0"/>
-                </a:spcBef>
-                <a:spcAft>
-                  <a:spcPts val="294"/>
-                </a:spcAft>
-                <a:buClr>
-                  <a:srgbClr val="A1A1A1"/>
-                </a:buClr>
-                <a:buSzPct val="100000"/>
-                <a:buFont typeface="Arial" pitchFamily="34" charset="0"/>
-                <a:buChar char="•"/>
-                <a:defRPr/>
-              </a:pPr>
-              <a:endParaRPr kumimoji="0" lang="ko-KR" altLang="en-US" sz="883" kern="0" dirty="0">
-                <a:solidFill>
-                  <a:srgbClr val="FF0000"/>
-                </a:solidFill>
-                <a:latin typeface="나눔고딕" panose="020D0304000000000000" pitchFamily="50" charset="-127"/>
-                <a:ea typeface="나눔스퀘어"/>
-                <a:sym typeface="Wingdings" pitchFamily="2" charset="2"/>
-              </a:endParaRPr>
-            </a:p>
-          </p:txBody>
-        </p:sp>
-        <p:sp>
-          <p:nvSpPr>
-            <p:cNvPr id="49" name="모서리가 둥근 직사각형 48"/>
-            <p:cNvSpPr/>
-            <p:nvPr/>
-          </p:nvSpPr>
-          <p:spPr bwMode="auto">
-            <a:xfrm>
-              <a:off x="2311351" y="6165379"/>
-              <a:ext cx="2268644" cy="319013"/>
-            </a:xfrm>
-            <a:prstGeom prst="roundRect">
-              <a:avLst>
-                <a:gd name="adj" fmla="val 50000"/>
-              </a:avLst>
-            </a:prstGeom>
-            <a:gradFill flip="none" rotWithShape="1">
-              <a:gsLst>
-                <a:gs pos="100000">
-                  <a:schemeClr val="bg1">
-                    <a:lumMod val="50000"/>
-                  </a:schemeClr>
-                </a:gs>
-                <a:gs pos="50000">
-                  <a:schemeClr val="tx1"/>
-                </a:gs>
-                <a:gs pos="0">
-                  <a:schemeClr val="bg1">
-                    <a:lumMod val="65000"/>
-                  </a:schemeClr>
-                </a:gs>
-              </a:gsLst>
-              <a:lin ang="0" scaled="1"/>
-              <a:tileRect/>
-            </a:gradFill>
-            <a:ln w="12700">
-              <a:noFill/>
-            </a:ln>
-          </p:spPr>
-          <p:style>
-            <a:lnRef idx="2">
-              <a:schemeClr val="accent1">
-                <a:shade val="50000"/>
-              </a:schemeClr>
-            </a:lnRef>
-            <a:fillRef idx="1">
-              <a:schemeClr val="accent1"/>
-            </a:fillRef>
-            <a:effectRef idx="0">
-              <a:schemeClr val="accent1"/>
-            </a:effectRef>
-            <a:fontRef idx="minor">
-              <a:schemeClr val="lt1"/>
-            </a:fontRef>
-          </p:style>
-          <p:txBody>
-            <a:bodyPr anchor="ctr"/>
-            <a:lstStyle/>
-            <a:p>
-              <a:pPr algn="ctr" eaLnBrk="1" fontAlgn="auto" latinLnBrk="1" hangingPunct="1">
-                <a:spcBef>
-                  <a:spcPts val="0"/>
-                </a:spcBef>
-                <a:spcAft>
-                  <a:spcPts val="0"/>
-                </a:spcAft>
-                <a:defRPr/>
-              </a:pPr>
-              <a:r>
-                <a:rPr kumimoji="0" lang="ko-KR" altLang="en-US" sz="1600">
-                  <a:solidFill>
-                    <a:schemeClr val="bg1"/>
-                  </a:solidFill>
-                  <a:latin typeface="나눔스퀘어OTF ExtraBold" pitchFamily="34" charset="-127"/>
-                  <a:ea typeface="나눔스퀘어OTF ExtraBold" pitchFamily="34" charset="-127"/>
-                </a:rPr>
-                <a:t>프로세스 흐름도</a:t>
-              </a:r>
-              <a:endParaRPr kumimoji="0" lang="en-US" altLang="ko-KR" sz="1600">
-                <a:solidFill>
-                  <a:schemeClr val="bg1"/>
-                </a:solidFill>
-                <a:latin typeface="나눔스퀘어OTF ExtraBold" pitchFamily="34" charset="-127"/>
-                <a:ea typeface="나눔스퀘어OTF ExtraBold" pitchFamily="34" charset="-127"/>
-              </a:endParaRPr>
-            </a:p>
-          </p:txBody>
-        </p:sp>
-        <p:sp>
-          <p:nvSpPr>
-            <p:cNvPr id="25612" name="직사각형 10"/>
-            <p:cNvSpPr>
-              <a:spLocks noChangeArrowheads="1"/>
-            </p:cNvSpPr>
-            <p:nvPr/>
-          </p:nvSpPr>
-          <p:spPr bwMode="auto">
-            <a:xfrm>
-              <a:off x="6529732" y="2477814"/>
-              <a:ext cx="5326114" cy="707719"/>
-            </a:xfrm>
-            <a:prstGeom prst="rect">
-              <a:avLst/>
-            </a:prstGeom>
-            <a:noFill/>
-            <a:ln>
-              <a:noFill/>
-            </a:ln>
-            <a:extLst>
-              <a:ext uri="{909E8E84-426E-40DD-AFC4-6F175D3DCCD1}">
-                <a14:hiddenFill xmlns:a14="http://schemas.microsoft.com/office/drawing/2010/main">
-                  <a:solidFill>
-                    <a:srgbClr val="FFFFFF"/>
-                  </a:solidFill>
-                </a14:hiddenFill>
-              </a:ext>
-              <a:ext uri="{91240B29-F687-4F45-9708-019B960494DF}">
-                <a14:hiddenLine xmlns:a14="http://schemas.microsoft.com/office/drawing/2010/main" w="9525">
-                  <a:solidFill>
-                    <a:srgbClr val="000000"/>
-                  </a:solidFill>
-                  <a:miter lim="800000"/>
-                  <a:headEnd/>
-                  <a:tailEnd/>
-                </a14:hiddenLine>
-              </a:ext>
-            </a:extLst>
-          </p:spPr>
-          <p:txBody>
-            <a:bodyPr>
-              <a:spAutoFit/>
-            </a:bodyPr>
-            <a:lstStyle>
-              <a:lvl1pPr marL="285750" indent="-285750" latinLnBrk="1">
-                <a:spcBef>
-                  <a:spcPct val="20000"/>
-                </a:spcBef>
-                <a:buFont typeface="Arial" panose="020B0604020202020204" pitchFamily="34" charset="0"/>
-                <a:buChar char="•"/>
-                <a:defRPr sz="3200">
-                  <a:solidFill>
-                    <a:schemeClr val="tx1"/>
-                  </a:solidFill>
-                  <a:latin typeface="맑은 고딕" panose="020B0503020000020004" pitchFamily="50" charset="-127"/>
-                  <a:ea typeface="맑은 고딕" panose="020B0503020000020004" pitchFamily="50" charset="-127"/>
-                </a:defRPr>
-              </a:lvl1pPr>
-              <a:lvl2pPr marL="742950" indent="-285750" latinLnBrk="1">
-                <a:spcBef>
-                  <a:spcPct val="20000"/>
-                </a:spcBef>
-                <a:buFont typeface="Arial" panose="020B0604020202020204" pitchFamily="34" charset="0"/>
-                <a:buChar char="–"/>
-                <a:defRPr sz="2800">
-                  <a:solidFill>
-                    <a:schemeClr val="tx1"/>
-                  </a:solidFill>
-                  <a:latin typeface="맑은 고딕" panose="020B0503020000020004" pitchFamily="50" charset="-127"/>
-                  <a:ea typeface="맑은 고딕" panose="020B0503020000020004" pitchFamily="50" charset="-127"/>
-                </a:defRPr>
-              </a:lvl2pPr>
-              <a:lvl3pPr marL="1143000" indent="-228600" latinLnBrk="1">
-                <a:spcBef>
-                  <a:spcPct val="20000"/>
-                </a:spcBef>
-                <a:buFont typeface="Arial" panose="020B0604020202020204" pitchFamily="34" charset="0"/>
-                <a:buChar char="•"/>
-                <a:defRPr sz="2400">
-                  <a:solidFill>
-                    <a:schemeClr val="tx1"/>
-                  </a:solidFill>
-                  <a:latin typeface="맑은 고딕" panose="020B0503020000020004" pitchFamily="50" charset="-127"/>
-                  <a:ea typeface="맑은 고딕" panose="020B0503020000020004" pitchFamily="50" charset="-127"/>
-                </a:defRPr>
-              </a:lvl3pPr>
-              <a:lvl4pPr marL="1600200" indent="-228600" latinLnBrk="1">
-                <a:spcBef>
-                  <a:spcPct val="20000"/>
-                </a:spcBef>
-                <a:buFont typeface="Arial" panose="020B0604020202020204" pitchFamily="34" charset="0"/>
-                <a:buChar char="–"/>
-                <a:defRPr sz="2000">
-                  <a:solidFill>
-                    <a:schemeClr val="tx1"/>
-                  </a:solidFill>
-                  <a:latin typeface="맑은 고딕" panose="020B0503020000020004" pitchFamily="50" charset="-127"/>
-                  <a:ea typeface="맑은 고딕" panose="020B0503020000020004" pitchFamily="50" charset="-127"/>
-                </a:defRPr>
-              </a:lvl4pPr>
-              <a:lvl5pPr marL="2057400" indent="-228600" latinLnBrk="1">
-                <a:spcBef>
-                  <a:spcPct val="20000"/>
-                </a:spcBef>
-                <a:buFont typeface="Arial" panose="020B0604020202020204" pitchFamily="34" charset="0"/>
-                <a:buChar char="»"/>
-                <a:defRPr sz="2000">
-                  <a:solidFill>
-                    <a:schemeClr val="tx1"/>
-                  </a:solidFill>
-                  <a:latin typeface="맑은 고딕" panose="020B0503020000020004" pitchFamily="50" charset="-127"/>
-                  <a:ea typeface="맑은 고딕" panose="020B0503020000020004" pitchFamily="50" charset="-127"/>
-                </a:defRPr>
-              </a:lvl5pPr>
-              <a:lvl6pPr marL="2514600" indent="-228600" eaLnBrk="0" fontAlgn="base" hangingPunct="0">
-                <a:spcBef>
-                  <a:spcPct val="20000"/>
-                </a:spcBef>
-                <a:spcAft>
-                  <a:spcPct val="0"/>
-                </a:spcAft>
-                <a:buFont typeface="Arial" panose="020B0604020202020204" pitchFamily="34" charset="0"/>
-                <a:buChar char="»"/>
-                <a:defRPr sz="2000">
-                  <a:solidFill>
-                    <a:schemeClr val="tx1"/>
-                  </a:solidFill>
-                  <a:latin typeface="맑은 고딕" panose="020B0503020000020004" pitchFamily="50" charset="-127"/>
-                  <a:ea typeface="맑은 고딕" panose="020B0503020000020004" pitchFamily="50" charset="-127"/>
-                </a:defRPr>
-              </a:lvl6pPr>
-              <a:lvl7pPr marL="2971800" indent="-228600" eaLnBrk="0" fontAlgn="base" hangingPunct="0">
-                <a:spcBef>
-                  <a:spcPct val="20000"/>
-                </a:spcBef>
-                <a:spcAft>
-                  <a:spcPct val="0"/>
-                </a:spcAft>
-                <a:buFont typeface="Arial" panose="020B0604020202020204" pitchFamily="34" charset="0"/>
-                <a:buChar char="»"/>
-                <a:defRPr sz="2000">
-                  <a:solidFill>
-                    <a:schemeClr val="tx1"/>
-                  </a:solidFill>
-                  <a:latin typeface="맑은 고딕" panose="020B0503020000020004" pitchFamily="50" charset="-127"/>
-                  <a:ea typeface="맑은 고딕" panose="020B0503020000020004" pitchFamily="50" charset="-127"/>
-                </a:defRPr>
-              </a:lvl7pPr>
-              <a:lvl8pPr marL="3429000" indent="-228600" eaLnBrk="0" fontAlgn="base" hangingPunct="0">
-                <a:spcBef>
-                  <a:spcPct val="20000"/>
-                </a:spcBef>
-                <a:spcAft>
-                  <a:spcPct val="0"/>
-                </a:spcAft>
-                <a:buFont typeface="Arial" panose="020B0604020202020204" pitchFamily="34" charset="0"/>
-                <a:buChar char="»"/>
-                <a:defRPr sz="2000">
-                  <a:solidFill>
-                    <a:schemeClr val="tx1"/>
-                  </a:solidFill>
-                  <a:latin typeface="맑은 고딕" panose="020B0503020000020004" pitchFamily="50" charset="-127"/>
-                  <a:ea typeface="맑은 고딕" panose="020B0503020000020004" pitchFamily="50" charset="-127"/>
-                </a:defRPr>
-              </a:lvl8pPr>
-              <a:lvl9pPr marL="3886200" indent="-228600" eaLnBrk="0" fontAlgn="base" hangingPunct="0">
-                <a:spcBef>
-                  <a:spcPct val="20000"/>
-                </a:spcBef>
-                <a:spcAft>
-                  <a:spcPct val="0"/>
-                </a:spcAft>
-                <a:buFont typeface="Arial" panose="020B0604020202020204" pitchFamily="34" charset="0"/>
-                <a:buChar char="»"/>
-                <a:defRPr sz="2000">
-                  <a:solidFill>
-                    <a:schemeClr val="tx1"/>
-                  </a:solidFill>
-                  <a:latin typeface="맑은 고딕" panose="020B0503020000020004" pitchFamily="50" charset="-127"/>
-                  <a:ea typeface="맑은 고딕" panose="020B0503020000020004" pitchFamily="50" charset="-127"/>
-                </a:defRPr>
-              </a:lvl9pPr>
-            </a:lstStyle>
-            <a:p>
-              <a:pPr algn="just" eaLnBrk="1" hangingPunct="1">
-                <a:spcBef>
-                  <a:spcPct val="0"/>
-                </a:spcBef>
-                <a:buFontTx/>
-                <a:buChar char="-"/>
-              </a:pPr>
-              <a:r>
-                <a:rPr kumimoji="0" lang="ko-KR" altLang="en-US" sz="2000" b="1">
-                  <a:latin typeface="나눔스퀘어OTF" panose="020B0600000101010101" pitchFamily="34" charset="-127"/>
-                  <a:ea typeface="나눔스퀘어OTF" panose="020B0600000101010101" pitchFamily="34" charset="-127"/>
-                </a:rPr>
-                <a:t>영업</a:t>
-              </a:r>
-              <a:r>
-                <a:rPr kumimoji="0" lang="en-US" altLang="ko-KR" sz="2000" b="1">
-                  <a:latin typeface="나눔스퀘어OTF" panose="020B0600000101010101" pitchFamily="34" charset="-127"/>
-                  <a:ea typeface="나눔스퀘어OTF" panose="020B0600000101010101" pitchFamily="34" charset="-127"/>
-                </a:rPr>
-                <a:t>, </a:t>
-              </a:r>
-              <a:r>
-                <a:rPr kumimoji="0" lang="ko-KR" altLang="en-US" sz="2000" b="1">
-                  <a:latin typeface="나눔스퀘어OTF" panose="020B0600000101010101" pitchFamily="34" charset="-127"/>
-                  <a:ea typeface="나눔스퀘어OTF" panose="020B0600000101010101" pitchFamily="34" charset="-127"/>
-                </a:rPr>
-                <a:t>구매</a:t>
-              </a:r>
-              <a:r>
-                <a:rPr kumimoji="0" lang="en-US" altLang="ko-KR" sz="2000" b="1">
-                  <a:latin typeface="나눔스퀘어OTF" panose="020B0600000101010101" pitchFamily="34" charset="-127"/>
-                  <a:ea typeface="나눔스퀘어OTF" panose="020B0600000101010101" pitchFamily="34" charset="-127"/>
-                </a:rPr>
-                <a:t>, </a:t>
-              </a:r>
-              <a:r>
-                <a:rPr kumimoji="0" lang="ko-KR" altLang="en-US" sz="2000" b="1">
-                  <a:latin typeface="나눔스퀘어OTF" panose="020B0600000101010101" pitchFamily="34" charset="-127"/>
-                  <a:ea typeface="나눔스퀘어OTF" panose="020B0600000101010101" pitchFamily="34" charset="-127"/>
-                </a:rPr>
-                <a:t>생산 과정 등의 흐름을 전체적으로 나타냄 </a:t>
-              </a:r>
-            </a:p>
-          </p:txBody>
-        </p:sp>
-      </p:grpSp>
-      <p:pic>
-        <p:nvPicPr>
-          <p:cNvPr id="25607" name="그림 19"/>
-          <p:cNvPicPr>
-            <a:picLocks/>
-          </p:cNvPicPr>
-          <p:nvPr/>
-        </p:nvPicPr>
-        <p:blipFill rotWithShape="1">
-          <a:blip r:embed="rId3">
-            <a:extLst>
-              <a:ext uri="{28A0092B-C50C-407E-A947-70E740481C1C}">
-                <a14:useLocalDpi xmlns:a14="http://schemas.microsoft.com/office/drawing/2010/main" val="0"/>
-              </a:ext>
-            </a:extLst>
-          </a:blip>
-          <a:srcRect l="10749" r="16340" b="38129"/>
-          <a:stretch/>
-        </p:blipFill>
-        <p:spPr bwMode="auto">
-          <a:xfrm>
-            <a:off x="782638" y="2320925"/>
-            <a:ext cx="5508378" cy="3653049"/>
-          </a:xfrm>
-          <a:prstGeom prst="rect">
-            <a:avLst/>
-          </a:prstGeom>
-          <a:noFill/>
-          <a:ln>
-            <a:noFill/>
-          </a:ln>
-          <a:extLst>
-            <a:ext uri="{909E8E84-426E-40DD-AFC4-6F175D3DCCD1}">
-              <a14:hiddenFill xmlns:a14="http://schemas.microsoft.com/office/drawing/2010/main">
-                <a:solidFill>
-                  <a:srgbClr val="FFFFFF"/>
-                </a:solidFill>
-              </a14:hiddenFill>
-            </a:ext>
-            <a:ext uri="{91240B29-F687-4F45-9708-019B960494DF}">
-              <a14:hiddenLine xmlns:a14="http://schemas.microsoft.com/office/drawing/2010/main" w="9525">
-                <a:solidFill>
-                  <a:srgbClr val="000000"/>
-                </a:solidFill>
-                <a:miter lim="800000"/>
-                <a:headEnd/>
-                <a:tailEnd/>
-              </a14:hiddenLine>
-            </a:ext>
-          </a:extLst>
-        </p:spPr>
-      </p:pic>
       <p:grpSp>
         <p:nvGrpSpPr>
           <p:cNvPr id="18" name="그룹 13">
@@ -13398,7 +10720,7 @@
 </p:sld>
 </file>
 
-<file path=ppt/slides/slide14.xml><?xml version="1.0" encoding="utf-8"?>
+<file path=ppt/slides/slide12.xml><?xml version="1.0" encoding="utf-8"?>
 <p:sld xmlns:a="http://schemas.openxmlformats.org/drawingml/2006/main" xmlns:r="http://schemas.openxmlformats.org/officeDocument/2006/relationships" xmlns:p="http://schemas.openxmlformats.org/presentationml/2006/main">
   <p:cSld>
     <p:spTree>
@@ -14736,7 +12058,7 @@
 </p:sld>
 </file>
 
-<file path=ppt/slides/slide15.xml><?xml version="1.0" encoding="utf-8"?>
+<file path=ppt/slides/slide13.xml><?xml version="1.0" encoding="utf-8"?>
 <p:sld xmlns:a="http://schemas.openxmlformats.org/drawingml/2006/main" xmlns:r="http://schemas.openxmlformats.org/officeDocument/2006/relationships" xmlns:p="http://schemas.openxmlformats.org/presentationml/2006/main">
   <p:cSld>
     <p:spTree>
@@ -16087,7 +13409,7 @@
 </p:sld>
 </file>
 
-<file path=ppt/slides/slide16.xml><?xml version="1.0" encoding="utf-8"?>
+<file path=ppt/slides/slide14.xml><?xml version="1.0" encoding="utf-8"?>
 <p:sld xmlns:a="http://schemas.openxmlformats.org/drawingml/2006/main" xmlns:r="http://schemas.openxmlformats.org/officeDocument/2006/relationships" xmlns:p="http://schemas.openxmlformats.org/presentationml/2006/main">
   <p:cSld>
     <p:spTree>
@@ -17490,7 +14812,7 @@
 </p:sld>
 </file>
 
-<file path=ppt/slides/slide17.xml><?xml version="1.0" encoding="utf-8"?>
+<file path=ppt/slides/slide15.xml><?xml version="1.0" encoding="utf-8"?>
 <p:sld xmlns:a="http://schemas.openxmlformats.org/drawingml/2006/main" xmlns:r="http://schemas.openxmlformats.org/officeDocument/2006/relationships" xmlns:p="http://schemas.openxmlformats.org/presentationml/2006/main">
   <p:cSld>
     <p:spTree>
@@ -18849,7 +16171,7 @@
 </p:sld>
 </file>
 
-<file path=ppt/slides/slide18.xml><?xml version="1.0" encoding="utf-8"?>
+<file path=ppt/slides/slide16.xml><?xml version="1.0" encoding="utf-8"?>
 <p:sld xmlns:a="http://schemas.openxmlformats.org/drawingml/2006/main" xmlns:r="http://schemas.openxmlformats.org/officeDocument/2006/relationships" xmlns:p="http://schemas.openxmlformats.org/presentationml/2006/main">
   <p:cSld>
     <p:spTree>
@@ -20270,7 +17592,7 @@
 </p:sld>
 </file>
 
-<file path=ppt/slides/slide19.xml><?xml version="1.0" encoding="utf-8"?>
+<file path=ppt/slides/slide17.xml><?xml version="1.0" encoding="utf-8"?>
 <p:sld xmlns:a="http://schemas.openxmlformats.org/drawingml/2006/main" xmlns:r="http://schemas.openxmlformats.org/officeDocument/2006/relationships" xmlns:p="http://schemas.openxmlformats.org/presentationml/2006/main">
   <p:cSld>
     <p:spTree>
@@ -39983,7 +37305,7 @@
 </file>
 
 <file path=ppt/slides/slide8.xml><?xml version="1.0" encoding="utf-8"?>
-<p:sld xmlns:a="http://schemas.openxmlformats.org/drawingml/2006/main" xmlns:r="http://schemas.openxmlformats.org/officeDocument/2006/relationships" xmlns:p="http://schemas.openxmlformats.org/presentationml/2006/main" show="0">
+<p:sld xmlns:a="http://schemas.openxmlformats.org/drawingml/2006/main" xmlns:r="http://schemas.openxmlformats.org/officeDocument/2006/relationships" xmlns:p="http://schemas.openxmlformats.org/presentationml/2006/main">
   <p:cSld>
     <p:spTree>
       <p:nvGrpSpPr>
@@ -40001,20 +37323,86 @@
       </p:grpSpPr>
       <p:sp>
         <p:nvSpPr>
-          <p:cNvPr id="11" name="object 52">
-            <a:extLst>
-              <a:ext uri="{FF2B5EF4-FFF2-40B4-BE49-F238E27FC236}">
-                <a16:creationId xmlns:a16="http://schemas.microsoft.com/office/drawing/2014/main" id="{A58D55BF-0A55-4BF2-A106-6EF5953298E2}"/>
-              </a:ext>
-            </a:extLst>
-          </p:cNvPr>
-          <p:cNvSpPr txBox="1"/>
+          <p:cNvPr id="13" name="직사각형 12"/>
+          <p:cNvSpPr/>
           <p:nvPr/>
         </p:nvSpPr>
         <p:spPr>
           <a:xfrm>
-            <a:off x="2719338" y="2181484"/>
-            <a:ext cx="1756851" cy="207081"/>
+            <a:off x="0" y="-4763"/>
+            <a:ext cx="12192000" cy="620713"/>
+          </a:xfrm>
+          <a:prstGeom prst="rect">
+            <a:avLst/>
+          </a:prstGeom>
+          <a:gradFill>
+            <a:gsLst>
+              <a:gs pos="0">
+                <a:schemeClr val="tx1">
+                  <a:lumMod val="65000"/>
+                  <a:lumOff val="35000"/>
+                </a:schemeClr>
+              </a:gs>
+              <a:gs pos="100000">
+                <a:schemeClr val="bg1">
+                  <a:lumMod val="95000"/>
+                </a:schemeClr>
+              </a:gs>
+              <a:gs pos="40000">
+                <a:schemeClr val="bg1">
+                  <a:lumMod val="75000"/>
+                </a:schemeClr>
+              </a:gs>
+            </a:gsLst>
+            <a:lin ang="0" scaled="1"/>
+          </a:gradFill>
+          <a:ln>
+            <a:noFill/>
+          </a:ln>
+        </p:spPr>
+        <p:style>
+          <a:lnRef idx="2">
+            <a:schemeClr val="accent1">
+              <a:shade val="50000"/>
+            </a:schemeClr>
+          </a:lnRef>
+          <a:fillRef idx="1">
+            <a:schemeClr val="accent1"/>
+          </a:fillRef>
+          <a:effectRef idx="0">
+            <a:schemeClr val="accent1"/>
+          </a:effectRef>
+          <a:fontRef idx="minor">
+            <a:schemeClr val="lt1"/>
+          </a:fontRef>
+        </p:style>
+        <p:txBody>
+          <a:bodyPr anchor="ctr"/>
+          <a:lstStyle/>
+          <a:p>
+            <a:pPr algn="ctr" eaLnBrk="1" fontAlgn="auto" latinLnBrk="1" hangingPunct="1">
+              <a:spcBef>
+                <a:spcPts val="0"/>
+              </a:spcBef>
+              <a:spcAft>
+                <a:spcPts val="0"/>
+              </a:spcAft>
+              <a:defRPr/>
+            </a:pPr>
+            <a:endParaRPr kumimoji="0" lang="ko-KR" altLang="en-US" dirty="0"/>
+          </a:p>
+        </p:txBody>
+      </p:sp>
+      <p:sp>
+        <p:nvSpPr>
+          <p:cNvPr id="16" name="TextBox 15"/>
+          <p:cNvSpPr txBox="1"/>
+          <p:nvPr/>
+        </p:nvSpPr>
+        <p:spPr bwMode="auto">
+          <a:xfrm>
+            <a:off x="488950" y="765175"/>
+            <a:ext cx="2814638" cy="646113"/>
           </a:xfrm>
           <a:prstGeom prst="rect">
             <a:avLst/>
@@ -40022,1200 +37410,741 @@
           <a:noFill/>
         </p:spPr>
         <p:txBody>
-          <a:bodyPr vert="horz" wrap="square" lIns="0" tIns="52698" rIns="0" bIns="0" rtlCol="0" anchor="ctr" anchorCtr="1">
+          <a:bodyPr wrap="none">
             <a:spAutoFit/>
           </a:bodyPr>
           <a:lstStyle/>
           <a:p>
-            <a:pPr marL="323183" marR="38731" indent="-276197">
-              <a:spcBef>
-                <a:spcPts val="415"/>
-              </a:spcBef>
+            <a:pPr eaLnBrk="1" fontAlgn="auto" latinLnBrk="1" hangingPunct="1">
+              <a:spcBef>
+                <a:spcPts val="0"/>
+              </a:spcBef>
+              <a:spcAft>
+                <a:spcPts val="0"/>
+              </a:spcAft>
+              <a:defRPr/>
             </a:pPr>
             <a:r>
-              <a:rPr lang="ko-KR" altLang="en-US" sz="1000">
-                <a:latin typeface="나눔고딕" panose="020D0604000000000000" pitchFamily="50" charset="-127"/>
-                <a:ea typeface="나눔고딕" panose="020D0604000000000000" pitchFamily="50" charset="-127"/>
-                <a:cs typeface="UKIJ CJK"/>
+              <a:rPr kumimoji="0" lang="ko-KR" altLang="en-US" sz="3600" spc="-300" dirty="0">
+                <a:solidFill>
+                  <a:schemeClr val="tx1">
+                    <a:lumMod val="75000"/>
+                    <a:lumOff val="25000"/>
+                  </a:schemeClr>
+                </a:solidFill>
+                <a:latin typeface="여기어때 잘난체 OTF" pitchFamily="34" charset="-127"/>
+                <a:ea typeface="여기어때 잘난체 OTF" pitchFamily="34" charset="-127"/>
               </a:rPr>
-              <a:t>임직원들을 위한 통계 리포트</a:t>
+              <a:t>프로젝트 내용</a:t>
             </a:r>
-            <a:endParaRPr sz="1000">
-              <a:latin typeface="나눔고딕" panose="020D0604000000000000" pitchFamily="50" charset="-127"/>
-              <a:ea typeface="나눔고딕" panose="020D0604000000000000" pitchFamily="50" charset="-127"/>
-              <a:cs typeface="UKIJ CJK"/>
+          </a:p>
+        </p:txBody>
+      </p:sp>
+      <p:sp>
+        <p:nvSpPr>
+          <p:cNvPr id="15364" name="Text Placeholder 2"/>
+          <p:cNvSpPr txBox="1">
+            <a:spLocks/>
+          </p:cNvSpPr>
+          <p:nvPr/>
+        </p:nvSpPr>
+        <p:spPr bwMode="auto">
+          <a:xfrm>
+            <a:off x="509588" y="1651000"/>
+            <a:ext cx="7739062" cy="304800"/>
+          </a:xfrm>
+          <a:prstGeom prst="rect">
+            <a:avLst/>
+          </a:prstGeom>
+          <a:noFill/>
+          <a:ln>
+            <a:noFill/>
+          </a:ln>
+          <a:extLst>
+            <a:ext uri="{909E8E84-426E-40DD-AFC4-6F175D3DCCD1}">
+              <a14:hiddenFill xmlns:a14="http://schemas.microsoft.com/office/drawing/2010/main">
+                <a:solidFill>
+                  <a:srgbClr val="FFFFFF"/>
+                </a:solidFill>
+              </a14:hiddenFill>
+            </a:ext>
+            <a:ext uri="{91240B29-F687-4F45-9708-019B960494DF}">
+              <a14:hiddenLine xmlns:a14="http://schemas.microsoft.com/office/drawing/2010/main" w="9525">
+                <a:solidFill>
+                  <a:srgbClr val="000000"/>
+                </a:solidFill>
+                <a:miter lim="800000"/>
+                <a:headEnd/>
+                <a:tailEnd/>
+              </a14:hiddenLine>
+            </a:ext>
+          </a:extLst>
+        </p:spPr>
+        <p:txBody>
+          <a:bodyPr anchor="ctr"/>
+          <a:lstStyle>
+            <a:lvl1pPr latinLnBrk="1">
+              <a:spcBef>
+                <a:spcPct val="20000"/>
+              </a:spcBef>
+              <a:buFont typeface="Arial" panose="020B0604020202020204" pitchFamily="34" charset="0"/>
+              <a:buChar char="•"/>
+              <a:defRPr sz="3200">
+                <a:solidFill>
+                  <a:schemeClr val="tx1"/>
+                </a:solidFill>
+                <a:latin typeface="맑은 고딕" panose="020B0503020000020004" pitchFamily="50" charset="-127"/>
+                <a:ea typeface="맑은 고딕" panose="020B0503020000020004" pitchFamily="50" charset="-127"/>
+              </a:defRPr>
+            </a:lvl1pPr>
+            <a:lvl2pPr marL="742950" indent="-285750" latinLnBrk="1">
+              <a:spcBef>
+                <a:spcPct val="20000"/>
+              </a:spcBef>
+              <a:buFont typeface="Arial" panose="020B0604020202020204" pitchFamily="34" charset="0"/>
+              <a:buChar char="–"/>
+              <a:defRPr sz="2800">
+                <a:solidFill>
+                  <a:schemeClr val="tx1"/>
+                </a:solidFill>
+                <a:latin typeface="맑은 고딕" panose="020B0503020000020004" pitchFamily="50" charset="-127"/>
+                <a:ea typeface="맑은 고딕" panose="020B0503020000020004" pitchFamily="50" charset="-127"/>
+              </a:defRPr>
+            </a:lvl2pPr>
+            <a:lvl3pPr marL="1143000" indent="-228600" latinLnBrk="1">
+              <a:spcBef>
+                <a:spcPct val="20000"/>
+              </a:spcBef>
+              <a:buFont typeface="Arial" panose="020B0604020202020204" pitchFamily="34" charset="0"/>
+              <a:buChar char="•"/>
+              <a:defRPr sz="2400">
+                <a:solidFill>
+                  <a:schemeClr val="tx1"/>
+                </a:solidFill>
+                <a:latin typeface="맑은 고딕" panose="020B0503020000020004" pitchFamily="50" charset="-127"/>
+                <a:ea typeface="맑은 고딕" panose="020B0503020000020004" pitchFamily="50" charset="-127"/>
+              </a:defRPr>
+            </a:lvl3pPr>
+            <a:lvl4pPr marL="1600200" indent="-228600" latinLnBrk="1">
+              <a:spcBef>
+                <a:spcPct val="20000"/>
+              </a:spcBef>
+              <a:buFont typeface="Arial" panose="020B0604020202020204" pitchFamily="34" charset="0"/>
+              <a:buChar char="–"/>
+              <a:defRPr sz="2000">
+                <a:solidFill>
+                  <a:schemeClr val="tx1"/>
+                </a:solidFill>
+                <a:latin typeface="맑은 고딕" panose="020B0503020000020004" pitchFamily="50" charset="-127"/>
+                <a:ea typeface="맑은 고딕" panose="020B0503020000020004" pitchFamily="50" charset="-127"/>
+              </a:defRPr>
+            </a:lvl4pPr>
+            <a:lvl5pPr marL="2057400" indent="-228600" latinLnBrk="1">
+              <a:spcBef>
+                <a:spcPct val="20000"/>
+              </a:spcBef>
+              <a:buFont typeface="Arial" panose="020B0604020202020204" pitchFamily="34" charset="0"/>
+              <a:buChar char="»"/>
+              <a:defRPr sz="2000">
+                <a:solidFill>
+                  <a:schemeClr val="tx1"/>
+                </a:solidFill>
+                <a:latin typeface="맑은 고딕" panose="020B0503020000020004" pitchFamily="50" charset="-127"/>
+                <a:ea typeface="맑은 고딕" panose="020B0503020000020004" pitchFamily="50" charset="-127"/>
+              </a:defRPr>
+            </a:lvl5pPr>
+            <a:lvl6pPr marL="2514600" indent="-228600" eaLnBrk="0" fontAlgn="base" hangingPunct="0">
+              <a:spcBef>
+                <a:spcPct val="20000"/>
+              </a:spcBef>
+              <a:spcAft>
+                <a:spcPct val="0"/>
+              </a:spcAft>
+              <a:buFont typeface="Arial" panose="020B0604020202020204" pitchFamily="34" charset="0"/>
+              <a:buChar char="»"/>
+              <a:defRPr sz="2000">
+                <a:solidFill>
+                  <a:schemeClr val="tx1"/>
+                </a:solidFill>
+                <a:latin typeface="맑은 고딕" panose="020B0503020000020004" pitchFamily="50" charset="-127"/>
+                <a:ea typeface="맑은 고딕" panose="020B0503020000020004" pitchFamily="50" charset="-127"/>
+              </a:defRPr>
+            </a:lvl6pPr>
+            <a:lvl7pPr marL="2971800" indent="-228600" eaLnBrk="0" fontAlgn="base" hangingPunct="0">
+              <a:spcBef>
+                <a:spcPct val="20000"/>
+              </a:spcBef>
+              <a:spcAft>
+                <a:spcPct val="0"/>
+              </a:spcAft>
+              <a:buFont typeface="Arial" panose="020B0604020202020204" pitchFamily="34" charset="0"/>
+              <a:buChar char="»"/>
+              <a:defRPr sz="2000">
+                <a:solidFill>
+                  <a:schemeClr val="tx1"/>
+                </a:solidFill>
+                <a:latin typeface="맑은 고딕" panose="020B0503020000020004" pitchFamily="50" charset="-127"/>
+                <a:ea typeface="맑은 고딕" panose="020B0503020000020004" pitchFamily="50" charset="-127"/>
+              </a:defRPr>
+            </a:lvl7pPr>
+            <a:lvl8pPr marL="3429000" indent="-228600" eaLnBrk="0" fontAlgn="base" hangingPunct="0">
+              <a:spcBef>
+                <a:spcPct val="20000"/>
+              </a:spcBef>
+              <a:spcAft>
+                <a:spcPct val="0"/>
+              </a:spcAft>
+              <a:buFont typeface="Arial" panose="020B0604020202020204" pitchFamily="34" charset="0"/>
+              <a:buChar char="»"/>
+              <a:defRPr sz="2000">
+                <a:solidFill>
+                  <a:schemeClr val="tx1"/>
+                </a:solidFill>
+                <a:latin typeface="맑은 고딕" panose="020B0503020000020004" pitchFamily="50" charset="-127"/>
+                <a:ea typeface="맑은 고딕" panose="020B0503020000020004" pitchFamily="50" charset="-127"/>
+              </a:defRPr>
+            </a:lvl8pPr>
+            <a:lvl9pPr marL="3886200" indent="-228600" eaLnBrk="0" fontAlgn="base" hangingPunct="0">
+              <a:spcBef>
+                <a:spcPct val="20000"/>
+              </a:spcBef>
+              <a:spcAft>
+                <a:spcPct val="0"/>
+              </a:spcAft>
+              <a:buFont typeface="Arial" panose="020B0604020202020204" pitchFamily="34" charset="0"/>
+              <a:buChar char="»"/>
+              <a:defRPr sz="2000">
+                <a:solidFill>
+                  <a:schemeClr val="tx1"/>
+                </a:solidFill>
+                <a:latin typeface="맑은 고딕" panose="020B0503020000020004" pitchFamily="50" charset="-127"/>
+                <a:ea typeface="맑은 고딕" panose="020B0503020000020004" pitchFamily="50" charset="-127"/>
+              </a:defRPr>
+            </a:lvl9pPr>
+          </a:lstStyle>
+          <a:p>
+            <a:pPr eaLnBrk="1" hangingPunct="1">
+              <a:spcBef>
+                <a:spcPct val="0"/>
+              </a:spcBef>
+              <a:buFontTx/>
+              <a:buNone/>
+            </a:pPr>
+            <a:r>
+              <a:rPr kumimoji="0" lang="ko-KR" altLang="en-US" sz="2400">
+                <a:solidFill>
+                  <a:schemeClr val="tx2"/>
+                </a:solidFill>
+                <a:latin typeface="나눔스퀘어OTF Bold" panose="020B0600000101010101" pitchFamily="34" charset="-127"/>
+                <a:ea typeface="나눔스퀘어OTF Bold" panose="020B0600000101010101" pitchFamily="34" charset="-127"/>
+              </a:rPr>
+              <a:t>분석</a:t>
+            </a:r>
+            <a:r>
+              <a:rPr kumimoji="0" lang="en-US" altLang="ko-KR" sz="2400">
+                <a:solidFill>
+                  <a:schemeClr val="tx2"/>
+                </a:solidFill>
+                <a:latin typeface="나눔스퀘어OTF Bold" panose="020B0600000101010101" pitchFamily="34" charset="-127"/>
+                <a:ea typeface="나눔스퀘어OTF Bold" panose="020B0600000101010101" pitchFamily="34" charset="-127"/>
+              </a:rPr>
+              <a:t>/</a:t>
+            </a:r>
+            <a:r>
+              <a:rPr kumimoji="0" lang="ko-KR" altLang="en-US" sz="2400">
+                <a:solidFill>
+                  <a:schemeClr val="tx2"/>
+                </a:solidFill>
+                <a:latin typeface="나눔스퀘어OTF Bold" panose="020B0600000101010101" pitchFamily="34" charset="-127"/>
+                <a:ea typeface="나눔스퀘어OTF Bold" panose="020B0600000101010101" pitchFamily="34" charset="-127"/>
+              </a:rPr>
+              <a:t>설계 </a:t>
+            </a:r>
+            <a:r>
+              <a:rPr kumimoji="0" lang="en-US" altLang="ko-KR" sz="2400">
+                <a:solidFill>
+                  <a:schemeClr val="tx2"/>
+                </a:solidFill>
+                <a:latin typeface="나눔스퀘어OTF Bold" panose="020B0600000101010101" pitchFamily="34" charset="-127"/>
+                <a:ea typeface="나눔스퀘어OTF Bold" panose="020B0600000101010101" pitchFamily="34" charset="-127"/>
+              </a:rPr>
+              <a:t>: </a:t>
+            </a:r>
+            <a:r>
+              <a:rPr kumimoji="0" lang="ko-KR" altLang="en-US" sz="2400">
+                <a:solidFill>
+                  <a:schemeClr val="tx2"/>
+                </a:solidFill>
+                <a:latin typeface="나눔스퀘어OTF Bold" panose="020B0600000101010101" pitchFamily="34" charset="-127"/>
+                <a:ea typeface="나눔스퀘어OTF Bold" panose="020B0600000101010101" pitchFamily="34" charset="-127"/>
+              </a:rPr>
+              <a:t>요구사항 정의서</a:t>
+            </a:r>
+            <a:endParaRPr kumimoji="0" lang="ar-SA" altLang="ko-KR" sz="2400">
+              <a:solidFill>
+                <a:schemeClr val="tx2"/>
+              </a:solidFill>
+              <a:latin typeface="나눔스퀘어OTF Bold" panose="020B0600000101010101" pitchFamily="34" charset="-127"/>
+              <a:ea typeface="나눔스퀘어OTF Bold" panose="020B0600000101010101" pitchFamily="34" charset="-127"/>
             </a:endParaRPr>
           </a:p>
         </p:txBody>
       </p:sp>
       <p:sp>
         <p:nvSpPr>
-          <p:cNvPr id="7" name="object 52">
-            <a:extLst>
-              <a:ext uri="{FF2B5EF4-FFF2-40B4-BE49-F238E27FC236}">
-                <a16:creationId xmlns:a16="http://schemas.microsoft.com/office/drawing/2014/main" id="{7846BC7F-FF4C-47B8-9EAA-19545F7A2B2F}"/>
-              </a:ext>
-            </a:extLst>
-          </p:cNvPr>
-          <p:cNvSpPr txBox="1"/>
+          <p:cNvPr id="44" name="Text Box 44"/>
+          <p:cNvSpPr txBox="1">
+            <a:spLocks noChangeArrowheads="1"/>
+          </p:cNvSpPr>
           <p:nvPr/>
         </p:nvSpPr>
-        <p:spPr>
+        <p:spPr bwMode="auto">
           <a:xfrm>
-            <a:off x="5663158" y="4290709"/>
-            <a:ext cx="1457527" cy="332365"/>
+            <a:off x="782638" y="2320925"/>
+            <a:ext cx="5508496" cy="3653049"/>
           </a:xfrm>
           <a:prstGeom prst="rect">
             <a:avLst/>
           </a:prstGeom>
-          <a:noFill/>
+          <a:blipFill dpi="0" rotWithShape="1">
+            <a:blip r:embed="rId3">
+              <a:extLst>
+                <a:ext uri="{28A0092B-C50C-407E-A947-70E740481C1C}">
+                  <a14:useLocalDpi xmlns:a14="http://schemas.microsoft.com/office/drawing/2010/main" val="0"/>
+                </a:ext>
+              </a:extLst>
+            </a:blip>
+            <a:srcRect/>
+            <a:stretch>
+              <a:fillRect/>
+            </a:stretch>
+          </a:blipFill>
+          <a:ln w="12700" cap="flat" cmpd="sng" algn="ctr">
+            <a:gradFill>
+              <a:gsLst>
+                <a:gs pos="0">
+                  <a:sysClr val="window" lastClr="FFFFFF">
+                    <a:lumMod val="85000"/>
+                  </a:sysClr>
+                </a:gs>
+                <a:gs pos="50000">
+                  <a:sysClr val="window" lastClr="FFFFFF"/>
+                </a:gs>
+                <a:gs pos="100000">
+                  <a:sysClr val="window" lastClr="FFFFFF">
+                    <a:lumMod val="85000"/>
+                  </a:sysClr>
+                </a:gs>
+              </a:gsLst>
+              <a:lin ang="5400000" scaled="0"/>
+            </a:gradFill>
+            <a:prstDash val="solid"/>
+            <a:miter lim="800000"/>
+            <a:headEnd/>
+            <a:tailEnd/>
+          </a:ln>
+          <a:effectLst>
+            <a:outerShdw blurRad="50800" dist="38100" dir="2700000" algn="tl" rotWithShape="0">
+              <a:prstClr val="black">
+                <a:alpha val="40000"/>
+              </a:prstClr>
+            </a:outerShdw>
+          </a:effectLst>
         </p:spPr>
         <p:txBody>
-          <a:bodyPr vert="horz" wrap="square" lIns="0" tIns="52698" rIns="0" bIns="0" rtlCol="0" anchor="t" anchorCtr="1">
-            <a:noAutofit/>
-          </a:bodyPr>
+          <a:bodyPr lIns="70650" tIns="70650" rIns="70650" bIns="44853"/>
           <a:lstStyle/>
           <a:p>
-            <a:pPr marL="323183" marR="38731" indent="-276197">
-              <a:spcBef>
-                <a:spcPts val="415"/>
-              </a:spcBef>
+            <a:pPr marL="84095" indent="-84095" defTabSz="897033" eaLnBrk="1" fontAlgn="auto" latinLnBrk="1" hangingPunct="1">
+              <a:spcBef>
+                <a:spcPts val="0"/>
+              </a:spcBef>
+              <a:spcAft>
+                <a:spcPts val="294"/>
+              </a:spcAft>
+              <a:buClr>
+                <a:srgbClr val="A1A1A1"/>
+              </a:buClr>
+              <a:buSzPct val="100000"/>
+              <a:buFont typeface="Arial" pitchFamily="34" charset="0"/>
+              <a:buChar char="•"/>
+              <a:defRPr/>
             </a:pPr>
-            <a:r>
-              <a:rPr lang="ko-KR" altLang="en-US" sz="1000">
-                <a:latin typeface="나눔고딕" panose="020D0604000000000000" pitchFamily="50" charset="-127"/>
-                <a:ea typeface="나눔고딕" panose="020D0604000000000000" pitchFamily="50" charset="-127"/>
-                <a:cs typeface="UKIJ CJK"/>
-              </a:rPr>
-              <a:t>생산 관리 현장 프로그램</a:t>
-            </a:r>
-            <a:endParaRPr sz="1000">
-              <a:latin typeface="나눔고딕" panose="020D0604000000000000" pitchFamily="50" charset="-127"/>
-              <a:ea typeface="나눔고딕" panose="020D0604000000000000" pitchFamily="50" charset="-127"/>
-              <a:cs typeface="UKIJ CJK"/>
+            <a:endParaRPr kumimoji="0" lang="ko-KR" altLang="en-US" sz="883" kern="0" dirty="0">
+              <a:solidFill>
+                <a:srgbClr val="FF0000"/>
+              </a:solidFill>
+              <a:latin typeface="나눔고딕" panose="020D0304000000000000" pitchFamily="50" charset="-127"/>
+              <a:ea typeface="나눔스퀘어"/>
+              <a:sym typeface="Wingdings" pitchFamily="2" charset="2"/>
             </a:endParaRPr>
           </a:p>
         </p:txBody>
       </p:sp>
       <p:sp>
         <p:nvSpPr>
-          <p:cNvPr id="12" name="object 52">
-            <a:extLst>
-              <a:ext uri="{FF2B5EF4-FFF2-40B4-BE49-F238E27FC236}">
-                <a16:creationId xmlns:a16="http://schemas.microsoft.com/office/drawing/2014/main" id="{1570F6A2-22B4-45D2-9E6F-1BDD8C545AA4}"/>
-              </a:ext>
-            </a:extLst>
-          </p:cNvPr>
-          <p:cNvSpPr txBox="1"/>
+          <p:cNvPr id="49" name="모서리가 둥근 직사각형 48"/>
+          <p:cNvSpPr/>
           <p:nvPr/>
         </p:nvSpPr>
-        <p:spPr>
+        <p:spPr bwMode="auto">
           <a:xfrm>
-            <a:off x="2722345" y="4290488"/>
-            <a:ext cx="1803036" cy="364362"/>
+            <a:off x="2311400" y="6165850"/>
+            <a:ext cx="2268538" cy="319088"/>
           </a:xfrm>
-          <a:prstGeom prst="rect">
-            <a:avLst/>
+          <a:prstGeom prst="roundRect">
+            <a:avLst>
+              <a:gd name="adj" fmla="val 50000"/>
+            </a:avLst>
           </a:prstGeom>
-          <a:noFill/>
-        </p:spPr>
-        <p:txBody>
-          <a:bodyPr vert="horz" wrap="square" lIns="0" tIns="52698" rIns="0" bIns="0" rtlCol="0" anchor="t" anchorCtr="1">
-            <a:noAutofit/>
-          </a:bodyPr>
-          <a:lstStyle/>
-          <a:p>
-            <a:pPr marL="323183" marR="38731" indent="-276197">
-              <a:spcBef>
-                <a:spcPts val="415"/>
-              </a:spcBef>
-            </a:pPr>
-            <a:r>
-              <a:rPr lang="ko-KR" altLang="en-US" sz="1000">
-                <a:latin typeface="나눔고딕" panose="020D0604000000000000" pitchFamily="50" charset="-127"/>
-                <a:ea typeface="나눔고딕" panose="020D0604000000000000" pitchFamily="50" charset="-127"/>
-                <a:cs typeface="UKIJ CJK"/>
-              </a:rPr>
-              <a:t>조회</a:t>
-            </a:r>
-            <a:r>
-              <a:rPr lang="en-US" altLang="ko-KR" sz="1000">
-                <a:latin typeface="나눔고딕" panose="020D0604000000000000" pitchFamily="50" charset="-127"/>
-                <a:ea typeface="나눔고딕" panose="020D0604000000000000" pitchFamily="50" charset="-127"/>
-                <a:cs typeface="UKIJ CJK"/>
-              </a:rPr>
-              <a:t>, </a:t>
-            </a:r>
-            <a:r>
-              <a:rPr lang="ko-KR" altLang="en-US" sz="1000">
-                <a:latin typeface="나눔고딕" panose="020D0604000000000000" pitchFamily="50" charset="-127"/>
-                <a:ea typeface="나눔고딕" panose="020D0604000000000000" pitchFamily="50" charset="-127"/>
-                <a:cs typeface="UKIJ CJK"/>
-              </a:rPr>
-              <a:t>기준정보 관련 프로그램</a:t>
-            </a:r>
-          </a:p>
-        </p:txBody>
-      </p:sp>
-      <p:cxnSp>
-        <p:nvCxnSpPr>
-          <p:cNvPr id="14" name="연결선: 꺾임 13">
-            <a:extLst>
-              <a:ext uri="{FF2B5EF4-FFF2-40B4-BE49-F238E27FC236}">
-                <a16:creationId xmlns:a16="http://schemas.microsoft.com/office/drawing/2014/main" id="{62706B2D-2FD1-4602-8D65-142E55898D3C}"/>
-              </a:ext>
-            </a:extLst>
-          </p:cNvPr>
-          <p:cNvCxnSpPr>
-            <a:cxnSpLocks/>
-            <a:stCxn id="12" idx="2"/>
-            <a:endCxn id="42" idx="1"/>
-          </p:cNvCxnSpPr>
-          <p:nvPr/>
-        </p:nvCxnSpPr>
-        <p:spPr>
-          <a:xfrm rot="16200000" flipH="1">
-            <a:off x="4222017" y="4056695"/>
-            <a:ext cx="842987" cy="2039295"/>
-          </a:xfrm>
-          <a:prstGeom prst="bentConnector2">
-            <a:avLst/>
-          </a:prstGeom>
-          <a:ln w="28575">
-            <a:solidFill>
-              <a:srgbClr val="004D86"/>
-            </a:solidFill>
-            <a:headEnd type="triangle"/>
-            <a:tailEnd type="triangle"/>
+          <a:gradFill flip="none" rotWithShape="1">
+            <a:gsLst>
+              <a:gs pos="100000">
+                <a:schemeClr val="bg1">
+                  <a:lumMod val="50000"/>
+                </a:schemeClr>
+              </a:gs>
+              <a:gs pos="50000">
+                <a:schemeClr val="tx1"/>
+              </a:gs>
+              <a:gs pos="0">
+                <a:schemeClr val="bg1">
+                  <a:lumMod val="65000"/>
+                </a:schemeClr>
+              </a:gs>
+            </a:gsLst>
+            <a:lin ang="0" scaled="1"/>
+            <a:tileRect/>
+          </a:gradFill>
+          <a:ln w="12700">
+            <a:noFill/>
           </a:ln>
         </p:spPr>
         <p:style>
-          <a:lnRef idx="1">
-            <a:schemeClr val="accent1"/>
+          <a:lnRef idx="2">
+            <a:schemeClr val="accent1">
+              <a:shade val="50000"/>
+            </a:schemeClr>
           </a:lnRef>
-          <a:fillRef idx="0">
+          <a:fillRef idx="1">
             <a:schemeClr val="accent1"/>
           </a:fillRef>
           <a:effectRef idx="0">
             <a:schemeClr val="accent1"/>
           </a:effectRef>
           <a:fontRef idx="minor">
-            <a:schemeClr val="tx1"/>
+            <a:schemeClr val="lt1"/>
           </a:fontRef>
         </p:style>
-      </p:cxnSp>
-      <p:cxnSp>
-        <p:nvCxnSpPr>
-          <p:cNvPr id="29" name="직선 화살표 연결선 28">
-            <a:extLst>
-              <a:ext uri="{FF2B5EF4-FFF2-40B4-BE49-F238E27FC236}">
-                <a16:creationId xmlns:a16="http://schemas.microsoft.com/office/drawing/2014/main" id="{8F8F0F59-2166-4FE2-B14F-41610B1BFFFE}"/>
-              </a:ext>
-            </a:extLst>
-          </p:cNvPr>
-          <p:cNvCxnSpPr>
-            <a:cxnSpLocks/>
-            <a:stCxn id="7" idx="2"/>
-            <a:endCxn id="42" idx="0"/>
-          </p:cNvCxnSpPr>
-          <p:nvPr/>
-        </p:nvCxnSpPr>
-        <p:spPr>
-          <a:xfrm>
-            <a:off x="6391922" y="4623074"/>
-            <a:ext cx="0" cy="327136"/>
-          </a:xfrm>
-          <a:prstGeom prst="straightConnector1">
-            <a:avLst/>
-          </a:prstGeom>
-          <a:ln w="28575">
-            <a:solidFill>
-              <a:srgbClr val="004D86"/>
-            </a:solidFill>
-            <a:tailEnd type="triangle"/>
-          </a:ln>
-        </p:spPr>
-        <p:style>
-          <a:lnRef idx="1">
-            <a:schemeClr val="accent1"/>
-          </a:lnRef>
-          <a:fillRef idx="0">
-            <a:schemeClr val="accent1"/>
-          </a:fillRef>
-          <a:effectRef idx="0">
-            <a:schemeClr val="accent1"/>
-          </a:effectRef>
-          <a:fontRef idx="minor">
-            <a:schemeClr val="tx1"/>
-          </a:fontRef>
-        </p:style>
-      </p:cxnSp>
-      <p:pic>
-        <p:nvPicPr>
-          <p:cNvPr id="34" name="그림 33">
-            <a:extLst>
-              <a:ext uri="{FF2B5EF4-FFF2-40B4-BE49-F238E27FC236}">
-                <a16:creationId xmlns:a16="http://schemas.microsoft.com/office/drawing/2014/main" id="{E8BDD5BB-C9A8-4AEA-B2A9-EDB22FEE0C4C}"/>
-              </a:ext>
-            </a:extLst>
-          </p:cNvPr>
-          <p:cNvPicPr>
-            <a:picLocks noChangeAspect="1"/>
-          </p:cNvPicPr>
-          <p:nvPr/>
-        </p:nvPicPr>
-        <p:blipFill>
-          <a:blip r:embed="rId2" cstate="print">
-            <a:extLst>
-              <a:ext uri="{28A0092B-C50C-407E-A947-70E740481C1C}">
-                <a14:useLocalDpi xmlns:a14="http://schemas.microsoft.com/office/drawing/2010/main" val="0"/>
-              </a:ext>
-            </a:extLst>
-          </a:blip>
-          <a:stretch>
-            <a:fillRect/>
-          </a:stretch>
-        </p:blipFill>
-        <p:spPr>
-          <a:xfrm>
-            <a:off x="518222" y="2445186"/>
-            <a:ext cx="593953" cy="593953"/>
-          </a:xfrm>
-          <a:prstGeom prst="rect">
-            <a:avLst/>
-          </a:prstGeom>
-          <a:effectLst>
-            <a:outerShdw blurRad="50800" dist="38100" algn="l" rotWithShape="0">
-              <a:prstClr val="black">
-                <a:alpha val="14000"/>
-              </a:prstClr>
-            </a:outerShdw>
-          </a:effectLst>
-        </p:spPr>
-      </p:pic>
+        <p:txBody>
+          <a:bodyPr anchor="ctr"/>
+          <a:lstStyle/>
+          <a:p>
+            <a:pPr algn="ctr" eaLnBrk="1" fontAlgn="auto" latinLnBrk="1" hangingPunct="1">
+              <a:spcBef>
+                <a:spcPts val="0"/>
+              </a:spcBef>
+              <a:spcAft>
+                <a:spcPts val="0"/>
+              </a:spcAft>
+              <a:defRPr/>
+            </a:pPr>
+            <a:r>
+              <a:rPr kumimoji="0" lang="ko-KR" altLang="en-US" sz="1600">
+                <a:solidFill>
+                  <a:schemeClr val="bg1"/>
+                </a:solidFill>
+                <a:latin typeface="나눔스퀘어OTF ExtraBold" pitchFamily="34" charset="-127"/>
+                <a:ea typeface="나눔스퀘어OTF ExtraBold" pitchFamily="34" charset="-127"/>
+              </a:rPr>
+              <a:t>요구사항 정의서</a:t>
+            </a:r>
+            <a:endParaRPr kumimoji="0" lang="ko-KR" altLang="en-US" sz="1600" dirty="0">
+              <a:solidFill>
+                <a:schemeClr val="bg1"/>
+              </a:solidFill>
+              <a:latin typeface="나눔스퀘어OTF ExtraBold" pitchFamily="34" charset="-127"/>
+              <a:ea typeface="나눔스퀘어OTF ExtraBold" pitchFamily="34" charset="-127"/>
+            </a:endParaRPr>
+          </a:p>
+        </p:txBody>
+      </p:sp>
       <p:sp>
         <p:nvSpPr>
-          <p:cNvPr id="35" name="TextBox 34">
-            <a:extLst>
-              <a:ext uri="{FF2B5EF4-FFF2-40B4-BE49-F238E27FC236}">
-                <a16:creationId xmlns:a16="http://schemas.microsoft.com/office/drawing/2014/main" id="{4F4627C8-94B6-4F50-9B95-B97B980D26DD}"/>
-              </a:ext>
-            </a:extLst>
-          </p:cNvPr>
-          <p:cNvSpPr txBox="1"/>
+          <p:cNvPr id="15372" name="직사각형 10"/>
+          <p:cNvSpPr>
+            <a:spLocks noChangeArrowheads="1"/>
+          </p:cNvSpPr>
           <p:nvPr/>
         </p:nvSpPr>
-        <p:spPr>
+        <p:spPr bwMode="auto">
           <a:xfrm>
-            <a:off x="426485" y="3073014"/>
-            <a:ext cx="777430" cy="246189"/>
+            <a:off x="6529707" y="2477417"/>
+            <a:ext cx="4893943" cy="1015663"/>
           </a:xfrm>
           <a:prstGeom prst="rect">
             <a:avLst/>
           </a:prstGeom>
           <a:noFill/>
+          <a:ln>
+            <a:noFill/>
+          </a:ln>
+          <a:extLst>
+            <a:ext uri="{909E8E84-426E-40DD-AFC4-6F175D3DCCD1}">
+              <a14:hiddenFill xmlns:a14="http://schemas.microsoft.com/office/drawing/2010/main">
+                <a:solidFill>
+                  <a:srgbClr val="FFFFFF"/>
+                </a:solidFill>
+              </a14:hiddenFill>
+            </a:ext>
+            <a:ext uri="{91240B29-F687-4F45-9708-019B960494DF}">
+              <a14:hiddenLine xmlns:a14="http://schemas.microsoft.com/office/drawing/2010/main" w="9525">
+                <a:solidFill>
+                  <a:srgbClr val="000000"/>
+                </a:solidFill>
+                <a:miter lim="800000"/>
+                <a:headEnd/>
+                <a:tailEnd/>
+              </a14:hiddenLine>
+            </a:ext>
+          </a:extLst>
         </p:spPr>
         <p:txBody>
-          <a:bodyPr wrap="square" rtlCol="0">
+          <a:bodyPr>
             <a:spAutoFit/>
           </a:bodyPr>
-          <a:lstStyle/>
+          <a:lstStyle>
+            <a:lvl1pPr marL="285750" indent="-285750" latinLnBrk="1">
+              <a:spcBef>
+                <a:spcPct val="20000"/>
+              </a:spcBef>
+              <a:buFont typeface="Arial" panose="020B0604020202020204" pitchFamily="34" charset="0"/>
+              <a:buChar char="•"/>
+              <a:defRPr sz="3200">
+                <a:solidFill>
+                  <a:schemeClr val="tx1"/>
+                </a:solidFill>
+                <a:latin typeface="맑은 고딕" panose="020B0503020000020004" pitchFamily="50" charset="-127"/>
+                <a:ea typeface="맑은 고딕" panose="020B0503020000020004" pitchFamily="50" charset="-127"/>
+              </a:defRPr>
+            </a:lvl1pPr>
+            <a:lvl2pPr marL="742950" indent="-285750" latinLnBrk="1">
+              <a:spcBef>
+                <a:spcPct val="20000"/>
+              </a:spcBef>
+              <a:buFont typeface="Arial" panose="020B0604020202020204" pitchFamily="34" charset="0"/>
+              <a:buChar char="–"/>
+              <a:defRPr sz="2800">
+                <a:solidFill>
+                  <a:schemeClr val="tx1"/>
+                </a:solidFill>
+                <a:latin typeface="맑은 고딕" panose="020B0503020000020004" pitchFamily="50" charset="-127"/>
+                <a:ea typeface="맑은 고딕" panose="020B0503020000020004" pitchFamily="50" charset="-127"/>
+              </a:defRPr>
+            </a:lvl2pPr>
+            <a:lvl3pPr marL="1143000" indent="-228600" latinLnBrk="1">
+              <a:spcBef>
+                <a:spcPct val="20000"/>
+              </a:spcBef>
+              <a:buFont typeface="Arial" panose="020B0604020202020204" pitchFamily="34" charset="0"/>
+              <a:buChar char="•"/>
+              <a:defRPr sz="2400">
+                <a:solidFill>
+                  <a:schemeClr val="tx1"/>
+                </a:solidFill>
+                <a:latin typeface="맑은 고딕" panose="020B0503020000020004" pitchFamily="50" charset="-127"/>
+                <a:ea typeface="맑은 고딕" panose="020B0503020000020004" pitchFamily="50" charset="-127"/>
+              </a:defRPr>
+            </a:lvl3pPr>
+            <a:lvl4pPr marL="1600200" indent="-228600" latinLnBrk="1">
+              <a:spcBef>
+                <a:spcPct val="20000"/>
+              </a:spcBef>
+              <a:buFont typeface="Arial" panose="020B0604020202020204" pitchFamily="34" charset="0"/>
+              <a:buChar char="–"/>
+              <a:defRPr sz="2000">
+                <a:solidFill>
+                  <a:schemeClr val="tx1"/>
+                </a:solidFill>
+                <a:latin typeface="맑은 고딕" panose="020B0503020000020004" pitchFamily="50" charset="-127"/>
+                <a:ea typeface="맑은 고딕" panose="020B0503020000020004" pitchFamily="50" charset="-127"/>
+              </a:defRPr>
+            </a:lvl4pPr>
+            <a:lvl5pPr marL="2057400" indent="-228600" latinLnBrk="1">
+              <a:spcBef>
+                <a:spcPct val="20000"/>
+              </a:spcBef>
+              <a:buFont typeface="Arial" panose="020B0604020202020204" pitchFamily="34" charset="0"/>
+              <a:buChar char="»"/>
+              <a:defRPr sz="2000">
+                <a:solidFill>
+                  <a:schemeClr val="tx1"/>
+                </a:solidFill>
+                <a:latin typeface="맑은 고딕" panose="020B0503020000020004" pitchFamily="50" charset="-127"/>
+                <a:ea typeface="맑은 고딕" panose="020B0503020000020004" pitchFamily="50" charset="-127"/>
+              </a:defRPr>
+            </a:lvl5pPr>
+            <a:lvl6pPr marL="2514600" indent="-228600" eaLnBrk="0" fontAlgn="base" hangingPunct="0">
+              <a:spcBef>
+                <a:spcPct val="20000"/>
+              </a:spcBef>
+              <a:spcAft>
+                <a:spcPct val="0"/>
+              </a:spcAft>
+              <a:buFont typeface="Arial" panose="020B0604020202020204" pitchFamily="34" charset="0"/>
+              <a:buChar char="»"/>
+              <a:defRPr sz="2000">
+                <a:solidFill>
+                  <a:schemeClr val="tx1"/>
+                </a:solidFill>
+                <a:latin typeface="맑은 고딕" panose="020B0503020000020004" pitchFamily="50" charset="-127"/>
+                <a:ea typeface="맑은 고딕" panose="020B0503020000020004" pitchFamily="50" charset="-127"/>
+              </a:defRPr>
+            </a:lvl6pPr>
+            <a:lvl7pPr marL="2971800" indent="-228600" eaLnBrk="0" fontAlgn="base" hangingPunct="0">
+              <a:spcBef>
+                <a:spcPct val="20000"/>
+              </a:spcBef>
+              <a:spcAft>
+                <a:spcPct val="0"/>
+              </a:spcAft>
+              <a:buFont typeface="Arial" panose="020B0604020202020204" pitchFamily="34" charset="0"/>
+              <a:buChar char="»"/>
+              <a:defRPr sz="2000">
+                <a:solidFill>
+                  <a:schemeClr val="tx1"/>
+                </a:solidFill>
+                <a:latin typeface="맑은 고딕" panose="020B0503020000020004" pitchFamily="50" charset="-127"/>
+                <a:ea typeface="맑은 고딕" panose="020B0503020000020004" pitchFamily="50" charset="-127"/>
+              </a:defRPr>
+            </a:lvl7pPr>
+            <a:lvl8pPr marL="3429000" indent="-228600" eaLnBrk="0" fontAlgn="base" hangingPunct="0">
+              <a:spcBef>
+                <a:spcPct val="20000"/>
+              </a:spcBef>
+              <a:spcAft>
+                <a:spcPct val="0"/>
+              </a:spcAft>
+              <a:buFont typeface="Arial" panose="020B0604020202020204" pitchFamily="34" charset="0"/>
+              <a:buChar char="»"/>
+              <a:defRPr sz="2000">
+                <a:solidFill>
+                  <a:schemeClr val="tx1"/>
+                </a:solidFill>
+                <a:latin typeface="맑은 고딕" panose="020B0503020000020004" pitchFamily="50" charset="-127"/>
+                <a:ea typeface="맑은 고딕" panose="020B0503020000020004" pitchFamily="50" charset="-127"/>
+              </a:defRPr>
+            </a:lvl8pPr>
+            <a:lvl9pPr marL="3886200" indent="-228600" eaLnBrk="0" fontAlgn="base" hangingPunct="0">
+              <a:spcBef>
+                <a:spcPct val="20000"/>
+              </a:spcBef>
+              <a:spcAft>
+                <a:spcPct val="0"/>
+              </a:spcAft>
+              <a:buFont typeface="Arial" panose="020B0604020202020204" pitchFamily="34" charset="0"/>
+              <a:buChar char="»"/>
+              <a:defRPr sz="2000">
+                <a:solidFill>
+                  <a:schemeClr val="tx1"/>
+                </a:solidFill>
+                <a:latin typeface="맑은 고딕" panose="020B0503020000020004" pitchFamily="50" charset="-127"/>
+                <a:ea typeface="맑은 고딕" panose="020B0503020000020004" pitchFamily="50" charset="-127"/>
+              </a:defRPr>
+            </a:lvl9pPr>
+          </a:lstStyle>
           <a:p>
-            <a:pPr algn="ctr"/>
+            <a:pPr algn="just" eaLnBrk="1" hangingPunct="1">
+              <a:spcBef>
+                <a:spcPct val="0"/>
+              </a:spcBef>
+              <a:buFontTx/>
+              <a:buChar char="-"/>
+            </a:pPr>
             <a:r>
-              <a:rPr lang="ko-KR" altLang="en-US" sz="1000">
-                <a:latin typeface="나눔고딕" panose="020D0604000000000000" pitchFamily="50" charset="-127"/>
-                <a:ea typeface="나눔고딕" panose="020D0604000000000000" pitchFamily="50" charset="-127"/>
+              <a:rPr kumimoji="0" lang="ko-KR" altLang="en-US" sz="2000" b="1">
+                <a:latin typeface="나눔스퀘어OTF" panose="020B0600000101010101" pitchFamily="34" charset="-127"/>
+                <a:ea typeface="나눔스퀘어OTF" panose="020B0600000101010101" pitchFamily="34" charset="-127"/>
               </a:rPr>
-              <a:t>관리자</a:t>
+              <a:t>고객의 요구 사항 정의</a:t>
             </a:r>
-            <a:endParaRPr lang="ko-KR" altLang="en-US" sz="1000" dirty="0">
-              <a:latin typeface="나눔고딕" panose="020D0604000000000000" pitchFamily="50" charset="-127"/>
-              <a:ea typeface="나눔고딕" panose="020D0604000000000000" pitchFamily="50" charset="-127"/>
+            <a:endParaRPr kumimoji="0" lang="en-US" altLang="ko-KR" sz="2000" b="1">
+              <a:latin typeface="나눔스퀘어OTF" panose="020B0600000101010101" pitchFamily="34" charset="-127"/>
+              <a:ea typeface="나눔스퀘어OTF" panose="020B0600000101010101" pitchFamily="34" charset="-127"/>
             </a:endParaRPr>
           </a:p>
-        </p:txBody>
-      </p:sp>
-      <p:cxnSp>
-        <p:nvCxnSpPr>
-          <p:cNvPr id="38" name="연결선: 꺾임 37">
-            <a:extLst>
-              <a:ext uri="{FF2B5EF4-FFF2-40B4-BE49-F238E27FC236}">
-                <a16:creationId xmlns:a16="http://schemas.microsoft.com/office/drawing/2014/main" id="{951839F6-DCEA-4925-89D4-554FE22A963D}"/>
-              </a:ext>
-            </a:extLst>
-          </p:cNvPr>
-          <p:cNvCxnSpPr>
-            <a:cxnSpLocks/>
-            <a:stCxn id="34" idx="3"/>
-            <a:endCxn id="37" idx="1"/>
-          </p:cNvCxnSpPr>
-          <p:nvPr/>
-        </p:nvCxnSpPr>
-        <p:spPr>
-          <a:xfrm flipV="1">
-            <a:off x="1112175" y="1665853"/>
-            <a:ext cx="1792728" cy="1076310"/>
-          </a:xfrm>
-          <a:prstGeom prst="bentConnector3">
-            <a:avLst>
-              <a:gd name="adj1" fmla="val 50000"/>
-            </a:avLst>
-          </a:prstGeom>
-          <a:ln w="28575">
-            <a:solidFill>
-              <a:srgbClr val="004D86"/>
-            </a:solidFill>
-            <a:tailEnd type="triangle"/>
-          </a:ln>
-        </p:spPr>
-        <p:style>
-          <a:lnRef idx="1">
-            <a:schemeClr val="accent1"/>
-          </a:lnRef>
-          <a:fillRef idx="0">
-            <a:schemeClr val="accent1"/>
-          </a:fillRef>
-          <a:effectRef idx="0">
-            <a:schemeClr val="accent1"/>
-          </a:effectRef>
-          <a:fontRef idx="minor">
-            <a:schemeClr val="tx1"/>
-          </a:fontRef>
-        </p:style>
-      </p:cxnSp>
-      <p:cxnSp>
-        <p:nvCxnSpPr>
-          <p:cNvPr id="41" name="연결선: 꺾임 40">
-            <a:extLst>
-              <a:ext uri="{FF2B5EF4-FFF2-40B4-BE49-F238E27FC236}">
-                <a16:creationId xmlns:a16="http://schemas.microsoft.com/office/drawing/2014/main" id="{E6BD3FC7-36C6-44EB-9C87-8FB5BA9A2130}"/>
-              </a:ext>
-            </a:extLst>
-          </p:cNvPr>
-          <p:cNvCxnSpPr>
-            <a:cxnSpLocks/>
-            <a:stCxn id="34" idx="3"/>
-            <a:endCxn id="54" idx="1"/>
-          </p:cNvCxnSpPr>
-          <p:nvPr/>
-        </p:nvCxnSpPr>
-        <p:spPr>
-          <a:xfrm>
-            <a:off x="1112175" y="2742163"/>
-            <a:ext cx="1822844" cy="1023528"/>
-          </a:xfrm>
-          <a:prstGeom prst="bentConnector3">
-            <a:avLst>
-              <a:gd name="adj1" fmla="val 48955"/>
-            </a:avLst>
-          </a:prstGeom>
-          <a:ln w="28575">
-            <a:solidFill>
-              <a:srgbClr val="004D86"/>
-            </a:solidFill>
-            <a:tailEnd type="triangle"/>
-          </a:ln>
-        </p:spPr>
-        <p:style>
-          <a:lnRef idx="1">
-            <a:schemeClr val="accent1"/>
-          </a:lnRef>
-          <a:fillRef idx="0">
-            <a:schemeClr val="accent1"/>
-          </a:fillRef>
-          <a:effectRef idx="0">
-            <a:schemeClr val="accent1"/>
-          </a:effectRef>
-          <a:fontRef idx="minor">
-            <a:schemeClr val="tx1"/>
-          </a:fontRef>
-        </p:style>
-      </p:cxnSp>
-      <p:cxnSp>
-        <p:nvCxnSpPr>
-          <p:cNvPr id="49" name="연결선: 꺾임 48">
-            <a:extLst>
-              <a:ext uri="{FF2B5EF4-FFF2-40B4-BE49-F238E27FC236}">
-                <a16:creationId xmlns:a16="http://schemas.microsoft.com/office/drawing/2014/main" id="{6383FFCC-18CD-43F5-828C-257FEA05B9C0}"/>
-              </a:ext>
-            </a:extLst>
-          </p:cNvPr>
-          <p:cNvCxnSpPr>
-            <a:cxnSpLocks/>
-          </p:cNvCxnSpPr>
-          <p:nvPr/>
-        </p:nvCxnSpPr>
-        <p:spPr>
-          <a:xfrm flipV="1">
-            <a:off x="6734413" y="2375458"/>
-            <a:ext cx="2640327" cy="1390233"/>
-          </a:xfrm>
-          <a:prstGeom prst="bentConnector3">
-            <a:avLst>
-              <a:gd name="adj1" fmla="val 50000"/>
-            </a:avLst>
-          </a:prstGeom>
-          <a:ln w="28575">
-            <a:solidFill>
-              <a:srgbClr val="004D86"/>
-            </a:solidFill>
-            <a:tailEnd type="triangle"/>
-          </a:ln>
-        </p:spPr>
-        <p:style>
-          <a:lnRef idx="1">
-            <a:schemeClr val="accent1"/>
-          </a:lnRef>
-          <a:fillRef idx="0">
-            <a:schemeClr val="accent1"/>
-          </a:fillRef>
-          <a:effectRef idx="0">
-            <a:schemeClr val="accent1"/>
-          </a:effectRef>
-          <a:fontRef idx="minor">
-            <a:schemeClr val="tx1"/>
-          </a:fontRef>
-        </p:style>
-      </p:cxnSp>
-      <p:cxnSp>
-        <p:nvCxnSpPr>
-          <p:cNvPr id="50" name="연결선: 꺾임 49">
-            <a:extLst>
-              <a:ext uri="{FF2B5EF4-FFF2-40B4-BE49-F238E27FC236}">
-                <a16:creationId xmlns:a16="http://schemas.microsoft.com/office/drawing/2014/main" id="{504625B1-66A7-4732-9BFA-FB75B21E7DB7}"/>
-              </a:ext>
-            </a:extLst>
-          </p:cNvPr>
-          <p:cNvCxnSpPr>
-            <a:cxnSpLocks/>
-          </p:cNvCxnSpPr>
-          <p:nvPr/>
-        </p:nvCxnSpPr>
-        <p:spPr>
-          <a:xfrm>
-            <a:off x="6734413" y="3765691"/>
-            <a:ext cx="2597723" cy="1390233"/>
-          </a:xfrm>
-          <a:prstGeom prst="bentConnector3">
-            <a:avLst>
-              <a:gd name="adj1" fmla="val 50646"/>
-            </a:avLst>
-          </a:prstGeom>
-          <a:ln w="28575">
-            <a:solidFill>
-              <a:srgbClr val="004D86"/>
-            </a:solidFill>
-            <a:tailEnd type="triangle"/>
-          </a:ln>
-        </p:spPr>
-        <p:style>
-          <a:lnRef idx="1">
-            <a:schemeClr val="accent1"/>
-          </a:lnRef>
-          <a:fillRef idx="0">
-            <a:schemeClr val="accent1"/>
-          </a:fillRef>
-          <a:effectRef idx="0">
-            <a:schemeClr val="accent1"/>
-          </a:effectRef>
-          <a:fontRef idx="minor">
-            <a:schemeClr val="tx1"/>
-          </a:fontRef>
-        </p:style>
-      </p:cxnSp>
-      <p:cxnSp>
-        <p:nvCxnSpPr>
-          <p:cNvPr id="66" name="직선 화살표 연결선 65">
-            <a:extLst>
-              <a:ext uri="{FF2B5EF4-FFF2-40B4-BE49-F238E27FC236}">
-                <a16:creationId xmlns:a16="http://schemas.microsoft.com/office/drawing/2014/main" id="{BC60E277-A714-4827-92E7-BB657EBDF41D}"/>
-              </a:ext>
-            </a:extLst>
-          </p:cNvPr>
-          <p:cNvCxnSpPr>
-            <a:cxnSpLocks/>
-            <a:stCxn id="54" idx="3"/>
-            <a:endCxn id="57" idx="1"/>
-          </p:cNvCxnSpPr>
-          <p:nvPr/>
-        </p:nvCxnSpPr>
-        <p:spPr>
-          <a:xfrm flipV="1">
-            <a:off x="4235103" y="3765690"/>
-            <a:ext cx="1380505" cy="1"/>
-          </a:xfrm>
-          <a:prstGeom prst="straightConnector1">
-            <a:avLst/>
-          </a:prstGeom>
-          <a:ln w="28575">
-            <a:solidFill>
-              <a:srgbClr val="004D86"/>
-            </a:solidFill>
-            <a:tailEnd type="triangle"/>
-          </a:ln>
-        </p:spPr>
-        <p:style>
-          <a:lnRef idx="1">
-            <a:schemeClr val="accent1"/>
-          </a:lnRef>
-          <a:fillRef idx="0">
-            <a:schemeClr val="accent1"/>
-          </a:fillRef>
-          <a:effectRef idx="0">
-            <a:schemeClr val="accent1"/>
-          </a:effectRef>
-          <a:fontRef idx="minor">
-            <a:schemeClr val="tx1"/>
-          </a:fontRef>
-        </p:style>
-      </p:cxnSp>
-      <p:cxnSp>
-        <p:nvCxnSpPr>
-          <p:cNvPr id="71" name="직선 화살표 연결선 70">
-            <a:extLst>
-              <a:ext uri="{FF2B5EF4-FFF2-40B4-BE49-F238E27FC236}">
-                <a16:creationId xmlns:a16="http://schemas.microsoft.com/office/drawing/2014/main" id="{9B34CF24-49A7-4C80-B1AD-F216D4395FFA}"/>
-              </a:ext>
-            </a:extLst>
-          </p:cNvPr>
-          <p:cNvCxnSpPr>
-            <a:cxnSpLocks/>
-            <a:stCxn id="57" idx="1"/>
-            <a:endCxn id="54" idx="3"/>
-          </p:cNvCxnSpPr>
-          <p:nvPr/>
-        </p:nvCxnSpPr>
-        <p:spPr>
-          <a:xfrm flipH="1">
-            <a:off x="4235103" y="3765690"/>
-            <a:ext cx="1380505" cy="1"/>
-          </a:xfrm>
-          <a:prstGeom prst="straightConnector1">
-            <a:avLst/>
-          </a:prstGeom>
-          <a:ln w="28575">
-            <a:solidFill>
-              <a:srgbClr val="004D86"/>
-            </a:solidFill>
-            <a:tailEnd type="triangle"/>
-          </a:ln>
-        </p:spPr>
-        <p:style>
-          <a:lnRef idx="1">
-            <a:schemeClr val="accent1"/>
-          </a:lnRef>
-          <a:fillRef idx="0">
-            <a:schemeClr val="accent1"/>
-          </a:fillRef>
-          <a:effectRef idx="0">
-            <a:schemeClr val="accent1"/>
-          </a:effectRef>
-          <a:fontRef idx="minor">
-            <a:schemeClr val="tx1"/>
-          </a:fontRef>
-        </p:style>
-      </p:cxnSp>
-      <p:cxnSp>
-        <p:nvCxnSpPr>
-          <p:cNvPr id="80" name="직선 화살표 연결선 79">
-            <a:extLst>
-              <a:ext uri="{FF2B5EF4-FFF2-40B4-BE49-F238E27FC236}">
-                <a16:creationId xmlns:a16="http://schemas.microsoft.com/office/drawing/2014/main" id="{D5EF5FF4-C616-4802-98F6-248771B3C6D2}"/>
-              </a:ext>
-            </a:extLst>
-          </p:cNvPr>
-          <p:cNvCxnSpPr>
-            <a:cxnSpLocks/>
-          </p:cNvCxnSpPr>
-          <p:nvPr/>
-        </p:nvCxnSpPr>
-        <p:spPr>
-          <a:xfrm>
-            <a:off x="6734413" y="3765691"/>
-            <a:ext cx="2597723" cy="0"/>
-          </a:xfrm>
-          <a:prstGeom prst="straightConnector1">
-            <a:avLst/>
-          </a:prstGeom>
-          <a:ln w="28575">
-            <a:solidFill>
-              <a:srgbClr val="004D86"/>
-            </a:solidFill>
-            <a:tailEnd type="triangle"/>
-          </a:ln>
-        </p:spPr>
-        <p:style>
-          <a:lnRef idx="1">
-            <a:schemeClr val="accent1"/>
-          </a:lnRef>
-          <a:fillRef idx="0">
-            <a:schemeClr val="accent1"/>
-          </a:fillRef>
-          <a:effectRef idx="0">
-            <a:schemeClr val="accent1"/>
-          </a:effectRef>
-          <a:fontRef idx="minor">
-            <a:schemeClr val="tx1"/>
-          </a:fontRef>
-        </p:style>
-      </p:cxnSp>
-      <p:sp>
-        <p:nvSpPr>
-          <p:cNvPr id="94" name="TextBox 93">
-            <a:extLst>
-              <a:ext uri="{FF2B5EF4-FFF2-40B4-BE49-F238E27FC236}">
-                <a16:creationId xmlns:a16="http://schemas.microsoft.com/office/drawing/2014/main" id="{950DD074-9CD2-496B-A65B-E3865D91DCF7}"/>
-              </a:ext>
-            </a:extLst>
-          </p:cNvPr>
-          <p:cNvSpPr txBox="1"/>
-          <p:nvPr/>
-        </p:nvSpPr>
-        <p:spPr>
-          <a:xfrm>
-            <a:off x="8546795" y="2129269"/>
-            <a:ext cx="777430" cy="246189"/>
-          </a:xfrm>
-          <a:prstGeom prst="rect">
-            <a:avLst/>
-          </a:prstGeom>
-          <a:noFill/>
-        </p:spPr>
-        <p:txBody>
-          <a:bodyPr wrap="square" rtlCol="0">
-            <a:spAutoFit/>
-          </a:bodyPr>
-          <a:lstStyle/>
           <a:p>
-            <a:pPr algn="ctr"/>
+            <a:pPr marL="0" indent="0" algn="just" eaLnBrk="1" hangingPunct="1">
+              <a:spcBef>
+                <a:spcPct val="0"/>
+              </a:spcBef>
+              <a:buNone/>
+            </a:pPr>
+            <a:endParaRPr kumimoji="0" lang="en-US" altLang="ko-KR" sz="2000" b="1">
+              <a:latin typeface="나눔스퀘어OTF" panose="020B0600000101010101" pitchFamily="34" charset="-127"/>
+              <a:ea typeface="나눔스퀘어OTF" panose="020B0600000101010101" pitchFamily="34" charset="-127"/>
+            </a:endParaRPr>
+          </a:p>
+          <a:p>
+            <a:pPr algn="just" eaLnBrk="1" hangingPunct="1">
+              <a:spcBef>
+                <a:spcPct val="0"/>
+              </a:spcBef>
+              <a:buFontTx/>
+              <a:buChar char="-"/>
+            </a:pPr>
             <a:r>
-              <a:rPr lang="ko-KR" altLang="en-US" sz="1000" dirty="0">
-                <a:latin typeface="나눔고딕" panose="020D0604000000000000" pitchFamily="50" charset="-127"/>
-                <a:ea typeface="나눔고딕" panose="020D0604000000000000" pitchFamily="50" charset="-127"/>
+              <a:rPr kumimoji="0" lang="ko-KR" altLang="en-US" sz="2000" b="1">
+                <a:latin typeface="나눔스퀘어OTF" panose="020B0600000101010101" pitchFamily="34" charset="-127"/>
+                <a:ea typeface="나눔스퀘어OTF" panose="020B0600000101010101" pitchFamily="34" charset="-127"/>
               </a:rPr>
-              <a:t>작업자</a:t>
+              <a:t>중요도</a:t>
             </a:r>
-          </a:p>
-        </p:txBody>
-      </p:sp>
-      <p:pic>
-        <p:nvPicPr>
-          <p:cNvPr id="95" name="그림 94">
-            <a:extLst>
-              <a:ext uri="{FF2B5EF4-FFF2-40B4-BE49-F238E27FC236}">
-                <a16:creationId xmlns:a16="http://schemas.microsoft.com/office/drawing/2014/main" id="{006AC784-090A-4246-A57D-D125F1CB168C}"/>
-              </a:ext>
-            </a:extLst>
-          </p:cNvPr>
-          <p:cNvPicPr>
-            <a:picLocks noChangeAspect="1"/>
-          </p:cNvPicPr>
-          <p:nvPr/>
-        </p:nvPicPr>
-        <p:blipFill>
-          <a:blip r:embed="rId3">
-            <a:extLst>
-              <a:ext uri="{28A0092B-C50C-407E-A947-70E740481C1C}">
-                <a14:useLocalDpi xmlns:a14="http://schemas.microsoft.com/office/drawing/2010/main" val="0"/>
-              </a:ext>
-            </a:extLst>
-          </a:blip>
-          <a:stretch>
-            <a:fillRect/>
-          </a:stretch>
-        </p:blipFill>
-        <p:spPr>
-          <a:xfrm>
-            <a:off x="8460459" y="1199802"/>
-            <a:ext cx="914281" cy="914281"/>
-          </a:xfrm>
-          <a:prstGeom prst="rect">
-            <a:avLst/>
-          </a:prstGeom>
-          <a:effectLst>
-            <a:outerShdw blurRad="50800" dist="38100" algn="l" rotWithShape="0">
-              <a:prstClr val="black">
-                <a:alpha val="14000"/>
-              </a:prstClr>
-            </a:outerShdw>
-          </a:effectLst>
-        </p:spPr>
-      </p:pic>
-      <p:pic>
-        <p:nvPicPr>
-          <p:cNvPr id="96" name="그림 95">
-            <a:extLst>
-              <a:ext uri="{FF2B5EF4-FFF2-40B4-BE49-F238E27FC236}">
-                <a16:creationId xmlns:a16="http://schemas.microsoft.com/office/drawing/2014/main" id="{A46B778A-831F-48B0-98B4-BBD8FAF67C15}"/>
-              </a:ext>
-            </a:extLst>
-          </p:cNvPr>
-          <p:cNvPicPr>
-            <a:picLocks noChangeAspect="1"/>
-          </p:cNvPicPr>
-          <p:nvPr/>
-        </p:nvPicPr>
-        <p:blipFill>
-          <a:blip r:embed="rId4">
-            <a:extLst>
-              <a:ext uri="{28A0092B-C50C-407E-A947-70E740481C1C}">
-                <a14:useLocalDpi xmlns:a14="http://schemas.microsoft.com/office/drawing/2010/main" val="0"/>
-              </a:ext>
-            </a:extLst>
-          </a:blip>
-          <a:stretch>
-            <a:fillRect/>
-          </a:stretch>
-        </p:blipFill>
-        <p:spPr>
-          <a:xfrm>
-            <a:off x="9447646" y="1660867"/>
-            <a:ext cx="914281" cy="914281"/>
-          </a:xfrm>
-          <a:prstGeom prst="rect">
-            <a:avLst/>
-          </a:prstGeom>
-          <a:effectLst>
-            <a:outerShdw blurRad="50800" dist="38100" algn="l" rotWithShape="0">
-              <a:prstClr val="black">
-                <a:alpha val="14000"/>
-              </a:prstClr>
-            </a:outerShdw>
-          </a:effectLst>
-        </p:spPr>
-      </p:pic>
-      <p:sp>
-        <p:nvSpPr>
-          <p:cNvPr id="97" name="TextBox 96">
-            <a:extLst>
-              <a:ext uri="{FF2B5EF4-FFF2-40B4-BE49-F238E27FC236}">
-                <a16:creationId xmlns:a16="http://schemas.microsoft.com/office/drawing/2014/main" id="{12986155-4FAC-4E70-A6BF-D7068FC20464}"/>
-              </a:ext>
-            </a:extLst>
-          </p:cNvPr>
-          <p:cNvSpPr txBox="1"/>
-          <p:nvPr/>
-        </p:nvSpPr>
-        <p:spPr>
-          <a:xfrm>
-            <a:off x="8546795" y="3494370"/>
-            <a:ext cx="777430" cy="246189"/>
-          </a:xfrm>
-          <a:prstGeom prst="rect">
-            <a:avLst/>
-          </a:prstGeom>
-          <a:noFill/>
-        </p:spPr>
-        <p:txBody>
-          <a:bodyPr wrap="square" rtlCol="0">
-            <a:spAutoFit/>
-          </a:bodyPr>
-          <a:lstStyle/>
-          <a:p>
-            <a:pPr algn="ctr"/>
             <a:r>
-              <a:rPr lang="ko-KR" altLang="en-US" sz="1000" dirty="0">
-                <a:latin typeface="나눔고딕" panose="020D0604000000000000" pitchFamily="50" charset="-127"/>
-                <a:ea typeface="나눔고딕" panose="020D0604000000000000" pitchFamily="50" charset="-127"/>
+              <a:rPr kumimoji="0" lang="en-US" altLang="ko-KR" sz="2000" b="1">
+                <a:latin typeface="나눔스퀘어OTF" panose="020B0600000101010101" pitchFamily="34" charset="-127"/>
+                <a:ea typeface="나눔스퀘어OTF" panose="020B0600000101010101" pitchFamily="34" charset="-127"/>
               </a:rPr>
-              <a:t>작업자</a:t>
+              <a:t>, </a:t>
             </a:r>
-          </a:p>
-        </p:txBody>
-      </p:sp>
-      <p:pic>
-        <p:nvPicPr>
-          <p:cNvPr id="98" name="그림 97">
-            <a:extLst>
-              <a:ext uri="{FF2B5EF4-FFF2-40B4-BE49-F238E27FC236}">
-                <a16:creationId xmlns:a16="http://schemas.microsoft.com/office/drawing/2014/main" id="{DC2D915A-FC4C-4C06-A239-AB93F1AA30FF}"/>
-              </a:ext>
-            </a:extLst>
-          </p:cNvPr>
-          <p:cNvPicPr>
-            <a:picLocks noChangeAspect="1"/>
-          </p:cNvPicPr>
-          <p:nvPr/>
-        </p:nvPicPr>
-        <p:blipFill>
-          <a:blip r:embed="rId3">
-            <a:extLst>
-              <a:ext uri="{28A0092B-C50C-407E-A947-70E740481C1C}">
-                <a14:useLocalDpi xmlns:a14="http://schemas.microsoft.com/office/drawing/2010/main" val="0"/>
-              </a:ext>
-            </a:extLst>
-          </a:blip>
-          <a:stretch>
-            <a:fillRect/>
-          </a:stretch>
-        </p:blipFill>
-        <p:spPr>
-          <a:xfrm>
-            <a:off x="8460459" y="2564904"/>
-            <a:ext cx="914281" cy="914281"/>
-          </a:xfrm>
-          <a:prstGeom prst="rect">
-            <a:avLst/>
-          </a:prstGeom>
-          <a:effectLst>
-            <a:outerShdw blurRad="50800" dist="38100" algn="l" rotWithShape="0">
-              <a:prstClr val="black">
-                <a:alpha val="14000"/>
-              </a:prstClr>
-            </a:outerShdw>
-          </a:effectLst>
-        </p:spPr>
-      </p:pic>
-      <p:pic>
-        <p:nvPicPr>
-          <p:cNvPr id="99" name="그림 98">
-            <a:extLst>
-              <a:ext uri="{FF2B5EF4-FFF2-40B4-BE49-F238E27FC236}">
-                <a16:creationId xmlns:a16="http://schemas.microsoft.com/office/drawing/2014/main" id="{AC418B57-7F1D-485E-8065-DFDFB2F4F231}"/>
-              </a:ext>
-            </a:extLst>
-          </p:cNvPr>
-          <p:cNvPicPr>
-            <a:picLocks noChangeAspect="1"/>
-          </p:cNvPicPr>
-          <p:nvPr/>
-        </p:nvPicPr>
-        <p:blipFill>
-          <a:blip r:embed="rId4">
-            <a:extLst>
-              <a:ext uri="{28A0092B-C50C-407E-A947-70E740481C1C}">
-                <a14:useLocalDpi xmlns:a14="http://schemas.microsoft.com/office/drawing/2010/main" val="0"/>
-              </a:ext>
-            </a:extLst>
-          </a:blip>
-          <a:stretch>
-            <a:fillRect/>
-          </a:stretch>
-        </p:blipFill>
-        <p:spPr>
-          <a:xfrm>
-            <a:off x="9447646" y="3091198"/>
-            <a:ext cx="914281" cy="914281"/>
-          </a:xfrm>
-          <a:prstGeom prst="rect">
-            <a:avLst/>
-          </a:prstGeom>
-          <a:effectLst>
-            <a:outerShdw blurRad="50800" dist="38100" algn="l" rotWithShape="0">
-              <a:prstClr val="black">
-                <a:alpha val="14000"/>
-              </a:prstClr>
-            </a:outerShdw>
-          </a:effectLst>
-        </p:spPr>
-      </p:pic>
-      <p:sp>
-        <p:nvSpPr>
-          <p:cNvPr id="100" name="TextBox 99">
-            <a:extLst>
-              <a:ext uri="{FF2B5EF4-FFF2-40B4-BE49-F238E27FC236}">
-                <a16:creationId xmlns:a16="http://schemas.microsoft.com/office/drawing/2014/main" id="{C223872A-4504-488F-94E0-3F3B83B5911F}"/>
-              </a:ext>
-            </a:extLst>
-          </p:cNvPr>
-          <p:cNvSpPr txBox="1"/>
-          <p:nvPr/>
-        </p:nvSpPr>
-        <p:spPr>
-          <a:xfrm>
-            <a:off x="8546795" y="4879940"/>
-            <a:ext cx="777430" cy="246189"/>
-          </a:xfrm>
-          <a:prstGeom prst="rect">
-            <a:avLst/>
-          </a:prstGeom>
-          <a:noFill/>
-        </p:spPr>
-        <p:txBody>
-          <a:bodyPr wrap="square" rtlCol="0">
-            <a:spAutoFit/>
-          </a:bodyPr>
-          <a:lstStyle/>
-          <a:p>
-            <a:pPr algn="ctr"/>
             <a:r>
-              <a:rPr lang="ko-KR" altLang="en-US" sz="1000" dirty="0">
-                <a:latin typeface="나눔고딕" panose="020D0604000000000000" pitchFamily="50" charset="-127"/>
-                <a:ea typeface="나눔고딕" panose="020D0604000000000000" pitchFamily="50" charset="-127"/>
+              <a:rPr kumimoji="0" lang="ko-KR" altLang="en-US" sz="2000" b="1">
+                <a:latin typeface="나눔스퀘어OTF" panose="020B0600000101010101" pitchFamily="34" charset="-127"/>
+                <a:ea typeface="나눔스퀘어OTF" panose="020B0600000101010101" pitchFamily="34" charset="-127"/>
               </a:rPr>
-              <a:t>작업자</a:t>
-            </a:r>
-          </a:p>
-        </p:txBody>
-      </p:sp>
-      <p:pic>
-        <p:nvPicPr>
-          <p:cNvPr id="101" name="그림 100">
-            <a:extLst>
-              <a:ext uri="{FF2B5EF4-FFF2-40B4-BE49-F238E27FC236}">
-                <a16:creationId xmlns:a16="http://schemas.microsoft.com/office/drawing/2014/main" id="{30302385-4287-4D3F-B6DF-90DE1C67EFEF}"/>
-              </a:ext>
-            </a:extLst>
-          </p:cNvPr>
-          <p:cNvPicPr>
-            <a:picLocks noChangeAspect="1"/>
-          </p:cNvPicPr>
-          <p:nvPr/>
-        </p:nvPicPr>
-        <p:blipFill>
-          <a:blip r:embed="rId3">
-            <a:extLst>
-              <a:ext uri="{28A0092B-C50C-407E-A947-70E740481C1C}">
-                <a14:useLocalDpi xmlns:a14="http://schemas.microsoft.com/office/drawing/2010/main" val="0"/>
-              </a:ext>
-            </a:extLst>
-          </a:blip>
-          <a:stretch>
-            <a:fillRect/>
-          </a:stretch>
-        </p:blipFill>
-        <p:spPr>
-          <a:xfrm>
-            <a:off x="8460459" y="3950473"/>
-            <a:ext cx="914281" cy="914281"/>
-          </a:xfrm>
-          <a:prstGeom prst="rect">
-            <a:avLst/>
-          </a:prstGeom>
-          <a:effectLst>
-            <a:outerShdw blurRad="50800" dist="38100" algn="l" rotWithShape="0">
-              <a:prstClr val="black">
-                <a:alpha val="14000"/>
-              </a:prstClr>
-            </a:outerShdw>
-          </a:effectLst>
-        </p:spPr>
-      </p:pic>
-      <p:pic>
-        <p:nvPicPr>
-          <p:cNvPr id="102" name="그림 101">
-            <a:extLst>
-              <a:ext uri="{FF2B5EF4-FFF2-40B4-BE49-F238E27FC236}">
-                <a16:creationId xmlns:a16="http://schemas.microsoft.com/office/drawing/2014/main" id="{04527F0A-6DC5-4071-8E9F-95A948D98BC6}"/>
-              </a:ext>
-            </a:extLst>
-          </p:cNvPr>
-          <p:cNvPicPr>
-            <a:picLocks noChangeAspect="1"/>
-          </p:cNvPicPr>
-          <p:nvPr/>
-        </p:nvPicPr>
-        <p:blipFill>
-          <a:blip r:embed="rId4">
-            <a:extLst>
-              <a:ext uri="{28A0092B-C50C-407E-A947-70E740481C1C}">
-                <a14:useLocalDpi xmlns:a14="http://schemas.microsoft.com/office/drawing/2010/main" val="0"/>
-              </a:ext>
-            </a:extLst>
-          </a:blip>
-          <a:stretch>
-            <a:fillRect/>
-          </a:stretch>
-        </p:blipFill>
-        <p:spPr>
-          <a:xfrm>
-            <a:off x="9447646" y="4426424"/>
-            <a:ext cx="914281" cy="914281"/>
-          </a:xfrm>
-          <a:prstGeom prst="rect">
-            <a:avLst/>
-          </a:prstGeom>
-          <a:effectLst>
-            <a:outerShdw blurRad="50800" dist="38100" algn="l" rotWithShape="0">
-              <a:prstClr val="black">
-                <a:alpha val="14000"/>
-              </a:prstClr>
-            </a:outerShdw>
-          </a:effectLst>
-        </p:spPr>
-      </p:pic>
-      <p:sp>
-        <p:nvSpPr>
-          <p:cNvPr id="103" name="TextBox 102">
-            <a:extLst>
-              <a:ext uri="{FF2B5EF4-FFF2-40B4-BE49-F238E27FC236}">
-                <a16:creationId xmlns:a16="http://schemas.microsoft.com/office/drawing/2014/main" id="{6A6C2412-BA1B-4B73-85C3-DB02FA5BF4C6}"/>
-              </a:ext>
-            </a:extLst>
-          </p:cNvPr>
-          <p:cNvSpPr txBox="1"/>
-          <p:nvPr/>
-        </p:nvSpPr>
-        <p:spPr>
-          <a:xfrm>
-            <a:off x="9121760" y="3919420"/>
-            <a:ext cx="1654623" cy="276963"/>
-          </a:xfrm>
-          <a:prstGeom prst="rect">
-            <a:avLst/>
-          </a:prstGeom>
-          <a:noFill/>
-        </p:spPr>
-        <p:txBody>
-          <a:bodyPr wrap="square" rtlCol="0">
-            <a:spAutoFit/>
-          </a:bodyPr>
-          <a:lstStyle/>
-          <a:p>
-            <a:pPr algn="ctr"/>
-            <a:r>
-              <a:rPr lang="en-US" altLang="ko-KR" sz="1200" dirty="0">
-                <a:latin typeface="나눔고딕" panose="020D0604000000000000" pitchFamily="50" charset="-127"/>
-                <a:ea typeface="나눔고딕" panose="020D0604000000000000" pitchFamily="50" charset="-127"/>
-              </a:rPr>
-              <a:t>MACHINE 2</a:t>
-            </a:r>
-          </a:p>
-        </p:txBody>
-      </p:sp>
-      <p:sp>
-        <p:nvSpPr>
-          <p:cNvPr id="104" name="TextBox 103">
-            <a:extLst>
-              <a:ext uri="{FF2B5EF4-FFF2-40B4-BE49-F238E27FC236}">
-                <a16:creationId xmlns:a16="http://schemas.microsoft.com/office/drawing/2014/main" id="{725525FF-1CBC-4419-A787-06D1B3C3C137}"/>
-              </a:ext>
-            </a:extLst>
-          </p:cNvPr>
-          <p:cNvSpPr txBox="1"/>
-          <p:nvPr/>
-        </p:nvSpPr>
-        <p:spPr>
-          <a:xfrm>
-            <a:off x="9121760" y="5289027"/>
-            <a:ext cx="1654623" cy="276963"/>
-          </a:xfrm>
-          <a:prstGeom prst="rect">
-            <a:avLst/>
-          </a:prstGeom>
-          <a:noFill/>
-        </p:spPr>
-        <p:txBody>
-          <a:bodyPr wrap="square" rtlCol="0">
-            <a:spAutoFit/>
-          </a:bodyPr>
-          <a:lstStyle/>
-          <a:p>
-            <a:pPr algn="ctr"/>
-            <a:r>
-              <a:rPr lang="en-US" altLang="ko-KR" sz="1200" dirty="0">
-                <a:latin typeface="나눔고딕" panose="020D0604000000000000" pitchFamily="50" charset="-127"/>
-                <a:ea typeface="나눔고딕" panose="020D0604000000000000" pitchFamily="50" charset="-127"/>
-              </a:rPr>
-              <a:t>MACHINE 3</a:t>
-            </a:r>
-          </a:p>
-        </p:txBody>
-      </p:sp>
-      <p:sp>
-        <p:nvSpPr>
-          <p:cNvPr id="105" name="TextBox 104">
-            <a:extLst>
-              <a:ext uri="{FF2B5EF4-FFF2-40B4-BE49-F238E27FC236}">
-                <a16:creationId xmlns:a16="http://schemas.microsoft.com/office/drawing/2014/main" id="{7D9BAEC5-59D8-408E-B9A9-AECA7AB5A888}"/>
-              </a:ext>
-            </a:extLst>
-          </p:cNvPr>
-          <p:cNvSpPr txBox="1"/>
-          <p:nvPr/>
-        </p:nvSpPr>
-        <p:spPr>
-          <a:xfrm>
-            <a:off x="9077475" y="2479893"/>
-            <a:ext cx="1654623" cy="276963"/>
-          </a:xfrm>
-          <a:prstGeom prst="rect">
-            <a:avLst/>
-          </a:prstGeom>
-          <a:noFill/>
-        </p:spPr>
-        <p:txBody>
-          <a:bodyPr wrap="square" rtlCol="0">
-            <a:spAutoFit/>
-          </a:bodyPr>
-          <a:lstStyle/>
-          <a:p>
-            <a:pPr algn="ctr"/>
-            <a:r>
-              <a:rPr lang="en-US" altLang="ko-KR" sz="1200" dirty="0">
-                <a:latin typeface="나눔고딕" panose="020D0604000000000000" pitchFamily="50" charset="-127"/>
-                <a:ea typeface="나눔고딕" panose="020D0604000000000000" pitchFamily="50" charset="-127"/>
-              </a:rPr>
-              <a:t>MACHINE 1</a:t>
-            </a:r>
-          </a:p>
-        </p:txBody>
-      </p:sp>
-      <p:sp>
-        <p:nvSpPr>
-          <p:cNvPr id="107" name="TextBox 106">
-            <a:extLst>
-              <a:ext uri="{FF2B5EF4-FFF2-40B4-BE49-F238E27FC236}">
-                <a16:creationId xmlns:a16="http://schemas.microsoft.com/office/drawing/2014/main" id="{89868FDC-1959-45BC-93D7-FBEAF1FC5D31}"/>
-              </a:ext>
-            </a:extLst>
-          </p:cNvPr>
-          <p:cNvSpPr txBox="1"/>
-          <p:nvPr/>
-        </p:nvSpPr>
-        <p:spPr>
-          <a:xfrm>
-            <a:off x="190953" y="122470"/>
-            <a:ext cx="2799985" cy="476992"/>
-          </a:xfrm>
-          <a:prstGeom prst="rect">
-            <a:avLst/>
-          </a:prstGeom>
-          <a:noFill/>
-        </p:spPr>
-        <p:txBody>
-          <a:bodyPr wrap="square" rtlCol="0">
-            <a:spAutoFit/>
-          </a:bodyPr>
-          <a:lstStyle/>
-          <a:p>
-            <a:r>
-              <a:rPr lang="ko-KR" altLang="en-US" sz="2500">
-                <a:latin typeface="나눔고딕 ExtraBold" panose="020D0904000000000000" pitchFamily="50" charset="-127"/>
-                <a:ea typeface="나눔고딕 ExtraBold" panose="020D0904000000000000" pitchFamily="50" charset="-127"/>
-              </a:rPr>
-              <a:t>시스템 구성도</a:t>
+              <a:t>반영 여부</a:t>
             </a:r>
           </a:p>
         </p:txBody>
       </p:sp>
       <p:grpSp>
         <p:nvGrpSpPr>
-          <p:cNvPr id="36" name="그룹 35">
+          <p:cNvPr id="18" name="그룹 13">
             <a:extLst>
               <a:ext uri="{FF2B5EF4-FFF2-40B4-BE49-F238E27FC236}">
-                <a16:creationId xmlns:a16="http://schemas.microsoft.com/office/drawing/2014/main" id="{79BC0D80-B0E7-4CF4-9DAD-1C768183F5F9}"/>
+                <a16:creationId xmlns:a16="http://schemas.microsoft.com/office/drawing/2014/main" id="{F080EEA6-4E71-4754-BFE8-FDCE2ABDDC42}"/>
               </a:ext>
             </a:extLst>
           </p:cNvPr>
-          <p:cNvGrpSpPr/>
+          <p:cNvGrpSpPr>
+            <a:grpSpLocks/>
+          </p:cNvGrpSpPr>
           <p:nvPr/>
         </p:nvGrpSpPr>
-        <p:grpSpPr>
-          <a:xfrm>
-            <a:off x="2904903" y="1254093"/>
-            <a:ext cx="1083245" cy="823519"/>
-            <a:chOff x="6888175" y="1235782"/>
-            <a:chExt cx="2615247" cy="1533750"/>
+        <p:grpSpPr bwMode="auto">
+          <a:xfrm rot="5400000">
+            <a:off x="8534474" y="-2980530"/>
+            <a:ext cx="369889" cy="6832600"/>
+            <a:chOff x="11783835" y="1420022"/>
+            <a:chExt cx="370109" cy="4457250"/>
           </a:xfrm>
         </p:grpSpPr>
         <p:sp>
           <p:nvSpPr>
-            <p:cNvPr id="37" name="직사각형 36">
+            <p:cNvPr id="19" name="양쪽 모서리가 둥근 사각형 21">
               <a:extLst>
                 <a:ext uri="{FF2B5EF4-FFF2-40B4-BE49-F238E27FC236}">
-                  <a16:creationId xmlns:a16="http://schemas.microsoft.com/office/drawing/2014/main" id="{6AFE4699-9B11-4B23-8442-00B322485ED8}"/>
+                  <a16:creationId xmlns:a16="http://schemas.microsoft.com/office/drawing/2014/main" id="{B8D29D92-EC9C-4BD7-8640-6DCA775C036E}"/>
                 </a:ext>
               </a:extLst>
             </p:cNvPr>
@@ -41223,85 +38152,24 @@
             <p:nvPr/>
           </p:nvSpPr>
           <p:spPr>
-            <a:xfrm>
-              <a:off x="6888175" y="1235782"/>
-              <a:ext cx="2615247" cy="1533750"/>
+            <a:xfrm rot="16200000" flipH="1">
+              <a:off x="11537041" y="5260370"/>
+              <a:ext cx="863696" cy="370108"/>
             </a:xfrm>
-            <a:prstGeom prst="rect">
-              <a:avLst/>
+            <a:prstGeom prst="round2SameRect">
+              <a:avLst>
+                <a:gd name="adj1" fmla="val 50000"/>
+                <a:gd name="adj2" fmla="val 0"/>
+              </a:avLst>
             </a:prstGeom>
             <a:solidFill>
-              <a:srgbClr val="1F3863"/>
-            </a:solidFill>
-            <a:effectLst>
-              <a:outerShdw blurRad="50800" dist="38100" algn="l" rotWithShape="0">
-                <a:prstClr val="black">
-                  <a:alpha val="40000"/>
-                </a:prstClr>
-              </a:outerShdw>
-            </a:effectLst>
-          </p:spPr>
-          <p:style>
-            <a:lnRef idx="2">
-              <a:schemeClr val="accent1">
-                <a:shade val="50000"/>
+              <a:schemeClr val="bg1">
+                <a:lumMod val="85000"/>
               </a:schemeClr>
-            </a:lnRef>
-            <a:fillRef idx="1">
-              <a:schemeClr val="accent1"/>
-            </a:fillRef>
-            <a:effectRef idx="0">
-              <a:schemeClr val="accent1"/>
-            </a:effectRef>
-            <a:fontRef idx="minor">
-              <a:schemeClr val="lt1"/>
-            </a:fontRef>
-          </p:style>
-          <p:txBody>
-            <a:bodyPr rtlCol="0" anchor="t" anchorCtr="0"/>
-            <a:lstStyle/>
-            <a:p>
-              <a:pPr algn="ctr"/>
-              <a:r>
-                <a:rPr lang="en-US" altLang="ko-KR" sz="1200">
-                  <a:latin typeface="나눔고딕" panose="020D0604000000000000" pitchFamily="50" charset="-127"/>
-                  <a:ea typeface="나눔고딕" panose="020D0604000000000000" pitchFamily="50" charset="-127"/>
-                </a:rPr>
-                <a:t>Azure</a:t>
-              </a:r>
-              <a:endParaRPr lang="ko-KR" altLang="en-US" sz="1200">
-                <a:latin typeface="나눔고딕" panose="020D0604000000000000" pitchFamily="50" charset="-127"/>
-                <a:ea typeface="나눔고딕" panose="020D0604000000000000" pitchFamily="50" charset="-127"/>
-              </a:endParaRPr>
-            </a:p>
-          </p:txBody>
-        </p:sp>
-        <p:sp>
-          <p:nvSpPr>
-            <p:cNvPr id="39" name="직사각형 38">
-              <a:extLst>
-                <a:ext uri="{FF2B5EF4-FFF2-40B4-BE49-F238E27FC236}">
-                  <a16:creationId xmlns:a16="http://schemas.microsoft.com/office/drawing/2014/main" id="{F4905E6D-3166-4190-9E58-838ADC89CD07}"/>
-                </a:ext>
-              </a:extLst>
-            </p:cNvPr>
-            <p:cNvSpPr/>
-            <p:nvPr/>
-          </p:nvSpPr>
-          <p:spPr>
-            <a:xfrm>
-              <a:off x="7507868" y="1743978"/>
-              <a:ext cx="1375860" cy="790011"/>
-            </a:xfrm>
-            <a:prstGeom prst="rect">
-              <a:avLst/>
-            </a:prstGeom>
-            <a:solidFill>
-              <a:schemeClr val="bg1"/>
             </a:solidFill>
             <a:ln>
               <a:solidFill>
-                <a:srgbClr val="1F3863"/>
+                <a:schemeClr val="bg1"/>
               </a:solidFill>
             </a:ln>
           </p:spPr>
@@ -41322,57 +38190,37 @@
             </a:fontRef>
           </p:style>
           <p:txBody>
-            <a:bodyPr rtlCol="0" anchor="ctr"/>
+            <a:bodyPr anchor="ctr"/>
             <a:lstStyle/>
             <a:p>
-              <a:pPr algn="ctr"/>
+              <a:pPr algn="ctr" eaLnBrk="1" fontAlgn="auto" latinLnBrk="1" hangingPunct="1">
+                <a:spcBef>
+                  <a:spcPts val="0"/>
+                </a:spcBef>
+                <a:spcAft>
+                  <a:spcPts val="0"/>
+                </a:spcAft>
+                <a:defRPr/>
+              </a:pPr>
               <a:r>
-                <a:rPr lang="en-US" altLang="ko-KR" sz="1000" b="1">
+                <a:rPr kumimoji="0" lang="ko-KR" altLang="en-US" sz="1500" dirty="0">
                   <a:solidFill>
                     <a:schemeClr val="tx1"/>
                   </a:solidFill>
-                  <a:latin typeface="나눔고딕" panose="020D0604000000000000" pitchFamily="50" charset="-127"/>
-                  <a:ea typeface="나눔고딕" panose="020D0604000000000000" pitchFamily="50" charset="-127"/>
+                  <a:latin typeface="여기어때 잘난체 OTF" pitchFamily="34" charset="-127"/>
+                  <a:ea typeface="여기어때 잘난체 OTF" pitchFamily="34" charset="-127"/>
                 </a:rPr>
-                <a:t>WEB MVC5</a:t>
+                <a:t>개요</a:t>
               </a:r>
-              <a:endParaRPr lang="ko-KR" altLang="en-US" sz="1000" b="1">
-                <a:solidFill>
-                  <a:schemeClr val="tx1"/>
-                </a:solidFill>
-                <a:latin typeface="나눔고딕" panose="020D0604000000000000" pitchFamily="50" charset="-127"/>
-                <a:ea typeface="나눔고딕" panose="020D0604000000000000" pitchFamily="50" charset="-127"/>
-              </a:endParaRPr>
             </a:p>
           </p:txBody>
         </p:sp>
-      </p:grpSp>
-      <p:grpSp>
-        <p:nvGrpSpPr>
-          <p:cNvPr id="40" name="그룹 39">
-            <a:extLst>
-              <a:ext uri="{FF2B5EF4-FFF2-40B4-BE49-F238E27FC236}">
-                <a16:creationId xmlns:a16="http://schemas.microsoft.com/office/drawing/2014/main" id="{FA06BD65-F6A1-497D-B39D-9A3AE023D8BA}"/>
-              </a:ext>
-            </a:extLst>
-          </p:cNvPr>
-          <p:cNvGrpSpPr/>
-          <p:nvPr/>
-        </p:nvGrpSpPr>
-        <p:grpSpPr>
-          <a:xfrm>
-            <a:off x="5663158" y="4950210"/>
-            <a:ext cx="1457527" cy="1095254"/>
-            <a:chOff x="1950301" y="1235782"/>
-            <a:chExt cx="2931782" cy="1702790"/>
-          </a:xfrm>
-        </p:grpSpPr>
         <p:sp>
           <p:nvSpPr>
-            <p:cNvPr id="42" name="직사각형 41">
+            <p:cNvPr id="20" name="양쪽 모서리가 둥근 사각형 23">
               <a:extLst>
                 <a:ext uri="{FF2B5EF4-FFF2-40B4-BE49-F238E27FC236}">
-                  <a16:creationId xmlns:a16="http://schemas.microsoft.com/office/drawing/2014/main" id="{578D1313-6038-4189-8705-DA5B8B24B8C3}"/>
+                  <a16:creationId xmlns:a16="http://schemas.microsoft.com/office/drawing/2014/main" id="{39B366AD-5D03-432F-93D8-1A95FE3F0AD3}"/>
                 </a:ext>
               </a:extLst>
             </p:cNvPr>
@@ -41380,23 +38228,26 @@
             <p:nvPr/>
           </p:nvSpPr>
           <p:spPr>
-            <a:xfrm>
-              <a:off x="1950301" y="1235782"/>
-              <a:ext cx="2931782" cy="1702790"/>
+            <a:xfrm rot="16200000" flipH="1">
+              <a:off x="11536006" y="4541659"/>
+              <a:ext cx="865767" cy="370108"/>
             </a:xfrm>
-            <a:prstGeom prst="rect">
-              <a:avLst/>
+            <a:prstGeom prst="round2SameRect">
+              <a:avLst>
+                <a:gd name="adj1" fmla="val 50000"/>
+                <a:gd name="adj2" fmla="val 0"/>
+              </a:avLst>
             </a:prstGeom>
             <a:solidFill>
-              <a:srgbClr val="1F3863"/>
+              <a:schemeClr val="bg1">
+                <a:lumMod val="85000"/>
+              </a:schemeClr>
             </a:solidFill>
-            <a:effectLst>
-              <a:outerShdw blurRad="50800" dist="38100" algn="l" rotWithShape="0">
-                <a:prstClr val="black">
-                  <a:alpha val="40000"/>
-                </a:prstClr>
-              </a:outerShdw>
-            </a:effectLst>
+            <a:ln>
+              <a:solidFill>
+                <a:schemeClr val="bg1"/>
+              </a:solidFill>
+            </a:ln>
           </p:spPr>
           <p:style>
             <a:lnRef idx="2">
@@ -41415,33 +38266,37 @@
             </a:fontRef>
           </p:style>
           <p:txBody>
-            <a:bodyPr rtlCol="0" anchor="t" anchorCtr="0"/>
+            <a:bodyPr anchor="ctr"/>
             <a:lstStyle/>
             <a:p>
-              <a:pPr algn="ctr"/>
+              <a:pPr algn="ctr" eaLnBrk="1" fontAlgn="auto" latinLnBrk="1" hangingPunct="1">
+                <a:spcBef>
+                  <a:spcPts val="0"/>
+                </a:spcBef>
+                <a:spcAft>
+                  <a:spcPts val="0"/>
+                </a:spcAft>
+                <a:defRPr/>
+              </a:pPr>
               <a:r>
-                <a:rPr lang="en-US" altLang="ko-KR" sz="1200">
-                  <a:latin typeface="나눔고딕" panose="020D0604000000000000" pitchFamily="50" charset="-127"/>
-                  <a:ea typeface="나눔고딕" panose="020D0604000000000000" pitchFamily="50" charset="-127"/>
+                <a:rPr kumimoji="0" lang="ko-KR" altLang="en-US" sz="1500" dirty="0">
+                  <a:solidFill>
+                    <a:schemeClr val="tx1"/>
+                  </a:solidFill>
+                  <a:latin typeface="여기어때 잘난체 OTF" pitchFamily="34" charset="-127"/>
+                  <a:ea typeface="여기어때 잘난체 OTF" pitchFamily="34" charset="-127"/>
                 </a:rPr>
-                <a:t>SERVER</a:t>
+                <a:t>참여인원</a:t>
               </a:r>
-            </a:p>
-            <a:p>
-              <a:pPr algn="ctr"/>
-              <a:endParaRPr lang="ko-KR" altLang="en-US" sz="1200">
-                <a:latin typeface="나눔고딕" panose="020D0604000000000000" pitchFamily="50" charset="-127"/>
-                <a:ea typeface="나눔고딕" panose="020D0604000000000000" pitchFamily="50" charset="-127"/>
-              </a:endParaRPr>
             </a:p>
           </p:txBody>
         </p:sp>
         <p:sp>
           <p:nvSpPr>
-            <p:cNvPr id="43" name="순서도: 자기 디스크 42">
+            <p:cNvPr id="21" name="양쪽 모서리가 둥근 사각형 24">
               <a:extLst>
                 <a:ext uri="{FF2B5EF4-FFF2-40B4-BE49-F238E27FC236}">
-                  <a16:creationId xmlns:a16="http://schemas.microsoft.com/office/drawing/2014/main" id="{DFBB31B0-9BDE-4EE9-A128-D263563A714E}"/>
+                  <a16:creationId xmlns:a16="http://schemas.microsoft.com/office/drawing/2014/main" id="{AFD03600-794D-4194-B3EE-406541529C04}"/>
                 </a:ext>
               </a:extLst>
             </p:cNvPr>
@@ -41449,17 +38304,26 @@
             <p:nvPr/>
           </p:nvSpPr>
           <p:spPr>
-            <a:xfrm>
-              <a:off x="2380216" y="1746093"/>
-              <a:ext cx="2203066" cy="930991"/>
+            <a:xfrm rot="16200000" flipH="1">
+              <a:off x="11537041" y="3822948"/>
+              <a:ext cx="863696" cy="370108"/>
             </a:xfrm>
-            <a:prstGeom prst="flowChartMagneticDisk">
-              <a:avLst/>
+            <a:prstGeom prst="round2SameRect">
+              <a:avLst>
+                <a:gd name="adj1" fmla="val 50000"/>
+                <a:gd name="adj2" fmla="val 0"/>
+              </a:avLst>
             </a:prstGeom>
             <a:solidFill>
-              <a:schemeClr val="bg1"/>
+              <a:schemeClr val="bg1">
+                <a:lumMod val="85000"/>
+              </a:schemeClr>
             </a:solidFill>
-            <a:effectLst/>
+            <a:ln>
+              <a:solidFill>
+                <a:schemeClr val="bg1"/>
+              </a:solidFill>
+            </a:ln>
           </p:spPr>
           <p:style>
             <a:lnRef idx="2">
@@ -41478,336 +38342,305 @@
             </a:fontRef>
           </p:style>
           <p:txBody>
-            <a:bodyPr rtlCol="0" anchor="ctr"/>
+            <a:bodyPr anchor="ctr"/>
             <a:lstStyle/>
             <a:p>
-              <a:pPr algn="ctr" fontAlgn="base" latinLnBrk="0">
+              <a:pPr algn="ctr" eaLnBrk="1" fontAlgn="auto" latinLnBrk="1" hangingPunct="1">
                 <a:spcBef>
-                  <a:spcPct val="0"/>
+                  <a:spcPts val="0"/>
                 </a:spcBef>
                 <a:spcAft>
-                  <a:spcPct val="0"/>
+                  <a:spcPts val="0"/>
                 </a:spcAft>
+                <a:defRPr/>
               </a:pPr>
               <a:r>
-                <a:rPr kumimoji="0" lang="en-US" altLang="ko-KR" sz="1000" b="1">
+                <a:rPr kumimoji="0" lang="ko-KR" altLang="en-US" sz="1500" dirty="0">
                   <a:solidFill>
                     <a:schemeClr val="tx1"/>
                   </a:solidFill>
-                  <a:latin typeface="나눔고딕" panose="020D0604000000000000" pitchFamily="50" charset="-127"/>
-                  <a:ea typeface="나눔고딕" panose="020D0604000000000000" pitchFamily="50" charset="-127"/>
+                  <a:latin typeface="여기어때 잘난체 OTF" pitchFamily="34" charset="-127"/>
+                  <a:ea typeface="여기어때 잘난체 OTF" pitchFamily="34" charset="-127"/>
                 </a:rPr>
-                <a:t>SQL Server 2019</a:t>
+                <a:t>일정</a:t>
               </a:r>
-              <a:endParaRPr kumimoji="0" lang="en-US" altLang="ko-KR" sz="1000" b="1" dirty="0">
-                <a:solidFill>
-                  <a:schemeClr val="tx1"/>
-                </a:solidFill>
-                <a:latin typeface="나눔고딕" panose="020D0604000000000000" pitchFamily="50" charset="-127"/>
-                <a:ea typeface="나눔고딕" panose="020D0604000000000000" pitchFamily="50" charset="-127"/>
+            </a:p>
+          </p:txBody>
+        </p:sp>
+        <p:sp>
+          <p:nvSpPr>
+            <p:cNvPr id="23" name="양쪽 모서리가 둥근 사각형 25">
+              <a:extLst>
+                <a:ext uri="{FF2B5EF4-FFF2-40B4-BE49-F238E27FC236}">
+                  <a16:creationId xmlns:a16="http://schemas.microsoft.com/office/drawing/2014/main" id="{8EC7B28F-3F6C-4E5C-95F4-A14D2C51ED14}"/>
+                </a:ext>
+              </a:extLst>
+            </p:cNvPr>
+            <p:cNvSpPr/>
+            <p:nvPr/>
+          </p:nvSpPr>
+          <p:spPr>
+            <a:xfrm rot="16200000" flipH="1">
+              <a:off x="11537041" y="3120807"/>
+              <a:ext cx="863696" cy="370108"/>
+            </a:xfrm>
+            <a:prstGeom prst="round2SameRect">
+              <a:avLst>
+                <a:gd name="adj1" fmla="val 50000"/>
+                <a:gd name="adj2" fmla="val 0"/>
+              </a:avLst>
+            </a:prstGeom>
+            <a:solidFill>
+              <a:schemeClr val="bg1">
+                <a:lumMod val="85000"/>
+              </a:schemeClr>
+            </a:solidFill>
+            <a:ln>
+              <a:solidFill>
+                <a:schemeClr val="bg1"/>
+              </a:solidFill>
+            </a:ln>
+          </p:spPr>
+          <p:style>
+            <a:lnRef idx="2">
+              <a:schemeClr val="accent1">
+                <a:shade val="50000"/>
+              </a:schemeClr>
+            </a:lnRef>
+            <a:fillRef idx="1">
+              <a:schemeClr val="accent1"/>
+            </a:fillRef>
+            <a:effectRef idx="0">
+              <a:schemeClr val="accent1"/>
+            </a:effectRef>
+            <a:fontRef idx="minor">
+              <a:schemeClr val="lt1"/>
+            </a:fontRef>
+          </p:style>
+          <p:txBody>
+            <a:bodyPr anchor="ctr"/>
+            <a:lstStyle/>
+            <a:p>
+              <a:pPr algn="ctr" eaLnBrk="1" fontAlgn="auto" latinLnBrk="1" hangingPunct="1">
+                <a:spcBef>
+                  <a:spcPts val="0"/>
+                </a:spcBef>
+                <a:spcAft>
+                  <a:spcPts val="0"/>
+                </a:spcAft>
+                <a:defRPr/>
+              </a:pPr>
+              <a:r>
+                <a:rPr kumimoji="0" lang="ko-KR" altLang="en-US" sz="1500" dirty="0">
+                  <a:solidFill>
+                    <a:schemeClr val="tx1"/>
+                  </a:solidFill>
+                  <a:latin typeface="여기어때 잘난체 OTF" pitchFamily="34" charset="-127"/>
+                  <a:ea typeface="여기어때 잘난체 OTF" pitchFamily="34" charset="-127"/>
+                </a:rPr>
+                <a:t>구성</a:t>
+              </a:r>
+            </a:p>
+          </p:txBody>
+        </p:sp>
+        <p:sp>
+          <p:nvSpPr>
+            <p:cNvPr id="30" name="양쪽 모서리가 둥근 사각형 26">
+              <a:extLst>
+                <a:ext uri="{FF2B5EF4-FFF2-40B4-BE49-F238E27FC236}">
+                  <a16:creationId xmlns:a16="http://schemas.microsoft.com/office/drawing/2014/main" id="{A7500BE3-90BA-4719-8B60-411FF50B7719}"/>
+                </a:ext>
+              </a:extLst>
+            </p:cNvPr>
+            <p:cNvSpPr/>
+            <p:nvPr/>
+          </p:nvSpPr>
+          <p:spPr>
+            <a:xfrm rot="16200000" flipH="1">
+              <a:off x="11535488" y="2433682"/>
+              <a:ext cx="866803" cy="370108"/>
+            </a:xfrm>
+            <a:prstGeom prst="round2SameRect">
+              <a:avLst>
+                <a:gd name="adj1" fmla="val 50000"/>
+                <a:gd name="adj2" fmla="val 0"/>
+              </a:avLst>
+            </a:prstGeom>
+            <a:gradFill>
+              <a:gsLst>
+                <a:gs pos="0">
+                  <a:schemeClr val="tx1"/>
+                </a:gs>
+                <a:gs pos="100000">
+                  <a:schemeClr val="tx1"/>
+                </a:gs>
+                <a:gs pos="51000">
+                  <a:schemeClr val="bg1">
+                    <a:lumMod val="50000"/>
+                  </a:schemeClr>
+                </a:gs>
+              </a:gsLst>
+              <a:lin ang="0" scaled="1"/>
+            </a:gradFill>
+            <a:ln>
+              <a:solidFill>
+                <a:schemeClr val="bg1"/>
+              </a:solidFill>
+            </a:ln>
+          </p:spPr>
+          <p:style>
+            <a:lnRef idx="2">
+              <a:schemeClr val="accent1">
+                <a:shade val="50000"/>
+              </a:schemeClr>
+            </a:lnRef>
+            <a:fillRef idx="1">
+              <a:schemeClr val="accent1"/>
+            </a:fillRef>
+            <a:effectRef idx="0">
+              <a:schemeClr val="accent1"/>
+            </a:effectRef>
+            <a:fontRef idx="minor">
+              <a:schemeClr val="lt1"/>
+            </a:fontRef>
+          </p:style>
+          <p:txBody>
+            <a:bodyPr anchor="ctr"/>
+            <a:lstStyle/>
+            <a:p>
+              <a:pPr algn="ctr" eaLnBrk="1" fontAlgn="auto" latinLnBrk="1" hangingPunct="1">
+                <a:spcBef>
+                  <a:spcPts val="0"/>
+                </a:spcBef>
+                <a:spcAft>
+                  <a:spcPts val="0"/>
+                </a:spcAft>
+                <a:defRPr/>
+              </a:pPr>
+              <a:r>
+                <a:rPr kumimoji="0" lang="ko-KR" altLang="en-US" sz="1500" dirty="0">
+                  <a:solidFill>
+                    <a:schemeClr val="bg1"/>
+                  </a:solidFill>
+                  <a:latin typeface="여기어때 잘난체 OTF" panose="020B0600000101010101" pitchFamily="34" charset="-127"/>
+                  <a:ea typeface="여기어때 잘난체 OTF" panose="020B0600000101010101" pitchFamily="34" charset="-127"/>
+                </a:rPr>
+                <a:t>제안</a:t>
+              </a:r>
+              <a:r>
+                <a:rPr kumimoji="0" lang="en-US" altLang="ko-KR" sz="1500" dirty="0">
+                  <a:solidFill>
+                    <a:schemeClr val="bg1"/>
+                  </a:solidFill>
+                  <a:latin typeface="여기어때 잘난체 OTF" panose="020B0600000101010101" pitchFamily="34" charset="-127"/>
+                  <a:ea typeface="여기어때 잘난체 OTF" panose="020B0600000101010101" pitchFamily="34" charset="-127"/>
+                </a:rPr>
+                <a:t>/</a:t>
+              </a:r>
+              <a:r>
+                <a:rPr kumimoji="0" lang="ko-KR" altLang="en-US" sz="1500" dirty="0">
+                  <a:solidFill>
+                    <a:schemeClr val="bg1"/>
+                  </a:solidFill>
+                  <a:latin typeface="여기어때 잘난체 OTF" panose="020B0600000101010101" pitchFamily="34" charset="-127"/>
+                  <a:ea typeface="여기어때 잘난체 OTF" panose="020B0600000101010101" pitchFamily="34" charset="-127"/>
+                </a:rPr>
+                <a:t>내용</a:t>
+              </a:r>
+            </a:p>
+          </p:txBody>
+        </p:sp>
+        <p:sp>
+          <p:nvSpPr>
+            <p:cNvPr id="31" name="양쪽 모서리가 둥근 사각형 27">
+              <a:extLst>
+                <a:ext uri="{FF2B5EF4-FFF2-40B4-BE49-F238E27FC236}">
+                  <a16:creationId xmlns:a16="http://schemas.microsoft.com/office/drawing/2014/main" id="{6E4C51D2-BD74-4B31-B402-20B3733A91E0}"/>
+                </a:ext>
+              </a:extLst>
+            </p:cNvPr>
+            <p:cNvSpPr/>
+            <p:nvPr/>
+          </p:nvSpPr>
+          <p:spPr>
+            <a:xfrm rot="16200000" flipH="1">
+              <a:off x="11537041" y="1666816"/>
+              <a:ext cx="863696" cy="370108"/>
+            </a:xfrm>
+            <a:prstGeom prst="round2SameRect">
+              <a:avLst>
+                <a:gd name="adj1" fmla="val 50000"/>
+                <a:gd name="adj2" fmla="val 0"/>
+              </a:avLst>
+            </a:prstGeom>
+            <a:solidFill>
+              <a:schemeClr val="bg1">
+                <a:lumMod val="85000"/>
+              </a:schemeClr>
+            </a:solidFill>
+            <a:ln>
+              <a:solidFill>
+                <a:schemeClr val="bg1"/>
+              </a:solidFill>
+            </a:ln>
+          </p:spPr>
+          <p:style>
+            <a:lnRef idx="2">
+              <a:schemeClr val="accent1">
+                <a:shade val="50000"/>
+              </a:schemeClr>
+            </a:lnRef>
+            <a:fillRef idx="1">
+              <a:schemeClr val="accent1"/>
+            </a:fillRef>
+            <a:effectRef idx="0">
+              <a:schemeClr val="accent1"/>
+            </a:effectRef>
+            <a:fontRef idx="minor">
+              <a:schemeClr val="lt1"/>
+            </a:fontRef>
+          </p:style>
+          <p:txBody>
+            <a:bodyPr anchor="ctr"/>
+            <a:lstStyle/>
+            <a:p>
+              <a:pPr algn="ctr" eaLnBrk="1" fontAlgn="auto" latinLnBrk="1" hangingPunct="1">
+                <a:spcBef>
+                  <a:spcPts val="0"/>
+                </a:spcBef>
+                <a:spcAft>
+                  <a:spcPts val="0"/>
+                </a:spcAft>
+                <a:defRPr/>
+              </a:pPr>
+              <a:r>
+                <a:rPr kumimoji="0" lang="ko-KR" altLang="en-US" sz="1500" dirty="0" err="1">
+                  <a:solidFill>
+                    <a:schemeClr val="tx1">
+                      <a:lumMod val="85000"/>
+                      <a:lumOff val="15000"/>
+                    </a:schemeClr>
+                  </a:solidFill>
+                  <a:latin typeface="여기어때 잘난체 OTF" pitchFamily="34" charset="-127"/>
+                  <a:ea typeface="여기어때 잘난체 OTF" pitchFamily="34" charset="-127"/>
+                </a:rPr>
+                <a:t>구현화면</a:t>
+              </a:r>
+              <a:endParaRPr kumimoji="0" lang="ko-KR" altLang="en-US" sz="1500" dirty="0">
+                <a:solidFill>
+                  <a:schemeClr val="tx1">
+                    <a:lumMod val="85000"/>
+                    <a:lumOff val="15000"/>
+                  </a:schemeClr>
+                </a:solidFill>
+                <a:latin typeface="여기어때 잘난체 OTF" pitchFamily="34" charset="-127"/>
+                <a:ea typeface="여기어때 잘난체 OTF" pitchFamily="34" charset="-127"/>
               </a:endParaRPr>
             </a:p>
           </p:txBody>
         </p:sp>
       </p:grpSp>
-      <p:sp>
-        <p:nvSpPr>
-          <p:cNvPr id="54" name="직사각형 53">
-            <a:extLst>
-              <a:ext uri="{FF2B5EF4-FFF2-40B4-BE49-F238E27FC236}">
-                <a16:creationId xmlns:a16="http://schemas.microsoft.com/office/drawing/2014/main" id="{93E9F97F-DDC5-483B-A3E2-54B9554CC0CE}"/>
-              </a:ext>
-            </a:extLst>
-          </p:cNvPr>
-          <p:cNvSpPr/>
-          <p:nvPr/>
-        </p:nvSpPr>
-        <p:spPr>
-          <a:xfrm>
-            <a:off x="2935019" y="3321111"/>
-            <a:ext cx="1300084" cy="889160"/>
-          </a:xfrm>
-          <a:prstGeom prst="rect">
-            <a:avLst/>
-          </a:prstGeom>
-          <a:solidFill>
-            <a:srgbClr val="1F3863"/>
-          </a:solidFill>
-          <a:effectLst>
-            <a:outerShdw blurRad="50800" dist="38100" algn="l" rotWithShape="0">
-              <a:prstClr val="black">
-                <a:alpha val="40000"/>
-              </a:prstClr>
-            </a:outerShdw>
-          </a:effectLst>
-        </p:spPr>
-        <p:style>
-          <a:lnRef idx="2">
-            <a:schemeClr val="accent1">
-              <a:shade val="50000"/>
-            </a:schemeClr>
-          </a:lnRef>
-          <a:fillRef idx="1">
-            <a:schemeClr val="accent1"/>
-          </a:fillRef>
-          <a:effectRef idx="0">
-            <a:schemeClr val="accent1"/>
-          </a:effectRef>
-          <a:fontRef idx="minor">
-            <a:schemeClr val="lt1"/>
-          </a:fontRef>
-        </p:style>
-        <p:txBody>
-          <a:bodyPr rtlCol="0" anchor="t" anchorCtr="0"/>
-          <a:lstStyle/>
-          <a:p>
-            <a:pPr algn="ctr"/>
-            <a:r>
-              <a:rPr lang="ko-KR" altLang="en-US" sz="1200">
-                <a:latin typeface="나눔고딕" panose="020D0604000000000000" pitchFamily="50" charset="-127"/>
-                <a:ea typeface="나눔고딕" panose="020D0604000000000000" pitchFamily="50" charset="-127"/>
-              </a:rPr>
-              <a:t>관리자 </a:t>
-            </a:r>
-            <a:r>
-              <a:rPr lang="en-US" altLang="ko-KR" sz="1200">
-                <a:latin typeface="나눔고딕" panose="020D0604000000000000" pitchFamily="50" charset="-127"/>
-                <a:ea typeface="나눔고딕" panose="020D0604000000000000" pitchFamily="50" charset="-127"/>
-              </a:rPr>
-              <a:t>PC</a:t>
-            </a:r>
-          </a:p>
-          <a:p>
-            <a:pPr algn="ctr"/>
-            <a:endParaRPr lang="ko-KR" altLang="en-US" sz="1200">
-              <a:latin typeface="나눔고딕" panose="020D0604000000000000" pitchFamily="50" charset="-127"/>
-              <a:ea typeface="나눔고딕" panose="020D0604000000000000" pitchFamily="50" charset="-127"/>
-            </a:endParaRPr>
-          </a:p>
-        </p:txBody>
-      </p:sp>
-      <p:sp>
-        <p:nvSpPr>
-          <p:cNvPr id="56" name="직사각형 55">
-            <a:extLst>
-              <a:ext uri="{FF2B5EF4-FFF2-40B4-BE49-F238E27FC236}">
-                <a16:creationId xmlns:a16="http://schemas.microsoft.com/office/drawing/2014/main" id="{43766508-BB1E-4FCA-A148-E747D258F265}"/>
-              </a:ext>
-            </a:extLst>
-          </p:cNvPr>
-          <p:cNvSpPr/>
-          <p:nvPr/>
-        </p:nvSpPr>
-        <p:spPr>
-          <a:xfrm>
-            <a:off x="3154983" y="3567164"/>
-            <a:ext cx="937760" cy="485722"/>
-          </a:xfrm>
-          <a:prstGeom prst="rect">
-            <a:avLst/>
-          </a:prstGeom>
-          <a:solidFill>
-            <a:schemeClr val="bg1"/>
-          </a:solidFill>
-          <a:ln>
-            <a:solidFill>
-              <a:srgbClr val="1F3863"/>
-            </a:solidFill>
-          </a:ln>
-        </p:spPr>
-        <p:style>
-          <a:lnRef idx="2">
-            <a:schemeClr val="accent1">
-              <a:shade val="50000"/>
-            </a:schemeClr>
-          </a:lnRef>
-          <a:fillRef idx="1">
-            <a:schemeClr val="accent1"/>
-          </a:fillRef>
-          <a:effectRef idx="0">
-            <a:schemeClr val="accent1"/>
-          </a:effectRef>
-          <a:fontRef idx="minor">
-            <a:schemeClr val="lt1"/>
-          </a:fontRef>
-        </p:style>
-        <p:txBody>
-          <a:bodyPr rtlCol="0" anchor="ctr"/>
-          <a:lstStyle/>
-          <a:p>
-            <a:pPr algn="ctr"/>
-            <a:r>
-              <a:rPr lang="en-US" altLang="ko-KR" sz="1000" b="1">
-                <a:solidFill>
-                  <a:schemeClr val="tx1"/>
-                </a:solidFill>
-                <a:latin typeface="나눔고딕" panose="020D0604000000000000" pitchFamily="50" charset="-127"/>
-                <a:ea typeface="나눔고딕" panose="020D0604000000000000" pitchFamily="50" charset="-127"/>
-              </a:rPr>
-              <a:t>Winodw Application</a:t>
-            </a:r>
-            <a:endParaRPr lang="ko-KR" altLang="en-US" sz="1000" b="1">
-              <a:solidFill>
-                <a:schemeClr val="tx1"/>
-              </a:solidFill>
-              <a:latin typeface="나눔고딕" panose="020D0604000000000000" pitchFamily="50" charset="-127"/>
-              <a:ea typeface="나눔고딕" panose="020D0604000000000000" pitchFamily="50" charset="-127"/>
-            </a:endParaRPr>
-          </a:p>
-        </p:txBody>
-      </p:sp>
-      <p:sp>
-        <p:nvSpPr>
-          <p:cNvPr id="57" name="직사각형 56">
-            <a:extLst>
-              <a:ext uri="{FF2B5EF4-FFF2-40B4-BE49-F238E27FC236}">
-                <a16:creationId xmlns:a16="http://schemas.microsoft.com/office/drawing/2014/main" id="{9914CCFF-E6FE-4935-AC75-0C739074A7E7}"/>
-              </a:ext>
-            </a:extLst>
-          </p:cNvPr>
-          <p:cNvSpPr/>
-          <p:nvPr/>
-        </p:nvSpPr>
-        <p:spPr>
-          <a:xfrm>
-            <a:off x="5615608" y="3308551"/>
-            <a:ext cx="1386332" cy="914278"/>
-          </a:xfrm>
-          <a:prstGeom prst="rect">
-            <a:avLst/>
-          </a:prstGeom>
-          <a:solidFill>
-            <a:srgbClr val="1F3863"/>
-          </a:solidFill>
-          <a:effectLst>
-            <a:outerShdw blurRad="50800" dist="38100" algn="l" rotWithShape="0">
-              <a:prstClr val="black">
-                <a:alpha val="40000"/>
-              </a:prstClr>
-            </a:outerShdw>
-          </a:effectLst>
-        </p:spPr>
-        <p:style>
-          <a:lnRef idx="2">
-            <a:schemeClr val="accent1">
-              <a:shade val="50000"/>
-            </a:schemeClr>
-          </a:lnRef>
-          <a:fillRef idx="1">
-            <a:schemeClr val="accent1"/>
-          </a:fillRef>
-          <a:effectRef idx="0">
-            <a:schemeClr val="accent1"/>
-          </a:effectRef>
-          <a:fontRef idx="minor">
-            <a:schemeClr val="lt1"/>
-          </a:fontRef>
-        </p:style>
-        <p:txBody>
-          <a:bodyPr rtlCol="0" anchor="t" anchorCtr="0"/>
-          <a:lstStyle/>
-          <a:p>
-            <a:pPr algn="ctr"/>
-            <a:r>
-              <a:rPr lang="ko-KR" altLang="en-US" sz="1200">
-                <a:latin typeface="나눔고딕" panose="020D0604000000000000" pitchFamily="50" charset="-127"/>
-                <a:ea typeface="나눔고딕" panose="020D0604000000000000" pitchFamily="50" charset="-127"/>
-              </a:rPr>
-              <a:t>현장 작업용 </a:t>
-            </a:r>
-            <a:r>
-              <a:rPr lang="en-US" altLang="ko-KR" sz="1200">
-                <a:latin typeface="나눔고딕" panose="020D0604000000000000" pitchFamily="50" charset="-127"/>
-                <a:ea typeface="나눔고딕" panose="020D0604000000000000" pitchFamily="50" charset="-127"/>
-              </a:rPr>
-              <a:t>PC</a:t>
-            </a:r>
-          </a:p>
-          <a:p>
-            <a:pPr algn="ctr"/>
-            <a:endParaRPr lang="ko-KR" altLang="en-US" sz="1200">
-              <a:latin typeface="나눔고딕" panose="020D0604000000000000" pitchFamily="50" charset="-127"/>
-              <a:ea typeface="나눔고딕" panose="020D0604000000000000" pitchFamily="50" charset="-127"/>
-            </a:endParaRPr>
-          </a:p>
-        </p:txBody>
-      </p:sp>
-      <p:sp>
-        <p:nvSpPr>
-          <p:cNvPr id="58" name="직사각형 57">
-            <a:extLst>
-              <a:ext uri="{FF2B5EF4-FFF2-40B4-BE49-F238E27FC236}">
-                <a16:creationId xmlns:a16="http://schemas.microsoft.com/office/drawing/2014/main" id="{A5A362AD-698B-4108-83E2-B695B4B5861F}"/>
-              </a:ext>
-            </a:extLst>
-          </p:cNvPr>
-          <p:cNvSpPr/>
-          <p:nvPr/>
-        </p:nvSpPr>
-        <p:spPr>
-          <a:xfrm>
-            <a:off x="5846166" y="3574815"/>
-            <a:ext cx="944450" cy="485722"/>
-          </a:xfrm>
-          <a:prstGeom prst="rect">
-            <a:avLst/>
-          </a:prstGeom>
-          <a:solidFill>
-            <a:schemeClr val="bg1"/>
-          </a:solidFill>
-          <a:ln>
-            <a:solidFill>
-              <a:srgbClr val="1F3863"/>
-            </a:solidFill>
-          </a:ln>
-        </p:spPr>
-        <p:style>
-          <a:lnRef idx="2">
-            <a:schemeClr val="accent1">
-              <a:shade val="50000"/>
-            </a:schemeClr>
-          </a:lnRef>
-          <a:fillRef idx="1">
-            <a:schemeClr val="accent1"/>
-          </a:fillRef>
-          <a:effectRef idx="0">
-            <a:schemeClr val="accent1"/>
-          </a:effectRef>
-          <a:fontRef idx="minor">
-            <a:schemeClr val="lt1"/>
-          </a:fontRef>
-        </p:style>
-        <p:txBody>
-          <a:bodyPr rtlCol="0" anchor="ctr"/>
-          <a:lstStyle/>
-          <a:p>
-            <a:pPr algn="ctr"/>
-            <a:r>
-              <a:rPr lang="en-US" altLang="ko-KR" sz="1000" b="1">
-                <a:solidFill>
-                  <a:schemeClr val="tx1"/>
-                </a:solidFill>
-                <a:latin typeface="나눔고딕" panose="020D0604000000000000" pitchFamily="50" charset="-127"/>
-                <a:ea typeface="나눔고딕" panose="020D0604000000000000" pitchFamily="50" charset="-127"/>
-              </a:rPr>
-              <a:t>POP Application</a:t>
-            </a:r>
-            <a:endParaRPr lang="ko-KR" altLang="en-US" sz="1000" b="1">
-              <a:solidFill>
-                <a:schemeClr val="tx1"/>
-              </a:solidFill>
-              <a:latin typeface="나눔고딕" panose="020D0604000000000000" pitchFamily="50" charset="-127"/>
-              <a:ea typeface="나눔고딕" panose="020D0604000000000000" pitchFamily="50" charset="-127"/>
-            </a:endParaRPr>
-          </a:p>
-        </p:txBody>
-      </p:sp>
     </p:spTree>
-    <p:extLst>
-      <p:ext uri="{BB962C8B-B14F-4D97-AF65-F5344CB8AC3E}">
-        <p14:creationId xmlns:p14="http://schemas.microsoft.com/office/powerpoint/2010/main" val="4066943305"/>
-      </p:ext>
-    </p:extLst>
   </p:cSld>
   <p:clrMapOvr>
     <a:masterClrMapping/>
@@ -41816,7 +38649,7 @@
 </file>
 
 <file path=ppt/slides/slide9.xml><?xml version="1.0" encoding="utf-8"?>
-<p:sld xmlns:a="http://schemas.openxmlformats.org/drawingml/2006/main" xmlns:r="http://schemas.openxmlformats.org/officeDocument/2006/relationships" xmlns:p="http://schemas.openxmlformats.org/presentationml/2006/main" show="0">
+<p:sld xmlns:a="http://schemas.openxmlformats.org/drawingml/2006/main" xmlns:r="http://schemas.openxmlformats.org/officeDocument/2006/relationships" xmlns:p="http://schemas.openxmlformats.org/presentationml/2006/main">
   <p:cSld>
     <p:spTree>
       <p:nvGrpSpPr>
@@ -41832,620 +38665,42 @@
           <a:chExt cx="0" cy="0"/>
         </a:xfrm>
       </p:grpSpPr>
-      <p:cxnSp>
-        <p:nvCxnSpPr>
-          <p:cNvPr id="4" name="연결선: 꺾임 3">
-            <a:extLst>
-              <a:ext uri="{FF2B5EF4-FFF2-40B4-BE49-F238E27FC236}">
-                <a16:creationId xmlns:a16="http://schemas.microsoft.com/office/drawing/2014/main" id="{6068BA27-CD0D-4C3E-B2BC-125EB628534E}"/>
-              </a:ext>
-            </a:extLst>
-          </p:cNvPr>
-          <p:cNvCxnSpPr>
-            <a:cxnSpLocks/>
-            <a:stCxn id="8" idx="2"/>
-            <a:endCxn id="13" idx="2"/>
-          </p:cNvCxnSpPr>
-          <p:nvPr/>
-        </p:nvCxnSpPr>
-        <p:spPr>
-          <a:xfrm rot="5400000">
-            <a:off x="4815158" y="2347389"/>
-            <a:ext cx="18816" cy="1744607"/>
-          </a:xfrm>
-          <a:prstGeom prst="bentConnector3">
-            <a:avLst>
-              <a:gd name="adj1" fmla="val 6124402"/>
-            </a:avLst>
-          </a:prstGeom>
-          <a:ln>
-            <a:solidFill>
-              <a:srgbClr val="004D86"/>
-            </a:solidFill>
-            <a:tailEnd type="triangle"/>
-          </a:ln>
-        </p:spPr>
-        <p:style>
-          <a:lnRef idx="3">
-            <a:schemeClr val="accent1"/>
-          </a:lnRef>
-          <a:fillRef idx="0">
-            <a:schemeClr val="accent1"/>
-          </a:fillRef>
-          <a:effectRef idx="2">
-            <a:schemeClr val="accent1"/>
-          </a:effectRef>
-          <a:fontRef idx="minor">
-            <a:schemeClr val="tx1"/>
-          </a:fontRef>
-        </p:style>
-      </p:cxnSp>
-      <p:cxnSp>
-        <p:nvCxnSpPr>
-          <p:cNvPr id="5" name="연결선: 꺾임 4">
-            <a:extLst>
-              <a:ext uri="{FF2B5EF4-FFF2-40B4-BE49-F238E27FC236}">
-                <a16:creationId xmlns:a16="http://schemas.microsoft.com/office/drawing/2014/main" id="{E58D5B9E-3073-4AEC-91D2-4C9E7D3E1A2A}"/>
-              </a:ext>
-            </a:extLst>
-          </p:cNvPr>
-          <p:cNvCxnSpPr>
-            <a:cxnSpLocks/>
-            <a:stCxn id="8" idx="0"/>
-            <a:endCxn id="9" idx="0"/>
-          </p:cNvCxnSpPr>
-          <p:nvPr/>
-        </p:nvCxnSpPr>
-        <p:spPr>
-          <a:xfrm rot="5400000" flipH="1" flipV="1">
-            <a:off x="6870828" y="1331412"/>
-            <a:ext cx="30003" cy="2377916"/>
-          </a:xfrm>
-          <a:prstGeom prst="bentConnector3">
-            <a:avLst>
-              <a:gd name="adj1" fmla="val 1812347"/>
-            </a:avLst>
-          </a:prstGeom>
-          <a:ln>
-            <a:solidFill>
-              <a:srgbClr val="004D86"/>
-            </a:solidFill>
-            <a:tailEnd type="triangle"/>
-          </a:ln>
-        </p:spPr>
-        <p:style>
-          <a:lnRef idx="3">
-            <a:schemeClr val="accent1"/>
-          </a:lnRef>
-          <a:fillRef idx="0">
-            <a:schemeClr val="accent1"/>
-          </a:fillRef>
-          <a:effectRef idx="2">
-            <a:schemeClr val="accent1"/>
-          </a:effectRef>
-          <a:fontRef idx="minor">
-            <a:schemeClr val="tx1"/>
-          </a:fontRef>
-        </p:style>
-      </p:cxnSp>
       <p:sp>
         <p:nvSpPr>
-          <p:cNvPr id="7" name="직사각형 6">
-            <a:extLst>
-              <a:ext uri="{FF2B5EF4-FFF2-40B4-BE49-F238E27FC236}">
-                <a16:creationId xmlns:a16="http://schemas.microsoft.com/office/drawing/2014/main" id="{C0F36E01-70AE-48DD-A601-4A11DBBD7F3E}"/>
-              </a:ext>
-            </a:extLst>
-          </p:cNvPr>
+          <p:cNvPr id="13" name="직사각형 12"/>
           <p:cNvSpPr/>
           <p:nvPr/>
         </p:nvSpPr>
         <p:spPr>
           <a:xfrm>
-            <a:off x="1648018" y="2535369"/>
-            <a:ext cx="1439486" cy="674913"/>
+            <a:off x="0" y="-4763"/>
+            <a:ext cx="12192000" cy="620713"/>
           </a:xfrm>
           <a:prstGeom prst="rect">
             <a:avLst/>
           </a:prstGeom>
-          <a:solidFill>
-            <a:srgbClr val="1F3863"/>
-          </a:solidFill>
+          <a:gradFill>
+            <a:gsLst>
+              <a:gs pos="0">
+                <a:schemeClr val="tx1">
+                  <a:lumMod val="65000"/>
+                  <a:lumOff val="35000"/>
+                </a:schemeClr>
+              </a:gs>
+              <a:gs pos="100000">
+                <a:schemeClr val="bg1">
+                  <a:lumMod val="95000"/>
+                </a:schemeClr>
+              </a:gs>
+              <a:gs pos="40000">
+                <a:schemeClr val="bg1">
+                  <a:lumMod val="75000"/>
+                </a:schemeClr>
+              </a:gs>
+            </a:gsLst>
+            <a:lin ang="0" scaled="1"/>
+          </a:gradFill>
           <a:ln>
-            <a:solidFill>
-              <a:srgbClr val="1F3863"/>
-            </a:solidFill>
-          </a:ln>
-        </p:spPr>
-        <p:style>
-          <a:lnRef idx="2">
-            <a:schemeClr val="accent4">
-              <a:shade val="50000"/>
-            </a:schemeClr>
-          </a:lnRef>
-          <a:fillRef idx="1">
-            <a:schemeClr val="accent4"/>
-          </a:fillRef>
-          <a:effectRef idx="0">
-            <a:schemeClr val="accent4"/>
-          </a:effectRef>
-          <a:fontRef idx="minor">
-            <a:schemeClr val="lt1"/>
-          </a:fontRef>
-        </p:style>
-        <p:txBody>
-          <a:bodyPr rtlCol="0" anchor="ctr"/>
-          <a:lstStyle/>
-          <a:p>
-            <a:pPr algn="ctr"/>
-            <a:r>
-              <a:rPr lang="ko-KR" altLang="en-US" sz="1801">
-                <a:latin typeface="나눔고딕" panose="020D0604000000000000" pitchFamily="50" charset="-127"/>
-                <a:ea typeface="나눔고딕" panose="020D0604000000000000" pitchFamily="50" charset="-127"/>
-              </a:rPr>
-              <a:t>사용자 </a:t>
-            </a:r>
-            <a:endParaRPr lang="en-US" altLang="ko-KR" sz="1801">
-              <a:latin typeface="나눔고딕" panose="020D0604000000000000" pitchFamily="50" charset="-127"/>
-              <a:ea typeface="나눔고딕" panose="020D0604000000000000" pitchFamily="50" charset="-127"/>
-            </a:endParaRPr>
-          </a:p>
-          <a:p>
-            <a:pPr algn="ctr"/>
-            <a:r>
-              <a:rPr lang="ko-KR" altLang="en-US" sz="1801">
-                <a:latin typeface="나눔고딕" panose="020D0604000000000000" pitchFamily="50" charset="-127"/>
-                <a:ea typeface="나눔고딕" panose="020D0604000000000000" pitchFamily="50" charset="-127"/>
-              </a:rPr>
-              <a:t>인터페이스</a:t>
-            </a:r>
-          </a:p>
-        </p:txBody>
-      </p:sp>
-      <p:sp>
-        <p:nvSpPr>
-          <p:cNvPr id="8" name="직사각형 7">
-            <a:extLst>
-              <a:ext uri="{FF2B5EF4-FFF2-40B4-BE49-F238E27FC236}">
-                <a16:creationId xmlns:a16="http://schemas.microsoft.com/office/drawing/2014/main" id="{9E38880C-5908-4430-8109-2248377F5D26}"/>
-              </a:ext>
-            </a:extLst>
-          </p:cNvPr>
-          <p:cNvSpPr/>
-          <p:nvPr/>
-        </p:nvSpPr>
-        <p:spPr>
-          <a:xfrm>
-            <a:off x="4977126" y="2535371"/>
-            <a:ext cx="1439486" cy="674913"/>
-          </a:xfrm>
-          <a:prstGeom prst="rect">
-            <a:avLst/>
-          </a:prstGeom>
-          <a:solidFill>
-            <a:srgbClr val="1F3863"/>
-          </a:solidFill>
-          <a:ln>
-            <a:solidFill>
-              <a:srgbClr val="1F3863"/>
-            </a:solidFill>
-          </a:ln>
-        </p:spPr>
-        <p:style>
-          <a:lnRef idx="2">
-            <a:schemeClr val="accent4">
-              <a:shade val="50000"/>
-            </a:schemeClr>
-          </a:lnRef>
-          <a:fillRef idx="1">
-            <a:schemeClr val="accent4"/>
-          </a:fillRef>
-          <a:effectRef idx="0">
-            <a:schemeClr val="accent4"/>
-          </a:effectRef>
-          <a:fontRef idx="minor">
-            <a:schemeClr val="lt1"/>
-          </a:fontRef>
-        </p:style>
-        <p:txBody>
-          <a:bodyPr rtlCol="0" anchor="ctr"/>
-          <a:lstStyle/>
-          <a:p>
-            <a:pPr algn="ctr"/>
-            <a:r>
-              <a:rPr lang="en-US" altLang="ko-KR" sz="1801">
-                <a:latin typeface="나눔고딕" panose="020D0604000000000000" pitchFamily="50" charset="-127"/>
-                <a:ea typeface="나눔고딕" panose="020D0604000000000000" pitchFamily="50" charset="-127"/>
-              </a:rPr>
-              <a:t>VO</a:t>
-            </a:r>
-            <a:endParaRPr lang="ko-KR" altLang="en-US" sz="1801">
-              <a:latin typeface="나눔고딕" panose="020D0604000000000000" pitchFamily="50" charset="-127"/>
-              <a:ea typeface="나눔고딕" panose="020D0604000000000000" pitchFamily="50" charset="-127"/>
-            </a:endParaRPr>
-          </a:p>
-        </p:txBody>
-      </p:sp>
-      <p:sp>
-        <p:nvSpPr>
-          <p:cNvPr id="9" name="직사각형 8">
-            <a:extLst>
-              <a:ext uri="{FF2B5EF4-FFF2-40B4-BE49-F238E27FC236}">
-                <a16:creationId xmlns:a16="http://schemas.microsoft.com/office/drawing/2014/main" id="{66742BBA-6AB5-4997-AECE-C12EC5F4FF96}"/>
-              </a:ext>
-            </a:extLst>
-          </p:cNvPr>
-          <p:cNvSpPr/>
-          <p:nvPr/>
-        </p:nvSpPr>
-        <p:spPr>
-          <a:xfrm>
-            <a:off x="7355042" y="2505368"/>
-            <a:ext cx="1439486" cy="674913"/>
-          </a:xfrm>
-          <a:prstGeom prst="rect">
-            <a:avLst/>
-          </a:prstGeom>
-          <a:solidFill>
-            <a:srgbClr val="1F3863"/>
-          </a:solidFill>
-          <a:ln>
-            <a:solidFill>
-              <a:srgbClr val="1F3863"/>
-            </a:solidFill>
-          </a:ln>
-        </p:spPr>
-        <p:style>
-          <a:lnRef idx="2">
-            <a:schemeClr val="accent4">
-              <a:shade val="50000"/>
-            </a:schemeClr>
-          </a:lnRef>
-          <a:fillRef idx="1">
-            <a:schemeClr val="accent4"/>
-          </a:fillRef>
-          <a:effectRef idx="0">
-            <a:schemeClr val="accent4"/>
-          </a:effectRef>
-          <a:fontRef idx="minor">
-            <a:schemeClr val="lt1"/>
-          </a:fontRef>
-        </p:style>
-        <p:txBody>
-          <a:bodyPr rtlCol="0" anchor="ctr"/>
-          <a:lstStyle/>
-          <a:p>
-            <a:pPr algn="ctr"/>
-            <a:r>
-              <a:rPr lang="en-US" altLang="ko-KR" sz="1801">
-                <a:latin typeface="나눔고딕" panose="020D0604000000000000" pitchFamily="50" charset="-127"/>
-                <a:ea typeface="나눔고딕" panose="020D0604000000000000" pitchFamily="50" charset="-127"/>
-              </a:rPr>
-              <a:t>DAC</a:t>
-            </a:r>
-            <a:endParaRPr lang="ko-KR" altLang="en-US" sz="1801">
-              <a:latin typeface="나눔고딕" panose="020D0604000000000000" pitchFamily="50" charset="-127"/>
-              <a:ea typeface="나눔고딕" panose="020D0604000000000000" pitchFamily="50" charset="-127"/>
-            </a:endParaRPr>
-          </a:p>
-        </p:txBody>
-      </p:sp>
-      <p:cxnSp>
-        <p:nvCxnSpPr>
-          <p:cNvPr id="11" name="연결선: 꺾임 10">
-            <a:extLst>
-              <a:ext uri="{FF2B5EF4-FFF2-40B4-BE49-F238E27FC236}">
-                <a16:creationId xmlns:a16="http://schemas.microsoft.com/office/drawing/2014/main" id="{CD1375CF-CEBB-4E59-BA9A-249C6BCA0789}"/>
-              </a:ext>
-            </a:extLst>
-          </p:cNvPr>
-          <p:cNvCxnSpPr>
-            <a:cxnSpLocks/>
-            <a:endCxn id="9" idx="2"/>
-          </p:cNvCxnSpPr>
-          <p:nvPr/>
-        </p:nvCxnSpPr>
-        <p:spPr>
-          <a:xfrm rot="5400000" flipH="1">
-            <a:off x="9179882" y="2075182"/>
-            <a:ext cx="345391" cy="2555587"/>
-          </a:xfrm>
-          <a:prstGeom prst="bentConnector3">
-            <a:avLst>
-              <a:gd name="adj1" fmla="val -241749"/>
-            </a:avLst>
-          </a:prstGeom>
-          <a:ln>
-            <a:solidFill>
-              <a:srgbClr val="004D86"/>
-            </a:solidFill>
-            <a:tailEnd type="triangle"/>
-          </a:ln>
-        </p:spPr>
-        <p:style>
-          <a:lnRef idx="3">
-            <a:schemeClr val="accent1"/>
-          </a:lnRef>
-          <a:fillRef idx="0">
-            <a:schemeClr val="accent1"/>
-          </a:fillRef>
-          <a:effectRef idx="2">
-            <a:schemeClr val="accent1"/>
-          </a:effectRef>
-          <a:fontRef idx="minor">
-            <a:schemeClr val="tx1"/>
-          </a:fontRef>
-        </p:style>
-      </p:cxnSp>
-      <p:cxnSp>
-        <p:nvCxnSpPr>
-          <p:cNvPr id="12" name="연결선: 꺾임 11">
-            <a:extLst>
-              <a:ext uri="{FF2B5EF4-FFF2-40B4-BE49-F238E27FC236}">
-                <a16:creationId xmlns:a16="http://schemas.microsoft.com/office/drawing/2014/main" id="{90D5818F-A25B-40A8-B385-484B98010005}"/>
-              </a:ext>
-            </a:extLst>
-          </p:cNvPr>
-          <p:cNvCxnSpPr>
-            <a:stCxn id="9" idx="0"/>
-            <a:endCxn id="8" idx="0"/>
-          </p:cNvCxnSpPr>
-          <p:nvPr/>
-        </p:nvCxnSpPr>
-        <p:spPr>
-          <a:xfrm rot="16200000" flipH="1" flipV="1">
-            <a:off x="6870826" y="1331410"/>
-            <a:ext cx="30003" cy="2377916"/>
-          </a:xfrm>
-          <a:prstGeom prst="bentConnector3">
-            <a:avLst>
-              <a:gd name="adj1" fmla="val -2746762"/>
-            </a:avLst>
-          </a:prstGeom>
-          <a:ln>
-            <a:solidFill>
-              <a:srgbClr val="004D86"/>
-            </a:solidFill>
-            <a:tailEnd type="triangle"/>
-          </a:ln>
-        </p:spPr>
-        <p:style>
-          <a:lnRef idx="3">
-            <a:schemeClr val="accent1"/>
-          </a:lnRef>
-          <a:fillRef idx="0">
-            <a:schemeClr val="accent1"/>
-          </a:fillRef>
-          <a:effectRef idx="2">
-            <a:schemeClr val="accent1"/>
-          </a:effectRef>
-          <a:fontRef idx="minor">
-            <a:schemeClr val="tx1"/>
-          </a:fontRef>
-        </p:style>
-      </p:cxnSp>
-      <p:sp>
-        <p:nvSpPr>
-          <p:cNvPr id="13" name="직사각형 12">
-            <a:extLst>
-              <a:ext uri="{FF2B5EF4-FFF2-40B4-BE49-F238E27FC236}">
-                <a16:creationId xmlns:a16="http://schemas.microsoft.com/office/drawing/2014/main" id="{66BDDE9F-26FF-4FC6-BDA6-FC063731457D}"/>
-              </a:ext>
-            </a:extLst>
-          </p:cNvPr>
-          <p:cNvSpPr/>
-          <p:nvPr/>
-        </p:nvSpPr>
-        <p:spPr>
-          <a:xfrm>
-            <a:off x="3232519" y="2554186"/>
-            <a:ext cx="1439486" cy="674913"/>
-          </a:xfrm>
-          <a:prstGeom prst="rect">
-            <a:avLst/>
-          </a:prstGeom>
-          <a:solidFill>
-            <a:srgbClr val="1F3863"/>
-          </a:solidFill>
-          <a:ln>
-            <a:solidFill>
-              <a:srgbClr val="1F3863"/>
-            </a:solidFill>
-          </a:ln>
-        </p:spPr>
-        <p:style>
-          <a:lnRef idx="2">
-            <a:schemeClr val="accent4">
-              <a:shade val="50000"/>
-            </a:schemeClr>
-          </a:lnRef>
-          <a:fillRef idx="1">
-            <a:schemeClr val="accent4"/>
-          </a:fillRef>
-          <a:effectRef idx="0">
-            <a:schemeClr val="accent4"/>
-          </a:effectRef>
-          <a:fontRef idx="minor">
-            <a:schemeClr val="lt1"/>
-          </a:fontRef>
-        </p:style>
-        <p:txBody>
-          <a:bodyPr rtlCol="0" anchor="ctr"/>
-          <a:lstStyle/>
-          <a:p>
-            <a:pPr algn="ctr"/>
-            <a:r>
-              <a:rPr lang="en-US" altLang="ko-KR" sz="1801">
-                <a:latin typeface="나눔고딕" panose="020D0604000000000000" pitchFamily="50" charset="-127"/>
-                <a:ea typeface="나눔고딕" panose="020D0604000000000000" pitchFamily="50" charset="-127"/>
-              </a:rPr>
-              <a:t>Service</a:t>
-            </a:r>
-            <a:endParaRPr lang="ko-KR" altLang="en-US" sz="1801">
-              <a:latin typeface="나눔고딕" panose="020D0604000000000000" pitchFamily="50" charset="-127"/>
-              <a:ea typeface="나눔고딕" panose="020D0604000000000000" pitchFamily="50" charset="-127"/>
-            </a:endParaRPr>
-          </a:p>
-        </p:txBody>
-      </p:sp>
-      <p:sp>
-        <p:nvSpPr>
-          <p:cNvPr id="14" name="직사각형 13">
-            <a:extLst>
-              <a:ext uri="{FF2B5EF4-FFF2-40B4-BE49-F238E27FC236}">
-                <a16:creationId xmlns:a16="http://schemas.microsoft.com/office/drawing/2014/main" id="{5F8B7331-042C-4D5F-82CB-10BA7BF6EF29}"/>
-              </a:ext>
-            </a:extLst>
-          </p:cNvPr>
-          <p:cNvSpPr/>
-          <p:nvPr/>
-        </p:nvSpPr>
-        <p:spPr>
-          <a:xfrm>
-            <a:off x="1359111" y="2158657"/>
-            <a:ext cx="3518786" cy="1397016"/>
-          </a:xfrm>
-          <a:prstGeom prst="rect">
-            <a:avLst/>
-          </a:prstGeom>
-          <a:noFill/>
-        </p:spPr>
-        <p:style>
-          <a:lnRef idx="2">
-            <a:schemeClr val="accent1">
-              <a:shade val="50000"/>
-            </a:schemeClr>
-          </a:lnRef>
-          <a:fillRef idx="1">
-            <a:schemeClr val="accent1"/>
-          </a:fillRef>
-          <a:effectRef idx="0">
-            <a:schemeClr val="accent1"/>
-          </a:effectRef>
-          <a:fontRef idx="minor">
-            <a:schemeClr val="lt1"/>
-          </a:fontRef>
-        </p:style>
-        <p:txBody>
-          <a:bodyPr rtlCol="0" anchor="ctr"/>
-          <a:lstStyle/>
-          <a:p>
-            <a:pPr algn="ctr"/>
-            <a:endParaRPr lang="ko-KR" altLang="en-US" sz="1801">
-              <a:latin typeface="나눔고딕" panose="020D0604000000000000" pitchFamily="50" charset="-127"/>
-              <a:ea typeface="나눔고딕" panose="020D0604000000000000" pitchFamily="50" charset="-127"/>
-            </a:endParaRPr>
-          </a:p>
-        </p:txBody>
-      </p:sp>
-      <p:cxnSp>
-        <p:nvCxnSpPr>
-          <p:cNvPr id="15" name="연결선: 꺾임 14">
-            <a:extLst>
-              <a:ext uri="{FF2B5EF4-FFF2-40B4-BE49-F238E27FC236}">
-                <a16:creationId xmlns:a16="http://schemas.microsoft.com/office/drawing/2014/main" id="{6A813FA1-6999-4149-8F88-9C32CE0D305B}"/>
-              </a:ext>
-            </a:extLst>
-          </p:cNvPr>
-          <p:cNvCxnSpPr>
-            <a:cxnSpLocks/>
-            <a:stCxn id="13" idx="0"/>
-            <a:endCxn id="7" idx="0"/>
-          </p:cNvCxnSpPr>
-          <p:nvPr/>
-        </p:nvCxnSpPr>
-        <p:spPr>
-          <a:xfrm rot="16200000" flipV="1">
-            <a:off x="3150604" y="1752526"/>
-            <a:ext cx="18818" cy="1584502"/>
-          </a:xfrm>
-          <a:prstGeom prst="bentConnector3">
-            <a:avLst>
-              <a:gd name="adj1" fmla="val 4636633"/>
-            </a:avLst>
-          </a:prstGeom>
-          <a:ln>
-            <a:solidFill>
-              <a:srgbClr val="004D86"/>
-            </a:solidFill>
-            <a:tailEnd type="triangle"/>
-          </a:ln>
-        </p:spPr>
-        <p:style>
-          <a:lnRef idx="3">
-            <a:schemeClr val="accent1"/>
-          </a:lnRef>
-          <a:fillRef idx="0">
-            <a:schemeClr val="accent1"/>
-          </a:fillRef>
-          <a:effectRef idx="2">
-            <a:schemeClr val="accent1"/>
-          </a:effectRef>
-          <a:fontRef idx="minor">
-            <a:schemeClr val="tx1"/>
-          </a:fontRef>
-        </p:style>
-      </p:cxnSp>
-      <p:pic>
-        <p:nvPicPr>
-          <p:cNvPr id="17" name="그림 16" descr="방, 머그, 오토만이(가) 표시된 사진&#10;&#10;자동 생성된 설명">
-            <a:extLst>
-              <a:ext uri="{FF2B5EF4-FFF2-40B4-BE49-F238E27FC236}">
-                <a16:creationId xmlns:a16="http://schemas.microsoft.com/office/drawing/2014/main" id="{3A211E02-B447-4E53-A1E8-96AE130B0FA0}"/>
-              </a:ext>
-            </a:extLst>
-          </p:cNvPr>
-          <p:cNvPicPr>
-            <a:picLocks noChangeAspect="1"/>
-          </p:cNvPicPr>
-          <p:nvPr/>
-        </p:nvPicPr>
-        <p:blipFill>
-          <a:blip r:embed="rId2" cstate="print">
-            <a:extLst>
-              <a:ext uri="{28A0092B-C50C-407E-A947-70E740481C1C}">
-                <a14:useLocalDpi xmlns:a14="http://schemas.microsoft.com/office/drawing/2010/main" val="0"/>
-              </a:ext>
-            </a:extLst>
-          </a:blip>
-          <a:stretch>
-            <a:fillRect/>
-          </a:stretch>
-        </p:blipFill>
-        <p:spPr>
-          <a:xfrm>
-            <a:off x="9718942" y="2096526"/>
-            <a:ext cx="1552731" cy="1132574"/>
-          </a:xfrm>
-          <a:prstGeom prst="rect">
-            <a:avLst/>
-          </a:prstGeom>
-        </p:spPr>
-      </p:pic>
-      <p:sp>
-        <p:nvSpPr>
-          <p:cNvPr id="18" name="직사각형 17">
-            <a:extLst>
-              <a:ext uri="{FF2B5EF4-FFF2-40B4-BE49-F238E27FC236}">
-                <a16:creationId xmlns:a16="http://schemas.microsoft.com/office/drawing/2014/main" id="{73223414-6E28-4627-BD8E-D5364DFFCD43}"/>
-              </a:ext>
-            </a:extLst>
-          </p:cNvPr>
-          <p:cNvSpPr/>
-          <p:nvPr/>
-        </p:nvSpPr>
-        <p:spPr>
-          <a:xfrm>
-            <a:off x="9876387" y="3196103"/>
-            <a:ext cx="1332013" cy="465794"/>
-          </a:xfrm>
-          <a:prstGeom prst="rect">
-            <a:avLst/>
-          </a:prstGeom>
-          <a:solidFill>
-            <a:schemeClr val="bg1"/>
-          </a:solidFill>
-          <a:ln w="9525">
             <a:noFill/>
           </a:ln>
         </p:spPr>
@@ -42466,7 +38721,7 @@
           </a:fontRef>
         </p:style>
         <p:txBody>
-          <a:bodyPr lIns="46794" rIns="46794" rtlCol="0" anchor="ctr"/>
+          <a:bodyPr anchor="ctr"/>
           <a:lstStyle/>
           <a:p>
             <a:pPr algn="ctr" eaLnBrk="1" fontAlgn="auto" latinLnBrk="1" hangingPunct="1">
@@ -42476,43 +38731,22 @@
               <a:spcAft>
                 <a:spcPts val="0"/>
               </a:spcAft>
+              <a:defRPr/>
             </a:pPr>
-            <a:r>
-              <a:rPr lang="en-US" altLang="ko-KR" sz="1400">
-                <a:solidFill>
-                  <a:schemeClr val="tx1"/>
-                </a:solidFill>
-                <a:latin typeface="나눔고딕" panose="020D0604000000000000" pitchFamily="50" charset="-127"/>
-                <a:ea typeface="나눔고딕" panose="020D0604000000000000" pitchFamily="50" charset="-127"/>
-              </a:rPr>
-              <a:t>Database</a:t>
-            </a:r>
-            <a:endParaRPr kumimoji="0" lang="en-US" altLang="ko-KR" sz="1400" dirty="0">
-              <a:solidFill>
-                <a:schemeClr val="tx1"/>
-              </a:solidFill>
-              <a:latin typeface="나눔고딕" panose="020D0604000000000000" pitchFamily="50" charset="-127"/>
-              <a:ea typeface="나눔고딕" panose="020D0604000000000000" pitchFamily="50" charset="-127"/>
-            </a:endParaRPr>
+            <a:endParaRPr kumimoji="0" lang="ko-KR" altLang="en-US" dirty="0"/>
           </a:p>
         </p:txBody>
       </p:sp>
       <p:sp>
         <p:nvSpPr>
-          <p:cNvPr id="19" name="TextBox 18">
-            <a:extLst>
-              <a:ext uri="{FF2B5EF4-FFF2-40B4-BE49-F238E27FC236}">
-                <a16:creationId xmlns:a16="http://schemas.microsoft.com/office/drawing/2014/main" id="{FCBDDBC3-7B0D-43DD-8617-EBC0F97ED33B}"/>
-              </a:ext>
-            </a:extLst>
-          </p:cNvPr>
+          <p:cNvPr id="16" name="TextBox 15"/>
           <p:cNvSpPr txBox="1"/>
           <p:nvPr/>
         </p:nvSpPr>
-        <p:spPr>
+        <p:spPr bwMode="auto">
           <a:xfrm>
-            <a:off x="190953" y="122470"/>
-            <a:ext cx="2799985" cy="476992"/>
+            <a:off x="488950" y="765175"/>
+            <a:ext cx="2814638" cy="646113"/>
           </a:xfrm>
           <a:prstGeom prst="rect">
             <a:avLst/>
@@ -42520,32 +38754,1164 @@
           <a:noFill/>
         </p:spPr>
         <p:txBody>
-          <a:bodyPr wrap="square" rtlCol="0">
+          <a:bodyPr wrap="none">
             <a:spAutoFit/>
           </a:bodyPr>
           <a:lstStyle/>
           <a:p>
+            <a:pPr eaLnBrk="1" fontAlgn="auto" latinLnBrk="1" hangingPunct="1">
+              <a:spcBef>
+                <a:spcPts val="0"/>
+              </a:spcBef>
+              <a:spcAft>
+                <a:spcPts val="0"/>
+              </a:spcAft>
+              <a:defRPr/>
+            </a:pPr>
             <a:r>
-              <a:rPr lang="en-US" altLang="ko-KR" sz="2500">
-                <a:latin typeface="나눔고딕 ExtraBold" panose="020D0904000000000000" pitchFamily="50" charset="-127"/>
-                <a:ea typeface="나눔고딕 ExtraBold" panose="020D0904000000000000" pitchFamily="50" charset="-127"/>
+              <a:rPr kumimoji="0" lang="ko-KR" altLang="en-US" sz="3600" spc="-300" dirty="0">
+                <a:solidFill>
+                  <a:schemeClr val="tx1">
+                    <a:lumMod val="75000"/>
+                    <a:lumOff val="25000"/>
+                  </a:schemeClr>
+                </a:solidFill>
+                <a:latin typeface="여기어때 잘난체 OTF" pitchFamily="34" charset="-127"/>
+                <a:ea typeface="여기어때 잘난체 OTF" pitchFamily="34" charset="-127"/>
               </a:rPr>
-              <a:t>3 Tier </a:t>
-            </a:r>
-            <a:r>
-              <a:rPr lang="ko-KR" altLang="en-US" sz="2500">
-                <a:latin typeface="나눔고딕 ExtraBold" panose="020D0904000000000000" pitchFamily="50" charset="-127"/>
-                <a:ea typeface="나눔고딕 ExtraBold" panose="020D0904000000000000" pitchFamily="50" charset="-127"/>
-              </a:rPr>
-              <a:t>구조</a:t>
+              <a:t>프로젝트 내용</a:t>
             </a:r>
           </a:p>
         </p:txBody>
       </p:sp>
+      <p:sp>
+        <p:nvSpPr>
+          <p:cNvPr id="25604" name="Text Placeholder 2"/>
+          <p:cNvSpPr txBox="1">
+            <a:spLocks/>
+          </p:cNvSpPr>
+          <p:nvPr/>
+        </p:nvSpPr>
+        <p:spPr bwMode="auto">
+          <a:xfrm>
+            <a:off x="509588" y="1651000"/>
+            <a:ext cx="7739062" cy="304800"/>
+          </a:xfrm>
+          <a:prstGeom prst="rect">
+            <a:avLst/>
+          </a:prstGeom>
+          <a:noFill/>
+          <a:ln>
+            <a:noFill/>
+          </a:ln>
+          <a:extLst>
+            <a:ext uri="{909E8E84-426E-40DD-AFC4-6F175D3DCCD1}">
+              <a14:hiddenFill xmlns:a14="http://schemas.microsoft.com/office/drawing/2010/main">
+                <a:solidFill>
+                  <a:srgbClr val="FFFFFF"/>
+                </a:solidFill>
+              </a14:hiddenFill>
+            </a:ext>
+            <a:ext uri="{91240B29-F687-4F45-9708-019B960494DF}">
+              <a14:hiddenLine xmlns:a14="http://schemas.microsoft.com/office/drawing/2010/main" w="9525">
+                <a:solidFill>
+                  <a:srgbClr val="000000"/>
+                </a:solidFill>
+                <a:miter lim="800000"/>
+                <a:headEnd/>
+                <a:tailEnd/>
+              </a14:hiddenLine>
+            </a:ext>
+          </a:extLst>
+        </p:spPr>
+        <p:txBody>
+          <a:bodyPr anchor="ctr"/>
+          <a:lstStyle>
+            <a:lvl1pPr latinLnBrk="1">
+              <a:spcBef>
+                <a:spcPct val="20000"/>
+              </a:spcBef>
+              <a:buFont typeface="Arial" panose="020B0604020202020204" pitchFamily="34" charset="0"/>
+              <a:buChar char="•"/>
+              <a:defRPr sz="3200">
+                <a:solidFill>
+                  <a:schemeClr val="tx1"/>
+                </a:solidFill>
+                <a:latin typeface="맑은 고딕" panose="020B0503020000020004" pitchFamily="50" charset="-127"/>
+                <a:ea typeface="맑은 고딕" panose="020B0503020000020004" pitchFamily="50" charset="-127"/>
+              </a:defRPr>
+            </a:lvl1pPr>
+            <a:lvl2pPr marL="742950" indent="-285750" latinLnBrk="1">
+              <a:spcBef>
+                <a:spcPct val="20000"/>
+              </a:spcBef>
+              <a:buFont typeface="Arial" panose="020B0604020202020204" pitchFamily="34" charset="0"/>
+              <a:buChar char="–"/>
+              <a:defRPr sz="2800">
+                <a:solidFill>
+                  <a:schemeClr val="tx1"/>
+                </a:solidFill>
+                <a:latin typeface="맑은 고딕" panose="020B0503020000020004" pitchFamily="50" charset="-127"/>
+                <a:ea typeface="맑은 고딕" panose="020B0503020000020004" pitchFamily="50" charset="-127"/>
+              </a:defRPr>
+            </a:lvl2pPr>
+            <a:lvl3pPr marL="1143000" indent="-228600" latinLnBrk="1">
+              <a:spcBef>
+                <a:spcPct val="20000"/>
+              </a:spcBef>
+              <a:buFont typeface="Arial" panose="020B0604020202020204" pitchFamily="34" charset="0"/>
+              <a:buChar char="•"/>
+              <a:defRPr sz="2400">
+                <a:solidFill>
+                  <a:schemeClr val="tx1"/>
+                </a:solidFill>
+                <a:latin typeface="맑은 고딕" panose="020B0503020000020004" pitchFamily="50" charset="-127"/>
+                <a:ea typeface="맑은 고딕" panose="020B0503020000020004" pitchFamily="50" charset="-127"/>
+              </a:defRPr>
+            </a:lvl3pPr>
+            <a:lvl4pPr marL="1600200" indent="-228600" latinLnBrk="1">
+              <a:spcBef>
+                <a:spcPct val="20000"/>
+              </a:spcBef>
+              <a:buFont typeface="Arial" panose="020B0604020202020204" pitchFamily="34" charset="0"/>
+              <a:buChar char="–"/>
+              <a:defRPr sz="2000">
+                <a:solidFill>
+                  <a:schemeClr val="tx1"/>
+                </a:solidFill>
+                <a:latin typeface="맑은 고딕" panose="020B0503020000020004" pitchFamily="50" charset="-127"/>
+                <a:ea typeface="맑은 고딕" panose="020B0503020000020004" pitchFamily="50" charset="-127"/>
+              </a:defRPr>
+            </a:lvl4pPr>
+            <a:lvl5pPr marL="2057400" indent="-228600" latinLnBrk="1">
+              <a:spcBef>
+                <a:spcPct val="20000"/>
+              </a:spcBef>
+              <a:buFont typeface="Arial" panose="020B0604020202020204" pitchFamily="34" charset="0"/>
+              <a:buChar char="»"/>
+              <a:defRPr sz="2000">
+                <a:solidFill>
+                  <a:schemeClr val="tx1"/>
+                </a:solidFill>
+                <a:latin typeface="맑은 고딕" panose="020B0503020000020004" pitchFamily="50" charset="-127"/>
+                <a:ea typeface="맑은 고딕" panose="020B0503020000020004" pitchFamily="50" charset="-127"/>
+              </a:defRPr>
+            </a:lvl5pPr>
+            <a:lvl6pPr marL="2514600" indent="-228600" eaLnBrk="0" fontAlgn="base" hangingPunct="0">
+              <a:spcBef>
+                <a:spcPct val="20000"/>
+              </a:spcBef>
+              <a:spcAft>
+                <a:spcPct val="0"/>
+              </a:spcAft>
+              <a:buFont typeface="Arial" panose="020B0604020202020204" pitchFamily="34" charset="0"/>
+              <a:buChar char="»"/>
+              <a:defRPr sz="2000">
+                <a:solidFill>
+                  <a:schemeClr val="tx1"/>
+                </a:solidFill>
+                <a:latin typeface="맑은 고딕" panose="020B0503020000020004" pitchFamily="50" charset="-127"/>
+                <a:ea typeface="맑은 고딕" panose="020B0503020000020004" pitchFamily="50" charset="-127"/>
+              </a:defRPr>
+            </a:lvl6pPr>
+            <a:lvl7pPr marL="2971800" indent="-228600" eaLnBrk="0" fontAlgn="base" hangingPunct="0">
+              <a:spcBef>
+                <a:spcPct val="20000"/>
+              </a:spcBef>
+              <a:spcAft>
+                <a:spcPct val="0"/>
+              </a:spcAft>
+              <a:buFont typeface="Arial" panose="020B0604020202020204" pitchFamily="34" charset="0"/>
+              <a:buChar char="»"/>
+              <a:defRPr sz="2000">
+                <a:solidFill>
+                  <a:schemeClr val="tx1"/>
+                </a:solidFill>
+                <a:latin typeface="맑은 고딕" panose="020B0503020000020004" pitchFamily="50" charset="-127"/>
+                <a:ea typeface="맑은 고딕" panose="020B0503020000020004" pitchFamily="50" charset="-127"/>
+              </a:defRPr>
+            </a:lvl7pPr>
+            <a:lvl8pPr marL="3429000" indent="-228600" eaLnBrk="0" fontAlgn="base" hangingPunct="0">
+              <a:spcBef>
+                <a:spcPct val="20000"/>
+              </a:spcBef>
+              <a:spcAft>
+                <a:spcPct val="0"/>
+              </a:spcAft>
+              <a:buFont typeface="Arial" panose="020B0604020202020204" pitchFamily="34" charset="0"/>
+              <a:buChar char="»"/>
+              <a:defRPr sz="2000">
+                <a:solidFill>
+                  <a:schemeClr val="tx1"/>
+                </a:solidFill>
+                <a:latin typeface="맑은 고딕" panose="020B0503020000020004" pitchFamily="50" charset="-127"/>
+                <a:ea typeface="맑은 고딕" panose="020B0503020000020004" pitchFamily="50" charset="-127"/>
+              </a:defRPr>
+            </a:lvl8pPr>
+            <a:lvl9pPr marL="3886200" indent="-228600" eaLnBrk="0" fontAlgn="base" hangingPunct="0">
+              <a:spcBef>
+                <a:spcPct val="20000"/>
+              </a:spcBef>
+              <a:spcAft>
+                <a:spcPct val="0"/>
+              </a:spcAft>
+              <a:buFont typeface="Arial" panose="020B0604020202020204" pitchFamily="34" charset="0"/>
+              <a:buChar char="»"/>
+              <a:defRPr sz="2000">
+                <a:solidFill>
+                  <a:schemeClr val="tx1"/>
+                </a:solidFill>
+                <a:latin typeface="맑은 고딕" panose="020B0503020000020004" pitchFamily="50" charset="-127"/>
+                <a:ea typeface="맑은 고딕" panose="020B0503020000020004" pitchFamily="50" charset="-127"/>
+              </a:defRPr>
+            </a:lvl9pPr>
+          </a:lstStyle>
+          <a:p>
+            <a:pPr eaLnBrk="1" hangingPunct="1">
+              <a:spcBef>
+                <a:spcPct val="0"/>
+              </a:spcBef>
+              <a:buFontTx/>
+              <a:buNone/>
+            </a:pPr>
+            <a:r>
+              <a:rPr kumimoji="0" lang="ko-KR" altLang="en-US" sz="2400">
+                <a:solidFill>
+                  <a:schemeClr val="tx2"/>
+                </a:solidFill>
+                <a:latin typeface="나눔스퀘어OTF Bold" panose="020B0600000101010101" pitchFamily="34" charset="-127"/>
+                <a:ea typeface="나눔스퀘어OTF Bold" panose="020B0600000101010101" pitchFamily="34" charset="-127"/>
+              </a:rPr>
+              <a:t>개발 </a:t>
+            </a:r>
+            <a:r>
+              <a:rPr kumimoji="0" lang="en-US" altLang="ko-KR" sz="2400">
+                <a:solidFill>
+                  <a:schemeClr val="tx2"/>
+                </a:solidFill>
+                <a:latin typeface="나눔스퀘어OTF Bold" panose="020B0600000101010101" pitchFamily="34" charset="-127"/>
+                <a:ea typeface="나눔스퀘어OTF Bold" panose="020B0600000101010101" pitchFamily="34" charset="-127"/>
+              </a:rPr>
+              <a:t>: </a:t>
+            </a:r>
+            <a:r>
+              <a:rPr kumimoji="0" lang="ko-KR" altLang="en-US" sz="2400">
+                <a:solidFill>
+                  <a:schemeClr val="tx2"/>
+                </a:solidFill>
+                <a:latin typeface="나눔스퀘어OTF Bold" panose="020B0600000101010101" pitchFamily="34" charset="-127"/>
+                <a:ea typeface="나눔스퀘어OTF Bold" panose="020B0600000101010101" pitchFamily="34" charset="-127"/>
+              </a:rPr>
+              <a:t>시스템 구성도</a:t>
+            </a:r>
+          </a:p>
+        </p:txBody>
+      </p:sp>
+      <p:sp>
+        <p:nvSpPr>
+          <p:cNvPr id="44" name="Text Box 44"/>
+          <p:cNvSpPr txBox="1">
+            <a:spLocks noChangeArrowheads="1"/>
+          </p:cNvSpPr>
+          <p:nvPr/>
+        </p:nvSpPr>
+        <p:spPr bwMode="auto">
+          <a:xfrm>
+            <a:off x="782638" y="2320925"/>
+            <a:ext cx="6947768" cy="3653049"/>
+          </a:xfrm>
+          <a:prstGeom prst="rect">
+            <a:avLst/>
+          </a:prstGeom>
+          <a:blipFill dpi="0" rotWithShape="1">
+            <a:blip r:embed="rId3">
+              <a:extLst>
+                <a:ext uri="{28A0092B-C50C-407E-A947-70E740481C1C}">
+                  <a14:useLocalDpi xmlns:a14="http://schemas.microsoft.com/office/drawing/2010/main" val="0"/>
+                </a:ext>
+              </a:extLst>
+            </a:blip>
+            <a:srcRect/>
+            <a:stretch>
+              <a:fillRect/>
+            </a:stretch>
+          </a:blipFill>
+          <a:ln w="12700" cap="flat" cmpd="sng" algn="ctr">
+            <a:gradFill>
+              <a:gsLst>
+                <a:gs pos="0">
+                  <a:sysClr val="window" lastClr="FFFFFF">
+                    <a:lumMod val="85000"/>
+                  </a:sysClr>
+                </a:gs>
+                <a:gs pos="50000">
+                  <a:sysClr val="window" lastClr="FFFFFF"/>
+                </a:gs>
+                <a:gs pos="100000">
+                  <a:sysClr val="window" lastClr="FFFFFF">
+                    <a:lumMod val="85000"/>
+                  </a:sysClr>
+                </a:gs>
+              </a:gsLst>
+              <a:lin ang="5400000" scaled="0"/>
+            </a:gradFill>
+            <a:prstDash val="solid"/>
+            <a:miter lim="800000"/>
+            <a:headEnd/>
+            <a:tailEnd/>
+          </a:ln>
+          <a:effectLst>
+            <a:outerShdw blurRad="50800" dist="38100" dir="2700000" algn="tl" rotWithShape="0">
+              <a:prstClr val="black">
+                <a:alpha val="40000"/>
+              </a:prstClr>
+            </a:outerShdw>
+          </a:effectLst>
+        </p:spPr>
+        <p:txBody>
+          <a:bodyPr lIns="70650" tIns="70650" rIns="70650" bIns="44853"/>
+          <a:lstStyle/>
+          <a:p>
+            <a:pPr marL="84095" indent="-84095" defTabSz="897033" eaLnBrk="1" fontAlgn="auto" latinLnBrk="1" hangingPunct="1">
+              <a:spcBef>
+                <a:spcPts val="0"/>
+              </a:spcBef>
+              <a:spcAft>
+                <a:spcPts val="294"/>
+              </a:spcAft>
+              <a:buClr>
+                <a:srgbClr val="A1A1A1"/>
+              </a:buClr>
+              <a:buSzPct val="100000"/>
+              <a:buFont typeface="Arial" pitchFamily="34" charset="0"/>
+              <a:buChar char="•"/>
+              <a:defRPr/>
+            </a:pPr>
+            <a:endParaRPr kumimoji="0" lang="ko-KR" altLang="en-US" sz="883" kern="0" dirty="0">
+              <a:solidFill>
+                <a:srgbClr val="FF0000"/>
+              </a:solidFill>
+              <a:latin typeface="나눔고딕" panose="020D0304000000000000" pitchFamily="50" charset="-127"/>
+              <a:ea typeface="나눔스퀘어"/>
+              <a:sym typeface="Wingdings" pitchFamily="2" charset="2"/>
+            </a:endParaRPr>
+          </a:p>
+        </p:txBody>
+      </p:sp>
+      <p:sp>
+        <p:nvSpPr>
+          <p:cNvPr id="49" name="모서리가 둥근 직사각형 48"/>
+          <p:cNvSpPr/>
+          <p:nvPr/>
+        </p:nvSpPr>
+        <p:spPr bwMode="auto">
+          <a:xfrm>
+            <a:off x="2311400" y="6165850"/>
+            <a:ext cx="2268538" cy="319088"/>
+          </a:xfrm>
+          <a:prstGeom prst="roundRect">
+            <a:avLst>
+              <a:gd name="adj" fmla="val 50000"/>
+            </a:avLst>
+          </a:prstGeom>
+          <a:gradFill flip="none" rotWithShape="1">
+            <a:gsLst>
+              <a:gs pos="100000">
+                <a:schemeClr val="bg1">
+                  <a:lumMod val="50000"/>
+                </a:schemeClr>
+              </a:gs>
+              <a:gs pos="50000">
+                <a:schemeClr val="tx1"/>
+              </a:gs>
+              <a:gs pos="0">
+                <a:schemeClr val="bg1">
+                  <a:lumMod val="65000"/>
+                </a:schemeClr>
+              </a:gs>
+            </a:gsLst>
+            <a:lin ang="0" scaled="1"/>
+            <a:tileRect/>
+          </a:gradFill>
+          <a:ln w="12700">
+            <a:noFill/>
+          </a:ln>
+        </p:spPr>
+        <p:style>
+          <a:lnRef idx="2">
+            <a:schemeClr val="accent1">
+              <a:shade val="50000"/>
+            </a:schemeClr>
+          </a:lnRef>
+          <a:fillRef idx="1">
+            <a:schemeClr val="accent1"/>
+          </a:fillRef>
+          <a:effectRef idx="0">
+            <a:schemeClr val="accent1"/>
+          </a:effectRef>
+          <a:fontRef idx="minor">
+            <a:schemeClr val="lt1"/>
+          </a:fontRef>
+        </p:style>
+        <p:txBody>
+          <a:bodyPr anchor="ctr"/>
+          <a:lstStyle/>
+          <a:p>
+            <a:pPr algn="ctr" eaLnBrk="1" fontAlgn="auto" latinLnBrk="1" hangingPunct="1">
+              <a:spcBef>
+                <a:spcPts val="0"/>
+              </a:spcBef>
+              <a:spcAft>
+                <a:spcPts val="0"/>
+              </a:spcAft>
+              <a:defRPr/>
+            </a:pPr>
+            <a:r>
+              <a:rPr kumimoji="0" lang="ko-KR" altLang="en-US" sz="1600">
+                <a:solidFill>
+                  <a:schemeClr val="bg1"/>
+                </a:solidFill>
+                <a:latin typeface="나눔스퀘어OTF ExtraBold" pitchFamily="34" charset="-127"/>
+                <a:ea typeface="나눔스퀘어OTF ExtraBold" pitchFamily="34" charset="-127"/>
+              </a:rPr>
+              <a:t>시스템 구성도</a:t>
+            </a:r>
+            <a:endParaRPr kumimoji="0" lang="ko-KR" altLang="en-US" sz="1600" dirty="0">
+              <a:solidFill>
+                <a:schemeClr val="bg1"/>
+              </a:solidFill>
+              <a:latin typeface="나눔스퀘어OTF ExtraBold" pitchFamily="34" charset="-127"/>
+              <a:ea typeface="나눔스퀘어OTF ExtraBold" pitchFamily="34" charset="-127"/>
+            </a:endParaRPr>
+          </a:p>
+        </p:txBody>
+      </p:sp>
+      <p:sp>
+        <p:nvSpPr>
+          <p:cNvPr id="25612" name="직사각형 10"/>
+          <p:cNvSpPr>
+            <a:spLocks noChangeArrowheads="1"/>
+          </p:cNvSpPr>
+          <p:nvPr/>
+        </p:nvSpPr>
+        <p:spPr bwMode="auto">
+          <a:xfrm>
+            <a:off x="6529584" y="2477417"/>
+            <a:ext cx="5325866" cy="400110"/>
+          </a:xfrm>
+          <a:prstGeom prst="rect">
+            <a:avLst/>
+          </a:prstGeom>
+          <a:noFill/>
+          <a:ln>
+            <a:noFill/>
+          </a:ln>
+          <a:extLst>
+            <a:ext uri="{909E8E84-426E-40DD-AFC4-6F175D3DCCD1}">
+              <a14:hiddenFill xmlns:a14="http://schemas.microsoft.com/office/drawing/2010/main">
+                <a:solidFill>
+                  <a:srgbClr val="FFFFFF"/>
+                </a:solidFill>
+              </a14:hiddenFill>
+            </a:ext>
+            <a:ext uri="{91240B29-F687-4F45-9708-019B960494DF}">
+              <a14:hiddenLine xmlns:a14="http://schemas.microsoft.com/office/drawing/2010/main" w="9525">
+                <a:solidFill>
+                  <a:srgbClr val="000000"/>
+                </a:solidFill>
+                <a:miter lim="800000"/>
+                <a:headEnd/>
+                <a:tailEnd/>
+              </a14:hiddenLine>
+            </a:ext>
+          </a:extLst>
+        </p:spPr>
+        <p:txBody>
+          <a:bodyPr>
+            <a:spAutoFit/>
+          </a:bodyPr>
+          <a:lstStyle>
+            <a:lvl1pPr marL="285750" indent="-285750" latinLnBrk="1">
+              <a:spcBef>
+                <a:spcPct val="20000"/>
+              </a:spcBef>
+              <a:buFont typeface="Arial" panose="020B0604020202020204" pitchFamily="34" charset="0"/>
+              <a:buChar char="•"/>
+              <a:defRPr sz="3200">
+                <a:solidFill>
+                  <a:schemeClr val="tx1"/>
+                </a:solidFill>
+                <a:latin typeface="맑은 고딕" panose="020B0503020000020004" pitchFamily="50" charset="-127"/>
+                <a:ea typeface="맑은 고딕" panose="020B0503020000020004" pitchFamily="50" charset="-127"/>
+              </a:defRPr>
+            </a:lvl1pPr>
+            <a:lvl2pPr marL="742950" indent="-285750" latinLnBrk="1">
+              <a:spcBef>
+                <a:spcPct val="20000"/>
+              </a:spcBef>
+              <a:buFont typeface="Arial" panose="020B0604020202020204" pitchFamily="34" charset="0"/>
+              <a:buChar char="–"/>
+              <a:defRPr sz="2800">
+                <a:solidFill>
+                  <a:schemeClr val="tx1"/>
+                </a:solidFill>
+                <a:latin typeface="맑은 고딕" panose="020B0503020000020004" pitchFamily="50" charset="-127"/>
+                <a:ea typeface="맑은 고딕" panose="020B0503020000020004" pitchFamily="50" charset="-127"/>
+              </a:defRPr>
+            </a:lvl2pPr>
+            <a:lvl3pPr marL="1143000" indent="-228600" latinLnBrk="1">
+              <a:spcBef>
+                <a:spcPct val="20000"/>
+              </a:spcBef>
+              <a:buFont typeface="Arial" panose="020B0604020202020204" pitchFamily="34" charset="0"/>
+              <a:buChar char="•"/>
+              <a:defRPr sz="2400">
+                <a:solidFill>
+                  <a:schemeClr val="tx1"/>
+                </a:solidFill>
+                <a:latin typeface="맑은 고딕" panose="020B0503020000020004" pitchFamily="50" charset="-127"/>
+                <a:ea typeface="맑은 고딕" panose="020B0503020000020004" pitchFamily="50" charset="-127"/>
+              </a:defRPr>
+            </a:lvl3pPr>
+            <a:lvl4pPr marL="1600200" indent="-228600" latinLnBrk="1">
+              <a:spcBef>
+                <a:spcPct val="20000"/>
+              </a:spcBef>
+              <a:buFont typeface="Arial" panose="020B0604020202020204" pitchFamily="34" charset="0"/>
+              <a:buChar char="–"/>
+              <a:defRPr sz="2000">
+                <a:solidFill>
+                  <a:schemeClr val="tx1"/>
+                </a:solidFill>
+                <a:latin typeface="맑은 고딕" panose="020B0503020000020004" pitchFamily="50" charset="-127"/>
+                <a:ea typeface="맑은 고딕" panose="020B0503020000020004" pitchFamily="50" charset="-127"/>
+              </a:defRPr>
+            </a:lvl4pPr>
+            <a:lvl5pPr marL="2057400" indent="-228600" latinLnBrk="1">
+              <a:spcBef>
+                <a:spcPct val="20000"/>
+              </a:spcBef>
+              <a:buFont typeface="Arial" panose="020B0604020202020204" pitchFamily="34" charset="0"/>
+              <a:buChar char="»"/>
+              <a:defRPr sz="2000">
+                <a:solidFill>
+                  <a:schemeClr val="tx1"/>
+                </a:solidFill>
+                <a:latin typeface="맑은 고딕" panose="020B0503020000020004" pitchFamily="50" charset="-127"/>
+                <a:ea typeface="맑은 고딕" panose="020B0503020000020004" pitchFamily="50" charset="-127"/>
+              </a:defRPr>
+            </a:lvl5pPr>
+            <a:lvl6pPr marL="2514600" indent="-228600" eaLnBrk="0" fontAlgn="base" hangingPunct="0">
+              <a:spcBef>
+                <a:spcPct val="20000"/>
+              </a:spcBef>
+              <a:spcAft>
+                <a:spcPct val="0"/>
+              </a:spcAft>
+              <a:buFont typeface="Arial" panose="020B0604020202020204" pitchFamily="34" charset="0"/>
+              <a:buChar char="»"/>
+              <a:defRPr sz="2000">
+                <a:solidFill>
+                  <a:schemeClr val="tx1"/>
+                </a:solidFill>
+                <a:latin typeface="맑은 고딕" panose="020B0503020000020004" pitchFamily="50" charset="-127"/>
+                <a:ea typeface="맑은 고딕" panose="020B0503020000020004" pitchFamily="50" charset="-127"/>
+              </a:defRPr>
+            </a:lvl6pPr>
+            <a:lvl7pPr marL="2971800" indent="-228600" eaLnBrk="0" fontAlgn="base" hangingPunct="0">
+              <a:spcBef>
+                <a:spcPct val="20000"/>
+              </a:spcBef>
+              <a:spcAft>
+                <a:spcPct val="0"/>
+              </a:spcAft>
+              <a:buFont typeface="Arial" panose="020B0604020202020204" pitchFamily="34" charset="0"/>
+              <a:buChar char="»"/>
+              <a:defRPr sz="2000">
+                <a:solidFill>
+                  <a:schemeClr val="tx1"/>
+                </a:solidFill>
+                <a:latin typeface="맑은 고딕" panose="020B0503020000020004" pitchFamily="50" charset="-127"/>
+                <a:ea typeface="맑은 고딕" panose="020B0503020000020004" pitchFamily="50" charset="-127"/>
+              </a:defRPr>
+            </a:lvl7pPr>
+            <a:lvl8pPr marL="3429000" indent="-228600" eaLnBrk="0" fontAlgn="base" hangingPunct="0">
+              <a:spcBef>
+                <a:spcPct val="20000"/>
+              </a:spcBef>
+              <a:spcAft>
+                <a:spcPct val="0"/>
+              </a:spcAft>
+              <a:buFont typeface="Arial" panose="020B0604020202020204" pitchFamily="34" charset="0"/>
+              <a:buChar char="»"/>
+              <a:defRPr sz="2000">
+                <a:solidFill>
+                  <a:schemeClr val="tx1"/>
+                </a:solidFill>
+                <a:latin typeface="맑은 고딕" panose="020B0503020000020004" pitchFamily="50" charset="-127"/>
+                <a:ea typeface="맑은 고딕" panose="020B0503020000020004" pitchFamily="50" charset="-127"/>
+              </a:defRPr>
+            </a:lvl8pPr>
+            <a:lvl9pPr marL="3886200" indent="-228600" eaLnBrk="0" fontAlgn="base" hangingPunct="0">
+              <a:spcBef>
+                <a:spcPct val="20000"/>
+              </a:spcBef>
+              <a:spcAft>
+                <a:spcPct val="0"/>
+              </a:spcAft>
+              <a:buFont typeface="Arial" panose="020B0604020202020204" pitchFamily="34" charset="0"/>
+              <a:buChar char="»"/>
+              <a:defRPr sz="2000">
+                <a:solidFill>
+                  <a:schemeClr val="tx1"/>
+                </a:solidFill>
+                <a:latin typeface="맑은 고딕" panose="020B0503020000020004" pitchFamily="50" charset="-127"/>
+                <a:ea typeface="맑은 고딕" panose="020B0503020000020004" pitchFamily="50" charset="-127"/>
+              </a:defRPr>
+            </a:lvl9pPr>
+          </a:lstStyle>
+          <a:p>
+            <a:pPr algn="just" eaLnBrk="1" hangingPunct="1">
+              <a:spcBef>
+                <a:spcPct val="0"/>
+              </a:spcBef>
+              <a:buFontTx/>
+              <a:buChar char="-"/>
+            </a:pPr>
+            <a:endParaRPr kumimoji="0" lang="ko-KR" altLang="en-US" sz="2000" b="1">
+              <a:latin typeface="나눔스퀘어OTF" panose="020B0600000101010101" pitchFamily="34" charset="-127"/>
+              <a:ea typeface="나눔스퀘어OTF" panose="020B0600000101010101" pitchFamily="34" charset="-127"/>
+            </a:endParaRPr>
+          </a:p>
+        </p:txBody>
+      </p:sp>
+      <p:grpSp>
+        <p:nvGrpSpPr>
+          <p:cNvPr id="18" name="그룹 13">
+            <a:extLst>
+              <a:ext uri="{FF2B5EF4-FFF2-40B4-BE49-F238E27FC236}">
+                <a16:creationId xmlns:a16="http://schemas.microsoft.com/office/drawing/2014/main" id="{CEDC1F82-6178-43A9-950D-20D683336E91}"/>
+              </a:ext>
+            </a:extLst>
+          </p:cNvPr>
+          <p:cNvGrpSpPr>
+            <a:grpSpLocks/>
+          </p:cNvGrpSpPr>
+          <p:nvPr/>
+        </p:nvGrpSpPr>
+        <p:grpSpPr bwMode="auto">
+          <a:xfrm rot="5400000">
+            <a:off x="8534474" y="-2980530"/>
+            <a:ext cx="369889" cy="6832600"/>
+            <a:chOff x="11783835" y="1420022"/>
+            <a:chExt cx="370109" cy="4457250"/>
+          </a:xfrm>
+        </p:grpSpPr>
+        <p:sp>
+          <p:nvSpPr>
+            <p:cNvPr id="19" name="양쪽 모서리가 둥근 사각형 21">
+              <a:extLst>
+                <a:ext uri="{FF2B5EF4-FFF2-40B4-BE49-F238E27FC236}">
+                  <a16:creationId xmlns:a16="http://schemas.microsoft.com/office/drawing/2014/main" id="{D9131C69-C67C-4FEF-9D59-6E0557EA5CC7}"/>
+                </a:ext>
+              </a:extLst>
+            </p:cNvPr>
+            <p:cNvSpPr/>
+            <p:nvPr/>
+          </p:nvSpPr>
+          <p:spPr>
+            <a:xfrm rot="16200000" flipH="1">
+              <a:off x="11537041" y="5260370"/>
+              <a:ext cx="863696" cy="370108"/>
+            </a:xfrm>
+            <a:prstGeom prst="round2SameRect">
+              <a:avLst>
+                <a:gd name="adj1" fmla="val 50000"/>
+                <a:gd name="adj2" fmla="val 0"/>
+              </a:avLst>
+            </a:prstGeom>
+            <a:solidFill>
+              <a:schemeClr val="bg1">
+                <a:lumMod val="85000"/>
+              </a:schemeClr>
+            </a:solidFill>
+            <a:ln>
+              <a:solidFill>
+                <a:schemeClr val="bg1"/>
+              </a:solidFill>
+            </a:ln>
+          </p:spPr>
+          <p:style>
+            <a:lnRef idx="2">
+              <a:schemeClr val="accent1">
+                <a:shade val="50000"/>
+              </a:schemeClr>
+            </a:lnRef>
+            <a:fillRef idx="1">
+              <a:schemeClr val="accent1"/>
+            </a:fillRef>
+            <a:effectRef idx="0">
+              <a:schemeClr val="accent1"/>
+            </a:effectRef>
+            <a:fontRef idx="minor">
+              <a:schemeClr val="lt1"/>
+            </a:fontRef>
+          </p:style>
+          <p:txBody>
+            <a:bodyPr anchor="ctr"/>
+            <a:lstStyle/>
+            <a:p>
+              <a:pPr algn="ctr" eaLnBrk="1" fontAlgn="auto" latinLnBrk="1" hangingPunct="1">
+                <a:spcBef>
+                  <a:spcPts val="0"/>
+                </a:spcBef>
+                <a:spcAft>
+                  <a:spcPts val="0"/>
+                </a:spcAft>
+                <a:defRPr/>
+              </a:pPr>
+              <a:r>
+                <a:rPr kumimoji="0" lang="ko-KR" altLang="en-US" sz="1500" dirty="0">
+                  <a:solidFill>
+                    <a:schemeClr val="tx1"/>
+                  </a:solidFill>
+                  <a:latin typeface="여기어때 잘난체 OTF" pitchFamily="34" charset="-127"/>
+                  <a:ea typeface="여기어때 잘난체 OTF" pitchFamily="34" charset="-127"/>
+                </a:rPr>
+                <a:t>개요</a:t>
+              </a:r>
+            </a:p>
+          </p:txBody>
+        </p:sp>
+        <p:sp>
+          <p:nvSpPr>
+            <p:cNvPr id="20" name="양쪽 모서리가 둥근 사각형 23">
+              <a:extLst>
+                <a:ext uri="{FF2B5EF4-FFF2-40B4-BE49-F238E27FC236}">
+                  <a16:creationId xmlns:a16="http://schemas.microsoft.com/office/drawing/2014/main" id="{63538C9F-CA25-4171-BFBF-D77CEE9CA346}"/>
+                </a:ext>
+              </a:extLst>
+            </p:cNvPr>
+            <p:cNvSpPr/>
+            <p:nvPr/>
+          </p:nvSpPr>
+          <p:spPr>
+            <a:xfrm rot="16200000" flipH="1">
+              <a:off x="11536006" y="4541659"/>
+              <a:ext cx="865767" cy="370108"/>
+            </a:xfrm>
+            <a:prstGeom prst="round2SameRect">
+              <a:avLst>
+                <a:gd name="adj1" fmla="val 50000"/>
+                <a:gd name="adj2" fmla="val 0"/>
+              </a:avLst>
+            </a:prstGeom>
+            <a:solidFill>
+              <a:schemeClr val="bg1">
+                <a:lumMod val="85000"/>
+              </a:schemeClr>
+            </a:solidFill>
+            <a:ln>
+              <a:solidFill>
+                <a:schemeClr val="bg1"/>
+              </a:solidFill>
+            </a:ln>
+          </p:spPr>
+          <p:style>
+            <a:lnRef idx="2">
+              <a:schemeClr val="accent1">
+                <a:shade val="50000"/>
+              </a:schemeClr>
+            </a:lnRef>
+            <a:fillRef idx="1">
+              <a:schemeClr val="accent1"/>
+            </a:fillRef>
+            <a:effectRef idx="0">
+              <a:schemeClr val="accent1"/>
+            </a:effectRef>
+            <a:fontRef idx="minor">
+              <a:schemeClr val="lt1"/>
+            </a:fontRef>
+          </p:style>
+          <p:txBody>
+            <a:bodyPr anchor="ctr"/>
+            <a:lstStyle/>
+            <a:p>
+              <a:pPr algn="ctr" eaLnBrk="1" fontAlgn="auto" latinLnBrk="1" hangingPunct="1">
+                <a:spcBef>
+                  <a:spcPts val="0"/>
+                </a:spcBef>
+                <a:spcAft>
+                  <a:spcPts val="0"/>
+                </a:spcAft>
+                <a:defRPr/>
+              </a:pPr>
+              <a:r>
+                <a:rPr kumimoji="0" lang="ko-KR" altLang="en-US" sz="1500" dirty="0">
+                  <a:solidFill>
+                    <a:schemeClr val="tx1"/>
+                  </a:solidFill>
+                  <a:latin typeface="여기어때 잘난체 OTF" pitchFamily="34" charset="-127"/>
+                  <a:ea typeface="여기어때 잘난체 OTF" pitchFamily="34" charset="-127"/>
+                </a:rPr>
+                <a:t>참여인원</a:t>
+              </a:r>
+            </a:p>
+          </p:txBody>
+        </p:sp>
+        <p:sp>
+          <p:nvSpPr>
+            <p:cNvPr id="21" name="양쪽 모서리가 둥근 사각형 24">
+              <a:extLst>
+                <a:ext uri="{FF2B5EF4-FFF2-40B4-BE49-F238E27FC236}">
+                  <a16:creationId xmlns:a16="http://schemas.microsoft.com/office/drawing/2014/main" id="{B5ED6ED9-7B41-4D24-A07D-4B337FCB4BAD}"/>
+                </a:ext>
+              </a:extLst>
+            </p:cNvPr>
+            <p:cNvSpPr/>
+            <p:nvPr/>
+          </p:nvSpPr>
+          <p:spPr>
+            <a:xfrm rot="16200000" flipH="1">
+              <a:off x="11537041" y="3822948"/>
+              <a:ext cx="863696" cy="370108"/>
+            </a:xfrm>
+            <a:prstGeom prst="round2SameRect">
+              <a:avLst>
+                <a:gd name="adj1" fmla="val 50000"/>
+                <a:gd name="adj2" fmla="val 0"/>
+              </a:avLst>
+            </a:prstGeom>
+            <a:solidFill>
+              <a:schemeClr val="bg1">
+                <a:lumMod val="85000"/>
+              </a:schemeClr>
+            </a:solidFill>
+            <a:ln>
+              <a:solidFill>
+                <a:schemeClr val="bg1"/>
+              </a:solidFill>
+            </a:ln>
+          </p:spPr>
+          <p:style>
+            <a:lnRef idx="2">
+              <a:schemeClr val="accent1">
+                <a:shade val="50000"/>
+              </a:schemeClr>
+            </a:lnRef>
+            <a:fillRef idx="1">
+              <a:schemeClr val="accent1"/>
+            </a:fillRef>
+            <a:effectRef idx="0">
+              <a:schemeClr val="accent1"/>
+            </a:effectRef>
+            <a:fontRef idx="minor">
+              <a:schemeClr val="lt1"/>
+            </a:fontRef>
+          </p:style>
+          <p:txBody>
+            <a:bodyPr anchor="ctr"/>
+            <a:lstStyle/>
+            <a:p>
+              <a:pPr algn="ctr" eaLnBrk="1" fontAlgn="auto" latinLnBrk="1" hangingPunct="1">
+                <a:spcBef>
+                  <a:spcPts val="0"/>
+                </a:spcBef>
+                <a:spcAft>
+                  <a:spcPts val="0"/>
+                </a:spcAft>
+                <a:defRPr/>
+              </a:pPr>
+              <a:r>
+                <a:rPr kumimoji="0" lang="ko-KR" altLang="en-US" sz="1500" dirty="0">
+                  <a:solidFill>
+                    <a:schemeClr val="tx1"/>
+                  </a:solidFill>
+                  <a:latin typeface="여기어때 잘난체 OTF" pitchFamily="34" charset="-127"/>
+                  <a:ea typeface="여기어때 잘난체 OTF" pitchFamily="34" charset="-127"/>
+                </a:rPr>
+                <a:t>일정</a:t>
+              </a:r>
+            </a:p>
+          </p:txBody>
+        </p:sp>
+        <p:sp>
+          <p:nvSpPr>
+            <p:cNvPr id="23" name="양쪽 모서리가 둥근 사각형 25">
+              <a:extLst>
+                <a:ext uri="{FF2B5EF4-FFF2-40B4-BE49-F238E27FC236}">
+                  <a16:creationId xmlns:a16="http://schemas.microsoft.com/office/drawing/2014/main" id="{D9E49526-F06C-4AE6-95B5-E7F6ADE3A611}"/>
+                </a:ext>
+              </a:extLst>
+            </p:cNvPr>
+            <p:cNvSpPr/>
+            <p:nvPr/>
+          </p:nvSpPr>
+          <p:spPr>
+            <a:xfrm rot="16200000" flipH="1">
+              <a:off x="11537041" y="3120807"/>
+              <a:ext cx="863696" cy="370108"/>
+            </a:xfrm>
+            <a:prstGeom prst="round2SameRect">
+              <a:avLst>
+                <a:gd name="adj1" fmla="val 50000"/>
+                <a:gd name="adj2" fmla="val 0"/>
+              </a:avLst>
+            </a:prstGeom>
+            <a:solidFill>
+              <a:schemeClr val="bg1">
+                <a:lumMod val="85000"/>
+              </a:schemeClr>
+            </a:solidFill>
+            <a:ln>
+              <a:solidFill>
+                <a:schemeClr val="bg1"/>
+              </a:solidFill>
+            </a:ln>
+          </p:spPr>
+          <p:style>
+            <a:lnRef idx="2">
+              <a:schemeClr val="accent1">
+                <a:shade val="50000"/>
+              </a:schemeClr>
+            </a:lnRef>
+            <a:fillRef idx="1">
+              <a:schemeClr val="accent1"/>
+            </a:fillRef>
+            <a:effectRef idx="0">
+              <a:schemeClr val="accent1"/>
+            </a:effectRef>
+            <a:fontRef idx="minor">
+              <a:schemeClr val="lt1"/>
+            </a:fontRef>
+          </p:style>
+          <p:txBody>
+            <a:bodyPr anchor="ctr"/>
+            <a:lstStyle/>
+            <a:p>
+              <a:pPr algn="ctr" eaLnBrk="1" fontAlgn="auto" latinLnBrk="1" hangingPunct="1">
+                <a:spcBef>
+                  <a:spcPts val="0"/>
+                </a:spcBef>
+                <a:spcAft>
+                  <a:spcPts val="0"/>
+                </a:spcAft>
+                <a:defRPr/>
+              </a:pPr>
+              <a:r>
+                <a:rPr kumimoji="0" lang="ko-KR" altLang="en-US" sz="1500" dirty="0">
+                  <a:solidFill>
+                    <a:schemeClr val="tx1"/>
+                  </a:solidFill>
+                  <a:latin typeface="여기어때 잘난체 OTF" pitchFamily="34" charset="-127"/>
+                  <a:ea typeface="여기어때 잘난체 OTF" pitchFamily="34" charset="-127"/>
+                </a:rPr>
+                <a:t>구성</a:t>
+              </a:r>
+            </a:p>
+          </p:txBody>
+        </p:sp>
+        <p:sp>
+          <p:nvSpPr>
+            <p:cNvPr id="30" name="양쪽 모서리가 둥근 사각형 26">
+              <a:extLst>
+                <a:ext uri="{FF2B5EF4-FFF2-40B4-BE49-F238E27FC236}">
+                  <a16:creationId xmlns:a16="http://schemas.microsoft.com/office/drawing/2014/main" id="{C9D71E2D-8B35-4A96-B8C5-ADD4D13184C3}"/>
+                </a:ext>
+              </a:extLst>
+            </p:cNvPr>
+            <p:cNvSpPr/>
+            <p:nvPr/>
+          </p:nvSpPr>
+          <p:spPr>
+            <a:xfrm rot="16200000" flipH="1">
+              <a:off x="11535488" y="2433682"/>
+              <a:ext cx="866803" cy="370108"/>
+            </a:xfrm>
+            <a:prstGeom prst="round2SameRect">
+              <a:avLst>
+                <a:gd name="adj1" fmla="val 50000"/>
+                <a:gd name="adj2" fmla="val 0"/>
+              </a:avLst>
+            </a:prstGeom>
+            <a:gradFill>
+              <a:gsLst>
+                <a:gs pos="0">
+                  <a:schemeClr val="tx1"/>
+                </a:gs>
+                <a:gs pos="100000">
+                  <a:schemeClr val="tx1"/>
+                </a:gs>
+                <a:gs pos="51000">
+                  <a:schemeClr val="bg1">
+                    <a:lumMod val="50000"/>
+                  </a:schemeClr>
+                </a:gs>
+              </a:gsLst>
+              <a:lin ang="0" scaled="1"/>
+            </a:gradFill>
+            <a:ln>
+              <a:solidFill>
+                <a:schemeClr val="bg1"/>
+              </a:solidFill>
+            </a:ln>
+          </p:spPr>
+          <p:style>
+            <a:lnRef idx="2">
+              <a:schemeClr val="accent1">
+                <a:shade val="50000"/>
+              </a:schemeClr>
+            </a:lnRef>
+            <a:fillRef idx="1">
+              <a:schemeClr val="accent1"/>
+            </a:fillRef>
+            <a:effectRef idx="0">
+              <a:schemeClr val="accent1"/>
+            </a:effectRef>
+            <a:fontRef idx="minor">
+              <a:schemeClr val="lt1"/>
+            </a:fontRef>
+          </p:style>
+          <p:txBody>
+            <a:bodyPr anchor="ctr"/>
+            <a:lstStyle/>
+            <a:p>
+              <a:pPr algn="ctr" eaLnBrk="1" fontAlgn="auto" latinLnBrk="1" hangingPunct="1">
+                <a:spcBef>
+                  <a:spcPts val="0"/>
+                </a:spcBef>
+                <a:spcAft>
+                  <a:spcPts val="0"/>
+                </a:spcAft>
+                <a:defRPr/>
+              </a:pPr>
+              <a:r>
+                <a:rPr kumimoji="0" lang="ko-KR" altLang="en-US" sz="1500" dirty="0">
+                  <a:solidFill>
+                    <a:schemeClr val="bg1"/>
+                  </a:solidFill>
+                  <a:latin typeface="여기어때 잘난체 OTF" panose="020B0600000101010101" pitchFamily="34" charset="-127"/>
+                  <a:ea typeface="여기어때 잘난체 OTF" panose="020B0600000101010101" pitchFamily="34" charset="-127"/>
+                </a:rPr>
+                <a:t>제안</a:t>
+              </a:r>
+              <a:r>
+                <a:rPr kumimoji="0" lang="en-US" altLang="ko-KR" sz="1500" dirty="0">
+                  <a:solidFill>
+                    <a:schemeClr val="bg1"/>
+                  </a:solidFill>
+                  <a:latin typeface="여기어때 잘난체 OTF" panose="020B0600000101010101" pitchFamily="34" charset="-127"/>
+                  <a:ea typeface="여기어때 잘난체 OTF" panose="020B0600000101010101" pitchFamily="34" charset="-127"/>
+                </a:rPr>
+                <a:t>/</a:t>
+              </a:r>
+              <a:r>
+                <a:rPr kumimoji="0" lang="ko-KR" altLang="en-US" sz="1500" dirty="0">
+                  <a:solidFill>
+                    <a:schemeClr val="bg1"/>
+                  </a:solidFill>
+                  <a:latin typeface="여기어때 잘난체 OTF" panose="020B0600000101010101" pitchFamily="34" charset="-127"/>
+                  <a:ea typeface="여기어때 잘난체 OTF" panose="020B0600000101010101" pitchFamily="34" charset="-127"/>
+                </a:rPr>
+                <a:t>내용</a:t>
+              </a:r>
+            </a:p>
+          </p:txBody>
+        </p:sp>
+        <p:sp>
+          <p:nvSpPr>
+            <p:cNvPr id="31" name="양쪽 모서리가 둥근 사각형 27">
+              <a:extLst>
+                <a:ext uri="{FF2B5EF4-FFF2-40B4-BE49-F238E27FC236}">
+                  <a16:creationId xmlns:a16="http://schemas.microsoft.com/office/drawing/2014/main" id="{4CFBB92F-548E-430F-96DF-DEDA7AE057BA}"/>
+                </a:ext>
+              </a:extLst>
+            </p:cNvPr>
+            <p:cNvSpPr/>
+            <p:nvPr/>
+          </p:nvSpPr>
+          <p:spPr>
+            <a:xfrm rot="16200000" flipH="1">
+              <a:off x="11537041" y="1666816"/>
+              <a:ext cx="863696" cy="370108"/>
+            </a:xfrm>
+            <a:prstGeom prst="round2SameRect">
+              <a:avLst>
+                <a:gd name="adj1" fmla="val 50000"/>
+                <a:gd name="adj2" fmla="val 0"/>
+              </a:avLst>
+            </a:prstGeom>
+            <a:solidFill>
+              <a:schemeClr val="bg1">
+                <a:lumMod val="85000"/>
+              </a:schemeClr>
+            </a:solidFill>
+            <a:ln>
+              <a:solidFill>
+                <a:schemeClr val="bg1"/>
+              </a:solidFill>
+            </a:ln>
+          </p:spPr>
+          <p:style>
+            <a:lnRef idx="2">
+              <a:schemeClr val="accent1">
+                <a:shade val="50000"/>
+              </a:schemeClr>
+            </a:lnRef>
+            <a:fillRef idx="1">
+              <a:schemeClr val="accent1"/>
+            </a:fillRef>
+            <a:effectRef idx="0">
+              <a:schemeClr val="accent1"/>
+            </a:effectRef>
+            <a:fontRef idx="minor">
+              <a:schemeClr val="lt1"/>
+            </a:fontRef>
+          </p:style>
+          <p:txBody>
+            <a:bodyPr anchor="ctr"/>
+            <a:lstStyle/>
+            <a:p>
+              <a:pPr algn="ctr" eaLnBrk="1" fontAlgn="auto" latinLnBrk="1" hangingPunct="1">
+                <a:spcBef>
+                  <a:spcPts val="0"/>
+                </a:spcBef>
+                <a:spcAft>
+                  <a:spcPts val="0"/>
+                </a:spcAft>
+                <a:defRPr/>
+              </a:pPr>
+              <a:r>
+                <a:rPr kumimoji="0" lang="ko-KR" altLang="en-US" sz="1500" dirty="0" err="1">
+                  <a:solidFill>
+                    <a:schemeClr val="tx1">
+                      <a:lumMod val="85000"/>
+                      <a:lumOff val="15000"/>
+                    </a:schemeClr>
+                  </a:solidFill>
+                  <a:latin typeface="여기어때 잘난체 OTF" pitchFamily="34" charset="-127"/>
+                  <a:ea typeface="여기어때 잘난체 OTF" pitchFamily="34" charset="-127"/>
+                </a:rPr>
+                <a:t>구현화면</a:t>
+              </a:r>
+              <a:endParaRPr kumimoji="0" lang="ko-KR" altLang="en-US" sz="1500" dirty="0">
+                <a:solidFill>
+                  <a:schemeClr val="tx1">
+                    <a:lumMod val="85000"/>
+                    <a:lumOff val="15000"/>
+                  </a:schemeClr>
+                </a:solidFill>
+                <a:latin typeface="여기어때 잘난체 OTF" pitchFamily="34" charset="-127"/>
+                <a:ea typeface="여기어때 잘난체 OTF" pitchFamily="34" charset="-127"/>
+              </a:endParaRPr>
+            </a:p>
+          </p:txBody>
+        </p:sp>
+      </p:grpSp>
     </p:spTree>
     <p:extLst>
       <p:ext uri="{BB962C8B-B14F-4D97-AF65-F5344CB8AC3E}">
-        <p14:creationId xmlns:p14="http://schemas.microsoft.com/office/powerpoint/2010/main" val="1784864925"/>
+        <p14:creationId xmlns:p14="http://schemas.microsoft.com/office/powerpoint/2010/main" val="3058418728"/>
       </p:ext>
     </p:extLst>
   </p:cSld>

--- a/산출물/Team3 화면 설계 발표 ppt.pptx
+++ b/산출물/Team3 화면 설계 발표 ppt.pptx
@@ -25731,62 +25731,6 @@
       </p:sp>
       <p:sp>
         <p:nvSpPr>
-          <p:cNvPr id="77" name="직사각형 76"/>
-          <p:cNvSpPr/>
-          <p:nvPr/>
-        </p:nvSpPr>
-        <p:spPr>
-          <a:xfrm>
-            <a:off x="1846263" y="2478088"/>
-            <a:ext cx="1597025" cy="1419225"/>
-          </a:xfrm>
-          <a:prstGeom prst="rect">
-            <a:avLst/>
-          </a:prstGeom>
-          <a:solidFill>
-            <a:schemeClr val="bg1">
-              <a:lumMod val="85000"/>
-            </a:schemeClr>
-          </a:solidFill>
-          <a:ln>
-            <a:noFill/>
-          </a:ln>
-        </p:spPr>
-        <p:style>
-          <a:lnRef idx="2">
-            <a:schemeClr val="accent1">
-              <a:shade val="50000"/>
-            </a:schemeClr>
-          </a:lnRef>
-          <a:fillRef idx="1">
-            <a:schemeClr val="accent1"/>
-          </a:fillRef>
-          <a:effectRef idx="0">
-            <a:schemeClr val="accent1"/>
-          </a:effectRef>
-          <a:fontRef idx="minor">
-            <a:schemeClr val="lt1"/>
-          </a:fontRef>
-        </p:style>
-        <p:txBody>
-          <a:bodyPr anchor="ctr"/>
-          <a:lstStyle/>
-          <a:p>
-            <a:pPr algn="ctr" eaLnBrk="1" fontAlgn="auto" latinLnBrk="1" hangingPunct="1">
-              <a:spcBef>
-                <a:spcPts val="0"/>
-              </a:spcBef>
-              <a:spcAft>
-                <a:spcPts val="0"/>
-              </a:spcAft>
-              <a:defRPr/>
-            </a:pPr>
-            <a:endParaRPr kumimoji="0" lang="ko-KR" altLang="en-US" dirty="0"/>
-          </a:p>
-        </p:txBody>
-      </p:sp>
-      <p:sp>
-        <p:nvSpPr>
           <p:cNvPr id="78" name="Text Placeholder 2"/>
           <p:cNvSpPr txBox="1">
             <a:spLocks/>
@@ -28151,7 +28095,7 @@
         </p:blipFill>
         <p:spPr>
           <a:xfrm>
-            <a:off x="6502506" y="2161381"/>
+            <a:off x="6502506" y="2089150"/>
             <a:ext cx="1465200" cy="1828800"/>
           </a:xfrm>
           <a:prstGeom prst="rect">
@@ -28189,6 +28133,42 @@
           <a:xfrm>
             <a:off x="6502506" y="4491889"/>
             <a:ext cx="1464906" cy="1830271"/>
+          </a:xfrm>
+          <a:prstGeom prst="rect">
+            <a:avLst/>
+          </a:prstGeom>
+        </p:spPr>
+      </p:pic>
+      <p:pic>
+        <p:nvPicPr>
+          <p:cNvPr id="3" name="그림 2" descr="사람, 정장, 남자, 의류이(가) 표시된 사진&#10;&#10;자동 생성된 설명">
+            <a:extLst>
+              <a:ext uri="{FF2B5EF4-FFF2-40B4-BE49-F238E27FC236}">
+                <a16:creationId xmlns:a16="http://schemas.microsoft.com/office/drawing/2014/main" id="{9EA88D71-0EC5-470B-AB10-171D6C354E4A}"/>
+              </a:ext>
+            </a:extLst>
+          </p:cNvPr>
+          <p:cNvPicPr preferRelativeResize="0">
+            <a:picLocks/>
+          </p:cNvPicPr>
+          <p:nvPr/>
+        </p:nvPicPr>
+        <p:blipFill>
+          <a:blip r:embed="rId4" cstate="print">
+            <a:extLst>
+              <a:ext uri="{28A0092B-C50C-407E-A947-70E740481C1C}">
+                <a14:useLocalDpi xmlns:a14="http://schemas.microsoft.com/office/drawing/2010/main" val="0"/>
+              </a:ext>
+            </a:extLst>
+          </a:blip>
+          <a:stretch>
+            <a:fillRect/>
+          </a:stretch>
+        </p:blipFill>
+        <p:spPr>
+          <a:xfrm>
+            <a:off x="2011447" y="2089150"/>
+            <a:ext cx="1465200" cy="1828800"/>
           </a:xfrm>
           <a:prstGeom prst="rect">
             <a:avLst/>

--- a/산출물/Team3 화면 설계 발표 ppt.pptx
+++ b/산출물/Team3 화면 설계 발표 ppt.pptx
@@ -5,7 +5,7 @@
     <p:sldMasterId id="2147483648" r:id="rId1"/>
   </p:sldMasterIdLst>
   <p:notesMasterIdLst>
-    <p:notesMasterId r:id="rId19"/>
+    <p:notesMasterId r:id="rId18"/>
   </p:notesMasterIdLst>
   <p:sldIdLst>
     <p:sldId id="256" r:id="rId2"/>
@@ -15,16 +15,15 @@
     <p:sldId id="267" r:id="rId6"/>
     <p:sldId id="286" r:id="rId7"/>
     <p:sldId id="270" r:id="rId8"/>
-    <p:sldId id="274" r:id="rId9"/>
-    <p:sldId id="285" r:id="rId10"/>
-    <p:sldId id="291" r:id="rId11"/>
-    <p:sldId id="279" r:id="rId12"/>
+    <p:sldId id="285" r:id="rId9"/>
+    <p:sldId id="291" r:id="rId10"/>
+    <p:sldId id="279" r:id="rId11"/>
+    <p:sldId id="274" r:id="rId12"/>
     <p:sldId id="273" r:id="rId13"/>
     <p:sldId id="276" r:id="rId14"/>
     <p:sldId id="277" r:id="rId15"/>
     <p:sldId id="278" r:id="rId16"/>
-    <p:sldId id="268" r:id="rId17"/>
-    <p:sldId id="283" r:id="rId18"/>
+    <p:sldId id="283" r:id="rId17"/>
   </p:sldIdLst>
   <p:sldSz cx="12190413" cy="6858000"/>
   <p:notesSz cx="6858000" cy="9144000"/>
@@ -1862,261 +1861,6 @@
       </p:grpSpPr>
       <p:sp>
         <p:nvSpPr>
-          <p:cNvPr id="30722" name="슬라이드 이미지 개체 틀 1"/>
-          <p:cNvSpPr>
-            <a:spLocks noGrp="1" noRot="1" noChangeAspect="1" noTextEdit="1"/>
-          </p:cNvSpPr>
-          <p:nvPr>
-            <p:ph type="sldImg"/>
-          </p:nvPr>
-        </p:nvSpPr>
-        <p:spPr bwMode="auto">
-          <a:noFill/>
-          <a:ln>
-            <a:solidFill>
-              <a:srgbClr val="000000"/>
-            </a:solidFill>
-            <a:miter lim="800000"/>
-            <a:headEnd/>
-            <a:tailEnd/>
-          </a:ln>
-          <a:extLst>
-            <a:ext uri="{909E8E84-426E-40DD-AFC4-6F175D3DCCD1}">
-              <a14:hiddenFill xmlns:a14="http://schemas.microsoft.com/office/drawing/2010/main">
-                <a:solidFill>
-                  <a:srgbClr val="FFFFFF"/>
-                </a:solidFill>
-              </a14:hiddenFill>
-            </a:ext>
-          </a:extLst>
-        </p:spPr>
-      </p:sp>
-      <p:sp>
-        <p:nvSpPr>
-          <p:cNvPr id="30723" name="슬라이드 노트 개체 틀 2"/>
-          <p:cNvSpPr>
-            <a:spLocks noGrp="1"/>
-          </p:cNvSpPr>
-          <p:nvPr>
-            <p:ph type="body" idx="1"/>
-          </p:nvPr>
-        </p:nvSpPr>
-        <p:spPr bwMode="auto">
-          <a:noFill/>
-          <a:extLst>
-            <a:ext uri="{909E8E84-426E-40DD-AFC4-6F175D3DCCD1}">
-              <a14:hiddenFill xmlns:a14="http://schemas.microsoft.com/office/drawing/2010/main">
-                <a:solidFill>
-                  <a:srgbClr val="FFFFFF"/>
-                </a:solidFill>
-              </a14:hiddenFill>
-            </a:ext>
-            <a:ext uri="{91240B29-F687-4F45-9708-019B960494DF}">
-              <a14:hiddenLine xmlns:a14="http://schemas.microsoft.com/office/drawing/2010/main" w="9525">
-                <a:solidFill>
-                  <a:srgbClr val="000000"/>
-                </a:solidFill>
-                <a:miter lim="800000"/>
-                <a:headEnd/>
-                <a:tailEnd/>
-              </a14:hiddenLine>
-            </a:ext>
-          </a:extLst>
-        </p:spPr>
-        <p:txBody>
-          <a:bodyPr wrap="square" numCol="1" anchor="t" anchorCtr="0" compatLnSpc="1">
-            <a:prstTxWarp prst="textNoShape">
-              <a:avLst/>
-            </a:prstTxWarp>
-          </a:bodyPr>
-          <a:lstStyle/>
-          <a:p>
-            <a:endParaRPr lang="ko-KR" altLang="en-US"/>
-          </a:p>
-        </p:txBody>
-      </p:sp>
-      <p:sp>
-        <p:nvSpPr>
-          <p:cNvPr id="30724" name="슬라이드 번호 개체 틀 3"/>
-          <p:cNvSpPr>
-            <a:spLocks noGrp="1"/>
-          </p:cNvSpPr>
-          <p:nvPr>
-            <p:ph type="sldNum" sz="quarter" idx="5"/>
-          </p:nvPr>
-        </p:nvSpPr>
-        <p:spPr bwMode="auto">
-          <a:noFill/>
-          <a:extLst>
-            <a:ext uri="{909E8E84-426E-40DD-AFC4-6F175D3DCCD1}">
-              <a14:hiddenFill xmlns:a14="http://schemas.microsoft.com/office/drawing/2010/main">
-                <a:solidFill>
-                  <a:srgbClr val="FFFFFF"/>
-                </a:solidFill>
-              </a14:hiddenFill>
-            </a:ext>
-            <a:ext uri="{91240B29-F687-4F45-9708-019B960494DF}">
-              <a14:hiddenLine xmlns:a14="http://schemas.microsoft.com/office/drawing/2010/main" w="9525">
-                <a:solidFill>
-                  <a:srgbClr val="000000"/>
-                </a:solidFill>
-                <a:miter lim="800000"/>
-                <a:headEnd/>
-                <a:tailEnd/>
-              </a14:hiddenLine>
-            </a:ext>
-          </a:extLst>
-        </p:spPr>
-        <p:txBody>
-          <a:bodyPr wrap="square" numCol="1" anchorCtr="0" compatLnSpc="1">
-            <a:prstTxWarp prst="textNoShape">
-              <a:avLst/>
-            </a:prstTxWarp>
-          </a:bodyPr>
-          <a:lstStyle>
-            <a:lvl1pPr>
-              <a:defRPr kumimoji="1">
-                <a:solidFill>
-                  <a:schemeClr val="tx1"/>
-                </a:solidFill>
-                <a:latin typeface="맑은 고딕" panose="020B0503020000020004" pitchFamily="50" charset="-127"/>
-                <a:ea typeface="굴림" panose="020B0600000101010101" pitchFamily="50" charset="-127"/>
-              </a:defRPr>
-            </a:lvl1pPr>
-            <a:lvl2pPr marL="742950" indent="-285750">
-              <a:defRPr kumimoji="1">
-                <a:solidFill>
-                  <a:schemeClr val="tx1"/>
-                </a:solidFill>
-                <a:latin typeface="맑은 고딕" panose="020B0503020000020004" pitchFamily="50" charset="-127"/>
-                <a:ea typeface="굴림" panose="020B0600000101010101" pitchFamily="50" charset="-127"/>
-              </a:defRPr>
-            </a:lvl2pPr>
-            <a:lvl3pPr marL="1143000" indent="-228600">
-              <a:defRPr kumimoji="1">
-                <a:solidFill>
-                  <a:schemeClr val="tx1"/>
-                </a:solidFill>
-                <a:latin typeface="맑은 고딕" panose="020B0503020000020004" pitchFamily="50" charset="-127"/>
-                <a:ea typeface="굴림" panose="020B0600000101010101" pitchFamily="50" charset="-127"/>
-              </a:defRPr>
-            </a:lvl3pPr>
-            <a:lvl4pPr marL="1600200" indent="-228600">
-              <a:defRPr kumimoji="1">
-                <a:solidFill>
-                  <a:schemeClr val="tx1"/>
-                </a:solidFill>
-                <a:latin typeface="맑은 고딕" panose="020B0503020000020004" pitchFamily="50" charset="-127"/>
-                <a:ea typeface="굴림" panose="020B0600000101010101" pitchFamily="50" charset="-127"/>
-              </a:defRPr>
-            </a:lvl4pPr>
-            <a:lvl5pPr marL="2057400" indent="-228600">
-              <a:defRPr kumimoji="1">
-                <a:solidFill>
-                  <a:schemeClr val="tx1"/>
-                </a:solidFill>
-                <a:latin typeface="맑은 고딕" panose="020B0503020000020004" pitchFamily="50" charset="-127"/>
-                <a:ea typeface="굴림" panose="020B0600000101010101" pitchFamily="50" charset="-127"/>
-              </a:defRPr>
-            </a:lvl5pPr>
-            <a:lvl6pPr marL="2514600" indent="-228600" eaLnBrk="0" fontAlgn="base" hangingPunct="0">
-              <a:spcBef>
-                <a:spcPct val="0"/>
-              </a:spcBef>
-              <a:spcAft>
-                <a:spcPct val="0"/>
-              </a:spcAft>
-              <a:defRPr kumimoji="1">
-                <a:solidFill>
-                  <a:schemeClr val="tx1"/>
-                </a:solidFill>
-                <a:latin typeface="맑은 고딕" panose="020B0503020000020004" pitchFamily="50" charset="-127"/>
-                <a:ea typeface="굴림" panose="020B0600000101010101" pitchFamily="50" charset="-127"/>
-              </a:defRPr>
-            </a:lvl6pPr>
-            <a:lvl7pPr marL="2971800" indent="-228600" eaLnBrk="0" fontAlgn="base" hangingPunct="0">
-              <a:spcBef>
-                <a:spcPct val="0"/>
-              </a:spcBef>
-              <a:spcAft>
-                <a:spcPct val="0"/>
-              </a:spcAft>
-              <a:defRPr kumimoji="1">
-                <a:solidFill>
-                  <a:schemeClr val="tx1"/>
-                </a:solidFill>
-                <a:latin typeface="맑은 고딕" panose="020B0503020000020004" pitchFamily="50" charset="-127"/>
-                <a:ea typeface="굴림" panose="020B0600000101010101" pitchFamily="50" charset="-127"/>
-              </a:defRPr>
-            </a:lvl7pPr>
-            <a:lvl8pPr marL="3429000" indent="-228600" eaLnBrk="0" fontAlgn="base" hangingPunct="0">
-              <a:spcBef>
-                <a:spcPct val="0"/>
-              </a:spcBef>
-              <a:spcAft>
-                <a:spcPct val="0"/>
-              </a:spcAft>
-              <a:defRPr kumimoji="1">
-                <a:solidFill>
-                  <a:schemeClr val="tx1"/>
-                </a:solidFill>
-                <a:latin typeface="맑은 고딕" panose="020B0503020000020004" pitchFamily="50" charset="-127"/>
-                <a:ea typeface="굴림" panose="020B0600000101010101" pitchFamily="50" charset="-127"/>
-              </a:defRPr>
-            </a:lvl8pPr>
-            <a:lvl9pPr marL="3886200" indent="-228600" eaLnBrk="0" fontAlgn="base" hangingPunct="0">
-              <a:spcBef>
-                <a:spcPct val="0"/>
-              </a:spcBef>
-              <a:spcAft>
-                <a:spcPct val="0"/>
-              </a:spcAft>
-              <a:defRPr kumimoji="1">
-                <a:solidFill>
-                  <a:schemeClr val="tx1"/>
-                </a:solidFill>
-                <a:latin typeface="맑은 고딕" panose="020B0503020000020004" pitchFamily="50" charset="-127"/>
-                <a:ea typeface="굴림" panose="020B0600000101010101" pitchFamily="50" charset="-127"/>
-              </a:defRPr>
-            </a:lvl9pPr>
-          </a:lstStyle>
-          <a:p>
-            <a:fld id="{A8D29645-7411-4A39-97A0-E308831378B2}" type="slidenum">
-              <a:rPr lang="ko-KR" altLang="en-US" smtClean="0"/>
-              <a:pPr/>
-              <a:t>16</a:t>
-            </a:fld>
-            <a:endParaRPr lang="ko-KR" altLang="en-US"/>
-          </a:p>
-        </p:txBody>
-      </p:sp>
-    </p:spTree>
-  </p:cSld>
-  <p:clrMapOvr>
-    <a:masterClrMapping/>
-  </p:clrMapOvr>
-</p:notes>
-</file>
-
-<file path=ppt/notesSlides/notesSlide15.xml><?xml version="1.0" encoding="utf-8"?>
-<p:notes xmlns:a="http://schemas.openxmlformats.org/drawingml/2006/main" xmlns:r="http://schemas.openxmlformats.org/officeDocument/2006/relationships" xmlns:p="http://schemas.openxmlformats.org/presentationml/2006/main">
-  <p:cSld>
-    <p:spTree>
-      <p:nvGrpSpPr>
-        <p:cNvPr id="1" name=""/>
-        <p:cNvGrpSpPr/>
-        <p:nvPr/>
-      </p:nvGrpSpPr>
-      <p:grpSpPr>
-        <a:xfrm>
-          <a:off x="0" y="0"/>
-          <a:ext cx="0" cy="0"/>
-          <a:chOff x="0" y="0"/>
-          <a:chExt cx="0" cy="0"/>
-        </a:xfrm>
-      </p:grpSpPr>
-      <p:sp>
-        <p:nvSpPr>
           <p:cNvPr id="34818" name="슬라이드 이미지 개체 틀 1"/>
           <p:cNvSpPr>
             <a:spLocks noGrp="1" noRot="1" noChangeAspect="1" noTextEdit="1"/>
@@ -2339,7 +2083,7 @@
             <a:fld id="{34EF311D-E29B-45FD-B4EB-97AE3D58A47B}" type="slidenum">
               <a:rPr lang="ko-KR" altLang="en-US" smtClean="0"/>
               <a:pPr/>
-              <a:t>17</a:t>
+              <a:t>16</a:t>
             </a:fld>
             <a:endParaRPr lang="ko-KR" altLang="en-US"/>
           </a:p>
@@ -3095,7 +2839,7 @@
       </p:grpSpPr>
       <p:sp>
         <p:nvSpPr>
-          <p:cNvPr id="16386" name="슬라이드 이미지 개체 틀 1"/>
+          <p:cNvPr id="26626" name="슬라이드 이미지 개체 틀 1"/>
           <p:cNvSpPr>
             <a:spLocks noGrp="1" noRot="1" noChangeAspect="1" noTextEdit="1"/>
           </p:cNvSpPr>
@@ -3126,7 +2870,7 @@
       </p:sp>
       <p:sp>
         <p:nvSpPr>
-          <p:cNvPr id="16387" name="슬라이드 노트 개체 틀 2"/>
+          <p:cNvPr id="26627" name="슬라이드 노트 개체 틀 2"/>
           <p:cNvSpPr>
             <a:spLocks noGrp="1"/>
           </p:cNvSpPr>
@@ -3170,7 +2914,7 @@
       </p:sp>
       <p:sp>
         <p:nvSpPr>
-          <p:cNvPr id="16388" name="슬라이드 번호 개체 틀 3"/>
+          <p:cNvPr id="26628" name="슬라이드 번호 개체 틀 3"/>
           <p:cNvSpPr>
             <a:spLocks noGrp="1"/>
           </p:cNvSpPr>
@@ -3314,7 +3058,7 @@
             </a:lvl9pPr>
           </a:lstStyle>
           <a:p>
-            <a:fld id="{F87D9AC1-BC93-4CF6-9ADB-031E2966E5A0}" type="slidenum">
+            <a:fld id="{A5D0E04E-C966-4F17-B578-FC771CCA691D}" type="slidenum">
               <a:rPr lang="ko-KR" altLang="en-US" smtClean="0"/>
               <a:pPr/>
               <a:t>8</a:t>
@@ -3324,6 +3068,11 @@
         </p:txBody>
       </p:sp>
     </p:spTree>
+    <p:extLst>
+      <p:ext uri="{BB962C8B-B14F-4D97-AF65-F5344CB8AC3E}">
+        <p14:creationId xmlns:p14="http://schemas.microsoft.com/office/powerpoint/2010/main" val="238835315"/>
+      </p:ext>
+    </p:extLst>
   </p:cSld>
   <p:clrMapOvr>
     <a:masterClrMapping/>
@@ -3581,7 +3330,7 @@
     </p:spTree>
     <p:extLst>
       <p:ext uri="{BB962C8B-B14F-4D97-AF65-F5344CB8AC3E}">
-        <p14:creationId xmlns:p14="http://schemas.microsoft.com/office/powerpoint/2010/main" val="238835315"/>
+        <p14:creationId xmlns:p14="http://schemas.microsoft.com/office/powerpoint/2010/main" val="3084625829"/>
       </p:ext>
     </p:extLst>
   </p:cSld>
@@ -3839,11 +3588,6 @@
         </p:txBody>
       </p:sp>
     </p:spTree>
-    <p:extLst>
-      <p:ext uri="{BB962C8B-B14F-4D97-AF65-F5344CB8AC3E}">
-        <p14:creationId xmlns:p14="http://schemas.microsoft.com/office/powerpoint/2010/main" val="3084625829"/>
-      </p:ext>
-    </p:extLst>
   </p:cSld>
   <p:clrMapOvr>
     <a:masterClrMapping/>
@@ -3870,7 +3614,7 @@
       </p:grpSpPr>
       <p:sp>
         <p:nvSpPr>
-          <p:cNvPr id="26626" name="슬라이드 이미지 개체 틀 1"/>
+          <p:cNvPr id="16386" name="슬라이드 이미지 개체 틀 1"/>
           <p:cNvSpPr>
             <a:spLocks noGrp="1" noRot="1" noChangeAspect="1" noTextEdit="1"/>
           </p:cNvSpPr>
@@ -3901,7 +3645,7 @@
       </p:sp>
       <p:sp>
         <p:nvSpPr>
-          <p:cNvPr id="26627" name="슬라이드 노트 개체 틀 2"/>
+          <p:cNvPr id="16387" name="슬라이드 노트 개체 틀 2"/>
           <p:cNvSpPr>
             <a:spLocks noGrp="1"/>
           </p:cNvSpPr>
@@ -3945,7 +3689,7 @@
       </p:sp>
       <p:sp>
         <p:nvSpPr>
-          <p:cNvPr id="26628" name="슬라이드 번호 개체 틀 3"/>
+          <p:cNvPr id="16388" name="슬라이드 번호 개체 틀 3"/>
           <p:cNvSpPr>
             <a:spLocks noGrp="1"/>
           </p:cNvSpPr>
@@ -4089,7 +3833,7 @@
             </a:lvl9pPr>
           </a:lstStyle>
           <a:p>
-            <a:fld id="{A5D0E04E-C966-4F17-B578-FC771CCA691D}" type="slidenum">
+            <a:fld id="{F87D9AC1-BC93-4CF6-9ADB-031E2966E5A0}" type="slidenum">
               <a:rPr lang="ko-KR" altLang="en-US" smtClean="0"/>
               <a:pPr/>
               <a:t>11</a:t>
@@ -8482,1289 +8226,6 @@
                 <a:latin typeface="나눔스퀘어OTF Bold" panose="020B0600000101010101" pitchFamily="34" charset="-127"/>
                 <a:ea typeface="나눔스퀘어OTF Bold" panose="020B0600000101010101" pitchFamily="34" charset="-127"/>
               </a:rPr>
-              <a:t>:3 Tier </a:t>
-            </a:r>
-            <a:r>
-              <a:rPr kumimoji="0" lang="ko-KR" altLang="en-US" sz="2400">
-                <a:solidFill>
-                  <a:schemeClr val="tx2"/>
-                </a:solidFill>
-                <a:latin typeface="나눔스퀘어OTF Bold" panose="020B0600000101010101" pitchFamily="34" charset="-127"/>
-                <a:ea typeface="나눔스퀘어OTF Bold" panose="020B0600000101010101" pitchFamily="34" charset="-127"/>
-              </a:rPr>
-              <a:t>구조</a:t>
-            </a:r>
-          </a:p>
-        </p:txBody>
-      </p:sp>
-      <p:sp>
-        <p:nvSpPr>
-          <p:cNvPr id="44" name="Text Box 44"/>
-          <p:cNvSpPr txBox="1">
-            <a:spLocks noChangeArrowheads="1"/>
-          </p:cNvSpPr>
-          <p:nvPr/>
-        </p:nvSpPr>
-        <p:spPr bwMode="auto">
-          <a:xfrm>
-            <a:off x="782638" y="2320925"/>
-            <a:ext cx="6608712" cy="3653049"/>
-          </a:xfrm>
-          <a:prstGeom prst="rect">
-            <a:avLst/>
-          </a:prstGeom>
-          <a:blipFill dpi="0" rotWithShape="1">
-            <a:blip r:embed="rId3" cstate="print">
-              <a:extLst>
-                <a:ext uri="{28A0092B-C50C-407E-A947-70E740481C1C}">
-                  <a14:useLocalDpi xmlns:a14="http://schemas.microsoft.com/office/drawing/2010/main" val="0"/>
-                </a:ext>
-              </a:extLst>
-            </a:blip>
-            <a:srcRect/>
-            <a:stretch>
-              <a:fillRect/>
-            </a:stretch>
-          </a:blipFill>
-          <a:ln w="12700" cap="flat" cmpd="sng" algn="ctr">
-            <a:gradFill>
-              <a:gsLst>
-                <a:gs pos="0">
-                  <a:sysClr val="window" lastClr="FFFFFF">
-                    <a:lumMod val="85000"/>
-                  </a:sysClr>
-                </a:gs>
-                <a:gs pos="50000">
-                  <a:sysClr val="window" lastClr="FFFFFF"/>
-                </a:gs>
-                <a:gs pos="100000">
-                  <a:sysClr val="window" lastClr="FFFFFF">
-                    <a:lumMod val="85000"/>
-                  </a:sysClr>
-                </a:gs>
-              </a:gsLst>
-              <a:lin ang="5400000" scaled="0"/>
-            </a:gradFill>
-            <a:prstDash val="solid"/>
-            <a:miter lim="800000"/>
-            <a:headEnd/>
-            <a:tailEnd/>
-          </a:ln>
-          <a:effectLst>
-            <a:outerShdw blurRad="50800" dist="38100" dir="2700000" algn="tl" rotWithShape="0">
-              <a:prstClr val="black">
-                <a:alpha val="40000"/>
-              </a:prstClr>
-            </a:outerShdw>
-          </a:effectLst>
-        </p:spPr>
-        <p:txBody>
-          <a:bodyPr lIns="70650" tIns="70650" rIns="70650" bIns="44853"/>
-          <a:lstStyle/>
-          <a:p>
-            <a:pPr marL="84095" indent="-84095" defTabSz="897033" eaLnBrk="1" fontAlgn="auto" latinLnBrk="1" hangingPunct="1">
-              <a:spcBef>
-                <a:spcPts val="0"/>
-              </a:spcBef>
-              <a:spcAft>
-                <a:spcPts val="294"/>
-              </a:spcAft>
-              <a:buClr>
-                <a:srgbClr val="A1A1A1"/>
-              </a:buClr>
-              <a:buSzPct val="100000"/>
-              <a:buFont typeface="Arial" pitchFamily="34" charset="0"/>
-              <a:buChar char="•"/>
-              <a:defRPr/>
-            </a:pPr>
-            <a:endParaRPr kumimoji="0" lang="ko-KR" altLang="en-US" sz="883" kern="0" dirty="0">
-              <a:solidFill>
-                <a:srgbClr val="FF0000"/>
-              </a:solidFill>
-              <a:latin typeface="나눔고딕" panose="020D0304000000000000" pitchFamily="50" charset="-127"/>
-              <a:ea typeface="나눔스퀘어"/>
-              <a:sym typeface="Wingdings" pitchFamily="2" charset="2"/>
-            </a:endParaRPr>
-          </a:p>
-        </p:txBody>
-      </p:sp>
-      <p:sp>
-        <p:nvSpPr>
-          <p:cNvPr id="49" name="모서리가 둥근 직사각형 48"/>
-          <p:cNvSpPr/>
-          <p:nvPr/>
-        </p:nvSpPr>
-        <p:spPr bwMode="auto">
-          <a:xfrm>
-            <a:off x="2311400" y="6165850"/>
-            <a:ext cx="2268538" cy="319088"/>
-          </a:xfrm>
-          <a:prstGeom prst="roundRect">
-            <a:avLst>
-              <a:gd name="adj" fmla="val 50000"/>
-            </a:avLst>
-          </a:prstGeom>
-          <a:gradFill flip="none" rotWithShape="1">
-            <a:gsLst>
-              <a:gs pos="100000">
-                <a:schemeClr val="bg1">
-                  <a:lumMod val="50000"/>
-                </a:schemeClr>
-              </a:gs>
-              <a:gs pos="50000">
-                <a:schemeClr val="tx1"/>
-              </a:gs>
-              <a:gs pos="0">
-                <a:schemeClr val="bg1">
-                  <a:lumMod val="65000"/>
-                </a:schemeClr>
-              </a:gs>
-            </a:gsLst>
-            <a:lin ang="0" scaled="1"/>
-            <a:tileRect/>
-          </a:gradFill>
-          <a:ln w="12700">
-            <a:noFill/>
-          </a:ln>
-        </p:spPr>
-        <p:style>
-          <a:lnRef idx="2">
-            <a:schemeClr val="accent1">
-              <a:shade val="50000"/>
-            </a:schemeClr>
-          </a:lnRef>
-          <a:fillRef idx="1">
-            <a:schemeClr val="accent1"/>
-          </a:fillRef>
-          <a:effectRef idx="0">
-            <a:schemeClr val="accent1"/>
-          </a:effectRef>
-          <a:fontRef idx="minor">
-            <a:schemeClr val="lt1"/>
-          </a:fontRef>
-        </p:style>
-        <p:txBody>
-          <a:bodyPr anchor="ctr"/>
-          <a:lstStyle/>
-          <a:p>
-            <a:pPr algn="ctr" eaLnBrk="1" fontAlgn="auto" latinLnBrk="1" hangingPunct="1">
-              <a:spcBef>
-                <a:spcPts val="0"/>
-              </a:spcBef>
-              <a:spcAft>
-                <a:spcPts val="0"/>
-              </a:spcAft>
-              <a:defRPr/>
-            </a:pPr>
-            <a:r>
-              <a:rPr kumimoji="0" lang="en-US" altLang="ko-KR" sz="1600">
-                <a:solidFill>
-                  <a:schemeClr val="bg1"/>
-                </a:solidFill>
-                <a:latin typeface="나눔스퀘어OTF ExtraBold" pitchFamily="34" charset="-127"/>
-                <a:ea typeface="나눔스퀘어OTF ExtraBold" pitchFamily="34" charset="-127"/>
-              </a:rPr>
-              <a:t>3 Tier </a:t>
-            </a:r>
-            <a:r>
-              <a:rPr kumimoji="0" lang="ko-KR" altLang="en-US" sz="1600">
-                <a:solidFill>
-                  <a:schemeClr val="bg1"/>
-                </a:solidFill>
-                <a:latin typeface="나눔스퀘어OTF ExtraBold" pitchFamily="34" charset="-127"/>
-                <a:ea typeface="나눔스퀘어OTF ExtraBold" pitchFamily="34" charset="-127"/>
-              </a:rPr>
-              <a:t>구조</a:t>
-            </a:r>
-            <a:endParaRPr kumimoji="0" lang="ko-KR" altLang="en-US" sz="1600" dirty="0">
-              <a:solidFill>
-                <a:schemeClr val="bg1"/>
-              </a:solidFill>
-              <a:latin typeface="나눔스퀘어OTF ExtraBold" pitchFamily="34" charset="-127"/>
-              <a:ea typeface="나눔스퀘어OTF ExtraBold" pitchFamily="34" charset="-127"/>
-            </a:endParaRPr>
-          </a:p>
-        </p:txBody>
-      </p:sp>
-      <p:sp>
-        <p:nvSpPr>
-          <p:cNvPr id="25612" name="직사각형 10"/>
-          <p:cNvSpPr>
-            <a:spLocks noChangeArrowheads="1"/>
-          </p:cNvSpPr>
-          <p:nvPr/>
-        </p:nvSpPr>
-        <p:spPr bwMode="auto">
-          <a:xfrm>
-            <a:off x="7895406" y="2477417"/>
-            <a:ext cx="3960044" cy="400110"/>
-          </a:xfrm>
-          <a:prstGeom prst="rect">
-            <a:avLst/>
-          </a:prstGeom>
-          <a:noFill/>
-          <a:ln>
-            <a:noFill/>
-          </a:ln>
-          <a:extLst>
-            <a:ext uri="{909E8E84-426E-40DD-AFC4-6F175D3DCCD1}">
-              <a14:hiddenFill xmlns:a14="http://schemas.microsoft.com/office/drawing/2010/main">
-                <a:solidFill>
-                  <a:srgbClr val="FFFFFF"/>
-                </a:solidFill>
-              </a14:hiddenFill>
-            </a:ext>
-            <a:ext uri="{91240B29-F687-4F45-9708-019B960494DF}">
-              <a14:hiddenLine xmlns:a14="http://schemas.microsoft.com/office/drawing/2010/main" w="9525">
-                <a:solidFill>
-                  <a:srgbClr val="000000"/>
-                </a:solidFill>
-                <a:miter lim="800000"/>
-                <a:headEnd/>
-                <a:tailEnd/>
-              </a14:hiddenLine>
-            </a:ext>
-          </a:extLst>
-        </p:spPr>
-        <p:txBody>
-          <a:bodyPr wrap="square">
-            <a:spAutoFit/>
-          </a:bodyPr>
-          <a:lstStyle>
-            <a:lvl1pPr marL="285750" indent="-285750" latinLnBrk="1">
-              <a:spcBef>
-                <a:spcPct val="20000"/>
-              </a:spcBef>
-              <a:buFont typeface="Arial" panose="020B0604020202020204" pitchFamily="34" charset="0"/>
-              <a:buChar char="•"/>
-              <a:defRPr sz="3200">
-                <a:solidFill>
-                  <a:schemeClr val="tx1"/>
-                </a:solidFill>
-                <a:latin typeface="맑은 고딕" panose="020B0503020000020004" pitchFamily="50" charset="-127"/>
-                <a:ea typeface="맑은 고딕" panose="020B0503020000020004" pitchFamily="50" charset="-127"/>
-              </a:defRPr>
-            </a:lvl1pPr>
-            <a:lvl2pPr marL="742950" indent="-285750" latinLnBrk="1">
-              <a:spcBef>
-                <a:spcPct val="20000"/>
-              </a:spcBef>
-              <a:buFont typeface="Arial" panose="020B0604020202020204" pitchFamily="34" charset="0"/>
-              <a:buChar char="–"/>
-              <a:defRPr sz="2800">
-                <a:solidFill>
-                  <a:schemeClr val="tx1"/>
-                </a:solidFill>
-                <a:latin typeface="맑은 고딕" panose="020B0503020000020004" pitchFamily="50" charset="-127"/>
-                <a:ea typeface="맑은 고딕" panose="020B0503020000020004" pitchFamily="50" charset="-127"/>
-              </a:defRPr>
-            </a:lvl2pPr>
-            <a:lvl3pPr marL="1143000" indent="-228600" latinLnBrk="1">
-              <a:spcBef>
-                <a:spcPct val="20000"/>
-              </a:spcBef>
-              <a:buFont typeface="Arial" panose="020B0604020202020204" pitchFamily="34" charset="0"/>
-              <a:buChar char="•"/>
-              <a:defRPr sz="2400">
-                <a:solidFill>
-                  <a:schemeClr val="tx1"/>
-                </a:solidFill>
-                <a:latin typeface="맑은 고딕" panose="020B0503020000020004" pitchFamily="50" charset="-127"/>
-                <a:ea typeface="맑은 고딕" panose="020B0503020000020004" pitchFamily="50" charset="-127"/>
-              </a:defRPr>
-            </a:lvl3pPr>
-            <a:lvl4pPr marL="1600200" indent="-228600" latinLnBrk="1">
-              <a:spcBef>
-                <a:spcPct val="20000"/>
-              </a:spcBef>
-              <a:buFont typeface="Arial" panose="020B0604020202020204" pitchFamily="34" charset="0"/>
-              <a:buChar char="–"/>
-              <a:defRPr sz="2000">
-                <a:solidFill>
-                  <a:schemeClr val="tx1"/>
-                </a:solidFill>
-                <a:latin typeface="맑은 고딕" panose="020B0503020000020004" pitchFamily="50" charset="-127"/>
-                <a:ea typeface="맑은 고딕" panose="020B0503020000020004" pitchFamily="50" charset="-127"/>
-              </a:defRPr>
-            </a:lvl4pPr>
-            <a:lvl5pPr marL="2057400" indent="-228600" latinLnBrk="1">
-              <a:spcBef>
-                <a:spcPct val="20000"/>
-              </a:spcBef>
-              <a:buFont typeface="Arial" panose="020B0604020202020204" pitchFamily="34" charset="0"/>
-              <a:buChar char="»"/>
-              <a:defRPr sz="2000">
-                <a:solidFill>
-                  <a:schemeClr val="tx1"/>
-                </a:solidFill>
-                <a:latin typeface="맑은 고딕" panose="020B0503020000020004" pitchFamily="50" charset="-127"/>
-                <a:ea typeface="맑은 고딕" panose="020B0503020000020004" pitchFamily="50" charset="-127"/>
-              </a:defRPr>
-            </a:lvl5pPr>
-            <a:lvl6pPr marL="2514600" indent="-228600" eaLnBrk="0" fontAlgn="base" hangingPunct="0">
-              <a:spcBef>
-                <a:spcPct val="20000"/>
-              </a:spcBef>
-              <a:spcAft>
-                <a:spcPct val="0"/>
-              </a:spcAft>
-              <a:buFont typeface="Arial" panose="020B0604020202020204" pitchFamily="34" charset="0"/>
-              <a:buChar char="»"/>
-              <a:defRPr sz="2000">
-                <a:solidFill>
-                  <a:schemeClr val="tx1"/>
-                </a:solidFill>
-                <a:latin typeface="맑은 고딕" panose="020B0503020000020004" pitchFamily="50" charset="-127"/>
-                <a:ea typeface="맑은 고딕" panose="020B0503020000020004" pitchFamily="50" charset="-127"/>
-              </a:defRPr>
-            </a:lvl6pPr>
-            <a:lvl7pPr marL="2971800" indent="-228600" eaLnBrk="0" fontAlgn="base" hangingPunct="0">
-              <a:spcBef>
-                <a:spcPct val="20000"/>
-              </a:spcBef>
-              <a:spcAft>
-                <a:spcPct val="0"/>
-              </a:spcAft>
-              <a:buFont typeface="Arial" panose="020B0604020202020204" pitchFamily="34" charset="0"/>
-              <a:buChar char="»"/>
-              <a:defRPr sz="2000">
-                <a:solidFill>
-                  <a:schemeClr val="tx1"/>
-                </a:solidFill>
-                <a:latin typeface="맑은 고딕" panose="020B0503020000020004" pitchFamily="50" charset="-127"/>
-                <a:ea typeface="맑은 고딕" panose="020B0503020000020004" pitchFamily="50" charset="-127"/>
-              </a:defRPr>
-            </a:lvl7pPr>
-            <a:lvl8pPr marL="3429000" indent="-228600" eaLnBrk="0" fontAlgn="base" hangingPunct="0">
-              <a:spcBef>
-                <a:spcPct val="20000"/>
-              </a:spcBef>
-              <a:spcAft>
-                <a:spcPct val="0"/>
-              </a:spcAft>
-              <a:buFont typeface="Arial" panose="020B0604020202020204" pitchFamily="34" charset="0"/>
-              <a:buChar char="»"/>
-              <a:defRPr sz="2000">
-                <a:solidFill>
-                  <a:schemeClr val="tx1"/>
-                </a:solidFill>
-                <a:latin typeface="맑은 고딕" panose="020B0503020000020004" pitchFamily="50" charset="-127"/>
-                <a:ea typeface="맑은 고딕" panose="020B0503020000020004" pitchFamily="50" charset="-127"/>
-              </a:defRPr>
-            </a:lvl8pPr>
-            <a:lvl9pPr marL="3886200" indent="-228600" eaLnBrk="0" fontAlgn="base" hangingPunct="0">
-              <a:spcBef>
-                <a:spcPct val="20000"/>
-              </a:spcBef>
-              <a:spcAft>
-                <a:spcPct val="0"/>
-              </a:spcAft>
-              <a:buFont typeface="Arial" panose="020B0604020202020204" pitchFamily="34" charset="0"/>
-              <a:buChar char="»"/>
-              <a:defRPr sz="2000">
-                <a:solidFill>
-                  <a:schemeClr val="tx1"/>
-                </a:solidFill>
-                <a:latin typeface="맑은 고딕" panose="020B0503020000020004" pitchFamily="50" charset="-127"/>
-                <a:ea typeface="맑은 고딕" panose="020B0503020000020004" pitchFamily="50" charset="-127"/>
-              </a:defRPr>
-            </a:lvl9pPr>
-          </a:lstStyle>
-          <a:p>
-            <a:pPr algn="just" eaLnBrk="1" hangingPunct="1">
-              <a:spcBef>
-                <a:spcPct val="0"/>
-              </a:spcBef>
-              <a:buFontTx/>
-              <a:buChar char="-"/>
-            </a:pPr>
-            <a:endParaRPr kumimoji="0" lang="ko-KR" altLang="en-US" sz="2000" b="1">
-              <a:latin typeface="나눔스퀘어OTF" panose="020B0600000101010101" pitchFamily="34" charset="-127"/>
-              <a:ea typeface="나눔스퀘어OTF" panose="020B0600000101010101" pitchFamily="34" charset="-127"/>
-            </a:endParaRPr>
-          </a:p>
-        </p:txBody>
-      </p:sp>
-      <p:grpSp>
-        <p:nvGrpSpPr>
-          <p:cNvPr id="18" name="그룹 13">
-            <a:extLst>
-              <a:ext uri="{FF2B5EF4-FFF2-40B4-BE49-F238E27FC236}">
-                <a16:creationId xmlns:a16="http://schemas.microsoft.com/office/drawing/2014/main" id="{CEDC1F82-6178-43A9-950D-20D683336E91}"/>
-              </a:ext>
-            </a:extLst>
-          </p:cNvPr>
-          <p:cNvGrpSpPr>
-            <a:grpSpLocks/>
-          </p:cNvGrpSpPr>
-          <p:nvPr/>
-        </p:nvGrpSpPr>
-        <p:grpSpPr bwMode="auto">
-          <a:xfrm rot="5400000">
-            <a:off x="8534474" y="-2980530"/>
-            <a:ext cx="369889" cy="6832600"/>
-            <a:chOff x="11783835" y="1420022"/>
-            <a:chExt cx="370109" cy="4457250"/>
-          </a:xfrm>
-        </p:grpSpPr>
-        <p:sp>
-          <p:nvSpPr>
-            <p:cNvPr id="19" name="양쪽 모서리가 둥근 사각형 21">
-              <a:extLst>
-                <a:ext uri="{FF2B5EF4-FFF2-40B4-BE49-F238E27FC236}">
-                  <a16:creationId xmlns:a16="http://schemas.microsoft.com/office/drawing/2014/main" id="{D9131C69-C67C-4FEF-9D59-6E0557EA5CC7}"/>
-                </a:ext>
-              </a:extLst>
-            </p:cNvPr>
-            <p:cNvSpPr/>
-            <p:nvPr/>
-          </p:nvSpPr>
-          <p:spPr>
-            <a:xfrm rot="16200000" flipH="1">
-              <a:off x="11537041" y="5260370"/>
-              <a:ext cx="863696" cy="370108"/>
-            </a:xfrm>
-            <a:prstGeom prst="round2SameRect">
-              <a:avLst>
-                <a:gd name="adj1" fmla="val 50000"/>
-                <a:gd name="adj2" fmla="val 0"/>
-              </a:avLst>
-            </a:prstGeom>
-            <a:solidFill>
-              <a:schemeClr val="bg1">
-                <a:lumMod val="85000"/>
-              </a:schemeClr>
-            </a:solidFill>
-            <a:ln>
-              <a:solidFill>
-                <a:schemeClr val="bg1"/>
-              </a:solidFill>
-            </a:ln>
-          </p:spPr>
-          <p:style>
-            <a:lnRef idx="2">
-              <a:schemeClr val="accent1">
-                <a:shade val="50000"/>
-              </a:schemeClr>
-            </a:lnRef>
-            <a:fillRef idx="1">
-              <a:schemeClr val="accent1"/>
-            </a:fillRef>
-            <a:effectRef idx="0">
-              <a:schemeClr val="accent1"/>
-            </a:effectRef>
-            <a:fontRef idx="minor">
-              <a:schemeClr val="lt1"/>
-            </a:fontRef>
-          </p:style>
-          <p:txBody>
-            <a:bodyPr anchor="ctr"/>
-            <a:lstStyle/>
-            <a:p>
-              <a:pPr algn="ctr" eaLnBrk="1" fontAlgn="auto" latinLnBrk="1" hangingPunct="1">
-                <a:spcBef>
-                  <a:spcPts val="0"/>
-                </a:spcBef>
-                <a:spcAft>
-                  <a:spcPts val="0"/>
-                </a:spcAft>
-                <a:defRPr/>
-              </a:pPr>
-              <a:r>
-                <a:rPr kumimoji="0" lang="ko-KR" altLang="en-US" sz="1500" dirty="0">
-                  <a:solidFill>
-                    <a:schemeClr val="tx1"/>
-                  </a:solidFill>
-                  <a:latin typeface="여기어때 잘난체 OTF" pitchFamily="34" charset="-127"/>
-                  <a:ea typeface="여기어때 잘난체 OTF" pitchFamily="34" charset="-127"/>
-                </a:rPr>
-                <a:t>개요</a:t>
-              </a:r>
-            </a:p>
-          </p:txBody>
-        </p:sp>
-        <p:sp>
-          <p:nvSpPr>
-            <p:cNvPr id="20" name="양쪽 모서리가 둥근 사각형 23">
-              <a:extLst>
-                <a:ext uri="{FF2B5EF4-FFF2-40B4-BE49-F238E27FC236}">
-                  <a16:creationId xmlns:a16="http://schemas.microsoft.com/office/drawing/2014/main" id="{63538C9F-CA25-4171-BFBF-D77CEE9CA346}"/>
-                </a:ext>
-              </a:extLst>
-            </p:cNvPr>
-            <p:cNvSpPr/>
-            <p:nvPr/>
-          </p:nvSpPr>
-          <p:spPr>
-            <a:xfrm rot="16200000" flipH="1">
-              <a:off x="11536006" y="4541659"/>
-              <a:ext cx="865767" cy="370108"/>
-            </a:xfrm>
-            <a:prstGeom prst="round2SameRect">
-              <a:avLst>
-                <a:gd name="adj1" fmla="val 50000"/>
-                <a:gd name="adj2" fmla="val 0"/>
-              </a:avLst>
-            </a:prstGeom>
-            <a:solidFill>
-              <a:schemeClr val="bg1">
-                <a:lumMod val="85000"/>
-              </a:schemeClr>
-            </a:solidFill>
-            <a:ln>
-              <a:solidFill>
-                <a:schemeClr val="bg1"/>
-              </a:solidFill>
-            </a:ln>
-          </p:spPr>
-          <p:style>
-            <a:lnRef idx="2">
-              <a:schemeClr val="accent1">
-                <a:shade val="50000"/>
-              </a:schemeClr>
-            </a:lnRef>
-            <a:fillRef idx="1">
-              <a:schemeClr val="accent1"/>
-            </a:fillRef>
-            <a:effectRef idx="0">
-              <a:schemeClr val="accent1"/>
-            </a:effectRef>
-            <a:fontRef idx="minor">
-              <a:schemeClr val="lt1"/>
-            </a:fontRef>
-          </p:style>
-          <p:txBody>
-            <a:bodyPr anchor="ctr"/>
-            <a:lstStyle/>
-            <a:p>
-              <a:pPr algn="ctr" eaLnBrk="1" fontAlgn="auto" latinLnBrk="1" hangingPunct="1">
-                <a:spcBef>
-                  <a:spcPts val="0"/>
-                </a:spcBef>
-                <a:spcAft>
-                  <a:spcPts val="0"/>
-                </a:spcAft>
-                <a:defRPr/>
-              </a:pPr>
-              <a:r>
-                <a:rPr kumimoji="0" lang="ko-KR" altLang="en-US" sz="1500" dirty="0">
-                  <a:solidFill>
-                    <a:schemeClr val="tx1"/>
-                  </a:solidFill>
-                  <a:latin typeface="여기어때 잘난체 OTF" pitchFamily="34" charset="-127"/>
-                  <a:ea typeface="여기어때 잘난체 OTF" pitchFamily="34" charset="-127"/>
-                </a:rPr>
-                <a:t>참여인원</a:t>
-              </a:r>
-            </a:p>
-          </p:txBody>
-        </p:sp>
-        <p:sp>
-          <p:nvSpPr>
-            <p:cNvPr id="21" name="양쪽 모서리가 둥근 사각형 24">
-              <a:extLst>
-                <a:ext uri="{FF2B5EF4-FFF2-40B4-BE49-F238E27FC236}">
-                  <a16:creationId xmlns:a16="http://schemas.microsoft.com/office/drawing/2014/main" id="{B5ED6ED9-7B41-4D24-A07D-4B337FCB4BAD}"/>
-                </a:ext>
-              </a:extLst>
-            </p:cNvPr>
-            <p:cNvSpPr/>
-            <p:nvPr/>
-          </p:nvSpPr>
-          <p:spPr>
-            <a:xfrm rot="16200000" flipH="1">
-              <a:off x="11537041" y="3822948"/>
-              <a:ext cx="863696" cy="370108"/>
-            </a:xfrm>
-            <a:prstGeom prst="round2SameRect">
-              <a:avLst>
-                <a:gd name="adj1" fmla="val 50000"/>
-                <a:gd name="adj2" fmla="val 0"/>
-              </a:avLst>
-            </a:prstGeom>
-            <a:solidFill>
-              <a:schemeClr val="bg1">
-                <a:lumMod val="85000"/>
-              </a:schemeClr>
-            </a:solidFill>
-            <a:ln>
-              <a:solidFill>
-                <a:schemeClr val="bg1"/>
-              </a:solidFill>
-            </a:ln>
-          </p:spPr>
-          <p:style>
-            <a:lnRef idx="2">
-              <a:schemeClr val="accent1">
-                <a:shade val="50000"/>
-              </a:schemeClr>
-            </a:lnRef>
-            <a:fillRef idx="1">
-              <a:schemeClr val="accent1"/>
-            </a:fillRef>
-            <a:effectRef idx="0">
-              <a:schemeClr val="accent1"/>
-            </a:effectRef>
-            <a:fontRef idx="minor">
-              <a:schemeClr val="lt1"/>
-            </a:fontRef>
-          </p:style>
-          <p:txBody>
-            <a:bodyPr anchor="ctr"/>
-            <a:lstStyle/>
-            <a:p>
-              <a:pPr algn="ctr" eaLnBrk="1" fontAlgn="auto" latinLnBrk="1" hangingPunct="1">
-                <a:spcBef>
-                  <a:spcPts val="0"/>
-                </a:spcBef>
-                <a:spcAft>
-                  <a:spcPts val="0"/>
-                </a:spcAft>
-                <a:defRPr/>
-              </a:pPr>
-              <a:r>
-                <a:rPr kumimoji="0" lang="ko-KR" altLang="en-US" sz="1500" dirty="0">
-                  <a:solidFill>
-                    <a:schemeClr val="tx1"/>
-                  </a:solidFill>
-                  <a:latin typeface="여기어때 잘난체 OTF" pitchFamily="34" charset="-127"/>
-                  <a:ea typeface="여기어때 잘난체 OTF" pitchFamily="34" charset="-127"/>
-                </a:rPr>
-                <a:t>일정</a:t>
-              </a:r>
-            </a:p>
-          </p:txBody>
-        </p:sp>
-        <p:sp>
-          <p:nvSpPr>
-            <p:cNvPr id="23" name="양쪽 모서리가 둥근 사각형 25">
-              <a:extLst>
-                <a:ext uri="{FF2B5EF4-FFF2-40B4-BE49-F238E27FC236}">
-                  <a16:creationId xmlns:a16="http://schemas.microsoft.com/office/drawing/2014/main" id="{D9E49526-F06C-4AE6-95B5-E7F6ADE3A611}"/>
-                </a:ext>
-              </a:extLst>
-            </p:cNvPr>
-            <p:cNvSpPr/>
-            <p:nvPr/>
-          </p:nvSpPr>
-          <p:spPr>
-            <a:xfrm rot="16200000" flipH="1">
-              <a:off x="11537041" y="3120807"/>
-              <a:ext cx="863696" cy="370108"/>
-            </a:xfrm>
-            <a:prstGeom prst="round2SameRect">
-              <a:avLst>
-                <a:gd name="adj1" fmla="val 50000"/>
-                <a:gd name="adj2" fmla="val 0"/>
-              </a:avLst>
-            </a:prstGeom>
-            <a:solidFill>
-              <a:schemeClr val="bg1">
-                <a:lumMod val="85000"/>
-              </a:schemeClr>
-            </a:solidFill>
-            <a:ln>
-              <a:solidFill>
-                <a:schemeClr val="bg1"/>
-              </a:solidFill>
-            </a:ln>
-          </p:spPr>
-          <p:style>
-            <a:lnRef idx="2">
-              <a:schemeClr val="accent1">
-                <a:shade val="50000"/>
-              </a:schemeClr>
-            </a:lnRef>
-            <a:fillRef idx="1">
-              <a:schemeClr val="accent1"/>
-            </a:fillRef>
-            <a:effectRef idx="0">
-              <a:schemeClr val="accent1"/>
-            </a:effectRef>
-            <a:fontRef idx="minor">
-              <a:schemeClr val="lt1"/>
-            </a:fontRef>
-          </p:style>
-          <p:txBody>
-            <a:bodyPr anchor="ctr"/>
-            <a:lstStyle/>
-            <a:p>
-              <a:pPr algn="ctr" eaLnBrk="1" fontAlgn="auto" latinLnBrk="1" hangingPunct="1">
-                <a:spcBef>
-                  <a:spcPts val="0"/>
-                </a:spcBef>
-                <a:spcAft>
-                  <a:spcPts val="0"/>
-                </a:spcAft>
-                <a:defRPr/>
-              </a:pPr>
-              <a:r>
-                <a:rPr kumimoji="0" lang="ko-KR" altLang="en-US" sz="1500" dirty="0">
-                  <a:solidFill>
-                    <a:schemeClr val="tx1"/>
-                  </a:solidFill>
-                  <a:latin typeface="여기어때 잘난체 OTF" pitchFamily="34" charset="-127"/>
-                  <a:ea typeface="여기어때 잘난체 OTF" pitchFamily="34" charset="-127"/>
-                </a:rPr>
-                <a:t>구성</a:t>
-              </a:r>
-            </a:p>
-          </p:txBody>
-        </p:sp>
-        <p:sp>
-          <p:nvSpPr>
-            <p:cNvPr id="30" name="양쪽 모서리가 둥근 사각형 26">
-              <a:extLst>
-                <a:ext uri="{FF2B5EF4-FFF2-40B4-BE49-F238E27FC236}">
-                  <a16:creationId xmlns:a16="http://schemas.microsoft.com/office/drawing/2014/main" id="{C9D71E2D-8B35-4A96-B8C5-ADD4D13184C3}"/>
-                </a:ext>
-              </a:extLst>
-            </p:cNvPr>
-            <p:cNvSpPr/>
-            <p:nvPr/>
-          </p:nvSpPr>
-          <p:spPr>
-            <a:xfrm rot="16200000" flipH="1">
-              <a:off x="11535488" y="2433682"/>
-              <a:ext cx="866803" cy="370108"/>
-            </a:xfrm>
-            <a:prstGeom prst="round2SameRect">
-              <a:avLst>
-                <a:gd name="adj1" fmla="val 50000"/>
-                <a:gd name="adj2" fmla="val 0"/>
-              </a:avLst>
-            </a:prstGeom>
-            <a:gradFill>
-              <a:gsLst>
-                <a:gs pos="0">
-                  <a:schemeClr val="tx1"/>
-                </a:gs>
-                <a:gs pos="100000">
-                  <a:schemeClr val="tx1"/>
-                </a:gs>
-                <a:gs pos="51000">
-                  <a:schemeClr val="bg1">
-                    <a:lumMod val="50000"/>
-                  </a:schemeClr>
-                </a:gs>
-              </a:gsLst>
-              <a:lin ang="0" scaled="1"/>
-            </a:gradFill>
-            <a:ln>
-              <a:solidFill>
-                <a:schemeClr val="bg1"/>
-              </a:solidFill>
-            </a:ln>
-          </p:spPr>
-          <p:style>
-            <a:lnRef idx="2">
-              <a:schemeClr val="accent1">
-                <a:shade val="50000"/>
-              </a:schemeClr>
-            </a:lnRef>
-            <a:fillRef idx="1">
-              <a:schemeClr val="accent1"/>
-            </a:fillRef>
-            <a:effectRef idx="0">
-              <a:schemeClr val="accent1"/>
-            </a:effectRef>
-            <a:fontRef idx="minor">
-              <a:schemeClr val="lt1"/>
-            </a:fontRef>
-          </p:style>
-          <p:txBody>
-            <a:bodyPr anchor="ctr"/>
-            <a:lstStyle/>
-            <a:p>
-              <a:pPr algn="ctr" eaLnBrk="1" fontAlgn="auto" latinLnBrk="1" hangingPunct="1">
-                <a:spcBef>
-                  <a:spcPts val="0"/>
-                </a:spcBef>
-                <a:spcAft>
-                  <a:spcPts val="0"/>
-                </a:spcAft>
-                <a:defRPr/>
-              </a:pPr>
-              <a:r>
-                <a:rPr kumimoji="0" lang="ko-KR" altLang="en-US" sz="1500" dirty="0">
-                  <a:solidFill>
-                    <a:schemeClr val="bg1"/>
-                  </a:solidFill>
-                  <a:latin typeface="여기어때 잘난체 OTF" panose="020B0600000101010101" pitchFamily="34" charset="-127"/>
-                  <a:ea typeface="여기어때 잘난체 OTF" panose="020B0600000101010101" pitchFamily="34" charset="-127"/>
-                </a:rPr>
-                <a:t>제안</a:t>
-              </a:r>
-              <a:r>
-                <a:rPr kumimoji="0" lang="en-US" altLang="ko-KR" sz="1500" dirty="0">
-                  <a:solidFill>
-                    <a:schemeClr val="bg1"/>
-                  </a:solidFill>
-                  <a:latin typeface="여기어때 잘난체 OTF" panose="020B0600000101010101" pitchFamily="34" charset="-127"/>
-                  <a:ea typeface="여기어때 잘난체 OTF" panose="020B0600000101010101" pitchFamily="34" charset="-127"/>
-                </a:rPr>
-                <a:t>/</a:t>
-              </a:r>
-              <a:r>
-                <a:rPr kumimoji="0" lang="ko-KR" altLang="en-US" sz="1500" dirty="0">
-                  <a:solidFill>
-                    <a:schemeClr val="bg1"/>
-                  </a:solidFill>
-                  <a:latin typeface="여기어때 잘난체 OTF" panose="020B0600000101010101" pitchFamily="34" charset="-127"/>
-                  <a:ea typeface="여기어때 잘난체 OTF" panose="020B0600000101010101" pitchFamily="34" charset="-127"/>
-                </a:rPr>
-                <a:t>내용</a:t>
-              </a:r>
-            </a:p>
-          </p:txBody>
-        </p:sp>
-        <p:sp>
-          <p:nvSpPr>
-            <p:cNvPr id="31" name="양쪽 모서리가 둥근 사각형 27">
-              <a:extLst>
-                <a:ext uri="{FF2B5EF4-FFF2-40B4-BE49-F238E27FC236}">
-                  <a16:creationId xmlns:a16="http://schemas.microsoft.com/office/drawing/2014/main" id="{4CFBB92F-548E-430F-96DF-DEDA7AE057BA}"/>
-                </a:ext>
-              </a:extLst>
-            </p:cNvPr>
-            <p:cNvSpPr/>
-            <p:nvPr/>
-          </p:nvSpPr>
-          <p:spPr>
-            <a:xfrm rot="16200000" flipH="1">
-              <a:off x="11537041" y="1666816"/>
-              <a:ext cx="863696" cy="370108"/>
-            </a:xfrm>
-            <a:prstGeom prst="round2SameRect">
-              <a:avLst>
-                <a:gd name="adj1" fmla="val 50000"/>
-                <a:gd name="adj2" fmla="val 0"/>
-              </a:avLst>
-            </a:prstGeom>
-            <a:solidFill>
-              <a:schemeClr val="bg1">
-                <a:lumMod val="85000"/>
-              </a:schemeClr>
-            </a:solidFill>
-            <a:ln>
-              <a:solidFill>
-                <a:schemeClr val="bg1"/>
-              </a:solidFill>
-            </a:ln>
-          </p:spPr>
-          <p:style>
-            <a:lnRef idx="2">
-              <a:schemeClr val="accent1">
-                <a:shade val="50000"/>
-              </a:schemeClr>
-            </a:lnRef>
-            <a:fillRef idx="1">
-              <a:schemeClr val="accent1"/>
-            </a:fillRef>
-            <a:effectRef idx="0">
-              <a:schemeClr val="accent1"/>
-            </a:effectRef>
-            <a:fontRef idx="minor">
-              <a:schemeClr val="lt1"/>
-            </a:fontRef>
-          </p:style>
-          <p:txBody>
-            <a:bodyPr anchor="ctr"/>
-            <a:lstStyle/>
-            <a:p>
-              <a:pPr algn="ctr" eaLnBrk="1" fontAlgn="auto" latinLnBrk="1" hangingPunct="1">
-                <a:spcBef>
-                  <a:spcPts val="0"/>
-                </a:spcBef>
-                <a:spcAft>
-                  <a:spcPts val="0"/>
-                </a:spcAft>
-                <a:defRPr/>
-              </a:pPr>
-              <a:r>
-                <a:rPr kumimoji="0" lang="ko-KR" altLang="en-US" sz="1500" dirty="0" err="1">
-                  <a:solidFill>
-                    <a:schemeClr val="tx1">
-                      <a:lumMod val="85000"/>
-                      <a:lumOff val="15000"/>
-                    </a:schemeClr>
-                  </a:solidFill>
-                  <a:latin typeface="여기어때 잘난체 OTF" pitchFamily="34" charset="-127"/>
-                  <a:ea typeface="여기어때 잘난체 OTF" pitchFamily="34" charset="-127"/>
-                </a:rPr>
-                <a:t>구현화면</a:t>
-              </a:r>
-              <a:endParaRPr kumimoji="0" lang="ko-KR" altLang="en-US" sz="1500" dirty="0">
-                <a:solidFill>
-                  <a:schemeClr val="tx1">
-                    <a:lumMod val="85000"/>
-                    <a:lumOff val="15000"/>
-                  </a:schemeClr>
-                </a:solidFill>
-                <a:latin typeface="여기어때 잘난체 OTF" pitchFamily="34" charset="-127"/>
-                <a:ea typeface="여기어때 잘난체 OTF" pitchFamily="34" charset="-127"/>
-              </a:endParaRPr>
-            </a:p>
-          </p:txBody>
-        </p:sp>
-      </p:grpSp>
-    </p:spTree>
-    <p:extLst>
-      <p:ext uri="{BB962C8B-B14F-4D97-AF65-F5344CB8AC3E}">
-        <p14:creationId xmlns:p14="http://schemas.microsoft.com/office/powerpoint/2010/main" val="2926256096"/>
-      </p:ext>
-    </p:extLst>
-  </p:cSld>
-  <p:clrMapOvr>
-    <a:masterClrMapping/>
-  </p:clrMapOvr>
-</p:sld>
-</file>
-
-<file path=ppt/slides/slide11.xml><?xml version="1.0" encoding="utf-8"?>
-<p:sld xmlns:a="http://schemas.openxmlformats.org/drawingml/2006/main" xmlns:r="http://schemas.openxmlformats.org/officeDocument/2006/relationships" xmlns:p="http://schemas.openxmlformats.org/presentationml/2006/main">
-  <p:cSld>
-    <p:spTree>
-      <p:nvGrpSpPr>
-        <p:cNvPr id="1" name=""/>
-        <p:cNvGrpSpPr/>
-        <p:nvPr/>
-      </p:nvGrpSpPr>
-      <p:grpSpPr>
-        <a:xfrm>
-          <a:off x="0" y="0"/>
-          <a:ext cx="0" cy="0"/>
-          <a:chOff x="0" y="0"/>
-          <a:chExt cx="0" cy="0"/>
-        </a:xfrm>
-      </p:grpSpPr>
-      <p:sp>
-        <p:nvSpPr>
-          <p:cNvPr id="13" name="직사각형 12"/>
-          <p:cNvSpPr/>
-          <p:nvPr/>
-        </p:nvSpPr>
-        <p:spPr>
-          <a:xfrm>
-            <a:off x="0" y="-4763"/>
-            <a:ext cx="12192000" cy="620713"/>
-          </a:xfrm>
-          <a:prstGeom prst="rect">
-            <a:avLst/>
-          </a:prstGeom>
-          <a:gradFill>
-            <a:gsLst>
-              <a:gs pos="0">
-                <a:schemeClr val="tx1">
-                  <a:lumMod val="65000"/>
-                  <a:lumOff val="35000"/>
-                </a:schemeClr>
-              </a:gs>
-              <a:gs pos="100000">
-                <a:schemeClr val="bg1">
-                  <a:lumMod val="95000"/>
-                </a:schemeClr>
-              </a:gs>
-              <a:gs pos="40000">
-                <a:schemeClr val="bg1">
-                  <a:lumMod val="75000"/>
-                </a:schemeClr>
-              </a:gs>
-            </a:gsLst>
-            <a:lin ang="0" scaled="1"/>
-          </a:gradFill>
-          <a:ln>
-            <a:noFill/>
-          </a:ln>
-        </p:spPr>
-        <p:style>
-          <a:lnRef idx="2">
-            <a:schemeClr val="accent1">
-              <a:shade val="50000"/>
-            </a:schemeClr>
-          </a:lnRef>
-          <a:fillRef idx="1">
-            <a:schemeClr val="accent1"/>
-          </a:fillRef>
-          <a:effectRef idx="0">
-            <a:schemeClr val="accent1"/>
-          </a:effectRef>
-          <a:fontRef idx="minor">
-            <a:schemeClr val="lt1"/>
-          </a:fontRef>
-        </p:style>
-        <p:txBody>
-          <a:bodyPr anchor="ctr"/>
-          <a:lstStyle/>
-          <a:p>
-            <a:pPr algn="ctr" eaLnBrk="1" fontAlgn="auto" latinLnBrk="1" hangingPunct="1">
-              <a:spcBef>
-                <a:spcPts val="0"/>
-              </a:spcBef>
-              <a:spcAft>
-                <a:spcPts val="0"/>
-              </a:spcAft>
-              <a:defRPr/>
-            </a:pPr>
-            <a:endParaRPr kumimoji="0" lang="ko-KR" altLang="en-US" dirty="0"/>
-          </a:p>
-        </p:txBody>
-      </p:sp>
-      <p:sp>
-        <p:nvSpPr>
-          <p:cNvPr id="16" name="TextBox 15"/>
-          <p:cNvSpPr txBox="1"/>
-          <p:nvPr/>
-        </p:nvSpPr>
-        <p:spPr bwMode="auto">
-          <a:xfrm>
-            <a:off x="488950" y="765175"/>
-            <a:ext cx="2814638" cy="646113"/>
-          </a:xfrm>
-          <a:prstGeom prst="rect">
-            <a:avLst/>
-          </a:prstGeom>
-          <a:noFill/>
-        </p:spPr>
-        <p:txBody>
-          <a:bodyPr wrap="none">
-            <a:spAutoFit/>
-          </a:bodyPr>
-          <a:lstStyle/>
-          <a:p>
-            <a:pPr eaLnBrk="1" fontAlgn="auto" latinLnBrk="1" hangingPunct="1">
-              <a:spcBef>
-                <a:spcPts val="0"/>
-              </a:spcBef>
-              <a:spcAft>
-                <a:spcPts val="0"/>
-              </a:spcAft>
-              <a:defRPr/>
-            </a:pPr>
-            <a:r>
-              <a:rPr kumimoji="0" lang="ko-KR" altLang="en-US" sz="3600" spc="-300" dirty="0">
-                <a:solidFill>
-                  <a:schemeClr val="tx1">
-                    <a:lumMod val="75000"/>
-                    <a:lumOff val="25000"/>
-                  </a:schemeClr>
-                </a:solidFill>
-                <a:latin typeface="여기어때 잘난체 OTF" pitchFamily="34" charset="-127"/>
-                <a:ea typeface="여기어때 잘난체 OTF" pitchFamily="34" charset="-127"/>
-              </a:rPr>
-              <a:t>프로젝트 내용</a:t>
-            </a:r>
-          </a:p>
-        </p:txBody>
-      </p:sp>
-      <p:sp>
-        <p:nvSpPr>
-          <p:cNvPr id="25604" name="Text Placeholder 2"/>
-          <p:cNvSpPr txBox="1">
-            <a:spLocks/>
-          </p:cNvSpPr>
-          <p:nvPr/>
-        </p:nvSpPr>
-        <p:spPr bwMode="auto">
-          <a:xfrm>
-            <a:off x="509588" y="1651000"/>
-            <a:ext cx="7739062" cy="304800"/>
-          </a:xfrm>
-          <a:prstGeom prst="rect">
-            <a:avLst/>
-          </a:prstGeom>
-          <a:noFill/>
-          <a:ln>
-            <a:noFill/>
-          </a:ln>
-          <a:extLst>
-            <a:ext uri="{909E8E84-426E-40DD-AFC4-6F175D3DCCD1}">
-              <a14:hiddenFill xmlns:a14="http://schemas.microsoft.com/office/drawing/2010/main">
-                <a:solidFill>
-                  <a:srgbClr val="FFFFFF"/>
-                </a:solidFill>
-              </a14:hiddenFill>
-            </a:ext>
-            <a:ext uri="{91240B29-F687-4F45-9708-019B960494DF}">
-              <a14:hiddenLine xmlns:a14="http://schemas.microsoft.com/office/drawing/2010/main" w="9525">
-                <a:solidFill>
-                  <a:srgbClr val="000000"/>
-                </a:solidFill>
-                <a:miter lim="800000"/>
-                <a:headEnd/>
-                <a:tailEnd/>
-              </a14:hiddenLine>
-            </a:ext>
-          </a:extLst>
-        </p:spPr>
-        <p:txBody>
-          <a:bodyPr anchor="ctr"/>
-          <a:lstStyle>
-            <a:lvl1pPr latinLnBrk="1">
-              <a:spcBef>
-                <a:spcPct val="20000"/>
-              </a:spcBef>
-              <a:buFont typeface="Arial" panose="020B0604020202020204" pitchFamily="34" charset="0"/>
-              <a:buChar char="•"/>
-              <a:defRPr sz="3200">
-                <a:solidFill>
-                  <a:schemeClr val="tx1"/>
-                </a:solidFill>
-                <a:latin typeface="맑은 고딕" panose="020B0503020000020004" pitchFamily="50" charset="-127"/>
-                <a:ea typeface="맑은 고딕" panose="020B0503020000020004" pitchFamily="50" charset="-127"/>
-              </a:defRPr>
-            </a:lvl1pPr>
-            <a:lvl2pPr marL="742950" indent="-285750" latinLnBrk="1">
-              <a:spcBef>
-                <a:spcPct val="20000"/>
-              </a:spcBef>
-              <a:buFont typeface="Arial" panose="020B0604020202020204" pitchFamily="34" charset="0"/>
-              <a:buChar char="–"/>
-              <a:defRPr sz="2800">
-                <a:solidFill>
-                  <a:schemeClr val="tx1"/>
-                </a:solidFill>
-                <a:latin typeface="맑은 고딕" panose="020B0503020000020004" pitchFamily="50" charset="-127"/>
-                <a:ea typeface="맑은 고딕" panose="020B0503020000020004" pitchFamily="50" charset="-127"/>
-              </a:defRPr>
-            </a:lvl2pPr>
-            <a:lvl3pPr marL="1143000" indent="-228600" latinLnBrk="1">
-              <a:spcBef>
-                <a:spcPct val="20000"/>
-              </a:spcBef>
-              <a:buFont typeface="Arial" panose="020B0604020202020204" pitchFamily="34" charset="0"/>
-              <a:buChar char="•"/>
-              <a:defRPr sz="2400">
-                <a:solidFill>
-                  <a:schemeClr val="tx1"/>
-                </a:solidFill>
-                <a:latin typeface="맑은 고딕" panose="020B0503020000020004" pitchFamily="50" charset="-127"/>
-                <a:ea typeface="맑은 고딕" panose="020B0503020000020004" pitchFamily="50" charset="-127"/>
-              </a:defRPr>
-            </a:lvl3pPr>
-            <a:lvl4pPr marL="1600200" indent="-228600" latinLnBrk="1">
-              <a:spcBef>
-                <a:spcPct val="20000"/>
-              </a:spcBef>
-              <a:buFont typeface="Arial" panose="020B0604020202020204" pitchFamily="34" charset="0"/>
-              <a:buChar char="–"/>
-              <a:defRPr sz="2000">
-                <a:solidFill>
-                  <a:schemeClr val="tx1"/>
-                </a:solidFill>
-                <a:latin typeface="맑은 고딕" panose="020B0503020000020004" pitchFamily="50" charset="-127"/>
-                <a:ea typeface="맑은 고딕" panose="020B0503020000020004" pitchFamily="50" charset="-127"/>
-              </a:defRPr>
-            </a:lvl4pPr>
-            <a:lvl5pPr marL="2057400" indent="-228600" latinLnBrk="1">
-              <a:spcBef>
-                <a:spcPct val="20000"/>
-              </a:spcBef>
-              <a:buFont typeface="Arial" panose="020B0604020202020204" pitchFamily="34" charset="0"/>
-              <a:buChar char="»"/>
-              <a:defRPr sz="2000">
-                <a:solidFill>
-                  <a:schemeClr val="tx1"/>
-                </a:solidFill>
-                <a:latin typeface="맑은 고딕" panose="020B0503020000020004" pitchFamily="50" charset="-127"/>
-                <a:ea typeface="맑은 고딕" panose="020B0503020000020004" pitchFamily="50" charset="-127"/>
-              </a:defRPr>
-            </a:lvl5pPr>
-            <a:lvl6pPr marL="2514600" indent="-228600" eaLnBrk="0" fontAlgn="base" hangingPunct="0">
-              <a:spcBef>
-                <a:spcPct val="20000"/>
-              </a:spcBef>
-              <a:spcAft>
-                <a:spcPct val="0"/>
-              </a:spcAft>
-              <a:buFont typeface="Arial" panose="020B0604020202020204" pitchFamily="34" charset="0"/>
-              <a:buChar char="»"/>
-              <a:defRPr sz="2000">
-                <a:solidFill>
-                  <a:schemeClr val="tx1"/>
-                </a:solidFill>
-                <a:latin typeface="맑은 고딕" panose="020B0503020000020004" pitchFamily="50" charset="-127"/>
-                <a:ea typeface="맑은 고딕" panose="020B0503020000020004" pitchFamily="50" charset="-127"/>
-              </a:defRPr>
-            </a:lvl6pPr>
-            <a:lvl7pPr marL="2971800" indent="-228600" eaLnBrk="0" fontAlgn="base" hangingPunct="0">
-              <a:spcBef>
-                <a:spcPct val="20000"/>
-              </a:spcBef>
-              <a:spcAft>
-                <a:spcPct val="0"/>
-              </a:spcAft>
-              <a:buFont typeface="Arial" panose="020B0604020202020204" pitchFamily="34" charset="0"/>
-              <a:buChar char="»"/>
-              <a:defRPr sz="2000">
-                <a:solidFill>
-                  <a:schemeClr val="tx1"/>
-                </a:solidFill>
-                <a:latin typeface="맑은 고딕" panose="020B0503020000020004" pitchFamily="50" charset="-127"/>
-                <a:ea typeface="맑은 고딕" panose="020B0503020000020004" pitchFamily="50" charset="-127"/>
-              </a:defRPr>
-            </a:lvl7pPr>
-            <a:lvl8pPr marL="3429000" indent="-228600" eaLnBrk="0" fontAlgn="base" hangingPunct="0">
-              <a:spcBef>
-                <a:spcPct val="20000"/>
-              </a:spcBef>
-              <a:spcAft>
-                <a:spcPct val="0"/>
-              </a:spcAft>
-              <a:buFont typeface="Arial" panose="020B0604020202020204" pitchFamily="34" charset="0"/>
-              <a:buChar char="»"/>
-              <a:defRPr sz="2000">
-                <a:solidFill>
-                  <a:schemeClr val="tx1"/>
-                </a:solidFill>
-                <a:latin typeface="맑은 고딕" panose="020B0503020000020004" pitchFamily="50" charset="-127"/>
-                <a:ea typeface="맑은 고딕" panose="020B0503020000020004" pitchFamily="50" charset="-127"/>
-              </a:defRPr>
-            </a:lvl8pPr>
-            <a:lvl9pPr marL="3886200" indent="-228600" eaLnBrk="0" fontAlgn="base" hangingPunct="0">
-              <a:spcBef>
-                <a:spcPct val="20000"/>
-              </a:spcBef>
-              <a:spcAft>
-                <a:spcPct val="0"/>
-              </a:spcAft>
-              <a:buFont typeface="Arial" panose="020B0604020202020204" pitchFamily="34" charset="0"/>
-              <a:buChar char="»"/>
-              <a:defRPr sz="2000">
-                <a:solidFill>
-                  <a:schemeClr val="tx1"/>
-                </a:solidFill>
-                <a:latin typeface="맑은 고딕" panose="020B0503020000020004" pitchFamily="50" charset="-127"/>
-                <a:ea typeface="맑은 고딕" panose="020B0503020000020004" pitchFamily="50" charset="-127"/>
-              </a:defRPr>
-            </a:lvl9pPr>
-          </a:lstStyle>
-          <a:p>
-            <a:pPr eaLnBrk="1" hangingPunct="1">
-              <a:spcBef>
-                <a:spcPct val="0"/>
-              </a:spcBef>
-              <a:buFontTx/>
-              <a:buNone/>
-            </a:pPr>
-            <a:r>
-              <a:rPr kumimoji="0" lang="ko-KR" altLang="en-US" sz="2400">
-                <a:solidFill>
-                  <a:schemeClr val="tx2"/>
-                </a:solidFill>
-                <a:latin typeface="나눔스퀘어OTF Bold" panose="020B0600000101010101" pitchFamily="34" charset="-127"/>
-                <a:ea typeface="나눔스퀘어OTF Bold" panose="020B0600000101010101" pitchFamily="34" charset="-127"/>
-              </a:rPr>
-              <a:t>개발 </a:t>
-            </a:r>
-            <a:r>
-              <a:rPr kumimoji="0" lang="en-US" altLang="ko-KR" sz="2400">
-                <a:solidFill>
-                  <a:schemeClr val="tx2"/>
-                </a:solidFill>
-                <a:latin typeface="나눔스퀘어OTF Bold" panose="020B0600000101010101" pitchFamily="34" charset="-127"/>
-                <a:ea typeface="나눔스퀘어OTF Bold" panose="020B0600000101010101" pitchFamily="34" charset="-127"/>
-              </a:rPr>
               <a:t>: </a:t>
             </a:r>
             <a:r>
@@ -10720,6 +9181,1350 @@
 </p:sld>
 </file>
 
+<file path=ppt/slides/slide11.xml><?xml version="1.0" encoding="utf-8"?>
+<p:sld xmlns:a="http://schemas.openxmlformats.org/drawingml/2006/main" xmlns:r="http://schemas.openxmlformats.org/officeDocument/2006/relationships" xmlns:p="http://schemas.openxmlformats.org/presentationml/2006/main">
+  <p:cSld>
+    <p:spTree>
+      <p:nvGrpSpPr>
+        <p:cNvPr id="1" name=""/>
+        <p:cNvGrpSpPr/>
+        <p:nvPr/>
+      </p:nvGrpSpPr>
+      <p:grpSpPr>
+        <a:xfrm>
+          <a:off x="0" y="0"/>
+          <a:ext cx="0" cy="0"/>
+          <a:chOff x="0" y="0"/>
+          <a:chExt cx="0" cy="0"/>
+        </a:xfrm>
+      </p:grpSpPr>
+      <p:sp>
+        <p:nvSpPr>
+          <p:cNvPr id="13" name="직사각형 12"/>
+          <p:cNvSpPr/>
+          <p:nvPr/>
+        </p:nvSpPr>
+        <p:spPr>
+          <a:xfrm>
+            <a:off x="0" y="-4763"/>
+            <a:ext cx="12192000" cy="620713"/>
+          </a:xfrm>
+          <a:prstGeom prst="rect">
+            <a:avLst/>
+          </a:prstGeom>
+          <a:gradFill>
+            <a:gsLst>
+              <a:gs pos="0">
+                <a:schemeClr val="tx1">
+                  <a:lumMod val="65000"/>
+                  <a:lumOff val="35000"/>
+                </a:schemeClr>
+              </a:gs>
+              <a:gs pos="100000">
+                <a:schemeClr val="bg1">
+                  <a:lumMod val="95000"/>
+                </a:schemeClr>
+              </a:gs>
+              <a:gs pos="40000">
+                <a:schemeClr val="bg1">
+                  <a:lumMod val="75000"/>
+                </a:schemeClr>
+              </a:gs>
+            </a:gsLst>
+            <a:lin ang="0" scaled="1"/>
+          </a:gradFill>
+          <a:ln>
+            <a:noFill/>
+          </a:ln>
+        </p:spPr>
+        <p:style>
+          <a:lnRef idx="2">
+            <a:schemeClr val="accent1">
+              <a:shade val="50000"/>
+            </a:schemeClr>
+          </a:lnRef>
+          <a:fillRef idx="1">
+            <a:schemeClr val="accent1"/>
+          </a:fillRef>
+          <a:effectRef idx="0">
+            <a:schemeClr val="accent1"/>
+          </a:effectRef>
+          <a:fontRef idx="minor">
+            <a:schemeClr val="lt1"/>
+          </a:fontRef>
+        </p:style>
+        <p:txBody>
+          <a:bodyPr anchor="ctr"/>
+          <a:lstStyle/>
+          <a:p>
+            <a:pPr algn="ctr" eaLnBrk="1" fontAlgn="auto" latinLnBrk="1" hangingPunct="1">
+              <a:spcBef>
+                <a:spcPts val="0"/>
+              </a:spcBef>
+              <a:spcAft>
+                <a:spcPts val="0"/>
+              </a:spcAft>
+              <a:defRPr/>
+            </a:pPr>
+            <a:endParaRPr kumimoji="0" lang="ko-KR" altLang="en-US" dirty="0"/>
+          </a:p>
+        </p:txBody>
+      </p:sp>
+      <p:sp>
+        <p:nvSpPr>
+          <p:cNvPr id="16" name="TextBox 15"/>
+          <p:cNvSpPr txBox="1"/>
+          <p:nvPr/>
+        </p:nvSpPr>
+        <p:spPr bwMode="auto">
+          <a:xfrm>
+            <a:off x="488950" y="765175"/>
+            <a:ext cx="2814638" cy="646113"/>
+          </a:xfrm>
+          <a:prstGeom prst="rect">
+            <a:avLst/>
+          </a:prstGeom>
+          <a:noFill/>
+        </p:spPr>
+        <p:txBody>
+          <a:bodyPr wrap="none">
+            <a:spAutoFit/>
+          </a:bodyPr>
+          <a:lstStyle/>
+          <a:p>
+            <a:pPr eaLnBrk="1" fontAlgn="auto" latinLnBrk="1" hangingPunct="1">
+              <a:spcBef>
+                <a:spcPts val="0"/>
+              </a:spcBef>
+              <a:spcAft>
+                <a:spcPts val="0"/>
+              </a:spcAft>
+              <a:defRPr/>
+            </a:pPr>
+            <a:r>
+              <a:rPr kumimoji="0" lang="ko-KR" altLang="en-US" sz="3600" spc="-300" dirty="0">
+                <a:solidFill>
+                  <a:schemeClr val="tx1">
+                    <a:lumMod val="75000"/>
+                    <a:lumOff val="25000"/>
+                  </a:schemeClr>
+                </a:solidFill>
+                <a:latin typeface="여기어때 잘난체 OTF" pitchFamily="34" charset="-127"/>
+                <a:ea typeface="여기어때 잘난체 OTF" pitchFamily="34" charset="-127"/>
+              </a:rPr>
+              <a:t>프로젝트 내용</a:t>
+            </a:r>
+          </a:p>
+        </p:txBody>
+      </p:sp>
+      <p:sp>
+        <p:nvSpPr>
+          <p:cNvPr id="15364" name="Text Placeholder 2"/>
+          <p:cNvSpPr txBox="1">
+            <a:spLocks/>
+          </p:cNvSpPr>
+          <p:nvPr/>
+        </p:nvSpPr>
+        <p:spPr bwMode="auto">
+          <a:xfrm>
+            <a:off x="509588" y="1651000"/>
+            <a:ext cx="7739062" cy="304800"/>
+          </a:xfrm>
+          <a:prstGeom prst="rect">
+            <a:avLst/>
+          </a:prstGeom>
+          <a:noFill/>
+          <a:ln>
+            <a:noFill/>
+          </a:ln>
+          <a:extLst>
+            <a:ext uri="{909E8E84-426E-40DD-AFC4-6F175D3DCCD1}">
+              <a14:hiddenFill xmlns:a14="http://schemas.microsoft.com/office/drawing/2010/main">
+                <a:solidFill>
+                  <a:srgbClr val="FFFFFF"/>
+                </a:solidFill>
+              </a14:hiddenFill>
+            </a:ext>
+            <a:ext uri="{91240B29-F687-4F45-9708-019B960494DF}">
+              <a14:hiddenLine xmlns:a14="http://schemas.microsoft.com/office/drawing/2010/main" w="9525">
+                <a:solidFill>
+                  <a:srgbClr val="000000"/>
+                </a:solidFill>
+                <a:miter lim="800000"/>
+                <a:headEnd/>
+                <a:tailEnd/>
+              </a14:hiddenLine>
+            </a:ext>
+          </a:extLst>
+        </p:spPr>
+        <p:txBody>
+          <a:bodyPr anchor="ctr"/>
+          <a:lstStyle>
+            <a:lvl1pPr latinLnBrk="1">
+              <a:spcBef>
+                <a:spcPct val="20000"/>
+              </a:spcBef>
+              <a:buFont typeface="Arial" panose="020B0604020202020204" pitchFamily="34" charset="0"/>
+              <a:buChar char="•"/>
+              <a:defRPr sz="3200">
+                <a:solidFill>
+                  <a:schemeClr val="tx1"/>
+                </a:solidFill>
+                <a:latin typeface="맑은 고딕" panose="020B0503020000020004" pitchFamily="50" charset="-127"/>
+                <a:ea typeface="맑은 고딕" panose="020B0503020000020004" pitchFamily="50" charset="-127"/>
+              </a:defRPr>
+            </a:lvl1pPr>
+            <a:lvl2pPr marL="742950" indent="-285750" latinLnBrk="1">
+              <a:spcBef>
+                <a:spcPct val="20000"/>
+              </a:spcBef>
+              <a:buFont typeface="Arial" panose="020B0604020202020204" pitchFamily="34" charset="0"/>
+              <a:buChar char="–"/>
+              <a:defRPr sz="2800">
+                <a:solidFill>
+                  <a:schemeClr val="tx1"/>
+                </a:solidFill>
+                <a:latin typeface="맑은 고딕" panose="020B0503020000020004" pitchFamily="50" charset="-127"/>
+                <a:ea typeface="맑은 고딕" panose="020B0503020000020004" pitchFamily="50" charset="-127"/>
+              </a:defRPr>
+            </a:lvl2pPr>
+            <a:lvl3pPr marL="1143000" indent="-228600" latinLnBrk="1">
+              <a:spcBef>
+                <a:spcPct val="20000"/>
+              </a:spcBef>
+              <a:buFont typeface="Arial" panose="020B0604020202020204" pitchFamily="34" charset="0"/>
+              <a:buChar char="•"/>
+              <a:defRPr sz="2400">
+                <a:solidFill>
+                  <a:schemeClr val="tx1"/>
+                </a:solidFill>
+                <a:latin typeface="맑은 고딕" panose="020B0503020000020004" pitchFamily="50" charset="-127"/>
+                <a:ea typeface="맑은 고딕" panose="020B0503020000020004" pitchFamily="50" charset="-127"/>
+              </a:defRPr>
+            </a:lvl3pPr>
+            <a:lvl4pPr marL="1600200" indent="-228600" latinLnBrk="1">
+              <a:spcBef>
+                <a:spcPct val="20000"/>
+              </a:spcBef>
+              <a:buFont typeface="Arial" panose="020B0604020202020204" pitchFamily="34" charset="0"/>
+              <a:buChar char="–"/>
+              <a:defRPr sz="2000">
+                <a:solidFill>
+                  <a:schemeClr val="tx1"/>
+                </a:solidFill>
+                <a:latin typeface="맑은 고딕" panose="020B0503020000020004" pitchFamily="50" charset="-127"/>
+                <a:ea typeface="맑은 고딕" panose="020B0503020000020004" pitchFamily="50" charset="-127"/>
+              </a:defRPr>
+            </a:lvl4pPr>
+            <a:lvl5pPr marL="2057400" indent="-228600" latinLnBrk="1">
+              <a:spcBef>
+                <a:spcPct val="20000"/>
+              </a:spcBef>
+              <a:buFont typeface="Arial" panose="020B0604020202020204" pitchFamily="34" charset="0"/>
+              <a:buChar char="»"/>
+              <a:defRPr sz="2000">
+                <a:solidFill>
+                  <a:schemeClr val="tx1"/>
+                </a:solidFill>
+                <a:latin typeface="맑은 고딕" panose="020B0503020000020004" pitchFamily="50" charset="-127"/>
+                <a:ea typeface="맑은 고딕" panose="020B0503020000020004" pitchFamily="50" charset="-127"/>
+              </a:defRPr>
+            </a:lvl5pPr>
+            <a:lvl6pPr marL="2514600" indent="-228600" eaLnBrk="0" fontAlgn="base" hangingPunct="0">
+              <a:spcBef>
+                <a:spcPct val="20000"/>
+              </a:spcBef>
+              <a:spcAft>
+                <a:spcPct val="0"/>
+              </a:spcAft>
+              <a:buFont typeface="Arial" panose="020B0604020202020204" pitchFamily="34" charset="0"/>
+              <a:buChar char="»"/>
+              <a:defRPr sz="2000">
+                <a:solidFill>
+                  <a:schemeClr val="tx1"/>
+                </a:solidFill>
+                <a:latin typeface="맑은 고딕" panose="020B0503020000020004" pitchFamily="50" charset="-127"/>
+                <a:ea typeface="맑은 고딕" panose="020B0503020000020004" pitchFamily="50" charset="-127"/>
+              </a:defRPr>
+            </a:lvl6pPr>
+            <a:lvl7pPr marL="2971800" indent="-228600" eaLnBrk="0" fontAlgn="base" hangingPunct="0">
+              <a:spcBef>
+                <a:spcPct val="20000"/>
+              </a:spcBef>
+              <a:spcAft>
+                <a:spcPct val="0"/>
+              </a:spcAft>
+              <a:buFont typeface="Arial" panose="020B0604020202020204" pitchFamily="34" charset="0"/>
+              <a:buChar char="»"/>
+              <a:defRPr sz="2000">
+                <a:solidFill>
+                  <a:schemeClr val="tx1"/>
+                </a:solidFill>
+                <a:latin typeface="맑은 고딕" panose="020B0503020000020004" pitchFamily="50" charset="-127"/>
+                <a:ea typeface="맑은 고딕" panose="020B0503020000020004" pitchFamily="50" charset="-127"/>
+              </a:defRPr>
+            </a:lvl7pPr>
+            <a:lvl8pPr marL="3429000" indent="-228600" eaLnBrk="0" fontAlgn="base" hangingPunct="0">
+              <a:spcBef>
+                <a:spcPct val="20000"/>
+              </a:spcBef>
+              <a:spcAft>
+                <a:spcPct val="0"/>
+              </a:spcAft>
+              <a:buFont typeface="Arial" panose="020B0604020202020204" pitchFamily="34" charset="0"/>
+              <a:buChar char="»"/>
+              <a:defRPr sz="2000">
+                <a:solidFill>
+                  <a:schemeClr val="tx1"/>
+                </a:solidFill>
+                <a:latin typeface="맑은 고딕" panose="020B0503020000020004" pitchFamily="50" charset="-127"/>
+                <a:ea typeface="맑은 고딕" panose="020B0503020000020004" pitchFamily="50" charset="-127"/>
+              </a:defRPr>
+            </a:lvl8pPr>
+            <a:lvl9pPr marL="3886200" indent="-228600" eaLnBrk="0" fontAlgn="base" hangingPunct="0">
+              <a:spcBef>
+                <a:spcPct val="20000"/>
+              </a:spcBef>
+              <a:spcAft>
+                <a:spcPct val="0"/>
+              </a:spcAft>
+              <a:buFont typeface="Arial" panose="020B0604020202020204" pitchFamily="34" charset="0"/>
+              <a:buChar char="»"/>
+              <a:defRPr sz="2000">
+                <a:solidFill>
+                  <a:schemeClr val="tx1"/>
+                </a:solidFill>
+                <a:latin typeface="맑은 고딕" panose="020B0503020000020004" pitchFamily="50" charset="-127"/>
+                <a:ea typeface="맑은 고딕" panose="020B0503020000020004" pitchFamily="50" charset="-127"/>
+              </a:defRPr>
+            </a:lvl9pPr>
+          </a:lstStyle>
+          <a:p>
+            <a:pPr eaLnBrk="1" hangingPunct="1">
+              <a:spcBef>
+                <a:spcPct val="0"/>
+              </a:spcBef>
+              <a:buFontTx/>
+              <a:buNone/>
+            </a:pPr>
+            <a:r>
+              <a:rPr kumimoji="0" lang="ko-KR" altLang="en-US" sz="2400">
+                <a:solidFill>
+                  <a:schemeClr val="tx2"/>
+                </a:solidFill>
+                <a:latin typeface="나눔스퀘어OTF Bold" panose="020B0600000101010101" pitchFamily="34" charset="-127"/>
+                <a:ea typeface="나눔스퀘어OTF Bold" panose="020B0600000101010101" pitchFamily="34" charset="-127"/>
+              </a:rPr>
+              <a:t>분석</a:t>
+            </a:r>
+            <a:r>
+              <a:rPr kumimoji="0" lang="en-US" altLang="ko-KR" sz="2400">
+                <a:solidFill>
+                  <a:schemeClr val="tx2"/>
+                </a:solidFill>
+                <a:latin typeface="나눔스퀘어OTF Bold" panose="020B0600000101010101" pitchFamily="34" charset="-127"/>
+                <a:ea typeface="나눔스퀘어OTF Bold" panose="020B0600000101010101" pitchFamily="34" charset="-127"/>
+              </a:rPr>
+              <a:t>/</a:t>
+            </a:r>
+            <a:r>
+              <a:rPr kumimoji="0" lang="ko-KR" altLang="en-US" sz="2400">
+                <a:solidFill>
+                  <a:schemeClr val="tx2"/>
+                </a:solidFill>
+                <a:latin typeface="나눔스퀘어OTF Bold" panose="020B0600000101010101" pitchFamily="34" charset="-127"/>
+                <a:ea typeface="나눔스퀘어OTF Bold" panose="020B0600000101010101" pitchFamily="34" charset="-127"/>
+              </a:rPr>
+              <a:t>설계 </a:t>
+            </a:r>
+            <a:r>
+              <a:rPr kumimoji="0" lang="en-US" altLang="ko-KR" sz="2400">
+                <a:solidFill>
+                  <a:schemeClr val="tx2"/>
+                </a:solidFill>
+                <a:latin typeface="나눔스퀘어OTF Bold" panose="020B0600000101010101" pitchFamily="34" charset="-127"/>
+                <a:ea typeface="나눔스퀘어OTF Bold" panose="020B0600000101010101" pitchFamily="34" charset="-127"/>
+              </a:rPr>
+              <a:t>: </a:t>
+            </a:r>
+            <a:r>
+              <a:rPr kumimoji="0" lang="ko-KR" altLang="en-US" sz="2400">
+                <a:solidFill>
+                  <a:schemeClr val="tx2"/>
+                </a:solidFill>
+                <a:latin typeface="나눔스퀘어OTF Bold" panose="020B0600000101010101" pitchFamily="34" charset="-127"/>
+                <a:ea typeface="나눔스퀘어OTF Bold" panose="020B0600000101010101" pitchFamily="34" charset="-127"/>
+              </a:rPr>
+              <a:t>요구사항 정의서</a:t>
+            </a:r>
+            <a:endParaRPr kumimoji="0" lang="ar-SA" altLang="ko-KR" sz="2400">
+              <a:solidFill>
+                <a:schemeClr val="tx2"/>
+              </a:solidFill>
+              <a:latin typeface="나눔스퀘어OTF Bold" panose="020B0600000101010101" pitchFamily="34" charset="-127"/>
+              <a:ea typeface="나눔스퀘어OTF Bold" panose="020B0600000101010101" pitchFamily="34" charset="-127"/>
+            </a:endParaRPr>
+          </a:p>
+        </p:txBody>
+      </p:sp>
+      <p:sp>
+        <p:nvSpPr>
+          <p:cNvPr id="44" name="Text Box 44"/>
+          <p:cNvSpPr txBox="1">
+            <a:spLocks noChangeArrowheads="1"/>
+          </p:cNvSpPr>
+          <p:nvPr/>
+        </p:nvSpPr>
+        <p:spPr bwMode="auto">
+          <a:xfrm>
+            <a:off x="782638" y="2320925"/>
+            <a:ext cx="5508496" cy="3653049"/>
+          </a:xfrm>
+          <a:prstGeom prst="rect">
+            <a:avLst/>
+          </a:prstGeom>
+          <a:blipFill dpi="0" rotWithShape="1">
+            <a:blip r:embed="rId3">
+              <a:extLst>
+                <a:ext uri="{28A0092B-C50C-407E-A947-70E740481C1C}">
+                  <a14:useLocalDpi xmlns:a14="http://schemas.microsoft.com/office/drawing/2010/main" val="0"/>
+                </a:ext>
+              </a:extLst>
+            </a:blip>
+            <a:srcRect/>
+            <a:stretch>
+              <a:fillRect/>
+            </a:stretch>
+          </a:blipFill>
+          <a:ln w="12700" cap="flat" cmpd="sng" algn="ctr">
+            <a:gradFill>
+              <a:gsLst>
+                <a:gs pos="0">
+                  <a:sysClr val="window" lastClr="FFFFFF">
+                    <a:lumMod val="85000"/>
+                  </a:sysClr>
+                </a:gs>
+                <a:gs pos="50000">
+                  <a:sysClr val="window" lastClr="FFFFFF"/>
+                </a:gs>
+                <a:gs pos="100000">
+                  <a:sysClr val="window" lastClr="FFFFFF">
+                    <a:lumMod val="85000"/>
+                  </a:sysClr>
+                </a:gs>
+              </a:gsLst>
+              <a:lin ang="5400000" scaled="0"/>
+            </a:gradFill>
+            <a:prstDash val="solid"/>
+            <a:miter lim="800000"/>
+            <a:headEnd/>
+            <a:tailEnd/>
+          </a:ln>
+          <a:effectLst>
+            <a:outerShdw blurRad="50800" dist="38100" dir="2700000" algn="tl" rotWithShape="0">
+              <a:prstClr val="black">
+                <a:alpha val="40000"/>
+              </a:prstClr>
+            </a:outerShdw>
+          </a:effectLst>
+        </p:spPr>
+        <p:txBody>
+          <a:bodyPr lIns="70650" tIns="70650" rIns="70650" bIns="44853"/>
+          <a:lstStyle/>
+          <a:p>
+            <a:pPr marL="84095" indent="-84095" defTabSz="897033" eaLnBrk="1" fontAlgn="auto" latinLnBrk="1" hangingPunct="1">
+              <a:spcBef>
+                <a:spcPts val="0"/>
+              </a:spcBef>
+              <a:spcAft>
+                <a:spcPts val="294"/>
+              </a:spcAft>
+              <a:buClr>
+                <a:srgbClr val="A1A1A1"/>
+              </a:buClr>
+              <a:buSzPct val="100000"/>
+              <a:buFont typeface="Arial" pitchFamily="34" charset="0"/>
+              <a:buChar char="•"/>
+              <a:defRPr/>
+            </a:pPr>
+            <a:endParaRPr kumimoji="0" lang="ko-KR" altLang="en-US" sz="883" kern="0" dirty="0">
+              <a:solidFill>
+                <a:srgbClr val="FF0000"/>
+              </a:solidFill>
+              <a:latin typeface="나눔고딕" panose="020D0304000000000000" pitchFamily="50" charset="-127"/>
+              <a:ea typeface="나눔스퀘어"/>
+              <a:sym typeface="Wingdings" pitchFamily="2" charset="2"/>
+            </a:endParaRPr>
+          </a:p>
+        </p:txBody>
+      </p:sp>
+      <p:sp>
+        <p:nvSpPr>
+          <p:cNvPr id="49" name="모서리가 둥근 직사각형 48"/>
+          <p:cNvSpPr/>
+          <p:nvPr/>
+        </p:nvSpPr>
+        <p:spPr bwMode="auto">
+          <a:xfrm>
+            <a:off x="2311400" y="6165850"/>
+            <a:ext cx="2268538" cy="319088"/>
+          </a:xfrm>
+          <a:prstGeom prst="roundRect">
+            <a:avLst>
+              <a:gd name="adj" fmla="val 50000"/>
+            </a:avLst>
+          </a:prstGeom>
+          <a:gradFill flip="none" rotWithShape="1">
+            <a:gsLst>
+              <a:gs pos="100000">
+                <a:schemeClr val="bg1">
+                  <a:lumMod val="50000"/>
+                </a:schemeClr>
+              </a:gs>
+              <a:gs pos="50000">
+                <a:schemeClr val="tx1"/>
+              </a:gs>
+              <a:gs pos="0">
+                <a:schemeClr val="bg1">
+                  <a:lumMod val="65000"/>
+                </a:schemeClr>
+              </a:gs>
+            </a:gsLst>
+            <a:lin ang="0" scaled="1"/>
+            <a:tileRect/>
+          </a:gradFill>
+          <a:ln w="12700">
+            <a:noFill/>
+          </a:ln>
+        </p:spPr>
+        <p:style>
+          <a:lnRef idx="2">
+            <a:schemeClr val="accent1">
+              <a:shade val="50000"/>
+            </a:schemeClr>
+          </a:lnRef>
+          <a:fillRef idx="1">
+            <a:schemeClr val="accent1"/>
+          </a:fillRef>
+          <a:effectRef idx="0">
+            <a:schemeClr val="accent1"/>
+          </a:effectRef>
+          <a:fontRef idx="minor">
+            <a:schemeClr val="lt1"/>
+          </a:fontRef>
+        </p:style>
+        <p:txBody>
+          <a:bodyPr anchor="ctr"/>
+          <a:lstStyle/>
+          <a:p>
+            <a:pPr algn="ctr" eaLnBrk="1" fontAlgn="auto" latinLnBrk="1" hangingPunct="1">
+              <a:spcBef>
+                <a:spcPts val="0"/>
+              </a:spcBef>
+              <a:spcAft>
+                <a:spcPts val="0"/>
+              </a:spcAft>
+              <a:defRPr/>
+            </a:pPr>
+            <a:r>
+              <a:rPr kumimoji="0" lang="ko-KR" altLang="en-US" sz="1600">
+                <a:solidFill>
+                  <a:schemeClr val="bg1"/>
+                </a:solidFill>
+                <a:latin typeface="나눔스퀘어OTF ExtraBold" pitchFamily="34" charset="-127"/>
+                <a:ea typeface="나눔스퀘어OTF ExtraBold" pitchFamily="34" charset="-127"/>
+              </a:rPr>
+              <a:t>요구사항 정의서</a:t>
+            </a:r>
+            <a:endParaRPr kumimoji="0" lang="ko-KR" altLang="en-US" sz="1600" dirty="0">
+              <a:solidFill>
+                <a:schemeClr val="bg1"/>
+              </a:solidFill>
+              <a:latin typeface="나눔스퀘어OTF ExtraBold" pitchFamily="34" charset="-127"/>
+              <a:ea typeface="나눔스퀘어OTF ExtraBold" pitchFamily="34" charset="-127"/>
+            </a:endParaRPr>
+          </a:p>
+        </p:txBody>
+      </p:sp>
+      <p:sp>
+        <p:nvSpPr>
+          <p:cNvPr id="15372" name="직사각형 10"/>
+          <p:cNvSpPr>
+            <a:spLocks noChangeArrowheads="1"/>
+          </p:cNvSpPr>
+          <p:nvPr/>
+        </p:nvSpPr>
+        <p:spPr bwMode="auto">
+          <a:xfrm>
+            <a:off x="6529707" y="2477417"/>
+            <a:ext cx="4893943" cy="1015663"/>
+          </a:xfrm>
+          <a:prstGeom prst="rect">
+            <a:avLst/>
+          </a:prstGeom>
+          <a:noFill/>
+          <a:ln>
+            <a:noFill/>
+          </a:ln>
+          <a:extLst>
+            <a:ext uri="{909E8E84-426E-40DD-AFC4-6F175D3DCCD1}">
+              <a14:hiddenFill xmlns:a14="http://schemas.microsoft.com/office/drawing/2010/main">
+                <a:solidFill>
+                  <a:srgbClr val="FFFFFF"/>
+                </a:solidFill>
+              </a14:hiddenFill>
+            </a:ext>
+            <a:ext uri="{91240B29-F687-4F45-9708-019B960494DF}">
+              <a14:hiddenLine xmlns:a14="http://schemas.microsoft.com/office/drawing/2010/main" w="9525">
+                <a:solidFill>
+                  <a:srgbClr val="000000"/>
+                </a:solidFill>
+                <a:miter lim="800000"/>
+                <a:headEnd/>
+                <a:tailEnd/>
+              </a14:hiddenLine>
+            </a:ext>
+          </a:extLst>
+        </p:spPr>
+        <p:txBody>
+          <a:bodyPr>
+            <a:spAutoFit/>
+          </a:bodyPr>
+          <a:lstStyle>
+            <a:lvl1pPr marL="285750" indent="-285750" latinLnBrk="1">
+              <a:spcBef>
+                <a:spcPct val="20000"/>
+              </a:spcBef>
+              <a:buFont typeface="Arial" panose="020B0604020202020204" pitchFamily="34" charset="0"/>
+              <a:buChar char="•"/>
+              <a:defRPr sz="3200">
+                <a:solidFill>
+                  <a:schemeClr val="tx1"/>
+                </a:solidFill>
+                <a:latin typeface="맑은 고딕" panose="020B0503020000020004" pitchFamily="50" charset="-127"/>
+                <a:ea typeface="맑은 고딕" panose="020B0503020000020004" pitchFamily="50" charset="-127"/>
+              </a:defRPr>
+            </a:lvl1pPr>
+            <a:lvl2pPr marL="742950" indent="-285750" latinLnBrk="1">
+              <a:spcBef>
+                <a:spcPct val="20000"/>
+              </a:spcBef>
+              <a:buFont typeface="Arial" panose="020B0604020202020204" pitchFamily="34" charset="0"/>
+              <a:buChar char="–"/>
+              <a:defRPr sz="2800">
+                <a:solidFill>
+                  <a:schemeClr val="tx1"/>
+                </a:solidFill>
+                <a:latin typeface="맑은 고딕" panose="020B0503020000020004" pitchFamily="50" charset="-127"/>
+                <a:ea typeface="맑은 고딕" panose="020B0503020000020004" pitchFamily="50" charset="-127"/>
+              </a:defRPr>
+            </a:lvl2pPr>
+            <a:lvl3pPr marL="1143000" indent="-228600" latinLnBrk="1">
+              <a:spcBef>
+                <a:spcPct val="20000"/>
+              </a:spcBef>
+              <a:buFont typeface="Arial" panose="020B0604020202020204" pitchFamily="34" charset="0"/>
+              <a:buChar char="•"/>
+              <a:defRPr sz="2400">
+                <a:solidFill>
+                  <a:schemeClr val="tx1"/>
+                </a:solidFill>
+                <a:latin typeface="맑은 고딕" panose="020B0503020000020004" pitchFamily="50" charset="-127"/>
+                <a:ea typeface="맑은 고딕" panose="020B0503020000020004" pitchFamily="50" charset="-127"/>
+              </a:defRPr>
+            </a:lvl3pPr>
+            <a:lvl4pPr marL="1600200" indent="-228600" latinLnBrk="1">
+              <a:spcBef>
+                <a:spcPct val="20000"/>
+              </a:spcBef>
+              <a:buFont typeface="Arial" panose="020B0604020202020204" pitchFamily="34" charset="0"/>
+              <a:buChar char="–"/>
+              <a:defRPr sz="2000">
+                <a:solidFill>
+                  <a:schemeClr val="tx1"/>
+                </a:solidFill>
+                <a:latin typeface="맑은 고딕" panose="020B0503020000020004" pitchFamily="50" charset="-127"/>
+                <a:ea typeface="맑은 고딕" panose="020B0503020000020004" pitchFamily="50" charset="-127"/>
+              </a:defRPr>
+            </a:lvl4pPr>
+            <a:lvl5pPr marL="2057400" indent="-228600" latinLnBrk="1">
+              <a:spcBef>
+                <a:spcPct val="20000"/>
+              </a:spcBef>
+              <a:buFont typeface="Arial" panose="020B0604020202020204" pitchFamily="34" charset="0"/>
+              <a:buChar char="»"/>
+              <a:defRPr sz="2000">
+                <a:solidFill>
+                  <a:schemeClr val="tx1"/>
+                </a:solidFill>
+                <a:latin typeface="맑은 고딕" panose="020B0503020000020004" pitchFamily="50" charset="-127"/>
+                <a:ea typeface="맑은 고딕" panose="020B0503020000020004" pitchFamily="50" charset="-127"/>
+              </a:defRPr>
+            </a:lvl5pPr>
+            <a:lvl6pPr marL="2514600" indent="-228600" eaLnBrk="0" fontAlgn="base" hangingPunct="0">
+              <a:spcBef>
+                <a:spcPct val="20000"/>
+              </a:spcBef>
+              <a:spcAft>
+                <a:spcPct val="0"/>
+              </a:spcAft>
+              <a:buFont typeface="Arial" panose="020B0604020202020204" pitchFamily="34" charset="0"/>
+              <a:buChar char="»"/>
+              <a:defRPr sz="2000">
+                <a:solidFill>
+                  <a:schemeClr val="tx1"/>
+                </a:solidFill>
+                <a:latin typeface="맑은 고딕" panose="020B0503020000020004" pitchFamily="50" charset="-127"/>
+                <a:ea typeface="맑은 고딕" panose="020B0503020000020004" pitchFamily="50" charset="-127"/>
+              </a:defRPr>
+            </a:lvl6pPr>
+            <a:lvl7pPr marL="2971800" indent="-228600" eaLnBrk="0" fontAlgn="base" hangingPunct="0">
+              <a:spcBef>
+                <a:spcPct val="20000"/>
+              </a:spcBef>
+              <a:spcAft>
+                <a:spcPct val="0"/>
+              </a:spcAft>
+              <a:buFont typeface="Arial" panose="020B0604020202020204" pitchFamily="34" charset="0"/>
+              <a:buChar char="»"/>
+              <a:defRPr sz="2000">
+                <a:solidFill>
+                  <a:schemeClr val="tx1"/>
+                </a:solidFill>
+                <a:latin typeface="맑은 고딕" panose="020B0503020000020004" pitchFamily="50" charset="-127"/>
+                <a:ea typeface="맑은 고딕" panose="020B0503020000020004" pitchFamily="50" charset="-127"/>
+              </a:defRPr>
+            </a:lvl7pPr>
+            <a:lvl8pPr marL="3429000" indent="-228600" eaLnBrk="0" fontAlgn="base" hangingPunct="0">
+              <a:spcBef>
+                <a:spcPct val="20000"/>
+              </a:spcBef>
+              <a:spcAft>
+                <a:spcPct val="0"/>
+              </a:spcAft>
+              <a:buFont typeface="Arial" panose="020B0604020202020204" pitchFamily="34" charset="0"/>
+              <a:buChar char="»"/>
+              <a:defRPr sz="2000">
+                <a:solidFill>
+                  <a:schemeClr val="tx1"/>
+                </a:solidFill>
+                <a:latin typeface="맑은 고딕" panose="020B0503020000020004" pitchFamily="50" charset="-127"/>
+                <a:ea typeface="맑은 고딕" panose="020B0503020000020004" pitchFamily="50" charset="-127"/>
+              </a:defRPr>
+            </a:lvl8pPr>
+            <a:lvl9pPr marL="3886200" indent="-228600" eaLnBrk="0" fontAlgn="base" hangingPunct="0">
+              <a:spcBef>
+                <a:spcPct val="20000"/>
+              </a:spcBef>
+              <a:spcAft>
+                <a:spcPct val="0"/>
+              </a:spcAft>
+              <a:buFont typeface="Arial" panose="020B0604020202020204" pitchFamily="34" charset="0"/>
+              <a:buChar char="»"/>
+              <a:defRPr sz="2000">
+                <a:solidFill>
+                  <a:schemeClr val="tx1"/>
+                </a:solidFill>
+                <a:latin typeface="맑은 고딕" panose="020B0503020000020004" pitchFamily="50" charset="-127"/>
+                <a:ea typeface="맑은 고딕" panose="020B0503020000020004" pitchFamily="50" charset="-127"/>
+              </a:defRPr>
+            </a:lvl9pPr>
+          </a:lstStyle>
+          <a:p>
+            <a:pPr algn="just" eaLnBrk="1" hangingPunct="1">
+              <a:spcBef>
+                <a:spcPct val="0"/>
+              </a:spcBef>
+              <a:buFontTx/>
+              <a:buChar char="-"/>
+            </a:pPr>
+            <a:r>
+              <a:rPr kumimoji="0" lang="ko-KR" altLang="en-US" sz="2000" b="1">
+                <a:latin typeface="나눔스퀘어OTF" panose="020B0600000101010101" pitchFamily="34" charset="-127"/>
+                <a:ea typeface="나눔스퀘어OTF" panose="020B0600000101010101" pitchFamily="34" charset="-127"/>
+              </a:rPr>
+              <a:t>고객의 요구 사항 정의</a:t>
+            </a:r>
+            <a:endParaRPr kumimoji="0" lang="en-US" altLang="ko-KR" sz="2000" b="1">
+              <a:latin typeface="나눔스퀘어OTF" panose="020B0600000101010101" pitchFamily="34" charset="-127"/>
+              <a:ea typeface="나눔스퀘어OTF" panose="020B0600000101010101" pitchFamily="34" charset="-127"/>
+            </a:endParaRPr>
+          </a:p>
+          <a:p>
+            <a:pPr marL="0" indent="0" algn="just" eaLnBrk="1" hangingPunct="1">
+              <a:spcBef>
+                <a:spcPct val="0"/>
+              </a:spcBef>
+              <a:buNone/>
+            </a:pPr>
+            <a:endParaRPr kumimoji="0" lang="en-US" altLang="ko-KR" sz="2000" b="1">
+              <a:latin typeface="나눔스퀘어OTF" panose="020B0600000101010101" pitchFamily="34" charset="-127"/>
+              <a:ea typeface="나눔스퀘어OTF" panose="020B0600000101010101" pitchFamily="34" charset="-127"/>
+            </a:endParaRPr>
+          </a:p>
+          <a:p>
+            <a:pPr algn="just" eaLnBrk="1" hangingPunct="1">
+              <a:spcBef>
+                <a:spcPct val="0"/>
+              </a:spcBef>
+              <a:buFontTx/>
+              <a:buChar char="-"/>
+            </a:pPr>
+            <a:r>
+              <a:rPr kumimoji="0" lang="ko-KR" altLang="en-US" sz="2000" b="1">
+                <a:latin typeface="나눔스퀘어OTF" panose="020B0600000101010101" pitchFamily="34" charset="-127"/>
+                <a:ea typeface="나눔스퀘어OTF" panose="020B0600000101010101" pitchFamily="34" charset="-127"/>
+              </a:rPr>
+              <a:t>중요도</a:t>
+            </a:r>
+            <a:r>
+              <a:rPr kumimoji="0" lang="en-US" altLang="ko-KR" sz="2000" b="1">
+                <a:latin typeface="나눔스퀘어OTF" panose="020B0600000101010101" pitchFamily="34" charset="-127"/>
+                <a:ea typeface="나눔스퀘어OTF" panose="020B0600000101010101" pitchFamily="34" charset="-127"/>
+              </a:rPr>
+              <a:t>, </a:t>
+            </a:r>
+            <a:r>
+              <a:rPr kumimoji="0" lang="ko-KR" altLang="en-US" sz="2000" b="1">
+                <a:latin typeface="나눔스퀘어OTF" panose="020B0600000101010101" pitchFamily="34" charset="-127"/>
+                <a:ea typeface="나눔스퀘어OTF" panose="020B0600000101010101" pitchFamily="34" charset="-127"/>
+              </a:rPr>
+              <a:t>반영 여부</a:t>
+            </a:r>
+          </a:p>
+        </p:txBody>
+      </p:sp>
+      <p:grpSp>
+        <p:nvGrpSpPr>
+          <p:cNvPr id="18" name="그룹 13">
+            <a:extLst>
+              <a:ext uri="{FF2B5EF4-FFF2-40B4-BE49-F238E27FC236}">
+                <a16:creationId xmlns:a16="http://schemas.microsoft.com/office/drawing/2014/main" id="{F080EEA6-4E71-4754-BFE8-FDCE2ABDDC42}"/>
+              </a:ext>
+            </a:extLst>
+          </p:cNvPr>
+          <p:cNvGrpSpPr>
+            <a:grpSpLocks/>
+          </p:cNvGrpSpPr>
+          <p:nvPr/>
+        </p:nvGrpSpPr>
+        <p:grpSpPr bwMode="auto">
+          <a:xfrm rot="5400000">
+            <a:off x="8534474" y="-2980530"/>
+            <a:ext cx="369889" cy="6832600"/>
+            <a:chOff x="11783835" y="1420022"/>
+            <a:chExt cx="370109" cy="4457250"/>
+          </a:xfrm>
+        </p:grpSpPr>
+        <p:sp>
+          <p:nvSpPr>
+            <p:cNvPr id="19" name="양쪽 모서리가 둥근 사각형 21">
+              <a:extLst>
+                <a:ext uri="{FF2B5EF4-FFF2-40B4-BE49-F238E27FC236}">
+                  <a16:creationId xmlns:a16="http://schemas.microsoft.com/office/drawing/2014/main" id="{B8D29D92-EC9C-4BD7-8640-6DCA775C036E}"/>
+                </a:ext>
+              </a:extLst>
+            </p:cNvPr>
+            <p:cNvSpPr/>
+            <p:nvPr/>
+          </p:nvSpPr>
+          <p:spPr>
+            <a:xfrm rot="16200000" flipH="1">
+              <a:off x="11537041" y="5260370"/>
+              <a:ext cx="863696" cy="370108"/>
+            </a:xfrm>
+            <a:prstGeom prst="round2SameRect">
+              <a:avLst>
+                <a:gd name="adj1" fmla="val 50000"/>
+                <a:gd name="adj2" fmla="val 0"/>
+              </a:avLst>
+            </a:prstGeom>
+            <a:solidFill>
+              <a:schemeClr val="bg1">
+                <a:lumMod val="85000"/>
+              </a:schemeClr>
+            </a:solidFill>
+            <a:ln>
+              <a:solidFill>
+                <a:schemeClr val="bg1"/>
+              </a:solidFill>
+            </a:ln>
+          </p:spPr>
+          <p:style>
+            <a:lnRef idx="2">
+              <a:schemeClr val="accent1">
+                <a:shade val="50000"/>
+              </a:schemeClr>
+            </a:lnRef>
+            <a:fillRef idx="1">
+              <a:schemeClr val="accent1"/>
+            </a:fillRef>
+            <a:effectRef idx="0">
+              <a:schemeClr val="accent1"/>
+            </a:effectRef>
+            <a:fontRef idx="minor">
+              <a:schemeClr val="lt1"/>
+            </a:fontRef>
+          </p:style>
+          <p:txBody>
+            <a:bodyPr anchor="ctr"/>
+            <a:lstStyle/>
+            <a:p>
+              <a:pPr algn="ctr" eaLnBrk="1" fontAlgn="auto" latinLnBrk="1" hangingPunct="1">
+                <a:spcBef>
+                  <a:spcPts val="0"/>
+                </a:spcBef>
+                <a:spcAft>
+                  <a:spcPts val="0"/>
+                </a:spcAft>
+                <a:defRPr/>
+              </a:pPr>
+              <a:r>
+                <a:rPr kumimoji="0" lang="ko-KR" altLang="en-US" sz="1500" dirty="0">
+                  <a:solidFill>
+                    <a:schemeClr val="tx1"/>
+                  </a:solidFill>
+                  <a:latin typeface="여기어때 잘난체 OTF" pitchFamily="34" charset="-127"/>
+                  <a:ea typeface="여기어때 잘난체 OTF" pitchFamily="34" charset="-127"/>
+                </a:rPr>
+                <a:t>개요</a:t>
+              </a:r>
+            </a:p>
+          </p:txBody>
+        </p:sp>
+        <p:sp>
+          <p:nvSpPr>
+            <p:cNvPr id="20" name="양쪽 모서리가 둥근 사각형 23">
+              <a:extLst>
+                <a:ext uri="{FF2B5EF4-FFF2-40B4-BE49-F238E27FC236}">
+                  <a16:creationId xmlns:a16="http://schemas.microsoft.com/office/drawing/2014/main" id="{39B366AD-5D03-432F-93D8-1A95FE3F0AD3}"/>
+                </a:ext>
+              </a:extLst>
+            </p:cNvPr>
+            <p:cNvSpPr/>
+            <p:nvPr/>
+          </p:nvSpPr>
+          <p:spPr>
+            <a:xfrm rot="16200000" flipH="1">
+              <a:off x="11536006" y="4541659"/>
+              <a:ext cx="865767" cy="370108"/>
+            </a:xfrm>
+            <a:prstGeom prst="round2SameRect">
+              <a:avLst>
+                <a:gd name="adj1" fmla="val 50000"/>
+                <a:gd name="adj2" fmla="val 0"/>
+              </a:avLst>
+            </a:prstGeom>
+            <a:solidFill>
+              <a:schemeClr val="bg1">
+                <a:lumMod val="85000"/>
+              </a:schemeClr>
+            </a:solidFill>
+            <a:ln>
+              <a:solidFill>
+                <a:schemeClr val="bg1"/>
+              </a:solidFill>
+            </a:ln>
+          </p:spPr>
+          <p:style>
+            <a:lnRef idx="2">
+              <a:schemeClr val="accent1">
+                <a:shade val="50000"/>
+              </a:schemeClr>
+            </a:lnRef>
+            <a:fillRef idx="1">
+              <a:schemeClr val="accent1"/>
+            </a:fillRef>
+            <a:effectRef idx="0">
+              <a:schemeClr val="accent1"/>
+            </a:effectRef>
+            <a:fontRef idx="minor">
+              <a:schemeClr val="lt1"/>
+            </a:fontRef>
+          </p:style>
+          <p:txBody>
+            <a:bodyPr anchor="ctr"/>
+            <a:lstStyle/>
+            <a:p>
+              <a:pPr algn="ctr" eaLnBrk="1" fontAlgn="auto" latinLnBrk="1" hangingPunct="1">
+                <a:spcBef>
+                  <a:spcPts val="0"/>
+                </a:spcBef>
+                <a:spcAft>
+                  <a:spcPts val="0"/>
+                </a:spcAft>
+                <a:defRPr/>
+              </a:pPr>
+              <a:r>
+                <a:rPr kumimoji="0" lang="ko-KR" altLang="en-US" sz="1500" dirty="0">
+                  <a:solidFill>
+                    <a:schemeClr val="tx1"/>
+                  </a:solidFill>
+                  <a:latin typeface="여기어때 잘난체 OTF" pitchFamily="34" charset="-127"/>
+                  <a:ea typeface="여기어때 잘난체 OTF" pitchFamily="34" charset="-127"/>
+                </a:rPr>
+                <a:t>참여인원</a:t>
+              </a:r>
+            </a:p>
+          </p:txBody>
+        </p:sp>
+        <p:sp>
+          <p:nvSpPr>
+            <p:cNvPr id="21" name="양쪽 모서리가 둥근 사각형 24">
+              <a:extLst>
+                <a:ext uri="{FF2B5EF4-FFF2-40B4-BE49-F238E27FC236}">
+                  <a16:creationId xmlns:a16="http://schemas.microsoft.com/office/drawing/2014/main" id="{AFD03600-794D-4194-B3EE-406541529C04}"/>
+                </a:ext>
+              </a:extLst>
+            </p:cNvPr>
+            <p:cNvSpPr/>
+            <p:nvPr/>
+          </p:nvSpPr>
+          <p:spPr>
+            <a:xfrm rot="16200000" flipH="1">
+              <a:off x="11537041" y="3822948"/>
+              <a:ext cx="863696" cy="370108"/>
+            </a:xfrm>
+            <a:prstGeom prst="round2SameRect">
+              <a:avLst>
+                <a:gd name="adj1" fmla="val 50000"/>
+                <a:gd name="adj2" fmla="val 0"/>
+              </a:avLst>
+            </a:prstGeom>
+            <a:solidFill>
+              <a:schemeClr val="bg1">
+                <a:lumMod val="85000"/>
+              </a:schemeClr>
+            </a:solidFill>
+            <a:ln>
+              <a:solidFill>
+                <a:schemeClr val="bg1"/>
+              </a:solidFill>
+            </a:ln>
+          </p:spPr>
+          <p:style>
+            <a:lnRef idx="2">
+              <a:schemeClr val="accent1">
+                <a:shade val="50000"/>
+              </a:schemeClr>
+            </a:lnRef>
+            <a:fillRef idx="1">
+              <a:schemeClr val="accent1"/>
+            </a:fillRef>
+            <a:effectRef idx="0">
+              <a:schemeClr val="accent1"/>
+            </a:effectRef>
+            <a:fontRef idx="minor">
+              <a:schemeClr val="lt1"/>
+            </a:fontRef>
+          </p:style>
+          <p:txBody>
+            <a:bodyPr anchor="ctr"/>
+            <a:lstStyle/>
+            <a:p>
+              <a:pPr algn="ctr" eaLnBrk="1" fontAlgn="auto" latinLnBrk="1" hangingPunct="1">
+                <a:spcBef>
+                  <a:spcPts val="0"/>
+                </a:spcBef>
+                <a:spcAft>
+                  <a:spcPts val="0"/>
+                </a:spcAft>
+                <a:defRPr/>
+              </a:pPr>
+              <a:r>
+                <a:rPr kumimoji="0" lang="ko-KR" altLang="en-US" sz="1500" dirty="0">
+                  <a:solidFill>
+                    <a:schemeClr val="tx1"/>
+                  </a:solidFill>
+                  <a:latin typeface="여기어때 잘난체 OTF" pitchFamily="34" charset="-127"/>
+                  <a:ea typeface="여기어때 잘난체 OTF" pitchFamily="34" charset="-127"/>
+                </a:rPr>
+                <a:t>일정</a:t>
+              </a:r>
+            </a:p>
+          </p:txBody>
+        </p:sp>
+        <p:sp>
+          <p:nvSpPr>
+            <p:cNvPr id="23" name="양쪽 모서리가 둥근 사각형 25">
+              <a:extLst>
+                <a:ext uri="{FF2B5EF4-FFF2-40B4-BE49-F238E27FC236}">
+                  <a16:creationId xmlns:a16="http://schemas.microsoft.com/office/drawing/2014/main" id="{8EC7B28F-3F6C-4E5C-95F4-A14D2C51ED14}"/>
+                </a:ext>
+              </a:extLst>
+            </p:cNvPr>
+            <p:cNvSpPr/>
+            <p:nvPr/>
+          </p:nvSpPr>
+          <p:spPr>
+            <a:xfrm rot="16200000" flipH="1">
+              <a:off x="11537041" y="3120807"/>
+              <a:ext cx="863696" cy="370108"/>
+            </a:xfrm>
+            <a:prstGeom prst="round2SameRect">
+              <a:avLst>
+                <a:gd name="adj1" fmla="val 50000"/>
+                <a:gd name="adj2" fmla="val 0"/>
+              </a:avLst>
+            </a:prstGeom>
+            <a:solidFill>
+              <a:schemeClr val="bg1">
+                <a:lumMod val="85000"/>
+              </a:schemeClr>
+            </a:solidFill>
+            <a:ln>
+              <a:solidFill>
+                <a:schemeClr val="bg1"/>
+              </a:solidFill>
+            </a:ln>
+          </p:spPr>
+          <p:style>
+            <a:lnRef idx="2">
+              <a:schemeClr val="accent1">
+                <a:shade val="50000"/>
+              </a:schemeClr>
+            </a:lnRef>
+            <a:fillRef idx="1">
+              <a:schemeClr val="accent1"/>
+            </a:fillRef>
+            <a:effectRef idx="0">
+              <a:schemeClr val="accent1"/>
+            </a:effectRef>
+            <a:fontRef idx="minor">
+              <a:schemeClr val="lt1"/>
+            </a:fontRef>
+          </p:style>
+          <p:txBody>
+            <a:bodyPr anchor="ctr"/>
+            <a:lstStyle/>
+            <a:p>
+              <a:pPr algn="ctr" eaLnBrk="1" fontAlgn="auto" latinLnBrk="1" hangingPunct="1">
+                <a:spcBef>
+                  <a:spcPts val="0"/>
+                </a:spcBef>
+                <a:spcAft>
+                  <a:spcPts val="0"/>
+                </a:spcAft>
+                <a:defRPr/>
+              </a:pPr>
+              <a:r>
+                <a:rPr kumimoji="0" lang="ko-KR" altLang="en-US" sz="1500" dirty="0">
+                  <a:solidFill>
+                    <a:schemeClr val="tx1"/>
+                  </a:solidFill>
+                  <a:latin typeface="여기어때 잘난체 OTF" pitchFamily="34" charset="-127"/>
+                  <a:ea typeface="여기어때 잘난체 OTF" pitchFamily="34" charset="-127"/>
+                </a:rPr>
+                <a:t>구성</a:t>
+              </a:r>
+            </a:p>
+          </p:txBody>
+        </p:sp>
+        <p:sp>
+          <p:nvSpPr>
+            <p:cNvPr id="30" name="양쪽 모서리가 둥근 사각형 26">
+              <a:extLst>
+                <a:ext uri="{FF2B5EF4-FFF2-40B4-BE49-F238E27FC236}">
+                  <a16:creationId xmlns:a16="http://schemas.microsoft.com/office/drawing/2014/main" id="{A7500BE3-90BA-4719-8B60-411FF50B7719}"/>
+                </a:ext>
+              </a:extLst>
+            </p:cNvPr>
+            <p:cNvSpPr/>
+            <p:nvPr/>
+          </p:nvSpPr>
+          <p:spPr>
+            <a:xfrm rot="16200000" flipH="1">
+              <a:off x="11535488" y="2433682"/>
+              <a:ext cx="866803" cy="370108"/>
+            </a:xfrm>
+            <a:prstGeom prst="round2SameRect">
+              <a:avLst>
+                <a:gd name="adj1" fmla="val 50000"/>
+                <a:gd name="adj2" fmla="val 0"/>
+              </a:avLst>
+            </a:prstGeom>
+            <a:gradFill>
+              <a:gsLst>
+                <a:gs pos="0">
+                  <a:schemeClr val="tx1"/>
+                </a:gs>
+                <a:gs pos="100000">
+                  <a:schemeClr val="tx1"/>
+                </a:gs>
+                <a:gs pos="51000">
+                  <a:schemeClr val="bg1">
+                    <a:lumMod val="50000"/>
+                  </a:schemeClr>
+                </a:gs>
+              </a:gsLst>
+              <a:lin ang="0" scaled="1"/>
+            </a:gradFill>
+            <a:ln>
+              <a:solidFill>
+                <a:schemeClr val="bg1"/>
+              </a:solidFill>
+            </a:ln>
+          </p:spPr>
+          <p:style>
+            <a:lnRef idx="2">
+              <a:schemeClr val="accent1">
+                <a:shade val="50000"/>
+              </a:schemeClr>
+            </a:lnRef>
+            <a:fillRef idx="1">
+              <a:schemeClr val="accent1"/>
+            </a:fillRef>
+            <a:effectRef idx="0">
+              <a:schemeClr val="accent1"/>
+            </a:effectRef>
+            <a:fontRef idx="minor">
+              <a:schemeClr val="lt1"/>
+            </a:fontRef>
+          </p:style>
+          <p:txBody>
+            <a:bodyPr anchor="ctr"/>
+            <a:lstStyle/>
+            <a:p>
+              <a:pPr algn="ctr" eaLnBrk="1" fontAlgn="auto" latinLnBrk="1" hangingPunct="1">
+                <a:spcBef>
+                  <a:spcPts val="0"/>
+                </a:spcBef>
+                <a:spcAft>
+                  <a:spcPts val="0"/>
+                </a:spcAft>
+                <a:defRPr/>
+              </a:pPr>
+              <a:r>
+                <a:rPr kumimoji="0" lang="ko-KR" altLang="en-US" sz="1500" dirty="0">
+                  <a:solidFill>
+                    <a:schemeClr val="bg1"/>
+                  </a:solidFill>
+                  <a:latin typeface="여기어때 잘난체 OTF" panose="020B0600000101010101" pitchFamily="34" charset="-127"/>
+                  <a:ea typeface="여기어때 잘난체 OTF" panose="020B0600000101010101" pitchFamily="34" charset="-127"/>
+                </a:rPr>
+                <a:t>제안</a:t>
+              </a:r>
+              <a:r>
+                <a:rPr kumimoji="0" lang="en-US" altLang="ko-KR" sz="1500" dirty="0">
+                  <a:solidFill>
+                    <a:schemeClr val="bg1"/>
+                  </a:solidFill>
+                  <a:latin typeface="여기어때 잘난체 OTF" panose="020B0600000101010101" pitchFamily="34" charset="-127"/>
+                  <a:ea typeface="여기어때 잘난체 OTF" panose="020B0600000101010101" pitchFamily="34" charset="-127"/>
+                </a:rPr>
+                <a:t>/</a:t>
+              </a:r>
+              <a:r>
+                <a:rPr kumimoji="0" lang="ko-KR" altLang="en-US" sz="1500" dirty="0">
+                  <a:solidFill>
+                    <a:schemeClr val="bg1"/>
+                  </a:solidFill>
+                  <a:latin typeface="여기어때 잘난체 OTF" panose="020B0600000101010101" pitchFamily="34" charset="-127"/>
+                  <a:ea typeface="여기어때 잘난체 OTF" panose="020B0600000101010101" pitchFamily="34" charset="-127"/>
+                </a:rPr>
+                <a:t>내용</a:t>
+              </a:r>
+            </a:p>
+          </p:txBody>
+        </p:sp>
+        <p:sp>
+          <p:nvSpPr>
+            <p:cNvPr id="31" name="양쪽 모서리가 둥근 사각형 27">
+              <a:extLst>
+                <a:ext uri="{FF2B5EF4-FFF2-40B4-BE49-F238E27FC236}">
+                  <a16:creationId xmlns:a16="http://schemas.microsoft.com/office/drawing/2014/main" id="{6E4C51D2-BD74-4B31-B402-20B3733A91E0}"/>
+                </a:ext>
+              </a:extLst>
+            </p:cNvPr>
+            <p:cNvSpPr/>
+            <p:nvPr/>
+          </p:nvSpPr>
+          <p:spPr>
+            <a:xfrm rot="16200000" flipH="1">
+              <a:off x="11537041" y="1666816"/>
+              <a:ext cx="863696" cy="370108"/>
+            </a:xfrm>
+            <a:prstGeom prst="round2SameRect">
+              <a:avLst>
+                <a:gd name="adj1" fmla="val 50000"/>
+                <a:gd name="adj2" fmla="val 0"/>
+              </a:avLst>
+            </a:prstGeom>
+            <a:solidFill>
+              <a:schemeClr val="bg1">
+                <a:lumMod val="85000"/>
+              </a:schemeClr>
+            </a:solidFill>
+            <a:ln>
+              <a:solidFill>
+                <a:schemeClr val="bg1"/>
+              </a:solidFill>
+            </a:ln>
+          </p:spPr>
+          <p:style>
+            <a:lnRef idx="2">
+              <a:schemeClr val="accent1">
+                <a:shade val="50000"/>
+              </a:schemeClr>
+            </a:lnRef>
+            <a:fillRef idx="1">
+              <a:schemeClr val="accent1"/>
+            </a:fillRef>
+            <a:effectRef idx="0">
+              <a:schemeClr val="accent1"/>
+            </a:effectRef>
+            <a:fontRef idx="minor">
+              <a:schemeClr val="lt1"/>
+            </a:fontRef>
+          </p:style>
+          <p:txBody>
+            <a:bodyPr anchor="ctr"/>
+            <a:lstStyle/>
+            <a:p>
+              <a:pPr algn="ctr" eaLnBrk="1" fontAlgn="auto" latinLnBrk="1" hangingPunct="1">
+                <a:spcBef>
+                  <a:spcPts val="0"/>
+                </a:spcBef>
+                <a:spcAft>
+                  <a:spcPts val="0"/>
+                </a:spcAft>
+                <a:defRPr/>
+              </a:pPr>
+              <a:r>
+                <a:rPr kumimoji="0" lang="ko-KR" altLang="en-US" sz="1500" dirty="0" err="1">
+                  <a:solidFill>
+                    <a:schemeClr val="tx1">
+                      <a:lumMod val="85000"/>
+                      <a:lumOff val="15000"/>
+                    </a:schemeClr>
+                  </a:solidFill>
+                  <a:latin typeface="여기어때 잘난체 OTF" pitchFamily="34" charset="-127"/>
+                  <a:ea typeface="여기어때 잘난체 OTF" pitchFamily="34" charset="-127"/>
+                </a:rPr>
+                <a:t>구현화면</a:t>
+              </a:r>
+              <a:endParaRPr kumimoji="0" lang="ko-KR" altLang="en-US" sz="1500" dirty="0">
+                <a:solidFill>
+                  <a:schemeClr val="tx1">
+                    <a:lumMod val="85000"/>
+                    <a:lumOff val="15000"/>
+                  </a:schemeClr>
+                </a:solidFill>
+                <a:latin typeface="여기어때 잘난체 OTF" pitchFamily="34" charset="-127"/>
+                <a:ea typeface="여기어때 잘난체 OTF" pitchFamily="34" charset="-127"/>
+              </a:endParaRPr>
+            </a:p>
+          </p:txBody>
+        </p:sp>
+      </p:grpSp>
+    </p:spTree>
+  </p:cSld>
+  <p:clrMapOvr>
+    <a:masterClrMapping/>
+  </p:clrMapOvr>
+</p:sld>
+</file>
+
 <file path=ppt/slides/slide12.xml><?xml version="1.0" encoding="utf-8"?>
 <p:sld xmlns:a="http://schemas.openxmlformats.org/drawingml/2006/main" xmlns:r="http://schemas.openxmlformats.org/officeDocument/2006/relationships" xmlns:p="http://schemas.openxmlformats.org/presentationml/2006/main">
   <p:cSld>
@@ -16172,1427 +15977,6 @@
 </file>
 
 <file path=ppt/slides/slide16.xml><?xml version="1.0" encoding="utf-8"?>
-<p:sld xmlns:a="http://schemas.openxmlformats.org/drawingml/2006/main" xmlns:r="http://schemas.openxmlformats.org/officeDocument/2006/relationships" xmlns:p="http://schemas.openxmlformats.org/presentationml/2006/main">
-  <p:cSld>
-    <p:spTree>
-      <p:nvGrpSpPr>
-        <p:cNvPr id="1" name=""/>
-        <p:cNvGrpSpPr/>
-        <p:nvPr/>
-      </p:nvGrpSpPr>
-      <p:grpSpPr>
-        <a:xfrm>
-          <a:off x="0" y="0"/>
-          <a:ext cx="0" cy="0"/>
-          <a:chOff x="0" y="0"/>
-          <a:chExt cx="0" cy="0"/>
-        </a:xfrm>
-      </p:grpSpPr>
-      <p:sp>
-        <p:nvSpPr>
-          <p:cNvPr id="13" name="직사각형 12"/>
-          <p:cNvSpPr/>
-          <p:nvPr/>
-        </p:nvSpPr>
-        <p:spPr>
-          <a:xfrm>
-            <a:off x="0" y="-4763"/>
-            <a:ext cx="12192000" cy="620713"/>
-          </a:xfrm>
-          <a:prstGeom prst="rect">
-            <a:avLst/>
-          </a:prstGeom>
-          <a:gradFill>
-            <a:gsLst>
-              <a:gs pos="0">
-                <a:schemeClr val="tx1">
-                  <a:lumMod val="65000"/>
-                  <a:lumOff val="35000"/>
-                </a:schemeClr>
-              </a:gs>
-              <a:gs pos="100000">
-                <a:schemeClr val="bg1">
-                  <a:lumMod val="95000"/>
-                </a:schemeClr>
-              </a:gs>
-              <a:gs pos="40000">
-                <a:schemeClr val="bg1">
-                  <a:lumMod val="75000"/>
-                </a:schemeClr>
-              </a:gs>
-            </a:gsLst>
-            <a:lin ang="0" scaled="1"/>
-          </a:gradFill>
-          <a:ln>
-            <a:noFill/>
-          </a:ln>
-        </p:spPr>
-        <p:style>
-          <a:lnRef idx="2">
-            <a:schemeClr val="accent1">
-              <a:shade val="50000"/>
-            </a:schemeClr>
-          </a:lnRef>
-          <a:fillRef idx="1">
-            <a:schemeClr val="accent1"/>
-          </a:fillRef>
-          <a:effectRef idx="0">
-            <a:schemeClr val="accent1"/>
-          </a:effectRef>
-          <a:fontRef idx="minor">
-            <a:schemeClr val="lt1"/>
-          </a:fontRef>
-        </p:style>
-        <p:txBody>
-          <a:bodyPr anchor="ctr"/>
-          <a:lstStyle/>
-          <a:p>
-            <a:pPr algn="ctr" eaLnBrk="1" fontAlgn="auto" latinLnBrk="1" hangingPunct="1">
-              <a:spcBef>
-                <a:spcPts val="0"/>
-              </a:spcBef>
-              <a:spcAft>
-                <a:spcPts val="0"/>
-              </a:spcAft>
-              <a:defRPr/>
-            </a:pPr>
-            <a:endParaRPr kumimoji="0" lang="ko-KR" altLang="en-US" dirty="0"/>
-          </a:p>
-        </p:txBody>
-      </p:sp>
-      <p:sp>
-        <p:nvSpPr>
-          <p:cNvPr id="16" name="TextBox 15"/>
-          <p:cNvSpPr txBox="1"/>
-          <p:nvPr/>
-        </p:nvSpPr>
-        <p:spPr bwMode="auto">
-          <a:xfrm>
-            <a:off x="488950" y="765175"/>
-            <a:ext cx="1878013" cy="646113"/>
-          </a:xfrm>
-          <a:prstGeom prst="rect">
-            <a:avLst/>
-          </a:prstGeom>
-          <a:noFill/>
-        </p:spPr>
-        <p:txBody>
-          <a:bodyPr wrap="none">
-            <a:spAutoFit/>
-          </a:bodyPr>
-          <a:lstStyle/>
-          <a:p>
-            <a:pPr eaLnBrk="1" fontAlgn="auto" latinLnBrk="1" hangingPunct="1">
-              <a:spcBef>
-                <a:spcPts val="0"/>
-              </a:spcBef>
-              <a:spcAft>
-                <a:spcPts val="0"/>
-              </a:spcAft>
-              <a:defRPr/>
-            </a:pPr>
-            <a:r>
-              <a:rPr kumimoji="0" lang="ko-KR" altLang="en-US" sz="3600" spc="-300" dirty="0">
-                <a:solidFill>
-                  <a:schemeClr val="tx1">
-                    <a:lumMod val="75000"/>
-                    <a:lumOff val="25000"/>
-                  </a:schemeClr>
-                </a:solidFill>
-                <a:latin typeface="여기어때 잘난체 OTF" pitchFamily="34" charset="-127"/>
-                <a:ea typeface="여기어때 잘난체 OTF" pitchFamily="34" charset="-127"/>
-              </a:rPr>
-              <a:t>구현화면</a:t>
-            </a:r>
-          </a:p>
-        </p:txBody>
-      </p:sp>
-      <p:grpSp>
-        <p:nvGrpSpPr>
-          <p:cNvPr id="29700" name="그룹 18"/>
-          <p:cNvGrpSpPr>
-            <a:grpSpLocks/>
-          </p:cNvGrpSpPr>
-          <p:nvPr/>
-        </p:nvGrpSpPr>
-        <p:grpSpPr bwMode="auto">
-          <a:xfrm>
-            <a:off x="655638" y="2057400"/>
-            <a:ext cx="5178425" cy="3454400"/>
-            <a:chOff x="5681680" y="2638922"/>
-            <a:chExt cx="5178972" cy="3454374"/>
-          </a:xfrm>
-        </p:grpSpPr>
-        <p:pic>
-          <p:nvPicPr>
-            <p:cNvPr id="29717" name="그림 19"/>
-            <p:cNvPicPr>
-              <a:picLocks noChangeAspect="1"/>
-            </p:cNvPicPr>
-            <p:nvPr/>
-          </p:nvPicPr>
-          <p:blipFill>
-            <a:blip r:embed="rId3">
-              <a:extLst>
-                <a:ext uri="{28A0092B-C50C-407E-A947-70E740481C1C}">
-                  <a14:useLocalDpi xmlns:a14="http://schemas.microsoft.com/office/drawing/2010/main" val="0"/>
-                </a:ext>
-              </a:extLst>
-            </a:blip>
-            <a:srcRect/>
-            <a:stretch>
-              <a:fillRect/>
-            </a:stretch>
-          </p:blipFill>
-          <p:spPr bwMode="auto">
-            <a:xfrm>
-              <a:off x="5681680" y="2638922"/>
-              <a:ext cx="5178972" cy="3454374"/>
-            </a:xfrm>
-            <a:prstGeom prst="rect">
-              <a:avLst/>
-            </a:prstGeom>
-            <a:noFill/>
-            <a:ln>
-              <a:noFill/>
-            </a:ln>
-            <a:extLst>
-              <a:ext uri="{909E8E84-426E-40DD-AFC4-6F175D3DCCD1}">
-                <a14:hiddenFill xmlns:a14="http://schemas.microsoft.com/office/drawing/2010/main">
-                  <a:solidFill>
-                    <a:srgbClr val="FFFFFF"/>
-                  </a:solidFill>
-                </a14:hiddenFill>
-              </a:ext>
-              <a:ext uri="{91240B29-F687-4F45-9708-019B960494DF}">
-                <a14:hiddenLine xmlns:a14="http://schemas.microsoft.com/office/drawing/2010/main" w="9525">
-                  <a:solidFill>
-                    <a:srgbClr val="000000"/>
-                  </a:solidFill>
-                  <a:miter lim="800000"/>
-                  <a:headEnd/>
-                  <a:tailEnd/>
-                </a14:hiddenLine>
-              </a:ext>
-            </a:extLst>
-          </p:spPr>
-        </p:pic>
-        <p:sp>
-          <p:nvSpPr>
-            <p:cNvPr id="29" name="직사각형 28"/>
-            <p:cNvSpPr/>
-            <p:nvPr/>
-          </p:nvSpPr>
-          <p:spPr>
-            <a:xfrm>
-              <a:off x="8080646" y="4181960"/>
-              <a:ext cx="755730" cy="368297"/>
-            </a:xfrm>
-            <a:prstGeom prst="rect">
-              <a:avLst/>
-            </a:prstGeom>
-          </p:spPr>
-          <p:txBody>
-            <a:bodyPr wrap="none">
-              <a:spAutoFit/>
-            </a:bodyPr>
-            <a:lstStyle/>
-            <a:p>
-              <a:pPr eaLnBrk="1" fontAlgn="auto" latinLnBrk="1" hangingPunct="1">
-                <a:spcBef>
-                  <a:spcPts val="0"/>
-                </a:spcBef>
-                <a:spcAft>
-                  <a:spcPts val="0"/>
-                </a:spcAft>
-                <a:defRPr/>
-              </a:pPr>
-              <a:r>
-                <a:rPr kumimoji="0" lang="ko-KR" altLang="en-US" spc="-150" dirty="0">
-                  <a:solidFill>
-                    <a:schemeClr val="bg1"/>
-                  </a:solidFill>
-                  <a:latin typeface="나눔스퀘어OTF ExtraBold" pitchFamily="34" charset="-127"/>
-                  <a:ea typeface="나눔스퀘어OTF ExtraBold" pitchFamily="34" charset="-127"/>
-                </a:rPr>
-                <a:t>이미지</a:t>
-              </a:r>
-              <a:endParaRPr kumimoji="0" lang="ko-KR" altLang="en-US" dirty="0">
-                <a:solidFill>
-                  <a:schemeClr val="bg1"/>
-                </a:solidFill>
-                <a:latin typeface="+mn-lt"/>
-                <a:ea typeface="+mn-ea"/>
-              </a:endParaRPr>
-            </a:p>
-          </p:txBody>
-        </p:sp>
-      </p:grpSp>
-      <p:sp>
-        <p:nvSpPr>
-          <p:cNvPr id="30" name="직사각형 29"/>
-          <p:cNvSpPr/>
-          <p:nvPr/>
-        </p:nvSpPr>
-        <p:spPr>
-          <a:xfrm>
-            <a:off x="655638" y="5805488"/>
-            <a:ext cx="931862" cy="863600"/>
-          </a:xfrm>
-          <a:prstGeom prst="rect">
-            <a:avLst/>
-          </a:prstGeom>
-          <a:solidFill>
-            <a:schemeClr val="tx1"/>
-          </a:solidFill>
-          <a:ln>
-            <a:noFill/>
-          </a:ln>
-        </p:spPr>
-        <p:style>
-          <a:lnRef idx="2">
-            <a:schemeClr val="accent1">
-              <a:shade val="50000"/>
-            </a:schemeClr>
-          </a:lnRef>
-          <a:fillRef idx="1">
-            <a:schemeClr val="accent1"/>
-          </a:fillRef>
-          <a:effectRef idx="0">
-            <a:schemeClr val="accent1"/>
-          </a:effectRef>
-          <a:fontRef idx="minor">
-            <a:schemeClr val="lt1"/>
-          </a:fontRef>
-        </p:style>
-        <p:txBody>
-          <a:bodyPr anchor="ctr"/>
-          <a:lstStyle/>
-          <a:p>
-            <a:pPr algn="ctr" eaLnBrk="1" fontAlgn="auto" latinLnBrk="1" hangingPunct="1">
-              <a:spcBef>
-                <a:spcPts val="0"/>
-              </a:spcBef>
-              <a:spcAft>
-                <a:spcPts val="0"/>
-              </a:spcAft>
-              <a:defRPr/>
-            </a:pPr>
-            <a:endParaRPr kumimoji="0" lang="ko-KR" altLang="en-US"/>
-          </a:p>
-        </p:txBody>
-      </p:sp>
-      <p:sp>
-        <p:nvSpPr>
-          <p:cNvPr id="31" name="직사각형 30"/>
-          <p:cNvSpPr/>
-          <p:nvPr/>
-        </p:nvSpPr>
-        <p:spPr>
-          <a:xfrm>
-            <a:off x="655638" y="6069013"/>
-            <a:ext cx="931862" cy="338137"/>
-          </a:xfrm>
-          <a:prstGeom prst="rect">
-            <a:avLst/>
-          </a:prstGeom>
-        </p:spPr>
-        <p:txBody>
-          <a:bodyPr>
-            <a:spAutoFit/>
-          </a:bodyPr>
-          <a:lstStyle/>
-          <a:p>
-            <a:pPr algn="ctr" eaLnBrk="1" fontAlgn="auto" latinLnBrk="1" hangingPunct="1">
-              <a:spcBef>
-                <a:spcPts val="0"/>
-              </a:spcBef>
-              <a:spcAft>
-                <a:spcPts val="0"/>
-              </a:spcAft>
-              <a:defRPr/>
-            </a:pPr>
-            <a:r>
-              <a:rPr kumimoji="0" lang="ko-KR" altLang="en-US" sz="1600" spc="-150">
-                <a:solidFill>
-                  <a:schemeClr val="bg1"/>
-                </a:solidFill>
-                <a:latin typeface="나눔스퀘어OTF Bold" pitchFamily="34" charset="-127"/>
-                <a:ea typeface="나눔스퀘어OTF Bold" pitchFamily="34" charset="-127"/>
-              </a:rPr>
-              <a:t>메뉴 명</a:t>
-            </a:r>
-            <a:endParaRPr kumimoji="0" lang="ko-KR" altLang="en-US" sz="1600" spc="-150" dirty="0">
-              <a:solidFill>
-                <a:schemeClr val="bg1"/>
-              </a:solidFill>
-              <a:latin typeface="나눔스퀘어OTF Bold" pitchFamily="34" charset="-127"/>
-              <a:ea typeface="나눔스퀘어OTF Bold" pitchFamily="34" charset="-127"/>
-            </a:endParaRPr>
-          </a:p>
-        </p:txBody>
-      </p:sp>
-      <p:sp>
-        <p:nvSpPr>
-          <p:cNvPr id="32" name="Text Placeholder 2"/>
-          <p:cNvSpPr txBox="1">
-            <a:spLocks/>
-          </p:cNvSpPr>
-          <p:nvPr/>
-        </p:nvSpPr>
-        <p:spPr>
-          <a:xfrm>
-            <a:off x="1676400" y="6015038"/>
-            <a:ext cx="4591050" cy="515937"/>
-          </a:xfrm>
-          <a:prstGeom prst="rect">
-            <a:avLst/>
-          </a:prstGeom>
-        </p:spPr>
-        <p:txBody>
-          <a:bodyPr/>
-          <a:lstStyle>
-            <a:defPPr>
-              <a:defRPr lang="ko-KR"/>
-            </a:defPPr>
-            <a:lvl1pPr marL="0" algn="ctr" defTabSz="914400" rtl="0" eaLnBrk="1" latinLnBrk="1" hangingPunct="1">
-              <a:defRPr sz="1200" kern="1200">
-                <a:solidFill>
-                  <a:schemeClr val="tx1">
-                    <a:tint val="75000"/>
-                  </a:schemeClr>
-                </a:solidFill>
-                <a:latin typeface="+mn-lt"/>
-                <a:ea typeface="+mn-ea"/>
-                <a:cs typeface="+mn-cs"/>
-              </a:defRPr>
-            </a:lvl1pPr>
-            <a:lvl2pPr marL="457200" algn="l" defTabSz="914400" rtl="0" eaLnBrk="1" latinLnBrk="1" hangingPunct="1">
-              <a:defRPr sz="1800" kern="1200">
-                <a:solidFill>
-                  <a:schemeClr val="tx1"/>
-                </a:solidFill>
-                <a:latin typeface="+mn-lt"/>
-                <a:ea typeface="+mn-ea"/>
-                <a:cs typeface="+mn-cs"/>
-              </a:defRPr>
-            </a:lvl2pPr>
-            <a:lvl3pPr marL="914400" algn="l" defTabSz="914400" rtl="0" eaLnBrk="1" latinLnBrk="1" hangingPunct="1">
-              <a:defRPr sz="1800" kern="1200">
-                <a:solidFill>
-                  <a:schemeClr val="tx1"/>
-                </a:solidFill>
-                <a:latin typeface="+mn-lt"/>
-                <a:ea typeface="+mn-ea"/>
-                <a:cs typeface="+mn-cs"/>
-              </a:defRPr>
-            </a:lvl3pPr>
-            <a:lvl4pPr marL="1371600" algn="l" defTabSz="914400" rtl="0" eaLnBrk="1" latinLnBrk="1" hangingPunct="1">
-              <a:defRPr sz="1800" kern="1200">
-                <a:solidFill>
-                  <a:schemeClr val="tx1"/>
-                </a:solidFill>
-                <a:latin typeface="+mn-lt"/>
-                <a:ea typeface="+mn-ea"/>
-                <a:cs typeface="+mn-cs"/>
-              </a:defRPr>
-            </a:lvl4pPr>
-            <a:lvl5pPr marL="1828800" algn="l" defTabSz="914400" rtl="0" eaLnBrk="1" latinLnBrk="1" hangingPunct="1">
-              <a:defRPr sz="1800" kern="1200">
-                <a:solidFill>
-                  <a:schemeClr val="tx1"/>
-                </a:solidFill>
-                <a:latin typeface="+mn-lt"/>
-                <a:ea typeface="+mn-ea"/>
-                <a:cs typeface="+mn-cs"/>
-              </a:defRPr>
-            </a:lvl5pPr>
-            <a:lvl6pPr marL="2286000" algn="l" defTabSz="914400" rtl="0" eaLnBrk="1" latinLnBrk="1" hangingPunct="1">
-              <a:defRPr sz="1800" kern="1200">
-                <a:solidFill>
-                  <a:schemeClr val="tx1"/>
-                </a:solidFill>
-                <a:latin typeface="+mn-lt"/>
-                <a:ea typeface="+mn-ea"/>
-                <a:cs typeface="+mn-cs"/>
-              </a:defRPr>
-            </a:lvl6pPr>
-            <a:lvl7pPr marL="2743200" algn="l" defTabSz="914400" rtl="0" eaLnBrk="1" latinLnBrk="1" hangingPunct="1">
-              <a:defRPr sz="1800" kern="1200">
-                <a:solidFill>
-                  <a:schemeClr val="tx1"/>
-                </a:solidFill>
-                <a:latin typeface="+mn-lt"/>
-                <a:ea typeface="+mn-ea"/>
-                <a:cs typeface="+mn-cs"/>
-              </a:defRPr>
-            </a:lvl7pPr>
-            <a:lvl8pPr marL="3200400" algn="l" defTabSz="914400" rtl="0" eaLnBrk="1" latinLnBrk="1" hangingPunct="1">
-              <a:defRPr sz="1800" kern="1200">
-                <a:solidFill>
-                  <a:schemeClr val="tx1"/>
-                </a:solidFill>
-                <a:latin typeface="+mn-lt"/>
-                <a:ea typeface="+mn-ea"/>
-                <a:cs typeface="+mn-cs"/>
-              </a:defRPr>
-            </a:lvl8pPr>
-            <a:lvl9pPr marL="3657600" algn="l" defTabSz="914400" rtl="0" eaLnBrk="1" latinLnBrk="1" hangingPunct="1">
-              <a:defRPr sz="1800" kern="1200">
-                <a:solidFill>
-                  <a:schemeClr val="tx1"/>
-                </a:solidFill>
-                <a:latin typeface="+mn-lt"/>
-                <a:ea typeface="+mn-ea"/>
-                <a:cs typeface="+mn-cs"/>
-              </a:defRPr>
-            </a:lvl9pPr>
-          </a:lstStyle>
-          <a:p>
-            <a:pPr algn="just" fontAlgn="auto">
-              <a:spcBef>
-                <a:spcPts val="0"/>
-              </a:spcBef>
-              <a:spcAft>
-                <a:spcPts val="0"/>
-              </a:spcAft>
-              <a:defRPr/>
-            </a:pPr>
-            <a:r>
-              <a:rPr kumimoji="0" lang="ko-KR" altLang="en-US" sz="1800">
-                <a:solidFill>
-                  <a:schemeClr val="tx1">
-                    <a:lumMod val="75000"/>
-                    <a:lumOff val="25000"/>
-                  </a:schemeClr>
-                </a:solidFill>
-                <a:latin typeface="나눔스퀘어OTF Bold" pitchFamily="34" charset="-127"/>
-                <a:ea typeface="나눔스퀘어OTF Bold" pitchFamily="34" charset="-127"/>
-              </a:rPr>
-              <a:t>작업지시를 할 수 있다</a:t>
-            </a:r>
-            <a:r>
-              <a:rPr kumimoji="0" lang="en-US" altLang="ko-KR" sz="1800">
-                <a:solidFill>
-                  <a:schemeClr val="tx1">
-                    <a:lumMod val="75000"/>
-                    <a:lumOff val="25000"/>
-                  </a:schemeClr>
-                </a:solidFill>
-                <a:latin typeface="나눔스퀘어OTF Bold" pitchFamily="34" charset="-127"/>
-                <a:ea typeface="나눔스퀘어OTF Bold" pitchFamily="34" charset="-127"/>
-              </a:rPr>
-              <a:t>.</a:t>
-            </a:r>
-            <a:endParaRPr kumimoji="0" lang="en-US" altLang="ko-KR" sz="1800" dirty="0">
-              <a:solidFill>
-                <a:schemeClr val="tx1">
-                  <a:lumMod val="75000"/>
-                  <a:lumOff val="25000"/>
-                </a:schemeClr>
-              </a:solidFill>
-              <a:latin typeface="나눔스퀘어OTF Bold" pitchFamily="34" charset="-127"/>
-              <a:ea typeface="나눔스퀘어OTF Bold" pitchFamily="34" charset="-127"/>
-            </a:endParaRPr>
-          </a:p>
-        </p:txBody>
-      </p:sp>
-      <p:grpSp>
-        <p:nvGrpSpPr>
-          <p:cNvPr id="3" name="그룹 2">
-            <a:extLst>
-              <a:ext uri="{FF2B5EF4-FFF2-40B4-BE49-F238E27FC236}">
-                <a16:creationId xmlns:a16="http://schemas.microsoft.com/office/drawing/2014/main" id="{0F8D3E23-3FCF-4C3C-987E-0EDAED8332F1}"/>
-              </a:ext>
-            </a:extLst>
-          </p:cNvPr>
-          <p:cNvGrpSpPr/>
-          <p:nvPr/>
-        </p:nvGrpSpPr>
-        <p:grpSpPr>
-          <a:xfrm>
-            <a:off x="5303118" y="246062"/>
-            <a:ext cx="6832600" cy="369888"/>
-            <a:chOff x="4222750" y="260350"/>
-            <a:chExt cx="6832600" cy="369888"/>
-          </a:xfrm>
-        </p:grpSpPr>
-        <p:sp>
-          <p:nvSpPr>
-            <p:cNvPr id="22" name="양쪽 모서리가 둥근 사각형 21"/>
-            <p:cNvSpPr/>
-            <p:nvPr/>
-          </p:nvSpPr>
-          <p:spPr bwMode="auto">
-            <a:xfrm flipH="1">
-              <a:off x="4222750" y="260350"/>
-              <a:ext cx="1323975" cy="369888"/>
-            </a:xfrm>
-            <a:prstGeom prst="round2SameRect">
-              <a:avLst>
-                <a:gd name="adj1" fmla="val 50000"/>
-                <a:gd name="adj2" fmla="val 0"/>
-              </a:avLst>
-            </a:prstGeom>
-            <a:solidFill>
-              <a:schemeClr val="bg1">
-                <a:lumMod val="85000"/>
-              </a:schemeClr>
-            </a:solidFill>
-            <a:ln>
-              <a:solidFill>
-                <a:schemeClr val="bg1"/>
-              </a:solidFill>
-            </a:ln>
-          </p:spPr>
-          <p:style>
-            <a:lnRef idx="2">
-              <a:schemeClr val="accent1">
-                <a:shade val="50000"/>
-              </a:schemeClr>
-            </a:lnRef>
-            <a:fillRef idx="1">
-              <a:schemeClr val="accent1"/>
-            </a:fillRef>
-            <a:effectRef idx="0">
-              <a:schemeClr val="accent1"/>
-            </a:effectRef>
-            <a:fontRef idx="minor">
-              <a:schemeClr val="lt1"/>
-            </a:fontRef>
-          </p:style>
-          <p:txBody>
-            <a:bodyPr anchor="ctr"/>
-            <a:lstStyle/>
-            <a:p>
-              <a:pPr algn="ctr" eaLnBrk="1" fontAlgn="auto" latinLnBrk="1" hangingPunct="1">
-                <a:spcBef>
-                  <a:spcPts val="0"/>
-                </a:spcBef>
-                <a:spcAft>
-                  <a:spcPts val="0"/>
-                </a:spcAft>
-                <a:defRPr/>
-              </a:pPr>
-              <a:r>
-                <a:rPr kumimoji="0" lang="ko-KR" altLang="en-US" sz="1500" dirty="0">
-                  <a:solidFill>
-                    <a:schemeClr val="tx1"/>
-                  </a:solidFill>
-                  <a:latin typeface="여기어때 잘난체 OTF" pitchFamily="34" charset="-127"/>
-                  <a:ea typeface="여기어때 잘난체 OTF" pitchFamily="34" charset="-127"/>
-                </a:rPr>
-                <a:t>개요</a:t>
-              </a:r>
-            </a:p>
-          </p:txBody>
-        </p:sp>
-        <p:sp>
-          <p:nvSpPr>
-            <p:cNvPr id="23" name="양쪽 모서리가 둥근 사각형 22"/>
-            <p:cNvSpPr/>
-            <p:nvPr/>
-          </p:nvSpPr>
-          <p:spPr bwMode="auto">
-            <a:xfrm flipH="1">
-              <a:off x="5322888" y="260350"/>
-              <a:ext cx="1327150" cy="369888"/>
-            </a:xfrm>
-            <a:prstGeom prst="round2SameRect">
-              <a:avLst>
-                <a:gd name="adj1" fmla="val 50000"/>
-                <a:gd name="adj2" fmla="val 0"/>
-              </a:avLst>
-            </a:prstGeom>
-            <a:solidFill>
-              <a:schemeClr val="bg1">
-                <a:lumMod val="85000"/>
-              </a:schemeClr>
-            </a:solidFill>
-            <a:ln>
-              <a:solidFill>
-                <a:schemeClr val="bg1"/>
-              </a:solidFill>
-            </a:ln>
-          </p:spPr>
-          <p:style>
-            <a:lnRef idx="2">
-              <a:schemeClr val="accent1">
-                <a:shade val="50000"/>
-              </a:schemeClr>
-            </a:lnRef>
-            <a:fillRef idx="1">
-              <a:schemeClr val="accent1"/>
-            </a:fillRef>
-            <a:effectRef idx="0">
-              <a:schemeClr val="accent1"/>
-            </a:effectRef>
-            <a:fontRef idx="minor">
-              <a:schemeClr val="lt1"/>
-            </a:fontRef>
-          </p:style>
-          <p:txBody>
-            <a:bodyPr anchor="ctr"/>
-            <a:lstStyle/>
-            <a:p>
-              <a:pPr algn="ctr" eaLnBrk="1" fontAlgn="auto" latinLnBrk="1" hangingPunct="1">
-                <a:spcBef>
-                  <a:spcPts val="0"/>
-                </a:spcBef>
-                <a:spcAft>
-                  <a:spcPts val="0"/>
-                </a:spcAft>
-                <a:defRPr/>
-              </a:pPr>
-              <a:r>
-                <a:rPr kumimoji="0" lang="ko-KR" altLang="en-US" sz="1500" dirty="0">
-                  <a:solidFill>
-                    <a:schemeClr val="tx1"/>
-                  </a:solidFill>
-                  <a:latin typeface="여기어때 잘난체 OTF" pitchFamily="34" charset="-127"/>
-                  <a:ea typeface="여기어때 잘난체 OTF" pitchFamily="34" charset="-127"/>
-                </a:rPr>
-                <a:t>참여인원</a:t>
-              </a:r>
-            </a:p>
-          </p:txBody>
-        </p:sp>
-        <p:sp>
-          <p:nvSpPr>
-            <p:cNvPr id="24" name="양쪽 모서리가 둥근 사각형 23"/>
-            <p:cNvSpPr/>
-            <p:nvPr/>
-          </p:nvSpPr>
-          <p:spPr bwMode="auto">
-            <a:xfrm flipH="1">
-              <a:off x="6426201" y="260350"/>
-              <a:ext cx="1323975" cy="369888"/>
-            </a:xfrm>
-            <a:prstGeom prst="round2SameRect">
-              <a:avLst>
-                <a:gd name="adj1" fmla="val 50000"/>
-                <a:gd name="adj2" fmla="val 0"/>
-              </a:avLst>
-            </a:prstGeom>
-            <a:solidFill>
-              <a:schemeClr val="bg1">
-                <a:lumMod val="85000"/>
-              </a:schemeClr>
-            </a:solidFill>
-            <a:ln>
-              <a:solidFill>
-                <a:schemeClr val="bg1"/>
-              </a:solidFill>
-            </a:ln>
-          </p:spPr>
-          <p:style>
-            <a:lnRef idx="2">
-              <a:schemeClr val="accent1">
-                <a:shade val="50000"/>
-              </a:schemeClr>
-            </a:lnRef>
-            <a:fillRef idx="1">
-              <a:schemeClr val="accent1"/>
-            </a:fillRef>
-            <a:effectRef idx="0">
-              <a:schemeClr val="accent1"/>
-            </a:effectRef>
-            <a:fontRef idx="minor">
-              <a:schemeClr val="lt1"/>
-            </a:fontRef>
-          </p:style>
-          <p:txBody>
-            <a:bodyPr anchor="ctr"/>
-            <a:lstStyle/>
-            <a:p>
-              <a:pPr algn="ctr" eaLnBrk="1" fontAlgn="auto" latinLnBrk="1" hangingPunct="1">
-                <a:spcBef>
-                  <a:spcPts val="0"/>
-                </a:spcBef>
-                <a:spcAft>
-                  <a:spcPts val="0"/>
-                </a:spcAft>
-                <a:defRPr/>
-              </a:pPr>
-              <a:r>
-                <a:rPr kumimoji="0" lang="ko-KR" altLang="en-US" sz="1500" dirty="0">
-                  <a:solidFill>
-                    <a:schemeClr val="tx1"/>
-                  </a:solidFill>
-                  <a:latin typeface="여기어때 잘난체 OTF" pitchFamily="34" charset="-127"/>
-                  <a:ea typeface="여기어때 잘난체 OTF" pitchFamily="34" charset="-127"/>
-                </a:rPr>
-                <a:t>일정</a:t>
-              </a:r>
-            </a:p>
-          </p:txBody>
-        </p:sp>
-        <p:sp>
-          <p:nvSpPr>
-            <p:cNvPr id="25" name="양쪽 모서리가 둥근 사각형 24"/>
-            <p:cNvSpPr/>
-            <p:nvPr/>
-          </p:nvSpPr>
-          <p:spPr bwMode="auto">
-            <a:xfrm flipH="1">
-              <a:off x="7502525" y="260350"/>
-              <a:ext cx="1323975" cy="369888"/>
-            </a:xfrm>
-            <a:prstGeom prst="round2SameRect">
-              <a:avLst>
-                <a:gd name="adj1" fmla="val 50000"/>
-                <a:gd name="adj2" fmla="val 0"/>
-              </a:avLst>
-            </a:prstGeom>
-            <a:solidFill>
-              <a:schemeClr val="bg1">
-                <a:lumMod val="85000"/>
-              </a:schemeClr>
-            </a:solidFill>
-            <a:ln>
-              <a:solidFill>
-                <a:schemeClr val="bg1"/>
-              </a:solidFill>
-            </a:ln>
-          </p:spPr>
-          <p:style>
-            <a:lnRef idx="2">
-              <a:schemeClr val="accent1">
-                <a:shade val="50000"/>
-              </a:schemeClr>
-            </a:lnRef>
-            <a:fillRef idx="1">
-              <a:schemeClr val="accent1"/>
-            </a:fillRef>
-            <a:effectRef idx="0">
-              <a:schemeClr val="accent1"/>
-            </a:effectRef>
-            <a:fontRef idx="minor">
-              <a:schemeClr val="lt1"/>
-            </a:fontRef>
-          </p:style>
-          <p:txBody>
-            <a:bodyPr anchor="ctr"/>
-            <a:lstStyle/>
-            <a:p>
-              <a:pPr algn="ctr" eaLnBrk="1" fontAlgn="auto" latinLnBrk="1" hangingPunct="1">
-                <a:spcBef>
-                  <a:spcPts val="0"/>
-                </a:spcBef>
-                <a:spcAft>
-                  <a:spcPts val="0"/>
-                </a:spcAft>
-                <a:defRPr/>
-              </a:pPr>
-              <a:r>
-                <a:rPr kumimoji="0" lang="ko-KR" altLang="en-US" sz="1500" dirty="0">
-                  <a:solidFill>
-                    <a:schemeClr val="tx1"/>
-                  </a:solidFill>
-                  <a:latin typeface="여기어때 잘난체 OTF" pitchFamily="34" charset="-127"/>
-                  <a:ea typeface="여기어때 잘난체 OTF" pitchFamily="34" charset="-127"/>
-                </a:rPr>
-                <a:t>구성</a:t>
-              </a:r>
-            </a:p>
-          </p:txBody>
-        </p:sp>
-        <p:sp>
-          <p:nvSpPr>
-            <p:cNvPr id="27" name="양쪽 모서리가 둥근 사각형 26"/>
-            <p:cNvSpPr/>
-            <p:nvPr/>
-          </p:nvSpPr>
-          <p:spPr bwMode="auto">
-            <a:xfrm flipH="1">
-              <a:off x="8553450" y="260350"/>
-              <a:ext cx="1328738" cy="369888"/>
-            </a:xfrm>
-            <a:prstGeom prst="round2SameRect">
-              <a:avLst>
-                <a:gd name="adj1" fmla="val 50000"/>
-                <a:gd name="adj2" fmla="val 0"/>
-              </a:avLst>
-            </a:prstGeom>
-            <a:solidFill>
-              <a:schemeClr val="bg1">
-                <a:lumMod val="85000"/>
-              </a:schemeClr>
-            </a:solidFill>
-            <a:ln>
-              <a:solidFill>
-                <a:schemeClr val="bg1"/>
-              </a:solidFill>
-            </a:ln>
-          </p:spPr>
-          <p:style>
-            <a:lnRef idx="2">
-              <a:schemeClr val="accent1">
-                <a:shade val="50000"/>
-              </a:schemeClr>
-            </a:lnRef>
-            <a:fillRef idx="1">
-              <a:schemeClr val="accent1"/>
-            </a:fillRef>
-            <a:effectRef idx="0">
-              <a:schemeClr val="accent1"/>
-            </a:effectRef>
-            <a:fontRef idx="minor">
-              <a:schemeClr val="lt1"/>
-            </a:fontRef>
-          </p:style>
-          <p:txBody>
-            <a:bodyPr anchor="ctr"/>
-            <a:lstStyle/>
-            <a:p>
-              <a:pPr algn="ctr" eaLnBrk="1" fontAlgn="auto" latinLnBrk="1" hangingPunct="1">
-                <a:spcBef>
-                  <a:spcPts val="0"/>
-                </a:spcBef>
-                <a:spcAft>
-                  <a:spcPts val="0"/>
-                </a:spcAft>
-                <a:defRPr/>
-              </a:pPr>
-              <a:r>
-                <a:rPr kumimoji="0" lang="ko-KR" altLang="en-US" sz="1500" dirty="0">
-                  <a:solidFill>
-                    <a:schemeClr val="tx1"/>
-                  </a:solidFill>
-                  <a:latin typeface="여기어때 잘난체 OTF" pitchFamily="34" charset="-127"/>
-                  <a:ea typeface="여기어때 잘난체 OTF" pitchFamily="34" charset="-127"/>
-                </a:rPr>
-                <a:t>제안</a:t>
-              </a:r>
-              <a:r>
-                <a:rPr kumimoji="0" lang="en-US" altLang="ko-KR" sz="1500" dirty="0">
-                  <a:solidFill>
-                    <a:schemeClr val="tx1"/>
-                  </a:solidFill>
-                  <a:latin typeface="여기어때 잘난체 OTF" pitchFamily="34" charset="-127"/>
-                  <a:ea typeface="여기어때 잘난체 OTF" pitchFamily="34" charset="-127"/>
-                </a:rPr>
-                <a:t>/</a:t>
-              </a:r>
-              <a:r>
-                <a:rPr kumimoji="0" lang="ko-KR" altLang="en-US" sz="1500" dirty="0">
-                  <a:solidFill>
-                    <a:schemeClr val="tx1"/>
-                  </a:solidFill>
-                  <a:latin typeface="여기어때 잘난체 OTF" pitchFamily="34" charset="-127"/>
-                  <a:ea typeface="여기어때 잘난체 OTF" pitchFamily="34" charset="-127"/>
-                </a:rPr>
-                <a:t>내용</a:t>
-              </a:r>
-            </a:p>
-          </p:txBody>
-        </p:sp>
-        <p:sp>
-          <p:nvSpPr>
-            <p:cNvPr id="28" name="양쪽 모서리가 둥근 사각형 27"/>
-            <p:cNvSpPr/>
-            <p:nvPr/>
-          </p:nvSpPr>
-          <p:spPr bwMode="auto">
-            <a:xfrm flipH="1">
-              <a:off x="9731375" y="260350"/>
-              <a:ext cx="1323975" cy="369888"/>
-            </a:xfrm>
-            <a:prstGeom prst="round2SameRect">
-              <a:avLst>
-                <a:gd name="adj1" fmla="val 50000"/>
-                <a:gd name="adj2" fmla="val 0"/>
-              </a:avLst>
-            </a:prstGeom>
-            <a:gradFill>
-              <a:gsLst>
-                <a:gs pos="0">
-                  <a:schemeClr val="tx1"/>
-                </a:gs>
-                <a:gs pos="100000">
-                  <a:schemeClr val="tx1"/>
-                </a:gs>
-                <a:gs pos="51000">
-                  <a:schemeClr val="bg1">
-                    <a:lumMod val="50000"/>
-                  </a:schemeClr>
-                </a:gs>
-              </a:gsLst>
-              <a:lin ang="0" scaled="1"/>
-            </a:gradFill>
-            <a:ln>
-              <a:solidFill>
-                <a:schemeClr val="bg1"/>
-              </a:solidFill>
-            </a:ln>
-          </p:spPr>
-          <p:style>
-            <a:lnRef idx="2">
-              <a:schemeClr val="accent1">
-                <a:shade val="50000"/>
-              </a:schemeClr>
-            </a:lnRef>
-            <a:fillRef idx="1">
-              <a:schemeClr val="accent1"/>
-            </a:fillRef>
-            <a:effectRef idx="0">
-              <a:schemeClr val="accent1"/>
-            </a:effectRef>
-            <a:fontRef idx="minor">
-              <a:schemeClr val="lt1"/>
-            </a:fontRef>
-          </p:style>
-          <p:txBody>
-            <a:bodyPr anchor="ctr"/>
-            <a:lstStyle/>
-            <a:p>
-              <a:pPr algn="ctr" eaLnBrk="1" fontAlgn="auto" latinLnBrk="1" hangingPunct="1">
-                <a:spcBef>
-                  <a:spcPts val="0"/>
-                </a:spcBef>
-                <a:spcAft>
-                  <a:spcPts val="0"/>
-                </a:spcAft>
-                <a:defRPr/>
-              </a:pPr>
-              <a:r>
-                <a:rPr kumimoji="0" lang="ko-KR" altLang="en-US" sz="1500" dirty="0" err="1">
-                  <a:solidFill>
-                    <a:schemeClr val="bg1"/>
-                  </a:solidFill>
-                  <a:latin typeface="여기어때 잘난체 OTF" panose="020B0600000101010101" pitchFamily="34" charset="-127"/>
-                  <a:ea typeface="여기어때 잘난체 OTF" panose="020B0600000101010101" pitchFamily="34" charset="-127"/>
-                </a:rPr>
-                <a:t>구현화면</a:t>
-              </a:r>
-              <a:endParaRPr kumimoji="0" lang="ko-KR" altLang="en-US" sz="1500" dirty="0">
-                <a:solidFill>
-                  <a:schemeClr val="bg1"/>
-                </a:solidFill>
-                <a:latin typeface="여기어때 잘난체 OTF" panose="020B0600000101010101" pitchFamily="34" charset="-127"/>
-                <a:ea typeface="여기어때 잘난체 OTF" panose="020B0600000101010101" pitchFamily="34" charset="-127"/>
-              </a:endParaRPr>
-            </a:p>
-          </p:txBody>
-        </p:sp>
-      </p:grpSp>
-      <p:sp>
-        <p:nvSpPr>
-          <p:cNvPr id="36" name="직사각형 35"/>
-          <p:cNvSpPr/>
-          <p:nvPr/>
-        </p:nvSpPr>
-        <p:spPr>
-          <a:xfrm>
-            <a:off x="6172200" y="5805488"/>
-            <a:ext cx="931863" cy="863600"/>
-          </a:xfrm>
-          <a:prstGeom prst="rect">
-            <a:avLst/>
-          </a:prstGeom>
-          <a:solidFill>
-            <a:schemeClr val="tx1"/>
-          </a:solidFill>
-          <a:ln>
-            <a:noFill/>
-          </a:ln>
-        </p:spPr>
-        <p:style>
-          <a:lnRef idx="2">
-            <a:schemeClr val="accent1">
-              <a:shade val="50000"/>
-            </a:schemeClr>
-          </a:lnRef>
-          <a:fillRef idx="1">
-            <a:schemeClr val="accent1"/>
-          </a:fillRef>
-          <a:effectRef idx="0">
-            <a:schemeClr val="accent1"/>
-          </a:effectRef>
-          <a:fontRef idx="minor">
-            <a:schemeClr val="lt1"/>
-          </a:fontRef>
-        </p:style>
-        <p:txBody>
-          <a:bodyPr anchor="ctr"/>
-          <a:lstStyle/>
-          <a:p>
-            <a:pPr algn="ctr" eaLnBrk="1" fontAlgn="auto" latinLnBrk="1" hangingPunct="1">
-              <a:spcBef>
-                <a:spcPts val="0"/>
-              </a:spcBef>
-              <a:spcAft>
-                <a:spcPts val="0"/>
-              </a:spcAft>
-              <a:defRPr/>
-            </a:pPr>
-            <a:endParaRPr kumimoji="0" lang="ko-KR" altLang="en-US"/>
-          </a:p>
-        </p:txBody>
-      </p:sp>
-      <p:sp>
-        <p:nvSpPr>
-          <p:cNvPr id="37" name="직사각형 36"/>
-          <p:cNvSpPr/>
-          <p:nvPr/>
-        </p:nvSpPr>
-        <p:spPr>
-          <a:xfrm>
-            <a:off x="6172200" y="6069013"/>
-            <a:ext cx="931863" cy="338137"/>
-          </a:xfrm>
-          <a:prstGeom prst="rect">
-            <a:avLst/>
-          </a:prstGeom>
-        </p:spPr>
-        <p:txBody>
-          <a:bodyPr>
-            <a:spAutoFit/>
-          </a:bodyPr>
-          <a:lstStyle/>
-          <a:p>
-            <a:pPr algn="ctr" eaLnBrk="1" fontAlgn="auto" latinLnBrk="1" hangingPunct="1">
-              <a:spcBef>
-                <a:spcPts val="0"/>
-              </a:spcBef>
-              <a:spcAft>
-                <a:spcPts val="0"/>
-              </a:spcAft>
-              <a:defRPr/>
-            </a:pPr>
-            <a:r>
-              <a:rPr kumimoji="0" lang="ko-KR" altLang="en-US" sz="1600" spc="-150">
-                <a:solidFill>
-                  <a:schemeClr val="bg1"/>
-                </a:solidFill>
-                <a:latin typeface="나눔스퀘어OTF Bold" pitchFamily="34" charset="-127"/>
-                <a:ea typeface="나눔스퀘어OTF Bold" pitchFamily="34" charset="-127"/>
-              </a:rPr>
-              <a:t>메뉴명</a:t>
-            </a:r>
-            <a:endParaRPr kumimoji="0" lang="ko-KR" altLang="en-US" sz="1600" spc="-150" dirty="0">
-              <a:solidFill>
-                <a:schemeClr val="bg1"/>
-              </a:solidFill>
-              <a:latin typeface="나눔스퀘어OTF Bold" pitchFamily="34" charset="-127"/>
-              <a:ea typeface="나눔스퀘어OTF Bold" pitchFamily="34" charset="-127"/>
-            </a:endParaRPr>
-          </a:p>
-        </p:txBody>
-      </p:sp>
-      <p:sp>
-        <p:nvSpPr>
-          <p:cNvPr id="38" name="Text Placeholder 2"/>
-          <p:cNvSpPr txBox="1">
-            <a:spLocks/>
-          </p:cNvSpPr>
-          <p:nvPr/>
-        </p:nvSpPr>
-        <p:spPr>
-          <a:xfrm>
-            <a:off x="7175326" y="5979319"/>
-            <a:ext cx="4589463" cy="515937"/>
-          </a:xfrm>
-          <a:prstGeom prst="rect">
-            <a:avLst/>
-          </a:prstGeom>
-        </p:spPr>
-        <p:txBody>
-          <a:bodyPr/>
-          <a:lstStyle>
-            <a:defPPr>
-              <a:defRPr lang="ko-KR"/>
-            </a:defPPr>
-            <a:lvl1pPr marL="0" algn="ctr" defTabSz="914400" rtl="0" eaLnBrk="1" latinLnBrk="1" hangingPunct="1">
-              <a:defRPr sz="1200" kern="1200">
-                <a:solidFill>
-                  <a:schemeClr val="tx1">
-                    <a:tint val="75000"/>
-                  </a:schemeClr>
-                </a:solidFill>
-                <a:latin typeface="+mn-lt"/>
-                <a:ea typeface="+mn-ea"/>
-                <a:cs typeface="+mn-cs"/>
-              </a:defRPr>
-            </a:lvl1pPr>
-            <a:lvl2pPr marL="457200" algn="l" defTabSz="914400" rtl="0" eaLnBrk="1" latinLnBrk="1" hangingPunct="1">
-              <a:defRPr sz="1800" kern="1200">
-                <a:solidFill>
-                  <a:schemeClr val="tx1"/>
-                </a:solidFill>
-                <a:latin typeface="+mn-lt"/>
-                <a:ea typeface="+mn-ea"/>
-                <a:cs typeface="+mn-cs"/>
-              </a:defRPr>
-            </a:lvl2pPr>
-            <a:lvl3pPr marL="914400" algn="l" defTabSz="914400" rtl="0" eaLnBrk="1" latinLnBrk="1" hangingPunct="1">
-              <a:defRPr sz="1800" kern="1200">
-                <a:solidFill>
-                  <a:schemeClr val="tx1"/>
-                </a:solidFill>
-                <a:latin typeface="+mn-lt"/>
-                <a:ea typeface="+mn-ea"/>
-                <a:cs typeface="+mn-cs"/>
-              </a:defRPr>
-            </a:lvl3pPr>
-            <a:lvl4pPr marL="1371600" algn="l" defTabSz="914400" rtl="0" eaLnBrk="1" latinLnBrk="1" hangingPunct="1">
-              <a:defRPr sz="1800" kern="1200">
-                <a:solidFill>
-                  <a:schemeClr val="tx1"/>
-                </a:solidFill>
-                <a:latin typeface="+mn-lt"/>
-                <a:ea typeface="+mn-ea"/>
-                <a:cs typeface="+mn-cs"/>
-              </a:defRPr>
-            </a:lvl4pPr>
-            <a:lvl5pPr marL="1828800" algn="l" defTabSz="914400" rtl="0" eaLnBrk="1" latinLnBrk="1" hangingPunct="1">
-              <a:defRPr sz="1800" kern="1200">
-                <a:solidFill>
-                  <a:schemeClr val="tx1"/>
-                </a:solidFill>
-                <a:latin typeface="+mn-lt"/>
-                <a:ea typeface="+mn-ea"/>
-                <a:cs typeface="+mn-cs"/>
-              </a:defRPr>
-            </a:lvl5pPr>
-            <a:lvl6pPr marL="2286000" algn="l" defTabSz="914400" rtl="0" eaLnBrk="1" latinLnBrk="1" hangingPunct="1">
-              <a:defRPr sz="1800" kern="1200">
-                <a:solidFill>
-                  <a:schemeClr val="tx1"/>
-                </a:solidFill>
-                <a:latin typeface="+mn-lt"/>
-                <a:ea typeface="+mn-ea"/>
-                <a:cs typeface="+mn-cs"/>
-              </a:defRPr>
-            </a:lvl6pPr>
-            <a:lvl7pPr marL="2743200" algn="l" defTabSz="914400" rtl="0" eaLnBrk="1" latinLnBrk="1" hangingPunct="1">
-              <a:defRPr sz="1800" kern="1200">
-                <a:solidFill>
-                  <a:schemeClr val="tx1"/>
-                </a:solidFill>
-                <a:latin typeface="+mn-lt"/>
-                <a:ea typeface="+mn-ea"/>
-                <a:cs typeface="+mn-cs"/>
-              </a:defRPr>
-            </a:lvl7pPr>
-            <a:lvl8pPr marL="3200400" algn="l" defTabSz="914400" rtl="0" eaLnBrk="1" latinLnBrk="1" hangingPunct="1">
-              <a:defRPr sz="1800" kern="1200">
-                <a:solidFill>
-                  <a:schemeClr val="tx1"/>
-                </a:solidFill>
-                <a:latin typeface="+mn-lt"/>
-                <a:ea typeface="+mn-ea"/>
-                <a:cs typeface="+mn-cs"/>
-              </a:defRPr>
-            </a:lvl8pPr>
-            <a:lvl9pPr marL="3657600" algn="l" defTabSz="914400" rtl="0" eaLnBrk="1" latinLnBrk="1" hangingPunct="1">
-              <a:defRPr sz="1800" kern="1200">
-                <a:solidFill>
-                  <a:schemeClr val="tx1"/>
-                </a:solidFill>
-                <a:latin typeface="+mn-lt"/>
-                <a:ea typeface="+mn-ea"/>
-                <a:cs typeface="+mn-cs"/>
-              </a:defRPr>
-            </a:lvl9pPr>
-          </a:lstStyle>
-          <a:p>
-            <a:pPr algn="just" fontAlgn="auto">
-              <a:spcBef>
-                <a:spcPts val="0"/>
-              </a:spcBef>
-              <a:spcAft>
-                <a:spcPts val="0"/>
-              </a:spcAft>
-              <a:defRPr/>
-            </a:pPr>
-            <a:r>
-              <a:rPr kumimoji="0" lang="ko-KR" altLang="en-US" sz="1800">
-                <a:solidFill>
-                  <a:schemeClr val="tx1">
-                    <a:lumMod val="75000"/>
-                    <a:lumOff val="25000"/>
-                  </a:schemeClr>
-                </a:solidFill>
-                <a:latin typeface="나눔스퀘어OTF Bold" pitchFamily="34" charset="-127"/>
-                <a:ea typeface="나눔스퀘어OTF Bold" pitchFamily="34" charset="-127"/>
-              </a:rPr>
-              <a:t>현재 생산하고 있는 현황을 확인할 수 있다</a:t>
-            </a:r>
-            <a:r>
-              <a:rPr kumimoji="0" lang="en-US" altLang="ko-KR" sz="1800">
-                <a:solidFill>
-                  <a:schemeClr val="tx1">
-                    <a:lumMod val="75000"/>
-                    <a:lumOff val="25000"/>
-                  </a:schemeClr>
-                </a:solidFill>
-                <a:latin typeface="나눔스퀘어OTF Bold" pitchFamily="34" charset="-127"/>
-                <a:ea typeface="나눔스퀘어OTF Bold" pitchFamily="34" charset="-127"/>
-              </a:rPr>
-              <a:t>.</a:t>
-            </a:r>
-            <a:endParaRPr kumimoji="0" lang="en-US" altLang="ko-KR" sz="1800" dirty="0">
-              <a:solidFill>
-                <a:schemeClr val="tx1">
-                  <a:lumMod val="75000"/>
-                  <a:lumOff val="25000"/>
-                </a:schemeClr>
-              </a:solidFill>
-              <a:latin typeface="나눔스퀘어OTF Bold" pitchFamily="34" charset="-127"/>
-              <a:ea typeface="나눔스퀘어OTF Bold" pitchFamily="34" charset="-127"/>
-            </a:endParaRPr>
-          </a:p>
-        </p:txBody>
-      </p:sp>
-      <p:grpSp>
-        <p:nvGrpSpPr>
-          <p:cNvPr id="26" name="그룹 18">
-            <a:extLst>
-              <a:ext uri="{FF2B5EF4-FFF2-40B4-BE49-F238E27FC236}">
-                <a16:creationId xmlns:a16="http://schemas.microsoft.com/office/drawing/2014/main" id="{44FE7C71-C9AB-4A89-AD78-BF99260CE519}"/>
-              </a:ext>
-            </a:extLst>
-          </p:cNvPr>
-          <p:cNvGrpSpPr>
-            <a:grpSpLocks/>
-          </p:cNvGrpSpPr>
-          <p:nvPr/>
-        </p:nvGrpSpPr>
-        <p:grpSpPr bwMode="auto">
-          <a:xfrm>
-            <a:off x="6208714" y="2099469"/>
-            <a:ext cx="5178425" cy="3454400"/>
-            <a:chOff x="5681680" y="2638922"/>
-            <a:chExt cx="5178972" cy="3454374"/>
-          </a:xfrm>
-        </p:grpSpPr>
-        <p:pic>
-          <p:nvPicPr>
-            <p:cNvPr id="34" name="그림 19">
-              <a:extLst>
-                <a:ext uri="{FF2B5EF4-FFF2-40B4-BE49-F238E27FC236}">
-                  <a16:creationId xmlns:a16="http://schemas.microsoft.com/office/drawing/2014/main" id="{4A8FBF10-CF82-4234-BFD8-1A82F035A5DE}"/>
-                </a:ext>
-              </a:extLst>
-            </p:cNvPr>
-            <p:cNvPicPr>
-              <a:picLocks noChangeAspect="1"/>
-            </p:cNvPicPr>
-            <p:nvPr/>
-          </p:nvPicPr>
-          <p:blipFill>
-            <a:blip r:embed="rId3">
-              <a:extLst>
-                <a:ext uri="{28A0092B-C50C-407E-A947-70E740481C1C}">
-                  <a14:useLocalDpi xmlns:a14="http://schemas.microsoft.com/office/drawing/2010/main" val="0"/>
-                </a:ext>
-              </a:extLst>
-            </a:blip>
-            <a:srcRect/>
-            <a:stretch>
-              <a:fillRect/>
-            </a:stretch>
-          </p:blipFill>
-          <p:spPr bwMode="auto">
-            <a:xfrm>
-              <a:off x="5681680" y="2638922"/>
-              <a:ext cx="5178972" cy="3454374"/>
-            </a:xfrm>
-            <a:prstGeom prst="rect">
-              <a:avLst/>
-            </a:prstGeom>
-            <a:noFill/>
-            <a:ln>
-              <a:noFill/>
-            </a:ln>
-            <a:extLst>
-              <a:ext uri="{909E8E84-426E-40DD-AFC4-6F175D3DCCD1}">
-                <a14:hiddenFill xmlns:a14="http://schemas.microsoft.com/office/drawing/2010/main">
-                  <a:solidFill>
-                    <a:srgbClr val="FFFFFF"/>
-                  </a:solidFill>
-                </a14:hiddenFill>
-              </a:ext>
-              <a:ext uri="{91240B29-F687-4F45-9708-019B960494DF}">
-                <a14:hiddenLine xmlns:a14="http://schemas.microsoft.com/office/drawing/2010/main" w="9525">
-                  <a:solidFill>
-                    <a:srgbClr val="000000"/>
-                  </a:solidFill>
-                  <a:miter lim="800000"/>
-                  <a:headEnd/>
-                  <a:tailEnd/>
-                </a14:hiddenLine>
-              </a:ext>
-            </a:extLst>
-          </p:spPr>
-        </p:pic>
-        <p:sp>
-          <p:nvSpPr>
-            <p:cNvPr id="35" name="직사각형 34">
-              <a:extLst>
-                <a:ext uri="{FF2B5EF4-FFF2-40B4-BE49-F238E27FC236}">
-                  <a16:creationId xmlns:a16="http://schemas.microsoft.com/office/drawing/2014/main" id="{A2229128-A4EB-4373-BF2E-9FD1ACD9334C}"/>
-                </a:ext>
-              </a:extLst>
-            </p:cNvPr>
-            <p:cNvSpPr/>
-            <p:nvPr/>
-          </p:nvSpPr>
-          <p:spPr>
-            <a:xfrm>
-              <a:off x="8080646" y="4181960"/>
-              <a:ext cx="755730" cy="368297"/>
-            </a:xfrm>
-            <a:prstGeom prst="rect">
-              <a:avLst/>
-            </a:prstGeom>
-          </p:spPr>
-          <p:txBody>
-            <a:bodyPr wrap="none">
-              <a:spAutoFit/>
-            </a:bodyPr>
-            <a:lstStyle/>
-            <a:p>
-              <a:pPr eaLnBrk="1" fontAlgn="auto" latinLnBrk="1" hangingPunct="1">
-                <a:spcBef>
-                  <a:spcPts val="0"/>
-                </a:spcBef>
-                <a:spcAft>
-                  <a:spcPts val="0"/>
-                </a:spcAft>
-                <a:defRPr/>
-              </a:pPr>
-              <a:r>
-                <a:rPr kumimoji="0" lang="ko-KR" altLang="en-US" spc="-150" dirty="0">
-                  <a:solidFill>
-                    <a:schemeClr val="bg1"/>
-                  </a:solidFill>
-                  <a:latin typeface="나눔스퀘어OTF ExtraBold" pitchFamily="34" charset="-127"/>
-                  <a:ea typeface="나눔스퀘어OTF ExtraBold" pitchFamily="34" charset="-127"/>
-                </a:rPr>
-                <a:t>이미지</a:t>
-              </a:r>
-              <a:endParaRPr kumimoji="0" lang="ko-KR" altLang="en-US" dirty="0">
-                <a:solidFill>
-                  <a:schemeClr val="bg1"/>
-                </a:solidFill>
-                <a:latin typeface="+mn-lt"/>
-                <a:ea typeface="+mn-ea"/>
-              </a:endParaRPr>
-            </a:p>
-          </p:txBody>
-        </p:sp>
-      </p:grpSp>
-    </p:spTree>
-  </p:cSld>
-  <p:clrMapOvr>
-    <a:masterClrMapping/>
-  </p:clrMapOvr>
-</p:sld>
-</file>
-
-<file path=ppt/slides/slide17.xml><?xml version="1.0" encoding="utf-8"?>
 <p:sld xmlns:a="http://schemas.openxmlformats.org/drawingml/2006/main" xmlns:r="http://schemas.openxmlformats.org/officeDocument/2006/relationships" xmlns:p="http://schemas.openxmlformats.org/presentationml/2006/main">
   <p:cSld>
     <p:spTree>
@@ -37422,1350 +35806,6 @@
       </p:sp>
       <p:sp>
         <p:nvSpPr>
-          <p:cNvPr id="15364" name="Text Placeholder 2"/>
-          <p:cNvSpPr txBox="1">
-            <a:spLocks/>
-          </p:cNvSpPr>
-          <p:nvPr/>
-        </p:nvSpPr>
-        <p:spPr bwMode="auto">
-          <a:xfrm>
-            <a:off x="509588" y="1651000"/>
-            <a:ext cx="7739062" cy="304800"/>
-          </a:xfrm>
-          <a:prstGeom prst="rect">
-            <a:avLst/>
-          </a:prstGeom>
-          <a:noFill/>
-          <a:ln>
-            <a:noFill/>
-          </a:ln>
-          <a:extLst>
-            <a:ext uri="{909E8E84-426E-40DD-AFC4-6F175D3DCCD1}">
-              <a14:hiddenFill xmlns:a14="http://schemas.microsoft.com/office/drawing/2010/main">
-                <a:solidFill>
-                  <a:srgbClr val="FFFFFF"/>
-                </a:solidFill>
-              </a14:hiddenFill>
-            </a:ext>
-            <a:ext uri="{91240B29-F687-4F45-9708-019B960494DF}">
-              <a14:hiddenLine xmlns:a14="http://schemas.microsoft.com/office/drawing/2010/main" w="9525">
-                <a:solidFill>
-                  <a:srgbClr val="000000"/>
-                </a:solidFill>
-                <a:miter lim="800000"/>
-                <a:headEnd/>
-                <a:tailEnd/>
-              </a14:hiddenLine>
-            </a:ext>
-          </a:extLst>
-        </p:spPr>
-        <p:txBody>
-          <a:bodyPr anchor="ctr"/>
-          <a:lstStyle>
-            <a:lvl1pPr latinLnBrk="1">
-              <a:spcBef>
-                <a:spcPct val="20000"/>
-              </a:spcBef>
-              <a:buFont typeface="Arial" panose="020B0604020202020204" pitchFamily="34" charset="0"/>
-              <a:buChar char="•"/>
-              <a:defRPr sz="3200">
-                <a:solidFill>
-                  <a:schemeClr val="tx1"/>
-                </a:solidFill>
-                <a:latin typeface="맑은 고딕" panose="020B0503020000020004" pitchFamily="50" charset="-127"/>
-                <a:ea typeface="맑은 고딕" panose="020B0503020000020004" pitchFamily="50" charset="-127"/>
-              </a:defRPr>
-            </a:lvl1pPr>
-            <a:lvl2pPr marL="742950" indent="-285750" latinLnBrk="1">
-              <a:spcBef>
-                <a:spcPct val="20000"/>
-              </a:spcBef>
-              <a:buFont typeface="Arial" panose="020B0604020202020204" pitchFamily="34" charset="0"/>
-              <a:buChar char="–"/>
-              <a:defRPr sz="2800">
-                <a:solidFill>
-                  <a:schemeClr val="tx1"/>
-                </a:solidFill>
-                <a:latin typeface="맑은 고딕" panose="020B0503020000020004" pitchFamily="50" charset="-127"/>
-                <a:ea typeface="맑은 고딕" panose="020B0503020000020004" pitchFamily="50" charset="-127"/>
-              </a:defRPr>
-            </a:lvl2pPr>
-            <a:lvl3pPr marL="1143000" indent="-228600" latinLnBrk="1">
-              <a:spcBef>
-                <a:spcPct val="20000"/>
-              </a:spcBef>
-              <a:buFont typeface="Arial" panose="020B0604020202020204" pitchFamily="34" charset="0"/>
-              <a:buChar char="•"/>
-              <a:defRPr sz="2400">
-                <a:solidFill>
-                  <a:schemeClr val="tx1"/>
-                </a:solidFill>
-                <a:latin typeface="맑은 고딕" panose="020B0503020000020004" pitchFamily="50" charset="-127"/>
-                <a:ea typeface="맑은 고딕" panose="020B0503020000020004" pitchFamily="50" charset="-127"/>
-              </a:defRPr>
-            </a:lvl3pPr>
-            <a:lvl4pPr marL="1600200" indent="-228600" latinLnBrk="1">
-              <a:spcBef>
-                <a:spcPct val="20000"/>
-              </a:spcBef>
-              <a:buFont typeface="Arial" panose="020B0604020202020204" pitchFamily="34" charset="0"/>
-              <a:buChar char="–"/>
-              <a:defRPr sz="2000">
-                <a:solidFill>
-                  <a:schemeClr val="tx1"/>
-                </a:solidFill>
-                <a:latin typeface="맑은 고딕" panose="020B0503020000020004" pitchFamily="50" charset="-127"/>
-                <a:ea typeface="맑은 고딕" panose="020B0503020000020004" pitchFamily="50" charset="-127"/>
-              </a:defRPr>
-            </a:lvl4pPr>
-            <a:lvl5pPr marL="2057400" indent="-228600" latinLnBrk="1">
-              <a:spcBef>
-                <a:spcPct val="20000"/>
-              </a:spcBef>
-              <a:buFont typeface="Arial" panose="020B0604020202020204" pitchFamily="34" charset="0"/>
-              <a:buChar char="»"/>
-              <a:defRPr sz="2000">
-                <a:solidFill>
-                  <a:schemeClr val="tx1"/>
-                </a:solidFill>
-                <a:latin typeface="맑은 고딕" panose="020B0503020000020004" pitchFamily="50" charset="-127"/>
-                <a:ea typeface="맑은 고딕" panose="020B0503020000020004" pitchFamily="50" charset="-127"/>
-              </a:defRPr>
-            </a:lvl5pPr>
-            <a:lvl6pPr marL="2514600" indent="-228600" eaLnBrk="0" fontAlgn="base" hangingPunct="0">
-              <a:spcBef>
-                <a:spcPct val="20000"/>
-              </a:spcBef>
-              <a:spcAft>
-                <a:spcPct val="0"/>
-              </a:spcAft>
-              <a:buFont typeface="Arial" panose="020B0604020202020204" pitchFamily="34" charset="0"/>
-              <a:buChar char="»"/>
-              <a:defRPr sz="2000">
-                <a:solidFill>
-                  <a:schemeClr val="tx1"/>
-                </a:solidFill>
-                <a:latin typeface="맑은 고딕" panose="020B0503020000020004" pitchFamily="50" charset="-127"/>
-                <a:ea typeface="맑은 고딕" panose="020B0503020000020004" pitchFamily="50" charset="-127"/>
-              </a:defRPr>
-            </a:lvl6pPr>
-            <a:lvl7pPr marL="2971800" indent="-228600" eaLnBrk="0" fontAlgn="base" hangingPunct="0">
-              <a:spcBef>
-                <a:spcPct val="20000"/>
-              </a:spcBef>
-              <a:spcAft>
-                <a:spcPct val="0"/>
-              </a:spcAft>
-              <a:buFont typeface="Arial" panose="020B0604020202020204" pitchFamily="34" charset="0"/>
-              <a:buChar char="»"/>
-              <a:defRPr sz="2000">
-                <a:solidFill>
-                  <a:schemeClr val="tx1"/>
-                </a:solidFill>
-                <a:latin typeface="맑은 고딕" panose="020B0503020000020004" pitchFamily="50" charset="-127"/>
-                <a:ea typeface="맑은 고딕" panose="020B0503020000020004" pitchFamily="50" charset="-127"/>
-              </a:defRPr>
-            </a:lvl7pPr>
-            <a:lvl8pPr marL="3429000" indent="-228600" eaLnBrk="0" fontAlgn="base" hangingPunct="0">
-              <a:spcBef>
-                <a:spcPct val="20000"/>
-              </a:spcBef>
-              <a:spcAft>
-                <a:spcPct val="0"/>
-              </a:spcAft>
-              <a:buFont typeface="Arial" panose="020B0604020202020204" pitchFamily="34" charset="0"/>
-              <a:buChar char="»"/>
-              <a:defRPr sz="2000">
-                <a:solidFill>
-                  <a:schemeClr val="tx1"/>
-                </a:solidFill>
-                <a:latin typeface="맑은 고딕" panose="020B0503020000020004" pitchFamily="50" charset="-127"/>
-                <a:ea typeface="맑은 고딕" panose="020B0503020000020004" pitchFamily="50" charset="-127"/>
-              </a:defRPr>
-            </a:lvl8pPr>
-            <a:lvl9pPr marL="3886200" indent="-228600" eaLnBrk="0" fontAlgn="base" hangingPunct="0">
-              <a:spcBef>
-                <a:spcPct val="20000"/>
-              </a:spcBef>
-              <a:spcAft>
-                <a:spcPct val="0"/>
-              </a:spcAft>
-              <a:buFont typeface="Arial" panose="020B0604020202020204" pitchFamily="34" charset="0"/>
-              <a:buChar char="»"/>
-              <a:defRPr sz="2000">
-                <a:solidFill>
-                  <a:schemeClr val="tx1"/>
-                </a:solidFill>
-                <a:latin typeface="맑은 고딕" panose="020B0503020000020004" pitchFamily="50" charset="-127"/>
-                <a:ea typeface="맑은 고딕" panose="020B0503020000020004" pitchFamily="50" charset="-127"/>
-              </a:defRPr>
-            </a:lvl9pPr>
-          </a:lstStyle>
-          <a:p>
-            <a:pPr eaLnBrk="1" hangingPunct="1">
-              <a:spcBef>
-                <a:spcPct val="0"/>
-              </a:spcBef>
-              <a:buFontTx/>
-              <a:buNone/>
-            </a:pPr>
-            <a:r>
-              <a:rPr kumimoji="0" lang="ko-KR" altLang="en-US" sz="2400">
-                <a:solidFill>
-                  <a:schemeClr val="tx2"/>
-                </a:solidFill>
-                <a:latin typeface="나눔스퀘어OTF Bold" panose="020B0600000101010101" pitchFamily="34" charset="-127"/>
-                <a:ea typeface="나눔스퀘어OTF Bold" panose="020B0600000101010101" pitchFamily="34" charset="-127"/>
-              </a:rPr>
-              <a:t>분석</a:t>
-            </a:r>
-            <a:r>
-              <a:rPr kumimoji="0" lang="en-US" altLang="ko-KR" sz="2400">
-                <a:solidFill>
-                  <a:schemeClr val="tx2"/>
-                </a:solidFill>
-                <a:latin typeface="나눔스퀘어OTF Bold" panose="020B0600000101010101" pitchFamily="34" charset="-127"/>
-                <a:ea typeface="나눔스퀘어OTF Bold" panose="020B0600000101010101" pitchFamily="34" charset="-127"/>
-              </a:rPr>
-              <a:t>/</a:t>
-            </a:r>
-            <a:r>
-              <a:rPr kumimoji="0" lang="ko-KR" altLang="en-US" sz="2400">
-                <a:solidFill>
-                  <a:schemeClr val="tx2"/>
-                </a:solidFill>
-                <a:latin typeface="나눔스퀘어OTF Bold" panose="020B0600000101010101" pitchFamily="34" charset="-127"/>
-                <a:ea typeface="나눔스퀘어OTF Bold" panose="020B0600000101010101" pitchFamily="34" charset="-127"/>
-              </a:rPr>
-              <a:t>설계 </a:t>
-            </a:r>
-            <a:r>
-              <a:rPr kumimoji="0" lang="en-US" altLang="ko-KR" sz="2400">
-                <a:solidFill>
-                  <a:schemeClr val="tx2"/>
-                </a:solidFill>
-                <a:latin typeface="나눔스퀘어OTF Bold" panose="020B0600000101010101" pitchFamily="34" charset="-127"/>
-                <a:ea typeface="나눔스퀘어OTF Bold" panose="020B0600000101010101" pitchFamily="34" charset="-127"/>
-              </a:rPr>
-              <a:t>: </a:t>
-            </a:r>
-            <a:r>
-              <a:rPr kumimoji="0" lang="ko-KR" altLang="en-US" sz="2400">
-                <a:solidFill>
-                  <a:schemeClr val="tx2"/>
-                </a:solidFill>
-                <a:latin typeface="나눔스퀘어OTF Bold" panose="020B0600000101010101" pitchFamily="34" charset="-127"/>
-                <a:ea typeface="나눔스퀘어OTF Bold" panose="020B0600000101010101" pitchFamily="34" charset="-127"/>
-              </a:rPr>
-              <a:t>요구사항 정의서</a:t>
-            </a:r>
-            <a:endParaRPr kumimoji="0" lang="ar-SA" altLang="ko-KR" sz="2400">
-              <a:solidFill>
-                <a:schemeClr val="tx2"/>
-              </a:solidFill>
-              <a:latin typeface="나눔스퀘어OTF Bold" panose="020B0600000101010101" pitchFamily="34" charset="-127"/>
-              <a:ea typeface="나눔스퀘어OTF Bold" panose="020B0600000101010101" pitchFamily="34" charset="-127"/>
-            </a:endParaRPr>
-          </a:p>
-        </p:txBody>
-      </p:sp>
-      <p:sp>
-        <p:nvSpPr>
-          <p:cNvPr id="44" name="Text Box 44"/>
-          <p:cNvSpPr txBox="1">
-            <a:spLocks noChangeArrowheads="1"/>
-          </p:cNvSpPr>
-          <p:nvPr/>
-        </p:nvSpPr>
-        <p:spPr bwMode="auto">
-          <a:xfrm>
-            <a:off x="782638" y="2320925"/>
-            <a:ext cx="5508496" cy="3653049"/>
-          </a:xfrm>
-          <a:prstGeom prst="rect">
-            <a:avLst/>
-          </a:prstGeom>
-          <a:blipFill dpi="0" rotWithShape="1">
-            <a:blip r:embed="rId3">
-              <a:extLst>
-                <a:ext uri="{28A0092B-C50C-407E-A947-70E740481C1C}">
-                  <a14:useLocalDpi xmlns:a14="http://schemas.microsoft.com/office/drawing/2010/main" val="0"/>
-                </a:ext>
-              </a:extLst>
-            </a:blip>
-            <a:srcRect/>
-            <a:stretch>
-              <a:fillRect/>
-            </a:stretch>
-          </a:blipFill>
-          <a:ln w="12700" cap="flat" cmpd="sng" algn="ctr">
-            <a:gradFill>
-              <a:gsLst>
-                <a:gs pos="0">
-                  <a:sysClr val="window" lastClr="FFFFFF">
-                    <a:lumMod val="85000"/>
-                  </a:sysClr>
-                </a:gs>
-                <a:gs pos="50000">
-                  <a:sysClr val="window" lastClr="FFFFFF"/>
-                </a:gs>
-                <a:gs pos="100000">
-                  <a:sysClr val="window" lastClr="FFFFFF">
-                    <a:lumMod val="85000"/>
-                  </a:sysClr>
-                </a:gs>
-              </a:gsLst>
-              <a:lin ang="5400000" scaled="0"/>
-            </a:gradFill>
-            <a:prstDash val="solid"/>
-            <a:miter lim="800000"/>
-            <a:headEnd/>
-            <a:tailEnd/>
-          </a:ln>
-          <a:effectLst>
-            <a:outerShdw blurRad="50800" dist="38100" dir="2700000" algn="tl" rotWithShape="0">
-              <a:prstClr val="black">
-                <a:alpha val="40000"/>
-              </a:prstClr>
-            </a:outerShdw>
-          </a:effectLst>
-        </p:spPr>
-        <p:txBody>
-          <a:bodyPr lIns="70650" tIns="70650" rIns="70650" bIns="44853"/>
-          <a:lstStyle/>
-          <a:p>
-            <a:pPr marL="84095" indent="-84095" defTabSz="897033" eaLnBrk="1" fontAlgn="auto" latinLnBrk="1" hangingPunct="1">
-              <a:spcBef>
-                <a:spcPts val="0"/>
-              </a:spcBef>
-              <a:spcAft>
-                <a:spcPts val="294"/>
-              </a:spcAft>
-              <a:buClr>
-                <a:srgbClr val="A1A1A1"/>
-              </a:buClr>
-              <a:buSzPct val="100000"/>
-              <a:buFont typeface="Arial" pitchFamily="34" charset="0"/>
-              <a:buChar char="•"/>
-              <a:defRPr/>
-            </a:pPr>
-            <a:endParaRPr kumimoji="0" lang="ko-KR" altLang="en-US" sz="883" kern="0" dirty="0">
-              <a:solidFill>
-                <a:srgbClr val="FF0000"/>
-              </a:solidFill>
-              <a:latin typeface="나눔고딕" panose="020D0304000000000000" pitchFamily="50" charset="-127"/>
-              <a:ea typeface="나눔스퀘어"/>
-              <a:sym typeface="Wingdings" pitchFamily="2" charset="2"/>
-            </a:endParaRPr>
-          </a:p>
-        </p:txBody>
-      </p:sp>
-      <p:sp>
-        <p:nvSpPr>
-          <p:cNvPr id="49" name="모서리가 둥근 직사각형 48"/>
-          <p:cNvSpPr/>
-          <p:nvPr/>
-        </p:nvSpPr>
-        <p:spPr bwMode="auto">
-          <a:xfrm>
-            <a:off x="2311400" y="6165850"/>
-            <a:ext cx="2268538" cy="319088"/>
-          </a:xfrm>
-          <a:prstGeom prst="roundRect">
-            <a:avLst>
-              <a:gd name="adj" fmla="val 50000"/>
-            </a:avLst>
-          </a:prstGeom>
-          <a:gradFill flip="none" rotWithShape="1">
-            <a:gsLst>
-              <a:gs pos="100000">
-                <a:schemeClr val="bg1">
-                  <a:lumMod val="50000"/>
-                </a:schemeClr>
-              </a:gs>
-              <a:gs pos="50000">
-                <a:schemeClr val="tx1"/>
-              </a:gs>
-              <a:gs pos="0">
-                <a:schemeClr val="bg1">
-                  <a:lumMod val="65000"/>
-                </a:schemeClr>
-              </a:gs>
-            </a:gsLst>
-            <a:lin ang="0" scaled="1"/>
-            <a:tileRect/>
-          </a:gradFill>
-          <a:ln w="12700">
-            <a:noFill/>
-          </a:ln>
-        </p:spPr>
-        <p:style>
-          <a:lnRef idx="2">
-            <a:schemeClr val="accent1">
-              <a:shade val="50000"/>
-            </a:schemeClr>
-          </a:lnRef>
-          <a:fillRef idx="1">
-            <a:schemeClr val="accent1"/>
-          </a:fillRef>
-          <a:effectRef idx="0">
-            <a:schemeClr val="accent1"/>
-          </a:effectRef>
-          <a:fontRef idx="minor">
-            <a:schemeClr val="lt1"/>
-          </a:fontRef>
-        </p:style>
-        <p:txBody>
-          <a:bodyPr anchor="ctr"/>
-          <a:lstStyle/>
-          <a:p>
-            <a:pPr algn="ctr" eaLnBrk="1" fontAlgn="auto" latinLnBrk="1" hangingPunct="1">
-              <a:spcBef>
-                <a:spcPts val="0"/>
-              </a:spcBef>
-              <a:spcAft>
-                <a:spcPts val="0"/>
-              </a:spcAft>
-              <a:defRPr/>
-            </a:pPr>
-            <a:r>
-              <a:rPr kumimoji="0" lang="ko-KR" altLang="en-US" sz="1600">
-                <a:solidFill>
-                  <a:schemeClr val="bg1"/>
-                </a:solidFill>
-                <a:latin typeface="나눔스퀘어OTF ExtraBold" pitchFamily="34" charset="-127"/>
-                <a:ea typeface="나눔스퀘어OTF ExtraBold" pitchFamily="34" charset="-127"/>
-              </a:rPr>
-              <a:t>요구사항 정의서</a:t>
-            </a:r>
-            <a:endParaRPr kumimoji="0" lang="ko-KR" altLang="en-US" sz="1600" dirty="0">
-              <a:solidFill>
-                <a:schemeClr val="bg1"/>
-              </a:solidFill>
-              <a:latin typeface="나눔스퀘어OTF ExtraBold" pitchFamily="34" charset="-127"/>
-              <a:ea typeface="나눔스퀘어OTF ExtraBold" pitchFamily="34" charset="-127"/>
-            </a:endParaRPr>
-          </a:p>
-        </p:txBody>
-      </p:sp>
-      <p:sp>
-        <p:nvSpPr>
-          <p:cNvPr id="15372" name="직사각형 10"/>
-          <p:cNvSpPr>
-            <a:spLocks noChangeArrowheads="1"/>
-          </p:cNvSpPr>
-          <p:nvPr/>
-        </p:nvSpPr>
-        <p:spPr bwMode="auto">
-          <a:xfrm>
-            <a:off x="6529707" y="2477417"/>
-            <a:ext cx="4893943" cy="1015663"/>
-          </a:xfrm>
-          <a:prstGeom prst="rect">
-            <a:avLst/>
-          </a:prstGeom>
-          <a:noFill/>
-          <a:ln>
-            <a:noFill/>
-          </a:ln>
-          <a:extLst>
-            <a:ext uri="{909E8E84-426E-40DD-AFC4-6F175D3DCCD1}">
-              <a14:hiddenFill xmlns:a14="http://schemas.microsoft.com/office/drawing/2010/main">
-                <a:solidFill>
-                  <a:srgbClr val="FFFFFF"/>
-                </a:solidFill>
-              </a14:hiddenFill>
-            </a:ext>
-            <a:ext uri="{91240B29-F687-4F45-9708-019B960494DF}">
-              <a14:hiddenLine xmlns:a14="http://schemas.microsoft.com/office/drawing/2010/main" w="9525">
-                <a:solidFill>
-                  <a:srgbClr val="000000"/>
-                </a:solidFill>
-                <a:miter lim="800000"/>
-                <a:headEnd/>
-                <a:tailEnd/>
-              </a14:hiddenLine>
-            </a:ext>
-          </a:extLst>
-        </p:spPr>
-        <p:txBody>
-          <a:bodyPr>
-            <a:spAutoFit/>
-          </a:bodyPr>
-          <a:lstStyle>
-            <a:lvl1pPr marL="285750" indent="-285750" latinLnBrk="1">
-              <a:spcBef>
-                <a:spcPct val="20000"/>
-              </a:spcBef>
-              <a:buFont typeface="Arial" panose="020B0604020202020204" pitchFamily="34" charset="0"/>
-              <a:buChar char="•"/>
-              <a:defRPr sz="3200">
-                <a:solidFill>
-                  <a:schemeClr val="tx1"/>
-                </a:solidFill>
-                <a:latin typeface="맑은 고딕" panose="020B0503020000020004" pitchFamily="50" charset="-127"/>
-                <a:ea typeface="맑은 고딕" panose="020B0503020000020004" pitchFamily="50" charset="-127"/>
-              </a:defRPr>
-            </a:lvl1pPr>
-            <a:lvl2pPr marL="742950" indent="-285750" latinLnBrk="1">
-              <a:spcBef>
-                <a:spcPct val="20000"/>
-              </a:spcBef>
-              <a:buFont typeface="Arial" panose="020B0604020202020204" pitchFamily="34" charset="0"/>
-              <a:buChar char="–"/>
-              <a:defRPr sz="2800">
-                <a:solidFill>
-                  <a:schemeClr val="tx1"/>
-                </a:solidFill>
-                <a:latin typeface="맑은 고딕" panose="020B0503020000020004" pitchFamily="50" charset="-127"/>
-                <a:ea typeface="맑은 고딕" panose="020B0503020000020004" pitchFamily="50" charset="-127"/>
-              </a:defRPr>
-            </a:lvl2pPr>
-            <a:lvl3pPr marL="1143000" indent="-228600" latinLnBrk="1">
-              <a:spcBef>
-                <a:spcPct val="20000"/>
-              </a:spcBef>
-              <a:buFont typeface="Arial" panose="020B0604020202020204" pitchFamily="34" charset="0"/>
-              <a:buChar char="•"/>
-              <a:defRPr sz="2400">
-                <a:solidFill>
-                  <a:schemeClr val="tx1"/>
-                </a:solidFill>
-                <a:latin typeface="맑은 고딕" panose="020B0503020000020004" pitchFamily="50" charset="-127"/>
-                <a:ea typeface="맑은 고딕" panose="020B0503020000020004" pitchFamily="50" charset="-127"/>
-              </a:defRPr>
-            </a:lvl3pPr>
-            <a:lvl4pPr marL="1600200" indent="-228600" latinLnBrk="1">
-              <a:spcBef>
-                <a:spcPct val="20000"/>
-              </a:spcBef>
-              <a:buFont typeface="Arial" panose="020B0604020202020204" pitchFamily="34" charset="0"/>
-              <a:buChar char="–"/>
-              <a:defRPr sz="2000">
-                <a:solidFill>
-                  <a:schemeClr val="tx1"/>
-                </a:solidFill>
-                <a:latin typeface="맑은 고딕" panose="020B0503020000020004" pitchFamily="50" charset="-127"/>
-                <a:ea typeface="맑은 고딕" panose="020B0503020000020004" pitchFamily="50" charset="-127"/>
-              </a:defRPr>
-            </a:lvl4pPr>
-            <a:lvl5pPr marL="2057400" indent="-228600" latinLnBrk="1">
-              <a:spcBef>
-                <a:spcPct val="20000"/>
-              </a:spcBef>
-              <a:buFont typeface="Arial" panose="020B0604020202020204" pitchFamily="34" charset="0"/>
-              <a:buChar char="»"/>
-              <a:defRPr sz="2000">
-                <a:solidFill>
-                  <a:schemeClr val="tx1"/>
-                </a:solidFill>
-                <a:latin typeface="맑은 고딕" panose="020B0503020000020004" pitchFamily="50" charset="-127"/>
-                <a:ea typeface="맑은 고딕" panose="020B0503020000020004" pitchFamily="50" charset="-127"/>
-              </a:defRPr>
-            </a:lvl5pPr>
-            <a:lvl6pPr marL="2514600" indent="-228600" eaLnBrk="0" fontAlgn="base" hangingPunct="0">
-              <a:spcBef>
-                <a:spcPct val="20000"/>
-              </a:spcBef>
-              <a:spcAft>
-                <a:spcPct val="0"/>
-              </a:spcAft>
-              <a:buFont typeface="Arial" panose="020B0604020202020204" pitchFamily="34" charset="0"/>
-              <a:buChar char="»"/>
-              <a:defRPr sz="2000">
-                <a:solidFill>
-                  <a:schemeClr val="tx1"/>
-                </a:solidFill>
-                <a:latin typeface="맑은 고딕" panose="020B0503020000020004" pitchFamily="50" charset="-127"/>
-                <a:ea typeface="맑은 고딕" panose="020B0503020000020004" pitchFamily="50" charset="-127"/>
-              </a:defRPr>
-            </a:lvl6pPr>
-            <a:lvl7pPr marL="2971800" indent="-228600" eaLnBrk="0" fontAlgn="base" hangingPunct="0">
-              <a:spcBef>
-                <a:spcPct val="20000"/>
-              </a:spcBef>
-              <a:spcAft>
-                <a:spcPct val="0"/>
-              </a:spcAft>
-              <a:buFont typeface="Arial" panose="020B0604020202020204" pitchFamily="34" charset="0"/>
-              <a:buChar char="»"/>
-              <a:defRPr sz="2000">
-                <a:solidFill>
-                  <a:schemeClr val="tx1"/>
-                </a:solidFill>
-                <a:latin typeface="맑은 고딕" panose="020B0503020000020004" pitchFamily="50" charset="-127"/>
-                <a:ea typeface="맑은 고딕" panose="020B0503020000020004" pitchFamily="50" charset="-127"/>
-              </a:defRPr>
-            </a:lvl7pPr>
-            <a:lvl8pPr marL="3429000" indent="-228600" eaLnBrk="0" fontAlgn="base" hangingPunct="0">
-              <a:spcBef>
-                <a:spcPct val="20000"/>
-              </a:spcBef>
-              <a:spcAft>
-                <a:spcPct val="0"/>
-              </a:spcAft>
-              <a:buFont typeface="Arial" panose="020B0604020202020204" pitchFamily="34" charset="0"/>
-              <a:buChar char="»"/>
-              <a:defRPr sz="2000">
-                <a:solidFill>
-                  <a:schemeClr val="tx1"/>
-                </a:solidFill>
-                <a:latin typeface="맑은 고딕" panose="020B0503020000020004" pitchFamily="50" charset="-127"/>
-                <a:ea typeface="맑은 고딕" panose="020B0503020000020004" pitchFamily="50" charset="-127"/>
-              </a:defRPr>
-            </a:lvl8pPr>
-            <a:lvl9pPr marL="3886200" indent="-228600" eaLnBrk="0" fontAlgn="base" hangingPunct="0">
-              <a:spcBef>
-                <a:spcPct val="20000"/>
-              </a:spcBef>
-              <a:spcAft>
-                <a:spcPct val="0"/>
-              </a:spcAft>
-              <a:buFont typeface="Arial" panose="020B0604020202020204" pitchFamily="34" charset="0"/>
-              <a:buChar char="»"/>
-              <a:defRPr sz="2000">
-                <a:solidFill>
-                  <a:schemeClr val="tx1"/>
-                </a:solidFill>
-                <a:latin typeface="맑은 고딕" panose="020B0503020000020004" pitchFamily="50" charset="-127"/>
-                <a:ea typeface="맑은 고딕" panose="020B0503020000020004" pitchFamily="50" charset="-127"/>
-              </a:defRPr>
-            </a:lvl9pPr>
-          </a:lstStyle>
-          <a:p>
-            <a:pPr algn="just" eaLnBrk="1" hangingPunct="1">
-              <a:spcBef>
-                <a:spcPct val="0"/>
-              </a:spcBef>
-              <a:buFontTx/>
-              <a:buChar char="-"/>
-            </a:pPr>
-            <a:r>
-              <a:rPr kumimoji="0" lang="ko-KR" altLang="en-US" sz="2000" b="1">
-                <a:latin typeface="나눔스퀘어OTF" panose="020B0600000101010101" pitchFamily="34" charset="-127"/>
-                <a:ea typeface="나눔스퀘어OTF" panose="020B0600000101010101" pitchFamily="34" charset="-127"/>
-              </a:rPr>
-              <a:t>고객의 요구 사항 정의</a:t>
-            </a:r>
-            <a:endParaRPr kumimoji="0" lang="en-US" altLang="ko-KR" sz="2000" b="1">
-              <a:latin typeface="나눔스퀘어OTF" panose="020B0600000101010101" pitchFamily="34" charset="-127"/>
-              <a:ea typeface="나눔스퀘어OTF" panose="020B0600000101010101" pitchFamily="34" charset="-127"/>
-            </a:endParaRPr>
-          </a:p>
-          <a:p>
-            <a:pPr marL="0" indent="0" algn="just" eaLnBrk="1" hangingPunct="1">
-              <a:spcBef>
-                <a:spcPct val="0"/>
-              </a:spcBef>
-              <a:buNone/>
-            </a:pPr>
-            <a:endParaRPr kumimoji="0" lang="en-US" altLang="ko-KR" sz="2000" b="1">
-              <a:latin typeface="나눔스퀘어OTF" panose="020B0600000101010101" pitchFamily="34" charset="-127"/>
-              <a:ea typeface="나눔스퀘어OTF" panose="020B0600000101010101" pitchFamily="34" charset="-127"/>
-            </a:endParaRPr>
-          </a:p>
-          <a:p>
-            <a:pPr algn="just" eaLnBrk="1" hangingPunct="1">
-              <a:spcBef>
-                <a:spcPct val="0"/>
-              </a:spcBef>
-              <a:buFontTx/>
-              <a:buChar char="-"/>
-            </a:pPr>
-            <a:r>
-              <a:rPr kumimoji="0" lang="ko-KR" altLang="en-US" sz="2000" b="1">
-                <a:latin typeface="나눔스퀘어OTF" panose="020B0600000101010101" pitchFamily="34" charset="-127"/>
-                <a:ea typeface="나눔스퀘어OTF" panose="020B0600000101010101" pitchFamily="34" charset="-127"/>
-              </a:rPr>
-              <a:t>중요도</a:t>
-            </a:r>
-            <a:r>
-              <a:rPr kumimoji="0" lang="en-US" altLang="ko-KR" sz="2000" b="1">
-                <a:latin typeface="나눔스퀘어OTF" panose="020B0600000101010101" pitchFamily="34" charset="-127"/>
-                <a:ea typeface="나눔스퀘어OTF" panose="020B0600000101010101" pitchFamily="34" charset="-127"/>
-              </a:rPr>
-              <a:t>, </a:t>
-            </a:r>
-            <a:r>
-              <a:rPr kumimoji="0" lang="ko-KR" altLang="en-US" sz="2000" b="1">
-                <a:latin typeface="나눔스퀘어OTF" panose="020B0600000101010101" pitchFamily="34" charset="-127"/>
-                <a:ea typeface="나눔스퀘어OTF" panose="020B0600000101010101" pitchFamily="34" charset="-127"/>
-              </a:rPr>
-              <a:t>반영 여부</a:t>
-            </a:r>
-          </a:p>
-        </p:txBody>
-      </p:sp>
-      <p:grpSp>
-        <p:nvGrpSpPr>
-          <p:cNvPr id="18" name="그룹 13">
-            <a:extLst>
-              <a:ext uri="{FF2B5EF4-FFF2-40B4-BE49-F238E27FC236}">
-                <a16:creationId xmlns:a16="http://schemas.microsoft.com/office/drawing/2014/main" id="{F080EEA6-4E71-4754-BFE8-FDCE2ABDDC42}"/>
-              </a:ext>
-            </a:extLst>
-          </p:cNvPr>
-          <p:cNvGrpSpPr>
-            <a:grpSpLocks/>
-          </p:cNvGrpSpPr>
-          <p:nvPr/>
-        </p:nvGrpSpPr>
-        <p:grpSpPr bwMode="auto">
-          <a:xfrm rot="5400000">
-            <a:off x="8534474" y="-2980530"/>
-            <a:ext cx="369889" cy="6832600"/>
-            <a:chOff x="11783835" y="1420022"/>
-            <a:chExt cx="370109" cy="4457250"/>
-          </a:xfrm>
-        </p:grpSpPr>
-        <p:sp>
-          <p:nvSpPr>
-            <p:cNvPr id="19" name="양쪽 모서리가 둥근 사각형 21">
-              <a:extLst>
-                <a:ext uri="{FF2B5EF4-FFF2-40B4-BE49-F238E27FC236}">
-                  <a16:creationId xmlns:a16="http://schemas.microsoft.com/office/drawing/2014/main" id="{B8D29D92-EC9C-4BD7-8640-6DCA775C036E}"/>
-                </a:ext>
-              </a:extLst>
-            </p:cNvPr>
-            <p:cNvSpPr/>
-            <p:nvPr/>
-          </p:nvSpPr>
-          <p:spPr>
-            <a:xfrm rot="16200000" flipH="1">
-              <a:off x="11537041" y="5260370"/>
-              <a:ext cx="863696" cy="370108"/>
-            </a:xfrm>
-            <a:prstGeom prst="round2SameRect">
-              <a:avLst>
-                <a:gd name="adj1" fmla="val 50000"/>
-                <a:gd name="adj2" fmla="val 0"/>
-              </a:avLst>
-            </a:prstGeom>
-            <a:solidFill>
-              <a:schemeClr val="bg1">
-                <a:lumMod val="85000"/>
-              </a:schemeClr>
-            </a:solidFill>
-            <a:ln>
-              <a:solidFill>
-                <a:schemeClr val="bg1"/>
-              </a:solidFill>
-            </a:ln>
-          </p:spPr>
-          <p:style>
-            <a:lnRef idx="2">
-              <a:schemeClr val="accent1">
-                <a:shade val="50000"/>
-              </a:schemeClr>
-            </a:lnRef>
-            <a:fillRef idx="1">
-              <a:schemeClr val="accent1"/>
-            </a:fillRef>
-            <a:effectRef idx="0">
-              <a:schemeClr val="accent1"/>
-            </a:effectRef>
-            <a:fontRef idx="minor">
-              <a:schemeClr val="lt1"/>
-            </a:fontRef>
-          </p:style>
-          <p:txBody>
-            <a:bodyPr anchor="ctr"/>
-            <a:lstStyle/>
-            <a:p>
-              <a:pPr algn="ctr" eaLnBrk="1" fontAlgn="auto" latinLnBrk="1" hangingPunct="1">
-                <a:spcBef>
-                  <a:spcPts val="0"/>
-                </a:spcBef>
-                <a:spcAft>
-                  <a:spcPts val="0"/>
-                </a:spcAft>
-                <a:defRPr/>
-              </a:pPr>
-              <a:r>
-                <a:rPr kumimoji="0" lang="ko-KR" altLang="en-US" sz="1500" dirty="0">
-                  <a:solidFill>
-                    <a:schemeClr val="tx1"/>
-                  </a:solidFill>
-                  <a:latin typeface="여기어때 잘난체 OTF" pitchFamily="34" charset="-127"/>
-                  <a:ea typeface="여기어때 잘난체 OTF" pitchFamily="34" charset="-127"/>
-                </a:rPr>
-                <a:t>개요</a:t>
-              </a:r>
-            </a:p>
-          </p:txBody>
-        </p:sp>
-        <p:sp>
-          <p:nvSpPr>
-            <p:cNvPr id="20" name="양쪽 모서리가 둥근 사각형 23">
-              <a:extLst>
-                <a:ext uri="{FF2B5EF4-FFF2-40B4-BE49-F238E27FC236}">
-                  <a16:creationId xmlns:a16="http://schemas.microsoft.com/office/drawing/2014/main" id="{39B366AD-5D03-432F-93D8-1A95FE3F0AD3}"/>
-                </a:ext>
-              </a:extLst>
-            </p:cNvPr>
-            <p:cNvSpPr/>
-            <p:nvPr/>
-          </p:nvSpPr>
-          <p:spPr>
-            <a:xfrm rot="16200000" flipH="1">
-              <a:off x="11536006" y="4541659"/>
-              <a:ext cx="865767" cy="370108"/>
-            </a:xfrm>
-            <a:prstGeom prst="round2SameRect">
-              <a:avLst>
-                <a:gd name="adj1" fmla="val 50000"/>
-                <a:gd name="adj2" fmla="val 0"/>
-              </a:avLst>
-            </a:prstGeom>
-            <a:solidFill>
-              <a:schemeClr val="bg1">
-                <a:lumMod val="85000"/>
-              </a:schemeClr>
-            </a:solidFill>
-            <a:ln>
-              <a:solidFill>
-                <a:schemeClr val="bg1"/>
-              </a:solidFill>
-            </a:ln>
-          </p:spPr>
-          <p:style>
-            <a:lnRef idx="2">
-              <a:schemeClr val="accent1">
-                <a:shade val="50000"/>
-              </a:schemeClr>
-            </a:lnRef>
-            <a:fillRef idx="1">
-              <a:schemeClr val="accent1"/>
-            </a:fillRef>
-            <a:effectRef idx="0">
-              <a:schemeClr val="accent1"/>
-            </a:effectRef>
-            <a:fontRef idx="minor">
-              <a:schemeClr val="lt1"/>
-            </a:fontRef>
-          </p:style>
-          <p:txBody>
-            <a:bodyPr anchor="ctr"/>
-            <a:lstStyle/>
-            <a:p>
-              <a:pPr algn="ctr" eaLnBrk="1" fontAlgn="auto" latinLnBrk="1" hangingPunct="1">
-                <a:spcBef>
-                  <a:spcPts val="0"/>
-                </a:spcBef>
-                <a:spcAft>
-                  <a:spcPts val="0"/>
-                </a:spcAft>
-                <a:defRPr/>
-              </a:pPr>
-              <a:r>
-                <a:rPr kumimoji="0" lang="ko-KR" altLang="en-US" sz="1500" dirty="0">
-                  <a:solidFill>
-                    <a:schemeClr val="tx1"/>
-                  </a:solidFill>
-                  <a:latin typeface="여기어때 잘난체 OTF" pitchFamily="34" charset="-127"/>
-                  <a:ea typeface="여기어때 잘난체 OTF" pitchFamily="34" charset="-127"/>
-                </a:rPr>
-                <a:t>참여인원</a:t>
-              </a:r>
-            </a:p>
-          </p:txBody>
-        </p:sp>
-        <p:sp>
-          <p:nvSpPr>
-            <p:cNvPr id="21" name="양쪽 모서리가 둥근 사각형 24">
-              <a:extLst>
-                <a:ext uri="{FF2B5EF4-FFF2-40B4-BE49-F238E27FC236}">
-                  <a16:creationId xmlns:a16="http://schemas.microsoft.com/office/drawing/2014/main" id="{AFD03600-794D-4194-B3EE-406541529C04}"/>
-                </a:ext>
-              </a:extLst>
-            </p:cNvPr>
-            <p:cNvSpPr/>
-            <p:nvPr/>
-          </p:nvSpPr>
-          <p:spPr>
-            <a:xfrm rot="16200000" flipH="1">
-              <a:off x="11537041" y="3822948"/>
-              <a:ext cx="863696" cy="370108"/>
-            </a:xfrm>
-            <a:prstGeom prst="round2SameRect">
-              <a:avLst>
-                <a:gd name="adj1" fmla="val 50000"/>
-                <a:gd name="adj2" fmla="val 0"/>
-              </a:avLst>
-            </a:prstGeom>
-            <a:solidFill>
-              <a:schemeClr val="bg1">
-                <a:lumMod val="85000"/>
-              </a:schemeClr>
-            </a:solidFill>
-            <a:ln>
-              <a:solidFill>
-                <a:schemeClr val="bg1"/>
-              </a:solidFill>
-            </a:ln>
-          </p:spPr>
-          <p:style>
-            <a:lnRef idx="2">
-              <a:schemeClr val="accent1">
-                <a:shade val="50000"/>
-              </a:schemeClr>
-            </a:lnRef>
-            <a:fillRef idx="1">
-              <a:schemeClr val="accent1"/>
-            </a:fillRef>
-            <a:effectRef idx="0">
-              <a:schemeClr val="accent1"/>
-            </a:effectRef>
-            <a:fontRef idx="minor">
-              <a:schemeClr val="lt1"/>
-            </a:fontRef>
-          </p:style>
-          <p:txBody>
-            <a:bodyPr anchor="ctr"/>
-            <a:lstStyle/>
-            <a:p>
-              <a:pPr algn="ctr" eaLnBrk="1" fontAlgn="auto" latinLnBrk="1" hangingPunct="1">
-                <a:spcBef>
-                  <a:spcPts val="0"/>
-                </a:spcBef>
-                <a:spcAft>
-                  <a:spcPts val="0"/>
-                </a:spcAft>
-                <a:defRPr/>
-              </a:pPr>
-              <a:r>
-                <a:rPr kumimoji="0" lang="ko-KR" altLang="en-US" sz="1500" dirty="0">
-                  <a:solidFill>
-                    <a:schemeClr val="tx1"/>
-                  </a:solidFill>
-                  <a:latin typeface="여기어때 잘난체 OTF" pitchFamily="34" charset="-127"/>
-                  <a:ea typeface="여기어때 잘난체 OTF" pitchFamily="34" charset="-127"/>
-                </a:rPr>
-                <a:t>일정</a:t>
-              </a:r>
-            </a:p>
-          </p:txBody>
-        </p:sp>
-        <p:sp>
-          <p:nvSpPr>
-            <p:cNvPr id="23" name="양쪽 모서리가 둥근 사각형 25">
-              <a:extLst>
-                <a:ext uri="{FF2B5EF4-FFF2-40B4-BE49-F238E27FC236}">
-                  <a16:creationId xmlns:a16="http://schemas.microsoft.com/office/drawing/2014/main" id="{8EC7B28F-3F6C-4E5C-95F4-A14D2C51ED14}"/>
-                </a:ext>
-              </a:extLst>
-            </p:cNvPr>
-            <p:cNvSpPr/>
-            <p:nvPr/>
-          </p:nvSpPr>
-          <p:spPr>
-            <a:xfrm rot="16200000" flipH="1">
-              <a:off x="11537041" y="3120807"/>
-              <a:ext cx="863696" cy="370108"/>
-            </a:xfrm>
-            <a:prstGeom prst="round2SameRect">
-              <a:avLst>
-                <a:gd name="adj1" fmla="val 50000"/>
-                <a:gd name="adj2" fmla="val 0"/>
-              </a:avLst>
-            </a:prstGeom>
-            <a:solidFill>
-              <a:schemeClr val="bg1">
-                <a:lumMod val="85000"/>
-              </a:schemeClr>
-            </a:solidFill>
-            <a:ln>
-              <a:solidFill>
-                <a:schemeClr val="bg1"/>
-              </a:solidFill>
-            </a:ln>
-          </p:spPr>
-          <p:style>
-            <a:lnRef idx="2">
-              <a:schemeClr val="accent1">
-                <a:shade val="50000"/>
-              </a:schemeClr>
-            </a:lnRef>
-            <a:fillRef idx="1">
-              <a:schemeClr val="accent1"/>
-            </a:fillRef>
-            <a:effectRef idx="0">
-              <a:schemeClr val="accent1"/>
-            </a:effectRef>
-            <a:fontRef idx="minor">
-              <a:schemeClr val="lt1"/>
-            </a:fontRef>
-          </p:style>
-          <p:txBody>
-            <a:bodyPr anchor="ctr"/>
-            <a:lstStyle/>
-            <a:p>
-              <a:pPr algn="ctr" eaLnBrk="1" fontAlgn="auto" latinLnBrk="1" hangingPunct="1">
-                <a:spcBef>
-                  <a:spcPts val="0"/>
-                </a:spcBef>
-                <a:spcAft>
-                  <a:spcPts val="0"/>
-                </a:spcAft>
-                <a:defRPr/>
-              </a:pPr>
-              <a:r>
-                <a:rPr kumimoji="0" lang="ko-KR" altLang="en-US" sz="1500" dirty="0">
-                  <a:solidFill>
-                    <a:schemeClr val="tx1"/>
-                  </a:solidFill>
-                  <a:latin typeface="여기어때 잘난체 OTF" pitchFamily="34" charset="-127"/>
-                  <a:ea typeface="여기어때 잘난체 OTF" pitchFamily="34" charset="-127"/>
-                </a:rPr>
-                <a:t>구성</a:t>
-              </a:r>
-            </a:p>
-          </p:txBody>
-        </p:sp>
-        <p:sp>
-          <p:nvSpPr>
-            <p:cNvPr id="30" name="양쪽 모서리가 둥근 사각형 26">
-              <a:extLst>
-                <a:ext uri="{FF2B5EF4-FFF2-40B4-BE49-F238E27FC236}">
-                  <a16:creationId xmlns:a16="http://schemas.microsoft.com/office/drawing/2014/main" id="{A7500BE3-90BA-4719-8B60-411FF50B7719}"/>
-                </a:ext>
-              </a:extLst>
-            </p:cNvPr>
-            <p:cNvSpPr/>
-            <p:nvPr/>
-          </p:nvSpPr>
-          <p:spPr>
-            <a:xfrm rot="16200000" flipH="1">
-              <a:off x="11535488" y="2433682"/>
-              <a:ext cx="866803" cy="370108"/>
-            </a:xfrm>
-            <a:prstGeom prst="round2SameRect">
-              <a:avLst>
-                <a:gd name="adj1" fmla="val 50000"/>
-                <a:gd name="adj2" fmla="val 0"/>
-              </a:avLst>
-            </a:prstGeom>
-            <a:gradFill>
-              <a:gsLst>
-                <a:gs pos="0">
-                  <a:schemeClr val="tx1"/>
-                </a:gs>
-                <a:gs pos="100000">
-                  <a:schemeClr val="tx1"/>
-                </a:gs>
-                <a:gs pos="51000">
-                  <a:schemeClr val="bg1">
-                    <a:lumMod val="50000"/>
-                  </a:schemeClr>
-                </a:gs>
-              </a:gsLst>
-              <a:lin ang="0" scaled="1"/>
-            </a:gradFill>
-            <a:ln>
-              <a:solidFill>
-                <a:schemeClr val="bg1"/>
-              </a:solidFill>
-            </a:ln>
-          </p:spPr>
-          <p:style>
-            <a:lnRef idx="2">
-              <a:schemeClr val="accent1">
-                <a:shade val="50000"/>
-              </a:schemeClr>
-            </a:lnRef>
-            <a:fillRef idx="1">
-              <a:schemeClr val="accent1"/>
-            </a:fillRef>
-            <a:effectRef idx="0">
-              <a:schemeClr val="accent1"/>
-            </a:effectRef>
-            <a:fontRef idx="minor">
-              <a:schemeClr val="lt1"/>
-            </a:fontRef>
-          </p:style>
-          <p:txBody>
-            <a:bodyPr anchor="ctr"/>
-            <a:lstStyle/>
-            <a:p>
-              <a:pPr algn="ctr" eaLnBrk="1" fontAlgn="auto" latinLnBrk="1" hangingPunct="1">
-                <a:spcBef>
-                  <a:spcPts val="0"/>
-                </a:spcBef>
-                <a:spcAft>
-                  <a:spcPts val="0"/>
-                </a:spcAft>
-                <a:defRPr/>
-              </a:pPr>
-              <a:r>
-                <a:rPr kumimoji="0" lang="ko-KR" altLang="en-US" sz="1500" dirty="0">
-                  <a:solidFill>
-                    <a:schemeClr val="bg1"/>
-                  </a:solidFill>
-                  <a:latin typeface="여기어때 잘난체 OTF" panose="020B0600000101010101" pitchFamily="34" charset="-127"/>
-                  <a:ea typeface="여기어때 잘난체 OTF" panose="020B0600000101010101" pitchFamily="34" charset="-127"/>
-                </a:rPr>
-                <a:t>제안</a:t>
-              </a:r>
-              <a:r>
-                <a:rPr kumimoji="0" lang="en-US" altLang="ko-KR" sz="1500" dirty="0">
-                  <a:solidFill>
-                    <a:schemeClr val="bg1"/>
-                  </a:solidFill>
-                  <a:latin typeface="여기어때 잘난체 OTF" panose="020B0600000101010101" pitchFamily="34" charset="-127"/>
-                  <a:ea typeface="여기어때 잘난체 OTF" panose="020B0600000101010101" pitchFamily="34" charset="-127"/>
-                </a:rPr>
-                <a:t>/</a:t>
-              </a:r>
-              <a:r>
-                <a:rPr kumimoji="0" lang="ko-KR" altLang="en-US" sz="1500" dirty="0">
-                  <a:solidFill>
-                    <a:schemeClr val="bg1"/>
-                  </a:solidFill>
-                  <a:latin typeface="여기어때 잘난체 OTF" panose="020B0600000101010101" pitchFamily="34" charset="-127"/>
-                  <a:ea typeface="여기어때 잘난체 OTF" panose="020B0600000101010101" pitchFamily="34" charset="-127"/>
-                </a:rPr>
-                <a:t>내용</a:t>
-              </a:r>
-            </a:p>
-          </p:txBody>
-        </p:sp>
-        <p:sp>
-          <p:nvSpPr>
-            <p:cNvPr id="31" name="양쪽 모서리가 둥근 사각형 27">
-              <a:extLst>
-                <a:ext uri="{FF2B5EF4-FFF2-40B4-BE49-F238E27FC236}">
-                  <a16:creationId xmlns:a16="http://schemas.microsoft.com/office/drawing/2014/main" id="{6E4C51D2-BD74-4B31-B402-20B3733A91E0}"/>
-                </a:ext>
-              </a:extLst>
-            </p:cNvPr>
-            <p:cNvSpPr/>
-            <p:nvPr/>
-          </p:nvSpPr>
-          <p:spPr>
-            <a:xfrm rot="16200000" flipH="1">
-              <a:off x="11537041" y="1666816"/>
-              <a:ext cx="863696" cy="370108"/>
-            </a:xfrm>
-            <a:prstGeom prst="round2SameRect">
-              <a:avLst>
-                <a:gd name="adj1" fmla="val 50000"/>
-                <a:gd name="adj2" fmla="val 0"/>
-              </a:avLst>
-            </a:prstGeom>
-            <a:solidFill>
-              <a:schemeClr val="bg1">
-                <a:lumMod val="85000"/>
-              </a:schemeClr>
-            </a:solidFill>
-            <a:ln>
-              <a:solidFill>
-                <a:schemeClr val="bg1"/>
-              </a:solidFill>
-            </a:ln>
-          </p:spPr>
-          <p:style>
-            <a:lnRef idx="2">
-              <a:schemeClr val="accent1">
-                <a:shade val="50000"/>
-              </a:schemeClr>
-            </a:lnRef>
-            <a:fillRef idx="1">
-              <a:schemeClr val="accent1"/>
-            </a:fillRef>
-            <a:effectRef idx="0">
-              <a:schemeClr val="accent1"/>
-            </a:effectRef>
-            <a:fontRef idx="minor">
-              <a:schemeClr val="lt1"/>
-            </a:fontRef>
-          </p:style>
-          <p:txBody>
-            <a:bodyPr anchor="ctr"/>
-            <a:lstStyle/>
-            <a:p>
-              <a:pPr algn="ctr" eaLnBrk="1" fontAlgn="auto" latinLnBrk="1" hangingPunct="1">
-                <a:spcBef>
-                  <a:spcPts val="0"/>
-                </a:spcBef>
-                <a:spcAft>
-                  <a:spcPts val="0"/>
-                </a:spcAft>
-                <a:defRPr/>
-              </a:pPr>
-              <a:r>
-                <a:rPr kumimoji="0" lang="ko-KR" altLang="en-US" sz="1500" dirty="0" err="1">
-                  <a:solidFill>
-                    <a:schemeClr val="tx1">
-                      <a:lumMod val="85000"/>
-                      <a:lumOff val="15000"/>
-                    </a:schemeClr>
-                  </a:solidFill>
-                  <a:latin typeface="여기어때 잘난체 OTF" pitchFamily="34" charset="-127"/>
-                  <a:ea typeface="여기어때 잘난체 OTF" pitchFamily="34" charset="-127"/>
-                </a:rPr>
-                <a:t>구현화면</a:t>
-              </a:r>
-              <a:endParaRPr kumimoji="0" lang="ko-KR" altLang="en-US" sz="1500" dirty="0">
-                <a:solidFill>
-                  <a:schemeClr val="tx1">
-                    <a:lumMod val="85000"/>
-                    <a:lumOff val="15000"/>
-                  </a:schemeClr>
-                </a:solidFill>
-                <a:latin typeface="여기어때 잘난체 OTF" pitchFamily="34" charset="-127"/>
-                <a:ea typeface="여기어때 잘난체 OTF" pitchFamily="34" charset="-127"/>
-              </a:endParaRPr>
-            </a:p>
-          </p:txBody>
-        </p:sp>
-      </p:grpSp>
-    </p:spTree>
-  </p:cSld>
-  <p:clrMapOvr>
-    <a:masterClrMapping/>
-  </p:clrMapOvr>
-</p:sld>
-</file>
-
-<file path=ppt/slides/slide9.xml><?xml version="1.0" encoding="utf-8"?>
-<p:sld xmlns:a="http://schemas.openxmlformats.org/drawingml/2006/main" xmlns:r="http://schemas.openxmlformats.org/officeDocument/2006/relationships" xmlns:p="http://schemas.openxmlformats.org/presentationml/2006/main">
-  <p:cSld>
-    <p:spTree>
-      <p:nvGrpSpPr>
-        <p:cNvPr id="1" name=""/>
-        <p:cNvGrpSpPr/>
-        <p:nvPr/>
-      </p:nvGrpSpPr>
-      <p:grpSpPr>
-        <a:xfrm>
-          <a:off x="0" y="0"/>
-          <a:ext cx="0" cy="0"/>
-          <a:chOff x="0" y="0"/>
-          <a:chExt cx="0" cy="0"/>
-        </a:xfrm>
-      </p:grpSpPr>
-      <p:sp>
-        <p:nvSpPr>
-          <p:cNvPr id="13" name="직사각형 12"/>
-          <p:cNvSpPr/>
-          <p:nvPr/>
-        </p:nvSpPr>
-        <p:spPr>
-          <a:xfrm>
-            <a:off x="0" y="-4763"/>
-            <a:ext cx="12192000" cy="620713"/>
-          </a:xfrm>
-          <a:prstGeom prst="rect">
-            <a:avLst/>
-          </a:prstGeom>
-          <a:gradFill>
-            <a:gsLst>
-              <a:gs pos="0">
-                <a:schemeClr val="tx1">
-                  <a:lumMod val="65000"/>
-                  <a:lumOff val="35000"/>
-                </a:schemeClr>
-              </a:gs>
-              <a:gs pos="100000">
-                <a:schemeClr val="bg1">
-                  <a:lumMod val="95000"/>
-                </a:schemeClr>
-              </a:gs>
-              <a:gs pos="40000">
-                <a:schemeClr val="bg1">
-                  <a:lumMod val="75000"/>
-                </a:schemeClr>
-              </a:gs>
-            </a:gsLst>
-            <a:lin ang="0" scaled="1"/>
-          </a:gradFill>
-          <a:ln>
-            <a:noFill/>
-          </a:ln>
-        </p:spPr>
-        <p:style>
-          <a:lnRef idx="2">
-            <a:schemeClr val="accent1">
-              <a:shade val="50000"/>
-            </a:schemeClr>
-          </a:lnRef>
-          <a:fillRef idx="1">
-            <a:schemeClr val="accent1"/>
-          </a:fillRef>
-          <a:effectRef idx="0">
-            <a:schemeClr val="accent1"/>
-          </a:effectRef>
-          <a:fontRef idx="minor">
-            <a:schemeClr val="lt1"/>
-          </a:fontRef>
-        </p:style>
-        <p:txBody>
-          <a:bodyPr anchor="ctr"/>
-          <a:lstStyle/>
-          <a:p>
-            <a:pPr algn="ctr" eaLnBrk="1" fontAlgn="auto" latinLnBrk="1" hangingPunct="1">
-              <a:spcBef>
-                <a:spcPts val="0"/>
-              </a:spcBef>
-              <a:spcAft>
-                <a:spcPts val="0"/>
-              </a:spcAft>
-              <a:defRPr/>
-            </a:pPr>
-            <a:endParaRPr kumimoji="0" lang="ko-KR" altLang="en-US" dirty="0"/>
-          </a:p>
-        </p:txBody>
-      </p:sp>
-      <p:sp>
-        <p:nvSpPr>
-          <p:cNvPr id="16" name="TextBox 15"/>
-          <p:cNvSpPr txBox="1"/>
-          <p:nvPr/>
-        </p:nvSpPr>
-        <p:spPr bwMode="auto">
-          <a:xfrm>
-            <a:off x="488950" y="765175"/>
-            <a:ext cx="2814638" cy="646113"/>
-          </a:xfrm>
-          <a:prstGeom prst="rect">
-            <a:avLst/>
-          </a:prstGeom>
-          <a:noFill/>
-        </p:spPr>
-        <p:txBody>
-          <a:bodyPr wrap="none">
-            <a:spAutoFit/>
-          </a:bodyPr>
-          <a:lstStyle/>
-          <a:p>
-            <a:pPr eaLnBrk="1" fontAlgn="auto" latinLnBrk="1" hangingPunct="1">
-              <a:spcBef>
-                <a:spcPts val="0"/>
-              </a:spcBef>
-              <a:spcAft>
-                <a:spcPts val="0"/>
-              </a:spcAft>
-              <a:defRPr/>
-            </a:pPr>
-            <a:r>
-              <a:rPr kumimoji="0" lang="ko-KR" altLang="en-US" sz="3600" spc="-300" dirty="0">
-                <a:solidFill>
-                  <a:schemeClr val="tx1">
-                    <a:lumMod val="75000"/>
-                    <a:lumOff val="25000"/>
-                  </a:schemeClr>
-                </a:solidFill>
-                <a:latin typeface="여기어때 잘난체 OTF" pitchFamily="34" charset="-127"/>
-                <a:ea typeface="여기어때 잘난체 OTF" pitchFamily="34" charset="-127"/>
-              </a:rPr>
-              <a:t>프로젝트 내용</a:t>
-            </a:r>
-          </a:p>
-        </p:txBody>
-      </p:sp>
-      <p:sp>
-        <p:nvSpPr>
           <p:cNvPr id="25604" name="Text Placeholder 2"/>
           <p:cNvSpPr txBox="1">
             <a:spLocks/>
@@ -39892,6 +36932,1289 @@
     <p:extLst>
       <p:ext uri="{BB962C8B-B14F-4D97-AF65-F5344CB8AC3E}">
         <p14:creationId xmlns:p14="http://schemas.microsoft.com/office/powerpoint/2010/main" val="3058418728"/>
+      </p:ext>
+    </p:extLst>
+  </p:cSld>
+  <p:clrMapOvr>
+    <a:masterClrMapping/>
+  </p:clrMapOvr>
+</p:sld>
+</file>
+
+<file path=ppt/slides/slide9.xml><?xml version="1.0" encoding="utf-8"?>
+<p:sld xmlns:a="http://schemas.openxmlformats.org/drawingml/2006/main" xmlns:r="http://schemas.openxmlformats.org/officeDocument/2006/relationships" xmlns:p="http://schemas.openxmlformats.org/presentationml/2006/main">
+  <p:cSld>
+    <p:spTree>
+      <p:nvGrpSpPr>
+        <p:cNvPr id="1" name=""/>
+        <p:cNvGrpSpPr/>
+        <p:nvPr/>
+      </p:nvGrpSpPr>
+      <p:grpSpPr>
+        <a:xfrm>
+          <a:off x="0" y="0"/>
+          <a:ext cx="0" cy="0"/>
+          <a:chOff x="0" y="0"/>
+          <a:chExt cx="0" cy="0"/>
+        </a:xfrm>
+      </p:grpSpPr>
+      <p:sp>
+        <p:nvSpPr>
+          <p:cNvPr id="13" name="직사각형 12"/>
+          <p:cNvSpPr/>
+          <p:nvPr/>
+        </p:nvSpPr>
+        <p:spPr>
+          <a:xfrm>
+            <a:off x="0" y="-4763"/>
+            <a:ext cx="12192000" cy="620713"/>
+          </a:xfrm>
+          <a:prstGeom prst="rect">
+            <a:avLst/>
+          </a:prstGeom>
+          <a:gradFill>
+            <a:gsLst>
+              <a:gs pos="0">
+                <a:schemeClr val="tx1">
+                  <a:lumMod val="65000"/>
+                  <a:lumOff val="35000"/>
+                </a:schemeClr>
+              </a:gs>
+              <a:gs pos="100000">
+                <a:schemeClr val="bg1">
+                  <a:lumMod val="95000"/>
+                </a:schemeClr>
+              </a:gs>
+              <a:gs pos="40000">
+                <a:schemeClr val="bg1">
+                  <a:lumMod val="75000"/>
+                </a:schemeClr>
+              </a:gs>
+            </a:gsLst>
+            <a:lin ang="0" scaled="1"/>
+          </a:gradFill>
+          <a:ln>
+            <a:noFill/>
+          </a:ln>
+        </p:spPr>
+        <p:style>
+          <a:lnRef idx="2">
+            <a:schemeClr val="accent1">
+              <a:shade val="50000"/>
+            </a:schemeClr>
+          </a:lnRef>
+          <a:fillRef idx="1">
+            <a:schemeClr val="accent1"/>
+          </a:fillRef>
+          <a:effectRef idx="0">
+            <a:schemeClr val="accent1"/>
+          </a:effectRef>
+          <a:fontRef idx="minor">
+            <a:schemeClr val="lt1"/>
+          </a:fontRef>
+        </p:style>
+        <p:txBody>
+          <a:bodyPr anchor="ctr"/>
+          <a:lstStyle/>
+          <a:p>
+            <a:pPr algn="ctr" eaLnBrk="1" fontAlgn="auto" latinLnBrk="1" hangingPunct="1">
+              <a:spcBef>
+                <a:spcPts val="0"/>
+              </a:spcBef>
+              <a:spcAft>
+                <a:spcPts val="0"/>
+              </a:spcAft>
+              <a:defRPr/>
+            </a:pPr>
+            <a:endParaRPr kumimoji="0" lang="ko-KR" altLang="en-US" dirty="0"/>
+          </a:p>
+        </p:txBody>
+      </p:sp>
+      <p:sp>
+        <p:nvSpPr>
+          <p:cNvPr id="16" name="TextBox 15"/>
+          <p:cNvSpPr txBox="1"/>
+          <p:nvPr/>
+        </p:nvSpPr>
+        <p:spPr bwMode="auto">
+          <a:xfrm>
+            <a:off x="488950" y="765175"/>
+            <a:ext cx="2814638" cy="646113"/>
+          </a:xfrm>
+          <a:prstGeom prst="rect">
+            <a:avLst/>
+          </a:prstGeom>
+          <a:noFill/>
+        </p:spPr>
+        <p:txBody>
+          <a:bodyPr wrap="none">
+            <a:spAutoFit/>
+          </a:bodyPr>
+          <a:lstStyle/>
+          <a:p>
+            <a:pPr eaLnBrk="1" fontAlgn="auto" latinLnBrk="1" hangingPunct="1">
+              <a:spcBef>
+                <a:spcPts val="0"/>
+              </a:spcBef>
+              <a:spcAft>
+                <a:spcPts val="0"/>
+              </a:spcAft>
+              <a:defRPr/>
+            </a:pPr>
+            <a:r>
+              <a:rPr kumimoji="0" lang="ko-KR" altLang="en-US" sz="3600" spc="-300" dirty="0">
+                <a:solidFill>
+                  <a:schemeClr val="tx1">
+                    <a:lumMod val="75000"/>
+                    <a:lumOff val="25000"/>
+                  </a:schemeClr>
+                </a:solidFill>
+                <a:latin typeface="여기어때 잘난체 OTF" pitchFamily="34" charset="-127"/>
+                <a:ea typeface="여기어때 잘난체 OTF" pitchFamily="34" charset="-127"/>
+              </a:rPr>
+              <a:t>프로젝트 내용</a:t>
+            </a:r>
+          </a:p>
+        </p:txBody>
+      </p:sp>
+      <p:sp>
+        <p:nvSpPr>
+          <p:cNvPr id="25604" name="Text Placeholder 2"/>
+          <p:cNvSpPr txBox="1">
+            <a:spLocks/>
+          </p:cNvSpPr>
+          <p:nvPr/>
+        </p:nvSpPr>
+        <p:spPr bwMode="auto">
+          <a:xfrm>
+            <a:off x="509588" y="1651000"/>
+            <a:ext cx="7739062" cy="304800"/>
+          </a:xfrm>
+          <a:prstGeom prst="rect">
+            <a:avLst/>
+          </a:prstGeom>
+          <a:noFill/>
+          <a:ln>
+            <a:noFill/>
+          </a:ln>
+          <a:extLst>
+            <a:ext uri="{909E8E84-426E-40DD-AFC4-6F175D3DCCD1}">
+              <a14:hiddenFill xmlns:a14="http://schemas.microsoft.com/office/drawing/2010/main">
+                <a:solidFill>
+                  <a:srgbClr val="FFFFFF"/>
+                </a:solidFill>
+              </a14:hiddenFill>
+            </a:ext>
+            <a:ext uri="{91240B29-F687-4F45-9708-019B960494DF}">
+              <a14:hiddenLine xmlns:a14="http://schemas.microsoft.com/office/drawing/2010/main" w="9525">
+                <a:solidFill>
+                  <a:srgbClr val="000000"/>
+                </a:solidFill>
+                <a:miter lim="800000"/>
+                <a:headEnd/>
+                <a:tailEnd/>
+              </a14:hiddenLine>
+            </a:ext>
+          </a:extLst>
+        </p:spPr>
+        <p:txBody>
+          <a:bodyPr anchor="ctr"/>
+          <a:lstStyle>
+            <a:lvl1pPr latinLnBrk="1">
+              <a:spcBef>
+                <a:spcPct val="20000"/>
+              </a:spcBef>
+              <a:buFont typeface="Arial" panose="020B0604020202020204" pitchFamily="34" charset="0"/>
+              <a:buChar char="•"/>
+              <a:defRPr sz="3200">
+                <a:solidFill>
+                  <a:schemeClr val="tx1"/>
+                </a:solidFill>
+                <a:latin typeface="맑은 고딕" panose="020B0503020000020004" pitchFamily="50" charset="-127"/>
+                <a:ea typeface="맑은 고딕" panose="020B0503020000020004" pitchFamily="50" charset="-127"/>
+              </a:defRPr>
+            </a:lvl1pPr>
+            <a:lvl2pPr marL="742950" indent="-285750" latinLnBrk="1">
+              <a:spcBef>
+                <a:spcPct val="20000"/>
+              </a:spcBef>
+              <a:buFont typeface="Arial" panose="020B0604020202020204" pitchFamily="34" charset="0"/>
+              <a:buChar char="–"/>
+              <a:defRPr sz="2800">
+                <a:solidFill>
+                  <a:schemeClr val="tx1"/>
+                </a:solidFill>
+                <a:latin typeface="맑은 고딕" panose="020B0503020000020004" pitchFamily="50" charset="-127"/>
+                <a:ea typeface="맑은 고딕" panose="020B0503020000020004" pitchFamily="50" charset="-127"/>
+              </a:defRPr>
+            </a:lvl2pPr>
+            <a:lvl3pPr marL="1143000" indent="-228600" latinLnBrk="1">
+              <a:spcBef>
+                <a:spcPct val="20000"/>
+              </a:spcBef>
+              <a:buFont typeface="Arial" panose="020B0604020202020204" pitchFamily="34" charset="0"/>
+              <a:buChar char="•"/>
+              <a:defRPr sz="2400">
+                <a:solidFill>
+                  <a:schemeClr val="tx1"/>
+                </a:solidFill>
+                <a:latin typeface="맑은 고딕" panose="020B0503020000020004" pitchFamily="50" charset="-127"/>
+                <a:ea typeface="맑은 고딕" panose="020B0503020000020004" pitchFamily="50" charset="-127"/>
+              </a:defRPr>
+            </a:lvl3pPr>
+            <a:lvl4pPr marL="1600200" indent="-228600" latinLnBrk="1">
+              <a:spcBef>
+                <a:spcPct val="20000"/>
+              </a:spcBef>
+              <a:buFont typeface="Arial" panose="020B0604020202020204" pitchFamily="34" charset="0"/>
+              <a:buChar char="–"/>
+              <a:defRPr sz="2000">
+                <a:solidFill>
+                  <a:schemeClr val="tx1"/>
+                </a:solidFill>
+                <a:latin typeface="맑은 고딕" panose="020B0503020000020004" pitchFamily="50" charset="-127"/>
+                <a:ea typeface="맑은 고딕" panose="020B0503020000020004" pitchFamily="50" charset="-127"/>
+              </a:defRPr>
+            </a:lvl4pPr>
+            <a:lvl5pPr marL="2057400" indent="-228600" latinLnBrk="1">
+              <a:spcBef>
+                <a:spcPct val="20000"/>
+              </a:spcBef>
+              <a:buFont typeface="Arial" panose="020B0604020202020204" pitchFamily="34" charset="0"/>
+              <a:buChar char="»"/>
+              <a:defRPr sz="2000">
+                <a:solidFill>
+                  <a:schemeClr val="tx1"/>
+                </a:solidFill>
+                <a:latin typeface="맑은 고딕" panose="020B0503020000020004" pitchFamily="50" charset="-127"/>
+                <a:ea typeface="맑은 고딕" panose="020B0503020000020004" pitchFamily="50" charset="-127"/>
+              </a:defRPr>
+            </a:lvl5pPr>
+            <a:lvl6pPr marL="2514600" indent="-228600" eaLnBrk="0" fontAlgn="base" hangingPunct="0">
+              <a:spcBef>
+                <a:spcPct val="20000"/>
+              </a:spcBef>
+              <a:spcAft>
+                <a:spcPct val="0"/>
+              </a:spcAft>
+              <a:buFont typeface="Arial" panose="020B0604020202020204" pitchFamily="34" charset="0"/>
+              <a:buChar char="»"/>
+              <a:defRPr sz="2000">
+                <a:solidFill>
+                  <a:schemeClr val="tx1"/>
+                </a:solidFill>
+                <a:latin typeface="맑은 고딕" panose="020B0503020000020004" pitchFamily="50" charset="-127"/>
+                <a:ea typeface="맑은 고딕" panose="020B0503020000020004" pitchFamily="50" charset="-127"/>
+              </a:defRPr>
+            </a:lvl6pPr>
+            <a:lvl7pPr marL="2971800" indent="-228600" eaLnBrk="0" fontAlgn="base" hangingPunct="0">
+              <a:spcBef>
+                <a:spcPct val="20000"/>
+              </a:spcBef>
+              <a:spcAft>
+                <a:spcPct val="0"/>
+              </a:spcAft>
+              <a:buFont typeface="Arial" panose="020B0604020202020204" pitchFamily="34" charset="0"/>
+              <a:buChar char="»"/>
+              <a:defRPr sz="2000">
+                <a:solidFill>
+                  <a:schemeClr val="tx1"/>
+                </a:solidFill>
+                <a:latin typeface="맑은 고딕" panose="020B0503020000020004" pitchFamily="50" charset="-127"/>
+                <a:ea typeface="맑은 고딕" panose="020B0503020000020004" pitchFamily="50" charset="-127"/>
+              </a:defRPr>
+            </a:lvl7pPr>
+            <a:lvl8pPr marL="3429000" indent="-228600" eaLnBrk="0" fontAlgn="base" hangingPunct="0">
+              <a:spcBef>
+                <a:spcPct val="20000"/>
+              </a:spcBef>
+              <a:spcAft>
+                <a:spcPct val="0"/>
+              </a:spcAft>
+              <a:buFont typeface="Arial" panose="020B0604020202020204" pitchFamily="34" charset="0"/>
+              <a:buChar char="»"/>
+              <a:defRPr sz="2000">
+                <a:solidFill>
+                  <a:schemeClr val="tx1"/>
+                </a:solidFill>
+                <a:latin typeface="맑은 고딕" panose="020B0503020000020004" pitchFamily="50" charset="-127"/>
+                <a:ea typeface="맑은 고딕" panose="020B0503020000020004" pitchFamily="50" charset="-127"/>
+              </a:defRPr>
+            </a:lvl8pPr>
+            <a:lvl9pPr marL="3886200" indent="-228600" eaLnBrk="0" fontAlgn="base" hangingPunct="0">
+              <a:spcBef>
+                <a:spcPct val="20000"/>
+              </a:spcBef>
+              <a:spcAft>
+                <a:spcPct val="0"/>
+              </a:spcAft>
+              <a:buFont typeface="Arial" panose="020B0604020202020204" pitchFamily="34" charset="0"/>
+              <a:buChar char="»"/>
+              <a:defRPr sz="2000">
+                <a:solidFill>
+                  <a:schemeClr val="tx1"/>
+                </a:solidFill>
+                <a:latin typeface="맑은 고딕" panose="020B0503020000020004" pitchFamily="50" charset="-127"/>
+                <a:ea typeface="맑은 고딕" panose="020B0503020000020004" pitchFamily="50" charset="-127"/>
+              </a:defRPr>
+            </a:lvl9pPr>
+          </a:lstStyle>
+          <a:p>
+            <a:pPr eaLnBrk="1" hangingPunct="1">
+              <a:spcBef>
+                <a:spcPct val="0"/>
+              </a:spcBef>
+              <a:buFontTx/>
+              <a:buNone/>
+            </a:pPr>
+            <a:r>
+              <a:rPr kumimoji="0" lang="ko-KR" altLang="en-US" sz="2400">
+                <a:solidFill>
+                  <a:schemeClr val="tx2"/>
+                </a:solidFill>
+                <a:latin typeface="나눔스퀘어OTF Bold" panose="020B0600000101010101" pitchFamily="34" charset="-127"/>
+                <a:ea typeface="나눔스퀘어OTF Bold" panose="020B0600000101010101" pitchFamily="34" charset="-127"/>
+              </a:rPr>
+              <a:t>개발 </a:t>
+            </a:r>
+            <a:r>
+              <a:rPr kumimoji="0" lang="en-US" altLang="ko-KR" sz="2400">
+                <a:solidFill>
+                  <a:schemeClr val="tx2"/>
+                </a:solidFill>
+                <a:latin typeface="나눔스퀘어OTF Bold" panose="020B0600000101010101" pitchFamily="34" charset="-127"/>
+                <a:ea typeface="나눔스퀘어OTF Bold" panose="020B0600000101010101" pitchFamily="34" charset="-127"/>
+              </a:rPr>
+              <a:t>:3 Tier </a:t>
+            </a:r>
+            <a:r>
+              <a:rPr kumimoji="0" lang="ko-KR" altLang="en-US" sz="2400">
+                <a:solidFill>
+                  <a:schemeClr val="tx2"/>
+                </a:solidFill>
+                <a:latin typeface="나눔스퀘어OTF Bold" panose="020B0600000101010101" pitchFamily="34" charset="-127"/>
+                <a:ea typeface="나눔스퀘어OTF Bold" panose="020B0600000101010101" pitchFamily="34" charset="-127"/>
+              </a:rPr>
+              <a:t>구조</a:t>
+            </a:r>
+          </a:p>
+        </p:txBody>
+      </p:sp>
+      <p:sp>
+        <p:nvSpPr>
+          <p:cNvPr id="44" name="Text Box 44"/>
+          <p:cNvSpPr txBox="1">
+            <a:spLocks noChangeArrowheads="1"/>
+          </p:cNvSpPr>
+          <p:nvPr/>
+        </p:nvSpPr>
+        <p:spPr bwMode="auto">
+          <a:xfrm>
+            <a:off x="782638" y="2320925"/>
+            <a:ext cx="6608712" cy="3653049"/>
+          </a:xfrm>
+          <a:prstGeom prst="rect">
+            <a:avLst/>
+          </a:prstGeom>
+          <a:blipFill dpi="0" rotWithShape="1">
+            <a:blip r:embed="rId3" cstate="print">
+              <a:extLst>
+                <a:ext uri="{28A0092B-C50C-407E-A947-70E740481C1C}">
+                  <a14:useLocalDpi xmlns:a14="http://schemas.microsoft.com/office/drawing/2010/main" val="0"/>
+                </a:ext>
+              </a:extLst>
+            </a:blip>
+            <a:srcRect/>
+            <a:stretch>
+              <a:fillRect/>
+            </a:stretch>
+          </a:blipFill>
+          <a:ln w="12700" cap="flat" cmpd="sng" algn="ctr">
+            <a:gradFill>
+              <a:gsLst>
+                <a:gs pos="0">
+                  <a:sysClr val="window" lastClr="FFFFFF">
+                    <a:lumMod val="85000"/>
+                  </a:sysClr>
+                </a:gs>
+                <a:gs pos="50000">
+                  <a:sysClr val="window" lastClr="FFFFFF"/>
+                </a:gs>
+                <a:gs pos="100000">
+                  <a:sysClr val="window" lastClr="FFFFFF">
+                    <a:lumMod val="85000"/>
+                  </a:sysClr>
+                </a:gs>
+              </a:gsLst>
+              <a:lin ang="5400000" scaled="0"/>
+            </a:gradFill>
+            <a:prstDash val="solid"/>
+            <a:miter lim="800000"/>
+            <a:headEnd/>
+            <a:tailEnd/>
+          </a:ln>
+          <a:effectLst>
+            <a:outerShdw blurRad="50800" dist="38100" dir="2700000" algn="tl" rotWithShape="0">
+              <a:prstClr val="black">
+                <a:alpha val="40000"/>
+              </a:prstClr>
+            </a:outerShdw>
+          </a:effectLst>
+        </p:spPr>
+        <p:txBody>
+          <a:bodyPr lIns="70650" tIns="70650" rIns="70650" bIns="44853"/>
+          <a:lstStyle/>
+          <a:p>
+            <a:pPr marL="84095" indent="-84095" defTabSz="897033" eaLnBrk="1" fontAlgn="auto" latinLnBrk="1" hangingPunct="1">
+              <a:spcBef>
+                <a:spcPts val="0"/>
+              </a:spcBef>
+              <a:spcAft>
+                <a:spcPts val="294"/>
+              </a:spcAft>
+              <a:buClr>
+                <a:srgbClr val="A1A1A1"/>
+              </a:buClr>
+              <a:buSzPct val="100000"/>
+              <a:buFont typeface="Arial" pitchFamily="34" charset="0"/>
+              <a:buChar char="•"/>
+              <a:defRPr/>
+            </a:pPr>
+            <a:endParaRPr kumimoji="0" lang="ko-KR" altLang="en-US" sz="883" kern="0" dirty="0">
+              <a:solidFill>
+                <a:srgbClr val="FF0000"/>
+              </a:solidFill>
+              <a:latin typeface="나눔고딕" panose="020D0304000000000000" pitchFamily="50" charset="-127"/>
+              <a:ea typeface="나눔스퀘어"/>
+              <a:sym typeface="Wingdings" pitchFamily="2" charset="2"/>
+            </a:endParaRPr>
+          </a:p>
+        </p:txBody>
+      </p:sp>
+      <p:sp>
+        <p:nvSpPr>
+          <p:cNvPr id="49" name="모서리가 둥근 직사각형 48"/>
+          <p:cNvSpPr/>
+          <p:nvPr/>
+        </p:nvSpPr>
+        <p:spPr bwMode="auto">
+          <a:xfrm>
+            <a:off x="2311400" y="6165850"/>
+            <a:ext cx="2268538" cy="319088"/>
+          </a:xfrm>
+          <a:prstGeom prst="roundRect">
+            <a:avLst>
+              <a:gd name="adj" fmla="val 50000"/>
+            </a:avLst>
+          </a:prstGeom>
+          <a:gradFill flip="none" rotWithShape="1">
+            <a:gsLst>
+              <a:gs pos="100000">
+                <a:schemeClr val="bg1">
+                  <a:lumMod val="50000"/>
+                </a:schemeClr>
+              </a:gs>
+              <a:gs pos="50000">
+                <a:schemeClr val="tx1"/>
+              </a:gs>
+              <a:gs pos="0">
+                <a:schemeClr val="bg1">
+                  <a:lumMod val="65000"/>
+                </a:schemeClr>
+              </a:gs>
+            </a:gsLst>
+            <a:lin ang="0" scaled="1"/>
+            <a:tileRect/>
+          </a:gradFill>
+          <a:ln w="12700">
+            <a:noFill/>
+          </a:ln>
+        </p:spPr>
+        <p:style>
+          <a:lnRef idx="2">
+            <a:schemeClr val="accent1">
+              <a:shade val="50000"/>
+            </a:schemeClr>
+          </a:lnRef>
+          <a:fillRef idx="1">
+            <a:schemeClr val="accent1"/>
+          </a:fillRef>
+          <a:effectRef idx="0">
+            <a:schemeClr val="accent1"/>
+          </a:effectRef>
+          <a:fontRef idx="minor">
+            <a:schemeClr val="lt1"/>
+          </a:fontRef>
+        </p:style>
+        <p:txBody>
+          <a:bodyPr anchor="ctr"/>
+          <a:lstStyle/>
+          <a:p>
+            <a:pPr algn="ctr" eaLnBrk="1" fontAlgn="auto" latinLnBrk="1" hangingPunct="1">
+              <a:spcBef>
+                <a:spcPts val="0"/>
+              </a:spcBef>
+              <a:spcAft>
+                <a:spcPts val="0"/>
+              </a:spcAft>
+              <a:defRPr/>
+            </a:pPr>
+            <a:r>
+              <a:rPr kumimoji="0" lang="en-US" altLang="ko-KR" sz="1600">
+                <a:solidFill>
+                  <a:schemeClr val="bg1"/>
+                </a:solidFill>
+                <a:latin typeface="나눔스퀘어OTF ExtraBold" pitchFamily="34" charset="-127"/>
+                <a:ea typeface="나눔스퀘어OTF ExtraBold" pitchFamily="34" charset="-127"/>
+              </a:rPr>
+              <a:t>3 Tier </a:t>
+            </a:r>
+            <a:r>
+              <a:rPr kumimoji="0" lang="ko-KR" altLang="en-US" sz="1600">
+                <a:solidFill>
+                  <a:schemeClr val="bg1"/>
+                </a:solidFill>
+                <a:latin typeface="나눔스퀘어OTF ExtraBold" pitchFamily="34" charset="-127"/>
+                <a:ea typeface="나눔스퀘어OTF ExtraBold" pitchFamily="34" charset="-127"/>
+              </a:rPr>
+              <a:t>구조</a:t>
+            </a:r>
+            <a:endParaRPr kumimoji="0" lang="ko-KR" altLang="en-US" sz="1600" dirty="0">
+              <a:solidFill>
+                <a:schemeClr val="bg1"/>
+              </a:solidFill>
+              <a:latin typeface="나눔스퀘어OTF ExtraBold" pitchFamily="34" charset="-127"/>
+              <a:ea typeface="나눔스퀘어OTF ExtraBold" pitchFamily="34" charset="-127"/>
+            </a:endParaRPr>
+          </a:p>
+        </p:txBody>
+      </p:sp>
+      <p:sp>
+        <p:nvSpPr>
+          <p:cNvPr id="25612" name="직사각형 10"/>
+          <p:cNvSpPr>
+            <a:spLocks noChangeArrowheads="1"/>
+          </p:cNvSpPr>
+          <p:nvPr/>
+        </p:nvSpPr>
+        <p:spPr bwMode="auto">
+          <a:xfrm>
+            <a:off x="7895406" y="2477417"/>
+            <a:ext cx="3960044" cy="400110"/>
+          </a:xfrm>
+          <a:prstGeom prst="rect">
+            <a:avLst/>
+          </a:prstGeom>
+          <a:noFill/>
+          <a:ln>
+            <a:noFill/>
+          </a:ln>
+          <a:extLst>
+            <a:ext uri="{909E8E84-426E-40DD-AFC4-6F175D3DCCD1}">
+              <a14:hiddenFill xmlns:a14="http://schemas.microsoft.com/office/drawing/2010/main">
+                <a:solidFill>
+                  <a:srgbClr val="FFFFFF"/>
+                </a:solidFill>
+              </a14:hiddenFill>
+            </a:ext>
+            <a:ext uri="{91240B29-F687-4F45-9708-019B960494DF}">
+              <a14:hiddenLine xmlns:a14="http://schemas.microsoft.com/office/drawing/2010/main" w="9525">
+                <a:solidFill>
+                  <a:srgbClr val="000000"/>
+                </a:solidFill>
+                <a:miter lim="800000"/>
+                <a:headEnd/>
+                <a:tailEnd/>
+              </a14:hiddenLine>
+            </a:ext>
+          </a:extLst>
+        </p:spPr>
+        <p:txBody>
+          <a:bodyPr wrap="square">
+            <a:spAutoFit/>
+          </a:bodyPr>
+          <a:lstStyle>
+            <a:lvl1pPr marL="285750" indent="-285750" latinLnBrk="1">
+              <a:spcBef>
+                <a:spcPct val="20000"/>
+              </a:spcBef>
+              <a:buFont typeface="Arial" panose="020B0604020202020204" pitchFamily="34" charset="0"/>
+              <a:buChar char="•"/>
+              <a:defRPr sz="3200">
+                <a:solidFill>
+                  <a:schemeClr val="tx1"/>
+                </a:solidFill>
+                <a:latin typeface="맑은 고딕" panose="020B0503020000020004" pitchFamily="50" charset="-127"/>
+                <a:ea typeface="맑은 고딕" panose="020B0503020000020004" pitchFamily="50" charset="-127"/>
+              </a:defRPr>
+            </a:lvl1pPr>
+            <a:lvl2pPr marL="742950" indent="-285750" latinLnBrk="1">
+              <a:spcBef>
+                <a:spcPct val="20000"/>
+              </a:spcBef>
+              <a:buFont typeface="Arial" panose="020B0604020202020204" pitchFamily="34" charset="0"/>
+              <a:buChar char="–"/>
+              <a:defRPr sz="2800">
+                <a:solidFill>
+                  <a:schemeClr val="tx1"/>
+                </a:solidFill>
+                <a:latin typeface="맑은 고딕" panose="020B0503020000020004" pitchFamily="50" charset="-127"/>
+                <a:ea typeface="맑은 고딕" panose="020B0503020000020004" pitchFamily="50" charset="-127"/>
+              </a:defRPr>
+            </a:lvl2pPr>
+            <a:lvl3pPr marL="1143000" indent="-228600" latinLnBrk="1">
+              <a:spcBef>
+                <a:spcPct val="20000"/>
+              </a:spcBef>
+              <a:buFont typeface="Arial" panose="020B0604020202020204" pitchFamily="34" charset="0"/>
+              <a:buChar char="•"/>
+              <a:defRPr sz="2400">
+                <a:solidFill>
+                  <a:schemeClr val="tx1"/>
+                </a:solidFill>
+                <a:latin typeface="맑은 고딕" panose="020B0503020000020004" pitchFamily="50" charset="-127"/>
+                <a:ea typeface="맑은 고딕" panose="020B0503020000020004" pitchFamily="50" charset="-127"/>
+              </a:defRPr>
+            </a:lvl3pPr>
+            <a:lvl4pPr marL="1600200" indent="-228600" latinLnBrk="1">
+              <a:spcBef>
+                <a:spcPct val="20000"/>
+              </a:spcBef>
+              <a:buFont typeface="Arial" panose="020B0604020202020204" pitchFamily="34" charset="0"/>
+              <a:buChar char="–"/>
+              <a:defRPr sz="2000">
+                <a:solidFill>
+                  <a:schemeClr val="tx1"/>
+                </a:solidFill>
+                <a:latin typeface="맑은 고딕" panose="020B0503020000020004" pitchFamily="50" charset="-127"/>
+                <a:ea typeface="맑은 고딕" panose="020B0503020000020004" pitchFamily="50" charset="-127"/>
+              </a:defRPr>
+            </a:lvl4pPr>
+            <a:lvl5pPr marL="2057400" indent="-228600" latinLnBrk="1">
+              <a:spcBef>
+                <a:spcPct val="20000"/>
+              </a:spcBef>
+              <a:buFont typeface="Arial" panose="020B0604020202020204" pitchFamily="34" charset="0"/>
+              <a:buChar char="»"/>
+              <a:defRPr sz="2000">
+                <a:solidFill>
+                  <a:schemeClr val="tx1"/>
+                </a:solidFill>
+                <a:latin typeface="맑은 고딕" panose="020B0503020000020004" pitchFamily="50" charset="-127"/>
+                <a:ea typeface="맑은 고딕" panose="020B0503020000020004" pitchFamily="50" charset="-127"/>
+              </a:defRPr>
+            </a:lvl5pPr>
+            <a:lvl6pPr marL="2514600" indent="-228600" eaLnBrk="0" fontAlgn="base" hangingPunct="0">
+              <a:spcBef>
+                <a:spcPct val="20000"/>
+              </a:spcBef>
+              <a:spcAft>
+                <a:spcPct val="0"/>
+              </a:spcAft>
+              <a:buFont typeface="Arial" panose="020B0604020202020204" pitchFamily="34" charset="0"/>
+              <a:buChar char="»"/>
+              <a:defRPr sz="2000">
+                <a:solidFill>
+                  <a:schemeClr val="tx1"/>
+                </a:solidFill>
+                <a:latin typeface="맑은 고딕" panose="020B0503020000020004" pitchFamily="50" charset="-127"/>
+                <a:ea typeface="맑은 고딕" panose="020B0503020000020004" pitchFamily="50" charset="-127"/>
+              </a:defRPr>
+            </a:lvl6pPr>
+            <a:lvl7pPr marL="2971800" indent="-228600" eaLnBrk="0" fontAlgn="base" hangingPunct="0">
+              <a:spcBef>
+                <a:spcPct val="20000"/>
+              </a:spcBef>
+              <a:spcAft>
+                <a:spcPct val="0"/>
+              </a:spcAft>
+              <a:buFont typeface="Arial" panose="020B0604020202020204" pitchFamily="34" charset="0"/>
+              <a:buChar char="»"/>
+              <a:defRPr sz="2000">
+                <a:solidFill>
+                  <a:schemeClr val="tx1"/>
+                </a:solidFill>
+                <a:latin typeface="맑은 고딕" panose="020B0503020000020004" pitchFamily="50" charset="-127"/>
+                <a:ea typeface="맑은 고딕" panose="020B0503020000020004" pitchFamily="50" charset="-127"/>
+              </a:defRPr>
+            </a:lvl7pPr>
+            <a:lvl8pPr marL="3429000" indent="-228600" eaLnBrk="0" fontAlgn="base" hangingPunct="0">
+              <a:spcBef>
+                <a:spcPct val="20000"/>
+              </a:spcBef>
+              <a:spcAft>
+                <a:spcPct val="0"/>
+              </a:spcAft>
+              <a:buFont typeface="Arial" panose="020B0604020202020204" pitchFamily="34" charset="0"/>
+              <a:buChar char="»"/>
+              <a:defRPr sz="2000">
+                <a:solidFill>
+                  <a:schemeClr val="tx1"/>
+                </a:solidFill>
+                <a:latin typeface="맑은 고딕" panose="020B0503020000020004" pitchFamily="50" charset="-127"/>
+                <a:ea typeface="맑은 고딕" panose="020B0503020000020004" pitchFamily="50" charset="-127"/>
+              </a:defRPr>
+            </a:lvl8pPr>
+            <a:lvl9pPr marL="3886200" indent="-228600" eaLnBrk="0" fontAlgn="base" hangingPunct="0">
+              <a:spcBef>
+                <a:spcPct val="20000"/>
+              </a:spcBef>
+              <a:spcAft>
+                <a:spcPct val="0"/>
+              </a:spcAft>
+              <a:buFont typeface="Arial" panose="020B0604020202020204" pitchFamily="34" charset="0"/>
+              <a:buChar char="»"/>
+              <a:defRPr sz="2000">
+                <a:solidFill>
+                  <a:schemeClr val="tx1"/>
+                </a:solidFill>
+                <a:latin typeface="맑은 고딕" panose="020B0503020000020004" pitchFamily="50" charset="-127"/>
+                <a:ea typeface="맑은 고딕" panose="020B0503020000020004" pitchFamily="50" charset="-127"/>
+              </a:defRPr>
+            </a:lvl9pPr>
+          </a:lstStyle>
+          <a:p>
+            <a:pPr algn="just" eaLnBrk="1" hangingPunct="1">
+              <a:spcBef>
+                <a:spcPct val="0"/>
+              </a:spcBef>
+              <a:buFontTx/>
+              <a:buChar char="-"/>
+            </a:pPr>
+            <a:endParaRPr kumimoji="0" lang="ko-KR" altLang="en-US" sz="2000" b="1">
+              <a:latin typeface="나눔스퀘어OTF" panose="020B0600000101010101" pitchFamily="34" charset="-127"/>
+              <a:ea typeface="나눔스퀘어OTF" panose="020B0600000101010101" pitchFamily="34" charset="-127"/>
+            </a:endParaRPr>
+          </a:p>
+        </p:txBody>
+      </p:sp>
+      <p:grpSp>
+        <p:nvGrpSpPr>
+          <p:cNvPr id="18" name="그룹 13">
+            <a:extLst>
+              <a:ext uri="{FF2B5EF4-FFF2-40B4-BE49-F238E27FC236}">
+                <a16:creationId xmlns:a16="http://schemas.microsoft.com/office/drawing/2014/main" id="{CEDC1F82-6178-43A9-950D-20D683336E91}"/>
+              </a:ext>
+            </a:extLst>
+          </p:cNvPr>
+          <p:cNvGrpSpPr>
+            <a:grpSpLocks/>
+          </p:cNvGrpSpPr>
+          <p:nvPr/>
+        </p:nvGrpSpPr>
+        <p:grpSpPr bwMode="auto">
+          <a:xfrm rot="5400000">
+            <a:off x="8534474" y="-2980530"/>
+            <a:ext cx="369889" cy="6832600"/>
+            <a:chOff x="11783835" y="1420022"/>
+            <a:chExt cx="370109" cy="4457250"/>
+          </a:xfrm>
+        </p:grpSpPr>
+        <p:sp>
+          <p:nvSpPr>
+            <p:cNvPr id="19" name="양쪽 모서리가 둥근 사각형 21">
+              <a:extLst>
+                <a:ext uri="{FF2B5EF4-FFF2-40B4-BE49-F238E27FC236}">
+                  <a16:creationId xmlns:a16="http://schemas.microsoft.com/office/drawing/2014/main" id="{D9131C69-C67C-4FEF-9D59-6E0557EA5CC7}"/>
+                </a:ext>
+              </a:extLst>
+            </p:cNvPr>
+            <p:cNvSpPr/>
+            <p:nvPr/>
+          </p:nvSpPr>
+          <p:spPr>
+            <a:xfrm rot="16200000" flipH="1">
+              <a:off x="11537041" y="5260370"/>
+              <a:ext cx="863696" cy="370108"/>
+            </a:xfrm>
+            <a:prstGeom prst="round2SameRect">
+              <a:avLst>
+                <a:gd name="adj1" fmla="val 50000"/>
+                <a:gd name="adj2" fmla="val 0"/>
+              </a:avLst>
+            </a:prstGeom>
+            <a:solidFill>
+              <a:schemeClr val="bg1">
+                <a:lumMod val="85000"/>
+              </a:schemeClr>
+            </a:solidFill>
+            <a:ln>
+              <a:solidFill>
+                <a:schemeClr val="bg1"/>
+              </a:solidFill>
+            </a:ln>
+          </p:spPr>
+          <p:style>
+            <a:lnRef idx="2">
+              <a:schemeClr val="accent1">
+                <a:shade val="50000"/>
+              </a:schemeClr>
+            </a:lnRef>
+            <a:fillRef idx="1">
+              <a:schemeClr val="accent1"/>
+            </a:fillRef>
+            <a:effectRef idx="0">
+              <a:schemeClr val="accent1"/>
+            </a:effectRef>
+            <a:fontRef idx="minor">
+              <a:schemeClr val="lt1"/>
+            </a:fontRef>
+          </p:style>
+          <p:txBody>
+            <a:bodyPr anchor="ctr"/>
+            <a:lstStyle/>
+            <a:p>
+              <a:pPr algn="ctr" eaLnBrk="1" fontAlgn="auto" latinLnBrk="1" hangingPunct="1">
+                <a:spcBef>
+                  <a:spcPts val="0"/>
+                </a:spcBef>
+                <a:spcAft>
+                  <a:spcPts val="0"/>
+                </a:spcAft>
+                <a:defRPr/>
+              </a:pPr>
+              <a:r>
+                <a:rPr kumimoji="0" lang="ko-KR" altLang="en-US" sz="1500" dirty="0">
+                  <a:solidFill>
+                    <a:schemeClr val="tx1"/>
+                  </a:solidFill>
+                  <a:latin typeface="여기어때 잘난체 OTF" pitchFamily="34" charset="-127"/>
+                  <a:ea typeface="여기어때 잘난체 OTF" pitchFamily="34" charset="-127"/>
+                </a:rPr>
+                <a:t>개요</a:t>
+              </a:r>
+            </a:p>
+          </p:txBody>
+        </p:sp>
+        <p:sp>
+          <p:nvSpPr>
+            <p:cNvPr id="20" name="양쪽 모서리가 둥근 사각형 23">
+              <a:extLst>
+                <a:ext uri="{FF2B5EF4-FFF2-40B4-BE49-F238E27FC236}">
+                  <a16:creationId xmlns:a16="http://schemas.microsoft.com/office/drawing/2014/main" id="{63538C9F-CA25-4171-BFBF-D77CEE9CA346}"/>
+                </a:ext>
+              </a:extLst>
+            </p:cNvPr>
+            <p:cNvSpPr/>
+            <p:nvPr/>
+          </p:nvSpPr>
+          <p:spPr>
+            <a:xfrm rot="16200000" flipH="1">
+              <a:off x="11536006" y="4541659"/>
+              <a:ext cx="865767" cy="370108"/>
+            </a:xfrm>
+            <a:prstGeom prst="round2SameRect">
+              <a:avLst>
+                <a:gd name="adj1" fmla="val 50000"/>
+                <a:gd name="adj2" fmla="val 0"/>
+              </a:avLst>
+            </a:prstGeom>
+            <a:solidFill>
+              <a:schemeClr val="bg1">
+                <a:lumMod val="85000"/>
+              </a:schemeClr>
+            </a:solidFill>
+            <a:ln>
+              <a:solidFill>
+                <a:schemeClr val="bg1"/>
+              </a:solidFill>
+            </a:ln>
+          </p:spPr>
+          <p:style>
+            <a:lnRef idx="2">
+              <a:schemeClr val="accent1">
+                <a:shade val="50000"/>
+              </a:schemeClr>
+            </a:lnRef>
+            <a:fillRef idx="1">
+              <a:schemeClr val="accent1"/>
+            </a:fillRef>
+            <a:effectRef idx="0">
+              <a:schemeClr val="accent1"/>
+            </a:effectRef>
+            <a:fontRef idx="minor">
+              <a:schemeClr val="lt1"/>
+            </a:fontRef>
+          </p:style>
+          <p:txBody>
+            <a:bodyPr anchor="ctr"/>
+            <a:lstStyle/>
+            <a:p>
+              <a:pPr algn="ctr" eaLnBrk="1" fontAlgn="auto" latinLnBrk="1" hangingPunct="1">
+                <a:spcBef>
+                  <a:spcPts val="0"/>
+                </a:spcBef>
+                <a:spcAft>
+                  <a:spcPts val="0"/>
+                </a:spcAft>
+                <a:defRPr/>
+              </a:pPr>
+              <a:r>
+                <a:rPr kumimoji="0" lang="ko-KR" altLang="en-US" sz="1500" dirty="0">
+                  <a:solidFill>
+                    <a:schemeClr val="tx1"/>
+                  </a:solidFill>
+                  <a:latin typeface="여기어때 잘난체 OTF" pitchFamily="34" charset="-127"/>
+                  <a:ea typeface="여기어때 잘난체 OTF" pitchFamily="34" charset="-127"/>
+                </a:rPr>
+                <a:t>참여인원</a:t>
+              </a:r>
+            </a:p>
+          </p:txBody>
+        </p:sp>
+        <p:sp>
+          <p:nvSpPr>
+            <p:cNvPr id="21" name="양쪽 모서리가 둥근 사각형 24">
+              <a:extLst>
+                <a:ext uri="{FF2B5EF4-FFF2-40B4-BE49-F238E27FC236}">
+                  <a16:creationId xmlns:a16="http://schemas.microsoft.com/office/drawing/2014/main" id="{B5ED6ED9-7B41-4D24-A07D-4B337FCB4BAD}"/>
+                </a:ext>
+              </a:extLst>
+            </p:cNvPr>
+            <p:cNvSpPr/>
+            <p:nvPr/>
+          </p:nvSpPr>
+          <p:spPr>
+            <a:xfrm rot="16200000" flipH="1">
+              <a:off x="11537041" y="3822948"/>
+              <a:ext cx="863696" cy="370108"/>
+            </a:xfrm>
+            <a:prstGeom prst="round2SameRect">
+              <a:avLst>
+                <a:gd name="adj1" fmla="val 50000"/>
+                <a:gd name="adj2" fmla="val 0"/>
+              </a:avLst>
+            </a:prstGeom>
+            <a:solidFill>
+              <a:schemeClr val="bg1">
+                <a:lumMod val="85000"/>
+              </a:schemeClr>
+            </a:solidFill>
+            <a:ln>
+              <a:solidFill>
+                <a:schemeClr val="bg1"/>
+              </a:solidFill>
+            </a:ln>
+          </p:spPr>
+          <p:style>
+            <a:lnRef idx="2">
+              <a:schemeClr val="accent1">
+                <a:shade val="50000"/>
+              </a:schemeClr>
+            </a:lnRef>
+            <a:fillRef idx="1">
+              <a:schemeClr val="accent1"/>
+            </a:fillRef>
+            <a:effectRef idx="0">
+              <a:schemeClr val="accent1"/>
+            </a:effectRef>
+            <a:fontRef idx="minor">
+              <a:schemeClr val="lt1"/>
+            </a:fontRef>
+          </p:style>
+          <p:txBody>
+            <a:bodyPr anchor="ctr"/>
+            <a:lstStyle/>
+            <a:p>
+              <a:pPr algn="ctr" eaLnBrk="1" fontAlgn="auto" latinLnBrk="1" hangingPunct="1">
+                <a:spcBef>
+                  <a:spcPts val="0"/>
+                </a:spcBef>
+                <a:spcAft>
+                  <a:spcPts val="0"/>
+                </a:spcAft>
+                <a:defRPr/>
+              </a:pPr>
+              <a:r>
+                <a:rPr kumimoji="0" lang="ko-KR" altLang="en-US" sz="1500" dirty="0">
+                  <a:solidFill>
+                    <a:schemeClr val="tx1"/>
+                  </a:solidFill>
+                  <a:latin typeface="여기어때 잘난체 OTF" pitchFamily="34" charset="-127"/>
+                  <a:ea typeface="여기어때 잘난체 OTF" pitchFamily="34" charset="-127"/>
+                </a:rPr>
+                <a:t>일정</a:t>
+              </a:r>
+            </a:p>
+          </p:txBody>
+        </p:sp>
+        <p:sp>
+          <p:nvSpPr>
+            <p:cNvPr id="23" name="양쪽 모서리가 둥근 사각형 25">
+              <a:extLst>
+                <a:ext uri="{FF2B5EF4-FFF2-40B4-BE49-F238E27FC236}">
+                  <a16:creationId xmlns:a16="http://schemas.microsoft.com/office/drawing/2014/main" id="{D9E49526-F06C-4AE6-95B5-E7F6ADE3A611}"/>
+                </a:ext>
+              </a:extLst>
+            </p:cNvPr>
+            <p:cNvSpPr/>
+            <p:nvPr/>
+          </p:nvSpPr>
+          <p:spPr>
+            <a:xfrm rot="16200000" flipH="1">
+              <a:off x="11537041" y="3120807"/>
+              <a:ext cx="863696" cy="370108"/>
+            </a:xfrm>
+            <a:prstGeom prst="round2SameRect">
+              <a:avLst>
+                <a:gd name="adj1" fmla="val 50000"/>
+                <a:gd name="adj2" fmla="val 0"/>
+              </a:avLst>
+            </a:prstGeom>
+            <a:solidFill>
+              <a:schemeClr val="bg1">
+                <a:lumMod val="85000"/>
+              </a:schemeClr>
+            </a:solidFill>
+            <a:ln>
+              <a:solidFill>
+                <a:schemeClr val="bg1"/>
+              </a:solidFill>
+            </a:ln>
+          </p:spPr>
+          <p:style>
+            <a:lnRef idx="2">
+              <a:schemeClr val="accent1">
+                <a:shade val="50000"/>
+              </a:schemeClr>
+            </a:lnRef>
+            <a:fillRef idx="1">
+              <a:schemeClr val="accent1"/>
+            </a:fillRef>
+            <a:effectRef idx="0">
+              <a:schemeClr val="accent1"/>
+            </a:effectRef>
+            <a:fontRef idx="minor">
+              <a:schemeClr val="lt1"/>
+            </a:fontRef>
+          </p:style>
+          <p:txBody>
+            <a:bodyPr anchor="ctr"/>
+            <a:lstStyle/>
+            <a:p>
+              <a:pPr algn="ctr" eaLnBrk="1" fontAlgn="auto" latinLnBrk="1" hangingPunct="1">
+                <a:spcBef>
+                  <a:spcPts val="0"/>
+                </a:spcBef>
+                <a:spcAft>
+                  <a:spcPts val="0"/>
+                </a:spcAft>
+                <a:defRPr/>
+              </a:pPr>
+              <a:r>
+                <a:rPr kumimoji="0" lang="ko-KR" altLang="en-US" sz="1500" dirty="0">
+                  <a:solidFill>
+                    <a:schemeClr val="tx1"/>
+                  </a:solidFill>
+                  <a:latin typeface="여기어때 잘난체 OTF" pitchFamily="34" charset="-127"/>
+                  <a:ea typeface="여기어때 잘난체 OTF" pitchFamily="34" charset="-127"/>
+                </a:rPr>
+                <a:t>구성</a:t>
+              </a:r>
+            </a:p>
+          </p:txBody>
+        </p:sp>
+        <p:sp>
+          <p:nvSpPr>
+            <p:cNvPr id="30" name="양쪽 모서리가 둥근 사각형 26">
+              <a:extLst>
+                <a:ext uri="{FF2B5EF4-FFF2-40B4-BE49-F238E27FC236}">
+                  <a16:creationId xmlns:a16="http://schemas.microsoft.com/office/drawing/2014/main" id="{C9D71E2D-8B35-4A96-B8C5-ADD4D13184C3}"/>
+                </a:ext>
+              </a:extLst>
+            </p:cNvPr>
+            <p:cNvSpPr/>
+            <p:nvPr/>
+          </p:nvSpPr>
+          <p:spPr>
+            <a:xfrm rot="16200000" flipH="1">
+              <a:off x="11535488" y="2433682"/>
+              <a:ext cx="866803" cy="370108"/>
+            </a:xfrm>
+            <a:prstGeom prst="round2SameRect">
+              <a:avLst>
+                <a:gd name="adj1" fmla="val 50000"/>
+                <a:gd name="adj2" fmla="val 0"/>
+              </a:avLst>
+            </a:prstGeom>
+            <a:gradFill>
+              <a:gsLst>
+                <a:gs pos="0">
+                  <a:schemeClr val="tx1"/>
+                </a:gs>
+                <a:gs pos="100000">
+                  <a:schemeClr val="tx1"/>
+                </a:gs>
+                <a:gs pos="51000">
+                  <a:schemeClr val="bg1">
+                    <a:lumMod val="50000"/>
+                  </a:schemeClr>
+                </a:gs>
+              </a:gsLst>
+              <a:lin ang="0" scaled="1"/>
+            </a:gradFill>
+            <a:ln>
+              <a:solidFill>
+                <a:schemeClr val="bg1"/>
+              </a:solidFill>
+            </a:ln>
+          </p:spPr>
+          <p:style>
+            <a:lnRef idx="2">
+              <a:schemeClr val="accent1">
+                <a:shade val="50000"/>
+              </a:schemeClr>
+            </a:lnRef>
+            <a:fillRef idx="1">
+              <a:schemeClr val="accent1"/>
+            </a:fillRef>
+            <a:effectRef idx="0">
+              <a:schemeClr val="accent1"/>
+            </a:effectRef>
+            <a:fontRef idx="minor">
+              <a:schemeClr val="lt1"/>
+            </a:fontRef>
+          </p:style>
+          <p:txBody>
+            <a:bodyPr anchor="ctr"/>
+            <a:lstStyle/>
+            <a:p>
+              <a:pPr algn="ctr" eaLnBrk="1" fontAlgn="auto" latinLnBrk="1" hangingPunct="1">
+                <a:spcBef>
+                  <a:spcPts val="0"/>
+                </a:spcBef>
+                <a:spcAft>
+                  <a:spcPts val="0"/>
+                </a:spcAft>
+                <a:defRPr/>
+              </a:pPr>
+              <a:r>
+                <a:rPr kumimoji="0" lang="ko-KR" altLang="en-US" sz="1500" dirty="0">
+                  <a:solidFill>
+                    <a:schemeClr val="bg1"/>
+                  </a:solidFill>
+                  <a:latin typeface="여기어때 잘난체 OTF" panose="020B0600000101010101" pitchFamily="34" charset="-127"/>
+                  <a:ea typeface="여기어때 잘난체 OTF" panose="020B0600000101010101" pitchFamily="34" charset="-127"/>
+                </a:rPr>
+                <a:t>제안</a:t>
+              </a:r>
+              <a:r>
+                <a:rPr kumimoji="0" lang="en-US" altLang="ko-KR" sz="1500" dirty="0">
+                  <a:solidFill>
+                    <a:schemeClr val="bg1"/>
+                  </a:solidFill>
+                  <a:latin typeface="여기어때 잘난체 OTF" panose="020B0600000101010101" pitchFamily="34" charset="-127"/>
+                  <a:ea typeface="여기어때 잘난체 OTF" panose="020B0600000101010101" pitchFamily="34" charset="-127"/>
+                </a:rPr>
+                <a:t>/</a:t>
+              </a:r>
+              <a:r>
+                <a:rPr kumimoji="0" lang="ko-KR" altLang="en-US" sz="1500" dirty="0">
+                  <a:solidFill>
+                    <a:schemeClr val="bg1"/>
+                  </a:solidFill>
+                  <a:latin typeface="여기어때 잘난체 OTF" panose="020B0600000101010101" pitchFamily="34" charset="-127"/>
+                  <a:ea typeface="여기어때 잘난체 OTF" panose="020B0600000101010101" pitchFamily="34" charset="-127"/>
+                </a:rPr>
+                <a:t>내용</a:t>
+              </a:r>
+            </a:p>
+          </p:txBody>
+        </p:sp>
+        <p:sp>
+          <p:nvSpPr>
+            <p:cNvPr id="31" name="양쪽 모서리가 둥근 사각형 27">
+              <a:extLst>
+                <a:ext uri="{FF2B5EF4-FFF2-40B4-BE49-F238E27FC236}">
+                  <a16:creationId xmlns:a16="http://schemas.microsoft.com/office/drawing/2014/main" id="{4CFBB92F-548E-430F-96DF-DEDA7AE057BA}"/>
+                </a:ext>
+              </a:extLst>
+            </p:cNvPr>
+            <p:cNvSpPr/>
+            <p:nvPr/>
+          </p:nvSpPr>
+          <p:spPr>
+            <a:xfrm rot="16200000" flipH="1">
+              <a:off x="11537041" y="1666816"/>
+              <a:ext cx="863696" cy="370108"/>
+            </a:xfrm>
+            <a:prstGeom prst="round2SameRect">
+              <a:avLst>
+                <a:gd name="adj1" fmla="val 50000"/>
+                <a:gd name="adj2" fmla="val 0"/>
+              </a:avLst>
+            </a:prstGeom>
+            <a:solidFill>
+              <a:schemeClr val="bg1">
+                <a:lumMod val="85000"/>
+              </a:schemeClr>
+            </a:solidFill>
+            <a:ln>
+              <a:solidFill>
+                <a:schemeClr val="bg1"/>
+              </a:solidFill>
+            </a:ln>
+          </p:spPr>
+          <p:style>
+            <a:lnRef idx="2">
+              <a:schemeClr val="accent1">
+                <a:shade val="50000"/>
+              </a:schemeClr>
+            </a:lnRef>
+            <a:fillRef idx="1">
+              <a:schemeClr val="accent1"/>
+            </a:fillRef>
+            <a:effectRef idx="0">
+              <a:schemeClr val="accent1"/>
+            </a:effectRef>
+            <a:fontRef idx="minor">
+              <a:schemeClr val="lt1"/>
+            </a:fontRef>
+          </p:style>
+          <p:txBody>
+            <a:bodyPr anchor="ctr"/>
+            <a:lstStyle/>
+            <a:p>
+              <a:pPr algn="ctr" eaLnBrk="1" fontAlgn="auto" latinLnBrk="1" hangingPunct="1">
+                <a:spcBef>
+                  <a:spcPts val="0"/>
+                </a:spcBef>
+                <a:spcAft>
+                  <a:spcPts val="0"/>
+                </a:spcAft>
+                <a:defRPr/>
+              </a:pPr>
+              <a:r>
+                <a:rPr kumimoji="0" lang="ko-KR" altLang="en-US" sz="1500" dirty="0" err="1">
+                  <a:solidFill>
+                    <a:schemeClr val="tx1">
+                      <a:lumMod val="85000"/>
+                      <a:lumOff val="15000"/>
+                    </a:schemeClr>
+                  </a:solidFill>
+                  <a:latin typeface="여기어때 잘난체 OTF" pitchFamily="34" charset="-127"/>
+                  <a:ea typeface="여기어때 잘난체 OTF" pitchFamily="34" charset="-127"/>
+                </a:rPr>
+                <a:t>구현화면</a:t>
+              </a:r>
+              <a:endParaRPr kumimoji="0" lang="ko-KR" altLang="en-US" sz="1500" dirty="0">
+                <a:solidFill>
+                  <a:schemeClr val="tx1">
+                    <a:lumMod val="85000"/>
+                    <a:lumOff val="15000"/>
+                  </a:schemeClr>
+                </a:solidFill>
+                <a:latin typeface="여기어때 잘난체 OTF" pitchFamily="34" charset="-127"/>
+                <a:ea typeface="여기어때 잘난체 OTF" pitchFamily="34" charset="-127"/>
+              </a:endParaRPr>
+            </a:p>
+          </p:txBody>
+        </p:sp>
+      </p:grpSp>
+    </p:spTree>
+    <p:extLst>
+      <p:ext uri="{BB962C8B-B14F-4D97-AF65-F5344CB8AC3E}">
+        <p14:creationId xmlns:p14="http://schemas.microsoft.com/office/powerpoint/2010/main" val="2926256096"/>
       </p:ext>
     </p:extLst>
   </p:cSld>

--- a/산출물/Team3 화면 설계 발표 ppt.pptx
+++ b/산출물/Team3 화면 설계 발표 ppt.pptx
@@ -5,7 +5,7 @@
     <p:sldMasterId id="2147483648" r:id="rId1"/>
   </p:sldMasterIdLst>
   <p:notesMasterIdLst>
-    <p:notesMasterId r:id="rId18"/>
+    <p:notesMasterId r:id="rId19"/>
   </p:notesMasterIdLst>
   <p:sldIdLst>
     <p:sldId id="256" r:id="rId2"/>
@@ -15,15 +15,16 @@
     <p:sldId id="267" r:id="rId6"/>
     <p:sldId id="286" r:id="rId7"/>
     <p:sldId id="270" r:id="rId8"/>
-    <p:sldId id="285" r:id="rId9"/>
-    <p:sldId id="291" r:id="rId10"/>
-    <p:sldId id="279" r:id="rId11"/>
-    <p:sldId id="274" r:id="rId12"/>
-    <p:sldId id="273" r:id="rId13"/>
-    <p:sldId id="276" r:id="rId14"/>
-    <p:sldId id="277" r:id="rId15"/>
-    <p:sldId id="278" r:id="rId16"/>
-    <p:sldId id="283" r:id="rId17"/>
+    <p:sldId id="292" r:id="rId9"/>
+    <p:sldId id="285" r:id="rId10"/>
+    <p:sldId id="291" r:id="rId11"/>
+    <p:sldId id="279" r:id="rId12"/>
+    <p:sldId id="274" r:id="rId13"/>
+    <p:sldId id="273" r:id="rId14"/>
+    <p:sldId id="276" r:id="rId15"/>
+    <p:sldId id="277" r:id="rId16"/>
+    <p:sldId id="278" r:id="rId17"/>
+    <p:sldId id="283" r:id="rId18"/>
   </p:sldIdLst>
   <p:sldSz cx="12190413" cy="6858000"/>
   <p:notesSz cx="6858000" cy="9144000"/>
@@ -841,6 +842,261 @@
       </p:grpSpPr>
       <p:sp>
         <p:nvSpPr>
+          <p:cNvPr id="16386" name="슬라이드 이미지 개체 틀 1"/>
+          <p:cNvSpPr>
+            <a:spLocks noGrp="1" noRot="1" noChangeAspect="1" noTextEdit="1"/>
+          </p:cNvSpPr>
+          <p:nvPr>
+            <p:ph type="sldImg"/>
+          </p:nvPr>
+        </p:nvSpPr>
+        <p:spPr bwMode="auto">
+          <a:noFill/>
+          <a:ln>
+            <a:solidFill>
+              <a:srgbClr val="000000"/>
+            </a:solidFill>
+            <a:miter lim="800000"/>
+            <a:headEnd/>
+            <a:tailEnd/>
+          </a:ln>
+          <a:extLst>
+            <a:ext uri="{909E8E84-426E-40DD-AFC4-6F175D3DCCD1}">
+              <a14:hiddenFill xmlns:a14="http://schemas.microsoft.com/office/drawing/2010/main">
+                <a:solidFill>
+                  <a:srgbClr val="FFFFFF"/>
+                </a:solidFill>
+              </a14:hiddenFill>
+            </a:ext>
+          </a:extLst>
+        </p:spPr>
+      </p:sp>
+      <p:sp>
+        <p:nvSpPr>
+          <p:cNvPr id="16387" name="슬라이드 노트 개체 틀 2"/>
+          <p:cNvSpPr>
+            <a:spLocks noGrp="1"/>
+          </p:cNvSpPr>
+          <p:nvPr>
+            <p:ph type="body" idx="1"/>
+          </p:nvPr>
+        </p:nvSpPr>
+        <p:spPr bwMode="auto">
+          <a:noFill/>
+          <a:extLst>
+            <a:ext uri="{909E8E84-426E-40DD-AFC4-6F175D3DCCD1}">
+              <a14:hiddenFill xmlns:a14="http://schemas.microsoft.com/office/drawing/2010/main">
+                <a:solidFill>
+                  <a:srgbClr val="FFFFFF"/>
+                </a:solidFill>
+              </a14:hiddenFill>
+            </a:ext>
+            <a:ext uri="{91240B29-F687-4F45-9708-019B960494DF}">
+              <a14:hiddenLine xmlns:a14="http://schemas.microsoft.com/office/drawing/2010/main" w="9525">
+                <a:solidFill>
+                  <a:srgbClr val="000000"/>
+                </a:solidFill>
+                <a:miter lim="800000"/>
+                <a:headEnd/>
+                <a:tailEnd/>
+              </a14:hiddenLine>
+            </a:ext>
+          </a:extLst>
+        </p:spPr>
+        <p:txBody>
+          <a:bodyPr wrap="square" numCol="1" anchor="t" anchorCtr="0" compatLnSpc="1">
+            <a:prstTxWarp prst="textNoShape">
+              <a:avLst/>
+            </a:prstTxWarp>
+          </a:bodyPr>
+          <a:lstStyle/>
+          <a:p>
+            <a:endParaRPr lang="ko-KR" altLang="en-US"/>
+          </a:p>
+        </p:txBody>
+      </p:sp>
+      <p:sp>
+        <p:nvSpPr>
+          <p:cNvPr id="16388" name="슬라이드 번호 개체 틀 3"/>
+          <p:cNvSpPr>
+            <a:spLocks noGrp="1"/>
+          </p:cNvSpPr>
+          <p:nvPr>
+            <p:ph type="sldNum" sz="quarter" idx="5"/>
+          </p:nvPr>
+        </p:nvSpPr>
+        <p:spPr bwMode="auto">
+          <a:noFill/>
+          <a:extLst>
+            <a:ext uri="{909E8E84-426E-40DD-AFC4-6F175D3DCCD1}">
+              <a14:hiddenFill xmlns:a14="http://schemas.microsoft.com/office/drawing/2010/main">
+                <a:solidFill>
+                  <a:srgbClr val="FFFFFF"/>
+                </a:solidFill>
+              </a14:hiddenFill>
+            </a:ext>
+            <a:ext uri="{91240B29-F687-4F45-9708-019B960494DF}">
+              <a14:hiddenLine xmlns:a14="http://schemas.microsoft.com/office/drawing/2010/main" w="9525">
+                <a:solidFill>
+                  <a:srgbClr val="000000"/>
+                </a:solidFill>
+                <a:miter lim="800000"/>
+                <a:headEnd/>
+                <a:tailEnd/>
+              </a14:hiddenLine>
+            </a:ext>
+          </a:extLst>
+        </p:spPr>
+        <p:txBody>
+          <a:bodyPr wrap="square" numCol="1" anchorCtr="0" compatLnSpc="1">
+            <a:prstTxWarp prst="textNoShape">
+              <a:avLst/>
+            </a:prstTxWarp>
+          </a:bodyPr>
+          <a:lstStyle>
+            <a:lvl1pPr>
+              <a:defRPr kumimoji="1">
+                <a:solidFill>
+                  <a:schemeClr val="tx1"/>
+                </a:solidFill>
+                <a:latin typeface="맑은 고딕" panose="020B0503020000020004" pitchFamily="50" charset="-127"/>
+                <a:ea typeface="굴림" panose="020B0600000101010101" pitchFamily="50" charset="-127"/>
+              </a:defRPr>
+            </a:lvl1pPr>
+            <a:lvl2pPr marL="742950" indent="-285750">
+              <a:defRPr kumimoji="1">
+                <a:solidFill>
+                  <a:schemeClr val="tx1"/>
+                </a:solidFill>
+                <a:latin typeface="맑은 고딕" panose="020B0503020000020004" pitchFamily="50" charset="-127"/>
+                <a:ea typeface="굴림" panose="020B0600000101010101" pitchFamily="50" charset="-127"/>
+              </a:defRPr>
+            </a:lvl2pPr>
+            <a:lvl3pPr marL="1143000" indent="-228600">
+              <a:defRPr kumimoji="1">
+                <a:solidFill>
+                  <a:schemeClr val="tx1"/>
+                </a:solidFill>
+                <a:latin typeface="맑은 고딕" panose="020B0503020000020004" pitchFamily="50" charset="-127"/>
+                <a:ea typeface="굴림" panose="020B0600000101010101" pitchFamily="50" charset="-127"/>
+              </a:defRPr>
+            </a:lvl3pPr>
+            <a:lvl4pPr marL="1600200" indent="-228600">
+              <a:defRPr kumimoji="1">
+                <a:solidFill>
+                  <a:schemeClr val="tx1"/>
+                </a:solidFill>
+                <a:latin typeface="맑은 고딕" panose="020B0503020000020004" pitchFamily="50" charset="-127"/>
+                <a:ea typeface="굴림" panose="020B0600000101010101" pitchFamily="50" charset="-127"/>
+              </a:defRPr>
+            </a:lvl4pPr>
+            <a:lvl5pPr marL="2057400" indent="-228600">
+              <a:defRPr kumimoji="1">
+                <a:solidFill>
+                  <a:schemeClr val="tx1"/>
+                </a:solidFill>
+                <a:latin typeface="맑은 고딕" panose="020B0503020000020004" pitchFamily="50" charset="-127"/>
+                <a:ea typeface="굴림" panose="020B0600000101010101" pitchFamily="50" charset="-127"/>
+              </a:defRPr>
+            </a:lvl5pPr>
+            <a:lvl6pPr marL="2514600" indent="-228600" eaLnBrk="0" fontAlgn="base" hangingPunct="0">
+              <a:spcBef>
+                <a:spcPct val="0"/>
+              </a:spcBef>
+              <a:spcAft>
+                <a:spcPct val="0"/>
+              </a:spcAft>
+              <a:defRPr kumimoji="1">
+                <a:solidFill>
+                  <a:schemeClr val="tx1"/>
+                </a:solidFill>
+                <a:latin typeface="맑은 고딕" panose="020B0503020000020004" pitchFamily="50" charset="-127"/>
+                <a:ea typeface="굴림" panose="020B0600000101010101" pitchFamily="50" charset="-127"/>
+              </a:defRPr>
+            </a:lvl6pPr>
+            <a:lvl7pPr marL="2971800" indent="-228600" eaLnBrk="0" fontAlgn="base" hangingPunct="0">
+              <a:spcBef>
+                <a:spcPct val="0"/>
+              </a:spcBef>
+              <a:spcAft>
+                <a:spcPct val="0"/>
+              </a:spcAft>
+              <a:defRPr kumimoji="1">
+                <a:solidFill>
+                  <a:schemeClr val="tx1"/>
+                </a:solidFill>
+                <a:latin typeface="맑은 고딕" panose="020B0503020000020004" pitchFamily="50" charset="-127"/>
+                <a:ea typeface="굴림" panose="020B0600000101010101" pitchFamily="50" charset="-127"/>
+              </a:defRPr>
+            </a:lvl7pPr>
+            <a:lvl8pPr marL="3429000" indent="-228600" eaLnBrk="0" fontAlgn="base" hangingPunct="0">
+              <a:spcBef>
+                <a:spcPct val="0"/>
+              </a:spcBef>
+              <a:spcAft>
+                <a:spcPct val="0"/>
+              </a:spcAft>
+              <a:defRPr kumimoji="1">
+                <a:solidFill>
+                  <a:schemeClr val="tx1"/>
+                </a:solidFill>
+                <a:latin typeface="맑은 고딕" panose="020B0503020000020004" pitchFamily="50" charset="-127"/>
+                <a:ea typeface="굴림" panose="020B0600000101010101" pitchFamily="50" charset="-127"/>
+              </a:defRPr>
+            </a:lvl8pPr>
+            <a:lvl9pPr marL="3886200" indent="-228600" eaLnBrk="0" fontAlgn="base" hangingPunct="0">
+              <a:spcBef>
+                <a:spcPct val="0"/>
+              </a:spcBef>
+              <a:spcAft>
+                <a:spcPct val="0"/>
+              </a:spcAft>
+              <a:defRPr kumimoji="1">
+                <a:solidFill>
+                  <a:schemeClr val="tx1"/>
+                </a:solidFill>
+                <a:latin typeface="맑은 고딕" panose="020B0503020000020004" pitchFamily="50" charset="-127"/>
+                <a:ea typeface="굴림" panose="020B0600000101010101" pitchFamily="50" charset="-127"/>
+              </a:defRPr>
+            </a:lvl9pPr>
+          </a:lstStyle>
+          <a:p>
+            <a:fld id="{F87D9AC1-BC93-4CF6-9ADB-031E2966E5A0}" type="slidenum">
+              <a:rPr lang="ko-KR" altLang="en-US" smtClean="0"/>
+              <a:pPr/>
+              <a:t>12</a:t>
+            </a:fld>
+            <a:endParaRPr lang="ko-KR" altLang="en-US"/>
+          </a:p>
+        </p:txBody>
+      </p:sp>
+    </p:spTree>
+  </p:cSld>
+  <p:clrMapOvr>
+    <a:masterClrMapping/>
+  </p:clrMapOvr>
+</p:notes>
+</file>
+
+<file path=ppt/notesSlides/notesSlide11.xml><?xml version="1.0" encoding="utf-8"?>
+<p:notes xmlns:a="http://schemas.openxmlformats.org/drawingml/2006/main" xmlns:r="http://schemas.openxmlformats.org/officeDocument/2006/relationships" xmlns:p="http://schemas.openxmlformats.org/presentationml/2006/main">
+  <p:cSld>
+    <p:spTree>
+      <p:nvGrpSpPr>
+        <p:cNvPr id="1" name=""/>
+        <p:cNvGrpSpPr/>
+        <p:nvPr/>
+      </p:nvGrpSpPr>
+      <p:grpSpPr>
+        <a:xfrm>
+          <a:off x="0" y="0"/>
+          <a:ext cx="0" cy="0"/>
+          <a:chOff x="0" y="0"/>
+          <a:chExt cx="0" cy="0"/>
+        </a:xfrm>
+      </p:grpSpPr>
+      <p:sp>
+        <p:nvSpPr>
           <p:cNvPr id="14338" name="슬라이드 이미지 개체 틀 1"/>
           <p:cNvSpPr>
             <a:spLocks noGrp="1" noRot="1" noChangeAspect="1" noTextEdit="1"/>
@@ -1063,7 +1319,7 @@
             <a:fld id="{96C0474F-7BB8-4703-BBA7-ABCA87108594}" type="slidenum">
               <a:rPr lang="ko-KR" altLang="en-US" smtClean="0"/>
               <a:pPr/>
-              <a:t>12</a:t>
+              <a:t>13</a:t>
             </a:fld>
             <a:endParaRPr lang="ko-KR" altLang="en-US"/>
           </a:p>
@@ -1077,7 +1333,7 @@
 </p:notes>
 </file>
 
-<file path=ppt/notesSlides/notesSlide11.xml><?xml version="1.0" encoding="utf-8"?>
+<file path=ppt/notesSlides/notesSlide12.xml><?xml version="1.0" encoding="utf-8"?>
 <p:notes xmlns:a="http://schemas.openxmlformats.org/drawingml/2006/main" xmlns:r="http://schemas.openxmlformats.org/officeDocument/2006/relationships" xmlns:p="http://schemas.openxmlformats.org/presentationml/2006/main">
   <p:cSld>
     <p:spTree>
@@ -1318,7 +1574,7 @@
             <a:fld id="{3B536548-60B9-46DD-A4BE-0B939DAEDF09}" type="slidenum">
               <a:rPr lang="ko-KR" altLang="en-US" smtClean="0"/>
               <a:pPr/>
-              <a:t>13</a:t>
+              <a:t>14</a:t>
             </a:fld>
             <a:endParaRPr lang="ko-KR" altLang="en-US"/>
           </a:p>
@@ -1332,7 +1588,7 @@
 </p:notes>
 </file>
 
-<file path=ppt/notesSlides/notesSlide12.xml><?xml version="1.0" encoding="utf-8"?>
+<file path=ppt/notesSlides/notesSlide13.xml><?xml version="1.0" encoding="utf-8"?>
 <p:notes xmlns:a="http://schemas.openxmlformats.org/drawingml/2006/main" xmlns:r="http://schemas.openxmlformats.org/officeDocument/2006/relationships" xmlns:p="http://schemas.openxmlformats.org/presentationml/2006/main">
   <p:cSld>
     <p:spTree>
@@ -1573,7 +1829,7 @@
             <a:fld id="{F6195EAA-698F-412A-9A12-58B96CA6FBBE}" type="slidenum">
               <a:rPr lang="ko-KR" altLang="en-US" smtClean="0"/>
               <a:pPr/>
-              <a:t>14</a:t>
+              <a:t>15</a:t>
             </a:fld>
             <a:endParaRPr lang="ko-KR" altLang="en-US"/>
           </a:p>
@@ -1587,7 +1843,7 @@
 </p:notes>
 </file>
 
-<file path=ppt/notesSlides/notesSlide13.xml><?xml version="1.0" encoding="utf-8"?>
+<file path=ppt/notesSlides/notesSlide14.xml><?xml version="1.0" encoding="utf-8"?>
 <p:notes xmlns:a="http://schemas.openxmlformats.org/drawingml/2006/main" xmlns:r="http://schemas.openxmlformats.org/officeDocument/2006/relationships" xmlns:p="http://schemas.openxmlformats.org/presentationml/2006/main">
   <p:cSld>
     <p:spTree>
@@ -1828,7 +2084,7 @@
             <a:fld id="{4120A9E4-F467-41CA-BCA1-48B487B91609}" type="slidenum">
               <a:rPr lang="ko-KR" altLang="en-US" smtClean="0"/>
               <a:pPr/>
-              <a:t>15</a:t>
+              <a:t>16</a:t>
             </a:fld>
             <a:endParaRPr lang="ko-KR" altLang="en-US"/>
           </a:p>
@@ -1842,7 +2098,7 @@
 </p:notes>
 </file>
 
-<file path=ppt/notesSlides/notesSlide14.xml><?xml version="1.0" encoding="utf-8"?>
+<file path=ppt/notesSlides/notesSlide15.xml><?xml version="1.0" encoding="utf-8"?>
 <p:notes xmlns:a="http://schemas.openxmlformats.org/drawingml/2006/main" xmlns:r="http://schemas.openxmlformats.org/officeDocument/2006/relationships" xmlns:p="http://schemas.openxmlformats.org/presentationml/2006/main">
   <p:cSld>
     <p:spTree>
@@ -2083,7 +2339,7 @@
             <a:fld id="{34EF311D-E29B-45FD-B4EB-97AE3D58A47B}" type="slidenum">
               <a:rPr lang="ko-KR" altLang="en-US" smtClean="0"/>
               <a:pPr/>
-              <a:t>16</a:t>
+              <a:t>17</a:t>
             </a:fld>
             <a:endParaRPr lang="ko-KR" altLang="en-US"/>
           </a:p>
@@ -3070,7 +3326,7 @@
     </p:spTree>
     <p:extLst>
       <p:ext uri="{BB962C8B-B14F-4D97-AF65-F5344CB8AC3E}">
-        <p14:creationId xmlns:p14="http://schemas.microsoft.com/office/powerpoint/2010/main" val="238835315"/>
+        <p14:creationId xmlns:p14="http://schemas.microsoft.com/office/powerpoint/2010/main" val="1673837666"/>
       </p:ext>
     </p:extLst>
   </p:cSld>
@@ -3330,7 +3586,7 @@
     </p:spTree>
     <p:extLst>
       <p:ext uri="{BB962C8B-B14F-4D97-AF65-F5344CB8AC3E}">
-        <p14:creationId xmlns:p14="http://schemas.microsoft.com/office/powerpoint/2010/main" val="3084625829"/>
+        <p14:creationId xmlns:p14="http://schemas.microsoft.com/office/powerpoint/2010/main" val="238835315"/>
       </p:ext>
     </p:extLst>
   </p:cSld>
@@ -3588,6 +3844,11 @@
         </p:txBody>
       </p:sp>
     </p:spTree>
+    <p:extLst>
+      <p:ext uri="{BB962C8B-B14F-4D97-AF65-F5344CB8AC3E}">
+        <p14:creationId xmlns:p14="http://schemas.microsoft.com/office/powerpoint/2010/main" val="3084625829"/>
+      </p:ext>
+    </p:extLst>
   </p:cSld>
   <p:clrMapOvr>
     <a:masterClrMapping/>
@@ -3614,7 +3875,7 @@
       </p:grpSpPr>
       <p:sp>
         <p:nvSpPr>
-          <p:cNvPr id="16386" name="슬라이드 이미지 개체 틀 1"/>
+          <p:cNvPr id="26626" name="슬라이드 이미지 개체 틀 1"/>
           <p:cNvSpPr>
             <a:spLocks noGrp="1" noRot="1" noChangeAspect="1" noTextEdit="1"/>
           </p:cNvSpPr>
@@ -3645,7 +3906,7 @@
       </p:sp>
       <p:sp>
         <p:nvSpPr>
-          <p:cNvPr id="16387" name="슬라이드 노트 개체 틀 2"/>
+          <p:cNvPr id="26627" name="슬라이드 노트 개체 틀 2"/>
           <p:cNvSpPr>
             <a:spLocks noGrp="1"/>
           </p:cNvSpPr>
@@ -3689,7 +3950,7 @@
       </p:sp>
       <p:sp>
         <p:nvSpPr>
-          <p:cNvPr id="16388" name="슬라이드 번호 개체 틀 3"/>
+          <p:cNvPr id="26628" name="슬라이드 번호 개체 틀 3"/>
           <p:cNvSpPr>
             <a:spLocks noGrp="1"/>
           </p:cNvSpPr>
@@ -3833,7 +4094,7 @@
             </a:lvl9pPr>
           </a:lstStyle>
           <a:p>
-            <a:fld id="{F87D9AC1-BC93-4CF6-9ADB-031E2966E5A0}" type="slidenum">
+            <a:fld id="{A5D0E04E-C966-4F17-B578-FC771CCA691D}" type="slidenum">
               <a:rPr lang="ko-KR" altLang="en-US" smtClean="0"/>
               <a:pPr/>
               <a:t>11</a:t>
@@ -8226,6 +8487,1289 @@
                 <a:latin typeface="나눔스퀘어OTF Bold" panose="020B0600000101010101" pitchFamily="34" charset="-127"/>
                 <a:ea typeface="나눔스퀘어OTF Bold" panose="020B0600000101010101" pitchFamily="34" charset="-127"/>
               </a:rPr>
+              <a:t>:3 Tier </a:t>
+            </a:r>
+            <a:r>
+              <a:rPr kumimoji="0" lang="ko-KR" altLang="en-US" sz="2400">
+                <a:solidFill>
+                  <a:schemeClr val="tx2"/>
+                </a:solidFill>
+                <a:latin typeface="나눔스퀘어OTF Bold" panose="020B0600000101010101" pitchFamily="34" charset="-127"/>
+                <a:ea typeface="나눔스퀘어OTF Bold" panose="020B0600000101010101" pitchFamily="34" charset="-127"/>
+              </a:rPr>
+              <a:t>구조</a:t>
+            </a:r>
+          </a:p>
+        </p:txBody>
+      </p:sp>
+      <p:sp>
+        <p:nvSpPr>
+          <p:cNvPr id="44" name="Text Box 44"/>
+          <p:cNvSpPr txBox="1">
+            <a:spLocks noChangeArrowheads="1"/>
+          </p:cNvSpPr>
+          <p:nvPr/>
+        </p:nvSpPr>
+        <p:spPr bwMode="auto">
+          <a:xfrm>
+            <a:off x="782638" y="2320925"/>
+            <a:ext cx="6608712" cy="3653049"/>
+          </a:xfrm>
+          <a:prstGeom prst="rect">
+            <a:avLst/>
+          </a:prstGeom>
+          <a:blipFill dpi="0" rotWithShape="1">
+            <a:blip r:embed="rId3" cstate="print">
+              <a:extLst>
+                <a:ext uri="{28A0092B-C50C-407E-A947-70E740481C1C}">
+                  <a14:useLocalDpi xmlns:a14="http://schemas.microsoft.com/office/drawing/2010/main" val="0"/>
+                </a:ext>
+              </a:extLst>
+            </a:blip>
+            <a:srcRect/>
+            <a:stretch>
+              <a:fillRect/>
+            </a:stretch>
+          </a:blipFill>
+          <a:ln w="12700" cap="flat" cmpd="sng" algn="ctr">
+            <a:gradFill>
+              <a:gsLst>
+                <a:gs pos="0">
+                  <a:sysClr val="window" lastClr="FFFFFF">
+                    <a:lumMod val="85000"/>
+                  </a:sysClr>
+                </a:gs>
+                <a:gs pos="50000">
+                  <a:sysClr val="window" lastClr="FFFFFF"/>
+                </a:gs>
+                <a:gs pos="100000">
+                  <a:sysClr val="window" lastClr="FFFFFF">
+                    <a:lumMod val="85000"/>
+                  </a:sysClr>
+                </a:gs>
+              </a:gsLst>
+              <a:lin ang="5400000" scaled="0"/>
+            </a:gradFill>
+            <a:prstDash val="solid"/>
+            <a:miter lim="800000"/>
+            <a:headEnd/>
+            <a:tailEnd/>
+          </a:ln>
+          <a:effectLst>
+            <a:outerShdw blurRad="50800" dist="38100" dir="2700000" algn="tl" rotWithShape="0">
+              <a:prstClr val="black">
+                <a:alpha val="40000"/>
+              </a:prstClr>
+            </a:outerShdw>
+          </a:effectLst>
+        </p:spPr>
+        <p:txBody>
+          <a:bodyPr lIns="70650" tIns="70650" rIns="70650" bIns="44853"/>
+          <a:lstStyle/>
+          <a:p>
+            <a:pPr marL="84095" indent="-84095" defTabSz="897033" eaLnBrk="1" fontAlgn="auto" latinLnBrk="1" hangingPunct="1">
+              <a:spcBef>
+                <a:spcPts val="0"/>
+              </a:spcBef>
+              <a:spcAft>
+                <a:spcPts val="294"/>
+              </a:spcAft>
+              <a:buClr>
+                <a:srgbClr val="A1A1A1"/>
+              </a:buClr>
+              <a:buSzPct val="100000"/>
+              <a:buFont typeface="Arial" pitchFamily="34" charset="0"/>
+              <a:buChar char="•"/>
+              <a:defRPr/>
+            </a:pPr>
+            <a:endParaRPr kumimoji="0" lang="ko-KR" altLang="en-US" sz="883" kern="0" dirty="0">
+              <a:solidFill>
+                <a:srgbClr val="FF0000"/>
+              </a:solidFill>
+              <a:latin typeface="나눔고딕" panose="020D0304000000000000" pitchFamily="50" charset="-127"/>
+              <a:ea typeface="나눔스퀘어"/>
+              <a:sym typeface="Wingdings" pitchFamily="2" charset="2"/>
+            </a:endParaRPr>
+          </a:p>
+        </p:txBody>
+      </p:sp>
+      <p:sp>
+        <p:nvSpPr>
+          <p:cNvPr id="49" name="모서리가 둥근 직사각형 48"/>
+          <p:cNvSpPr/>
+          <p:nvPr/>
+        </p:nvSpPr>
+        <p:spPr bwMode="auto">
+          <a:xfrm>
+            <a:off x="2311400" y="6165850"/>
+            <a:ext cx="2268538" cy="319088"/>
+          </a:xfrm>
+          <a:prstGeom prst="roundRect">
+            <a:avLst>
+              <a:gd name="adj" fmla="val 50000"/>
+            </a:avLst>
+          </a:prstGeom>
+          <a:gradFill flip="none" rotWithShape="1">
+            <a:gsLst>
+              <a:gs pos="100000">
+                <a:schemeClr val="bg1">
+                  <a:lumMod val="50000"/>
+                </a:schemeClr>
+              </a:gs>
+              <a:gs pos="50000">
+                <a:schemeClr val="tx1"/>
+              </a:gs>
+              <a:gs pos="0">
+                <a:schemeClr val="bg1">
+                  <a:lumMod val="65000"/>
+                </a:schemeClr>
+              </a:gs>
+            </a:gsLst>
+            <a:lin ang="0" scaled="1"/>
+            <a:tileRect/>
+          </a:gradFill>
+          <a:ln w="12700">
+            <a:noFill/>
+          </a:ln>
+        </p:spPr>
+        <p:style>
+          <a:lnRef idx="2">
+            <a:schemeClr val="accent1">
+              <a:shade val="50000"/>
+            </a:schemeClr>
+          </a:lnRef>
+          <a:fillRef idx="1">
+            <a:schemeClr val="accent1"/>
+          </a:fillRef>
+          <a:effectRef idx="0">
+            <a:schemeClr val="accent1"/>
+          </a:effectRef>
+          <a:fontRef idx="minor">
+            <a:schemeClr val="lt1"/>
+          </a:fontRef>
+        </p:style>
+        <p:txBody>
+          <a:bodyPr anchor="ctr"/>
+          <a:lstStyle/>
+          <a:p>
+            <a:pPr algn="ctr" eaLnBrk="1" fontAlgn="auto" latinLnBrk="1" hangingPunct="1">
+              <a:spcBef>
+                <a:spcPts val="0"/>
+              </a:spcBef>
+              <a:spcAft>
+                <a:spcPts val="0"/>
+              </a:spcAft>
+              <a:defRPr/>
+            </a:pPr>
+            <a:r>
+              <a:rPr kumimoji="0" lang="en-US" altLang="ko-KR" sz="1600">
+                <a:solidFill>
+                  <a:schemeClr val="bg1"/>
+                </a:solidFill>
+                <a:latin typeface="나눔스퀘어OTF ExtraBold" pitchFamily="34" charset="-127"/>
+                <a:ea typeface="나눔스퀘어OTF ExtraBold" pitchFamily="34" charset="-127"/>
+              </a:rPr>
+              <a:t>3 Tier </a:t>
+            </a:r>
+            <a:r>
+              <a:rPr kumimoji="0" lang="ko-KR" altLang="en-US" sz="1600">
+                <a:solidFill>
+                  <a:schemeClr val="bg1"/>
+                </a:solidFill>
+                <a:latin typeface="나눔스퀘어OTF ExtraBold" pitchFamily="34" charset="-127"/>
+                <a:ea typeface="나눔스퀘어OTF ExtraBold" pitchFamily="34" charset="-127"/>
+              </a:rPr>
+              <a:t>구조</a:t>
+            </a:r>
+            <a:endParaRPr kumimoji="0" lang="ko-KR" altLang="en-US" sz="1600" dirty="0">
+              <a:solidFill>
+                <a:schemeClr val="bg1"/>
+              </a:solidFill>
+              <a:latin typeface="나눔스퀘어OTF ExtraBold" pitchFamily="34" charset="-127"/>
+              <a:ea typeface="나눔스퀘어OTF ExtraBold" pitchFamily="34" charset="-127"/>
+            </a:endParaRPr>
+          </a:p>
+        </p:txBody>
+      </p:sp>
+      <p:sp>
+        <p:nvSpPr>
+          <p:cNvPr id="25612" name="직사각형 10"/>
+          <p:cNvSpPr>
+            <a:spLocks noChangeArrowheads="1"/>
+          </p:cNvSpPr>
+          <p:nvPr/>
+        </p:nvSpPr>
+        <p:spPr bwMode="auto">
+          <a:xfrm>
+            <a:off x="7895406" y="2477417"/>
+            <a:ext cx="3960044" cy="400110"/>
+          </a:xfrm>
+          <a:prstGeom prst="rect">
+            <a:avLst/>
+          </a:prstGeom>
+          <a:noFill/>
+          <a:ln>
+            <a:noFill/>
+          </a:ln>
+          <a:extLst>
+            <a:ext uri="{909E8E84-426E-40DD-AFC4-6F175D3DCCD1}">
+              <a14:hiddenFill xmlns:a14="http://schemas.microsoft.com/office/drawing/2010/main">
+                <a:solidFill>
+                  <a:srgbClr val="FFFFFF"/>
+                </a:solidFill>
+              </a14:hiddenFill>
+            </a:ext>
+            <a:ext uri="{91240B29-F687-4F45-9708-019B960494DF}">
+              <a14:hiddenLine xmlns:a14="http://schemas.microsoft.com/office/drawing/2010/main" w="9525">
+                <a:solidFill>
+                  <a:srgbClr val="000000"/>
+                </a:solidFill>
+                <a:miter lim="800000"/>
+                <a:headEnd/>
+                <a:tailEnd/>
+              </a14:hiddenLine>
+            </a:ext>
+          </a:extLst>
+        </p:spPr>
+        <p:txBody>
+          <a:bodyPr wrap="square">
+            <a:spAutoFit/>
+          </a:bodyPr>
+          <a:lstStyle>
+            <a:lvl1pPr marL="285750" indent="-285750" latinLnBrk="1">
+              <a:spcBef>
+                <a:spcPct val="20000"/>
+              </a:spcBef>
+              <a:buFont typeface="Arial" panose="020B0604020202020204" pitchFamily="34" charset="0"/>
+              <a:buChar char="•"/>
+              <a:defRPr sz="3200">
+                <a:solidFill>
+                  <a:schemeClr val="tx1"/>
+                </a:solidFill>
+                <a:latin typeface="맑은 고딕" panose="020B0503020000020004" pitchFamily="50" charset="-127"/>
+                <a:ea typeface="맑은 고딕" panose="020B0503020000020004" pitchFamily="50" charset="-127"/>
+              </a:defRPr>
+            </a:lvl1pPr>
+            <a:lvl2pPr marL="742950" indent="-285750" latinLnBrk="1">
+              <a:spcBef>
+                <a:spcPct val="20000"/>
+              </a:spcBef>
+              <a:buFont typeface="Arial" panose="020B0604020202020204" pitchFamily="34" charset="0"/>
+              <a:buChar char="–"/>
+              <a:defRPr sz="2800">
+                <a:solidFill>
+                  <a:schemeClr val="tx1"/>
+                </a:solidFill>
+                <a:latin typeface="맑은 고딕" panose="020B0503020000020004" pitchFamily="50" charset="-127"/>
+                <a:ea typeface="맑은 고딕" panose="020B0503020000020004" pitchFamily="50" charset="-127"/>
+              </a:defRPr>
+            </a:lvl2pPr>
+            <a:lvl3pPr marL="1143000" indent="-228600" latinLnBrk="1">
+              <a:spcBef>
+                <a:spcPct val="20000"/>
+              </a:spcBef>
+              <a:buFont typeface="Arial" panose="020B0604020202020204" pitchFamily="34" charset="0"/>
+              <a:buChar char="•"/>
+              <a:defRPr sz="2400">
+                <a:solidFill>
+                  <a:schemeClr val="tx1"/>
+                </a:solidFill>
+                <a:latin typeface="맑은 고딕" panose="020B0503020000020004" pitchFamily="50" charset="-127"/>
+                <a:ea typeface="맑은 고딕" panose="020B0503020000020004" pitchFamily="50" charset="-127"/>
+              </a:defRPr>
+            </a:lvl3pPr>
+            <a:lvl4pPr marL="1600200" indent="-228600" latinLnBrk="1">
+              <a:spcBef>
+                <a:spcPct val="20000"/>
+              </a:spcBef>
+              <a:buFont typeface="Arial" panose="020B0604020202020204" pitchFamily="34" charset="0"/>
+              <a:buChar char="–"/>
+              <a:defRPr sz="2000">
+                <a:solidFill>
+                  <a:schemeClr val="tx1"/>
+                </a:solidFill>
+                <a:latin typeface="맑은 고딕" panose="020B0503020000020004" pitchFamily="50" charset="-127"/>
+                <a:ea typeface="맑은 고딕" panose="020B0503020000020004" pitchFamily="50" charset="-127"/>
+              </a:defRPr>
+            </a:lvl4pPr>
+            <a:lvl5pPr marL="2057400" indent="-228600" latinLnBrk="1">
+              <a:spcBef>
+                <a:spcPct val="20000"/>
+              </a:spcBef>
+              <a:buFont typeface="Arial" panose="020B0604020202020204" pitchFamily="34" charset="0"/>
+              <a:buChar char="»"/>
+              <a:defRPr sz="2000">
+                <a:solidFill>
+                  <a:schemeClr val="tx1"/>
+                </a:solidFill>
+                <a:latin typeface="맑은 고딕" panose="020B0503020000020004" pitchFamily="50" charset="-127"/>
+                <a:ea typeface="맑은 고딕" panose="020B0503020000020004" pitchFamily="50" charset="-127"/>
+              </a:defRPr>
+            </a:lvl5pPr>
+            <a:lvl6pPr marL="2514600" indent="-228600" eaLnBrk="0" fontAlgn="base" hangingPunct="0">
+              <a:spcBef>
+                <a:spcPct val="20000"/>
+              </a:spcBef>
+              <a:spcAft>
+                <a:spcPct val="0"/>
+              </a:spcAft>
+              <a:buFont typeface="Arial" panose="020B0604020202020204" pitchFamily="34" charset="0"/>
+              <a:buChar char="»"/>
+              <a:defRPr sz="2000">
+                <a:solidFill>
+                  <a:schemeClr val="tx1"/>
+                </a:solidFill>
+                <a:latin typeface="맑은 고딕" panose="020B0503020000020004" pitchFamily="50" charset="-127"/>
+                <a:ea typeface="맑은 고딕" panose="020B0503020000020004" pitchFamily="50" charset="-127"/>
+              </a:defRPr>
+            </a:lvl6pPr>
+            <a:lvl7pPr marL="2971800" indent="-228600" eaLnBrk="0" fontAlgn="base" hangingPunct="0">
+              <a:spcBef>
+                <a:spcPct val="20000"/>
+              </a:spcBef>
+              <a:spcAft>
+                <a:spcPct val="0"/>
+              </a:spcAft>
+              <a:buFont typeface="Arial" panose="020B0604020202020204" pitchFamily="34" charset="0"/>
+              <a:buChar char="»"/>
+              <a:defRPr sz="2000">
+                <a:solidFill>
+                  <a:schemeClr val="tx1"/>
+                </a:solidFill>
+                <a:latin typeface="맑은 고딕" panose="020B0503020000020004" pitchFamily="50" charset="-127"/>
+                <a:ea typeface="맑은 고딕" panose="020B0503020000020004" pitchFamily="50" charset="-127"/>
+              </a:defRPr>
+            </a:lvl7pPr>
+            <a:lvl8pPr marL="3429000" indent="-228600" eaLnBrk="0" fontAlgn="base" hangingPunct="0">
+              <a:spcBef>
+                <a:spcPct val="20000"/>
+              </a:spcBef>
+              <a:spcAft>
+                <a:spcPct val="0"/>
+              </a:spcAft>
+              <a:buFont typeface="Arial" panose="020B0604020202020204" pitchFamily="34" charset="0"/>
+              <a:buChar char="»"/>
+              <a:defRPr sz="2000">
+                <a:solidFill>
+                  <a:schemeClr val="tx1"/>
+                </a:solidFill>
+                <a:latin typeface="맑은 고딕" panose="020B0503020000020004" pitchFamily="50" charset="-127"/>
+                <a:ea typeface="맑은 고딕" panose="020B0503020000020004" pitchFamily="50" charset="-127"/>
+              </a:defRPr>
+            </a:lvl8pPr>
+            <a:lvl9pPr marL="3886200" indent="-228600" eaLnBrk="0" fontAlgn="base" hangingPunct="0">
+              <a:spcBef>
+                <a:spcPct val="20000"/>
+              </a:spcBef>
+              <a:spcAft>
+                <a:spcPct val="0"/>
+              </a:spcAft>
+              <a:buFont typeface="Arial" panose="020B0604020202020204" pitchFamily="34" charset="0"/>
+              <a:buChar char="»"/>
+              <a:defRPr sz="2000">
+                <a:solidFill>
+                  <a:schemeClr val="tx1"/>
+                </a:solidFill>
+                <a:latin typeface="맑은 고딕" panose="020B0503020000020004" pitchFamily="50" charset="-127"/>
+                <a:ea typeface="맑은 고딕" panose="020B0503020000020004" pitchFamily="50" charset="-127"/>
+              </a:defRPr>
+            </a:lvl9pPr>
+          </a:lstStyle>
+          <a:p>
+            <a:pPr algn="just" eaLnBrk="1" hangingPunct="1">
+              <a:spcBef>
+                <a:spcPct val="0"/>
+              </a:spcBef>
+              <a:buFontTx/>
+              <a:buChar char="-"/>
+            </a:pPr>
+            <a:endParaRPr kumimoji="0" lang="ko-KR" altLang="en-US" sz="2000" b="1">
+              <a:latin typeface="나눔스퀘어OTF" panose="020B0600000101010101" pitchFamily="34" charset="-127"/>
+              <a:ea typeface="나눔스퀘어OTF" panose="020B0600000101010101" pitchFamily="34" charset="-127"/>
+            </a:endParaRPr>
+          </a:p>
+        </p:txBody>
+      </p:sp>
+      <p:grpSp>
+        <p:nvGrpSpPr>
+          <p:cNvPr id="18" name="그룹 13">
+            <a:extLst>
+              <a:ext uri="{FF2B5EF4-FFF2-40B4-BE49-F238E27FC236}">
+                <a16:creationId xmlns:a16="http://schemas.microsoft.com/office/drawing/2014/main" id="{CEDC1F82-6178-43A9-950D-20D683336E91}"/>
+              </a:ext>
+            </a:extLst>
+          </p:cNvPr>
+          <p:cNvGrpSpPr>
+            <a:grpSpLocks/>
+          </p:cNvGrpSpPr>
+          <p:nvPr/>
+        </p:nvGrpSpPr>
+        <p:grpSpPr bwMode="auto">
+          <a:xfrm rot="5400000">
+            <a:off x="8534474" y="-2980530"/>
+            <a:ext cx="369889" cy="6832600"/>
+            <a:chOff x="11783835" y="1420022"/>
+            <a:chExt cx="370109" cy="4457250"/>
+          </a:xfrm>
+        </p:grpSpPr>
+        <p:sp>
+          <p:nvSpPr>
+            <p:cNvPr id="19" name="양쪽 모서리가 둥근 사각형 21">
+              <a:extLst>
+                <a:ext uri="{FF2B5EF4-FFF2-40B4-BE49-F238E27FC236}">
+                  <a16:creationId xmlns:a16="http://schemas.microsoft.com/office/drawing/2014/main" id="{D9131C69-C67C-4FEF-9D59-6E0557EA5CC7}"/>
+                </a:ext>
+              </a:extLst>
+            </p:cNvPr>
+            <p:cNvSpPr/>
+            <p:nvPr/>
+          </p:nvSpPr>
+          <p:spPr>
+            <a:xfrm rot="16200000" flipH="1">
+              <a:off x="11537041" y="5260370"/>
+              <a:ext cx="863696" cy="370108"/>
+            </a:xfrm>
+            <a:prstGeom prst="round2SameRect">
+              <a:avLst>
+                <a:gd name="adj1" fmla="val 50000"/>
+                <a:gd name="adj2" fmla="val 0"/>
+              </a:avLst>
+            </a:prstGeom>
+            <a:solidFill>
+              <a:schemeClr val="bg1">
+                <a:lumMod val="85000"/>
+              </a:schemeClr>
+            </a:solidFill>
+            <a:ln>
+              <a:solidFill>
+                <a:schemeClr val="bg1"/>
+              </a:solidFill>
+            </a:ln>
+          </p:spPr>
+          <p:style>
+            <a:lnRef idx="2">
+              <a:schemeClr val="accent1">
+                <a:shade val="50000"/>
+              </a:schemeClr>
+            </a:lnRef>
+            <a:fillRef idx="1">
+              <a:schemeClr val="accent1"/>
+            </a:fillRef>
+            <a:effectRef idx="0">
+              <a:schemeClr val="accent1"/>
+            </a:effectRef>
+            <a:fontRef idx="minor">
+              <a:schemeClr val="lt1"/>
+            </a:fontRef>
+          </p:style>
+          <p:txBody>
+            <a:bodyPr anchor="ctr"/>
+            <a:lstStyle/>
+            <a:p>
+              <a:pPr algn="ctr" eaLnBrk="1" fontAlgn="auto" latinLnBrk="1" hangingPunct="1">
+                <a:spcBef>
+                  <a:spcPts val="0"/>
+                </a:spcBef>
+                <a:spcAft>
+                  <a:spcPts val="0"/>
+                </a:spcAft>
+                <a:defRPr/>
+              </a:pPr>
+              <a:r>
+                <a:rPr kumimoji="0" lang="ko-KR" altLang="en-US" sz="1500" dirty="0">
+                  <a:solidFill>
+                    <a:schemeClr val="tx1"/>
+                  </a:solidFill>
+                  <a:latin typeface="여기어때 잘난체 OTF" pitchFamily="34" charset="-127"/>
+                  <a:ea typeface="여기어때 잘난체 OTF" pitchFamily="34" charset="-127"/>
+                </a:rPr>
+                <a:t>개요</a:t>
+              </a:r>
+            </a:p>
+          </p:txBody>
+        </p:sp>
+        <p:sp>
+          <p:nvSpPr>
+            <p:cNvPr id="20" name="양쪽 모서리가 둥근 사각형 23">
+              <a:extLst>
+                <a:ext uri="{FF2B5EF4-FFF2-40B4-BE49-F238E27FC236}">
+                  <a16:creationId xmlns:a16="http://schemas.microsoft.com/office/drawing/2014/main" id="{63538C9F-CA25-4171-BFBF-D77CEE9CA346}"/>
+                </a:ext>
+              </a:extLst>
+            </p:cNvPr>
+            <p:cNvSpPr/>
+            <p:nvPr/>
+          </p:nvSpPr>
+          <p:spPr>
+            <a:xfrm rot="16200000" flipH="1">
+              <a:off x="11536006" y="4541659"/>
+              <a:ext cx="865767" cy="370108"/>
+            </a:xfrm>
+            <a:prstGeom prst="round2SameRect">
+              <a:avLst>
+                <a:gd name="adj1" fmla="val 50000"/>
+                <a:gd name="adj2" fmla="val 0"/>
+              </a:avLst>
+            </a:prstGeom>
+            <a:solidFill>
+              <a:schemeClr val="bg1">
+                <a:lumMod val="85000"/>
+              </a:schemeClr>
+            </a:solidFill>
+            <a:ln>
+              <a:solidFill>
+                <a:schemeClr val="bg1"/>
+              </a:solidFill>
+            </a:ln>
+          </p:spPr>
+          <p:style>
+            <a:lnRef idx="2">
+              <a:schemeClr val="accent1">
+                <a:shade val="50000"/>
+              </a:schemeClr>
+            </a:lnRef>
+            <a:fillRef idx="1">
+              <a:schemeClr val="accent1"/>
+            </a:fillRef>
+            <a:effectRef idx="0">
+              <a:schemeClr val="accent1"/>
+            </a:effectRef>
+            <a:fontRef idx="minor">
+              <a:schemeClr val="lt1"/>
+            </a:fontRef>
+          </p:style>
+          <p:txBody>
+            <a:bodyPr anchor="ctr"/>
+            <a:lstStyle/>
+            <a:p>
+              <a:pPr algn="ctr" eaLnBrk="1" fontAlgn="auto" latinLnBrk="1" hangingPunct="1">
+                <a:spcBef>
+                  <a:spcPts val="0"/>
+                </a:spcBef>
+                <a:spcAft>
+                  <a:spcPts val="0"/>
+                </a:spcAft>
+                <a:defRPr/>
+              </a:pPr>
+              <a:r>
+                <a:rPr kumimoji="0" lang="ko-KR" altLang="en-US" sz="1500" dirty="0">
+                  <a:solidFill>
+                    <a:schemeClr val="tx1"/>
+                  </a:solidFill>
+                  <a:latin typeface="여기어때 잘난체 OTF" pitchFamily="34" charset="-127"/>
+                  <a:ea typeface="여기어때 잘난체 OTF" pitchFamily="34" charset="-127"/>
+                </a:rPr>
+                <a:t>참여인원</a:t>
+              </a:r>
+            </a:p>
+          </p:txBody>
+        </p:sp>
+        <p:sp>
+          <p:nvSpPr>
+            <p:cNvPr id="21" name="양쪽 모서리가 둥근 사각형 24">
+              <a:extLst>
+                <a:ext uri="{FF2B5EF4-FFF2-40B4-BE49-F238E27FC236}">
+                  <a16:creationId xmlns:a16="http://schemas.microsoft.com/office/drawing/2014/main" id="{B5ED6ED9-7B41-4D24-A07D-4B337FCB4BAD}"/>
+                </a:ext>
+              </a:extLst>
+            </p:cNvPr>
+            <p:cNvSpPr/>
+            <p:nvPr/>
+          </p:nvSpPr>
+          <p:spPr>
+            <a:xfrm rot="16200000" flipH="1">
+              <a:off x="11537041" y="3822948"/>
+              <a:ext cx="863696" cy="370108"/>
+            </a:xfrm>
+            <a:prstGeom prst="round2SameRect">
+              <a:avLst>
+                <a:gd name="adj1" fmla="val 50000"/>
+                <a:gd name="adj2" fmla="val 0"/>
+              </a:avLst>
+            </a:prstGeom>
+            <a:solidFill>
+              <a:schemeClr val="bg1">
+                <a:lumMod val="85000"/>
+              </a:schemeClr>
+            </a:solidFill>
+            <a:ln>
+              <a:solidFill>
+                <a:schemeClr val="bg1"/>
+              </a:solidFill>
+            </a:ln>
+          </p:spPr>
+          <p:style>
+            <a:lnRef idx="2">
+              <a:schemeClr val="accent1">
+                <a:shade val="50000"/>
+              </a:schemeClr>
+            </a:lnRef>
+            <a:fillRef idx="1">
+              <a:schemeClr val="accent1"/>
+            </a:fillRef>
+            <a:effectRef idx="0">
+              <a:schemeClr val="accent1"/>
+            </a:effectRef>
+            <a:fontRef idx="minor">
+              <a:schemeClr val="lt1"/>
+            </a:fontRef>
+          </p:style>
+          <p:txBody>
+            <a:bodyPr anchor="ctr"/>
+            <a:lstStyle/>
+            <a:p>
+              <a:pPr algn="ctr" eaLnBrk="1" fontAlgn="auto" latinLnBrk="1" hangingPunct="1">
+                <a:spcBef>
+                  <a:spcPts val="0"/>
+                </a:spcBef>
+                <a:spcAft>
+                  <a:spcPts val="0"/>
+                </a:spcAft>
+                <a:defRPr/>
+              </a:pPr>
+              <a:r>
+                <a:rPr kumimoji="0" lang="ko-KR" altLang="en-US" sz="1500" dirty="0">
+                  <a:solidFill>
+                    <a:schemeClr val="tx1"/>
+                  </a:solidFill>
+                  <a:latin typeface="여기어때 잘난체 OTF" pitchFamily="34" charset="-127"/>
+                  <a:ea typeface="여기어때 잘난체 OTF" pitchFamily="34" charset="-127"/>
+                </a:rPr>
+                <a:t>일정</a:t>
+              </a:r>
+            </a:p>
+          </p:txBody>
+        </p:sp>
+        <p:sp>
+          <p:nvSpPr>
+            <p:cNvPr id="23" name="양쪽 모서리가 둥근 사각형 25">
+              <a:extLst>
+                <a:ext uri="{FF2B5EF4-FFF2-40B4-BE49-F238E27FC236}">
+                  <a16:creationId xmlns:a16="http://schemas.microsoft.com/office/drawing/2014/main" id="{D9E49526-F06C-4AE6-95B5-E7F6ADE3A611}"/>
+                </a:ext>
+              </a:extLst>
+            </p:cNvPr>
+            <p:cNvSpPr/>
+            <p:nvPr/>
+          </p:nvSpPr>
+          <p:spPr>
+            <a:xfrm rot="16200000" flipH="1">
+              <a:off x="11537041" y="3120807"/>
+              <a:ext cx="863696" cy="370108"/>
+            </a:xfrm>
+            <a:prstGeom prst="round2SameRect">
+              <a:avLst>
+                <a:gd name="adj1" fmla="val 50000"/>
+                <a:gd name="adj2" fmla="val 0"/>
+              </a:avLst>
+            </a:prstGeom>
+            <a:solidFill>
+              <a:schemeClr val="bg1">
+                <a:lumMod val="85000"/>
+              </a:schemeClr>
+            </a:solidFill>
+            <a:ln>
+              <a:solidFill>
+                <a:schemeClr val="bg1"/>
+              </a:solidFill>
+            </a:ln>
+          </p:spPr>
+          <p:style>
+            <a:lnRef idx="2">
+              <a:schemeClr val="accent1">
+                <a:shade val="50000"/>
+              </a:schemeClr>
+            </a:lnRef>
+            <a:fillRef idx="1">
+              <a:schemeClr val="accent1"/>
+            </a:fillRef>
+            <a:effectRef idx="0">
+              <a:schemeClr val="accent1"/>
+            </a:effectRef>
+            <a:fontRef idx="minor">
+              <a:schemeClr val="lt1"/>
+            </a:fontRef>
+          </p:style>
+          <p:txBody>
+            <a:bodyPr anchor="ctr"/>
+            <a:lstStyle/>
+            <a:p>
+              <a:pPr algn="ctr" eaLnBrk="1" fontAlgn="auto" latinLnBrk="1" hangingPunct="1">
+                <a:spcBef>
+                  <a:spcPts val="0"/>
+                </a:spcBef>
+                <a:spcAft>
+                  <a:spcPts val="0"/>
+                </a:spcAft>
+                <a:defRPr/>
+              </a:pPr>
+              <a:r>
+                <a:rPr kumimoji="0" lang="ko-KR" altLang="en-US" sz="1500" dirty="0">
+                  <a:solidFill>
+                    <a:schemeClr val="tx1"/>
+                  </a:solidFill>
+                  <a:latin typeface="여기어때 잘난체 OTF" pitchFamily="34" charset="-127"/>
+                  <a:ea typeface="여기어때 잘난체 OTF" pitchFamily="34" charset="-127"/>
+                </a:rPr>
+                <a:t>구성</a:t>
+              </a:r>
+            </a:p>
+          </p:txBody>
+        </p:sp>
+        <p:sp>
+          <p:nvSpPr>
+            <p:cNvPr id="30" name="양쪽 모서리가 둥근 사각형 26">
+              <a:extLst>
+                <a:ext uri="{FF2B5EF4-FFF2-40B4-BE49-F238E27FC236}">
+                  <a16:creationId xmlns:a16="http://schemas.microsoft.com/office/drawing/2014/main" id="{C9D71E2D-8B35-4A96-B8C5-ADD4D13184C3}"/>
+                </a:ext>
+              </a:extLst>
+            </p:cNvPr>
+            <p:cNvSpPr/>
+            <p:nvPr/>
+          </p:nvSpPr>
+          <p:spPr>
+            <a:xfrm rot="16200000" flipH="1">
+              <a:off x="11535488" y="2433682"/>
+              <a:ext cx="866803" cy="370108"/>
+            </a:xfrm>
+            <a:prstGeom prst="round2SameRect">
+              <a:avLst>
+                <a:gd name="adj1" fmla="val 50000"/>
+                <a:gd name="adj2" fmla="val 0"/>
+              </a:avLst>
+            </a:prstGeom>
+            <a:gradFill>
+              <a:gsLst>
+                <a:gs pos="0">
+                  <a:schemeClr val="tx1"/>
+                </a:gs>
+                <a:gs pos="100000">
+                  <a:schemeClr val="tx1"/>
+                </a:gs>
+                <a:gs pos="51000">
+                  <a:schemeClr val="bg1">
+                    <a:lumMod val="50000"/>
+                  </a:schemeClr>
+                </a:gs>
+              </a:gsLst>
+              <a:lin ang="0" scaled="1"/>
+            </a:gradFill>
+            <a:ln>
+              <a:solidFill>
+                <a:schemeClr val="bg1"/>
+              </a:solidFill>
+            </a:ln>
+          </p:spPr>
+          <p:style>
+            <a:lnRef idx="2">
+              <a:schemeClr val="accent1">
+                <a:shade val="50000"/>
+              </a:schemeClr>
+            </a:lnRef>
+            <a:fillRef idx="1">
+              <a:schemeClr val="accent1"/>
+            </a:fillRef>
+            <a:effectRef idx="0">
+              <a:schemeClr val="accent1"/>
+            </a:effectRef>
+            <a:fontRef idx="minor">
+              <a:schemeClr val="lt1"/>
+            </a:fontRef>
+          </p:style>
+          <p:txBody>
+            <a:bodyPr anchor="ctr"/>
+            <a:lstStyle/>
+            <a:p>
+              <a:pPr algn="ctr" eaLnBrk="1" fontAlgn="auto" latinLnBrk="1" hangingPunct="1">
+                <a:spcBef>
+                  <a:spcPts val="0"/>
+                </a:spcBef>
+                <a:spcAft>
+                  <a:spcPts val="0"/>
+                </a:spcAft>
+                <a:defRPr/>
+              </a:pPr>
+              <a:r>
+                <a:rPr kumimoji="0" lang="ko-KR" altLang="en-US" sz="1500" dirty="0">
+                  <a:solidFill>
+                    <a:schemeClr val="bg1"/>
+                  </a:solidFill>
+                  <a:latin typeface="여기어때 잘난체 OTF" panose="020B0600000101010101" pitchFamily="34" charset="-127"/>
+                  <a:ea typeface="여기어때 잘난체 OTF" panose="020B0600000101010101" pitchFamily="34" charset="-127"/>
+                </a:rPr>
+                <a:t>제안</a:t>
+              </a:r>
+              <a:r>
+                <a:rPr kumimoji="0" lang="en-US" altLang="ko-KR" sz="1500" dirty="0">
+                  <a:solidFill>
+                    <a:schemeClr val="bg1"/>
+                  </a:solidFill>
+                  <a:latin typeface="여기어때 잘난체 OTF" panose="020B0600000101010101" pitchFamily="34" charset="-127"/>
+                  <a:ea typeface="여기어때 잘난체 OTF" panose="020B0600000101010101" pitchFamily="34" charset="-127"/>
+                </a:rPr>
+                <a:t>/</a:t>
+              </a:r>
+              <a:r>
+                <a:rPr kumimoji="0" lang="ko-KR" altLang="en-US" sz="1500" dirty="0">
+                  <a:solidFill>
+                    <a:schemeClr val="bg1"/>
+                  </a:solidFill>
+                  <a:latin typeface="여기어때 잘난체 OTF" panose="020B0600000101010101" pitchFamily="34" charset="-127"/>
+                  <a:ea typeface="여기어때 잘난체 OTF" panose="020B0600000101010101" pitchFamily="34" charset="-127"/>
+                </a:rPr>
+                <a:t>내용</a:t>
+              </a:r>
+            </a:p>
+          </p:txBody>
+        </p:sp>
+        <p:sp>
+          <p:nvSpPr>
+            <p:cNvPr id="31" name="양쪽 모서리가 둥근 사각형 27">
+              <a:extLst>
+                <a:ext uri="{FF2B5EF4-FFF2-40B4-BE49-F238E27FC236}">
+                  <a16:creationId xmlns:a16="http://schemas.microsoft.com/office/drawing/2014/main" id="{4CFBB92F-548E-430F-96DF-DEDA7AE057BA}"/>
+                </a:ext>
+              </a:extLst>
+            </p:cNvPr>
+            <p:cNvSpPr/>
+            <p:nvPr/>
+          </p:nvSpPr>
+          <p:spPr>
+            <a:xfrm rot="16200000" flipH="1">
+              <a:off x="11537041" y="1666816"/>
+              <a:ext cx="863696" cy="370108"/>
+            </a:xfrm>
+            <a:prstGeom prst="round2SameRect">
+              <a:avLst>
+                <a:gd name="adj1" fmla="val 50000"/>
+                <a:gd name="adj2" fmla="val 0"/>
+              </a:avLst>
+            </a:prstGeom>
+            <a:solidFill>
+              <a:schemeClr val="bg1">
+                <a:lumMod val="85000"/>
+              </a:schemeClr>
+            </a:solidFill>
+            <a:ln>
+              <a:solidFill>
+                <a:schemeClr val="bg1"/>
+              </a:solidFill>
+            </a:ln>
+          </p:spPr>
+          <p:style>
+            <a:lnRef idx="2">
+              <a:schemeClr val="accent1">
+                <a:shade val="50000"/>
+              </a:schemeClr>
+            </a:lnRef>
+            <a:fillRef idx="1">
+              <a:schemeClr val="accent1"/>
+            </a:fillRef>
+            <a:effectRef idx="0">
+              <a:schemeClr val="accent1"/>
+            </a:effectRef>
+            <a:fontRef idx="minor">
+              <a:schemeClr val="lt1"/>
+            </a:fontRef>
+          </p:style>
+          <p:txBody>
+            <a:bodyPr anchor="ctr"/>
+            <a:lstStyle/>
+            <a:p>
+              <a:pPr algn="ctr" eaLnBrk="1" fontAlgn="auto" latinLnBrk="1" hangingPunct="1">
+                <a:spcBef>
+                  <a:spcPts val="0"/>
+                </a:spcBef>
+                <a:spcAft>
+                  <a:spcPts val="0"/>
+                </a:spcAft>
+                <a:defRPr/>
+              </a:pPr>
+              <a:r>
+                <a:rPr kumimoji="0" lang="ko-KR" altLang="en-US" sz="1500" dirty="0" err="1">
+                  <a:solidFill>
+                    <a:schemeClr val="tx1">
+                      <a:lumMod val="85000"/>
+                      <a:lumOff val="15000"/>
+                    </a:schemeClr>
+                  </a:solidFill>
+                  <a:latin typeface="여기어때 잘난체 OTF" pitchFamily="34" charset="-127"/>
+                  <a:ea typeface="여기어때 잘난체 OTF" pitchFamily="34" charset="-127"/>
+                </a:rPr>
+                <a:t>구현화면</a:t>
+              </a:r>
+              <a:endParaRPr kumimoji="0" lang="ko-KR" altLang="en-US" sz="1500" dirty="0">
+                <a:solidFill>
+                  <a:schemeClr val="tx1">
+                    <a:lumMod val="85000"/>
+                    <a:lumOff val="15000"/>
+                  </a:schemeClr>
+                </a:solidFill>
+                <a:latin typeface="여기어때 잘난체 OTF" pitchFamily="34" charset="-127"/>
+                <a:ea typeface="여기어때 잘난체 OTF" pitchFamily="34" charset="-127"/>
+              </a:endParaRPr>
+            </a:p>
+          </p:txBody>
+        </p:sp>
+      </p:grpSp>
+    </p:spTree>
+    <p:extLst>
+      <p:ext uri="{BB962C8B-B14F-4D97-AF65-F5344CB8AC3E}">
+        <p14:creationId xmlns:p14="http://schemas.microsoft.com/office/powerpoint/2010/main" val="2926256096"/>
+      </p:ext>
+    </p:extLst>
+  </p:cSld>
+  <p:clrMapOvr>
+    <a:masterClrMapping/>
+  </p:clrMapOvr>
+</p:sld>
+</file>
+
+<file path=ppt/slides/slide11.xml><?xml version="1.0" encoding="utf-8"?>
+<p:sld xmlns:a="http://schemas.openxmlformats.org/drawingml/2006/main" xmlns:r="http://schemas.openxmlformats.org/officeDocument/2006/relationships" xmlns:p="http://schemas.openxmlformats.org/presentationml/2006/main">
+  <p:cSld>
+    <p:spTree>
+      <p:nvGrpSpPr>
+        <p:cNvPr id="1" name=""/>
+        <p:cNvGrpSpPr/>
+        <p:nvPr/>
+      </p:nvGrpSpPr>
+      <p:grpSpPr>
+        <a:xfrm>
+          <a:off x="0" y="0"/>
+          <a:ext cx="0" cy="0"/>
+          <a:chOff x="0" y="0"/>
+          <a:chExt cx="0" cy="0"/>
+        </a:xfrm>
+      </p:grpSpPr>
+      <p:sp>
+        <p:nvSpPr>
+          <p:cNvPr id="13" name="직사각형 12"/>
+          <p:cNvSpPr/>
+          <p:nvPr/>
+        </p:nvSpPr>
+        <p:spPr>
+          <a:xfrm>
+            <a:off x="0" y="-4763"/>
+            <a:ext cx="12192000" cy="620713"/>
+          </a:xfrm>
+          <a:prstGeom prst="rect">
+            <a:avLst/>
+          </a:prstGeom>
+          <a:gradFill>
+            <a:gsLst>
+              <a:gs pos="0">
+                <a:schemeClr val="tx1">
+                  <a:lumMod val="65000"/>
+                  <a:lumOff val="35000"/>
+                </a:schemeClr>
+              </a:gs>
+              <a:gs pos="100000">
+                <a:schemeClr val="bg1">
+                  <a:lumMod val="95000"/>
+                </a:schemeClr>
+              </a:gs>
+              <a:gs pos="40000">
+                <a:schemeClr val="bg1">
+                  <a:lumMod val="75000"/>
+                </a:schemeClr>
+              </a:gs>
+            </a:gsLst>
+            <a:lin ang="0" scaled="1"/>
+          </a:gradFill>
+          <a:ln>
+            <a:noFill/>
+          </a:ln>
+        </p:spPr>
+        <p:style>
+          <a:lnRef idx="2">
+            <a:schemeClr val="accent1">
+              <a:shade val="50000"/>
+            </a:schemeClr>
+          </a:lnRef>
+          <a:fillRef idx="1">
+            <a:schemeClr val="accent1"/>
+          </a:fillRef>
+          <a:effectRef idx="0">
+            <a:schemeClr val="accent1"/>
+          </a:effectRef>
+          <a:fontRef idx="minor">
+            <a:schemeClr val="lt1"/>
+          </a:fontRef>
+        </p:style>
+        <p:txBody>
+          <a:bodyPr anchor="ctr"/>
+          <a:lstStyle/>
+          <a:p>
+            <a:pPr algn="ctr" eaLnBrk="1" fontAlgn="auto" latinLnBrk="1" hangingPunct="1">
+              <a:spcBef>
+                <a:spcPts val="0"/>
+              </a:spcBef>
+              <a:spcAft>
+                <a:spcPts val="0"/>
+              </a:spcAft>
+              <a:defRPr/>
+            </a:pPr>
+            <a:endParaRPr kumimoji="0" lang="ko-KR" altLang="en-US" dirty="0"/>
+          </a:p>
+        </p:txBody>
+      </p:sp>
+      <p:sp>
+        <p:nvSpPr>
+          <p:cNvPr id="16" name="TextBox 15"/>
+          <p:cNvSpPr txBox="1"/>
+          <p:nvPr/>
+        </p:nvSpPr>
+        <p:spPr bwMode="auto">
+          <a:xfrm>
+            <a:off x="488950" y="765175"/>
+            <a:ext cx="2814638" cy="646113"/>
+          </a:xfrm>
+          <a:prstGeom prst="rect">
+            <a:avLst/>
+          </a:prstGeom>
+          <a:noFill/>
+        </p:spPr>
+        <p:txBody>
+          <a:bodyPr wrap="none">
+            <a:spAutoFit/>
+          </a:bodyPr>
+          <a:lstStyle/>
+          <a:p>
+            <a:pPr eaLnBrk="1" fontAlgn="auto" latinLnBrk="1" hangingPunct="1">
+              <a:spcBef>
+                <a:spcPts val="0"/>
+              </a:spcBef>
+              <a:spcAft>
+                <a:spcPts val="0"/>
+              </a:spcAft>
+              <a:defRPr/>
+            </a:pPr>
+            <a:r>
+              <a:rPr kumimoji="0" lang="ko-KR" altLang="en-US" sz="3600" spc="-300" dirty="0">
+                <a:solidFill>
+                  <a:schemeClr val="tx1">
+                    <a:lumMod val="75000"/>
+                    <a:lumOff val="25000"/>
+                  </a:schemeClr>
+                </a:solidFill>
+                <a:latin typeface="여기어때 잘난체 OTF" pitchFamily="34" charset="-127"/>
+                <a:ea typeface="여기어때 잘난체 OTF" pitchFamily="34" charset="-127"/>
+              </a:rPr>
+              <a:t>프로젝트 내용</a:t>
+            </a:r>
+          </a:p>
+        </p:txBody>
+      </p:sp>
+      <p:sp>
+        <p:nvSpPr>
+          <p:cNvPr id="25604" name="Text Placeholder 2"/>
+          <p:cNvSpPr txBox="1">
+            <a:spLocks/>
+          </p:cNvSpPr>
+          <p:nvPr/>
+        </p:nvSpPr>
+        <p:spPr bwMode="auto">
+          <a:xfrm>
+            <a:off x="509588" y="1651000"/>
+            <a:ext cx="7739062" cy="304800"/>
+          </a:xfrm>
+          <a:prstGeom prst="rect">
+            <a:avLst/>
+          </a:prstGeom>
+          <a:noFill/>
+          <a:ln>
+            <a:noFill/>
+          </a:ln>
+          <a:extLst>
+            <a:ext uri="{909E8E84-426E-40DD-AFC4-6F175D3DCCD1}">
+              <a14:hiddenFill xmlns:a14="http://schemas.microsoft.com/office/drawing/2010/main">
+                <a:solidFill>
+                  <a:srgbClr val="FFFFFF"/>
+                </a:solidFill>
+              </a14:hiddenFill>
+            </a:ext>
+            <a:ext uri="{91240B29-F687-4F45-9708-019B960494DF}">
+              <a14:hiddenLine xmlns:a14="http://schemas.microsoft.com/office/drawing/2010/main" w="9525">
+                <a:solidFill>
+                  <a:srgbClr val="000000"/>
+                </a:solidFill>
+                <a:miter lim="800000"/>
+                <a:headEnd/>
+                <a:tailEnd/>
+              </a14:hiddenLine>
+            </a:ext>
+          </a:extLst>
+        </p:spPr>
+        <p:txBody>
+          <a:bodyPr anchor="ctr"/>
+          <a:lstStyle>
+            <a:lvl1pPr latinLnBrk="1">
+              <a:spcBef>
+                <a:spcPct val="20000"/>
+              </a:spcBef>
+              <a:buFont typeface="Arial" panose="020B0604020202020204" pitchFamily="34" charset="0"/>
+              <a:buChar char="•"/>
+              <a:defRPr sz="3200">
+                <a:solidFill>
+                  <a:schemeClr val="tx1"/>
+                </a:solidFill>
+                <a:latin typeface="맑은 고딕" panose="020B0503020000020004" pitchFamily="50" charset="-127"/>
+                <a:ea typeface="맑은 고딕" panose="020B0503020000020004" pitchFamily="50" charset="-127"/>
+              </a:defRPr>
+            </a:lvl1pPr>
+            <a:lvl2pPr marL="742950" indent="-285750" latinLnBrk="1">
+              <a:spcBef>
+                <a:spcPct val="20000"/>
+              </a:spcBef>
+              <a:buFont typeface="Arial" panose="020B0604020202020204" pitchFamily="34" charset="0"/>
+              <a:buChar char="–"/>
+              <a:defRPr sz="2800">
+                <a:solidFill>
+                  <a:schemeClr val="tx1"/>
+                </a:solidFill>
+                <a:latin typeface="맑은 고딕" panose="020B0503020000020004" pitchFamily="50" charset="-127"/>
+                <a:ea typeface="맑은 고딕" panose="020B0503020000020004" pitchFamily="50" charset="-127"/>
+              </a:defRPr>
+            </a:lvl2pPr>
+            <a:lvl3pPr marL="1143000" indent="-228600" latinLnBrk="1">
+              <a:spcBef>
+                <a:spcPct val="20000"/>
+              </a:spcBef>
+              <a:buFont typeface="Arial" panose="020B0604020202020204" pitchFamily="34" charset="0"/>
+              <a:buChar char="•"/>
+              <a:defRPr sz="2400">
+                <a:solidFill>
+                  <a:schemeClr val="tx1"/>
+                </a:solidFill>
+                <a:latin typeface="맑은 고딕" panose="020B0503020000020004" pitchFamily="50" charset="-127"/>
+                <a:ea typeface="맑은 고딕" panose="020B0503020000020004" pitchFamily="50" charset="-127"/>
+              </a:defRPr>
+            </a:lvl3pPr>
+            <a:lvl4pPr marL="1600200" indent="-228600" latinLnBrk="1">
+              <a:spcBef>
+                <a:spcPct val="20000"/>
+              </a:spcBef>
+              <a:buFont typeface="Arial" panose="020B0604020202020204" pitchFamily="34" charset="0"/>
+              <a:buChar char="–"/>
+              <a:defRPr sz="2000">
+                <a:solidFill>
+                  <a:schemeClr val="tx1"/>
+                </a:solidFill>
+                <a:latin typeface="맑은 고딕" panose="020B0503020000020004" pitchFamily="50" charset="-127"/>
+                <a:ea typeface="맑은 고딕" panose="020B0503020000020004" pitchFamily="50" charset="-127"/>
+              </a:defRPr>
+            </a:lvl4pPr>
+            <a:lvl5pPr marL="2057400" indent="-228600" latinLnBrk="1">
+              <a:spcBef>
+                <a:spcPct val="20000"/>
+              </a:spcBef>
+              <a:buFont typeface="Arial" panose="020B0604020202020204" pitchFamily="34" charset="0"/>
+              <a:buChar char="»"/>
+              <a:defRPr sz="2000">
+                <a:solidFill>
+                  <a:schemeClr val="tx1"/>
+                </a:solidFill>
+                <a:latin typeface="맑은 고딕" panose="020B0503020000020004" pitchFamily="50" charset="-127"/>
+                <a:ea typeface="맑은 고딕" panose="020B0503020000020004" pitchFamily="50" charset="-127"/>
+              </a:defRPr>
+            </a:lvl5pPr>
+            <a:lvl6pPr marL="2514600" indent="-228600" eaLnBrk="0" fontAlgn="base" hangingPunct="0">
+              <a:spcBef>
+                <a:spcPct val="20000"/>
+              </a:spcBef>
+              <a:spcAft>
+                <a:spcPct val="0"/>
+              </a:spcAft>
+              <a:buFont typeface="Arial" panose="020B0604020202020204" pitchFamily="34" charset="0"/>
+              <a:buChar char="»"/>
+              <a:defRPr sz="2000">
+                <a:solidFill>
+                  <a:schemeClr val="tx1"/>
+                </a:solidFill>
+                <a:latin typeface="맑은 고딕" panose="020B0503020000020004" pitchFamily="50" charset="-127"/>
+                <a:ea typeface="맑은 고딕" panose="020B0503020000020004" pitchFamily="50" charset="-127"/>
+              </a:defRPr>
+            </a:lvl6pPr>
+            <a:lvl7pPr marL="2971800" indent="-228600" eaLnBrk="0" fontAlgn="base" hangingPunct="0">
+              <a:spcBef>
+                <a:spcPct val="20000"/>
+              </a:spcBef>
+              <a:spcAft>
+                <a:spcPct val="0"/>
+              </a:spcAft>
+              <a:buFont typeface="Arial" panose="020B0604020202020204" pitchFamily="34" charset="0"/>
+              <a:buChar char="»"/>
+              <a:defRPr sz="2000">
+                <a:solidFill>
+                  <a:schemeClr val="tx1"/>
+                </a:solidFill>
+                <a:latin typeface="맑은 고딕" panose="020B0503020000020004" pitchFamily="50" charset="-127"/>
+                <a:ea typeface="맑은 고딕" panose="020B0503020000020004" pitchFamily="50" charset="-127"/>
+              </a:defRPr>
+            </a:lvl7pPr>
+            <a:lvl8pPr marL="3429000" indent="-228600" eaLnBrk="0" fontAlgn="base" hangingPunct="0">
+              <a:spcBef>
+                <a:spcPct val="20000"/>
+              </a:spcBef>
+              <a:spcAft>
+                <a:spcPct val="0"/>
+              </a:spcAft>
+              <a:buFont typeface="Arial" panose="020B0604020202020204" pitchFamily="34" charset="0"/>
+              <a:buChar char="»"/>
+              <a:defRPr sz="2000">
+                <a:solidFill>
+                  <a:schemeClr val="tx1"/>
+                </a:solidFill>
+                <a:latin typeface="맑은 고딕" panose="020B0503020000020004" pitchFamily="50" charset="-127"/>
+                <a:ea typeface="맑은 고딕" panose="020B0503020000020004" pitchFamily="50" charset="-127"/>
+              </a:defRPr>
+            </a:lvl8pPr>
+            <a:lvl9pPr marL="3886200" indent="-228600" eaLnBrk="0" fontAlgn="base" hangingPunct="0">
+              <a:spcBef>
+                <a:spcPct val="20000"/>
+              </a:spcBef>
+              <a:spcAft>
+                <a:spcPct val="0"/>
+              </a:spcAft>
+              <a:buFont typeface="Arial" panose="020B0604020202020204" pitchFamily="34" charset="0"/>
+              <a:buChar char="»"/>
+              <a:defRPr sz="2000">
+                <a:solidFill>
+                  <a:schemeClr val="tx1"/>
+                </a:solidFill>
+                <a:latin typeface="맑은 고딕" panose="020B0503020000020004" pitchFamily="50" charset="-127"/>
+                <a:ea typeface="맑은 고딕" panose="020B0503020000020004" pitchFamily="50" charset="-127"/>
+              </a:defRPr>
+            </a:lvl9pPr>
+          </a:lstStyle>
+          <a:p>
+            <a:pPr eaLnBrk="1" hangingPunct="1">
+              <a:spcBef>
+                <a:spcPct val="0"/>
+              </a:spcBef>
+              <a:buFontTx/>
+              <a:buNone/>
+            </a:pPr>
+            <a:r>
+              <a:rPr kumimoji="0" lang="ko-KR" altLang="en-US" sz="2400">
+                <a:solidFill>
+                  <a:schemeClr val="tx2"/>
+                </a:solidFill>
+                <a:latin typeface="나눔스퀘어OTF Bold" panose="020B0600000101010101" pitchFamily="34" charset="-127"/>
+                <a:ea typeface="나눔스퀘어OTF Bold" panose="020B0600000101010101" pitchFamily="34" charset="-127"/>
+              </a:rPr>
+              <a:t>개발 </a:t>
+            </a:r>
+            <a:r>
+              <a:rPr kumimoji="0" lang="en-US" altLang="ko-KR" sz="2400">
+                <a:solidFill>
+                  <a:schemeClr val="tx2"/>
+                </a:solidFill>
+                <a:latin typeface="나눔스퀘어OTF Bold" panose="020B0600000101010101" pitchFamily="34" charset="-127"/>
+                <a:ea typeface="나눔스퀘어OTF Bold" panose="020B0600000101010101" pitchFamily="34" charset="-127"/>
+              </a:rPr>
               <a:t>: </a:t>
             </a:r>
             <a:r>
@@ -9181,7 +10725,7 @@
 </p:sld>
 </file>
 
-<file path=ppt/slides/slide11.xml><?xml version="1.0" encoding="utf-8"?>
+<file path=ppt/slides/slide12.xml><?xml version="1.0" encoding="utf-8"?>
 <p:sld xmlns:a="http://schemas.openxmlformats.org/drawingml/2006/main" xmlns:r="http://schemas.openxmlformats.org/officeDocument/2006/relationships" xmlns:p="http://schemas.openxmlformats.org/presentationml/2006/main">
   <p:cSld>
     <p:spTree>
@@ -10525,7 +12069,7 @@
 </p:sld>
 </file>
 
-<file path=ppt/slides/slide12.xml><?xml version="1.0" encoding="utf-8"?>
+<file path=ppt/slides/slide13.xml><?xml version="1.0" encoding="utf-8"?>
 <p:sld xmlns:a="http://schemas.openxmlformats.org/drawingml/2006/main" xmlns:r="http://schemas.openxmlformats.org/officeDocument/2006/relationships" xmlns:p="http://schemas.openxmlformats.org/presentationml/2006/main">
   <p:cSld>
     <p:spTree>
@@ -11863,7 +13407,7 @@
 </p:sld>
 </file>
 
-<file path=ppt/slides/slide13.xml><?xml version="1.0" encoding="utf-8"?>
+<file path=ppt/slides/slide14.xml><?xml version="1.0" encoding="utf-8"?>
 <p:sld xmlns:a="http://schemas.openxmlformats.org/drawingml/2006/main" xmlns:r="http://schemas.openxmlformats.org/officeDocument/2006/relationships" xmlns:p="http://schemas.openxmlformats.org/presentationml/2006/main">
   <p:cSld>
     <p:spTree>
@@ -13214,7 +14758,7 @@
 </p:sld>
 </file>
 
-<file path=ppt/slides/slide14.xml><?xml version="1.0" encoding="utf-8"?>
+<file path=ppt/slides/slide15.xml><?xml version="1.0" encoding="utf-8"?>
 <p:sld xmlns:a="http://schemas.openxmlformats.org/drawingml/2006/main" xmlns:r="http://schemas.openxmlformats.org/officeDocument/2006/relationships" xmlns:p="http://schemas.openxmlformats.org/presentationml/2006/main">
   <p:cSld>
     <p:spTree>
@@ -14617,7 +16161,7 @@
 </p:sld>
 </file>
 
-<file path=ppt/slides/slide15.xml><?xml version="1.0" encoding="utf-8"?>
+<file path=ppt/slides/slide16.xml><?xml version="1.0" encoding="utf-8"?>
 <p:sld xmlns:a="http://schemas.openxmlformats.org/drawingml/2006/main" xmlns:r="http://schemas.openxmlformats.org/officeDocument/2006/relationships" xmlns:p="http://schemas.openxmlformats.org/presentationml/2006/main">
   <p:cSld>
     <p:spTree>
@@ -15976,7 +17520,7 @@
 </p:sld>
 </file>
 
-<file path=ppt/slides/slide16.xml><?xml version="1.0" encoding="utf-8"?>
+<file path=ppt/slides/slide17.xml><?xml version="1.0" encoding="utf-8"?>
 <p:sld xmlns:a="http://schemas.openxmlformats.org/drawingml/2006/main" xmlns:r="http://schemas.openxmlformats.org/officeDocument/2006/relationships" xmlns:p="http://schemas.openxmlformats.org/presentationml/2006/main">
   <p:cSld>
     <p:spTree>
@@ -36022,7 +37566,7 @@
                 <a:latin typeface="나눔스퀘어OTF Bold" panose="020B0600000101010101" pitchFamily="34" charset="-127"/>
                 <a:ea typeface="나눔스퀘어OTF Bold" panose="020B0600000101010101" pitchFamily="34" charset="-127"/>
               </a:rPr>
-              <a:t>시스템 구성도</a:t>
+              <a:t>세부 일정</a:t>
             </a:r>
           </a:p>
         </p:txBody>
@@ -36194,7 +37738,7 @@
                 <a:latin typeface="나눔스퀘어OTF ExtraBold" pitchFamily="34" charset="-127"/>
                 <a:ea typeface="나눔스퀘어OTF ExtraBold" pitchFamily="34" charset="-127"/>
               </a:rPr>
-              <a:t>시스템 구성도</a:t>
+              <a:t>세부 일정</a:t>
             </a:r>
             <a:endParaRPr kumimoji="0" lang="ko-KR" altLang="en-US" sz="1600" dirty="0">
               <a:solidFill>
@@ -36931,7 +38475,7 @@
     </p:spTree>
     <p:extLst>
       <p:ext uri="{BB962C8B-B14F-4D97-AF65-F5344CB8AC3E}">
-        <p14:creationId xmlns:p14="http://schemas.microsoft.com/office/powerpoint/2010/main" val="3058418728"/>
+        <p14:creationId xmlns:p14="http://schemas.microsoft.com/office/powerpoint/2010/main" val="3149240301"/>
       </p:ext>
     </p:extLst>
   </p:cSld>
@@ -37285,7 +38829,7 @@
                 <a:latin typeface="나눔스퀘어OTF Bold" panose="020B0600000101010101" pitchFamily="34" charset="-127"/>
                 <a:ea typeface="나눔스퀘어OTF Bold" panose="020B0600000101010101" pitchFamily="34" charset="-127"/>
               </a:rPr>
-              <a:t>:3 Tier </a:t>
+              <a:t>: </a:t>
             </a:r>
             <a:r>
               <a:rPr kumimoji="0" lang="ko-KR" altLang="en-US" sz="2400">
@@ -37295,7 +38839,7 @@
                 <a:latin typeface="나눔스퀘어OTF Bold" panose="020B0600000101010101" pitchFamily="34" charset="-127"/>
                 <a:ea typeface="나눔스퀘어OTF Bold" panose="020B0600000101010101" pitchFamily="34" charset="-127"/>
               </a:rPr>
-              <a:t>구조</a:t>
+              <a:t>시스템 구성도</a:t>
             </a:r>
           </a:p>
         </p:txBody>
@@ -37311,13 +38855,13 @@
         <p:spPr bwMode="auto">
           <a:xfrm>
             <a:off x="782638" y="2320925"/>
-            <a:ext cx="6608712" cy="3653049"/>
+            <a:ext cx="6947768" cy="3653049"/>
           </a:xfrm>
           <a:prstGeom prst="rect">
             <a:avLst/>
           </a:prstGeom>
           <a:blipFill dpi="0" rotWithShape="1">
-            <a:blip r:embed="rId3" cstate="print">
+            <a:blip r:embed="rId3">
               <a:extLst>
                 <a:ext uri="{28A0092B-C50C-407E-A947-70E740481C1C}">
                   <a14:useLocalDpi xmlns:a14="http://schemas.microsoft.com/office/drawing/2010/main" val="0"/>
@@ -37460,24 +39004,14 @@
               <a:defRPr/>
             </a:pPr>
             <a:r>
-              <a:rPr kumimoji="0" lang="en-US" altLang="ko-KR" sz="1600">
+              <a:rPr kumimoji="0" lang="ko-KR" altLang="en-US" sz="1600">
                 <a:solidFill>
                   <a:schemeClr val="bg1"/>
                 </a:solidFill>
                 <a:latin typeface="나눔스퀘어OTF ExtraBold" pitchFamily="34" charset="-127"/>
                 <a:ea typeface="나눔스퀘어OTF ExtraBold" pitchFamily="34" charset="-127"/>
               </a:rPr>
-              <a:t>3 Tier </a:t>
-            </a:r>
-            <a:r>
-              <a:rPr kumimoji="0" lang="ko-KR" altLang="en-US" sz="1600">
-                <a:solidFill>
-                  <a:schemeClr val="bg1"/>
-                </a:solidFill>
-                <a:latin typeface="나눔스퀘어OTF ExtraBold" pitchFamily="34" charset="-127"/>
-                <a:ea typeface="나눔스퀘어OTF ExtraBold" pitchFamily="34" charset="-127"/>
-              </a:rPr>
-              <a:t>구조</a:t>
+              <a:t>시스템 구성도</a:t>
             </a:r>
             <a:endParaRPr kumimoji="0" lang="ko-KR" altLang="en-US" sz="1600" dirty="0">
               <a:solidFill>
@@ -37499,8 +39033,8 @@
         </p:nvSpPr>
         <p:spPr bwMode="auto">
           <a:xfrm>
-            <a:off x="7895406" y="2477417"/>
-            <a:ext cx="3960044" cy="400110"/>
+            <a:off x="6529584" y="2477417"/>
+            <a:ext cx="5325866" cy="400110"/>
           </a:xfrm>
           <a:prstGeom prst="rect">
             <a:avLst/>
@@ -37530,7 +39064,7 @@
           </a:extLst>
         </p:spPr>
         <p:txBody>
-          <a:bodyPr wrap="square">
+          <a:bodyPr>
             <a:spAutoFit/>
           </a:bodyPr>
           <a:lstStyle>
@@ -38214,7 +39748,7 @@
     </p:spTree>
     <p:extLst>
       <p:ext uri="{BB962C8B-B14F-4D97-AF65-F5344CB8AC3E}">
-        <p14:creationId xmlns:p14="http://schemas.microsoft.com/office/powerpoint/2010/main" val="2926256096"/>
+        <p14:creationId xmlns:p14="http://schemas.microsoft.com/office/powerpoint/2010/main" val="3058418728"/>
       </p:ext>
     </p:extLst>
   </p:cSld>

--- a/산출물/Team3 화면 설계 발표 ppt.pptx
+++ b/산출물/Team3 화면 설계 발표 ppt.pptx
@@ -25067,7 +25067,7 @@
                 <a:defRPr/>
               </a:pPr>
               <a:r>
-                <a:rPr kumimoji="0" lang="ko-KR" altLang="en-US" sz="1400" spc="-150">
+                <a:rPr kumimoji="0" lang="en-US" altLang="ko-KR" sz="1400" spc="-150">
                   <a:solidFill>
                     <a:schemeClr val="tx1">
                       <a:lumMod val="65000"/>
@@ -25077,7 +25077,7 @@
                   <a:latin typeface="나눔스퀘어OTF ExtraBold" pitchFamily="34" charset="-127"/>
                   <a:ea typeface="나눔스퀘어OTF ExtraBold" pitchFamily="34" charset="-127"/>
                 </a:rPr>
-                <a:t>생산 관리</a:t>
+                <a:t>POP</a:t>
               </a:r>
               <a:endParaRPr kumimoji="0" lang="ko-KR" altLang="en-US" sz="1400" spc="-150" dirty="0">
                 <a:solidFill>
